--- a/Slides/2016 DOAG K+A - Sabine Heimsath + Robert Marz - Scripting with SQLcl.pptx
+++ b/Slides/2016 DOAG K+A - Sabine Heimsath + Robert Marz - Scripting with SQLcl.pptx
@@ -5,24 +5,25 @@
     <p:sldMasterId id="2147483791" r:id="rId1"/>
   </p:sldMasterIdLst>
   <p:notesMasterIdLst>
-    <p:notesMasterId r:id="rId17"/>
+    <p:notesMasterId r:id="rId18"/>
   </p:notesMasterIdLst>
   <p:sldIdLst>
     <p:sldId id="305" r:id="rId2"/>
     <p:sldId id="313" r:id="rId3"/>
-    <p:sldId id="316" r:id="rId4"/>
-    <p:sldId id="314" r:id="rId5"/>
-    <p:sldId id="315" r:id="rId6"/>
-    <p:sldId id="317" r:id="rId7"/>
-    <p:sldId id="318" r:id="rId8"/>
-    <p:sldId id="319" r:id="rId9"/>
-    <p:sldId id="322" r:id="rId10"/>
-    <p:sldId id="320" r:id="rId11"/>
-    <p:sldId id="321" r:id="rId12"/>
-    <p:sldId id="323" r:id="rId13"/>
-    <p:sldId id="325" r:id="rId14"/>
-    <p:sldId id="324" r:id="rId15"/>
-    <p:sldId id="312" r:id="rId16"/>
+    <p:sldId id="326" r:id="rId4"/>
+    <p:sldId id="316" r:id="rId5"/>
+    <p:sldId id="314" r:id="rId6"/>
+    <p:sldId id="315" r:id="rId7"/>
+    <p:sldId id="317" r:id="rId8"/>
+    <p:sldId id="318" r:id="rId9"/>
+    <p:sldId id="319" r:id="rId10"/>
+    <p:sldId id="322" r:id="rId11"/>
+    <p:sldId id="320" r:id="rId12"/>
+    <p:sldId id="321" r:id="rId13"/>
+    <p:sldId id="323" r:id="rId14"/>
+    <p:sldId id="325" r:id="rId15"/>
+    <p:sldId id="324" r:id="rId16"/>
+    <p:sldId id="312" r:id="rId17"/>
   </p:sldIdLst>
   <p:sldSz cx="12192000" cy="6858000"/>
   <p:notesSz cx="6858000" cy="9144000"/>
@@ -891,6 +892,1500 @@
 </file>
 
 <file path=ppt/diagrams/colors10.xml><?xml version="1.0" encoding="utf-8"?>
+<dgm:colorsDef xmlns:dgm="http://schemas.openxmlformats.org/drawingml/2006/diagram" xmlns:a="http://schemas.openxmlformats.org/drawingml/2006/main" uniqueId="urn:microsoft.com/office/officeart/2005/8/colors/accent1_2">
+  <dgm:title val=""/>
+  <dgm:desc val=""/>
+  <dgm:catLst>
+    <dgm:cat type="accent1" pri="11200"/>
+  </dgm:catLst>
+  <dgm:styleLbl name="node0">
+    <dgm:fillClrLst meth="repeat">
+      <a:schemeClr val="accent1"/>
+    </dgm:fillClrLst>
+    <dgm:linClrLst meth="repeat">
+      <a:schemeClr val="lt1"/>
+    </dgm:linClrLst>
+    <dgm:effectClrLst/>
+    <dgm:txLinClrLst/>
+    <dgm:txFillClrLst/>
+    <dgm:txEffectClrLst/>
+  </dgm:styleLbl>
+  <dgm:styleLbl name="alignNode1">
+    <dgm:fillClrLst meth="repeat">
+      <a:schemeClr val="accent1"/>
+    </dgm:fillClrLst>
+    <dgm:linClrLst meth="repeat">
+      <a:schemeClr val="accent1"/>
+    </dgm:linClrLst>
+    <dgm:effectClrLst/>
+    <dgm:txLinClrLst/>
+    <dgm:txFillClrLst/>
+    <dgm:txEffectClrLst/>
+  </dgm:styleLbl>
+  <dgm:styleLbl name="node1">
+    <dgm:fillClrLst meth="repeat">
+      <a:schemeClr val="accent1"/>
+    </dgm:fillClrLst>
+    <dgm:linClrLst meth="repeat">
+      <a:schemeClr val="lt1"/>
+    </dgm:linClrLst>
+    <dgm:effectClrLst/>
+    <dgm:txLinClrLst/>
+    <dgm:txFillClrLst/>
+    <dgm:txEffectClrLst/>
+  </dgm:styleLbl>
+  <dgm:styleLbl name="lnNode1">
+    <dgm:fillClrLst meth="repeat">
+      <a:schemeClr val="accent1"/>
+    </dgm:fillClrLst>
+    <dgm:linClrLst meth="repeat">
+      <a:schemeClr val="lt1"/>
+    </dgm:linClrLst>
+    <dgm:effectClrLst/>
+    <dgm:txLinClrLst/>
+    <dgm:txFillClrLst/>
+    <dgm:txEffectClrLst/>
+  </dgm:styleLbl>
+  <dgm:styleLbl name="vennNode1">
+    <dgm:fillClrLst meth="repeat">
+      <a:schemeClr val="accent1">
+        <a:alpha val="50000"/>
+      </a:schemeClr>
+    </dgm:fillClrLst>
+    <dgm:linClrLst meth="repeat">
+      <a:schemeClr val="lt1"/>
+    </dgm:linClrLst>
+    <dgm:effectClrLst/>
+    <dgm:txLinClrLst/>
+    <dgm:txFillClrLst/>
+    <dgm:txEffectClrLst/>
+  </dgm:styleLbl>
+  <dgm:styleLbl name="node2">
+    <dgm:fillClrLst meth="repeat">
+      <a:schemeClr val="accent1"/>
+    </dgm:fillClrLst>
+    <dgm:linClrLst meth="repeat">
+      <a:schemeClr val="lt1"/>
+    </dgm:linClrLst>
+    <dgm:effectClrLst/>
+    <dgm:txLinClrLst/>
+    <dgm:txFillClrLst/>
+    <dgm:txEffectClrLst/>
+  </dgm:styleLbl>
+  <dgm:styleLbl name="node3">
+    <dgm:fillClrLst meth="repeat">
+      <a:schemeClr val="accent1"/>
+    </dgm:fillClrLst>
+    <dgm:linClrLst meth="repeat">
+      <a:schemeClr val="lt1"/>
+    </dgm:linClrLst>
+    <dgm:effectClrLst/>
+    <dgm:txLinClrLst/>
+    <dgm:txFillClrLst/>
+    <dgm:txEffectClrLst/>
+  </dgm:styleLbl>
+  <dgm:styleLbl name="node4">
+    <dgm:fillClrLst meth="repeat">
+      <a:schemeClr val="accent1"/>
+    </dgm:fillClrLst>
+    <dgm:linClrLst meth="repeat">
+      <a:schemeClr val="lt1"/>
+    </dgm:linClrLst>
+    <dgm:effectClrLst/>
+    <dgm:txLinClrLst/>
+    <dgm:txFillClrLst/>
+    <dgm:txEffectClrLst/>
+  </dgm:styleLbl>
+  <dgm:styleLbl name="fgImgPlace1">
+    <dgm:fillClrLst meth="repeat">
+      <a:schemeClr val="accent1">
+        <a:tint val="50000"/>
+      </a:schemeClr>
+    </dgm:fillClrLst>
+    <dgm:linClrLst meth="repeat">
+      <a:schemeClr val="lt1"/>
+    </dgm:linClrLst>
+    <dgm:effectClrLst/>
+    <dgm:txLinClrLst/>
+    <dgm:txFillClrLst meth="repeat">
+      <a:schemeClr val="lt1"/>
+    </dgm:txFillClrLst>
+    <dgm:txEffectClrLst/>
+  </dgm:styleLbl>
+  <dgm:styleLbl name="alignImgPlace1">
+    <dgm:fillClrLst meth="repeat">
+      <a:schemeClr val="accent1">
+        <a:tint val="50000"/>
+      </a:schemeClr>
+    </dgm:fillClrLst>
+    <dgm:linClrLst meth="repeat">
+      <a:schemeClr val="lt1"/>
+    </dgm:linClrLst>
+    <dgm:effectClrLst/>
+    <dgm:txLinClrLst/>
+    <dgm:txFillClrLst meth="repeat">
+      <a:schemeClr val="lt1"/>
+    </dgm:txFillClrLst>
+    <dgm:txEffectClrLst/>
+  </dgm:styleLbl>
+  <dgm:styleLbl name="bgImgPlace1">
+    <dgm:fillClrLst meth="repeat">
+      <a:schemeClr val="accent1">
+        <a:tint val="50000"/>
+      </a:schemeClr>
+    </dgm:fillClrLst>
+    <dgm:linClrLst meth="repeat">
+      <a:schemeClr val="lt1"/>
+    </dgm:linClrLst>
+    <dgm:effectClrLst/>
+    <dgm:txLinClrLst/>
+    <dgm:txFillClrLst meth="repeat">
+      <a:schemeClr val="lt1"/>
+    </dgm:txFillClrLst>
+    <dgm:txEffectClrLst/>
+  </dgm:styleLbl>
+  <dgm:styleLbl name="sibTrans2D1">
+    <dgm:fillClrLst meth="repeat">
+      <a:schemeClr val="accent1">
+        <a:tint val="60000"/>
+      </a:schemeClr>
+    </dgm:fillClrLst>
+    <dgm:linClrLst meth="repeat">
+      <a:schemeClr val="accent1">
+        <a:tint val="60000"/>
+      </a:schemeClr>
+    </dgm:linClrLst>
+    <dgm:effectClrLst/>
+    <dgm:txLinClrLst/>
+    <dgm:txFillClrLst/>
+    <dgm:txEffectClrLst/>
+  </dgm:styleLbl>
+  <dgm:styleLbl name="fgSibTrans2D1">
+    <dgm:fillClrLst meth="repeat">
+      <a:schemeClr val="accent1">
+        <a:tint val="60000"/>
+      </a:schemeClr>
+    </dgm:fillClrLst>
+    <dgm:linClrLst meth="repeat">
+      <a:schemeClr val="accent1">
+        <a:tint val="60000"/>
+      </a:schemeClr>
+    </dgm:linClrLst>
+    <dgm:effectClrLst/>
+    <dgm:txLinClrLst/>
+    <dgm:txFillClrLst/>
+    <dgm:txEffectClrLst/>
+  </dgm:styleLbl>
+  <dgm:styleLbl name="bgSibTrans2D1">
+    <dgm:fillClrLst meth="repeat">
+      <a:schemeClr val="accent1">
+        <a:tint val="60000"/>
+      </a:schemeClr>
+    </dgm:fillClrLst>
+    <dgm:linClrLst meth="repeat">
+      <a:schemeClr val="accent1">
+        <a:tint val="60000"/>
+      </a:schemeClr>
+    </dgm:linClrLst>
+    <dgm:effectClrLst/>
+    <dgm:txLinClrLst/>
+    <dgm:txFillClrLst/>
+    <dgm:txEffectClrLst/>
+  </dgm:styleLbl>
+  <dgm:styleLbl name="sibTrans1D1">
+    <dgm:fillClrLst meth="repeat">
+      <a:schemeClr val="accent1"/>
+    </dgm:fillClrLst>
+    <dgm:linClrLst meth="repeat">
+      <a:schemeClr val="accent1"/>
+    </dgm:linClrLst>
+    <dgm:effectClrLst/>
+    <dgm:txLinClrLst/>
+    <dgm:txFillClrLst meth="repeat">
+      <a:schemeClr val="tx1"/>
+    </dgm:txFillClrLst>
+    <dgm:txEffectClrLst/>
+  </dgm:styleLbl>
+  <dgm:styleLbl name="callout">
+    <dgm:fillClrLst meth="repeat">
+      <a:schemeClr val="accent1"/>
+    </dgm:fillClrLst>
+    <dgm:linClrLst meth="repeat">
+      <a:schemeClr val="accent1">
+        <a:tint val="50000"/>
+      </a:schemeClr>
+    </dgm:linClrLst>
+    <dgm:effectClrLst/>
+    <dgm:txLinClrLst/>
+    <dgm:txFillClrLst meth="repeat">
+      <a:schemeClr val="tx1"/>
+    </dgm:txFillClrLst>
+    <dgm:txEffectClrLst/>
+  </dgm:styleLbl>
+  <dgm:styleLbl name="asst0">
+    <dgm:fillClrLst meth="repeat">
+      <a:schemeClr val="accent1"/>
+    </dgm:fillClrLst>
+    <dgm:linClrLst meth="repeat">
+      <a:schemeClr val="lt1"/>
+    </dgm:linClrLst>
+    <dgm:effectClrLst/>
+    <dgm:txLinClrLst/>
+    <dgm:txFillClrLst/>
+    <dgm:txEffectClrLst/>
+  </dgm:styleLbl>
+  <dgm:styleLbl name="asst1">
+    <dgm:fillClrLst meth="repeat">
+      <a:schemeClr val="accent1"/>
+    </dgm:fillClrLst>
+    <dgm:linClrLst meth="repeat">
+      <a:schemeClr val="lt1"/>
+    </dgm:linClrLst>
+    <dgm:effectClrLst/>
+    <dgm:txLinClrLst/>
+    <dgm:txFillClrLst/>
+    <dgm:txEffectClrLst/>
+  </dgm:styleLbl>
+  <dgm:styleLbl name="asst2">
+    <dgm:fillClrLst meth="repeat">
+      <a:schemeClr val="accent1"/>
+    </dgm:fillClrLst>
+    <dgm:linClrLst meth="repeat">
+      <a:schemeClr val="lt1"/>
+    </dgm:linClrLst>
+    <dgm:effectClrLst/>
+    <dgm:txLinClrLst/>
+    <dgm:txFillClrLst/>
+    <dgm:txEffectClrLst/>
+  </dgm:styleLbl>
+  <dgm:styleLbl name="asst3">
+    <dgm:fillClrLst meth="repeat">
+      <a:schemeClr val="accent1"/>
+    </dgm:fillClrLst>
+    <dgm:linClrLst meth="repeat">
+      <a:schemeClr val="lt1"/>
+    </dgm:linClrLst>
+    <dgm:effectClrLst/>
+    <dgm:txLinClrLst/>
+    <dgm:txFillClrLst/>
+    <dgm:txEffectClrLst/>
+  </dgm:styleLbl>
+  <dgm:styleLbl name="asst4">
+    <dgm:fillClrLst meth="repeat">
+      <a:schemeClr val="accent1"/>
+    </dgm:fillClrLst>
+    <dgm:linClrLst meth="repeat">
+      <a:schemeClr val="lt1"/>
+    </dgm:linClrLst>
+    <dgm:effectClrLst/>
+    <dgm:txLinClrLst/>
+    <dgm:txFillClrLst/>
+    <dgm:txEffectClrLst/>
+  </dgm:styleLbl>
+  <dgm:styleLbl name="parChTrans2D1">
+    <dgm:fillClrLst meth="repeat">
+      <a:schemeClr val="accent1">
+        <a:tint val="60000"/>
+      </a:schemeClr>
+    </dgm:fillClrLst>
+    <dgm:linClrLst meth="repeat">
+      <a:schemeClr val="accent1">
+        <a:tint val="60000"/>
+      </a:schemeClr>
+    </dgm:linClrLst>
+    <dgm:effectClrLst/>
+    <dgm:txLinClrLst/>
+    <dgm:txFillClrLst meth="repeat">
+      <a:schemeClr val="lt1"/>
+    </dgm:txFillClrLst>
+    <dgm:txEffectClrLst/>
+  </dgm:styleLbl>
+  <dgm:styleLbl name="parChTrans2D2">
+    <dgm:fillClrLst meth="repeat">
+      <a:schemeClr val="accent1"/>
+    </dgm:fillClrLst>
+    <dgm:linClrLst meth="repeat">
+      <a:schemeClr val="accent1"/>
+    </dgm:linClrLst>
+    <dgm:effectClrLst/>
+    <dgm:txLinClrLst/>
+    <dgm:txFillClrLst meth="repeat">
+      <a:schemeClr val="lt1"/>
+    </dgm:txFillClrLst>
+    <dgm:txEffectClrLst/>
+  </dgm:styleLbl>
+  <dgm:styleLbl name="parChTrans2D3">
+    <dgm:fillClrLst meth="repeat">
+      <a:schemeClr val="accent1"/>
+    </dgm:fillClrLst>
+    <dgm:linClrLst meth="repeat">
+      <a:schemeClr val="accent1"/>
+    </dgm:linClrLst>
+    <dgm:effectClrLst/>
+    <dgm:txLinClrLst/>
+    <dgm:txFillClrLst meth="repeat">
+      <a:schemeClr val="lt1"/>
+    </dgm:txFillClrLst>
+    <dgm:txEffectClrLst/>
+  </dgm:styleLbl>
+  <dgm:styleLbl name="parChTrans2D4">
+    <dgm:fillClrLst meth="repeat">
+      <a:schemeClr val="accent1"/>
+    </dgm:fillClrLst>
+    <dgm:linClrLst meth="repeat">
+      <a:schemeClr val="accent1"/>
+    </dgm:linClrLst>
+    <dgm:effectClrLst/>
+    <dgm:txLinClrLst/>
+    <dgm:txFillClrLst meth="repeat">
+      <a:schemeClr val="lt1"/>
+    </dgm:txFillClrLst>
+    <dgm:txEffectClrLst/>
+  </dgm:styleLbl>
+  <dgm:styleLbl name="parChTrans1D1">
+    <dgm:fillClrLst meth="repeat">
+      <a:schemeClr val="accent1"/>
+    </dgm:fillClrLst>
+    <dgm:linClrLst meth="repeat">
+      <a:schemeClr val="accent1">
+        <a:shade val="60000"/>
+      </a:schemeClr>
+    </dgm:linClrLst>
+    <dgm:effectClrLst/>
+    <dgm:txLinClrLst/>
+    <dgm:txFillClrLst meth="repeat">
+      <a:schemeClr val="tx1"/>
+    </dgm:txFillClrLst>
+    <dgm:txEffectClrLst/>
+  </dgm:styleLbl>
+  <dgm:styleLbl name="parChTrans1D2">
+    <dgm:fillClrLst meth="repeat">
+      <a:schemeClr val="accent1"/>
+    </dgm:fillClrLst>
+    <dgm:linClrLst meth="repeat">
+      <a:schemeClr val="accent1">
+        <a:shade val="60000"/>
+      </a:schemeClr>
+    </dgm:linClrLst>
+    <dgm:effectClrLst/>
+    <dgm:txLinClrLst/>
+    <dgm:txFillClrLst meth="repeat">
+      <a:schemeClr val="tx1"/>
+    </dgm:txFillClrLst>
+    <dgm:txEffectClrLst/>
+  </dgm:styleLbl>
+  <dgm:styleLbl name="parChTrans1D3">
+    <dgm:fillClrLst meth="repeat">
+      <a:schemeClr val="accent1"/>
+    </dgm:fillClrLst>
+    <dgm:linClrLst meth="repeat">
+      <a:schemeClr val="accent1">
+        <a:shade val="80000"/>
+      </a:schemeClr>
+    </dgm:linClrLst>
+    <dgm:effectClrLst/>
+    <dgm:txLinClrLst/>
+    <dgm:txFillClrLst meth="repeat">
+      <a:schemeClr val="tx1"/>
+    </dgm:txFillClrLst>
+    <dgm:txEffectClrLst/>
+  </dgm:styleLbl>
+  <dgm:styleLbl name="parChTrans1D4">
+    <dgm:fillClrLst meth="repeat">
+      <a:schemeClr val="accent1"/>
+    </dgm:fillClrLst>
+    <dgm:linClrLst meth="repeat">
+      <a:schemeClr val="accent1">
+        <a:shade val="80000"/>
+      </a:schemeClr>
+    </dgm:linClrLst>
+    <dgm:effectClrLst/>
+    <dgm:txLinClrLst/>
+    <dgm:txFillClrLst meth="repeat">
+      <a:schemeClr val="tx1"/>
+    </dgm:txFillClrLst>
+    <dgm:txEffectClrLst/>
+  </dgm:styleLbl>
+  <dgm:styleLbl name="fgAcc1">
+    <dgm:fillClrLst meth="repeat">
+      <a:schemeClr val="lt1">
+        <a:alpha val="90000"/>
+      </a:schemeClr>
+    </dgm:fillClrLst>
+    <dgm:linClrLst meth="repeat">
+      <a:schemeClr val="accent1"/>
+    </dgm:linClrLst>
+    <dgm:effectClrLst/>
+    <dgm:txLinClrLst/>
+    <dgm:txFillClrLst meth="repeat">
+      <a:schemeClr val="dk1"/>
+    </dgm:txFillClrLst>
+    <dgm:txEffectClrLst/>
+  </dgm:styleLbl>
+  <dgm:styleLbl name="conFgAcc1">
+    <dgm:fillClrLst meth="repeat">
+      <a:schemeClr val="lt1">
+        <a:alpha val="90000"/>
+      </a:schemeClr>
+    </dgm:fillClrLst>
+    <dgm:linClrLst meth="repeat">
+      <a:schemeClr val="accent1"/>
+    </dgm:linClrLst>
+    <dgm:effectClrLst/>
+    <dgm:txLinClrLst/>
+    <dgm:txFillClrLst meth="repeat">
+      <a:schemeClr val="dk1"/>
+    </dgm:txFillClrLst>
+    <dgm:txEffectClrLst/>
+  </dgm:styleLbl>
+  <dgm:styleLbl name="alignAcc1">
+    <dgm:fillClrLst meth="repeat">
+      <a:schemeClr val="lt1">
+        <a:alpha val="90000"/>
+      </a:schemeClr>
+    </dgm:fillClrLst>
+    <dgm:linClrLst meth="repeat">
+      <a:schemeClr val="accent1"/>
+    </dgm:linClrLst>
+    <dgm:effectClrLst/>
+    <dgm:txLinClrLst/>
+    <dgm:txFillClrLst meth="repeat">
+      <a:schemeClr val="dk1"/>
+    </dgm:txFillClrLst>
+    <dgm:txEffectClrLst/>
+  </dgm:styleLbl>
+  <dgm:styleLbl name="trAlignAcc1">
+    <dgm:fillClrLst meth="repeat">
+      <a:schemeClr val="lt1">
+        <a:alpha val="40000"/>
+      </a:schemeClr>
+    </dgm:fillClrLst>
+    <dgm:linClrLst meth="repeat">
+      <a:schemeClr val="accent1"/>
+    </dgm:linClrLst>
+    <dgm:effectClrLst/>
+    <dgm:txLinClrLst/>
+    <dgm:txFillClrLst meth="repeat">
+      <a:schemeClr val="dk1"/>
+    </dgm:txFillClrLst>
+    <dgm:txEffectClrLst/>
+  </dgm:styleLbl>
+  <dgm:styleLbl name="bgAcc1">
+    <dgm:fillClrLst meth="repeat">
+      <a:schemeClr val="lt1">
+        <a:alpha val="90000"/>
+      </a:schemeClr>
+    </dgm:fillClrLst>
+    <dgm:linClrLst meth="repeat">
+      <a:schemeClr val="accent1"/>
+    </dgm:linClrLst>
+    <dgm:effectClrLst/>
+    <dgm:txLinClrLst/>
+    <dgm:txFillClrLst meth="repeat">
+      <a:schemeClr val="dk1"/>
+    </dgm:txFillClrLst>
+    <dgm:txEffectClrLst/>
+  </dgm:styleLbl>
+  <dgm:styleLbl name="solidFgAcc1">
+    <dgm:fillClrLst meth="repeat">
+      <a:schemeClr val="lt1"/>
+    </dgm:fillClrLst>
+    <dgm:linClrLst meth="repeat">
+      <a:schemeClr val="accent1"/>
+    </dgm:linClrLst>
+    <dgm:effectClrLst/>
+    <dgm:txLinClrLst/>
+    <dgm:txFillClrLst meth="repeat">
+      <a:schemeClr val="dk1"/>
+    </dgm:txFillClrLst>
+    <dgm:txEffectClrLst/>
+  </dgm:styleLbl>
+  <dgm:styleLbl name="solidAlignAcc1">
+    <dgm:fillClrLst meth="repeat">
+      <a:schemeClr val="lt1"/>
+    </dgm:fillClrLst>
+    <dgm:linClrLst meth="repeat">
+      <a:schemeClr val="accent1"/>
+    </dgm:linClrLst>
+    <dgm:effectClrLst/>
+    <dgm:txLinClrLst/>
+    <dgm:txFillClrLst meth="repeat">
+      <a:schemeClr val="dk1"/>
+    </dgm:txFillClrLst>
+    <dgm:txEffectClrLst/>
+  </dgm:styleLbl>
+  <dgm:styleLbl name="solidBgAcc1">
+    <dgm:fillClrLst meth="repeat">
+      <a:schemeClr val="lt1"/>
+    </dgm:fillClrLst>
+    <dgm:linClrLst meth="repeat">
+      <a:schemeClr val="accent1"/>
+    </dgm:linClrLst>
+    <dgm:effectClrLst/>
+    <dgm:txLinClrLst/>
+    <dgm:txFillClrLst meth="repeat">
+      <a:schemeClr val="dk1"/>
+    </dgm:txFillClrLst>
+    <dgm:txEffectClrLst/>
+  </dgm:styleLbl>
+  <dgm:styleLbl name="fgAccFollowNode1">
+    <dgm:fillClrLst meth="repeat">
+      <a:schemeClr val="accent1">
+        <a:alpha val="90000"/>
+        <a:tint val="40000"/>
+      </a:schemeClr>
+    </dgm:fillClrLst>
+    <dgm:linClrLst meth="repeat">
+      <a:schemeClr val="accent1">
+        <a:alpha val="90000"/>
+        <a:tint val="40000"/>
+      </a:schemeClr>
+    </dgm:linClrLst>
+    <dgm:effectClrLst/>
+    <dgm:txLinClrLst/>
+    <dgm:txFillClrLst meth="repeat">
+      <a:schemeClr val="dk1"/>
+    </dgm:txFillClrLst>
+    <dgm:txEffectClrLst/>
+  </dgm:styleLbl>
+  <dgm:styleLbl name="alignAccFollowNode1">
+    <dgm:fillClrLst meth="repeat">
+      <a:schemeClr val="accent1">
+        <a:alpha val="90000"/>
+        <a:tint val="40000"/>
+      </a:schemeClr>
+    </dgm:fillClrLst>
+    <dgm:linClrLst meth="repeat">
+      <a:schemeClr val="accent1">
+        <a:alpha val="90000"/>
+        <a:tint val="40000"/>
+      </a:schemeClr>
+    </dgm:linClrLst>
+    <dgm:effectClrLst/>
+    <dgm:txLinClrLst/>
+    <dgm:txFillClrLst meth="repeat">
+      <a:schemeClr val="dk1"/>
+    </dgm:txFillClrLst>
+    <dgm:txEffectClrLst/>
+  </dgm:styleLbl>
+  <dgm:styleLbl name="bgAccFollowNode1">
+    <dgm:fillClrLst meth="repeat">
+      <a:schemeClr val="accent1">
+        <a:alpha val="90000"/>
+        <a:tint val="40000"/>
+      </a:schemeClr>
+    </dgm:fillClrLst>
+    <dgm:linClrLst meth="repeat">
+      <a:schemeClr val="accent1">
+        <a:alpha val="90000"/>
+        <a:tint val="40000"/>
+      </a:schemeClr>
+    </dgm:linClrLst>
+    <dgm:effectClrLst/>
+    <dgm:txLinClrLst/>
+    <dgm:txFillClrLst meth="repeat">
+      <a:schemeClr val="dk1"/>
+    </dgm:txFillClrLst>
+    <dgm:txEffectClrLst/>
+  </dgm:styleLbl>
+  <dgm:styleLbl name="fgAcc0">
+    <dgm:fillClrLst meth="repeat">
+      <a:schemeClr val="lt1">
+        <a:alpha val="90000"/>
+      </a:schemeClr>
+    </dgm:fillClrLst>
+    <dgm:linClrLst meth="repeat">
+      <a:schemeClr val="accent1"/>
+    </dgm:linClrLst>
+    <dgm:effectClrLst/>
+    <dgm:txLinClrLst/>
+    <dgm:txFillClrLst meth="repeat">
+      <a:schemeClr val="dk1"/>
+    </dgm:txFillClrLst>
+    <dgm:txEffectClrLst/>
+  </dgm:styleLbl>
+  <dgm:styleLbl name="fgAcc2">
+    <dgm:fillClrLst meth="repeat">
+      <a:schemeClr val="lt1">
+        <a:alpha val="90000"/>
+      </a:schemeClr>
+    </dgm:fillClrLst>
+    <dgm:linClrLst meth="repeat">
+      <a:schemeClr val="accent1"/>
+    </dgm:linClrLst>
+    <dgm:effectClrLst/>
+    <dgm:txLinClrLst/>
+    <dgm:txFillClrLst meth="repeat">
+      <a:schemeClr val="dk1"/>
+    </dgm:txFillClrLst>
+    <dgm:txEffectClrLst/>
+  </dgm:styleLbl>
+  <dgm:styleLbl name="fgAcc3">
+    <dgm:fillClrLst meth="repeat">
+      <a:schemeClr val="lt1">
+        <a:alpha val="90000"/>
+      </a:schemeClr>
+    </dgm:fillClrLst>
+    <dgm:linClrLst meth="repeat">
+      <a:schemeClr val="accent1"/>
+    </dgm:linClrLst>
+    <dgm:effectClrLst/>
+    <dgm:txLinClrLst/>
+    <dgm:txFillClrLst meth="repeat">
+      <a:schemeClr val="dk1"/>
+    </dgm:txFillClrLst>
+    <dgm:txEffectClrLst/>
+  </dgm:styleLbl>
+  <dgm:styleLbl name="fgAcc4">
+    <dgm:fillClrLst meth="repeat">
+      <a:schemeClr val="lt1">
+        <a:alpha val="90000"/>
+      </a:schemeClr>
+    </dgm:fillClrLst>
+    <dgm:linClrLst meth="repeat">
+      <a:schemeClr val="accent1"/>
+    </dgm:linClrLst>
+    <dgm:effectClrLst/>
+    <dgm:txLinClrLst/>
+    <dgm:txFillClrLst meth="repeat">
+      <a:schemeClr val="dk1"/>
+    </dgm:txFillClrLst>
+    <dgm:txEffectClrLst/>
+  </dgm:styleLbl>
+  <dgm:styleLbl name="bgShp">
+    <dgm:fillClrLst meth="repeat">
+      <a:schemeClr val="accent1">
+        <a:tint val="40000"/>
+      </a:schemeClr>
+    </dgm:fillClrLst>
+    <dgm:linClrLst meth="repeat">
+      <a:schemeClr val="accent1"/>
+    </dgm:linClrLst>
+    <dgm:effectClrLst/>
+    <dgm:txLinClrLst/>
+    <dgm:txFillClrLst meth="repeat">
+      <a:schemeClr val="dk1"/>
+    </dgm:txFillClrLst>
+    <dgm:txEffectClrLst/>
+  </dgm:styleLbl>
+  <dgm:styleLbl name="dkBgShp">
+    <dgm:fillClrLst meth="repeat">
+      <a:schemeClr val="accent1">
+        <a:shade val="80000"/>
+      </a:schemeClr>
+    </dgm:fillClrLst>
+    <dgm:linClrLst meth="repeat">
+      <a:schemeClr val="accent1"/>
+    </dgm:linClrLst>
+    <dgm:effectClrLst/>
+    <dgm:txLinClrLst/>
+    <dgm:txFillClrLst meth="repeat">
+      <a:schemeClr val="lt1"/>
+    </dgm:txFillClrLst>
+    <dgm:txEffectClrLst/>
+  </dgm:styleLbl>
+  <dgm:styleLbl name="trBgShp">
+    <dgm:fillClrLst meth="repeat">
+      <a:schemeClr val="accent1">
+        <a:tint val="50000"/>
+        <a:alpha val="40000"/>
+      </a:schemeClr>
+    </dgm:fillClrLst>
+    <dgm:linClrLst meth="repeat">
+      <a:schemeClr val="accent1"/>
+    </dgm:linClrLst>
+    <dgm:effectClrLst/>
+    <dgm:txLinClrLst/>
+    <dgm:txFillClrLst meth="repeat">
+      <a:schemeClr val="lt1"/>
+    </dgm:txFillClrLst>
+    <dgm:txEffectClrLst/>
+  </dgm:styleLbl>
+  <dgm:styleLbl name="fgShp">
+    <dgm:fillClrLst meth="repeat">
+      <a:schemeClr val="accent1">
+        <a:tint val="60000"/>
+      </a:schemeClr>
+    </dgm:fillClrLst>
+    <dgm:linClrLst meth="repeat">
+      <a:schemeClr val="lt1"/>
+    </dgm:linClrLst>
+    <dgm:effectClrLst/>
+    <dgm:txLinClrLst/>
+    <dgm:txFillClrLst meth="repeat">
+      <a:schemeClr val="dk1"/>
+    </dgm:txFillClrLst>
+    <dgm:txEffectClrLst/>
+  </dgm:styleLbl>
+  <dgm:styleLbl name="revTx">
+    <dgm:fillClrLst meth="repeat">
+      <a:schemeClr val="lt1">
+        <a:alpha val="0"/>
+      </a:schemeClr>
+    </dgm:fillClrLst>
+    <dgm:linClrLst meth="repeat">
+      <a:schemeClr val="dk1">
+        <a:alpha val="0"/>
+      </a:schemeClr>
+    </dgm:linClrLst>
+    <dgm:effectClrLst/>
+    <dgm:txLinClrLst/>
+    <dgm:txFillClrLst meth="repeat">
+      <a:schemeClr val="tx1"/>
+    </dgm:txFillClrLst>
+    <dgm:txEffectClrLst/>
+  </dgm:styleLbl>
+</dgm:colorsDef>
+</file>
+
+<file path=ppt/diagrams/colors11.xml><?xml version="1.0" encoding="utf-8"?>
+<dgm:colorsDef xmlns:dgm="http://schemas.openxmlformats.org/drawingml/2006/diagram" xmlns:a="http://schemas.openxmlformats.org/drawingml/2006/main" uniqueId="urn:microsoft.com/office/officeart/2005/8/colors/accent1_2">
+  <dgm:title val=""/>
+  <dgm:desc val=""/>
+  <dgm:catLst>
+    <dgm:cat type="accent1" pri="11200"/>
+  </dgm:catLst>
+  <dgm:styleLbl name="node0">
+    <dgm:fillClrLst meth="repeat">
+      <a:schemeClr val="accent1"/>
+    </dgm:fillClrLst>
+    <dgm:linClrLst meth="repeat">
+      <a:schemeClr val="lt1"/>
+    </dgm:linClrLst>
+    <dgm:effectClrLst/>
+    <dgm:txLinClrLst/>
+    <dgm:txFillClrLst/>
+    <dgm:txEffectClrLst/>
+  </dgm:styleLbl>
+  <dgm:styleLbl name="alignNode1">
+    <dgm:fillClrLst meth="repeat">
+      <a:schemeClr val="accent1"/>
+    </dgm:fillClrLst>
+    <dgm:linClrLst meth="repeat">
+      <a:schemeClr val="accent1"/>
+    </dgm:linClrLst>
+    <dgm:effectClrLst/>
+    <dgm:txLinClrLst/>
+    <dgm:txFillClrLst/>
+    <dgm:txEffectClrLst/>
+  </dgm:styleLbl>
+  <dgm:styleLbl name="node1">
+    <dgm:fillClrLst meth="repeat">
+      <a:schemeClr val="accent1"/>
+    </dgm:fillClrLst>
+    <dgm:linClrLst meth="repeat">
+      <a:schemeClr val="lt1"/>
+    </dgm:linClrLst>
+    <dgm:effectClrLst/>
+    <dgm:txLinClrLst/>
+    <dgm:txFillClrLst/>
+    <dgm:txEffectClrLst/>
+  </dgm:styleLbl>
+  <dgm:styleLbl name="lnNode1">
+    <dgm:fillClrLst meth="repeat">
+      <a:schemeClr val="accent1"/>
+    </dgm:fillClrLst>
+    <dgm:linClrLst meth="repeat">
+      <a:schemeClr val="lt1"/>
+    </dgm:linClrLst>
+    <dgm:effectClrLst/>
+    <dgm:txLinClrLst/>
+    <dgm:txFillClrLst/>
+    <dgm:txEffectClrLst/>
+  </dgm:styleLbl>
+  <dgm:styleLbl name="vennNode1">
+    <dgm:fillClrLst meth="repeat">
+      <a:schemeClr val="accent1">
+        <a:alpha val="50000"/>
+      </a:schemeClr>
+    </dgm:fillClrLst>
+    <dgm:linClrLst meth="repeat">
+      <a:schemeClr val="lt1"/>
+    </dgm:linClrLst>
+    <dgm:effectClrLst/>
+    <dgm:txLinClrLst/>
+    <dgm:txFillClrLst/>
+    <dgm:txEffectClrLst/>
+  </dgm:styleLbl>
+  <dgm:styleLbl name="node2">
+    <dgm:fillClrLst meth="repeat">
+      <a:schemeClr val="accent1"/>
+    </dgm:fillClrLst>
+    <dgm:linClrLst meth="repeat">
+      <a:schemeClr val="lt1"/>
+    </dgm:linClrLst>
+    <dgm:effectClrLst/>
+    <dgm:txLinClrLst/>
+    <dgm:txFillClrLst/>
+    <dgm:txEffectClrLst/>
+  </dgm:styleLbl>
+  <dgm:styleLbl name="node3">
+    <dgm:fillClrLst meth="repeat">
+      <a:schemeClr val="accent1"/>
+    </dgm:fillClrLst>
+    <dgm:linClrLst meth="repeat">
+      <a:schemeClr val="lt1"/>
+    </dgm:linClrLst>
+    <dgm:effectClrLst/>
+    <dgm:txLinClrLst/>
+    <dgm:txFillClrLst/>
+    <dgm:txEffectClrLst/>
+  </dgm:styleLbl>
+  <dgm:styleLbl name="node4">
+    <dgm:fillClrLst meth="repeat">
+      <a:schemeClr val="accent1"/>
+    </dgm:fillClrLst>
+    <dgm:linClrLst meth="repeat">
+      <a:schemeClr val="lt1"/>
+    </dgm:linClrLst>
+    <dgm:effectClrLst/>
+    <dgm:txLinClrLst/>
+    <dgm:txFillClrLst/>
+    <dgm:txEffectClrLst/>
+  </dgm:styleLbl>
+  <dgm:styleLbl name="fgImgPlace1">
+    <dgm:fillClrLst meth="repeat">
+      <a:schemeClr val="accent1">
+        <a:tint val="50000"/>
+      </a:schemeClr>
+    </dgm:fillClrLst>
+    <dgm:linClrLst meth="repeat">
+      <a:schemeClr val="lt1"/>
+    </dgm:linClrLst>
+    <dgm:effectClrLst/>
+    <dgm:txLinClrLst/>
+    <dgm:txFillClrLst meth="repeat">
+      <a:schemeClr val="lt1"/>
+    </dgm:txFillClrLst>
+    <dgm:txEffectClrLst/>
+  </dgm:styleLbl>
+  <dgm:styleLbl name="alignImgPlace1">
+    <dgm:fillClrLst meth="repeat">
+      <a:schemeClr val="accent1">
+        <a:tint val="50000"/>
+      </a:schemeClr>
+    </dgm:fillClrLst>
+    <dgm:linClrLst meth="repeat">
+      <a:schemeClr val="lt1"/>
+    </dgm:linClrLst>
+    <dgm:effectClrLst/>
+    <dgm:txLinClrLst/>
+    <dgm:txFillClrLst meth="repeat">
+      <a:schemeClr val="lt1"/>
+    </dgm:txFillClrLst>
+    <dgm:txEffectClrLst/>
+  </dgm:styleLbl>
+  <dgm:styleLbl name="bgImgPlace1">
+    <dgm:fillClrLst meth="repeat">
+      <a:schemeClr val="accent1">
+        <a:tint val="50000"/>
+      </a:schemeClr>
+    </dgm:fillClrLst>
+    <dgm:linClrLst meth="repeat">
+      <a:schemeClr val="lt1"/>
+    </dgm:linClrLst>
+    <dgm:effectClrLst/>
+    <dgm:txLinClrLst/>
+    <dgm:txFillClrLst meth="repeat">
+      <a:schemeClr val="lt1"/>
+    </dgm:txFillClrLst>
+    <dgm:txEffectClrLst/>
+  </dgm:styleLbl>
+  <dgm:styleLbl name="sibTrans2D1">
+    <dgm:fillClrLst meth="repeat">
+      <a:schemeClr val="accent1">
+        <a:tint val="60000"/>
+      </a:schemeClr>
+    </dgm:fillClrLst>
+    <dgm:linClrLst meth="repeat">
+      <a:schemeClr val="accent1">
+        <a:tint val="60000"/>
+      </a:schemeClr>
+    </dgm:linClrLst>
+    <dgm:effectClrLst/>
+    <dgm:txLinClrLst/>
+    <dgm:txFillClrLst/>
+    <dgm:txEffectClrLst/>
+  </dgm:styleLbl>
+  <dgm:styleLbl name="fgSibTrans2D1">
+    <dgm:fillClrLst meth="repeat">
+      <a:schemeClr val="accent1">
+        <a:tint val="60000"/>
+      </a:schemeClr>
+    </dgm:fillClrLst>
+    <dgm:linClrLst meth="repeat">
+      <a:schemeClr val="accent1">
+        <a:tint val="60000"/>
+      </a:schemeClr>
+    </dgm:linClrLst>
+    <dgm:effectClrLst/>
+    <dgm:txLinClrLst/>
+    <dgm:txFillClrLst/>
+    <dgm:txEffectClrLst/>
+  </dgm:styleLbl>
+  <dgm:styleLbl name="bgSibTrans2D1">
+    <dgm:fillClrLst meth="repeat">
+      <a:schemeClr val="accent1">
+        <a:tint val="60000"/>
+      </a:schemeClr>
+    </dgm:fillClrLst>
+    <dgm:linClrLst meth="repeat">
+      <a:schemeClr val="accent1">
+        <a:tint val="60000"/>
+      </a:schemeClr>
+    </dgm:linClrLst>
+    <dgm:effectClrLst/>
+    <dgm:txLinClrLst/>
+    <dgm:txFillClrLst/>
+    <dgm:txEffectClrLst/>
+  </dgm:styleLbl>
+  <dgm:styleLbl name="sibTrans1D1">
+    <dgm:fillClrLst meth="repeat">
+      <a:schemeClr val="accent1"/>
+    </dgm:fillClrLst>
+    <dgm:linClrLst meth="repeat">
+      <a:schemeClr val="accent1"/>
+    </dgm:linClrLst>
+    <dgm:effectClrLst/>
+    <dgm:txLinClrLst/>
+    <dgm:txFillClrLst meth="repeat">
+      <a:schemeClr val="tx1"/>
+    </dgm:txFillClrLst>
+    <dgm:txEffectClrLst/>
+  </dgm:styleLbl>
+  <dgm:styleLbl name="callout">
+    <dgm:fillClrLst meth="repeat">
+      <a:schemeClr val="accent1"/>
+    </dgm:fillClrLst>
+    <dgm:linClrLst meth="repeat">
+      <a:schemeClr val="accent1">
+        <a:tint val="50000"/>
+      </a:schemeClr>
+    </dgm:linClrLst>
+    <dgm:effectClrLst/>
+    <dgm:txLinClrLst/>
+    <dgm:txFillClrLst meth="repeat">
+      <a:schemeClr val="tx1"/>
+    </dgm:txFillClrLst>
+    <dgm:txEffectClrLst/>
+  </dgm:styleLbl>
+  <dgm:styleLbl name="asst0">
+    <dgm:fillClrLst meth="repeat">
+      <a:schemeClr val="accent1"/>
+    </dgm:fillClrLst>
+    <dgm:linClrLst meth="repeat">
+      <a:schemeClr val="lt1"/>
+    </dgm:linClrLst>
+    <dgm:effectClrLst/>
+    <dgm:txLinClrLst/>
+    <dgm:txFillClrLst/>
+    <dgm:txEffectClrLst/>
+  </dgm:styleLbl>
+  <dgm:styleLbl name="asst1">
+    <dgm:fillClrLst meth="repeat">
+      <a:schemeClr val="accent1"/>
+    </dgm:fillClrLst>
+    <dgm:linClrLst meth="repeat">
+      <a:schemeClr val="lt1"/>
+    </dgm:linClrLst>
+    <dgm:effectClrLst/>
+    <dgm:txLinClrLst/>
+    <dgm:txFillClrLst/>
+    <dgm:txEffectClrLst/>
+  </dgm:styleLbl>
+  <dgm:styleLbl name="asst2">
+    <dgm:fillClrLst meth="repeat">
+      <a:schemeClr val="accent1"/>
+    </dgm:fillClrLst>
+    <dgm:linClrLst meth="repeat">
+      <a:schemeClr val="lt1"/>
+    </dgm:linClrLst>
+    <dgm:effectClrLst/>
+    <dgm:txLinClrLst/>
+    <dgm:txFillClrLst/>
+    <dgm:txEffectClrLst/>
+  </dgm:styleLbl>
+  <dgm:styleLbl name="asst3">
+    <dgm:fillClrLst meth="repeat">
+      <a:schemeClr val="accent1"/>
+    </dgm:fillClrLst>
+    <dgm:linClrLst meth="repeat">
+      <a:schemeClr val="lt1"/>
+    </dgm:linClrLst>
+    <dgm:effectClrLst/>
+    <dgm:txLinClrLst/>
+    <dgm:txFillClrLst/>
+    <dgm:txEffectClrLst/>
+  </dgm:styleLbl>
+  <dgm:styleLbl name="asst4">
+    <dgm:fillClrLst meth="repeat">
+      <a:schemeClr val="accent1"/>
+    </dgm:fillClrLst>
+    <dgm:linClrLst meth="repeat">
+      <a:schemeClr val="lt1"/>
+    </dgm:linClrLst>
+    <dgm:effectClrLst/>
+    <dgm:txLinClrLst/>
+    <dgm:txFillClrLst/>
+    <dgm:txEffectClrLst/>
+  </dgm:styleLbl>
+  <dgm:styleLbl name="parChTrans2D1">
+    <dgm:fillClrLst meth="repeat">
+      <a:schemeClr val="accent1">
+        <a:tint val="60000"/>
+      </a:schemeClr>
+    </dgm:fillClrLst>
+    <dgm:linClrLst meth="repeat">
+      <a:schemeClr val="accent1">
+        <a:tint val="60000"/>
+      </a:schemeClr>
+    </dgm:linClrLst>
+    <dgm:effectClrLst/>
+    <dgm:txLinClrLst/>
+    <dgm:txFillClrLst meth="repeat">
+      <a:schemeClr val="lt1"/>
+    </dgm:txFillClrLst>
+    <dgm:txEffectClrLst/>
+  </dgm:styleLbl>
+  <dgm:styleLbl name="parChTrans2D2">
+    <dgm:fillClrLst meth="repeat">
+      <a:schemeClr val="accent1"/>
+    </dgm:fillClrLst>
+    <dgm:linClrLst meth="repeat">
+      <a:schemeClr val="accent1"/>
+    </dgm:linClrLst>
+    <dgm:effectClrLst/>
+    <dgm:txLinClrLst/>
+    <dgm:txFillClrLst meth="repeat">
+      <a:schemeClr val="lt1"/>
+    </dgm:txFillClrLst>
+    <dgm:txEffectClrLst/>
+  </dgm:styleLbl>
+  <dgm:styleLbl name="parChTrans2D3">
+    <dgm:fillClrLst meth="repeat">
+      <a:schemeClr val="accent1"/>
+    </dgm:fillClrLst>
+    <dgm:linClrLst meth="repeat">
+      <a:schemeClr val="accent1"/>
+    </dgm:linClrLst>
+    <dgm:effectClrLst/>
+    <dgm:txLinClrLst/>
+    <dgm:txFillClrLst meth="repeat">
+      <a:schemeClr val="lt1"/>
+    </dgm:txFillClrLst>
+    <dgm:txEffectClrLst/>
+  </dgm:styleLbl>
+  <dgm:styleLbl name="parChTrans2D4">
+    <dgm:fillClrLst meth="repeat">
+      <a:schemeClr val="accent1"/>
+    </dgm:fillClrLst>
+    <dgm:linClrLst meth="repeat">
+      <a:schemeClr val="accent1"/>
+    </dgm:linClrLst>
+    <dgm:effectClrLst/>
+    <dgm:txLinClrLst/>
+    <dgm:txFillClrLst meth="repeat">
+      <a:schemeClr val="lt1"/>
+    </dgm:txFillClrLst>
+    <dgm:txEffectClrLst/>
+  </dgm:styleLbl>
+  <dgm:styleLbl name="parChTrans1D1">
+    <dgm:fillClrLst meth="repeat">
+      <a:schemeClr val="accent1"/>
+    </dgm:fillClrLst>
+    <dgm:linClrLst meth="repeat">
+      <a:schemeClr val="accent1">
+        <a:shade val="60000"/>
+      </a:schemeClr>
+    </dgm:linClrLst>
+    <dgm:effectClrLst/>
+    <dgm:txLinClrLst/>
+    <dgm:txFillClrLst meth="repeat">
+      <a:schemeClr val="tx1"/>
+    </dgm:txFillClrLst>
+    <dgm:txEffectClrLst/>
+  </dgm:styleLbl>
+  <dgm:styleLbl name="parChTrans1D2">
+    <dgm:fillClrLst meth="repeat">
+      <a:schemeClr val="accent1"/>
+    </dgm:fillClrLst>
+    <dgm:linClrLst meth="repeat">
+      <a:schemeClr val="accent1">
+        <a:shade val="60000"/>
+      </a:schemeClr>
+    </dgm:linClrLst>
+    <dgm:effectClrLst/>
+    <dgm:txLinClrLst/>
+    <dgm:txFillClrLst meth="repeat">
+      <a:schemeClr val="tx1"/>
+    </dgm:txFillClrLst>
+    <dgm:txEffectClrLst/>
+  </dgm:styleLbl>
+  <dgm:styleLbl name="parChTrans1D3">
+    <dgm:fillClrLst meth="repeat">
+      <a:schemeClr val="accent1"/>
+    </dgm:fillClrLst>
+    <dgm:linClrLst meth="repeat">
+      <a:schemeClr val="accent1">
+        <a:shade val="80000"/>
+      </a:schemeClr>
+    </dgm:linClrLst>
+    <dgm:effectClrLst/>
+    <dgm:txLinClrLst/>
+    <dgm:txFillClrLst meth="repeat">
+      <a:schemeClr val="tx1"/>
+    </dgm:txFillClrLst>
+    <dgm:txEffectClrLst/>
+  </dgm:styleLbl>
+  <dgm:styleLbl name="parChTrans1D4">
+    <dgm:fillClrLst meth="repeat">
+      <a:schemeClr val="accent1"/>
+    </dgm:fillClrLst>
+    <dgm:linClrLst meth="repeat">
+      <a:schemeClr val="accent1">
+        <a:shade val="80000"/>
+      </a:schemeClr>
+    </dgm:linClrLst>
+    <dgm:effectClrLst/>
+    <dgm:txLinClrLst/>
+    <dgm:txFillClrLst meth="repeat">
+      <a:schemeClr val="tx1"/>
+    </dgm:txFillClrLst>
+    <dgm:txEffectClrLst/>
+  </dgm:styleLbl>
+  <dgm:styleLbl name="fgAcc1">
+    <dgm:fillClrLst meth="repeat">
+      <a:schemeClr val="lt1">
+        <a:alpha val="90000"/>
+      </a:schemeClr>
+    </dgm:fillClrLst>
+    <dgm:linClrLst meth="repeat">
+      <a:schemeClr val="accent1"/>
+    </dgm:linClrLst>
+    <dgm:effectClrLst/>
+    <dgm:txLinClrLst/>
+    <dgm:txFillClrLst meth="repeat">
+      <a:schemeClr val="dk1"/>
+    </dgm:txFillClrLst>
+    <dgm:txEffectClrLst/>
+  </dgm:styleLbl>
+  <dgm:styleLbl name="conFgAcc1">
+    <dgm:fillClrLst meth="repeat">
+      <a:schemeClr val="lt1">
+        <a:alpha val="90000"/>
+      </a:schemeClr>
+    </dgm:fillClrLst>
+    <dgm:linClrLst meth="repeat">
+      <a:schemeClr val="accent1"/>
+    </dgm:linClrLst>
+    <dgm:effectClrLst/>
+    <dgm:txLinClrLst/>
+    <dgm:txFillClrLst meth="repeat">
+      <a:schemeClr val="dk1"/>
+    </dgm:txFillClrLst>
+    <dgm:txEffectClrLst/>
+  </dgm:styleLbl>
+  <dgm:styleLbl name="alignAcc1">
+    <dgm:fillClrLst meth="repeat">
+      <a:schemeClr val="lt1">
+        <a:alpha val="90000"/>
+      </a:schemeClr>
+    </dgm:fillClrLst>
+    <dgm:linClrLst meth="repeat">
+      <a:schemeClr val="accent1"/>
+    </dgm:linClrLst>
+    <dgm:effectClrLst/>
+    <dgm:txLinClrLst/>
+    <dgm:txFillClrLst meth="repeat">
+      <a:schemeClr val="dk1"/>
+    </dgm:txFillClrLst>
+    <dgm:txEffectClrLst/>
+  </dgm:styleLbl>
+  <dgm:styleLbl name="trAlignAcc1">
+    <dgm:fillClrLst meth="repeat">
+      <a:schemeClr val="lt1">
+        <a:alpha val="40000"/>
+      </a:schemeClr>
+    </dgm:fillClrLst>
+    <dgm:linClrLst meth="repeat">
+      <a:schemeClr val="accent1"/>
+    </dgm:linClrLst>
+    <dgm:effectClrLst/>
+    <dgm:txLinClrLst/>
+    <dgm:txFillClrLst meth="repeat">
+      <a:schemeClr val="dk1"/>
+    </dgm:txFillClrLst>
+    <dgm:txEffectClrLst/>
+  </dgm:styleLbl>
+  <dgm:styleLbl name="bgAcc1">
+    <dgm:fillClrLst meth="repeat">
+      <a:schemeClr val="lt1">
+        <a:alpha val="90000"/>
+      </a:schemeClr>
+    </dgm:fillClrLst>
+    <dgm:linClrLst meth="repeat">
+      <a:schemeClr val="accent1"/>
+    </dgm:linClrLst>
+    <dgm:effectClrLst/>
+    <dgm:txLinClrLst/>
+    <dgm:txFillClrLst meth="repeat">
+      <a:schemeClr val="dk1"/>
+    </dgm:txFillClrLst>
+    <dgm:txEffectClrLst/>
+  </dgm:styleLbl>
+  <dgm:styleLbl name="solidFgAcc1">
+    <dgm:fillClrLst meth="repeat">
+      <a:schemeClr val="lt1"/>
+    </dgm:fillClrLst>
+    <dgm:linClrLst meth="repeat">
+      <a:schemeClr val="accent1"/>
+    </dgm:linClrLst>
+    <dgm:effectClrLst/>
+    <dgm:txLinClrLst/>
+    <dgm:txFillClrLst meth="repeat">
+      <a:schemeClr val="dk1"/>
+    </dgm:txFillClrLst>
+    <dgm:txEffectClrLst/>
+  </dgm:styleLbl>
+  <dgm:styleLbl name="solidAlignAcc1">
+    <dgm:fillClrLst meth="repeat">
+      <a:schemeClr val="lt1"/>
+    </dgm:fillClrLst>
+    <dgm:linClrLst meth="repeat">
+      <a:schemeClr val="accent1"/>
+    </dgm:linClrLst>
+    <dgm:effectClrLst/>
+    <dgm:txLinClrLst/>
+    <dgm:txFillClrLst meth="repeat">
+      <a:schemeClr val="dk1"/>
+    </dgm:txFillClrLst>
+    <dgm:txEffectClrLst/>
+  </dgm:styleLbl>
+  <dgm:styleLbl name="solidBgAcc1">
+    <dgm:fillClrLst meth="repeat">
+      <a:schemeClr val="lt1"/>
+    </dgm:fillClrLst>
+    <dgm:linClrLst meth="repeat">
+      <a:schemeClr val="accent1"/>
+    </dgm:linClrLst>
+    <dgm:effectClrLst/>
+    <dgm:txLinClrLst/>
+    <dgm:txFillClrLst meth="repeat">
+      <a:schemeClr val="dk1"/>
+    </dgm:txFillClrLst>
+    <dgm:txEffectClrLst/>
+  </dgm:styleLbl>
+  <dgm:styleLbl name="fgAccFollowNode1">
+    <dgm:fillClrLst meth="repeat">
+      <a:schemeClr val="accent1">
+        <a:alpha val="90000"/>
+        <a:tint val="40000"/>
+      </a:schemeClr>
+    </dgm:fillClrLst>
+    <dgm:linClrLst meth="repeat">
+      <a:schemeClr val="accent1">
+        <a:alpha val="90000"/>
+        <a:tint val="40000"/>
+      </a:schemeClr>
+    </dgm:linClrLst>
+    <dgm:effectClrLst/>
+    <dgm:txLinClrLst/>
+    <dgm:txFillClrLst meth="repeat">
+      <a:schemeClr val="dk1"/>
+    </dgm:txFillClrLst>
+    <dgm:txEffectClrLst/>
+  </dgm:styleLbl>
+  <dgm:styleLbl name="alignAccFollowNode1">
+    <dgm:fillClrLst meth="repeat">
+      <a:schemeClr val="accent1">
+        <a:alpha val="90000"/>
+        <a:tint val="40000"/>
+      </a:schemeClr>
+    </dgm:fillClrLst>
+    <dgm:linClrLst meth="repeat">
+      <a:schemeClr val="accent1">
+        <a:alpha val="90000"/>
+        <a:tint val="40000"/>
+      </a:schemeClr>
+    </dgm:linClrLst>
+    <dgm:effectClrLst/>
+    <dgm:txLinClrLst/>
+    <dgm:txFillClrLst meth="repeat">
+      <a:schemeClr val="dk1"/>
+    </dgm:txFillClrLst>
+    <dgm:txEffectClrLst/>
+  </dgm:styleLbl>
+  <dgm:styleLbl name="bgAccFollowNode1">
+    <dgm:fillClrLst meth="repeat">
+      <a:schemeClr val="accent1">
+        <a:alpha val="90000"/>
+        <a:tint val="40000"/>
+      </a:schemeClr>
+    </dgm:fillClrLst>
+    <dgm:linClrLst meth="repeat">
+      <a:schemeClr val="accent1">
+        <a:alpha val="90000"/>
+        <a:tint val="40000"/>
+      </a:schemeClr>
+    </dgm:linClrLst>
+    <dgm:effectClrLst/>
+    <dgm:txLinClrLst/>
+    <dgm:txFillClrLst meth="repeat">
+      <a:schemeClr val="dk1"/>
+    </dgm:txFillClrLst>
+    <dgm:txEffectClrLst/>
+  </dgm:styleLbl>
+  <dgm:styleLbl name="fgAcc0">
+    <dgm:fillClrLst meth="repeat">
+      <a:schemeClr val="lt1">
+        <a:alpha val="90000"/>
+      </a:schemeClr>
+    </dgm:fillClrLst>
+    <dgm:linClrLst meth="repeat">
+      <a:schemeClr val="accent1"/>
+    </dgm:linClrLst>
+    <dgm:effectClrLst/>
+    <dgm:txLinClrLst/>
+    <dgm:txFillClrLst meth="repeat">
+      <a:schemeClr val="dk1"/>
+    </dgm:txFillClrLst>
+    <dgm:txEffectClrLst/>
+  </dgm:styleLbl>
+  <dgm:styleLbl name="fgAcc2">
+    <dgm:fillClrLst meth="repeat">
+      <a:schemeClr val="lt1">
+        <a:alpha val="90000"/>
+      </a:schemeClr>
+    </dgm:fillClrLst>
+    <dgm:linClrLst meth="repeat">
+      <a:schemeClr val="accent1"/>
+    </dgm:linClrLst>
+    <dgm:effectClrLst/>
+    <dgm:txLinClrLst/>
+    <dgm:txFillClrLst meth="repeat">
+      <a:schemeClr val="dk1"/>
+    </dgm:txFillClrLst>
+    <dgm:txEffectClrLst/>
+  </dgm:styleLbl>
+  <dgm:styleLbl name="fgAcc3">
+    <dgm:fillClrLst meth="repeat">
+      <a:schemeClr val="lt1">
+        <a:alpha val="90000"/>
+      </a:schemeClr>
+    </dgm:fillClrLst>
+    <dgm:linClrLst meth="repeat">
+      <a:schemeClr val="accent1"/>
+    </dgm:linClrLst>
+    <dgm:effectClrLst/>
+    <dgm:txLinClrLst/>
+    <dgm:txFillClrLst meth="repeat">
+      <a:schemeClr val="dk1"/>
+    </dgm:txFillClrLst>
+    <dgm:txEffectClrLst/>
+  </dgm:styleLbl>
+  <dgm:styleLbl name="fgAcc4">
+    <dgm:fillClrLst meth="repeat">
+      <a:schemeClr val="lt1">
+        <a:alpha val="90000"/>
+      </a:schemeClr>
+    </dgm:fillClrLst>
+    <dgm:linClrLst meth="repeat">
+      <a:schemeClr val="accent1"/>
+    </dgm:linClrLst>
+    <dgm:effectClrLst/>
+    <dgm:txLinClrLst/>
+    <dgm:txFillClrLst meth="repeat">
+      <a:schemeClr val="dk1"/>
+    </dgm:txFillClrLst>
+    <dgm:txEffectClrLst/>
+  </dgm:styleLbl>
+  <dgm:styleLbl name="bgShp">
+    <dgm:fillClrLst meth="repeat">
+      <a:schemeClr val="accent1">
+        <a:tint val="40000"/>
+      </a:schemeClr>
+    </dgm:fillClrLst>
+    <dgm:linClrLst meth="repeat">
+      <a:schemeClr val="accent1"/>
+    </dgm:linClrLst>
+    <dgm:effectClrLst/>
+    <dgm:txLinClrLst/>
+    <dgm:txFillClrLst meth="repeat">
+      <a:schemeClr val="dk1"/>
+    </dgm:txFillClrLst>
+    <dgm:txEffectClrLst/>
+  </dgm:styleLbl>
+  <dgm:styleLbl name="dkBgShp">
+    <dgm:fillClrLst meth="repeat">
+      <a:schemeClr val="accent1">
+        <a:shade val="80000"/>
+      </a:schemeClr>
+    </dgm:fillClrLst>
+    <dgm:linClrLst meth="repeat">
+      <a:schemeClr val="accent1"/>
+    </dgm:linClrLst>
+    <dgm:effectClrLst/>
+    <dgm:txLinClrLst/>
+    <dgm:txFillClrLst meth="repeat">
+      <a:schemeClr val="lt1"/>
+    </dgm:txFillClrLst>
+    <dgm:txEffectClrLst/>
+  </dgm:styleLbl>
+  <dgm:styleLbl name="trBgShp">
+    <dgm:fillClrLst meth="repeat">
+      <a:schemeClr val="accent1">
+        <a:tint val="50000"/>
+        <a:alpha val="40000"/>
+      </a:schemeClr>
+    </dgm:fillClrLst>
+    <dgm:linClrLst meth="repeat">
+      <a:schemeClr val="accent1"/>
+    </dgm:linClrLst>
+    <dgm:effectClrLst/>
+    <dgm:txLinClrLst/>
+    <dgm:txFillClrLst meth="repeat">
+      <a:schemeClr val="lt1"/>
+    </dgm:txFillClrLst>
+    <dgm:txEffectClrLst/>
+  </dgm:styleLbl>
+  <dgm:styleLbl name="fgShp">
+    <dgm:fillClrLst meth="repeat">
+      <a:schemeClr val="accent1">
+        <a:tint val="60000"/>
+      </a:schemeClr>
+    </dgm:fillClrLst>
+    <dgm:linClrLst meth="repeat">
+      <a:schemeClr val="lt1"/>
+    </dgm:linClrLst>
+    <dgm:effectClrLst/>
+    <dgm:txLinClrLst/>
+    <dgm:txFillClrLst meth="repeat">
+      <a:schemeClr val="dk1"/>
+    </dgm:txFillClrLst>
+    <dgm:txEffectClrLst/>
+  </dgm:styleLbl>
+  <dgm:styleLbl name="revTx">
+    <dgm:fillClrLst meth="repeat">
+      <a:schemeClr val="lt1">
+        <a:alpha val="0"/>
+      </a:schemeClr>
+    </dgm:fillClrLst>
+    <dgm:linClrLst meth="repeat">
+      <a:schemeClr val="dk1">
+        <a:alpha val="0"/>
+      </a:schemeClr>
+    </dgm:linClrLst>
+    <dgm:effectClrLst/>
+    <dgm:txLinClrLst/>
+    <dgm:txFillClrLst meth="repeat">
+      <a:schemeClr val="tx1"/>
+    </dgm:txFillClrLst>
+    <dgm:txEffectClrLst/>
+  </dgm:styleLbl>
+</dgm:colorsDef>
+</file>
+
+<file path=ppt/diagrams/colors12.xml><?xml version="1.0" encoding="utf-8"?>
 <dgm:colorsDef xmlns:dgm="http://schemas.openxmlformats.org/drawingml/2006/diagram" xmlns:a="http://schemas.openxmlformats.org/drawingml/2006/main" uniqueId="urn:microsoft.com/office/officeart/2005/8/colors/accent1_2">
   <dgm:title val=""/>
   <dgm:desc val=""/>
@@ -7916,6 +9411,13 @@
         </dgm:presLayoutVars>
       </dgm:prSet>
       <dgm:spPr/>
+      <dgm:t>
+        <a:bodyPr/>
+        <a:lstStyle/>
+        <a:p>
+          <a:endParaRPr lang="de-DE"/>
+        </a:p>
+      </dgm:t>
     </dgm:pt>
     <dgm:pt modelId="{A7FC58AE-14E0-4235-9172-2A0A58A71F68}" type="pres">
       <dgm:prSet presAssocID="{BF4E3A99-BCD3-40B5-BFF3-4A351E80D19A}" presName="linNode" presStyleCnt="0"/>
@@ -7929,6 +9431,13 @@
         </dgm:presLayoutVars>
       </dgm:prSet>
       <dgm:spPr/>
+      <dgm:t>
+        <a:bodyPr/>
+        <a:lstStyle/>
+        <a:p>
+          <a:endParaRPr lang="de-DE"/>
+        </a:p>
+      </dgm:t>
     </dgm:pt>
     <dgm:pt modelId="{DCC0B640-762B-42B1-B6BF-3593AF600414}" type="pres">
       <dgm:prSet presAssocID="{BF4E3A99-BCD3-40B5-BFF3-4A351E80D19A}" presName="descendantText" presStyleLbl="alignAccFollowNode1" presStyleIdx="0" presStyleCnt="3">
@@ -7937,6 +9446,13 @@
         </dgm:presLayoutVars>
       </dgm:prSet>
       <dgm:spPr/>
+      <dgm:t>
+        <a:bodyPr/>
+        <a:lstStyle/>
+        <a:p>
+          <a:endParaRPr lang="de-DE"/>
+        </a:p>
+      </dgm:t>
     </dgm:pt>
     <dgm:pt modelId="{2DD739E9-10C4-46E8-A235-7CAA996507A7}" type="pres">
       <dgm:prSet presAssocID="{09944042-9934-45B9-8CB0-FAD2508AC468}" presName="sp" presStyleCnt="0"/>
@@ -7954,6 +9470,13 @@
         </dgm:presLayoutVars>
       </dgm:prSet>
       <dgm:spPr/>
+      <dgm:t>
+        <a:bodyPr/>
+        <a:lstStyle/>
+        <a:p>
+          <a:endParaRPr lang="de-DE"/>
+        </a:p>
+      </dgm:t>
     </dgm:pt>
     <dgm:pt modelId="{7D1159AB-859F-4A05-8EAD-FB5D9434DF77}" type="pres">
       <dgm:prSet presAssocID="{A5B5477C-E591-4695-ABCD-22289241670C}" presName="descendantText" presStyleLbl="alignAccFollowNode1" presStyleIdx="1" presStyleCnt="3">
@@ -7962,6 +9485,13 @@
         </dgm:presLayoutVars>
       </dgm:prSet>
       <dgm:spPr/>
+      <dgm:t>
+        <a:bodyPr/>
+        <a:lstStyle/>
+        <a:p>
+          <a:endParaRPr lang="de-DE"/>
+        </a:p>
+      </dgm:t>
     </dgm:pt>
     <dgm:pt modelId="{EED17577-AE89-4808-B1E1-7B30DACF8C60}" type="pres">
       <dgm:prSet presAssocID="{61D671B2-F15F-4D34-B237-24F2B25BFFB1}" presName="sp" presStyleCnt="0"/>
@@ -7979,6 +9509,13 @@
         </dgm:presLayoutVars>
       </dgm:prSet>
       <dgm:spPr/>
+      <dgm:t>
+        <a:bodyPr/>
+        <a:lstStyle/>
+        <a:p>
+          <a:endParaRPr lang="de-DE"/>
+        </a:p>
+      </dgm:t>
     </dgm:pt>
     <dgm:pt modelId="{655297B6-E2F2-49AD-A06C-4E1E636E894C}" type="pres">
       <dgm:prSet presAssocID="{47952A61-B0A9-403E-B991-F30456CC4C18}" presName="descendantText" presStyleLbl="alignAccFollowNode1" presStyleIdx="2" presStyleCnt="3" custLinFactNeighborX="-285" custLinFactNeighborY="-1767">
@@ -7987,6 +9524,13 @@
         </dgm:presLayoutVars>
       </dgm:prSet>
       <dgm:spPr/>
+      <dgm:t>
+        <a:bodyPr/>
+        <a:lstStyle/>
+        <a:p>
+          <a:endParaRPr lang="de-DE"/>
+        </a:p>
+      </dgm:t>
     </dgm:pt>
   </dgm:ptLst>
   <dgm:cxnLst>
@@ -8077,6 +9621,42 @@
         </a:p>
       </dgm:t>
     </dgm:pt>
+    <dgm:pt modelId="{0B1AAA67-958F-437E-91D8-F916C4ADA1F1}">
+      <dgm:prSet/>
+      <dgm:spPr/>
+      <dgm:t>
+        <a:bodyPr/>
+        <a:lstStyle/>
+        <a:p>
+          <a:r>
+            <a:rPr lang="de-DE" dirty="0"/>
+            <a:t> 03 Arrays.js</a:t>
+          </a:r>
+        </a:p>
+      </dgm:t>
+    </dgm:pt>
+    <dgm:pt modelId="{DD61EF18-947A-4053-B5F6-F026F2BD4CB0}" type="parTrans" cxnId="{13E31921-0A7B-4FBD-96BC-E58102772E91}">
+      <dgm:prSet/>
+      <dgm:spPr/>
+      <dgm:t>
+        <a:bodyPr/>
+        <a:lstStyle/>
+        <a:p>
+          <a:endParaRPr lang="de-DE"/>
+        </a:p>
+      </dgm:t>
+    </dgm:pt>
+    <dgm:pt modelId="{846A31DC-5CB0-4C3E-A526-2D4DCC98EFE0}" type="sibTrans" cxnId="{13E31921-0A7B-4FBD-96BC-E58102772E91}">
+      <dgm:prSet/>
+      <dgm:spPr/>
+      <dgm:t>
+        <a:bodyPr/>
+        <a:lstStyle/>
+        <a:p>
+          <a:endParaRPr lang="de-DE"/>
+        </a:p>
+      </dgm:t>
+    </dgm:pt>
     <dgm:pt modelId="{7C043A39-CE24-4EB9-9DD1-ADEA51ADBF35}" type="pres">
       <dgm:prSet presAssocID="{7E247A59-008E-419A-A44E-29EE95F9DC78}" presName="linear" presStyleCnt="0">
         <dgm:presLayoutVars>
@@ -8085,6 +9665,13 @@
         </dgm:presLayoutVars>
       </dgm:prSet>
       <dgm:spPr/>
+      <dgm:t>
+        <a:bodyPr/>
+        <a:lstStyle/>
+        <a:p>
+          <a:endParaRPr lang="de-DE"/>
+        </a:p>
+      </dgm:t>
     </dgm:pt>
     <dgm:pt modelId="{6EC9B571-2AAD-4AC1-B5C9-64DF398C0AEA}" type="pres">
       <dgm:prSet presAssocID="{C3E0E1EE-5798-473D-907B-B686B920B505}" presName="parentText" presStyleLbl="node1" presStyleIdx="0" presStyleCnt="1">
@@ -8094,6 +9681,229 @@
         </dgm:presLayoutVars>
       </dgm:prSet>
       <dgm:spPr/>
+      <dgm:t>
+        <a:bodyPr/>
+        <a:lstStyle/>
+        <a:p>
+          <a:endParaRPr lang="de-DE"/>
+        </a:p>
+      </dgm:t>
+    </dgm:pt>
+    <dgm:pt modelId="{0D635367-230C-4CCF-BD5E-72E7F8933CB7}" type="pres">
+      <dgm:prSet presAssocID="{C3E0E1EE-5798-473D-907B-B686B920B505}" presName="childText" presStyleLbl="revTx" presStyleIdx="0" presStyleCnt="1">
+        <dgm:presLayoutVars>
+          <dgm:bulletEnabled val="1"/>
+        </dgm:presLayoutVars>
+      </dgm:prSet>
+      <dgm:spPr/>
+      <dgm:t>
+        <a:bodyPr/>
+        <a:lstStyle/>
+        <a:p>
+          <a:endParaRPr lang="de-DE"/>
+        </a:p>
+      </dgm:t>
+    </dgm:pt>
+  </dgm:ptLst>
+  <dgm:cxnLst>
+    <dgm:cxn modelId="{3A67130B-0006-44A0-8967-10556F95FB1C}" type="presOf" srcId="{7E247A59-008E-419A-A44E-29EE95F9DC78}" destId="{7C043A39-CE24-4EB9-9DD1-ADEA51ADBF35}" srcOrd="0" destOrd="0" presId="urn:microsoft.com/office/officeart/2005/8/layout/vList2"/>
+    <dgm:cxn modelId="{51495F89-F0C5-427C-A3F0-E45CE497D687}" type="presOf" srcId="{C3E0E1EE-5798-473D-907B-B686B920B505}" destId="{6EC9B571-2AAD-4AC1-B5C9-64DF398C0AEA}" srcOrd="0" destOrd="0" presId="urn:microsoft.com/office/officeart/2005/8/layout/vList2"/>
+    <dgm:cxn modelId="{3A8F517F-DAE0-4E05-8441-AD38D754B666}" srcId="{7E247A59-008E-419A-A44E-29EE95F9DC78}" destId="{C3E0E1EE-5798-473D-907B-B686B920B505}" srcOrd="0" destOrd="0" parTransId="{4F628074-E509-4007-BDE7-4F8BC50044BE}" sibTransId="{3976CA15-F719-4642-BCA5-42D3630C36E7}"/>
+    <dgm:cxn modelId="{13E31921-0A7B-4FBD-96BC-E58102772E91}" srcId="{C3E0E1EE-5798-473D-907B-B686B920B505}" destId="{0B1AAA67-958F-437E-91D8-F916C4ADA1F1}" srcOrd="0" destOrd="0" parTransId="{DD61EF18-947A-4053-B5F6-F026F2BD4CB0}" sibTransId="{846A31DC-5CB0-4C3E-A526-2D4DCC98EFE0}"/>
+    <dgm:cxn modelId="{7841C90F-9E2D-4F91-8764-B8558920E61F}" type="presOf" srcId="{0B1AAA67-958F-437E-91D8-F916C4ADA1F1}" destId="{0D635367-230C-4CCF-BD5E-72E7F8933CB7}" srcOrd="0" destOrd="0" presId="urn:microsoft.com/office/officeart/2005/8/layout/vList2"/>
+    <dgm:cxn modelId="{1608781F-A093-4037-871A-437F37C3CF49}" type="presParOf" srcId="{7C043A39-CE24-4EB9-9DD1-ADEA51ADBF35}" destId="{6EC9B571-2AAD-4AC1-B5C9-64DF398C0AEA}" srcOrd="0" destOrd="0" presId="urn:microsoft.com/office/officeart/2005/8/layout/vList2"/>
+    <dgm:cxn modelId="{05E2A72E-A988-4ABB-842D-F3E4DFCE21CE}" type="presParOf" srcId="{7C043A39-CE24-4EB9-9DD1-ADEA51ADBF35}" destId="{0D635367-230C-4CCF-BD5E-72E7F8933CB7}" srcOrd="1" destOrd="0" presId="urn:microsoft.com/office/officeart/2005/8/layout/vList2"/>
+  </dgm:cxnLst>
+  <dgm:bg/>
+  <dgm:whole/>
+  <dgm:extLst>
+    <a:ext uri="http://schemas.microsoft.com/office/drawing/2008/diagram">
+      <dsp:dataModelExt xmlns:dsp="http://schemas.microsoft.com/office/drawing/2008/diagram" relId="rId6" minVer="http://schemas.openxmlformats.org/drawingml/2006/diagram"/>
+    </a:ext>
+  </dgm:extLst>
+</dgm:dataModel>
+</file>
+
+<file path=ppt/diagrams/data11.xml><?xml version="1.0" encoding="utf-8"?>
+<dgm:dataModel xmlns:dgm="http://schemas.openxmlformats.org/drawingml/2006/diagram" xmlns:a="http://schemas.openxmlformats.org/drawingml/2006/main">
+  <dgm:ptLst>
+    <dgm:pt modelId="{7E247A59-008E-419A-A44E-29EE95F9DC78}" type="doc">
+      <dgm:prSet loTypeId="urn:microsoft.com/office/officeart/2005/8/layout/vList2" loCatId="list" qsTypeId="urn:microsoft.com/office/officeart/2005/8/quickstyle/simple1" qsCatId="simple" csTypeId="urn:microsoft.com/office/officeart/2005/8/colors/accent1_2" csCatId="accent1" phldr="1"/>
+      <dgm:spPr/>
+      <dgm:t>
+        <a:bodyPr/>
+        <a:lstStyle/>
+        <a:p>
+          <a:endParaRPr lang="de-DE"/>
+        </a:p>
+      </dgm:t>
+    </dgm:pt>
+    <dgm:pt modelId="{C3E0E1EE-5798-473D-907B-B686B920B505}">
+      <dgm:prSet/>
+      <dgm:spPr/>
+      <dgm:t>
+        <a:bodyPr/>
+        <a:lstStyle/>
+        <a:p>
+          <a:r>
+            <a:rPr lang="de-DE" dirty="0"/>
+            <a:t>DEMO</a:t>
+          </a:r>
+        </a:p>
+      </dgm:t>
+    </dgm:pt>
+    <dgm:pt modelId="{4F628074-E509-4007-BDE7-4F8BC50044BE}" type="parTrans" cxnId="{3A8F517F-DAE0-4E05-8441-AD38D754B666}">
+      <dgm:prSet/>
+      <dgm:spPr/>
+      <dgm:t>
+        <a:bodyPr/>
+        <a:lstStyle/>
+        <a:p>
+          <a:endParaRPr lang="de-DE"/>
+        </a:p>
+      </dgm:t>
+    </dgm:pt>
+    <dgm:pt modelId="{3976CA15-F719-4642-BCA5-42D3630C36E7}" type="sibTrans" cxnId="{3A8F517F-DAE0-4E05-8441-AD38D754B666}">
+      <dgm:prSet/>
+      <dgm:spPr/>
+      <dgm:t>
+        <a:bodyPr/>
+        <a:lstStyle/>
+        <a:p>
+          <a:endParaRPr lang="de-DE"/>
+        </a:p>
+      </dgm:t>
+    </dgm:pt>
+    <dgm:pt modelId="{7C043A39-CE24-4EB9-9DD1-ADEA51ADBF35}" type="pres">
+      <dgm:prSet presAssocID="{7E247A59-008E-419A-A44E-29EE95F9DC78}" presName="linear" presStyleCnt="0">
+        <dgm:presLayoutVars>
+          <dgm:animLvl val="lvl"/>
+          <dgm:resizeHandles val="exact"/>
+        </dgm:presLayoutVars>
+      </dgm:prSet>
+      <dgm:spPr/>
+      <dgm:t>
+        <a:bodyPr/>
+        <a:lstStyle/>
+        <a:p>
+          <a:endParaRPr lang="de-DE"/>
+        </a:p>
+      </dgm:t>
+    </dgm:pt>
+    <dgm:pt modelId="{6EC9B571-2AAD-4AC1-B5C9-64DF398C0AEA}" type="pres">
+      <dgm:prSet presAssocID="{C3E0E1EE-5798-473D-907B-B686B920B505}" presName="parentText" presStyleLbl="node1" presStyleIdx="0" presStyleCnt="1">
+        <dgm:presLayoutVars>
+          <dgm:chMax val="0"/>
+          <dgm:bulletEnabled val="1"/>
+        </dgm:presLayoutVars>
+      </dgm:prSet>
+      <dgm:spPr/>
+      <dgm:t>
+        <a:bodyPr/>
+        <a:lstStyle/>
+        <a:p>
+          <a:endParaRPr lang="de-DE"/>
+        </a:p>
+      </dgm:t>
+    </dgm:pt>
+  </dgm:ptLst>
+  <dgm:cxnLst>
+    <dgm:cxn modelId="{3A67130B-0006-44A0-8967-10556F95FB1C}" type="presOf" srcId="{7E247A59-008E-419A-A44E-29EE95F9DC78}" destId="{7C043A39-CE24-4EB9-9DD1-ADEA51ADBF35}" srcOrd="0" destOrd="0" presId="urn:microsoft.com/office/officeart/2005/8/layout/vList2"/>
+    <dgm:cxn modelId="{51495F89-F0C5-427C-A3F0-E45CE497D687}" type="presOf" srcId="{C3E0E1EE-5798-473D-907B-B686B920B505}" destId="{6EC9B571-2AAD-4AC1-B5C9-64DF398C0AEA}" srcOrd="0" destOrd="0" presId="urn:microsoft.com/office/officeart/2005/8/layout/vList2"/>
+    <dgm:cxn modelId="{3A8F517F-DAE0-4E05-8441-AD38D754B666}" srcId="{7E247A59-008E-419A-A44E-29EE95F9DC78}" destId="{C3E0E1EE-5798-473D-907B-B686B920B505}" srcOrd="0" destOrd="0" parTransId="{4F628074-E509-4007-BDE7-4F8BC50044BE}" sibTransId="{3976CA15-F719-4642-BCA5-42D3630C36E7}"/>
+    <dgm:cxn modelId="{1608781F-A093-4037-871A-437F37C3CF49}" type="presParOf" srcId="{7C043A39-CE24-4EB9-9DD1-ADEA51ADBF35}" destId="{6EC9B571-2AAD-4AC1-B5C9-64DF398C0AEA}" srcOrd="0" destOrd="0" presId="urn:microsoft.com/office/officeart/2005/8/layout/vList2"/>
+  </dgm:cxnLst>
+  <dgm:bg/>
+  <dgm:whole/>
+  <dgm:extLst>
+    <a:ext uri="http://schemas.microsoft.com/office/drawing/2008/diagram">
+      <dsp:dataModelExt xmlns:dsp="http://schemas.microsoft.com/office/drawing/2008/diagram" relId="rId6" minVer="http://schemas.openxmlformats.org/drawingml/2006/diagram"/>
+    </a:ext>
+  </dgm:extLst>
+</dgm:dataModel>
+</file>
+
+<file path=ppt/diagrams/data12.xml><?xml version="1.0" encoding="utf-8"?>
+<dgm:dataModel xmlns:dgm="http://schemas.openxmlformats.org/drawingml/2006/diagram" xmlns:a="http://schemas.openxmlformats.org/drawingml/2006/main">
+  <dgm:ptLst>
+    <dgm:pt modelId="{7E247A59-008E-419A-A44E-29EE95F9DC78}" type="doc">
+      <dgm:prSet loTypeId="urn:microsoft.com/office/officeart/2005/8/layout/vList2" loCatId="list" qsTypeId="urn:microsoft.com/office/officeart/2005/8/quickstyle/simple1" qsCatId="simple" csTypeId="urn:microsoft.com/office/officeart/2005/8/colors/accent1_2" csCatId="accent1" phldr="1"/>
+      <dgm:spPr/>
+      <dgm:t>
+        <a:bodyPr/>
+        <a:lstStyle/>
+        <a:p>
+          <a:endParaRPr lang="de-DE"/>
+        </a:p>
+      </dgm:t>
+    </dgm:pt>
+    <dgm:pt modelId="{C3E0E1EE-5798-473D-907B-B686B920B505}">
+      <dgm:prSet/>
+      <dgm:spPr/>
+      <dgm:t>
+        <a:bodyPr/>
+        <a:lstStyle/>
+        <a:p>
+          <a:r>
+            <a:rPr lang="de-DE" dirty="0"/>
+            <a:t>DEMO</a:t>
+          </a:r>
+        </a:p>
+      </dgm:t>
+    </dgm:pt>
+    <dgm:pt modelId="{4F628074-E509-4007-BDE7-4F8BC50044BE}" type="parTrans" cxnId="{3A8F517F-DAE0-4E05-8441-AD38D754B666}">
+      <dgm:prSet/>
+      <dgm:spPr/>
+      <dgm:t>
+        <a:bodyPr/>
+        <a:lstStyle/>
+        <a:p>
+          <a:endParaRPr lang="de-DE"/>
+        </a:p>
+      </dgm:t>
+    </dgm:pt>
+    <dgm:pt modelId="{3976CA15-F719-4642-BCA5-42D3630C36E7}" type="sibTrans" cxnId="{3A8F517F-DAE0-4E05-8441-AD38D754B666}">
+      <dgm:prSet/>
+      <dgm:spPr/>
+      <dgm:t>
+        <a:bodyPr/>
+        <a:lstStyle/>
+        <a:p>
+          <a:endParaRPr lang="de-DE"/>
+        </a:p>
+      </dgm:t>
+    </dgm:pt>
+    <dgm:pt modelId="{7C043A39-CE24-4EB9-9DD1-ADEA51ADBF35}" type="pres">
+      <dgm:prSet presAssocID="{7E247A59-008E-419A-A44E-29EE95F9DC78}" presName="linear" presStyleCnt="0">
+        <dgm:presLayoutVars>
+          <dgm:animLvl val="lvl"/>
+          <dgm:resizeHandles val="exact"/>
+        </dgm:presLayoutVars>
+      </dgm:prSet>
+      <dgm:spPr/>
+      <dgm:t>
+        <a:bodyPr/>
+        <a:lstStyle/>
+        <a:p>
+          <a:endParaRPr lang="de-DE"/>
+        </a:p>
+      </dgm:t>
+    </dgm:pt>
+    <dgm:pt modelId="{6EC9B571-2AAD-4AC1-B5C9-64DF398C0AEA}" type="pres">
+      <dgm:prSet presAssocID="{C3E0E1EE-5798-473D-907B-B686B920B505}" presName="parentText" presStyleLbl="node1" presStyleIdx="0" presStyleCnt="1">
+        <dgm:presLayoutVars>
+          <dgm:chMax val="0"/>
+          <dgm:bulletEnabled val="1"/>
+        </dgm:presLayoutVars>
+      </dgm:prSet>
+      <dgm:spPr/>
+      <dgm:t>
+        <a:bodyPr/>
+        <a:lstStyle/>
+        <a:p>
+          <a:endParaRPr lang="de-DE"/>
+        </a:p>
+      </dgm:t>
     </dgm:pt>
   </dgm:ptLst>
   <dgm:cxnLst>
@@ -8214,6 +10024,10 @@
             <a:rPr lang="de-DE" dirty="0" err="1"/>
             <a:t>Robert.Marz</a:t>
           </a:r>
+          <a:r>
+            <a:rPr lang="de-DE" dirty="0"/>
+            <a:t/>
+          </a:r>
           <a:br>
             <a:rPr lang="de-DE" dirty="0"/>
           </a:br>
@@ -8257,6 +10071,13 @@
         </dgm:presLayoutVars>
       </dgm:prSet>
       <dgm:spPr/>
+      <dgm:t>
+        <a:bodyPr/>
+        <a:lstStyle/>
+        <a:p>
+          <a:endParaRPr lang="de-DE"/>
+        </a:p>
+      </dgm:t>
     </dgm:pt>
     <dgm:pt modelId="{1AA1E43C-5C6E-4A32-843A-DD6BE52AAF73}" type="pres">
       <dgm:prSet presAssocID="{CC372748-4BC1-4015-BDEF-BB2710A1D0D9}" presName="hierRoot1" presStyleCnt="0"/>
@@ -8291,6 +10112,13 @@
         </dgm:presLayoutVars>
       </dgm:prSet>
       <dgm:spPr/>
+      <dgm:t>
+        <a:bodyPr/>
+        <a:lstStyle/>
+        <a:p>
+          <a:endParaRPr lang="de-DE"/>
+        </a:p>
+      </dgm:t>
     </dgm:pt>
     <dgm:pt modelId="{DCE4F93B-36A3-4482-9CB0-5FA12448DD76}" type="pres">
       <dgm:prSet presAssocID="{CC372748-4BC1-4015-BDEF-BB2710A1D0D9}" presName="hierChild2" presStyleCnt="0"/>
@@ -8329,6 +10157,13 @@
         </dgm:presLayoutVars>
       </dgm:prSet>
       <dgm:spPr/>
+      <dgm:t>
+        <a:bodyPr/>
+        <a:lstStyle/>
+        <a:p>
+          <a:endParaRPr lang="de-DE"/>
+        </a:p>
+      </dgm:t>
     </dgm:pt>
     <dgm:pt modelId="{61A74F3A-7978-49EA-AFCC-B39278572BBA}" type="pres">
       <dgm:prSet presAssocID="{74FC5D49-0181-4D80-B5B3-80EE44372E8B}" presName="hierChild2" presStyleCnt="0"/>
@@ -8367,6 +10202,13 @@
         </dgm:presLayoutVars>
       </dgm:prSet>
       <dgm:spPr/>
+      <dgm:t>
+        <a:bodyPr/>
+        <a:lstStyle/>
+        <a:p>
+          <a:endParaRPr lang="de-DE"/>
+        </a:p>
+      </dgm:t>
     </dgm:pt>
     <dgm:pt modelId="{A114E7BE-5B0D-4DDE-8A6A-FAEECDBFEADB}" type="pres">
       <dgm:prSet presAssocID="{4732E67D-2D2F-4E04-BABA-25D346007F9C}" presName="hierChild2" presStyleCnt="0"/>
@@ -8375,12 +10217,12 @@
   </dgm:ptLst>
   <dgm:cxnLst>
     <dgm:cxn modelId="{2BDF4CFA-E168-4FCB-88E9-576123E34DE0}" type="presOf" srcId="{D881761E-56AA-47A6-A120-8E8554B14BA3}" destId="{99C30A1B-20C6-4611-AE62-1A4313BB5F7A}" srcOrd="0" destOrd="0" presId="urn:microsoft.com/office/officeart/2009/layout/CirclePictureHierarchy"/>
+    <dgm:cxn modelId="{E4E94CC0-3474-4255-A9CE-FD83F380E8ED}" srcId="{D881761E-56AA-47A6-A120-8E8554B14BA3}" destId="{74FC5D49-0181-4D80-B5B3-80EE44372E8B}" srcOrd="1" destOrd="0" parTransId="{8287C9EF-E41F-42CB-B272-952A799CA64E}" sibTransId="{3B70A8B2-E766-4F47-B750-5BBCA98AD9D7}"/>
+    <dgm:cxn modelId="{3F9A16CD-DB93-4525-834A-34C1BD89010C}" type="presOf" srcId="{74FC5D49-0181-4D80-B5B3-80EE44372E8B}" destId="{1DA57DB4-403B-44F5-BF39-2900B1ECFD47}" srcOrd="0" destOrd="0" presId="urn:microsoft.com/office/officeart/2009/layout/CirclePictureHierarchy"/>
+    <dgm:cxn modelId="{687D1AEB-7300-46C5-A729-A43D7301AFE9}" type="presOf" srcId="{CC372748-4BC1-4015-BDEF-BB2710A1D0D9}" destId="{CA9E9B4E-52E5-47F9-94AC-66CAA402F9F8}" srcOrd="0" destOrd="0" presId="urn:microsoft.com/office/officeart/2009/layout/CirclePictureHierarchy"/>
     <dgm:cxn modelId="{93E09F9B-8586-4B42-B740-28E984371904}" type="presOf" srcId="{4732E67D-2D2F-4E04-BABA-25D346007F9C}" destId="{5D711149-18B6-4F73-AF48-E0E619A37466}" srcOrd="0" destOrd="0" presId="urn:microsoft.com/office/officeart/2009/layout/CirclePictureHierarchy"/>
+    <dgm:cxn modelId="{C1D98B7E-7E62-4A05-A323-D53541BEC994}" srcId="{D881761E-56AA-47A6-A120-8E8554B14BA3}" destId="{4732E67D-2D2F-4E04-BABA-25D346007F9C}" srcOrd="2" destOrd="0" parTransId="{35B17836-9111-4D70-BD93-28BD4C033E04}" sibTransId="{4B61A629-D1DC-48CA-A2C8-B1D888225945}"/>
     <dgm:cxn modelId="{B960C3EE-B940-495B-924B-8D52F77FF69C}" srcId="{D881761E-56AA-47A6-A120-8E8554B14BA3}" destId="{CC372748-4BC1-4015-BDEF-BB2710A1D0D9}" srcOrd="0" destOrd="0" parTransId="{334D846B-4C13-428F-90C7-C4C3A5A09FAB}" sibTransId="{E644916E-EB8C-4B6A-8517-C86AA5841EFD}"/>
-    <dgm:cxn modelId="{687D1AEB-7300-46C5-A729-A43D7301AFE9}" type="presOf" srcId="{CC372748-4BC1-4015-BDEF-BB2710A1D0D9}" destId="{CA9E9B4E-52E5-47F9-94AC-66CAA402F9F8}" srcOrd="0" destOrd="0" presId="urn:microsoft.com/office/officeart/2009/layout/CirclePictureHierarchy"/>
-    <dgm:cxn modelId="{E4E94CC0-3474-4255-A9CE-FD83F380E8ED}" srcId="{D881761E-56AA-47A6-A120-8E8554B14BA3}" destId="{74FC5D49-0181-4D80-B5B3-80EE44372E8B}" srcOrd="1" destOrd="0" parTransId="{8287C9EF-E41F-42CB-B272-952A799CA64E}" sibTransId="{3B70A8B2-E766-4F47-B750-5BBCA98AD9D7}"/>
-    <dgm:cxn modelId="{C1D98B7E-7E62-4A05-A323-D53541BEC994}" srcId="{D881761E-56AA-47A6-A120-8E8554B14BA3}" destId="{4732E67D-2D2F-4E04-BABA-25D346007F9C}" srcOrd="2" destOrd="0" parTransId="{35B17836-9111-4D70-BD93-28BD4C033E04}" sibTransId="{4B61A629-D1DC-48CA-A2C8-B1D888225945}"/>
-    <dgm:cxn modelId="{3F9A16CD-DB93-4525-834A-34C1BD89010C}" type="presOf" srcId="{74FC5D49-0181-4D80-B5B3-80EE44372E8B}" destId="{1DA57DB4-403B-44F5-BF39-2900B1ECFD47}" srcOrd="0" destOrd="0" presId="urn:microsoft.com/office/officeart/2009/layout/CirclePictureHierarchy"/>
     <dgm:cxn modelId="{5DC11E1E-B102-46A1-88D9-8C6F81314B99}" type="presParOf" srcId="{99C30A1B-20C6-4611-AE62-1A4313BB5F7A}" destId="{1AA1E43C-5C6E-4A32-843A-DD6BE52AAF73}" srcOrd="0" destOrd="0" presId="urn:microsoft.com/office/officeart/2009/layout/CirclePictureHierarchy"/>
     <dgm:cxn modelId="{C398A446-9A95-433B-BB20-60E8864713CA}" type="presParOf" srcId="{1AA1E43C-5C6E-4A32-843A-DD6BE52AAF73}" destId="{8307C7F6-F1EE-451B-B010-FF40012E4E34}" srcOrd="0" destOrd="0" presId="urn:microsoft.com/office/officeart/2009/layout/CirclePictureHierarchy"/>
     <dgm:cxn modelId="{EB12EF57-24A3-4F04-8B39-6D9A3AAE144F}" type="presParOf" srcId="{8307C7F6-F1EE-451B-B010-FF40012E4E34}" destId="{5806C7C0-FCA0-477E-B56D-7444B67D22CB}" srcOrd="0" destOrd="0" presId="urn:microsoft.com/office/officeart/2009/layout/CirclePictureHierarchy"/>
@@ -8410,6 +10252,826 @@
 <file path=ppt/diagrams/data3.xml><?xml version="1.0" encoding="utf-8"?>
 <dgm:dataModel xmlns:dgm="http://schemas.openxmlformats.org/drawingml/2006/diagram" xmlns:a="http://schemas.openxmlformats.org/drawingml/2006/main">
   <dgm:ptLst>
+    <dgm:pt modelId="{D4E5B807-9C1A-4590-9A63-6ED242AE0E67}" type="doc">
+      <dgm:prSet loTypeId="urn:microsoft.com/office/officeart/2005/8/layout/vList5" loCatId="list" qsTypeId="urn:microsoft.com/office/officeart/2005/8/quickstyle/simple1" qsCatId="simple" csTypeId="urn:microsoft.com/office/officeart/2005/8/colors/accent1_2" csCatId="accent1" phldr="1"/>
+      <dgm:spPr/>
+      <dgm:t>
+        <a:bodyPr/>
+        <a:lstStyle/>
+        <a:p>
+          <a:endParaRPr lang="de-DE"/>
+        </a:p>
+      </dgm:t>
+    </dgm:pt>
+    <dgm:pt modelId="{BF4E3A99-BCD3-40B5-BFF3-4A351E80D19A}">
+      <dgm:prSet/>
+      <dgm:spPr/>
+      <dgm:t>
+        <a:bodyPr/>
+        <a:lstStyle/>
+        <a:p>
+          <a:pPr rtl="0"/>
+          <a:r>
+            <a:rPr lang="de-DE" dirty="0"/>
+            <a:t>Kunde</a:t>
+          </a:r>
+        </a:p>
+      </dgm:t>
+    </dgm:pt>
+    <dgm:pt modelId="{6141F6D4-1CCB-4F4A-8BEA-2139F7BFD9E2}" type="parTrans" cxnId="{0BBDA971-D917-4422-B614-853EEA635716}">
+      <dgm:prSet/>
+      <dgm:spPr/>
+      <dgm:t>
+        <a:bodyPr/>
+        <a:lstStyle/>
+        <a:p>
+          <a:endParaRPr lang="de-DE"/>
+        </a:p>
+      </dgm:t>
+    </dgm:pt>
+    <dgm:pt modelId="{09944042-9934-45B9-8CB0-FAD2508AC468}" type="sibTrans" cxnId="{0BBDA971-D917-4422-B614-853EEA635716}">
+      <dgm:prSet/>
+      <dgm:spPr/>
+      <dgm:t>
+        <a:bodyPr/>
+        <a:lstStyle/>
+        <a:p>
+          <a:endParaRPr lang="de-DE"/>
+        </a:p>
+      </dgm:t>
+    </dgm:pt>
+    <dgm:pt modelId="{F7A19BC8-3EB5-40BA-B2ED-FFBCCE017CCA}">
+      <dgm:prSet/>
+      <dgm:spPr/>
+      <dgm:t>
+        <a:bodyPr/>
+        <a:lstStyle/>
+        <a:p>
+          <a:pPr rtl="0"/>
+          <a:r>
+            <a:rPr lang="de-DE" dirty="0"/>
+            <a:t>Portfoliomanager </a:t>
+          </a:r>
+          <a:r>
+            <a:rPr lang="de-DE" dirty="0" smtClean="0"/>
+            <a:t>Development</a:t>
+          </a:r>
+          <a:endParaRPr lang="de-DE" dirty="0"/>
+        </a:p>
+      </dgm:t>
+    </dgm:pt>
+    <dgm:pt modelId="{3BB73311-7130-453F-AD5E-A2D57DBB462B}" type="parTrans" cxnId="{7F0EBA5C-9E0F-41E3-8933-75279FD9BA1F}">
+      <dgm:prSet/>
+      <dgm:spPr/>
+      <dgm:t>
+        <a:bodyPr/>
+        <a:lstStyle/>
+        <a:p>
+          <a:endParaRPr lang="de-DE"/>
+        </a:p>
+      </dgm:t>
+    </dgm:pt>
+    <dgm:pt modelId="{00221B91-BC4E-4878-9494-80B5BA31B422}" type="sibTrans" cxnId="{7F0EBA5C-9E0F-41E3-8933-75279FD9BA1F}">
+      <dgm:prSet/>
+      <dgm:spPr/>
+      <dgm:t>
+        <a:bodyPr/>
+        <a:lstStyle/>
+        <a:p>
+          <a:endParaRPr lang="de-DE"/>
+        </a:p>
+      </dgm:t>
+    </dgm:pt>
+    <dgm:pt modelId="{47952A61-B0A9-403E-B991-F30456CC4C18}">
+      <dgm:prSet/>
+      <dgm:spPr/>
+      <dgm:t>
+        <a:bodyPr/>
+        <a:lstStyle/>
+        <a:p>
+          <a:pPr rtl="0"/>
+          <a:r>
+            <a:rPr lang="de-DE" dirty="0"/>
+            <a:t>DOAG</a:t>
+          </a:r>
+        </a:p>
+      </dgm:t>
+    </dgm:pt>
+    <dgm:pt modelId="{6BBA7CE6-8386-4C48-A745-DEFCA74A6DCA}" type="parTrans" cxnId="{7607A34E-3C1D-47E9-96D6-409CE15F8722}">
+      <dgm:prSet/>
+      <dgm:spPr/>
+      <dgm:t>
+        <a:bodyPr/>
+        <a:lstStyle/>
+        <a:p>
+          <a:endParaRPr lang="de-DE"/>
+        </a:p>
+      </dgm:t>
+    </dgm:pt>
+    <dgm:pt modelId="{B6BCF4FC-381A-4DAE-8976-B1F9E8533D07}" type="sibTrans" cxnId="{7607A34E-3C1D-47E9-96D6-409CE15F8722}">
+      <dgm:prSet/>
+      <dgm:spPr/>
+      <dgm:t>
+        <a:bodyPr/>
+        <a:lstStyle/>
+        <a:p>
+          <a:endParaRPr lang="de-DE"/>
+        </a:p>
+      </dgm:t>
+    </dgm:pt>
+    <dgm:pt modelId="{02B113D5-1545-4701-9D19-8BA5CB02B805}">
+      <dgm:prSet/>
+      <dgm:spPr/>
+      <dgm:t>
+        <a:bodyPr/>
+        <a:lstStyle/>
+        <a:p>
+          <a:pPr rtl="0"/>
+          <a:r>
+            <a:rPr lang="de-DE" dirty="0" smtClean="0"/>
+            <a:t>Mitglied der Development </a:t>
+          </a:r>
+          <a:r>
+            <a:rPr lang="de-DE" dirty="0" smtClean="0"/>
+            <a:t>Community</a:t>
+          </a:r>
+          <a:endParaRPr lang="de-DE" dirty="0"/>
+        </a:p>
+      </dgm:t>
+    </dgm:pt>
+    <dgm:pt modelId="{4BE5E438-FAA0-4315-9C63-89BF596D6685}" type="parTrans" cxnId="{D9948662-4EAF-4E62-9660-A7C073CFE2FA}">
+      <dgm:prSet/>
+      <dgm:spPr/>
+      <dgm:t>
+        <a:bodyPr/>
+        <a:lstStyle/>
+        <a:p>
+          <a:endParaRPr lang="de-DE"/>
+        </a:p>
+      </dgm:t>
+    </dgm:pt>
+    <dgm:pt modelId="{AA716730-B252-4066-9BA1-23D57B04C75B}" type="sibTrans" cxnId="{D9948662-4EAF-4E62-9660-A7C073CFE2FA}">
+      <dgm:prSet/>
+      <dgm:spPr/>
+      <dgm:t>
+        <a:bodyPr/>
+        <a:lstStyle/>
+        <a:p>
+          <a:endParaRPr lang="de-DE"/>
+        </a:p>
+      </dgm:t>
+    </dgm:pt>
+    <dgm:pt modelId="{C1180768-D39A-4357-8C8B-1E35CD91BDE7}">
+      <dgm:prSet/>
+      <dgm:spPr/>
+      <dgm:t>
+        <a:bodyPr/>
+        <a:lstStyle/>
+        <a:p>
+          <a:pPr rtl="0"/>
+          <a:r>
+            <a:rPr lang="de-DE" dirty="0" smtClean="0"/>
+            <a:t>Datenbanknahe Entwicklung</a:t>
+          </a:r>
+          <a:endParaRPr lang="de-DE" dirty="0"/>
+        </a:p>
+      </dgm:t>
+    </dgm:pt>
+    <dgm:pt modelId="{1F9A4AFB-424D-4544-B92B-FEA23D4D79FD}" type="parTrans" cxnId="{98EE14CD-B31E-492A-B661-0130ED285F1C}">
+      <dgm:prSet/>
+      <dgm:spPr/>
+      <dgm:t>
+        <a:bodyPr/>
+        <a:lstStyle/>
+        <a:p>
+          <a:endParaRPr lang="de-DE"/>
+        </a:p>
+      </dgm:t>
+    </dgm:pt>
+    <dgm:pt modelId="{4CD73024-BFC9-4B58-932C-6C76A87F1840}" type="sibTrans" cxnId="{98EE14CD-B31E-492A-B661-0130ED285F1C}">
+      <dgm:prSet/>
+      <dgm:spPr/>
+      <dgm:t>
+        <a:bodyPr/>
+        <a:lstStyle/>
+        <a:p>
+          <a:endParaRPr lang="de-DE"/>
+        </a:p>
+      </dgm:t>
+    </dgm:pt>
+    <dgm:pt modelId="{A5B5477C-E591-4695-ABCD-22289241670C}">
+      <dgm:prSet/>
+      <dgm:spPr/>
+      <dgm:t>
+        <a:bodyPr/>
+        <a:lstStyle/>
+        <a:p>
+          <a:r>
+            <a:rPr lang="de-DE"/>
+            <a:t>its-people</a:t>
+          </a:r>
+        </a:p>
+      </dgm:t>
+    </dgm:pt>
+    <dgm:pt modelId="{AC6CEDB6-43CB-441B-86D8-0C0AFB43A1FE}" type="parTrans" cxnId="{1F19D083-D403-4F18-9D43-F0188CDDBC9C}">
+      <dgm:prSet/>
+      <dgm:spPr/>
+      <dgm:t>
+        <a:bodyPr/>
+        <a:lstStyle/>
+        <a:p>
+          <a:endParaRPr lang="de-DE"/>
+        </a:p>
+      </dgm:t>
+    </dgm:pt>
+    <dgm:pt modelId="{61D671B2-F15F-4D34-B237-24F2B25BFFB1}" type="sibTrans" cxnId="{1F19D083-D403-4F18-9D43-F0188CDDBC9C}">
+      <dgm:prSet/>
+      <dgm:spPr/>
+      <dgm:t>
+        <a:bodyPr/>
+        <a:lstStyle/>
+        <a:p>
+          <a:endParaRPr lang="de-DE"/>
+        </a:p>
+      </dgm:t>
+    </dgm:pt>
+    <dgm:pt modelId="{4C6B19F2-FC21-40A5-8B22-F1CE3319A080}">
+      <dgm:prSet/>
+      <dgm:spPr/>
+      <dgm:t>
+        <a:bodyPr/>
+        <a:lstStyle/>
+        <a:p>
+          <a:pPr rtl="0"/>
+          <a:r>
+            <a:rPr lang="de-DE" dirty="0" smtClean="0"/>
+            <a:t>Blogredakteurin</a:t>
+          </a:r>
+          <a:endParaRPr lang="de-DE" dirty="0"/>
+        </a:p>
+      </dgm:t>
+    </dgm:pt>
+    <dgm:pt modelId="{9551FA22-AEB6-464E-8E1B-1A5883044D51}" type="parTrans" cxnId="{205A5837-84E1-4FCB-8350-50F263A4512A}">
+      <dgm:prSet/>
+      <dgm:spPr/>
+      <dgm:t>
+        <a:bodyPr/>
+        <a:lstStyle/>
+        <a:p>
+          <a:endParaRPr lang="de-DE"/>
+        </a:p>
+      </dgm:t>
+    </dgm:pt>
+    <dgm:pt modelId="{86C9F38E-57FC-417D-B485-790DE7B23701}" type="sibTrans" cxnId="{205A5837-84E1-4FCB-8350-50F263A4512A}">
+      <dgm:prSet/>
+      <dgm:spPr/>
+      <dgm:t>
+        <a:bodyPr/>
+        <a:lstStyle/>
+        <a:p>
+          <a:endParaRPr lang="de-DE"/>
+        </a:p>
+      </dgm:t>
+    </dgm:pt>
+    <dgm:pt modelId="{F3BA4A0A-1E70-46A2-AAE5-4B731862614C}">
+      <dgm:prSet/>
+      <dgm:spPr/>
+      <dgm:t>
+        <a:bodyPr/>
+        <a:lstStyle/>
+        <a:p>
+          <a:pPr rtl="0"/>
+          <a:r>
+            <a:rPr lang="de-DE" dirty="0" smtClean="0"/>
+            <a:t>SQL Developer, PL/SQL, APEX</a:t>
+          </a:r>
+          <a:endParaRPr lang="de-DE" dirty="0"/>
+        </a:p>
+      </dgm:t>
+    </dgm:pt>
+    <dgm:pt modelId="{1B5296C4-08AB-40CF-B702-E69A09372C6E}" type="parTrans" cxnId="{ED08020B-8390-4155-8427-C2E1F9D93800}">
+      <dgm:prSet/>
+      <dgm:spPr/>
+      <dgm:t>
+        <a:bodyPr/>
+        <a:lstStyle/>
+        <a:p>
+          <a:endParaRPr lang="de-DE"/>
+        </a:p>
+      </dgm:t>
+    </dgm:pt>
+    <dgm:pt modelId="{886259BE-00CA-4AF9-9C1E-CB18B9869588}" type="sibTrans" cxnId="{ED08020B-8390-4155-8427-C2E1F9D93800}">
+      <dgm:prSet/>
+      <dgm:spPr/>
+      <dgm:t>
+        <a:bodyPr/>
+        <a:lstStyle/>
+        <a:p>
+          <a:endParaRPr lang="de-DE"/>
+        </a:p>
+      </dgm:t>
+    </dgm:pt>
+    <dgm:pt modelId="{F2F2F2F8-E94F-4881-A67D-18BC740249F6}" type="pres">
+      <dgm:prSet presAssocID="{D4E5B807-9C1A-4590-9A63-6ED242AE0E67}" presName="Name0" presStyleCnt="0">
+        <dgm:presLayoutVars>
+          <dgm:dir/>
+          <dgm:animLvl val="lvl"/>
+          <dgm:resizeHandles val="exact"/>
+        </dgm:presLayoutVars>
+      </dgm:prSet>
+      <dgm:spPr/>
+      <dgm:t>
+        <a:bodyPr/>
+        <a:lstStyle/>
+        <a:p>
+          <a:endParaRPr lang="de-DE"/>
+        </a:p>
+      </dgm:t>
+    </dgm:pt>
+    <dgm:pt modelId="{A7FC58AE-14E0-4235-9172-2A0A58A71F68}" type="pres">
+      <dgm:prSet presAssocID="{BF4E3A99-BCD3-40B5-BFF3-4A351E80D19A}" presName="linNode" presStyleCnt="0"/>
+      <dgm:spPr/>
+    </dgm:pt>
+    <dgm:pt modelId="{399EABDD-359F-4B50-945C-14CB81747395}" type="pres">
+      <dgm:prSet presAssocID="{BF4E3A99-BCD3-40B5-BFF3-4A351E80D19A}" presName="parentText" presStyleLbl="node1" presStyleIdx="0" presStyleCnt="3">
+        <dgm:presLayoutVars>
+          <dgm:chMax val="1"/>
+          <dgm:bulletEnabled val="1"/>
+        </dgm:presLayoutVars>
+      </dgm:prSet>
+      <dgm:spPr/>
+      <dgm:t>
+        <a:bodyPr/>
+        <a:lstStyle/>
+        <a:p>
+          <a:endParaRPr lang="de-DE"/>
+        </a:p>
+      </dgm:t>
+    </dgm:pt>
+    <dgm:pt modelId="{DCC0B640-762B-42B1-B6BF-3593AF600414}" type="pres">
+      <dgm:prSet presAssocID="{BF4E3A99-BCD3-40B5-BFF3-4A351E80D19A}" presName="descendantText" presStyleLbl="alignAccFollowNode1" presStyleIdx="0" presStyleCnt="3">
+        <dgm:presLayoutVars>
+          <dgm:bulletEnabled val="1"/>
+        </dgm:presLayoutVars>
+      </dgm:prSet>
+      <dgm:spPr/>
+      <dgm:t>
+        <a:bodyPr/>
+        <a:lstStyle/>
+        <a:p>
+          <a:endParaRPr lang="de-DE"/>
+        </a:p>
+      </dgm:t>
+    </dgm:pt>
+    <dgm:pt modelId="{2DD739E9-10C4-46E8-A235-7CAA996507A7}" type="pres">
+      <dgm:prSet presAssocID="{09944042-9934-45B9-8CB0-FAD2508AC468}" presName="sp" presStyleCnt="0"/>
+      <dgm:spPr/>
+    </dgm:pt>
+    <dgm:pt modelId="{98332240-35D3-40BE-9F73-EB9526C6B0EB}" type="pres">
+      <dgm:prSet presAssocID="{A5B5477C-E591-4695-ABCD-22289241670C}" presName="linNode" presStyleCnt="0"/>
+      <dgm:spPr/>
+    </dgm:pt>
+    <dgm:pt modelId="{5B018B6E-1AE6-4CCD-929F-9721756911F7}" type="pres">
+      <dgm:prSet presAssocID="{A5B5477C-E591-4695-ABCD-22289241670C}" presName="parentText" presStyleLbl="node1" presStyleIdx="1" presStyleCnt="3">
+        <dgm:presLayoutVars>
+          <dgm:chMax val="1"/>
+          <dgm:bulletEnabled val="1"/>
+        </dgm:presLayoutVars>
+      </dgm:prSet>
+      <dgm:spPr/>
+      <dgm:t>
+        <a:bodyPr/>
+        <a:lstStyle/>
+        <a:p>
+          <a:endParaRPr lang="de-DE"/>
+        </a:p>
+      </dgm:t>
+    </dgm:pt>
+    <dgm:pt modelId="{7D1159AB-859F-4A05-8EAD-FB5D9434DF77}" type="pres">
+      <dgm:prSet presAssocID="{A5B5477C-E591-4695-ABCD-22289241670C}" presName="descendantText" presStyleLbl="alignAccFollowNode1" presStyleIdx="1" presStyleCnt="3">
+        <dgm:presLayoutVars>
+          <dgm:bulletEnabled val="1"/>
+        </dgm:presLayoutVars>
+      </dgm:prSet>
+      <dgm:spPr/>
+      <dgm:t>
+        <a:bodyPr/>
+        <a:lstStyle/>
+        <a:p>
+          <a:endParaRPr lang="de-DE"/>
+        </a:p>
+      </dgm:t>
+    </dgm:pt>
+    <dgm:pt modelId="{EED17577-AE89-4808-B1E1-7B30DACF8C60}" type="pres">
+      <dgm:prSet presAssocID="{61D671B2-F15F-4D34-B237-24F2B25BFFB1}" presName="sp" presStyleCnt="0"/>
+      <dgm:spPr/>
+    </dgm:pt>
+    <dgm:pt modelId="{C274CF2A-77D7-40F1-90DB-5C887D5E1237}" type="pres">
+      <dgm:prSet presAssocID="{47952A61-B0A9-403E-B991-F30456CC4C18}" presName="linNode" presStyleCnt="0"/>
+      <dgm:spPr/>
+    </dgm:pt>
+    <dgm:pt modelId="{5D150346-6EC4-455B-A38D-7BBC9111A374}" type="pres">
+      <dgm:prSet presAssocID="{47952A61-B0A9-403E-B991-F30456CC4C18}" presName="parentText" presStyleLbl="node1" presStyleIdx="2" presStyleCnt="3">
+        <dgm:presLayoutVars>
+          <dgm:chMax val="1"/>
+          <dgm:bulletEnabled val="1"/>
+        </dgm:presLayoutVars>
+      </dgm:prSet>
+      <dgm:spPr/>
+      <dgm:t>
+        <a:bodyPr/>
+        <a:lstStyle/>
+        <a:p>
+          <a:endParaRPr lang="de-DE"/>
+        </a:p>
+      </dgm:t>
+    </dgm:pt>
+    <dgm:pt modelId="{655297B6-E2F2-49AD-A06C-4E1E636E894C}" type="pres">
+      <dgm:prSet presAssocID="{47952A61-B0A9-403E-B991-F30456CC4C18}" presName="descendantText" presStyleLbl="alignAccFollowNode1" presStyleIdx="2" presStyleCnt="3" custLinFactNeighborX="-285" custLinFactNeighborY="-1767">
+        <dgm:presLayoutVars>
+          <dgm:bulletEnabled val="1"/>
+        </dgm:presLayoutVars>
+      </dgm:prSet>
+      <dgm:spPr/>
+      <dgm:t>
+        <a:bodyPr/>
+        <a:lstStyle/>
+        <a:p>
+          <a:endParaRPr lang="de-DE"/>
+        </a:p>
+      </dgm:t>
+    </dgm:pt>
+  </dgm:ptLst>
+  <dgm:cxnLst>
+    <dgm:cxn modelId="{10B49ECC-46CF-48EA-B2B0-16C7498B1CCC}" type="presOf" srcId="{02B113D5-1545-4701-9D19-8BA5CB02B805}" destId="{655297B6-E2F2-49AD-A06C-4E1E636E894C}" srcOrd="0" destOrd="0" presId="urn:microsoft.com/office/officeart/2005/8/layout/vList5"/>
+    <dgm:cxn modelId="{7F0EBA5C-9E0F-41E3-8933-75279FD9BA1F}" srcId="{A5B5477C-E591-4695-ABCD-22289241670C}" destId="{F7A19BC8-3EB5-40BA-B2ED-FFBCCE017CCA}" srcOrd="0" destOrd="0" parTransId="{3BB73311-7130-453F-AD5E-A2D57DBB462B}" sibTransId="{00221B91-BC4E-4878-9494-80B5BA31B422}"/>
+    <dgm:cxn modelId="{8349380F-8237-4686-BB10-82182F5F7DA6}" type="presOf" srcId="{BF4E3A99-BCD3-40B5-BFF3-4A351E80D19A}" destId="{399EABDD-359F-4B50-945C-14CB81747395}" srcOrd="0" destOrd="0" presId="urn:microsoft.com/office/officeart/2005/8/layout/vList5"/>
+    <dgm:cxn modelId="{08A0E064-5356-4798-AEEB-D0545AE203CE}" type="presOf" srcId="{47952A61-B0A9-403E-B991-F30456CC4C18}" destId="{5D150346-6EC4-455B-A38D-7BBC9111A374}" srcOrd="0" destOrd="0" presId="urn:microsoft.com/office/officeart/2005/8/layout/vList5"/>
+    <dgm:cxn modelId="{0BBDA971-D917-4422-B614-853EEA635716}" srcId="{D4E5B807-9C1A-4590-9A63-6ED242AE0E67}" destId="{BF4E3A99-BCD3-40B5-BFF3-4A351E80D19A}" srcOrd="0" destOrd="0" parTransId="{6141F6D4-1CCB-4F4A-8BEA-2139F7BFD9E2}" sibTransId="{09944042-9934-45B9-8CB0-FAD2508AC468}"/>
+    <dgm:cxn modelId="{B767B610-CA89-4E4F-916D-E82539997B51}" type="presOf" srcId="{4C6B19F2-FC21-40A5-8B22-F1CE3319A080}" destId="{7D1159AB-859F-4A05-8EAD-FB5D9434DF77}" srcOrd="0" destOrd="1" presId="urn:microsoft.com/office/officeart/2005/8/layout/vList5"/>
+    <dgm:cxn modelId="{D9948662-4EAF-4E62-9660-A7C073CFE2FA}" srcId="{47952A61-B0A9-403E-B991-F30456CC4C18}" destId="{02B113D5-1545-4701-9D19-8BA5CB02B805}" srcOrd="0" destOrd="0" parTransId="{4BE5E438-FAA0-4315-9C63-89BF596D6685}" sibTransId="{AA716730-B252-4066-9BA1-23D57B04C75B}"/>
+    <dgm:cxn modelId="{6BB79461-C4B1-4810-AB7E-51DC63473838}" type="presOf" srcId="{A5B5477C-E591-4695-ABCD-22289241670C}" destId="{5B018B6E-1AE6-4CCD-929F-9721756911F7}" srcOrd="0" destOrd="0" presId="urn:microsoft.com/office/officeart/2005/8/layout/vList5"/>
+    <dgm:cxn modelId="{0AE90A35-20E9-4CA5-AC97-34BBCE24AB4B}" type="presOf" srcId="{F3BA4A0A-1E70-46A2-AAE5-4B731862614C}" destId="{DCC0B640-762B-42B1-B6BF-3593AF600414}" srcOrd="0" destOrd="1" presId="urn:microsoft.com/office/officeart/2005/8/layout/vList5"/>
+    <dgm:cxn modelId="{205A5837-84E1-4FCB-8350-50F263A4512A}" srcId="{A5B5477C-E591-4695-ABCD-22289241670C}" destId="{4C6B19F2-FC21-40A5-8B22-F1CE3319A080}" srcOrd="1" destOrd="0" parTransId="{9551FA22-AEB6-464E-8E1B-1A5883044D51}" sibTransId="{86C9F38E-57FC-417D-B485-790DE7B23701}"/>
+    <dgm:cxn modelId="{46F95ED1-7C12-4C64-B79A-0B6A36385627}" type="presOf" srcId="{F7A19BC8-3EB5-40BA-B2ED-FFBCCE017CCA}" destId="{7D1159AB-859F-4A05-8EAD-FB5D9434DF77}" srcOrd="0" destOrd="0" presId="urn:microsoft.com/office/officeart/2005/8/layout/vList5"/>
+    <dgm:cxn modelId="{98EE14CD-B31E-492A-B661-0130ED285F1C}" srcId="{BF4E3A99-BCD3-40B5-BFF3-4A351E80D19A}" destId="{C1180768-D39A-4357-8C8B-1E35CD91BDE7}" srcOrd="0" destOrd="0" parTransId="{1F9A4AFB-424D-4544-B92B-FEA23D4D79FD}" sibTransId="{4CD73024-BFC9-4B58-932C-6C76A87F1840}"/>
+    <dgm:cxn modelId="{702AAB9C-62D1-4CE8-A5A2-87E4DA4ADC16}" type="presOf" srcId="{D4E5B807-9C1A-4590-9A63-6ED242AE0E67}" destId="{F2F2F2F8-E94F-4881-A67D-18BC740249F6}" srcOrd="0" destOrd="0" presId="urn:microsoft.com/office/officeart/2005/8/layout/vList5"/>
+    <dgm:cxn modelId="{8FA6F9EC-7054-4112-9AEE-1A409369B5DC}" type="presOf" srcId="{C1180768-D39A-4357-8C8B-1E35CD91BDE7}" destId="{DCC0B640-762B-42B1-B6BF-3593AF600414}" srcOrd="0" destOrd="0" presId="urn:microsoft.com/office/officeart/2005/8/layout/vList5"/>
+    <dgm:cxn modelId="{ED08020B-8390-4155-8427-C2E1F9D93800}" srcId="{BF4E3A99-BCD3-40B5-BFF3-4A351E80D19A}" destId="{F3BA4A0A-1E70-46A2-AAE5-4B731862614C}" srcOrd="1" destOrd="0" parTransId="{1B5296C4-08AB-40CF-B702-E69A09372C6E}" sibTransId="{886259BE-00CA-4AF9-9C1E-CB18B9869588}"/>
+    <dgm:cxn modelId="{1F19D083-D403-4F18-9D43-F0188CDDBC9C}" srcId="{D4E5B807-9C1A-4590-9A63-6ED242AE0E67}" destId="{A5B5477C-E591-4695-ABCD-22289241670C}" srcOrd="1" destOrd="0" parTransId="{AC6CEDB6-43CB-441B-86D8-0C0AFB43A1FE}" sibTransId="{61D671B2-F15F-4D34-B237-24F2B25BFFB1}"/>
+    <dgm:cxn modelId="{7607A34E-3C1D-47E9-96D6-409CE15F8722}" srcId="{D4E5B807-9C1A-4590-9A63-6ED242AE0E67}" destId="{47952A61-B0A9-403E-B991-F30456CC4C18}" srcOrd="2" destOrd="0" parTransId="{6BBA7CE6-8386-4C48-A745-DEFCA74A6DCA}" sibTransId="{B6BCF4FC-381A-4DAE-8976-B1F9E8533D07}"/>
+    <dgm:cxn modelId="{140F7055-322D-41AE-AC20-97F984EACD17}" type="presParOf" srcId="{F2F2F2F8-E94F-4881-A67D-18BC740249F6}" destId="{A7FC58AE-14E0-4235-9172-2A0A58A71F68}" srcOrd="0" destOrd="0" presId="urn:microsoft.com/office/officeart/2005/8/layout/vList5"/>
+    <dgm:cxn modelId="{D21466F9-5728-4BFB-A005-0EF423181845}" type="presParOf" srcId="{A7FC58AE-14E0-4235-9172-2A0A58A71F68}" destId="{399EABDD-359F-4B50-945C-14CB81747395}" srcOrd="0" destOrd="0" presId="urn:microsoft.com/office/officeart/2005/8/layout/vList5"/>
+    <dgm:cxn modelId="{04DB1553-8D2C-4EF1-AAE1-CCFB27B9DD25}" type="presParOf" srcId="{A7FC58AE-14E0-4235-9172-2A0A58A71F68}" destId="{DCC0B640-762B-42B1-B6BF-3593AF600414}" srcOrd="1" destOrd="0" presId="urn:microsoft.com/office/officeart/2005/8/layout/vList5"/>
+    <dgm:cxn modelId="{7BBBAB1F-F498-4F69-B24F-21A5859FBFC8}" type="presParOf" srcId="{F2F2F2F8-E94F-4881-A67D-18BC740249F6}" destId="{2DD739E9-10C4-46E8-A235-7CAA996507A7}" srcOrd="1" destOrd="0" presId="urn:microsoft.com/office/officeart/2005/8/layout/vList5"/>
+    <dgm:cxn modelId="{AB7A13D4-F9A9-4006-9CFB-5205C5B4DA18}" type="presParOf" srcId="{F2F2F2F8-E94F-4881-A67D-18BC740249F6}" destId="{98332240-35D3-40BE-9F73-EB9526C6B0EB}" srcOrd="2" destOrd="0" presId="urn:microsoft.com/office/officeart/2005/8/layout/vList5"/>
+    <dgm:cxn modelId="{7428C40E-70CA-41D0-B877-82502246EB0F}" type="presParOf" srcId="{98332240-35D3-40BE-9F73-EB9526C6B0EB}" destId="{5B018B6E-1AE6-4CCD-929F-9721756911F7}" srcOrd="0" destOrd="0" presId="urn:microsoft.com/office/officeart/2005/8/layout/vList5"/>
+    <dgm:cxn modelId="{AF67E8C7-9B18-4016-8DC2-21AC769F4800}" type="presParOf" srcId="{98332240-35D3-40BE-9F73-EB9526C6B0EB}" destId="{7D1159AB-859F-4A05-8EAD-FB5D9434DF77}" srcOrd="1" destOrd="0" presId="urn:microsoft.com/office/officeart/2005/8/layout/vList5"/>
+    <dgm:cxn modelId="{657B9DFF-27A1-4EC4-B259-1A637052C2DA}" type="presParOf" srcId="{F2F2F2F8-E94F-4881-A67D-18BC740249F6}" destId="{EED17577-AE89-4808-B1E1-7B30DACF8C60}" srcOrd="3" destOrd="0" presId="urn:microsoft.com/office/officeart/2005/8/layout/vList5"/>
+    <dgm:cxn modelId="{A3CFFEFD-77A8-496A-AB62-63A7A9C82EC2}" type="presParOf" srcId="{F2F2F2F8-E94F-4881-A67D-18BC740249F6}" destId="{C274CF2A-77D7-40F1-90DB-5C887D5E1237}" srcOrd="4" destOrd="0" presId="urn:microsoft.com/office/officeart/2005/8/layout/vList5"/>
+    <dgm:cxn modelId="{D427DCA6-223D-417A-86C9-290F7AEAD261}" type="presParOf" srcId="{C274CF2A-77D7-40F1-90DB-5C887D5E1237}" destId="{5D150346-6EC4-455B-A38D-7BBC9111A374}" srcOrd="0" destOrd="0" presId="urn:microsoft.com/office/officeart/2005/8/layout/vList5"/>
+    <dgm:cxn modelId="{6D422497-B6CD-46B8-93BA-7D1B6C0F9BE1}" type="presParOf" srcId="{C274CF2A-77D7-40F1-90DB-5C887D5E1237}" destId="{655297B6-E2F2-49AD-A06C-4E1E636E894C}" srcOrd="1" destOrd="0" presId="urn:microsoft.com/office/officeart/2005/8/layout/vList5"/>
+  </dgm:cxnLst>
+  <dgm:bg/>
+  <dgm:whole/>
+  <dgm:extLst>
+    <a:ext uri="http://schemas.microsoft.com/office/drawing/2008/diagram">
+      <dsp:dataModelExt xmlns:dsp="http://schemas.microsoft.com/office/drawing/2008/diagram" relId="rId6" minVer="http://schemas.openxmlformats.org/drawingml/2006/diagram"/>
+    </a:ext>
+  </dgm:extLst>
+</dgm:dataModel>
+</file>
+
+<file path=ppt/diagrams/data4.xml><?xml version="1.0" encoding="utf-8"?>
+<dgm:dataModel xmlns:dgm="http://schemas.openxmlformats.org/drawingml/2006/diagram" xmlns:a="http://schemas.openxmlformats.org/drawingml/2006/main">
+  <dgm:ptLst>
+    <dgm:pt modelId="{D881761E-56AA-47A6-A120-8E8554B14BA3}" type="doc">
+      <dgm:prSet loTypeId="urn:microsoft.com/office/officeart/2009/layout/CirclePictureHierarchy" loCatId="picture" qsTypeId="urn:microsoft.com/office/officeart/2005/8/quickstyle/simple1" qsCatId="simple" csTypeId="urn:microsoft.com/office/officeart/2005/8/colors/accent1_2" csCatId="accent1" phldr="1"/>
+      <dgm:spPr/>
+      <dgm:t>
+        <a:bodyPr/>
+        <a:lstStyle/>
+        <a:p>
+          <a:endParaRPr lang="de-DE"/>
+        </a:p>
+      </dgm:t>
+    </dgm:pt>
+    <dgm:pt modelId="{CC372748-4BC1-4015-BDEF-BB2710A1D0D9}">
+      <dgm:prSet phldrT="[Text]"/>
+      <dgm:spPr/>
+      <dgm:t>
+        <a:bodyPr/>
+        <a:lstStyle/>
+        <a:p>
+          <a:r>
+            <a:rPr lang="de-DE" dirty="0" smtClean="0"/>
+            <a:t>@</a:t>
+          </a:r>
+          <a:r>
+            <a:rPr lang="de-DE" dirty="0" err="1" smtClean="0"/>
+            <a:t>oraesque</a:t>
+          </a:r>
+          <a:endParaRPr lang="de-DE" dirty="0"/>
+        </a:p>
+      </dgm:t>
+    </dgm:pt>
+    <dgm:pt modelId="{334D846B-4C13-428F-90C7-C4C3A5A09FAB}" type="parTrans" cxnId="{B960C3EE-B940-495B-924B-8D52F77FF69C}">
+      <dgm:prSet/>
+      <dgm:spPr/>
+      <dgm:t>
+        <a:bodyPr/>
+        <a:lstStyle/>
+        <a:p>
+          <a:endParaRPr lang="de-DE"/>
+        </a:p>
+      </dgm:t>
+    </dgm:pt>
+    <dgm:pt modelId="{E644916E-EB8C-4B6A-8517-C86AA5841EFD}" type="sibTrans" cxnId="{B960C3EE-B940-495B-924B-8D52F77FF69C}">
+      <dgm:prSet/>
+      <dgm:spPr/>
+      <dgm:t>
+        <a:bodyPr/>
+        <a:lstStyle/>
+        <a:p>
+          <a:endParaRPr lang="de-DE"/>
+        </a:p>
+      </dgm:t>
+    </dgm:pt>
+    <dgm:pt modelId="{74FC5D49-0181-4D80-B5B3-80EE44372E8B}">
+      <dgm:prSet phldrT="[Text]"/>
+      <dgm:spPr/>
+      <dgm:t>
+        <a:bodyPr/>
+        <a:lstStyle/>
+        <a:p>
+          <a:r>
+            <a:rPr lang="de-DE" dirty="0"/>
+            <a:t>www.its-people.de/blog	</a:t>
+          </a:r>
+        </a:p>
+      </dgm:t>
+    </dgm:pt>
+    <dgm:pt modelId="{8287C9EF-E41F-42CB-B272-952A799CA64E}" type="parTrans" cxnId="{E4E94CC0-3474-4255-A9CE-FD83F380E8ED}">
+      <dgm:prSet/>
+      <dgm:spPr/>
+      <dgm:t>
+        <a:bodyPr/>
+        <a:lstStyle/>
+        <a:p>
+          <a:endParaRPr lang="de-DE"/>
+        </a:p>
+      </dgm:t>
+    </dgm:pt>
+    <dgm:pt modelId="{3B70A8B2-E766-4F47-B750-5BBCA98AD9D7}" type="sibTrans" cxnId="{E4E94CC0-3474-4255-A9CE-FD83F380E8ED}">
+      <dgm:prSet/>
+      <dgm:spPr/>
+      <dgm:t>
+        <a:bodyPr/>
+        <a:lstStyle/>
+        <a:p>
+          <a:endParaRPr lang="de-DE"/>
+        </a:p>
+      </dgm:t>
+    </dgm:pt>
+    <dgm:pt modelId="{4732E67D-2D2F-4E04-BABA-25D346007F9C}">
+      <dgm:prSet phldrT="[Text]"/>
+      <dgm:spPr/>
+      <dgm:t>
+        <a:bodyPr/>
+        <a:lstStyle/>
+        <a:p>
+          <a:r>
+            <a:rPr lang="de-DE" dirty="0" err="1" smtClean="0"/>
+            <a:t>Sabine.Heimsath</a:t>
+          </a:r>
+          <a:r>
+            <a:rPr lang="de-DE" dirty="0"/>
+            <a:t/>
+          </a:r>
+          <a:br>
+            <a:rPr lang="de-DE" dirty="0"/>
+          </a:br>
+          <a:r>
+            <a:rPr lang="de-DE" dirty="0"/>
+            <a:t>@its-people.de</a:t>
+          </a:r>
+        </a:p>
+      </dgm:t>
+    </dgm:pt>
+    <dgm:pt modelId="{35B17836-9111-4D70-BD93-28BD4C033E04}" type="parTrans" cxnId="{C1D98B7E-7E62-4A05-A323-D53541BEC994}">
+      <dgm:prSet/>
+      <dgm:spPr/>
+      <dgm:t>
+        <a:bodyPr/>
+        <a:lstStyle/>
+        <a:p>
+          <a:endParaRPr lang="de-DE"/>
+        </a:p>
+      </dgm:t>
+    </dgm:pt>
+    <dgm:pt modelId="{4B61A629-D1DC-48CA-A2C8-B1D888225945}" type="sibTrans" cxnId="{C1D98B7E-7E62-4A05-A323-D53541BEC994}">
+      <dgm:prSet/>
+      <dgm:spPr/>
+      <dgm:t>
+        <a:bodyPr/>
+        <a:lstStyle/>
+        <a:p>
+          <a:endParaRPr lang="de-DE"/>
+        </a:p>
+      </dgm:t>
+    </dgm:pt>
+    <dgm:pt modelId="{99C30A1B-20C6-4611-AE62-1A4313BB5F7A}" type="pres">
+      <dgm:prSet presAssocID="{D881761E-56AA-47A6-A120-8E8554B14BA3}" presName="hierChild1" presStyleCnt="0">
+        <dgm:presLayoutVars>
+          <dgm:chPref val="1"/>
+          <dgm:dir/>
+          <dgm:animOne val="branch"/>
+          <dgm:animLvl val="lvl"/>
+          <dgm:resizeHandles/>
+        </dgm:presLayoutVars>
+      </dgm:prSet>
+      <dgm:spPr/>
+      <dgm:t>
+        <a:bodyPr/>
+        <a:lstStyle/>
+        <a:p>
+          <a:endParaRPr lang="de-DE"/>
+        </a:p>
+      </dgm:t>
+    </dgm:pt>
+    <dgm:pt modelId="{1AA1E43C-5C6E-4A32-843A-DD6BE52AAF73}" type="pres">
+      <dgm:prSet presAssocID="{CC372748-4BC1-4015-BDEF-BB2710A1D0D9}" presName="hierRoot1" presStyleCnt="0"/>
+      <dgm:spPr/>
+    </dgm:pt>
+    <dgm:pt modelId="{8307C7F6-F1EE-451B-B010-FF40012E4E34}" type="pres">
+      <dgm:prSet presAssocID="{CC372748-4BC1-4015-BDEF-BB2710A1D0D9}" presName="composite" presStyleCnt="0"/>
+      <dgm:spPr/>
+    </dgm:pt>
+    <dgm:pt modelId="{5806C7C0-FCA0-477E-B56D-7444B67D22CB}" type="pres">
+      <dgm:prSet presAssocID="{CC372748-4BC1-4015-BDEF-BB2710A1D0D9}" presName="image" presStyleLbl="node0" presStyleIdx="0" presStyleCnt="3"/>
+      <dgm:spPr>
+        <a:blipFill dpi="0" rotWithShape="1">
+          <a:blip xmlns:r="http://schemas.openxmlformats.org/officeDocument/2006/relationships" r:embed="rId1">
+            <a:extLst>
+              <a:ext uri="{28A0092B-C50C-407E-A947-70E740481C1C}">
+                <a14:useLocalDpi xmlns:a14="http://schemas.microsoft.com/office/drawing/2010/main" val="0"/>
+              </a:ext>
+            </a:extLst>
+          </a:blip>
+          <a:srcRect/>
+          <a:stretch>
+            <a:fillRect l="914" t="20564" r="914" b="20564"/>
+          </a:stretch>
+        </a:blipFill>
+      </dgm:spPr>
+    </dgm:pt>
+    <dgm:pt modelId="{CA9E9B4E-52E5-47F9-94AC-66CAA402F9F8}" type="pres">
+      <dgm:prSet presAssocID="{CC372748-4BC1-4015-BDEF-BB2710A1D0D9}" presName="text" presStyleLbl="revTx" presStyleIdx="0" presStyleCnt="3">
+        <dgm:presLayoutVars>
+          <dgm:chPref val="3"/>
+        </dgm:presLayoutVars>
+      </dgm:prSet>
+      <dgm:spPr/>
+      <dgm:t>
+        <a:bodyPr/>
+        <a:lstStyle/>
+        <a:p>
+          <a:endParaRPr lang="de-DE"/>
+        </a:p>
+      </dgm:t>
+    </dgm:pt>
+    <dgm:pt modelId="{DCE4F93B-36A3-4482-9CB0-5FA12448DD76}" type="pres">
+      <dgm:prSet presAssocID="{CC372748-4BC1-4015-BDEF-BB2710A1D0D9}" presName="hierChild2" presStyleCnt="0"/>
+      <dgm:spPr/>
+    </dgm:pt>
+    <dgm:pt modelId="{0021144F-F0C7-4DB2-8A9B-69402EF6F8B8}" type="pres">
+      <dgm:prSet presAssocID="{74FC5D49-0181-4D80-B5B3-80EE44372E8B}" presName="hierRoot1" presStyleCnt="0"/>
+      <dgm:spPr/>
+    </dgm:pt>
+    <dgm:pt modelId="{657DD6D9-0920-47A6-B57A-1E39632AA2FC}" type="pres">
+      <dgm:prSet presAssocID="{74FC5D49-0181-4D80-B5B3-80EE44372E8B}" presName="composite" presStyleCnt="0"/>
+      <dgm:spPr/>
+    </dgm:pt>
+    <dgm:pt modelId="{94E7FD82-9311-4F29-8E71-FE0B28E22F1E}" type="pres">
+      <dgm:prSet presAssocID="{74FC5D49-0181-4D80-B5B3-80EE44372E8B}" presName="image" presStyleLbl="node0" presStyleIdx="1" presStyleCnt="3"/>
+      <dgm:spPr>
+        <a:blipFill dpi="0" rotWithShape="1">
+          <a:blip xmlns:r="http://schemas.openxmlformats.org/officeDocument/2006/relationships" r:embed="rId2">
+            <a:extLst>
+              <a:ext uri="{28A0092B-C50C-407E-A947-70E740481C1C}">
+                <a14:useLocalDpi xmlns:a14="http://schemas.microsoft.com/office/drawing/2010/main" val="0"/>
+              </a:ext>
+            </a:extLst>
+          </a:blip>
+          <a:srcRect/>
+          <a:stretch>
+            <a:fillRect l="-3155" t="14564" r="-3155" b="14564"/>
+          </a:stretch>
+        </a:blipFill>
+      </dgm:spPr>
+    </dgm:pt>
+    <dgm:pt modelId="{1DA57DB4-403B-44F5-BF39-2900B1ECFD47}" type="pres">
+      <dgm:prSet presAssocID="{74FC5D49-0181-4D80-B5B3-80EE44372E8B}" presName="text" presStyleLbl="revTx" presStyleIdx="1" presStyleCnt="3">
+        <dgm:presLayoutVars>
+          <dgm:chPref val="3"/>
+        </dgm:presLayoutVars>
+      </dgm:prSet>
+      <dgm:spPr/>
+      <dgm:t>
+        <a:bodyPr/>
+        <a:lstStyle/>
+        <a:p>
+          <a:endParaRPr lang="de-DE"/>
+        </a:p>
+      </dgm:t>
+    </dgm:pt>
+    <dgm:pt modelId="{61A74F3A-7978-49EA-AFCC-B39278572BBA}" type="pres">
+      <dgm:prSet presAssocID="{74FC5D49-0181-4D80-B5B3-80EE44372E8B}" presName="hierChild2" presStyleCnt="0"/>
+      <dgm:spPr/>
+    </dgm:pt>
+    <dgm:pt modelId="{5372B82D-1CA6-49D0-AB81-E36C82CE6710}" type="pres">
+      <dgm:prSet presAssocID="{4732E67D-2D2F-4E04-BABA-25D346007F9C}" presName="hierRoot1" presStyleCnt="0"/>
+      <dgm:spPr/>
+    </dgm:pt>
+    <dgm:pt modelId="{31C5463B-D42E-4937-BCFC-E744189720D5}" type="pres">
+      <dgm:prSet presAssocID="{4732E67D-2D2F-4E04-BABA-25D346007F9C}" presName="composite" presStyleCnt="0"/>
+      <dgm:spPr/>
+    </dgm:pt>
+    <dgm:pt modelId="{CBF2CE8D-CFB6-43A9-BCEC-5DE04AF7231C}" type="pres">
+      <dgm:prSet presAssocID="{4732E67D-2D2F-4E04-BABA-25D346007F9C}" presName="image" presStyleLbl="node0" presStyleIdx="2" presStyleCnt="3"/>
+      <dgm:spPr>
+        <a:blipFill dpi="0" rotWithShape="1">
+          <a:blip xmlns:r="http://schemas.openxmlformats.org/officeDocument/2006/relationships" r:embed="rId3">
+            <a:extLst>
+              <a:ext uri="{28A0092B-C50C-407E-A947-70E740481C1C}">
+                <a14:useLocalDpi xmlns:a14="http://schemas.microsoft.com/office/drawing/2010/main" val="0"/>
+              </a:ext>
+            </a:extLst>
+          </a:blip>
+          <a:srcRect/>
+          <a:stretch>
+            <a:fillRect l="-3155" t="16926" r="-3155" b="16926"/>
+          </a:stretch>
+        </a:blipFill>
+      </dgm:spPr>
+    </dgm:pt>
+    <dgm:pt modelId="{5D711149-18B6-4F73-AF48-E0E619A37466}" type="pres">
+      <dgm:prSet presAssocID="{4732E67D-2D2F-4E04-BABA-25D346007F9C}" presName="text" presStyleLbl="revTx" presStyleIdx="2" presStyleCnt="3">
+        <dgm:presLayoutVars>
+          <dgm:chPref val="3"/>
+        </dgm:presLayoutVars>
+      </dgm:prSet>
+      <dgm:spPr/>
+      <dgm:t>
+        <a:bodyPr/>
+        <a:lstStyle/>
+        <a:p>
+          <a:endParaRPr lang="de-DE"/>
+        </a:p>
+      </dgm:t>
+    </dgm:pt>
+    <dgm:pt modelId="{A114E7BE-5B0D-4DDE-8A6A-FAEECDBFEADB}" type="pres">
+      <dgm:prSet presAssocID="{4732E67D-2D2F-4E04-BABA-25D346007F9C}" presName="hierChild2" presStyleCnt="0"/>
+      <dgm:spPr/>
+    </dgm:pt>
+  </dgm:ptLst>
+  <dgm:cxnLst>
+    <dgm:cxn modelId="{2BDF4CFA-E168-4FCB-88E9-576123E34DE0}" type="presOf" srcId="{D881761E-56AA-47A6-A120-8E8554B14BA3}" destId="{99C30A1B-20C6-4611-AE62-1A4313BB5F7A}" srcOrd="0" destOrd="0" presId="urn:microsoft.com/office/officeart/2009/layout/CirclePictureHierarchy"/>
+    <dgm:cxn modelId="{E4E94CC0-3474-4255-A9CE-FD83F380E8ED}" srcId="{D881761E-56AA-47A6-A120-8E8554B14BA3}" destId="{74FC5D49-0181-4D80-B5B3-80EE44372E8B}" srcOrd="1" destOrd="0" parTransId="{8287C9EF-E41F-42CB-B272-952A799CA64E}" sibTransId="{3B70A8B2-E766-4F47-B750-5BBCA98AD9D7}"/>
+    <dgm:cxn modelId="{3F9A16CD-DB93-4525-834A-34C1BD89010C}" type="presOf" srcId="{74FC5D49-0181-4D80-B5B3-80EE44372E8B}" destId="{1DA57DB4-403B-44F5-BF39-2900B1ECFD47}" srcOrd="0" destOrd="0" presId="urn:microsoft.com/office/officeart/2009/layout/CirclePictureHierarchy"/>
+    <dgm:cxn modelId="{687D1AEB-7300-46C5-A729-A43D7301AFE9}" type="presOf" srcId="{CC372748-4BC1-4015-BDEF-BB2710A1D0D9}" destId="{CA9E9B4E-52E5-47F9-94AC-66CAA402F9F8}" srcOrd="0" destOrd="0" presId="urn:microsoft.com/office/officeart/2009/layout/CirclePictureHierarchy"/>
+    <dgm:cxn modelId="{93E09F9B-8586-4B42-B740-28E984371904}" type="presOf" srcId="{4732E67D-2D2F-4E04-BABA-25D346007F9C}" destId="{5D711149-18B6-4F73-AF48-E0E619A37466}" srcOrd="0" destOrd="0" presId="urn:microsoft.com/office/officeart/2009/layout/CirclePictureHierarchy"/>
+    <dgm:cxn modelId="{C1D98B7E-7E62-4A05-A323-D53541BEC994}" srcId="{D881761E-56AA-47A6-A120-8E8554B14BA3}" destId="{4732E67D-2D2F-4E04-BABA-25D346007F9C}" srcOrd="2" destOrd="0" parTransId="{35B17836-9111-4D70-BD93-28BD4C033E04}" sibTransId="{4B61A629-D1DC-48CA-A2C8-B1D888225945}"/>
+    <dgm:cxn modelId="{B960C3EE-B940-495B-924B-8D52F77FF69C}" srcId="{D881761E-56AA-47A6-A120-8E8554B14BA3}" destId="{CC372748-4BC1-4015-BDEF-BB2710A1D0D9}" srcOrd="0" destOrd="0" parTransId="{334D846B-4C13-428F-90C7-C4C3A5A09FAB}" sibTransId="{E644916E-EB8C-4B6A-8517-C86AA5841EFD}"/>
+    <dgm:cxn modelId="{5DC11E1E-B102-46A1-88D9-8C6F81314B99}" type="presParOf" srcId="{99C30A1B-20C6-4611-AE62-1A4313BB5F7A}" destId="{1AA1E43C-5C6E-4A32-843A-DD6BE52AAF73}" srcOrd="0" destOrd="0" presId="urn:microsoft.com/office/officeart/2009/layout/CirclePictureHierarchy"/>
+    <dgm:cxn modelId="{C398A446-9A95-433B-BB20-60E8864713CA}" type="presParOf" srcId="{1AA1E43C-5C6E-4A32-843A-DD6BE52AAF73}" destId="{8307C7F6-F1EE-451B-B010-FF40012E4E34}" srcOrd="0" destOrd="0" presId="urn:microsoft.com/office/officeart/2009/layout/CirclePictureHierarchy"/>
+    <dgm:cxn modelId="{EB12EF57-24A3-4F04-8B39-6D9A3AAE144F}" type="presParOf" srcId="{8307C7F6-F1EE-451B-B010-FF40012E4E34}" destId="{5806C7C0-FCA0-477E-B56D-7444B67D22CB}" srcOrd="0" destOrd="0" presId="urn:microsoft.com/office/officeart/2009/layout/CirclePictureHierarchy"/>
+    <dgm:cxn modelId="{CFB5B990-C17A-4DD9-915F-9EFE62FE6125}" type="presParOf" srcId="{8307C7F6-F1EE-451B-B010-FF40012E4E34}" destId="{CA9E9B4E-52E5-47F9-94AC-66CAA402F9F8}" srcOrd="1" destOrd="0" presId="urn:microsoft.com/office/officeart/2009/layout/CirclePictureHierarchy"/>
+    <dgm:cxn modelId="{18BE55C2-A0FE-42DB-B8D7-AD7F63FE24EC}" type="presParOf" srcId="{1AA1E43C-5C6E-4A32-843A-DD6BE52AAF73}" destId="{DCE4F93B-36A3-4482-9CB0-5FA12448DD76}" srcOrd="1" destOrd="0" presId="urn:microsoft.com/office/officeart/2009/layout/CirclePictureHierarchy"/>
+    <dgm:cxn modelId="{1580C394-40EE-416D-A1E1-A24FFFE09A8D}" type="presParOf" srcId="{99C30A1B-20C6-4611-AE62-1A4313BB5F7A}" destId="{0021144F-F0C7-4DB2-8A9B-69402EF6F8B8}" srcOrd="1" destOrd="0" presId="urn:microsoft.com/office/officeart/2009/layout/CirclePictureHierarchy"/>
+    <dgm:cxn modelId="{39FA463A-6EE2-400C-A533-02ABC5BC3626}" type="presParOf" srcId="{0021144F-F0C7-4DB2-8A9B-69402EF6F8B8}" destId="{657DD6D9-0920-47A6-B57A-1E39632AA2FC}" srcOrd="0" destOrd="0" presId="urn:microsoft.com/office/officeart/2009/layout/CirclePictureHierarchy"/>
+    <dgm:cxn modelId="{DF5A885D-874D-47F6-B0DB-E598BB9003A7}" type="presParOf" srcId="{657DD6D9-0920-47A6-B57A-1E39632AA2FC}" destId="{94E7FD82-9311-4F29-8E71-FE0B28E22F1E}" srcOrd="0" destOrd="0" presId="urn:microsoft.com/office/officeart/2009/layout/CirclePictureHierarchy"/>
+    <dgm:cxn modelId="{D914CEF0-AF2F-4630-8F73-87EA2059B61E}" type="presParOf" srcId="{657DD6D9-0920-47A6-B57A-1E39632AA2FC}" destId="{1DA57DB4-403B-44F5-BF39-2900B1ECFD47}" srcOrd="1" destOrd="0" presId="urn:microsoft.com/office/officeart/2009/layout/CirclePictureHierarchy"/>
+    <dgm:cxn modelId="{3A7FC6E4-B86B-47C7-B89F-9E17F9608EDA}" type="presParOf" srcId="{0021144F-F0C7-4DB2-8A9B-69402EF6F8B8}" destId="{61A74F3A-7978-49EA-AFCC-B39278572BBA}" srcOrd="1" destOrd="0" presId="urn:microsoft.com/office/officeart/2009/layout/CirclePictureHierarchy"/>
+    <dgm:cxn modelId="{A6542C8E-166D-4CAB-8EC8-3694F8E76177}" type="presParOf" srcId="{99C30A1B-20C6-4611-AE62-1A4313BB5F7A}" destId="{5372B82D-1CA6-49D0-AB81-E36C82CE6710}" srcOrd="2" destOrd="0" presId="urn:microsoft.com/office/officeart/2009/layout/CirclePictureHierarchy"/>
+    <dgm:cxn modelId="{11F07F6D-FBCB-465B-A063-54EE1EFC6A3D}" type="presParOf" srcId="{5372B82D-1CA6-49D0-AB81-E36C82CE6710}" destId="{31C5463B-D42E-4937-BCFC-E744189720D5}" srcOrd="0" destOrd="0" presId="urn:microsoft.com/office/officeart/2009/layout/CirclePictureHierarchy"/>
+    <dgm:cxn modelId="{1BD79F84-2FB7-4260-8AE7-065F1A97268C}" type="presParOf" srcId="{31C5463B-D42E-4937-BCFC-E744189720D5}" destId="{CBF2CE8D-CFB6-43A9-BCEC-5DE04AF7231C}" srcOrd="0" destOrd="0" presId="urn:microsoft.com/office/officeart/2009/layout/CirclePictureHierarchy"/>
+    <dgm:cxn modelId="{97984A77-561F-47CB-B436-92B6695E9E5E}" type="presParOf" srcId="{31C5463B-D42E-4937-BCFC-E744189720D5}" destId="{5D711149-18B6-4F73-AF48-E0E619A37466}" srcOrd="1" destOrd="0" presId="urn:microsoft.com/office/officeart/2009/layout/CirclePictureHierarchy"/>
+    <dgm:cxn modelId="{ACEDD4D9-F5E4-490C-B8CA-A4CBCF86F48F}" type="presParOf" srcId="{5372B82D-1CA6-49D0-AB81-E36C82CE6710}" destId="{A114E7BE-5B0D-4DDE-8A6A-FAEECDBFEADB}" srcOrd="1" destOrd="0" presId="urn:microsoft.com/office/officeart/2009/layout/CirclePictureHierarchy"/>
+  </dgm:cxnLst>
+  <dgm:bg/>
+  <dgm:whole/>
+  <dgm:extLst>
+    <a:ext uri="http://schemas.microsoft.com/office/drawing/2008/diagram">
+      <dsp:dataModelExt xmlns:dsp="http://schemas.microsoft.com/office/drawing/2008/diagram" relId="rId11" minVer="http://schemas.openxmlformats.org/drawingml/2006/diagram"/>
+    </a:ext>
+  </dgm:extLst>
+</dgm:dataModel>
+</file>
+
+<file path=ppt/diagrams/data5.xml><?xml version="1.0" encoding="utf-8"?>
+<dgm:dataModel xmlns:dgm="http://schemas.openxmlformats.org/drawingml/2006/diagram" xmlns:a="http://schemas.openxmlformats.org/drawingml/2006/main">
+  <dgm:ptLst>
     <dgm:pt modelId="{EF762BE8-DAB1-45C1-8479-72141ADC0D8A}" type="doc">
       <dgm:prSet loTypeId="urn:microsoft.com/office/officeart/2005/8/layout/orgChart1" loCatId="hierarchy" qsTypeId="urn:microsoft.com/office/officeart/2005/8/quickstyle/simple1" qsCatId="simple" csTypeId="urn:microsoft.com/office/officeart/2005/8/colors/accent1_2" csCatId="accent1" phldr="1"/>
       <dgm:spPr/>
@@ -8432,7 +11094,6 @@
             <a:rPr lang="de-DE"/>
             <a:t>SQL*Plus</a:t>
           </a:r>
-          <a:endParaRPr lang="de-DE"/>
         </a:p>
       </dgm:t>
     </dgm:pt>
@@ -8512,7 +11173,6 @@
             <a:rPr lang="de-DE"/>
             <a:t>Möglichkeiten</a:t>
           </a:r>
-          <a:endParaRPr lang="de-DE"/>
         </a:p>
       </dgm:t>
     </dgm:pt>
@@ -8549,7 +11209,6 @@
             <a:rPr lang="de-DE"/>
             <a:t>Paralelle Sessions</a:t>
           </a:r>
-          <a:endParaRPr lang="de-DE"/>
         </a:p>
       </dgm:t>
     </dgm:pt>
@@ -8586,7 +11245,6 @@
             <a:rPr lang="de-DE"/>
             <a:t>Flußsteuerung</a:t>
           </a:r>
-          <a:endParaRPr lang="de-DE"/>
         </a:p>
       </dgm:t>
     </dgm:pt>
@@ -8624,6 +11282,13 @@
         </dgm:presLayoutVars>
       </dgm:prSet>
       <dgm:spPr/>
+      <dgm:t>
+        <a:bodyPr/>
+        <a:lstStyle/>
+        <a:p>
+          <a:endParaRPr lang="de-DE"/>
+        </a:p>
+      </dgm:t>
     </dgm:pt>
     <dgm:pt modelId="{D49FDB50-3903-4137-B591-563957A669E0}" type="pres">
       <dgm:prSet presAssocID="{2EE08004-50D5-4AD5-AFD8-AF41F1C20ABC}" presName="hierRoot1" presStyleCnt="0">
@@ -8644,10 +11309,24 @@
         </dgm:presLayoutVars>
       </dgm:prSet>
       <dgm:spPr/>
+      <dgm:t>
+        <a:bodyPr/>
+        <a:lstStyle/>
+        <a:p>
+          <a:endParaRPr lang="de-DE"/>
+        </a:p>
+      </dgm:t>
     </dgm:pt>
     <dgm:pt modelId="{B9D2ECC8-552E-40A1-8B99-AA2BA7A9ABAF}" type="pres">
       <dgm:prSet presAssocID="{2EE08004-50D5-4AD5-AFD8-AF41F1C20ABC}" presName="rootConnector1" presStyleLbl="node1" presStyleIdx="0" presStyleCnt="0"/>
       <dgm:spPr/>
+      <dgm:t>
+        <a:bodyPr/>
+        <a:lstStyle/>
+        <a:p>
+          <a:endParaRPr lang="de-DE"/>
+        </a:p>
+      </dgm:t>
     </dgm:pt>
     <dgm:pt modelId="{D52D998C-9B5B-4A2F-B181-0945DCD7CE94}" type="pres">
       <dgm:prSet presAssocID="{2EE08004-50D5-4AD5-AFD8-AF41F1C20ABC}" presName="hierChild2" presStyleCnt="0"/>
@@ -8676,10 +11355,24 @@
         </dgm:presLayoutVars>
       </dgm:prSet>
       <dgm:spPr/>
+      <dgm:t>
+        <a:bodyPr/>
+        <a:lstStyle/>
+        <a:p>
+          <a:endParaRPr lang="de-DE"/>
+        </a:p>
+      </dgm:t>
     </dgm:pt>
     <dgm:pt modelId="{ED91D5B9-F8DF-4787-8D20-2D7102078CF8}" type="pres">
       <dgm:prSet presAssocID="{899823DA-CB96-4929-9A9F-C2E2E841337E}" presName="rootConnector1" presStyleLbl="node1" presStyleIdx="0" presStyleCnt="0"/>
       <dgm:spPr/>
+      <dgm:t>
+        <a:bodyPr/>
+        <a:lstStyle/>
+        <a:p>
+          <a:endParaRPr lang="de-DE"/>
+        </a:p>
+      </dgm:t>
     </dgm:pt>
     <dgm:pt modelId="{EE3C0AF3-A7DD-4604-A802-81FB4BED45C1}" type="pres">
       <dgm:prSet presAssocID="{899823DA-CB96-4929-9A9F-C2E2E841337E}" presName="hierChild2" presStyleCnt="0"/>
@@ -8708,10 +11401,24 @@
         </dgm:presLayoutVars>
       </dgm:prSet>
       <dgm:spPr/>
+      <dgm:t>
+        <a:bodyPr/>
+        <a:lstStyle/>
+        <a:p>
+          <a:endParaRPr lang="de-DE"/>
+        </a:p>
+      </dgm:t>
     </dgm:pt>
     <dgm:pt modelId="{A52093E5-88CD-4DFF-B67B-B2F7116823E9}" type="pres">
       <dgm:prSet presAssocID="{08CF3908-7C13-4F45-AF77-F8F0D25F0786}" presName="rootConnector1" presStyleLbl="node1" presStyleIdx="0" presStyleCnt="0"/>
       <dgm:spPr/>
+      <dgm:t>
+        <a:bodyPr/>
+        <a:lstStyle/>
+        <a:p>
+          <a:endParaRPr lang="de-DE"/>
+        </a:p>
+      </dgm:t>
     </dgm:pt>
     <dgm:pt modelId="{9C137ABB-B3DD-4E08-A914-55D57DEEDC3E}" type="pres">
       <dgm:prSet presAssocID="{08CF3908-7C13-4F45-AF77-F8F0D25F0786}" presName="hierChild2" presStyleCnt="0"/>
@@ -8720,6 +11427,13 @@
     <dgm:pt modelId="{C0D1D949-C56E-4366-A229-45A8DDC10DE7}" type="pres">
       <dgm:prSet presAssocID="{995C5BF1-64C9-48C1-96FB-49C315B312AA}" presName="Name37" presStyleLbl="parChTrans1D2" presStyleIdx="0" presStyleCnt="2"/>
       <dgm:spPr/>
+      <dgm:t>
+        <a:bodyPr/>
+        <a:lstStyle/>
+        <a:p>
+          <a:endParaRPr lang="de-DE"/>
+        </a:p>
+      </dgm:t>
     </dgm:pt>
     <dgm:pt modelId="{24847E3F-1A49-42C5-A3B5-2A38F142F1F7}" type="pres">
       <dgm:prSet presAssocID="{F9A507AA-E391-4B3D-B807-FC9D48526AE3}" presName="hierRoot2" presStyleCnt="0">
@@ -8740,10 +11454,24 @@
         </dgm:presLayoutVars>
       </dgm:prSet>
       <dgm:spPr/>
+      <dgm:t>
+        <a:bodyPr/>
+        <a:lstStyle/>
+        <a:p>
+          <a:endParaRPr lang="de-DE"/>
+        </a:p>
+      </dgm:t>
     </dgm:pt>
     <dgm:pt modelId="{47F008CD-A6E5-4E24-A60C-7185E2E7024C}" type="pres">
       <dgm:prSet presAssocID="{F9A507AA-E391-4B3D-B807-FC9D48526AE3}" presName="rootConnector" presStyleLbl="node2" presStyleIdx="0" presStyleCnt="2"/>
       <dgm:spPr/>
+      <dgm:t>
+        <a:bodyPr/>
+        <a:lstStyle/>
+        <a:p>
+          <a:endParaRPr lang="de-DE"/>
+        </a:p>
+      </dgm:t>
     </dgm:pt>
     <dgm:pt modelId="{B12F9C65-1669-43FF-B819-5695F2656FF9}" type="pres">
       <dgm:prSet presAssocID="{F9A507AA-E391-4B3D-B807-FC9D48526AE3}" presName="hierChild4" presStyleCnt="0"/>
@@ -8756,6 +11484,13 @@
     <dgm:pt modelId="{C994E3AD-974F-4428-BF9D-66D7DF65D3FD}" type="pres">
       <dgm:prSet presAssocID="{23811E06-B9E9-44F2-A04D-84AAE6FB6680}" presName="Name37" presStyleLbl="parChTrans1D2" presStyleIdx="1" presStyleCnt="2"/>
       <dgm:spPr/>
+      <dgm:t>
+        <a:bodyPr/>
+        <a:lstStyle/>
+        <a:p>
+          <a:endParaRPr lang="de-DE"/>
+        </a:p>
+      </dgm:t>
     </dgm:pt>
     <dgm:pt modelId="{28B36B9F-0293-4240-A076-1A4BA38AF2D9}" type="pres">
       <dgm:prSet presAssocID="{6DB5FEC2-21BB-47CF-8391-6876294C58ED}" presName="hierRoot2" presStyleCnt="0">
@@ -8776,10 +11511,24 @@
         </dgm:presLayoutVars>
       </dgm:prSet>
       <dgm:spPr/>
+      <dgm:t>
+        <a:bodyPr/>
+        <a:lstStyle/>
+        <a:p>
+          <a:endParaRPr lang="de-DE"/>
+        </a:p>
+      </dgm:t>
     </dgm:pt>
     <dgm:pt modelId="{11963987-49FE-4625-B90E-4285CA557F9D}" type="pres">
       <dgm:prSet presAssocID="{6DB5FEC2-21BB-47CF-8391-6876294C58ED}" presName="rootConnector" presStyleLbl="node2" presStyleIdx="1" presStyleCnt="2"/>
       <dgm:spPr/>
+      <dgm:t>
+        <a:bodyPr/>
+        <a:lstStyle/>
+        <a:p>
+          <a:endParaRPr lang="de-DE"/>
+        </a:p>
+      </dgm:t>
     </dgm:pt>
     <dgm:pt modelId="{8B814658-9725-4A89-9791-1B875B6B6E3C}" type="pres">
       <dgm:prSet presAssocID="{6DB5FEC2-21BB-47CF-8391-6876294C58ED}" presName="hierChild4" presStyleCnt="0"/>
@@ -8856,7 +11605,7 @@
 </dgm:dataModel>
 </file>
 
-<file path=ppt/diagrams/data4.xml><?xml version="1.0" encoding="utf-8"?>
+<file path=ppt/diagrams/data6.xml><?xml version="1.0" encoding="utf-8"?>
 <dgm:dataModel xmlns:dgm="http://schemas.openxmlformats.org/drawingml/2006/diagram" xmlns:a="http://schemas.openxmlformats.org/drawingml/2006/main">
   <dgm:ptLst>
     <dgm:pt modelId="{7E247A59-008E-419A-A44E-29EE95F9DC78}" type="doc">
@@ -8917,7 +11666,6 @@
             <a:rPr lang="de-DE"/>
             <a:t>args</a:t>
           </a:r>
-          <a:endParaRPr lang="de-DE"/>
         </a:p>
       </dgm:t>
     </dgm:pt>
@@ -8954,7 +11702,6 @@
             <a:rPr lang="de-DE"/>
             <a:t>sqlcl</a:t>
           </a:r>
-          <a:endParaRPr lang="de-DE"/>
         </a:p>
       </dgm:t>
     </dgm:pt>
@@ -8991,7 +11738,6 @@
             <a:rPr lang="de-DE"/>
             <a:t>sqlcl.setStmt(&lt;string&gt;)</a:t>
           </a:r>
-          <a:endParaRPr lang="de-DE"/>
         </a:p>
       </dgm:t>
     </dgm:pt>
@@ -9028,7 +11774,6 @@
             <a:rPr lang="de-DE"/>
             <a:t>sqlcl.run()</a:t>
           </a:r>
-          <a:endParaRPr lang="de-DE"/>
         </a:p>
       </dgm:t>
     </dgm:pt>
@@ -9065,7 +11810,6 @@
             <a:rPr lang="de-DE"/>
             <a:t>ctx</a:t>
           </a:r>
-          <a:endParaRPr lang="de-DE"/>
         </a:p>
       </dgm:t>
     </dgm:pt>
@@ -9102,7 +11846,6 @@
             <a:rPr lang="de-DE"/>
             <a:t>ctx.write(&lt;string&gt;)</a:t>
           </a:r>
-          <a:endParaRPr lang="de-DE"/>
         </a:p>
       </dgm:t>
     </dgm:pt>
@@ -9139,7 +11882,6 @@
             <a:rPr lang="de-DE"/>
             <a:t>Util</a:t>
           </a:r>
-          <a:endParaRPr lang="de-DE"/>
         </a:p>
       </dgm:t>
     </dgm:pt>
@@ -9176,7 +11918,6 @@
             <a:rPr lang="de-DE"/>
             <a:t>execute(&lt;string&gt;,binds)</a:t>
           </a:r>
-          <a:endParaRPr lang="de-DE"/>
         </a:p>
       </dgm:t>
     </dgm:pt>
@@ -9213,7 +11954,6 @@
             <a:rPr lang="de-DE"/>
             <a:t>executeReturnOneCol(&lt;string&gt;,binds)</a:t>
           </a:r>
-          <a:endParaRPr lang="de-DE"/>
         </a:p>
       </dgm:t>
     </dgm:pt>
@@ -9250,7 +11990,6 @@
             <a:rPr lang="de-DE"/>
             <a:t>executeReturnListofLists(&lt;string&gt;,binds)</a:t>
           </a:r>
-          <a:endParaRPr lang="de-DE"/>
         </a:p>
       </dgm:t>
     </dgm:pt>
@@ -9287,7 +12026,6 @@
             <a:rPr lang="de-DE"/>
             <a:t>executeReturnList(&lt;string&gt;,binds)</a:t>
           </a:r>
-          <a:endParaRPr lang="de-DE"/>
         </a:p>
       </dgm:t>
     </dgm:pt>
@@ -9321,6 +12059,13 @@
         </dgm:presLayoutVars>
       </dgm:prSet>
       <dgm:spPr/>
+      <dgm:t>
+        <a:bodyPr/>
+        <a:lstStyle/>
+        <a:p>
+          <a:endParaRPr lang="de-DE"/>
+        </a:p>
+      </dgm:t>
     </dgm:pt>
     <dgm:pt modelId="{6EC9B571-2AAD-4AC1-B5C9-64DF398C0AEA}" type="pres">
       <dgm:prSet presAssocID="{C3E0E1EE-5798-473D-907B-B686B920B505}" presName="parentText" presStyleLbl="node1" presStyleIdx="0" presStyleCnt="4">
@@ -9330,6 +12075,13 @@
         </dgm:presLayoutVars>
       </dgm:prSet>
       <dgm:spPr/>
+      <dgm:t>
+        <a:bodyPr/>
+        <a:lstStyle/>
+        <a:p>
+          <a:endParaRPr lang="de-DE"/>
+        </a:p>
+      </dgm:t>
     </dgm:pt>
     <dgm:pt modelId="{46ECFA6A-E0E9-41F6-BC27-A0D3A41B681A}" type="pres">
       <dgm:prSet presAssocID="{C3E0E1EE-5798-473D-907B-B686B920B505}" presName="childText" presStyleLbl="revTx" presStyleIdx="0" presStyleCnt="4">
@@ -9338,6 +12090,13 @@
         </dgm:presLayoutVars>
       </dgm:prSet>
       <dgm:spPr/>
+      <dgm:t>
+        <a:bodyPr/>
+        <a:lstStyle/>
+        <a:p>
+          <a:endParaRPr lang="de-DE"/>
+        </a:p>
+      </dgm:t>
     </dgm:pt>
     <dgm:pt modelId="{10BCF072-5126-4E7E-87FE-49252D1F9F0B}" type="pres">
       <dgm:prSet presAssocID="{BBBB4A4D-E8D7-444A-A9B5-6D122C54A65E}" presName="parentText" presStyleLbl="node1" presStyleIdx="1" presStyleCnt="4">
@@ -9347,6 +12106,13 @@
         </dgm:presLayoutVars>
       </dgm:prSet>
       <dgm:spPr/>
+      <dgm:t>
+        <a:bodyPr/>
+        <a:lstStyle/>
+        <a:p>
+          <a:endParaRPr lang="de-DE"/>
+        </a:p>
+      </dgm:t>
     </dgm:pt>
     <dgm:pt modelId="{870592BB-C499-444A-8366-AE0A29609B7B}" type="pres">
       <dgm:prSet presAssocID="{BBBB4A4D-E8D7-444A-A9B5-6D122C54A65E}" presName="childText" presStyleLbl="revTx" presStyleIdx="1" presStyleCnt="4">
@@ -9355,6 +12121,13 @@
         </dgm:presLayoutVars>
       </dgm:prSet>
       <dgm:spPr/>
+      <dgm:t>
+        <a:bodyPr/>
+        <a:lstStyle/>
+        <a:p>
+          <a:endParaRPr lang="de-DE"/>
+        </a:p>
+      </dgm:t>
     </dgm:pt>
     <dgm:pt modelId="{47C85901-5F67-4C2A-BBCD-48BC78EA00D9}" type="pres">
       <dgm:prSet presAssocID="{44BD833A-8D5B-4CFE-A99F-067717C09B18}" presName="parentText" presStyleLbl="node1" presStyleIdx="2" presStyleCnt="4">
@@ -9364,6 +12137,13 @@
         </dgm:presLayoutVars>
       </dgm:prSet>
       <dgm:spPr/>
+      <dgm:t>
+        <a:bodyPr/>
+        <a:lstStyle/>
+        <a:p>
+          <a:endParaRPr lang="de-DE"/>
+        </a:p>
+      </dgm:t>
     </dgm:pt>
     <dgm:pt modelId="{D28AA118-9CC0-4C0B-8DDA-7F25EA87D375}" type="pres">
       <dgm:prSet presAssocID="{44BD833A-8D5B-4CFE-A99F-067717C09B18}" presName="childText" presStyleLbl="revTx" presStyleIdx="2" presStyleCnt="4">
@@ -9372,6 +12152,13 @@
         </dgm:presLayoutVars>
       </dgm:prSet>
       <dgm:spPr/>
+      <dgm:t>
+        <a:bodyPr/>
+        <a:lstStyle/>
+        <a:p>
+          <a:endParaRPr lang="de-DE"/>
+        </a:p>
+      </dgm:t>
     </dgm:pt>
     <dgm:pt modelId="{760C88F2-6D17-466D-9B38-9219D2168D01}" type="pres">
       <dgm:prSet presAssocID="{F855C7E7-A51F-49B6-A2B3-7E6AC3F8F76C}" presName="parentText" presStyleLbl="node1" presStyleIdx="3" presStyleCnt="4">
@@ -9381,6 +12168,13 @@
         </dgm:presLayoutVars>
       </dgm:prSet>
       <dgm:spPr/>
+      <dgm:t>
+        <a:bodyPr/>
+        <a:lstStyle/>
+        <a:p>
+          <a:endParaRPr lang="de-DE"/>
+        </a:p>
+      </dgm:t>
     </dgm:pt>
     <dgm:pt modelId="{230448D9-3172-485A-8975-56C6CDBDF809}" type="pres">
       <dgm:prSet presAssocID="{F855C7E7-A51F-49B6-A2B3-7E6AC3F8F76C}" presName="childText" presStyleLbl="revTx" presStyleIdx="3" presStyleCnt="4">
@@ -9389,15 +12183,22 @@
         </dgm:presLayoutVars>
       </dgm:prSet>
       <dgm:spPr/>
+      <dgm:t>
+        <a:bodyPr/>
+        <a:lstStyle/>
+        <a:p>
+          <a:endParaRPr lang="de-DE"/>
+        </a:p>
+      </dgm:t>
     </dgm:pt>
   </dgm:ptLst>
   <dgm:cxnLst>
     <dgm:cxn modelId="{86310F84-7646-4282-84AC-D71A56532A20}" srcId="{F855C7E7-A51F-49B6-A2B3-7E6AC3F8F76C}" destId="{0AD89C1C-8DAA-4D7F-9C2E-C361505B697B}" srcOrd="0" destOrd="0" parTransId="{8ECBAABC-A718-41C3-A5DD-8E1288F4DC12}" sibTransId="{D608F9E3-09FC-433D-9ED4-D2D3038F3449}"/>
+    <dgm:cxn modelId="{0542BBC6-C412-4CDA-A4A2-BC05D4BA4450}" srcId="{7E247A59-008E-419A-A44E-29EE95F9DC78}" destId="{BBBB4A4D-E8D7-444A-A9B5-6D122C54A65E}" srcOrd="1" destOrd="0" parTransId="{1A86641A-4EF6-4B41-8205-0F2137F2531C}" sibTransId="{560EE5C0-DAC7-4E66-AE24-C14B9707E9C4}"/>
     <dgm:cxn modelId="{BDF345FD-8614-43C5-86F4-FD0F1935CC52}" srcId="{7E247A59-008E-419A-A44E-29EE95F9DC78}" destId="{44BD833A-8D5B-4CFE-A99F-067717C09B18}" srcOrd="2" destOrd="0" parTransId="{3DE2C3E1-638D-434D-8729-8A027C093A4E}" sibTransId="{17A85EC2-3614-40C8-AB16-15965733ACF3}"/>
-    <dgm:cxn modelId="{0542BBC6-C412-4CDA-A4A2-BC05D4BA4450}" srcId="{7E247A59-008E-419A-A44E-29EE95F9DC78}" destId="{BBBB4A4D-E8D7-444A-A9B5-6D122C54A65E}" srcOrd="1" destOrd="0" parTransId="{1A86641A-4EF6-4B41-8205-0F2137F2531C}" sibTransId="{560EE5C0-DAC7-4E66-AE24-C14B9707E9C4}"/>
     <dgm:cxn modelId="{F4E421A6-3907-4114-ABBD-64E6382B8D22}" type="presOf" srcId="{9659240A-A016-4A49-941B-466FEC82D263}" destId="{870592BB-C499-444A-8366-AE0A29609B7B}" srcOrd="0" destOrd="0" presId="urn:microsoft.com/office/officeart/2005/8/layout/vList2"/>
+    <dgm:cxn modelId="{3A67130B-0006-44A0-8967-10556F95FB1C}" type="presOf" srcId="{7E247A59-008E-419A-A44E-29EE95F9DC78}" destId="{7C043A39-CE24-4EB9-9DD1-ADEA51ADBF35}" srcOrd="0" destOrd="0" presId="urn:microsoft.com/office/officeart/2005/8/layout/vList2"/>
     <dgm:cxn modelId="{C58A3DCF-37A3-4E22-9DC1-50D93D3F8684}" srcId="{C3E0E1EE-5798-473D-907B-B686B920B505}" destId="{F0ADC228-6EAB-404D-88E2-2E74C7CE12F2}" srcOrd="0" destOrd="0" parTransId="{E4B1AD14-F139-484F-A5EB-806CAD369A5C}" sibTransId="{9B840F1F-3CE9-470F-B807-AE1151F5B992}"/>
-    <dgm:cxn modelId="{3A67130B-0006-44A0-8967-10556F95FB1C}" type="presOf" srcId="{7E247A59-008E-419A-A44E-29EE95F9DC78}" destId="{7C043A39-CE24-4EB9-9DD1-ADEA51ADBF35}" srcOrd="0" destOrd="0" presId="urn:microsoft.com/office/officeart/2005/8/layout/vList2"/>
     <dgm:cxn modelId="{000200AC-7506-4383-82D5-783EB8DD2D59}" type="presOf" srcId="{D048F635-AA9E-452C-A576-CF759C7AD44F}" destId="{870592BB-C499-444A-8366-AE0A29609B7B}" srcOrd="0" destOrd="1" presId="urn:microsoft.com/office/officeart/2005/8/layout/vList2"/>
     <dgm:cxn modelId="{09A4A25D-24A1-4577-8B4A-56335F6CF89A}" srcId="{BBBB4A4D-E8D7-444A-A9B5-6D122C54A65E}" destId="{9659240A-A016-4A49-941B-466FEC82D263}" srcOrd="0" destOrd="0" parTransId="{BCE1ECCA-C6E9-4866-B9D7-B07C6E775CD3}" sibTransId="{B621AD7F-A0E9-4957-BD99-83CBED95C76B}"/>
     <dgm:cxn modelId="{C7FDC6DC-7E20-4ABF-92A3-EF504419C9EB}" type="presOf" srcId="{F0ADC228-6EAB-404D-88E2-2E74C7CE12F2}" destId="{46ECFA6A-E0E9-41F6-BC27-A0D3A41B681A}" srcOrd="0" destOrd="0" presId="urn:microsoft.com/office/officeart/2005/8/layout/vList2"/>
@@ -9405,14 +12206,14 @@
     <dgm:cxn modelId="{51495F89-F0C5-427C-A3F0-E45CE497D687}" type="presOf" srcId="{C3E0E1EE-5798-473D-907B-B686B920B505}" destId="{6EC9B571-2AAD-4AC1-B5C9-64DF398C0AEA}" srcOrd="0" destOrd="0" presId="urn:microsoft.com/office/officeart/2005/8/layout/vList2"/>
     <dgm:cxn modelId="{DD0DC879-52E8-4036-9A37-082173C6671F}" srcId="{7E247A59-008E-419A-A44E-29EE95F9DC78}" destId="{F855C7E7-A51F-49B6-A2B3-7E6AC3F8F76C}" srcOrd="3" destOrd="0" parTransId="{1F90EA7A-AB74-4924-862F-B10616F1E058}" sibTransId="{553D0321-A66E-4BAF-B1F4-3BBF5841ABDD}"/>
     <dgm:cxn modelId="{3A8F517F-DAE0-4E05-8441-AD38D754B666}" srcId="{7E247A59-008E-419A-A44E-29EE95F9DC78}" destId="{C3E0E1EE-5798-473D-907B-B686B920B505}" srcOrd="0" destOrd="0" parTransId="{4F628074-E509-4007-BDE7-4F8BC50044BE}" sibTransId="{3976CA15-F719-4642-BCA5-42D3630C36E7}"/>
+    <dgm:cxn modelId="{3F8BD614-8008-498A-9013-F418D63823FA}" type="presOf" srcId="{723671E7-B5F9-4453-AE27-B932ABFD0B47}" destId="{230448D9-3172-485A-8975-56C6CDBDF809}" srcOrd="0" destOrd="3" presId="urn:microsoft.com/office/officeart/2005/8/layout/vList2"/>
     <dgm:cxn modelId="{6857FE22-3D7F-4706-9A80-430AB8407190}" srcId="{44BD833A-8D5B-4CFE-A99F-067717C09B18}" destId="{05AD67F5-8C1F-4898-B985-0818DC6737B6}" srcOrd="0" destOrd="0" parTransId="{A8467390-8F5A-4241-B77C-1760C44E4BAC}" sibTransId="{E5FF884C-485C-4746-8876-203557FC7612}"/>
-    <dgm:cxn modelId="{3F8BD614-8008-498A-9013-F418D63823FA}" type="presOf" srcId="{723671E7-B5F9-4453-AE27-B932ABFD0B47}" destId="{230448D9-3172-485A-8975-56C6CDBDF809}" srcOrd="0" destOrd="3" presId="urn:microsoft.com/office/officeart/2005/8/layout/vList2"/>
+    <dgm:cxn modelId="{1F8AF835-6D4F-4AAA-91E1-240C5D11DDB2}" type="presOf" srcId="{F855C7E7-A51F-49B6-A2B3-7E6AC3F8F76C}" destId="{760C88F2-6D17-466D-9B38-9219D2168D01}" srcOrd="0" destOrd="0" presId="urn:microsoft.com/office/officeart/2005/8/layout/vList2"/>
     <dgm:cxn modelId="{1879BC75-FC1D-4B77-AE4E-B4EB64CC4A6F}" srcId="{0AD89C1C-8DAA-4D7F-9C2E-C361505B697B}" destId="{7A5A026D-84E7-4E34-934C-BBB301DBA672}" srcOrd="1" destOrd="0" parTransId="{A1EEBAEA-1B2E-432B-9D29-7757616CE222}" sibTransId="{974D8936-B1AD-4C46-A562-E695CC00DF71}"/>
-    <dgm:cxn modelId="{1F8AF835-6D4F-4AAA-91E1-240C5D11DDB2}" type="presOf" srcId="{F855C7E7-A51F-49B6-A2B3-7E6AC3F8F76C}" destId="{760C88F2-6D17-466D-9B38-9219D2168D01}" srcOrd="0" destOrd="0" presId="urn:microsoft.com/office/officeart/2005/8/layout/vList2"/>
+    <dgm:cxn modelId="{D21EF845-EDE1-4A2F-96F9-118F7C468437}" type="presOf" srcId="{523FD5ED-FB2C-4AA6-BDC2-4BE637BAF059}" destId="{230448D9-3172-485A-8975-56C6CDBDF809}" srcOrd="0" destOrd="1" presId="urn:microsoft.com/office/officeart/2005/8/layout/vList2"/>
     <dgm:cxn modelId="{4E52D671-00C9-40FB-B3CC-5AA1DC9A4071}" type="presOf" srcId="{7A5A026D-84E7-4E34-934C-BBB301DBA672}" destId="{230448D9-3172-485A-8975-56C6CDBDF809}" srcOrd="0" destOrd="2" presId="urn:microsoft.com/office/officeart/2005/8/layout/vList2"/>
-    <dgm:cxn modelId="{D21EF845-EDE1-4A2F-96F9-118F7C468437}" type="presOf" srcId="{523FD5ED-FB2C-4AA6-BDC2-4BE637BAF059}" destId="{230448D9-3172-485A-8975-56C6CDBDF809}" srcOrd="0" destOrd="1" presId="urn:microsoft.com/office/officeart/2005/8/layout/vList2"/>
+    <dgm:cxn modelId="{6ED4F8B1-3704-45E8-8A2B-F79B39200A3B}" type="presOf" srcId="{05AD67F5-8C1F-4898-B985-0818DC6737B6}" destId="{D28AA118-9CC0-4C0B-8DDA-7F25EA87D375}" srcOrd="0" destOrd="0" presId="urn:microsoft.com/office/officeart/2005/8/layout/vList2"/>
     <dgm:cxn modelId="{EC81A86E-CE8E-4F66-9EC8-A7DEB0D77505}" type="presOf" srcId="{44BD833A-8D5B-4CFE-A99F-067717C09B18}" destId="{47C85901-5F67-4C2A-BBCD-48BC78EA00D9}" srcOrd="0" destOrd="0" presId="urn:microsoft.com/office/officeart/2005/8/layout/vList2"/>
-    <dgm:cxn modelId="{6ED4F8B1-3704-45E8-8A2B-F79B39200A3B}" type="presOf" srcId="{05AD67F5-8C1F-4898-B985-0818DC6737B6}" destId="{D28AA118-9CC0-4C0B-8DDA-7F25EA87D375}" srcOrd="0" destOrd="0" presId="urn:microsoft.com/office/officeart/2005/8/layout/vList2"/>
     <dgm:cxn modelId="{34ECB556-8120-4CC9-9B69-A8305AF92A4F}" srcId="{0AD89C1C-8DAA-4D7F-9C2E-C361505B697B}" destId="{523FD5ED-FB2C-4AA6-BDC2-4BE637BAF059}" srcOrd="0" destOrd="0" parTransId="{6E9FF694-0B42-43A8-8D80-EADE94C87217}" sibTransId="{579A1E41-D3B7-4E0E-BEFA-0FAC15ECD128}"/>
     <dgm:cxn modelId="{FA4CE600-E846-49F8-824E-CBF264DA2CF9}" type="presOf" srcId="{BBBB4A4D-E8D7-444A-A9B5-6D122C54A65E}" destId="{10BCF072-5126-4E7E-87FE-49252D1F9F0B}" srcOrd="0" destOrd="0" presId="urn:microsoft.com/office/officeart/2005/8/layout/vList2"/>
     <dgm:cxn modelId="{842249C9-E00E-4206-9065-B075E6F60E16}" srcId="{BBBB4A4D-E8D7-444A-A9B5-6D122C54A65E}" destId="{D048F635-AA9E-452C-A576-CF759C7AD44F}" srcOrd="1" destOrd="0" parTransId="{FA3190EF-742F-42A1-B8A5-847499710FB8}" sibTransId="{BA52D02F-EEE5-4B69-9D35-9AE81EC1085A}"/>
@@ -9425,176 +12226,6 @@
     <dgm:cxn modelId="{1194F6CE-869C-4209-90D9-F3234EA57B2C}" type="presParOf" srcId="{7C043A39-CE24-4EB9-9DD1-ADEA51ADBF35}" destId="{D28AA118-9CC0-4C0B-8DDA-7F25EA87D375}" srcOrd="5" destOrd="0" presId="urn:microsoft.com/office/officeart/2005/8/layout/vList2"/>
     <dgm:cxn modelId="{A3E1A2D7-4A2A-4035-B75F-1518A29EA4E2}" type="presParOf" srcId="{7C043A39-CE24-4EB9-9DD1-ADEA51ADBF35}" destId="{760C88F2-6D17-466D-9B38-9219D2168D01}" srcOrd="6" destOrd="0" presId="urn:microsoft.com/office/officeart/2005/8/layout/vList2"/>
     <dgm:cxn modelId="{B26F4A5D-94A3-4930-9429-7303E2CA4A1B}" type="presParOf" srcId="{7C043A39-CE24-4EB9-9DD1-ADEA51ADBF35}" destId="{230448D9-3172-485A-8975-56C6CDBDF809}" srcOrd="7" destOrd="0" presId="urn:microsoft.com/office/officeart/2005/8/layout/vList2"/>
-  </dgm:cxnLst>
-  <dgm:bg/>
-  <dgm:whole/>
-  <dgm:extLst>
-    <a:ext uri="http://schemas.microsoft.com/office/drawing/2008/diagram">
-      <dsp:dataModelExt xmlns:dsp="http://schemas.microsoft.com/office/drawing/2008/diagram" relId="rId6" minVer="http://schemas.openxmlformats.org/drawingml/2006/diagram"/>
-    </a:ext>
-  </dgm:extLst>
-</dgm:dataModel>
-</file>
-
-<file path=ppt/diagrams/data5.xml><?xml version="1.0" encoding="utf-8"?>
-<dgm:dataModel xmlns:dgm="http://schemas.openxmlformats.org/drawingml/2006/diagram" xmlns:a="http://schemas.openxmlformats.org/drawingml/2006/main">
-  <dgm:ptLst>
-    <dgm:pt modelId="{7E247A59-008E-419A-A44E-29EE95F9DC78}" type="doc">
-      <dgm:prSet loTypeId="urn:microsoft.com/office/officeart/2005/8/layout/vList2" loCatId="list" qsTypeId="urn:microsoft.com/office/officeart/2005/8/quickstyle/simple1" qsCatId="simple" csTypeId="urn:microsoft.com/office/officeart/2005/8/colors/accent1_2" csCatId="accent1" phldr="1"/>
-      <dgm:spPr/>
-      <dgm:t>
-        <a:bodyPr/>
-        <a:lstStyle/>
-        <a:p>
-          <a:endParaRPr lang="de-DE"/>
-        </a:p>
-      </dgm:t>
-    </dgm:pt>
-    <dgm:pt modelId="{C3E0E1EE-5798-473D-907B-B686B920B505}">
-      <dgm:prSet/>
-      <dgm:spPr/>
-      <dgm:t>
-        <a:bodyPr/>
-        <a:lstStyle/>
-        <a:p>
-          <a:r>
-            <a:rPr lang="de-DE" dirty="0"/>
-            <a:t>DEMO</a:t>
-          </a:r>
-        </a:p>
-      </dgm:t>
-    </dgm:pt>
-    <dgm:pt modelId="{4F628074-E509-4007-BDE7-4F8BC50044BE}" type="parTrans" cxnId="{3A8F517F-DAE0-4E05-8441-AD38D754B666}">
-      <dgm:prSet/>
-      <dgm:spPr/>
-      <dgm:t>
-        <a:bodyPr/>
-        <a:lstStyle/>
-        <a:p>
-          <a:endParaRPr lang="de-DE"/>
-        </a:p>
-      </dgm:t>
-    </dgm:pt>
-    <dgm:pt modelId="{3976CA15-F719-4642-BCA5-42D3630C36E7}" type="sibTrans" cxnId="{3A8F517F-DAE0-4E05-8441-AD38D754B666}">
-      <dgm:prSet/>
-      <dgm:spPr/>
-      <dgm:t>
-        <a:bodyPr/>
-        <a:lstStyle/>
-        <a:p>
-          <a:endParaRPr lang="de-DE"/>
-        </a:p>
-      </dgm:t>
-    </dgm:pt>
-    <dgm:pt modelId="{7C043A39-CE24-4EB9-9DD1-ADEA51ADBF35}" type="pres">
-      <dgm:prSet presAssocID="{7E247A59-008E-419A-A44E-29EE95F9DC78}" presName="linear" presStyleCnt="0">
-        <dgm:presLayoutVars>
-          <dgm:animLvl val="lvl"/>
-          <dgm:resizeHandles val="exact"/>
-        </dgm:presLayoutVars>
-      </dgm:prSet>
-      <dgm:spPr/>
-    </dgm:pt>
-    <dgm:pt modelId="{6EC9B571-2AAD-4AC1-B5C9-64DF398C0AEA}" type="pres">
-      <dgm:prSet presAssocID="{C3E0E1EE-5798-473D-907B-B686B920B505}" presName="parentText" presStyleLbl="node1" presStyleIdx="0" presStyleCnt="1">
-        <dgm:presLayoutVars>
-          <dgm:chMax val="0"/>
-          <dgm:bulletEnabled val="1"/>
-        </dgm:presLayoutVars>
-      </dgm:prSet>
-      <dgm:spPr/>
-    </dgm:pt>
-  </dgm:ptLst>
-  <dgm:cxnLst>
-    <dgm:cxn modelId="{3A8F517F-DAE0-4E05-8441-AD38D754B666}" srcId="{7E247A59-008E-419A-A44E-29EE95F9DC78}" destId="{C3E0E1EE-5798-473D-907B-B686B920B505}" srcOrd="0" destOrd="0" parTransId="{4F628074-E509-4007-BDE7-4F8BC50044BE}" sibTransId="{3976CA15-F719-4642-BCA5-42D3630C36E7}"/>
-    <dgm:cxn modelId="{3A67130B-0006-44A0-8967-10556F95FB1C}" type="presOf" srcId="{7E247A59-008E-419A-A44E-29EE95F9DC78}" destId="{7C043A39-CE24-4EB9-9DD1-ADEA51ADBF35}" srcOrd="0" destOrd="0" presId="urn:microsoft.com/office/officeart/2005/8/layout/vList2"/>
-    <dgm:cxn modelId="{51495F89-F0C5-427C-A3F0-E45CE497D687}" type="presOf" srcId="{C3E0E1EE-5798-473D-907B-B686B920B505}" destId="{6EC9B571-2AAD-4AC1-B5C9-64DF398C0AEA}" srcOrd="0" destOrd="0" presId="urn:microsoft.com/office/officeart/2005/8/layout/vList2"/>
-    <dgm:cxn modelId="{1608781F-A093-4037-871A-437F37C3CF49}" type="presParOf" srcId="{7C043A39-CE24-4EB9-9DD1-ADEA51ADBF35}" destId="{6EC9B571-2AAD-4AC1-B5C9-64DF398C0AEA}" srcOrd="0" destOrd="0" presId="urn:microsoft.com/office/officeart/2005/8/layout/vList2"/>
-  </dgm:cxnLst>
-  <dgm:bg/>
-  <dgm:whole/>
-  <dgm:extLst>
-    <a:ext uri="http://schemas.microsoft.com/office/drawing/2008/diagram">
-      <dsp:dataModelExt xmlns:dsp="http://schemas.microsoft.com/office/drawing/2008/diagram" relId="rId6" minVer="http://schemas.openxmlformats.org/drawingml/2006/diagram"/>
-    </a:ext>
-  </dgm:extLst>
-</dgm:dataModel>
-</file>
-
-<file path=ppt/diagrams/data6.xml><?xml version="1.0" encoding="utf-8"?>
-<dgm:dataModel xmlns:dgm="http://schemas.openxmlformats.org/drawingml/2006/diagram" xmlns:a="http://schemas.openxmlformats.org/drawingml/2006/main">
-  <dgm:ptLst>
-    <dgm:pt modelId="{7E247A59-008E-419A-A44E-29EE95F9DC78}" type="doc">
-      <dgm:prSet loTypeId="urn:microsoft.com/office/officeart/2005/8/layout/vList2" loCatId="list" qsTypeId="urn:microsoft.com/office/officeart/2005/8/quickstyle/simple1" qsCatId="simple" csTypeId="urn:microsoft.com/office/officeart/2005/8/colors/accent1_2" csCatId="accent1" phldr="1"/>
-      <dgm:spPr/>
-      <dgm:t>
-        <a:bodyPr/>
-        <a:lstStyle/>
-        <a:p>
-          <a:endParaRPr lang="de-DE"/>
-        </a:p>
-      </dgm:t>
-    </dgm:pt>
-    <dgm:pt modelId="{C3E0E1EE-5798-473D-907B-B686B920B505}">
-      <dgm:prSet/>
-      <dgm:spPr/>
-      <dgm:t>
-        <a:bodyPr/>
-        <a:lstStyle/>
-        <a:p>
-          <a:r>
-            <a:rPr lang="de-DE" dirty="0"/>
-            <a:t>DEMO</a:t>
-          </a:r>
-        </a:p>
-      </dgm:t>
-    </dgm:pt>
-    <dgm:pt modelId="{4F628074-E509-4007-BDE7-4F8BC50044BE}" type="parTrans" cxnId="{3A8F517F-DAE0-4E05-8441-AD38D754B666}">
-      <dgm:prSet/>
-      <dgm:spPr/>
-      <dgm:t>
-        <a:bodyPr/>
-        <a:lstStyle/>
-        <a:p>
-          <a:endParaRPr lang="de-DE"/>
-        </a:p>
-      </dgm:t>
-    </dgm:pt>
-    <dgm:pt modelId="{3976CA15-F719-4642-BCA5-42D3630C36E7}" type="sibTrans" cxnId="{3A8F517F-DAE0-4E05-8441-AD38D754B666}">
-      <dgm:prSet/>
-      <dgm:spPr/>
-      <dgm:t>
-        <a:bodyPr/>
-        <a:lstStyle/>
-        <a:p>
-          <a:endParaRPr lang="de-DE"/>
-        </a:p>
-      </dgm:t>
-    </dgm:pt>
-    <dgm:pt modelId="{7C043A39-CE24-4EB9-9DD1-ADEA51ADBF35}" type="pres">
-      <dgm:prSet presAssocID="{7E247A59-008E-419A-A44E-29EE95F9DC78}" presName="linear" presStyleCnt="0">
-        <dgm:presLayoutVars>
-          <dgm:animLvl val="lvl"/>
-          <dgm:resizeHandles val="exact"/>
-        </dgm:presLayoutVars>
-      </dgm:prSet>
-      <dgm:spPr/>
-    </dgm:pt>
-    <dgm:pt modelId="{6EC9B571-2AAD-4AC1-B5C9-64DF398C0AEA}" type="pres">
-      <dgm:prSet presAssocID="{C3E0E1EE-5798-473D-907B-B686B920B505}" presName="parentText" presStyleLbl="node1" presStyleIdx="0" presStyleCnt="1">
-        <dgm:presLayoutVars>
-          <dgm:chMax val="0"/>
-          <dgm:bulletEnabled val="1"/>
-        </dgm:presLayoutVars>
-      </dgm:prSet>
-      <dgm:spPr/>
-    </dgm:pt>
-  </dgm:ptLst>
-  <dgm:cxnLst>
-    <dgm:cxn modelId="{3A67130B-0006-44A0-8967-10556F95FB1C}" type="presOf" srcId="{7E247A59-008E-419A-A44E-29EE95F9DC78}" destId="{7C043A39-CE24-4EB9-9DD1-ADEA51ADBF35}" srcOrd="0" destOrd="0" presId="urn:microsoft.com/office/officeart/2005/8/layout/vList2"/>
-    <dgm:cxn modelId="{51495F89-F0C5-427C-A3F0-E45CE497D687}" type="presOf" srcId="{C3E0E1EE-5798-473D-907B-B686B920B505}" destId="{6EC9B571-2AAD-4AC1-B5C9-64DF398C0AEA}" srcOrd="0" destOrd="0" presId="urn:microsoft.com/office/officeart/2005/8/layout/vList2"/>
-    <dgm:cxn modelId="{3A8F517F-DAE0-4E05-8441-AD38D754B666}" srcId="{7E247A59-008E-419A-A44E-29EE95F9DC78}" destId="{C3E0E1EE-5798-473D-907B-B686B920B505}" srcOrd="0" destOrd="0" parTransId="{4F628074-E509-4007-BDE7-4F8BC50044BE}" sibTransId="{3976CA15-F719-4642-BCA5-42D3630C36E7}"/>
-    <dgm:cxn modelId="{1608781F-A093-4037-871A-437F37C3CF49}" type="presParOf" srcId="{7C043A39-CE24-4EB9-9DD1-ADEA51ADBF35}" destId="{6EC9B571-2AAD-4AC1-B5C9-64DF398C0AEA}" srcOrd="0" destOrd="0" presId="urn:microsoft.com/office/officeart/2005/8/layout/vList2"/>
   </dgm:cxnLst>
   <dgm:bg/>
   <dgm:whole/>
@@ -9664,6 +12295,13 @@
         </dgm:presLayoutVars>
       </dgm:prSet>
       <dgm:spPr/>
+      <dgm:t>
+        <a:bodyPr/>
+        <a:lstStyle/>
+        <a:p>
+          <a:endParaRPr lang="de-DE"/>
+        </a:p>
+      </dgm:t>
     </dgm:pt>
     <dgm:pt modelId="{6EC9B571-2AAD-4AC1-B5C9-64DF398C0AEA}" type="pres">
       <dgm:prSet presAssocID="{C3E0E1EE-5798-473D-907B-B686B920B505}" presName="parentText" presStyleLbl="node1" presStyleIdx="0" presStyleCnt="1">
@@ -9673,6 +12311,13 @@
         </dgm:presLayoutVars>
       </dgm:prSet>
       <dgm:spPr/>
+      <dgm:t>
+        <a:bodyPr/>
+        <a:lstStyle/>
+        <a:p>
+          <a:endParaRPr lang="de-DE"/>
+        </a:p>
+      </dgm:t>
     </dgm:pt>
   </dgm:ptLst>
   <dgm:cxnLst>
@@ -9741,22 +12386,13 @@
         </a:p>
       </dgm:t>
     </dgm:pt>
-    <dgm:pt modelId="{0B1AAA67-958F-437E-91D8-F916C4ADA1F1}">
-      <dgm:prSet/>
-      <dgm:spPr/>
-      <dgm:t>
-        <a:bodyPr/>
-        <a:lstStyle/>
-        <a:p>
-          <a:r>
-            <a:rPr lang="de-DE" dirty="0"/>
-            <a:t> 03 Arrays.js</a:t>
-          </a:r>
-        </a:p>
-      </dgm:t>
-    </dgm:pt>
-    <dgm:pt modelId="{DD61EF18-947A-4053-B5F6-F026F2BD4CB0}" type="parTrans" cxnId="{13E31921-0A7B-4FBD-96BC-E58102772E91}">
-      <dgm:prSet/>
+    <dgm:pt modelId="{7C043A39-CE24-4EB9-9DD1-ADEA51ADBF35}" type="pres">
+      <dgm:prSet presAssocID="{7E247A59-008E-419A-A44E-29EE95F9DC78}" presName="linear" presStyleCnt="0">
+        <dgm:presLayoutVars>
+          <dgm:animLvl val="lvl"/>
+          <dgm:resizeHandles val="exact"/>
+        </dgm:presLayoutVars>
+      </dgm:prSet>
       <dgm:spPr/>
       <dgm:t>
         <a:bodyPr/>
@@ -9766,8 +12402,13 @@
         </a:p>
       </dgm:t>
     </dgm:pt>
-    <dgm:pt modelId="{846A31DC-5CB0-4C3E-A526-2D4DCC98EFE0}" type="sibTrans" cxnId="{13E31921-0A7B-4FBD-96BC-E58102772E91}">
-      <dgm:prSet/>
+    <dgm:pt modelId="{6EC9B571-2AAD-4AC1-B5C9-64DF398C0AEA}" type="pres">
+      <dgm:prSet presAssocID="{C3E0E1EE-5798-473D-907B-B686B920B505}" presName="parentText" presStyleLbl="node1" presStyleIdx="0" presStyleCnt="1">
+        <dgm:presLayoutVars>
+          <dgm:chMax val="0"/>
+          <dgm:bulletEnabled val="1"/>
+        </dgm:presLayoutVars>
+      </dgm:prSet>
       <dgm:spPr/>
       <dgm:t>
         <a:bodyPr/>
@@ -9777,41 +12418,12 @@
         </a:p>
       </dgm:t>
     </dgm:pt>
-    <dgm:pt modelId="{7C043A39-CE24-4EB9-9DD1-ADEA51ADBF35}" type="pres">
-      <dgm:prSet presAssocID="{7E247A59-008E-419A-A44E-29EE95F9DC78}" presName="linear" presStyleCnt="0">
-        <dgm:presLayoutVars>
-          <dgm:animLvl val="lvl"/>
-          <dgm:resizeHandles val="exact"/>
-        </dgm:presLayoutVars>
-      </dgm:prSet>
-      <dgm:spPr/>
-    </dgm:pt>
-    <dgm:pt modelId="{6EC9B571-2AAD-4AC1-B5C9-64DF398C0AEA}" type="pres">
-      <dgm:prSet presAssocID="{C3E0E1EE-5798-473D-907B-B686B920B505}" presName="parentText" presStyleLbl="node1" presStyleIdx="0" presStyleCnt="1">
-        <dgm:presLayoutVars>
-          <dgm:chMax val="0"/>
-          <dgm:bulletEnabled val="1"/>
-        </dgm:presLayoutVars>
-      </dgm:prSet>
-      <dgm:spPr/>
-    </dgm:pt>
-    <dgm:pt modelId="{0D635367-230C-4CCF-BD5E-72E7F8933CB7}" type="pres">
-      <dgm:prSet presAssocID="{C3E0E1EE-5798-473D-907B-B686B920B505}" presName="childText" presStyleLbl="revTx" presStyleIdx="0" presStyleCnt="1">
-        <dgm:presLayoutVars>
-          <dgm:bulletEnabled val="1"/>
-        </dgm:presLayoutVars>
-      </dgm:prSet>
-      <dgm:spPr/>
-    </dgm:pt>
   </dgm:ptLst>
   <dgm:cxnLst>
     <dgm:cxn modelId="{3A67130B-0006-44A0-8967-10556F95FB1C}" type="presOf" srcId="{7E247A59-008E-419A-A44E-29EE95F9DC78}" destId="{7C043A39-CE24-4EB9-9DD1-ADEA51ADBF35}" srcOrd="0" destOrd="0" presId="urn:microsoft.com/office/officeart/2005/8/layout/vList2"/>
     <dgm:cxn modelId="{51495F89-F0C5-427C-A3F0-E45CE497D687}" type="presOf" srcId="{C3E0E1EE-5798-473D-907B-B686B920B505}" destId="{6EC9B571-2AAD-4AC1-B5C9-64DF398C0AEA}" srcOrd="0" destOrd="0" presId="urn:microsoft.com/office/officeart/2005/8/layout/vList2"/>
     <dgm:cxn modelId="{3A8F517F-DAE0-4E05-8441-AD38D754B666}" srcId="{7E247A59-008E-419A-A44E-29EE95F9DC78}" destId="{C3E0E1EE-5798-473D-907B-B686B920B505}" srcOrd="0" destOrd="0" parTransId="{4F628074-E509-4007-BDE7-4F8BC50044BE}" sibTransId="{3976CA15-F719-4642-BCA5-42D3630C36E7}"/>
-    <dgm:cxn modelId="{13E31921-0A7B-4FBD-96BC-E58102772E91}" srcId="{C3E0E1EE-5798-473D-907B-B686B920B505}" destId="{0B1AAA67-958F-437E-91D8-F916C4ADA1F1}" srcOrd="0" destOrd="0" parTransId="{DD61EF18-947A-4053-B5F6-F026F2BD4CB0}" sibTransId="{846A31DC-5CB0-4C3E-A526-2D4DCC98EFE0}"/>
-    <dgm:cxn modelId="{7841C90F-9E2D-4F91-8764-B8558920E61F}" type="presOf" srcId="{0B1AAA67-958F-437E-91D8-F916C4ADA1F1}" destId="{0D635367-230C-4CCF-BD5E-72E7F8933CB7}" srcOrd="0" destOrd="0" presId="urn:microsoft.com/office/officeart/2005/8/layout/vList2"/>
     <dgm:cxn modelId="{1608781F-A093-4037-871A-437F37C3CF49}" type="presParOf" srcId="{7C043A39-CE24-4EB9-9DD1-ADEA51ADBF35}" destId="{6EC9B571-2AAD-4AC1-B5C9-64DF398C0AEA}" srcOrd="0" destOrd="0" presId="urn:microsoft.com/office/officeart/2005/8/layout/vList2"/>
-    <dgm:cxn modelId="{05E2A72E-A988-4ABB-842D-F3E4DFCE21CE}" type="presParOf" srcId="{7C043A39-CE24-4EB9-9DD1-ADEA51ADBF35}" destId="{0D635367-230C-4CCF-BD5E-72E7F8933CB7}" srcOrd="1" destOrd="0" presId="urn:microsoft.com/office/officeart/2005/8/layout/vList2"/>
   </dgm:cxnLst>
   <dgm:bg/>
   <dgm:whole/>
@@ -9881,6 +12493,13 @@
         </dgm:presLayoutVars>
       </dgm:prSet>
       <dgm:spPr/>
+      <dgm:t>
+        <a:bodyPr/>
+        <a:lstStyle/>
+        <a:p>
+          <a:endParaRPr lang="de-DE"/>
+        </a:p>
+      </dgm:t>
     </dgm:pt>
     <dgm:pt modelId="{6EC9B571-2AAD-4AC1-B5C9-64DF398C0AEA}" type="pres">
       <dgm:prSet presAssocID="{C3E0E1EE-5798-473D-907B-B686B920B505}" presName="parentText" presStyleLbl="node1" presStyleIdx="0" presStyleCnt="1">
@@ -9890,6 +12509,13 @@
         </dgm:presLayoutVars>
       </dgm:prSet>
       <dgm:spPr/>
+      <dgm:t>
+        <a:bodyPr/>
+        <a:lstStyle/>
+        <a:p>
+          <a:endParaRPr lang="de-DE"/>
+        </a:p>
+      </dgm:t>
     </dgm:pt>
   </dgm:ptLst>
   <dgm:cxnLst>
@@ -9983,7 +12609,7 @@
             <a:spcAft>
               <a:spcPct val="15000"/>
             </a:spcAft>
-            <a:buChar char="•"/>
+            <a:buChar char="••"/>
           </a:pPr>
           <a:r>
             <a:rPr lang="de-DE" sz="2500" kern="1200" dirty="0"/>
@@ -10066,7 +12692,7 @@
         </a:bodyPr>
         <a:lstStyle/>
         <a:p>
-          <a:pPr marL="0" lvl="0" indent="0" algn="ctr" defTabSz="2044700" rtl="0">
+          <a:pPr lvl="0" algn="ctr" defTabSz="2044700" rtl="0">
             <a:lnSpc>
               <a:spcPct val="90000"/>
             </a:lnSpc>
@@ -10076,7 +12702,6 @@
             <a:spcAft>
               <a:spcPct val="35000"/>
             </a:spcAft>
-            <a:buNone/>
           </a:pPr>
           <a:r>
             <a:rPr lang="de-DE" sz="4600" kern="1200" dirty="0"/>
@@ -10156,7 +12781,7 @@
             <a:spcAft>
               <a:spcPct val="15000"/>
             </a:spcAft>
-            <a:buChar char="•"/>
+            <a:buChar char="••"/>
           </a:pPr>
           <a:r>
             <a:rPr lang="de-DE" sz="2500" kern="1200" dirty="0"/>
@@ -10174,7 +12799,7 @@
             <a:spcAft>
               <a:spcPct val="15000"/>
             </a:spcAft>
-            <a:buChar char="•"/>
+            <a:buChar char="••"/>
           </a:pPr>
           <a:r>
             <a:rPr lang="de-DE" sz="2500" kern="1200" dirty="0"/>
@@ -10242,7 +12867,7 @@
         </a:bodyPr>
         <a:lstStyle/>
         <a:p>
-          <a:pPr marL="0" lvl="0" indent="0" algn="ctr" defTabSz="2044700">
+          <a:pPr lvl="0" algn="ctr" defTabSz="2044700">
             <a:lnSpc>
               <a:spcPct val="90000"/>
             </a:lnSpc>
@@ -10252,7 +12877,6 @@
             <a:spcAft>
               <a:spcPct val="35000"/>
             </a:spcAft>
-            <a:buNone/>
           </a:pPr>
           <a:r>
             <a:rPr lang="de-DE" sz="4600" kern="1200"/>
@@ -10332,7 +12956,7 @@
             <a:spcAft>
               <a:spcPct val="15000"/>
             </a:spcAft>
-            <a:buChar char="•"/>
+            <a:buChar char="••"/>
           </a:pPr>
           <a:r>
             <a:rPr lang="de-DE" sz="2500" kern="1200" dirty="0"/>
@@ -10407,7 +13031,7 @@
         </a:bodyPr>
         <a:lstStyle/>
         <a:p>
-          <a:pPr marL="0" lvl="0" indent="0" algn="ctr" defTabSz="2044700" rtl="0">
+          <a:pPr lvl="0" algn="ctr" defTabSz="2044700" rtl="0">
             <a:lnSpc>
               <a:spcPct val="90000"/>
             </a:lnSpc>
@@ -10417,7 +13041,6 @@
             <a:spcAft>
               <a:spcPct val="35000"/>
             </a:spcAft>
-            <a:buNone/>
           </a:pPr>
           <a:r>
             <a:rPr lang="de-DE" sz="4600" kern="1200" dirty="0"/>
@@ -10435,6 +13058,155 @@
 </file>
 
 <file path=ppt/diagrams/drawing10.xml><?xml version="1.0" encoding="utf-8"?>
+<dsp:drawing xmlns:dgm="http://schemas.openxmlformats.org/drawingml/2006/diagram" xmlns:dsp="http://schemas.microsoft.com/office/drawing/2008/diagram" xmlns:a="http://schemas.openxmlformats.org/drawingml/2006/main">
+  <dsp:spTree>
+    <dsp:nvGrpSpPr>
+      <dsp:cNvPr id="0" name=""/>
+      <dsp:cNvGrpSpPr/>
+    </dsp:nvGrpSpPr>
+    <dsp:grpSpPr/>
+    <dsp:sp modelId="{6EC9B571-2AAD-4AC1-B5C9-64DF398C0AEA}">
+      <dsp:nvSpPr>
+        <dsp:cNvPr id="0" name=""/>
+        <dsp:cNvSpPr/>
+      </dsp:nvSpPr>
+      <dsp:spPr>
+        <a:xfrm>
+          <a:off x="0" y="992099"/>
+          <a:ext cx="10515600" cy="1559025"/>
+        </a:xfrm>
+        <a:prstGeom prst="roundRect">
+          <a:avLst/>
+        </a:prstGeom>
+        <a:solidFill>
+          <a:schemeClr val="accent1">
+            <a:hueOff val="0"/>
+            <a:satOff val="0"/>
+            <a:lumOff val="0"/>
+            <a:alphaOff val="0"/>
+          </a:schemeClr>
+        </a:solidFill>
+        <a:ln w="12700" cap="flat" cmpd="sng" algn="ctr">
+          <a:solidFill>
+            <a:schemeClr val="lt1">
+              <a:hueOff val="0"/>
+              <a:satOff val="0"/>
+              <a:lumOff val="0"/>
+              <a:alphaOff val="0"/>
+            </a:schemeClr>
+          </a:solidFill>
+          <a:prstDash val="solid"/>
+          <a:miter lim="800000"/>
+        </a:ln>
+        <a:effectLst/>
+      </dsp:spPr>
+      <dsp:style>
+        <a:lnRef idx="2">
+          <a:scrgbClr r="0" g="0" b="0"/>
+        </a:lnRef>
+        <a:fillRef idx="1">
+          <a:scrgbClr r="0" g="0" b="0"/>
+        </a:fillRef>
+        <a:effectRef idx="0">
+          <a:scrgbClr r="0" g="0" b="0"/>
+        </a:effectRef>
+        <a:fontRef idx="minor">
+          <a:schemeClr val="lt1"/>
+        </a:fontRef>
+      </dsp:style>
+      <dsp:txBody>
+        <a:bodyPr spcFirstLastPara="0" vert="horz" wrap="square" lIns="247650" tIns="247650" rIns="247650" bIns="247650" numCol="1" spcCol="1270" anchor="ctr" anchorCtr="0">
+          <a:noAutofit/>
+        </a:bodyPr>
+        <a:lstStyle/>
+        <a:p>
+          <a:pPr lvl="0" algn="l" defTabSz="2889250">
+            <a:lnSpc>
+              <a:spcPct val="90000"/>
+            </a:lnSpc>
+            <a:spcBef>
+              <a:spcPct val="0"/>
+            </a:spcBef>
+            <a:spcAft>
+              <a:spcPct val="35000"/>
+            </a:spcAft>
+          </a:pPr>
+          <a:r>
+            <a:rPr lang="de-DE" sz="6500" kern="1200" dirty="0"/>
+            <a:t>DEMO</a:t>
+          </a:r>
+        </a:p>
+      </dsp:txBody>
+      <dsp:txXfrm>
+        <a:off x="76105" y="1068204"/>
+        <a:ext cx="10363390" cy="1406815"/>
+      </dsp:txXfrm>
+    </dsp:sp>
+    <dsp:sp modelId="{0D635367-230C-4CCF-BD5E-72E7F8933CB7}">
+      <dsp:nvSpPr>
+        <dsp:cNvPr id="0" name=""/>
+        <dsp:cNvSpPr/>
+      </dsp:nvSpPr>
+      <dsp:spPr>
+        <a:xfrm>
+          <a:off x="0" y="2551125"/>
+          <a:ext cx="10515600" cy="1076400"/>
+        </a:xfrm>
+        <a:prstGeom prst="rect">
+          <a:avLst/>
+        </a:prstGeom>
+        <a:noFill/>
+        <a:ln>
+          <a:noFill/>
+        </a:ln>
+        <a:effectLst/>
+      </dsp:spPr>
+      <dsp:style>
+        <a:lnRef idx="0">
+          <a:scrgbClr r="0" g="0" b="0"/>
+        </a:lnRef>
+        <a:fillRef idx="0">
+          <a:scrgbClr r="0" g="0" b="0"/>
+        </a:fillRef>
+        <a:effectRef idx="0">
+          <a:scrgbClr r="0" g="0" b="0"/>
+        </a:effectRef>
+        <a:fontRef idx="minor"/>
+      </dsp:style>
+      <dsp:txBody>
+        <a:bodyPr spcFirstLastPara="0" vert="horz" wrap="square" lIns="333870" tIns="82550" rIns="462280" bIns="82550" numCol="1" spcCol="1270" anchor="t" anchorCtr="0">
+          <a:noAutofit/>
+        </a:bodyPr>
+        <a:lstStyle/>
+        <a:p>
+          <a:pPr marL="285750" lvl="1" indent="-285750" algn="l" defTabSz="2266950">
+            <a:lnSpc>
+              <a:spcPct val="90000"/>
+            </a:lnSpc>
+            <a:spcBef>
+              <a:spcPct val="0"/>
+            </a:spcBef>
+            <a:spcAft>
+              <a:spcPct val="20000"/>
+            </a:spcAft>
+            <a:buChar char="••"/>
+          </a:pPr>
+          <a:r>
+            <a:rPr lang="de-DE" sz="5100" kern="1200" dirty="0"/>
+            <a:t> 03 Arrays.js</a:t>
+          </a:r>
+        </a:p>
+      </dsp:txBody>
+      <dsp:txXfrm>
+        <a:off x="0" y="2551125"/>
+        <a:ext cx="10515600" cy="1076400"/>
+      </dsp:txXfrm>
+    </dsp:sp>
+  </dsp:spTree>
+</dsp:drawing>
+</file>
+
+<file path=ppt/diagrams/drawing11.xml><?xml version="1.0" encoding="utf-8"?>
 <dsp:drawing xmlns:dgm="http://schemas.openxmlformats.org/drawingml/2006/diagram" xmlns:dsp="http://schemas.microsoft.com/office/drawing/2008/diagram" xmlns:a="http://schemas.openxmlformats.org/drawingml/2006/main">
   <dsp:spTree>
     <dsp:nvGrpSpPr>
@@ -10497,7 +13269,7 @@
         </a:bodyPr>
         <a:lstStyle/>
         <a:p>
-          <a:pPr marL="0" lvl="0" indent="0" algn="l" defTabSz="2889250">
+          <a:pPr lvl="0" algn="l" defTabSz="2889250">
             <a:lnSpc>
               <a:spcPct val="90000"/>
             </a:lnSpc>
@@ -10507,7 +13279,95 @@
             <a:spcAft>
               <a:spcPct val="35000"/>
             </a:spcAft>
-            <a:buNone/>
+          </a:pPr>
+          <a:r>
+            <a:rPr lang="de-DE" sz="6500" kern="1200" dirty="0"/>
+            <a:t>DEMO</a:t>
+          </a:r>
+        </a:p>
+      </dsp:txBody>
+      <dsp:txXfrm>
+        <a:off x="76105" y="1606404"/>
+        <a:ext cx="10363390" cy="1406815"/>
+      </dsp:txXfrm>
+    </dsp:sp>
+  </dsp:spTree>
+</dsp:drawing>
+</file>
+
+<file path=ppt/diagrams/drawing12.xml><?xml version="1.0" encoding="utf-8"?>
+<dsp:drawing xmlns:dgm="http://schemas.openxmlformats.org/drawingml/2006/diagram" xmlns:dsp="http://schemas.microsoft.com/office/drawing/2008/diagram" xmlns:a="http://schemas.openxmlformats.org/drawingml/2006/main">
+  <dsp:spTree>
+    <dsp:nvGrpSpPr>
+      <dsp:cNvPr id="0" name=""/>
+      <dsp:cNvGrpSpPr/>
+    </dsp:nvGrpSpPr>
+    <dsp:grpSpPr/>
+    <dsp:sp modelId="{6EC9B571-2AAD-4AC1-B5C9-64DF398C0AEA}">
+      <dsp:nvSpPr>
+        <dsp:cNvPr id="0" name=""/>
+        <dsp:cNvSpPr/>
+      </dsp:nvSpPr>
+      <dsp:spPr>
+        <a:xfrm>
+          <a:off x="0" y="1530299"/>
+          <a:ext cx="10515600" cy="1559025"/>
+        </a:xfrm>
+        <a:prstGeom prst="roundRect">
+          <a:avLst/>
+        </a:prstGeom>
+        <a:solidFill>
+          <a:schemeClr val="accent1">
+            <a:hueOff val="0"/>
+            <a:satOff val="0"/>
+            <a:lumOff val="0"/>
+            <a:alphaOff val="0"/>
+          </a:schemeClr>
+        </a:solidFill>
+        <a:ln w="12700" cap="flat" cmpd="sng" algn="ctr">
+          <a:solidFill>
+            <a:schemeClr val="lt1">
+              <a:hueOff val="0"/>
+              <a:satOff val="0"/>
+              <a:lumOff val="0"/>
+              <a:alphaOff val="0"/>
+            </a:schemeClr>
+          </a:solidFill>
+          <a:prstDash val="solid"/>
+          <a:miter lim="800000"/>
+        </a:ln>
+        <a:effectLst/>
+      </dsp:spPr>
+      <dsp:style>
+        <a:lnRef idx="2">
+          <a:scrgbClr r="0" g="0" b="0"/>
+        </a:lnRef>
+        <a:fillRef idx="1">
+          <a:scrgbClr r="0" g="0" b="0"/>
+        </a:fillRef>
+        <a:effectRef idx="0">
+          <a:scrgbClr r="0" g="0" b="0"/>
+        </a:effectRef>
+        <a:fontRef idx="minor">
+          <a:schemeClr val="lt1"/>
+        </a:fontRef>
+      </dsp:style>
+      <dsp:txBody>
+        <a:bodyPr spcFirstLastPara="0" vert="horz" wrap="square" lIns="247650" tIns="247650" rIns="247650" bIns="247650" numCol="1" spcCol="1270" anchor="ctr" anchorCtr="0">
+          <a:noAutofit/>
+        </a:bodyPr>
+        <a:lstStyle/>
+        <a:p>
+          <a:pPr lvl="0" algn="l" defTabSz="2889250">
+            <a:lnSpc>
+              <a:spcPct val="90000"/>
+            </a:lnSpc>
+            <a:spcBef>
+              <a:spcPct val="0"/>
+            </a:spcBef>
+            <a:spcAft>
+              <a:spcPct val="35000"/>
+            </a:spcAft>
           </a:pPr>
           <a:r>
             <a:rPr lang="de-DE" sz="6500" kern="1200" dirty="0"/>
@@ -10624,7 +13484,7 @@
         </a:bodyPr>
         <a:lstStyle/>
         <a:p>
-          <a:pPr marL="0" lvl="0" indent="0" algn="l" defTabSz="755650">
+          <a:pPr lvl="0" algn="l" defTabSz="755650">
             <a:lnSpc>
               <a:spcPct val="90000"/>
             </a:lnSpc>
@@ -10634,7 +13494,6 @@
             <a:spcAft>
               <a:spcPct val="35000"/>
             </a:spcAft>
-            <a:buNone/>
           </a:pPr>
           <a:r>
             <a:rPr lang="de-DE" sz="1700" kern="1200" dirty="0"/>
@@ -10744,7 +13603,7 @@
         </a:bodyPr>
         <a:lstStyle/>
         <a:p>
-          <a:pPr marL="0" lvl="0" indent="0" algn="l" defTabSz="755650">
+          <a:pPr lvl="0" algn="l" defTabSz="755650">
             <a:lnSpc>
               <a:spcPct val="90000"/>
             </a:lnSpc>
@@ -10754,7 +13613,6 @@
             <a:spcAft>
               <a:spcPct val="35000"/>
             </a:spcAft>
-            <a:buNone/>
           </a:pPr>
           <a:r>
             <a:rPr lang="de-DE" sz="1700" kern="1200" dirty="0"/>
@@ -10859,7 +13717,7 @@
         </a:bodyPr>
         <a:lstStyle/>
         <a:p>
-          <a:pPr marL="0" lvl="0" indent="0" algn="l" defTabSz="755650">
+          <a:pPr lvl="0" algn="l" defTabSz="755650">
             <a:lnSpc>
               <a:spcPct val="90000"/>
             </a:lnSpc>
@@ -10869,11 +13727,14 @@
             <a:spcAft>
               <a:spcPct val="35000"/>
             </a:spcAft>
-            <a:buNone/>
           </a:pPr>
           <a:r>
             <a:rPr lang="de-DE" sz="1700" kern="1200" dirty="0" err="1"/>
             <a:t>Robert.Marz</a:t>
+          </a:r>
+          <a:r>
+            <a:rPr lang="de-DE" sz="1700" kern="1200" dirty="0"/>
+            <a:t/>
           </a:r>
           <a:br>
             <a:rPr lang="de-DE" sz="1700" kern="1200" dirty="0"/>
@@ -10894,6 +13755,908 @@
 </file>
 
 <file path=ppt/diagrams/drawing3.xml><?xml version="1.0" encoding="utf-8"?>
+<dsp:drawing xmlns:dgm="http://schemas.openxmlformats.org/drawingml/2006/diagram" xmlns:dsp="http://schemas.microsoft.com/office/drawing/2008/diagram" xmlns:a="http://schemas.openxmlformats.org/drawingml/2006/main">
+  <dsp:spTree>
+    <dsp:nvGrpSpPr>
+      <dsp:cNvPr id="0" name=""/>
+      <dsp:cNvGrpSpPr/>
+    </dsp:nvGrpSpPr>
+    <dsp:grpSpPr/>
+    <dsp:sp modelId="{DCC0B640-762B-42B1-B6BF-3593AF600414}">
+      <dsp:nvSpPr>
+        <dsp:cNvPr id="0" name=""/>
+        <dsp:cNvSpPr/>
+      </dsp:nvSpPr>
+      <dsp:spPr>
+        <a:xfrm rot="5400000">
+          <a:off x="4992168" y="-1963952"/>
+          <a:ext cx="983921" cy="5161533"/>
+        </a:xfrm>
+        <a:prstGeom prst="round2SameRect">
+          <a:avLst/>
+        </a:prstGeom>
+        <a:solidFill>
+          <a:schemeClr val="accent1">
+            <a:alpha val="90000"/>
+            <a:tint val="40000"/>
+            <a:hueOff val="0"/>
+            <a:satOff val="0"/>
+            <a:lumOff val="0"/>
+            <a:alphaOff val="0"/>
+          </a:schemeClr>
+        </a:solidFill>
+        <a:ln w="12700" cap="flat" cmpd="sng" algn="ctr">
+          <a:solidFill>
+            <a:schemeClr val="accent1">
+              <a:alpha val="90000"/>
+              <a:tint val="40000"/>
+              <a:hueOff val="0"/>
+              <a:satOff val="0"/>
+              <a:lumOff val="0"/>
+              <a:alphaOff val="0"/>
+            </a:schemeClr>
+          </a:solidFill>
+          <a:prstDash val="solid"/>
+          <a:miter lim="800000"/>
+        </a:ln>
+        <a:effectLst/>
+      </dsp:spPr>
+      <dsp:style>
+        <a:lnRef idx="2">
+          <a:scrgbClr r="0" g="0" b="0"/>
+        </a:lnRef>
+        <a:fillRef idx="1">
+          <a:scrgbClr r="0" g="0" b="0"/>
+        </a:fillRef>
+        <a:effectRef idx="0">
+          <a:scrgbClr r="0" g="0" b="0"/>
+        </a:effectRef>
+        <a:fontRef idx="minor"/>
+      </dsp:style>
+      <dsp:txBody>
+        <a:bodyPr spcFirstLastPara="0" vert="horz" wrap="square" lIns="99060" tIns="49530" rIns="99060" bIns="49530" numCol="1" spcCol="1270" anchor="ctr" anchorCtr="0">
+          <a:noAutofit/>
+        </a:bodyPr>
+        <a:lstStyle/>
+        <a:p>
+          <a:pPr marL="228600" lvl="1" indent="-228600" algn="l" defTabSz="1155700" rtl="0">
+            <a:lnSpc>
+              <a:spcPct val="90000"/>
+            </a:lnSpc>
+            <a:spcBef>
+              <a:spcPct val="0"/>
+            </a:spcBef>
+            <a:spcAft>
+              <a:spcPct val="15000"/>
+            </a:spcAft>
+            <a:buChar char="••"/>
+          </a:pPr>
+          <a:r>
+            <a:rPr lang="de-DE" sz="2600" kern="1200" dirty="0" smtClean="0"/>
+            <a:t>Datenbanknahe Entwicklung</a:t>
+          </a:r>
+          <a:endParaRPr lang="de-DE" sz="2600" kern="1200" dirty="0"/>
+        </a:p>
+        <a:p>
+          <a:pPr marL="228600" lvl="1" indent="-228600" algn="l" defTabSz="1155700" rtl="0">
+            <a:lnSpc>
+              <a:spcPct val="90000"/>
+            </a:lnSpc>
+            <a:spcBef>
+              <a:spcPct val="0"/>
+            </a:spcBef>
+            <a:spcAft>
+              <a:spcPct val="15000"/>
+            </a:spcAft>
+            <a:buChar char="••"/>
+          </a:pPr>
+          <a:r>
+            <a:rPr lang="de-DE" sz="2600" kern="1200" dirty="0" smtClean="0"/>
+            <a:t>SQL Developer, PL/SQL, APEX</a:t>
+          </a:r>
+          <a:endParaRPr lang="de-DE" sz="2600" kern="1200" dirty="0"/>
+        </a:p>
+      </dsp:txBody>
+      <dsp:txXfrm rot="-5400000">
+        <a:off x="2903363" y="172884"/>
+        <a:ext cx="5113502" cy="887859"/>
+      </dsp:txXfrm>
+    </dsp:sp>
+    <dsp:sp modelId="{399EABDD-359F-4B50-945C-14CB81747395}">
+      <dsp:nvSpPr>
+        <dsp:cNvPr id="0" name=""/>
+        <dsp:cNvSpPr/>
+      </dsp:nvSpPr>
+      <dsp:spPr>
+        <a:xfrm>
+          <a:off x="0" y="1863"/>
+          <a:ext cx="2903362" cy="1229902"/>
+        </a:xfrm>
+        <a:prstGeom prst="roundRect">
+          <a:avLst/>
+        </a:prstGeom>
+        <a:solidFill>
+          <a:schemeClr val="accent1">
+            <a:hueOff val="0"/>
+            <a:satOff val="0"/>
+            <a:lumOff val="0"/>
+            <a:alphaOff val="0"/>
+          </a:schemeClr>
+        </a:solidFill>
+        <a:ln w="12700" cap="flat" cmpd="sng" algn="ctr">
+          <a:solidFill>
+            <a:schemeClr val="lt1">
+              <a:hueOff val="0"/>
+              <a:satOff val="0"/>
+              <a:lumOff val="0"/>
+              <a:alphaOff val="0"/>
+            </a:schemeClr>
+          </a:solidFill>
+          <a:prstDash val="solid"/>
+          <a:miter lim="800000"/>
+        </a:ln>
+        <a:effectLst/>
+      </dsp:spPr>
+      <dsp:style>
+        <a:lnRef idx="2">
+          <a:scrgbClr r="0" g="0" b="0"/>
+        </a:lnRef>
+        <a:fillRef idx="1">
+          <a:scrgbClr r="0" g="0" b="0"/>
+        </a:fillRef>
+        <a:effectRef idx="0">
+          <a:scrgbClr r="0" g="0" b="0"/>
+        </a:effectRef>
+        <a:fontRef idx="minor">
+          <a:schemeClr val="lt1"/>
+        </a:fontRef>
+      </dsp:style>
+      <dsp:txBody>
+        <a:bodyPr spcFirstLastPara="0" vert="horz" wrap="square" lIns="175260" tIns="87630" rIns="175260" bIns="87630" numCol="1" spcCol="1270" anchor="ctr" anchorCtr="0">
+          <a:noAutofit/>
+        </a:bodyPr>
+        <a:lstStyle/>
+        <a:p>
+          <a:pPr lvl="0" algn="ctr" defTabSz="2044700" rtl="0">
+            <a:lnSpc>
+              <a:spcPct val="90000"/>
+            </a:lnSpc>
+            <a:spcBef>
+              <a:spcPct val="0"/>
+            </a:spcBef>
+            <a:spcAft>
+              <a:spcPct val="35000"/>
+            </a:spcAft>
+          </a:pPr>
+          <a:r>
+            <a:rPr lang="de-DE" sz="4600" kern="1200" dirty="0"/>
+            <a:t>Kunde</a:t>
+          </a:r>
+        </a:p>
+      </dsp:txBody>
+      <dsp:txXfrm>
+        <a:off x="60039" y="61902"/>
+        <a:ext cx="2783284" cy="1109824"/>
+      </dsp:txXfrm>
+    </dsp:sp>
+    <dsp:sp modelId="{7D1159AB-859F-4A05-8EAD-FB5D9434DF77}">
+      <dsp:nvSpPr>
+        <dsp:cNvPr id="0" name=""/>
+        <dsp:cNvSpPr/>
+      </dsp:nvSpPr>
+      <dsp:spPr>
+        <a:xfrm rot="5400000">
+          <a:off x="4992168" y="-672554"/>
+          <a:ext cx="983921" cy="5161533"/>
+        </a:xfrm>
+        <a:prstGeom prst="round2SameRect">
+          <a:avLst/>
+        </a:prstGeom>
+        <a:solidFill>
+          <a:schemeClr val="accent1">
+            <a:alpha val="90000"/>
+            <a:tint val="40000"/>
+            <a:hueOff val="0"/>
+            <a:satOff val="0"/>
+            <a:lumOff val="0"/>
+            <a:alphaOff val="0"/>
+          </a:schemeClr>
+        </a:solidFill>
+        <a:ln w="12700" cap="flat" cmpd="sng" algn="ctr">
+          <a:solidFill>
+            <a:schemeClr val="accent1">
+              <a:alpha val="90000"/>
+              <a:tint val="40000"/>
+              <a:hueOff val="0"/>
+              <a:satOff val="0"/>
+              <a:lumOff val="0"/>
+              <a:alphaOff val="0"/>
+            </a:schemeClr>
+          </a:solidFill>
+          <a:prstDash val="solid"/>
+          <a:miter lim="800000"/>
+        </a:ln>
+        <a:effectLst/>
+      </dsp:spPr>
+      <dsp:style>
+        <a:lnRef idx="2">
+          <a:scrgbClr r="0" g="0" b="0"/>
+        </a:lnRef>
+        <a:fillRef idx="1">
+          <a:scrgbClr r="0" g="0" b="0"/>
+        </a:fillRef>
+        <a:effectRef idx="0">
+          <a:scrgbClr r="0" g="0" b="0"/>
+        </a:effectRef>
+        <a:fontRef idx="minor"/>
+      </dsp:style>
+      <dsp:txBody>
+        <a:bodyPr spcFirstLastPara="0" vert="horz" wrap="square" lIns="99060" tIns="49530" rIns="99060" bIns="49530" numCol="1" spcCol="1270" anchor="ctr" anchorCtr="0">
+          <a:noAutofit/>
+        </a:bodyPr>
+        <a:lstStyle/>
+        <a:p>
+          <a:pPr marL="228600" lvl="1" indent="-228600" algn="l" defTabSz="1155700" rtl="0">
+            <a:lnSpc>
+              <a:spcPct val="90000"/>
+            </a:lnSpc>
+            <a:spcBef>
+              <a:spcPct val="0"/>
+            </a:spcBef>
+            <a:spcAft>
+              <a:spcPct val="15000"/>
+            </a:spcAft>
+            <a:buChar char="••"/>
+          </a:pPr>
+          <a:r>
+            <a:rPr lang="de-DE" sz="2600" kern="1200" dirty="0"/>
+            <a:t>Portfoliomanager </a:t>
+          </a:r>
+          <a:r>
+            <a:rPr lang="de-DE" sz="2600" kern="1200" dirty="0" smtClean="0"/>
+            <a:t>Development</a:t>
+          </a:r>
+          <a:endParaRPr lang="de-DE" sz="2600" kern="1200" dirty="0"/>
+        </a:p>
+        <a:p>
+          <a:pPr marL="228600" lvl="1" indent="-228600" algn="l" defTabSz="1155700" rtl="0">
+            <a:lnSpc>
+              <a:spcPct val="90000"/>
+            </a:lnSpc>
+            <a:spcBef>
+              <a:spcPct val="0"/>
+            </a:spcBef>
+            <a:spcAft>
+              <a:spcPct val="15000"/>
+            </a:spcAft>
+            <a:buChar char="••"/>
+          </a:pPr>
+          <a:r>
+            <a:rPr lang="de-DE" sz="2600" kern="1200" dirty="0" smtClean="0"/>
+            <a:t>Blogredakteurin</a:t>
+          </a:r>
+          <a:endParaRPr lang="de-DE" sz="2600" kern="1200" dirty="0"/>
+        </a:p>
+      </dsp:txBody>
+      <dsp:txXfrm rot="-5400000">
+        <a:off x="2903363" y="1464282"/>
+        <a:ext cx="5113502" cy="887859"/>
+      </dsp:txXfrm>
+    </dsp:sp>
+    <dsp:sp modelId="{5B018B6E-1AE6-4CCD-929F-9721756911F7}">
+      <dsp:nvSpPr>
+        <dsp:cNvPr id="0" name=""/>
+        <dsp:cNvSpPr/>
+      </dsp:nvSpPr>
+      <dsp:spPr>
+        <a:xfrm>
+          <a:off x="0" y="1293260"/>
+          <a:ext cx="2903362" cy="1229902"/>
+        </a:xfrm>
+        <a:prstGeom prst="roundRect">
+          <a:avLst/>
+        </a:prstGeom>
+        <a:solidFill>
+          <a:schemeClr val="accent1">
+            <a:hueOff val="0"/>
+            <a:satOff val="0"/>
+            <a:lumOff val="0"/>
+            <a:alphaOff val="0"/>
+          </a:schemeClr>
+        </a:solidFill>
+        <a:ln w="12700" cap="flat" cmpd="sng" algn="ctr">
+          <a:solidFill>
+            <a:schemeClr val="lt1">
+              <a:hueOff val="0"/>
+              <a:satOff val="0"/>
+              <a:lumOff val="0"/>
+              <a:alphaOff val="0"/>
+            </a:schemeClr>
+          </a:solidFill>
+          <a:prstDash val="solid"/>
+          <a:miter lim="800000"/>
+        </a:ln>
+        <a:effectLst/>
+      </dsp:spPr>
+      <dsp:style>
+        <a:lnRef idx="2">
+          <a:scrgbClr r="0" g="0" b="0"/>
+        </a:lnRef>
+        <a:fillRef idx="1">
+          <a:scrgbClr r="0" g="0" b="0"/>
+        </a:fillRef>
+        <a:effectRef idx="0">
+          <a:scrgbClr r="0" g="0" b="0"/>
+        </a:effectRef>
+        <a:fontRef idx="minor">
+          <a:schemeClr val="lt1"/>
+        </a:fontRef>
+      </dsp:style>
+      <dsp:txBody>
+        <a:bodyPr spcFirstLastPara="0" vert="horz" wrap="square" lIns="175260" tIns="87630" rIns="175260" bIns="87630" numCol="1" spcCol="1270" anchor="ctr" anchorCtr="0">
+          <a:noAutofit/>
+        </a:bodyPr>
+        <a:lstStyle/>
+        <a:p>
+          <a:pPr lvl="0" algn="ctr" defTabSz="2044700">
+            <a:lnSpc>
+              <a:spcPct val="90000"/>
+            </a:lnSpc>
+            <a:spcBef>
+              <a:spcPct val="0"/>
+            </a:spcBef>
+            <a:spcAft>
+              <a:spcPct val="35000"/>
+            </a:spcAft>
+          </a:pPr>
+          <a:r>
+            <a:rPr lang="de-DE" sz="4600" kern="1200"/>
+            <a:t>its-people</a:t>
+          </a:r>
+        </a:p>
+      </dsp:txBody>
+      <dsp:txXfrm>
+        <a:off x="60039" y="1353299"/>
+        <a:ext cx="2783284" cy="1109824"/>
+      </dsp:txXfrm>
+    </dsp:sp>
+    <dsp:sp modelId="{655297B6-E2F2-49AD-A06C-4E1E636E894C}">
+      <dsp:nvSpPr>
+        <dsp:cNvPr id="0" name=""/>
+        <dsp:cNvSpPr/>
+      </dsp:nvSpPr>
+      <dsp:spPr>
+        <a:xfrm rot="5400000">
+          <a:off x="4983893" y="601456"/>
+          <a:ext cx="983921" cy="5161533"/>
+        </a:xfrm>
+        <a:prstGeom prst="round2SameRect">
+          <a:avLst/>
+        </a:prstGeom>
+        <a:solidFill>
+          <a:schemeClr val="accent1">
+            <a:alpha val="90000"/>
+            <a:tint val="40000"/>
+            <a:hueOff val="0"/>
+            <a:satOff val="0"/>
+            <a:lumOff val="0"/>
+            <a:alphaOff val="0"/>
+          </a:schemeClr>
+        </a:solidFill>
+        <a:ln w="12700" cap="flat" cmpd="sng" algn="ctr">
+          <a:solidFill>
+            <a:schemeClr val="accent1">
+              <a:alpha val="90000"/>
+              <a:tint val="40000"/>
+              <a:hueOff val="0"/>
+              <a:satOff val="0"/>
+              <a:lumOff val="0"/>
+              <a:alphaOff val="0"/>
+            </a:schemeClr>
+          </a:solidFill>
+          <a:prstDash val="solid"/>
+          <a:miter lim="800000"/>
+        </a:ln>
+        <a:effectLst/>
+      </dsp:spPr>
+      <dsp:style>
+        <a:lnRef idx="2">
+          <a:scrgbClr r="0" g="0" b="0"/>
+        </a:lnRef>
+        <a:fillRef idx="1">
+          <a:scrgbClr r="0" g="0" b="0"/>
+        </a:fillRef>
+        <a:effectRef idx="0">
+          <a:scrgbClr r="0" g="0" b="0"/>
+        </a:effectRef>
+        <a:fontRef idx="minor"/>
+      </dsp:style>
+      <dsp:txBody>
+        <a:bodyPr spcFirstLastPara="0" vert="horz" wrap="square" lIns="99060" tIns="49530" rIns="99060" bIns="49530" numCol="1" spcCol="1270" anchor="ctr" anchorCtr="0">
+          <a:noAutofit/>
+        </a:bodyPr>
+        <a:lstStyle/>
+        <a:p>
+          <a:pPr marL="228600" lvl="1" indent="-228600" algn="l" defTabSz="1155700" rtl="0">
+            <a:lnSpc>
+              <a:spcPct val="90000"/>
+            </a:lnSpc>
+            <a:spcBef>
+              <a:spcPct val="0"/>
+            </a:spcBef>
+            <a:spcAft>
+              <a:spcPct val="15000"/>
+            </a:spcAft>
+            <a:buChar char="••"/>
+          </a:pPr>
+          <a:r>
+            <a:rPr lang="de-DE" sz="2600" kern="1200" dirty="0" smtClean="0"/>
+            <a:t>Mitglied der Development </a:t>
+          </a:r>
+          <a:r>
+            <a:rPr lang="de-DE" sz="2600" kern="1200" dirty="0" smtClean="0"/>
+            <a:t>Community</a:t>
+          </a:r>
+          <a:endParaRPr lang="de-DE" sz="2600" kern="1200" dirty="0"/>
+        </a:p>
+      </dsp:txBody>
+      <dsp:txXfrm rot="-5400000">
+        <a:off x="2895088" y="2738293"/>
+        <a:ext cx="5113502" cy="887859"/>
+      </dsp:txXfrm>
+    </dsp:sp>
+    <dsp:sp modelId="{5D150346-6EC4-455B-A38D-7BBC9111A374}">
+      <dsp:nvSpPr>
+        <dsp:cNvPr id="0" name=""/>
+        <dsp:cNvSpPr/>
+      </dsp:nvSpPr>
+      <dsp:spPr>
+        <a:xfrm>
+          <a:off x="0" y="2584658"/>
+          <a:ext cx="2903362" cy="1229902"/>
+        </a:xfrm>
+        <a:prstGeom prst="roundRect">
+          <a:avLst/>
+        </a:prstGeom>
+        <a:solidFill>
+          <a:schemeClr val="accent1">
+            <a:hueOff val="0"/>
+            <a:satOff val="0"/>
+            <a:lumOff val="0"/>
+            <a:alphaOff val="0"/>
+          </a:schemeClr>
+        </a:solidFill>
+        <a:ln w="12700" cap="flat" cmpd="sng" algn="ctr">
+          <a:solidFill>
+            <a:schemeClr val="lt1">
+              <a:hueOff val="0"/>
+              <a:satOff val="0"/>
+              <a:lumOff val="0"/>
+              <a:alphaOff val="0"/>
+            </a:schemeClr>
+          </a:solidFill>
+          <a:prstDash val="solid"/>
+          <a:miter lim="800000"/>
+        </a:ln>
+        <a:effectLst/>
+      </dsp:spPr>
+      <dsp:style>
+        <a:lnRef idx="2">
+          <a:scrgbClr r="0" g="0" b="0"/>
+        </a:lnRef>
+        <a:fillRef idx="1">
+          <a:scrgbClr r="0" g="0" b="0"/>
+        </a:fillRef>
+        <a:effectRef idx="0">
+          <a:scrgbClr r="0" g="0" b="0"/>
+        </a:effectRef>
+        <a:fontRef idx="minor">
+          <a:schemeClr val="lt1"/>
+        </a:fontRef>
+      </dsp:style>
+      <dsp:txBody>
+        <a:bodyPr spcFirstLastPara="0" vert="horz" wrap="square" lIns="175260" tIns="87630" rIns="175260" bIns="87630" numCol="1" spcCol="1270" anchor="ctr" anchorCtr="0">
+          <a:noAutofit/>
+        </a:bodyPr>
+        <a:lstStyle/>
+        <a:p>
+          <a:pPr lvl="0" algn="ctr" defTabSz="2044700" rtl="0">
+            <a:lnSpc>
+              <a:spcPct val="90000"/>
+            </a:lnSpc>
+            <a:spcBef>
+              <a:spcPct val="0"/>
+            </a:spcBef>
+            <a:spcAft>
+              <a:spcPct val="35000"/>
+            </a:spcAft>
+          </a:pPr>
+          <a:r>
+            <a:rPr lang="de-DE" sz="4600" kern="1200" dirty="0"/>
+            <a:t>DOAG</a:t>
+          </a:r>
+        </a:p>
+      </dsp:txBody>
+      <dsp:txXfrm>
+        <a:off x="60039" y="2644697"/>
+        <a:ext cx="2783284" cy="1109824"/>
+      </dsp:txXfrm>
+    </dsp:sp>
+  </dsp:spTree>
+</dsp:drawing>
+</file>
+
+<file path=ppt/diagrams/drawing4.xml><?xml version="1.0" encoding="utf-8"?>
+<dsp:drawing xmlns:dgm="http://schemas.openxmlformats.org/drawingml/2006/diagram" xmlns:dsp="http://schemas.microsoft.com/office/drawing/2008/diagram" xmlns:a="http://schemas.openxmlformats.org/drawingml/2006/main">
+  <dsp:spTree>
+    <dsp:nvGrpSpPr>
+      <dsp:cNvPr id="0" name=""/>
+      <dsp:cNvGrpSpPr/>
+    </dsp:nvGrpSpPr>
+    <dsp:grpSpPr/>
+    <dsp:sp modelId="{5806C7C0-FCA0-477E-B56D-7444B67D22CB}">
+      <dsp:nvSpPr>
+        <dsp:cNvPr id="0" name=""/>
+        <dsp:cNvSpPr/>
+      </dsp:nvSpPr>
+      <dsp:spPr>
+        <a:xfrm>
+          <a:off x="0" y="456673"/>
+          <a:ext cx="1150790" cy="1150790"/>
+        </a:xfrm>
+        <a:prstGeom prst="ellipse">
+          <a:avLst/>
+        </a:prstGeom>
+        <a:blipFill dpi="0" rotWithShape="1">
+          <a:blip xmlns:r="http://schemas.openxmlformats.org/officeDocument/2006/relationships" r:embed="rId1">
+            <a:extLst>
+              <a:ext uri="{28A0092B-C50C-407E-A947-70E740481C1C}">
+                <a14:useLocalDpi xmlns:a14="http://schemas.microsoft.com/office/drawing/2010/main" val="0"/>
+              </a:ext>
+            </a:extLst>
+          </a:blip>
+          <a:srcRect/>
+          <a:stretch>
+            <a:fillRect l="914" t="20564" r="914" b="20564"/>
+          </a:stretch>
+        </a:blipFill>
+        <a:ln w="12700" cap="flat" cmpd="sng" algn="ctr">
+          <a:solidFill>
+            <a:schemeClr val="lt1">
+              <a:hueOff val="0"/>
+              <a:satOff val="0"/>
+              <a:lumOff val="0"/>
+              <a:alphaOff val="0"/>
+            </a:schemeClr>
+          </a:solidFill>
+          <a:prstDash val="solid"/>
+          <a:miter lim="800000"/>
+        </a:ln>
+        <a:effectLst/>
+      </dsp:spPr>
+      <dsp:style>
+        <a:lnRef idx="2">
+          <a:scrgbClr r="0" g="0" b="0"/>
+        </a:lnRef>
+        <a:fillRef idx="1">
+          <a:scrgbClr r="0" g="0" b="0"/>
+        </a:fillRef>
+        <a:effectRef idx="0">
+          <a:scrgbClr r="0" g="0" b="0"/>
+        </a:effectRef>
+        <a:fontRef idx="minor">
+          <a:schemeClr val="lt1"/>
+        </a:fontRef>
+      </dsp:style>
+    </dsp:sp>
+    <dsp:sp modelId="{CA9E9B4E-52E5-47F9-94AC-66CAA402F9F8}">
+      <dsp:nvSpPr>
+        <dsp:cNvPr id="0" name=""/>
+        <dsp:cNvSpPr/>
+      </dsp:nvSpPr>
+      <dsp:spPr>
+        <a:xfrm>
+          <a:off x="1150790" y="453796"/>
+          <a:ext cx="1726185" cy="1150790"/>
+        </a:xfrm>
+        <a:prstGeom prst="rect">
+          <a:avLst/>
+        </a:prstGeom>
+        <a:noFill/>
+        <a:ln>
+          <a:noFill/>
+        </a:ln>
+        <a:effectLst/>
+      </dsp:spPr>
+      <dsp:style>
+        <a:lnRef idx="0">
+          <a:scrgbClr r="0" g="0" b="0"/>
+        </a:lnRef>
+        <a:fillRef idx="0">
+          <a:scrgbClr r="0" g="0" b="0"/>
+        </a:fillRef>
+        <a:effectRef idx="0">
+          <a:scrgbClr r="0" g="0" b="0"/>
+        </a:effectRef>
+        <a:fontRef idx="minor"/>
+      </dsp:style>
+      <dsp:txBody>
+        <a:bodyPr spcFirstLastPara="0" vert="horz" wrap="square" lIns="68580" tIns="68580" rIns="68580" bIns="68580" numCol="1" spcCol="1270" anchor="ctr" anchorCtr="0">
+          <a:noAutofit/>
+        </a:bodyPr>
+        <a:lstStyle/>
+        <a:p>
+          <a:pPr lvl="0" algn="l" defTabSz="800100">
+            <a:lnSpc>
+              <a:spcPct val="90000"/>
+            </a:lnSpc>
+            <a:spcBef>
+              <a:spcPct val="0"/>
+            </a:spcBef>
+            <a:spcAft>
+              <a:spcPct val="35000"/>
+            </a:spcAft>
+          </a:pPr>
+          <a:r>
+            <a:rPr lang="de-DE" sz="1800" kern="1200" dirty="0" smtClean="0"/>
+            <a:t>@</a:t>
+          </a:r>
+          <a:r>
+            <a:rPr lang="de-DE" sz="1800" kern="1200" dirty="0" err="1" smtClean="0"/>
+            <a:t>oraesque</a:t>
+          </a:r>
+          <a:endParaRPr lang="de-DE" sz="1800" kern="1200" dirty="0"/>
+        </a:p>
+      </dsp:txBody>
+      <dsp:txXfrm>
+        <a:off x="1150790" y="453796"/>
+        <a:ext cx="1726185" cy="1150790"/>
+      </dsp:txXfrm>
+    </dsp:sp>
+    <dsp:sp modelId="{94E7FD82-9311-4F29-8E71-FE0B28E22F1E}">
+      <dsp:nvSpPr>
+        <dsp:cNvPr id="0" name=""/>
+        <dsp:cNvSpPr/>
+      </dsp:nvSpPr>
+      <dsp:spPr>
+        <a:xfrm>
+          <a:off x="3164672" y="456673"/>
+          <a:ext cx="1150790" cy="1150790"/>
+        </a:xfrm>
+        <a:prstGeom prst="ellipse">
+          <a:avLst/>
+        </a:prstGeom>
+        <a:blipFill dpi="0" rotWithShape="1">
+          <a:blip xmlns:r="http://schemas.openxmlformats.org/officeDocument/2006/relationships" r:embed="rId2">
+            <a:extLst>
+              <a:ext uri="{28A0092B-C50C-407E-A947-70E740481C1C}">
+                <a14:useLocalDpi xmlns:a14="http://schemas.microsoft.com/office/drawing/2010/main" val="0"/>
+              </a:ext>
+            </a:extLst>
+          </a:blip>
+          <a:srcRect/>
+          <a:stretch>
+            <a:fillRect l="-3155" t="14564" r="-3155" b="14564"/>
+          </a:stretch>
+        </a:blipFill>
+        <a:ln w="12700" cap="flat" cmpd="sng" algn="ctr">
+          <a:solidFill>
+            <a:schemeClr val="lt1">
+              <a:hueOff val="0"/>
+              <a:satOff val="0"/>
+              <a:lumOff val="0"/>
+              <a:alphaOff val="0"/>
+            </a:schemeClr>
+          </a:solidFill>
+          <a:prstDash val="solid"/>
+          <a:miter lim="800000"/>
+        </a:ln>
+        <a:effectLst/>
+      </dsp:spPr>
+      <dsp:style>
+        <a:lnRef idx="2">
+          <a:scrgbClr r="0" g="0" b="0"/>
+        </a:lnRef>
+        <a:fillRef idx="1">
+          <a:scrgbClr r="0" g="0" b="0"/>
+        </a:fillRef>
+        <a:effectRef idx="0">
+          <a:scrgbClr r="0" g="0" b="0"/>
+        </a:effectRef>
+        <a:fontRef idx="minor">
+          <a:schemeClr val="lt1"/>
+        </a:fontRef>
+      </dsp:style>
+    </dsp:sp>
+    <dsp:sp modelId="{1DA57DB4-403B-44F5-BF39-2900B1ECFD47}">
+      <dsp:nvSpPr>
+        <dsp:cNvPr id="0" name=""/>
+        <dsp:cNvSpPr/>
+      </dsp:nvSpPr>
+      <dsp:spPr>
+        <a:xfrm>
+          <a:off x="4315462" y="453796"/>
+          <a:ext cx="1726185" cy="1150790"/>
+        </a:xfrm>
+        <a:prstGeom prst="rect">
+          <a:avLst/>
+        </a:prstGeom>
+        <a:noFill/>
+        <a:ln>
+          <a:noFill/>
+        </a:ln>
+        <a:effectLst/>
+      </dsp:spPr>
+      <dsp:style>
+        <a:lnRef idx="0">
+          <a:scrgbClr r="0" g="0" b="0"/>
+        </a:lnRef>
+        <a:fillRef idx="0">
+          <a:scrgbClr r="0" g="0" b="0"/>
+        </a:fillRef>
+        <a:effectRef idx="0">
+          <a:scrgbClr r="0" g="0" b="0"/>
+        </a:effectRef>
+        <a:fontRef idx="minor"/>
+      </dsp:style>
+      <dsp:txBody>
+        <a:bodyPr spcFirstLastPara="0" vert="horz" wrap="square" lIns="68580" tIns="68580" rIns="68580" bIns="68580" numCol="1" spcCol="1270" anchor="ctr" anchorCtr="0">
+          <a:noAutofit/>
+        </a:bodyPr>
+        <a:lstStyle/>
+        <a:p>
+          <a:pPr lvl="0" algn="l" defTabSz="800100">
+            <a:lnSpc>
+              <a:spcPct val="90000"/>
+            </a:lnSpc>
+            <a:spcBef>
+              <a:spcPct val="0"/>
+            </a:spcBef>
+            <a:spcAft>
+              <a:spcPct val="35000"/>
+            </a:spcAft>
+          </a:pPr>
+          <a:r>
+            <a:rPr lang="de-DE" sz="1800" kern="1200" dirty="0"/>
+            <a:t>www.its-people.de/blog	</a:t>
+          </a:r>
+        </a:p>
+      </dsp:txBody>
+      <dsp:txXfrm>
+        <a:off x="4315462" y="453796"/>
+        <a:ext cx="1726185" cy="1150790"/>
+      </dsp:txXfrm>
+    </dsp:sp>
+    <dsp:sp modelId="{CBF2CE8D-CFB6-43A9-BCEC-5DE04AF7231C}">
+      <dsp:nvSpPr>
+        <dsp:cNvPr id="0" name=""/>
+        <dsp:cNvSpPr/>
+      </dsp:nvSpPr>
+      <dsp:spPr>
+        <a:xfrm>
+          <a:off x="6329345" y="456673"/>
+          <a:ext cx="1150790" cy="1150790"/>
+        </a:xfrm>
+        <a:prstGeom prst="ellipse">
+          <a:avLst/>
+        </a:prstGeom>
+        <a:blipFill dpi="0" rotWithShape="1">
+          <a:blip xmlns:r="http://schemas.openxmlformats.org/officeDocument/2006/relationships" r:embed="rId3">
+            <a:extLst>
+              <a:ext uri="{28A0092B-C50C-407E-A947-70E740481C1C}">
+                <a14:useLocalDpi xmlns:a14="http://schemas.microsoft.com/office/drawing/2010/main" val="0"/>
+              </a:ext>
+            </a:extLst>
+          </a:blip>
+          <a:srcRect/>
+          <a:stretch>
+            <a:fillRect l="-3155" t="16926" r="-3155" b="16926"/>
+          </a:stretch>
+        </a:blipFill>
+        <a:ln w="12700" cap="flat" cmpd="sng" algn="ctr">
+          <a:solidFill>
+            <a:schemeClr val="lt1">
+              <a:hueOff val="0"/>
+              <a:satOff val="0"/>
+              <a:lumOff val="0"/>
+              <a:alphaOff val="0"/>
+            </a:schemeClr>
+          </a:solidFill>
+          <a:prstDash val="solid"/>
+          <a:miter lim="800000"/>
+        </a:ln>
+        <a:effectLst/>
+      </dsp:spPr>
+      <dsp:style>
+        <a:lnRef idx="2">
+          <a:scrgbClr r="0" g="0" b="0"/>
+        </a:lnRef>
+        <a:fillRef idx="1">
+          <a:scrgbClr r="0" g="0" b="0"/>
+        </a:fillRef>
+        <a:effectRef idx="0">
+          <a:scrgbClr r="0" g="0" b="0"/>
+        </a:effectRef>
+        <a:fontRef idx="minor">
+          <a:schemeClr val="lt1"/>
+        </a:fontRef>
+      </dsp:style>
+    </dsp:sp>
+    <dsp:sp modelId="{5D711149-18B6-4F73-AF48-E0E619A37466}">
+      <dsp:nvSpPr>
+        <dsp:cNvPr id="0" name=""/>
+        <dsp:cNvSpPr/>
+      </dsp:nvSpPr>
+      <dsp:spPr>
+        <a:xfrm>
+          <a:off x="7480135" y="453796"/>
+          <a:ext cx="1726185" cy="1150790"/>
+        </a:xfrm>
+        <a:prstGeom prst="rect">
+          <a:avLst/>
+        </a:prstGeom>
+        <a:noFill/>
+        <a:ln>
+          <a:noFill/>
+        </a:ln>
+        <a:effectLst/>
+      </dsp:spPr>
+      <dsp:style>
+        <a:lnRef idx="0">
+          <a:scrgbClr r="0" g="0" b="0"/>
+        </a:lnRef>
+        <a:fillRef idx="0">
+          <a:scrgbClr r="0" g="0" b="0"/>
+        </a:fillRef>
+        <a:effectRef idx="0">
+          <a:scrgbClr r="0" g="0" b="0"/>
+        </a:effectRef>
+        <a:fontRef idx="minor"/>
+      </dsp:style>
+      <dsp:txBody>
+        <a:bodyPr spcFirstLastPara="0" vert="horz" wrap="square" lIns="68580" tIns="68580" rIns="68580" bIns="68580" numCol="1" spcCol="1270" anchor="ctr" anchorCtr="0">
+          <a:noAutofit/>
+        </a:bodyPr>
+        <a:lstStyle/>
+        <a:p>
+          <a:pPr lvl="0" algn="l" defTabSz="800100">
+            <a:lnSpc>
+              <a:spcPct val="90000"/>
+            </a:lnSpc>
+            <a:spcBef>
+              <a:spcPct val="0"/>
+            </a:spcBef>
+            <a:spcAft>
+              <a:spcPct val="35000"/>
+            </a:spcAft>
+          </a:pPr>
+          <a:r>
+            <a:rPr lang="de-DE" sz="1800" kern="1200" dirty="0" err="1" smtClean="0"/>
+            <a:t>Sabine.Heimsath</a:t>
+          </a:r>
+          <a:r>
+            <a:rPr lang="de-DE" sz="1800" kern="1200" dirty="0"/>
+            <a:t/>
+          </a:r>
+          <a:br>
+            <a:rPr lang="de-DE" sz="1800" kern="1200" dirty="0"/>
+          </a:br>
+          <a:r>
+            <a:rPr lang="de-DE" sz="1800" kern="1200" dirty="0"/>
+            <a:t>@its-people.de</a:t>
+          </a:r>
+        </a:p>
+      </dsp:txBody>
+      <dsp:txXfrm>
+        <a:off x="7480135" y="453796"/>
+        <a:ext cx="1726185" cy="1150790"/>
+      </dsp:txXfrm>
+    </dsp:sp>
+  </dsp:spTree>
+</dsp:drawing>
+</file>
+
+<file path=ppt/diagrams/drawing5.xml><?xml version="1.0" encoding="utf-8"?>
 <dsp:drawing xmlns:dgm="http://schemas.openxmlformats.org/drawingml/2006/diagram" xmlns:dsp="http://schemas.microsoft.com/office/drawing/2008/diagram" xmlns:a="http://schemas.openxmlformats.org/drawingml/2006/main">
   <dsp:spTree>
     <dsp:nvGrpSpPr>
@@ -11080,7 +14843,7 @@
         </a:bodyPr>
         <a:lstStyle/>
         <a:p>
-          <a:pPr marL="0" lvl="0" indent="0" algn="ctr" defTabSz="1511300">
+          <a:pPr lvl="0" algn="ctr" defTabSz="1511300">
             <a:lnSpc>
               <a:spcPct val="90000"/>
             </a:lnSpc>
@@ -11090,13 +14853,11 @@
             <a:spcAft>
               <a:spcPct val="35000"/>
             </a:spcAft>
-            <a:buNone/>
           </a:pPr>
           <a:r>
             <a:rPr lang="de-DE" sz="3400" kern="1200"/>
             <a:t>SQL*Plus</a:t>
           </a:r>
-          <a:endParaRPr lang="de-DE" sz="3400" kern="1200"/>
         </a:p>
       </dsp:txBody>
       <dsp:txXfrm>
@@ -11159,7 +14920,7 @@
         </a:bodyPr>
         <a:lstStyle/>
         <a:p>
-          <a:pPr marL="0" lvl="0" indent="0" algn="ctr" defTabSz="1511300">
+          <a:pPr lvl="0" algn="ctr" defTabSz="1511300">
             <a:lnSpc>
               <a:spcPct val="90000"/>
             </a:lnSpc>
@@ -11169,7 +14930,6 @@
             <a:spcAft>
               <a:spcPct val="35000"/>
             </a:spcAft>
-            <a:buNone/>
           </a:pPr>
           <a:r>
             <a:rPr lang="de-DE" sz="3400" kern="1200" dirty="0"/>
@@ -11244,7 +15004,7 @@
         </a:bodyPr>
         <a:lstStyle/>
         <a:p>
-          <a:pPr marL="0" lvl="0" indent="0" algn="ctr" defTabSz="1511300">
+          <a:pPr lvl="0" algn="ctr" defTabSz="1511300">
             <a:lnSpc>
               <a:spcPct val="90000"/>
             </a:lnSpc>
@@ -11254,13 +15014,11 @@
             <a:spcAft>
               <a:spcPct val="35000"/>
             </a:spcAft>
-            <a:buNone/>
           </a:pPr>
           <a:r>
             <a:rPr lang="de-DE" sz="3400" kern="1200"/>
             <a:t>Möglichkeiten</a:t>
           </a:r>
-          <a:endParaRPr lang="de-DE" sz="3400" kern="1200"/>
         </a:p>
       </dsp:txBody>
       <dsp:txXfrm>
@@ -11323,7 +15081,7 @@
         </a:bodyPr>
         <a:lstStyle/>
         <a:p>
-          <a:pPr marL="0" lvl="0" indent="0" algn="ctr" defTabSz="1511300">
+          <a:pPr lvl="0" algn="ctr" defTabSz="1511300">
             <a:lnSpc>
               <a:spcPct val="90000"/>
             </a:lnSpc>
@@ -11333,13 +15091,11 @@
             <a:spcAft>
               <a:spcPct val="35000"/>
             </a:spcAft>
-            <a:buNone/>
           </a:pPr>
           <a:r>
             <a:rPr lang="de-DE" sz="3400" kern="1200"/>
             <a:t>Paralelle Sessions</a:t>
           </a:r>
-          <a:endParaRPr lang="de-DE" sz="3400" kern="1200"/>
         </a:p>
       </dsp:txBody>
       <dsp:txXfrm>
@@ -11402,7 +15158,7 @@
         </a:bodyPr>
         <a:lstStyle/>
         <a:p>
-          <a:pPr marL="0" lvl="0" indent="0" algn="ctr" defTabSz="1511300">
+          <a:pPr lvl="0" algn="ctr" defTabSz="1511300">
             <a:lnSpc>
               <a:spcPct val="90000"/>
             </a:lnSpc>
@@ -11412,13 +15168,11 @@
             <a:spcAft>
               <a:spcPct val="35000"/>
             </a:spcAft>
-            <a:buNone/>
           </a:pPr>
           <a:r>
             <a:rPr lang="de-DE" sz="3400" kern="1200"/>
             <a:t>Flußsteuerung</a:t>
           </a:r>
-          <a:endParaRPr lang="de-DE" sz="3400" kern="1200"/>
         </a:p>
       </dsp:txBody>
       <dsp:txXfrm>
@@ -11430,7 +15184,7 @@
 </dsp:drawing>
 </file>
 
-<file path=ppt/diagrams/drawing4.xml><?xml version="1.0" encoding="utf-8"?>
+<file path=ppt/diagrams/drawing6.xml><?xml version="1.0" encoding="utf-8"?>
 <dsp:drawing xmlns:dgm="http://schemas.openxmlformats.org/drawingml/2006/diagram" xmlns:dsp="http://schemas.microsoft.com/office/drawing/2008/diagram" xmlns:a="http://schemas.openxmlformats.org/drawingml/2006/main">
   <dsp:spTree>
     <dsp:nvGrpSpPr>
@@ -11493,7 +15247,7 @@
         </a:bodyPr>
         <a:lstStyle/>
         <a:p>
-          <a:pPr marL="0" lvl="0" indent="0" algn="l" defTabSz="977900">
+          <a:pPr lvl="0" algn="l" defTabSz="977900">
             <a:lnSpc>
               <a:spcPct val="90000"/>
             </a:lnSpc>
@@ -11503,7 +15257,6 @@
             <a:spcAft>
               <a:spcPct val="35000"/>
             </a:spcAft>
-            <a:buNone/>
           </a:pPr>
           <a:r>
             <a:rPr lang="de-DE" sz="2200" kern="1200" dirty="0"/>
@@ -11563,13 +15316,12 @@
             <a:spcAft>
               <a:spcPct val="20000"/>
             </a:spcAft>
-            <a:buChar char="•"/>
+            <a:buChar char="••"/>
           </a:pPr>
           <a:r>
             <a:rPr lang="de-DE" sz="1700" kern="1200"/>
             <a:t>args</a:t>
           </a:r>
-          <a:endParaRPr lang="de-DE" sz="1700" kern="1200"/>
         </a:p>
       </dsp:txBody>
       <dsp:txXfrm>
@@ -11632,7 +15384,7 @@
         </a:bodyPr>
         <a:lstStyle/>
         <a:p>
-          <a:pPr marL="0" lvl="0" indent="0" algn="l" defTabSz="977900">
+          <a:pPr lvl="0" algn="l" defTabSz="977900">
             <a:lnSpc>
               <a:spcPct val="90000"/>
             </a:lnSpc>
@@ -11642,13 +15394,11 @@
             <a:spcAft>
               <a:spcPct val="35000"/>
             </a:spcAft>
-            <a:buNone/>
           </a:pPr>
           <a:r>
             <a:rPr lang="de-DE" sz="2200" kern="1200"/>
             <a:t>sqlcl</a:t>
           </a:r>
-          <a:endParaRPr lang="de-DE" sz="2200" kern="1200"/>
         </a:p>
       </dsp:txBody>
       <dsp:txXfrm>
@@ -11703,13 +15453,12 @@
             <a:spcAft>
               <a:spcPct val="20000"/>
             </a:spcAft>
-            <a:buChar char="•"/>
+            <a:buChar char="••"/>
           </a:pPr>
           <a:r>
             <a:rPr lang="de-DE" sz="1700" kern="1200"/>
             <a:t>sqlcl.setStmt(&lt;string&gt;)</a:t>
           </a:r>
-          <a:endParaRPr lang="de-DE" sz="1700" kern="1200"/>
         </a:p>
         <a:p>
           <a:pPr marL="171450" lvl="1" indent="-171450" algn="l" defTabSz="755650">
@@ -11722,13 +15471,12 @@
             <a:spcAft>
               <a:spcPct val="20000"/>
             </a:spcAft>
-            <a:buChar char="•"/>
+            <a:buChar char="••"/>
           </a:pPr>
           <a:r>
             <a:rPr lang="de-DE" sz="1700" kern="1200"/>
             <a:t>sqlcl.run()</a:t>
           </a:r>
-          <a:endParaRPr lang="de-DE" sz="1700" kern="1200"/>
         </a:p>
       </dsp:txBody>
       <dsp:txXfrm>
@@ -11791,7 +15539,7 @@
         </a:bodyPr>
         <a:lstStyle/>
         <a:p>
-          <a:pPr marL="0" lvl="0" indent="0" algn="l" defTabSz="977900">
+          <a:pPr lvl="0" algn="l" defTabSz="977900">
             <a:lnSpc>
               <a:spcPct val="90000"/>
             </a:lnSpc>
@@ -11801,13 +15549,11 @@
             <a:spcAft>
               <a:spcPct val="35000"/>
             </a:spcAft>
-            <a:buNone/>
           </a:pPr>
           <a:r>
             <a:rPr lang="de-DE" sz="2200" kern="1200"/>
             <a:t>ctx</a:t>
           </a:r>
-          <a:endParaRPr lang="de-DE" sz="2200" kern="1200"/>
         </a:p>
       </dsp:txBody>
       <dsp:txXfrm>
@@ -11862,13 +15608,12 @@
             <a:spcAft>
               <a:spcPct val="20000"/>
             </a:spcAft>
-            <a:buChar char="•"/>
+            <a:buChar char="••"/>
           </a:pPr>
           <a:r>
             <a:rPr lang="de-DE" sz="1700" kern="1200"/>
             <a:t>ctx.write(&lt;string&gt;)</a:t>
           </a:r>
-          <a:endParaRPr lang="de-DE" sz="1700" kern="1200"/>
         </a:p>
       </dsp:txBody>
       <dsp:txXfrm>
@@ -11931,7 +15676,7 @@
         </a:bodyPr>
         <a:lstStyle/>
         <a:p>
-          <a:pPr marL="0" lvl="0" indent="0" algn="l" defTabSz="977900">
+          <a:pPr lvl="0" algn="l" defTabSz="977900">
             <a:lnSpc>
               <a:spcPct val="90000"/>
             </a:lnSpc>
@@ -11941,13 +15686,11 @@
             <a:spcAft>
               <a:spcPct val="35000"/>
             </a:spcAft>
-            <a:buNone/>
           </a:pPr>
           <a:r>
             <a:rPr lang="de-DE" sz="2200" kern="1200"/>
             <a:t>Util</a:t>
           </a:r>
-          <a:endParaRPr lang="de-DE" sz="2200" kern="1200"/>
         </a:p>
       </dsp:txBody>
       <dsp:txXfrm>
@@ -12002,13 +15745,12 @@
             <a:spcAft>
               <a:spcPct val="20000"/>
             </a:spcAft>
-            <a:buChar char="•"/>
+            <a:buChar char="••"/>
           </a:pPr>
           <a:r>
             <a:rPr lang="de-DE" sz="1700" kern="1200"/>
             <a:t>execute(&lt;string&gt;,binds)</a:t>
           </a:r>
-          <a:endParaRPr lang="de-DE" sz="1700" kern="1200"/>
         </a:p>
         <a:p>
           <a:pPr marL="342900" lvl="2" indent="-171450" algn="l" defTabSz="755650">
@@ -12021,13 +15763,12 @@
             <a:spcAft>
               <a:spcPct val="20000"/>
             </a:spcAft>
-            <a:buChar char="•"/>
+            <a:buChar char="••"/>
           </a:pPr>
           <a:r>
             <a:rPr lang="de-DE" sz="1700" kern="1200"/>
             <a:t>executeReturnOneCol(&lt;string&gt;,binds)</a:t>
           </a:r>
-          <a:endParaRPr lang="de-DE" sz="1700" kern="1200"/>
         </a:p>
         <a:p>
           <a:pPr marL="342900" lvl="2" indent="-171450" algn="l" defTabSz="755650">
@@ -12040,13 +15781,12 @@
             <a:spcAft>
               <a:spcPct val="20000"/>
             </a:spcAft>
-            <a:buChar char="•"/>
+            <a:buChar char="••"/>
           </a:pPr>
           <a:r>
             <a:rPr lang="de-DE" sz="1700" kern="1200"/>
             <a:t>executeReturnListofLists(&lt;string&gt;,binds)</a:t>
           </a:r>
-          <a:endParaRPr lang="de-DE" sz="1700" kern="1200"/>
         </a:p>
         <a:p>
           <a:pPr marL="342900" lvl="2" indent="-171450" algn="l" defTabSz="755650">
@@ -12059,198 +15799,17 @@
             <a:spcAft>
               <a:spcPct val="20000"/>
             </a:spcAft>
-            <a:buChar char="•"/>
+            <a:buChar char="••"/>
           </a:pPr>
           <a:r>
             <a:rPr lang="de-DE" sz="1700" kern="1200"/>
             <a:t>executeReturnList(&lt;string&gt;,binds)</a:t>
           </a:r>
-          <a:endParaRPr lang="de-DE" sz="1700" kern="1200"/>
         </a:p>
       </dsp:txBody>
       <dsp:txXfrm>
         <a:off x="0" y="3433462"/>
         <a:ext cx="10515600" cy="1184040"/>
-      </dsp:txXfrm>
-    </dsp:sp>
-  </dsp:spTree>
-</dsp:drawing>
-</file>
-
-<file path=ppt/diagrams/drawing5.xml><?xml version="1.0" encoding="utf-8"?>
-<dsp:drawing xmlns:dgm="http://schemas.openxmlformats.org/drawingml/2006/diagram" xmlns:dsp="http://schemas.microsoft.com/office/drawing/2008/diagram" xmlns:a="http://schemas.openxmlformats.org/drawingml/2006/main">
-  <dsp:spTree>
-    <dsp:nvGrpSpPr>
-      <dsp:cNvPr id="0" name=""/>
-      <dsp:cNvGrpSpPr/>
-    </dsp:nvGrpSpPr>
-    <dsp:grpSpPr/>
-    <dsp:sp modelId="{6EC9B571-2AAD-4AC1-B5C9-64DF398C0AEA}">
-      <dsp:nvSpPr>
-        <dsp:cNvPr id="0" name=""/>
-        <dsp:cNvSpPr/>
-      </dsp:nvSpPr>
-      <dsp:spPr>
-        <a:xfrm>
-          <a:off x="0" y="1530299"/>
-          <a:ext cx="10515600" cy="1559025"/>
-        </a:xfrm>
-        <a:prstGeom prst="roundRect">
-          <a:avLst/>
-        </a:prstGeom>
-        <a:solidFill>
-          <a:schemeClr val="accent1">
-            <a:hueOff val="0"/>
-            <a:satOff val="0"/>
-            <a:lumOff val="0"/>
-            <a:alphaOff val="0"/>
-          </a:schemeClr>
-        </a:solidFill>
-        <a:ln w="12700" cap="flat" cmpd="sng" algn="ctr">
-          <a:solidFill>
-            <a:schemeClr val="lt1">
-              <a:hueOff val="0"/>
-              <a:satOff val="0"/>
-              <a:lumOff val="0"/>
-              <a:alphaOff val="0"/>
-            </a:schemeClr>
-          </a:solidFill>
-          <a:prstDash val="solid"/>
-          <a:miter lim="800000"/>
-        </a:ln>
-        <a:effectLst/>
-      </dsp:spPr>
-      <dsp:style>
-        <a:lnRef idx="2">
-          <a:scrgbClr r="0" g="0" b="0"/>
-        </a:lnRef>
-        <a:fillRef idx="1">
-          <a:scrgbClr r="0" g="0" b="0"/>
-        </a:fillRef>
-        <a:effectRef idx="0">
-          <a:scrgbClr r="0" g="0" b="0"/>
-        </a:effectRef>
-        <a:fontRef idx="minor">
-          <a:schemeClr val="lt1"/>
-        </a:fontRef>
-      </dsp:style>
-      <dsp:txBody>
-        <a:bodyPr spcFirstLastPara="0" vert="horz" wrap="square" lIns="247650" tIns="247650" rIns="247650" bIns="247650" numCol="1" spcCol="1270" anchor="ctr" anchorCtr="0">
-          <a:noAutofit/>
-        </a:bodyPr>
-        <a:lstStyle/>
-        <a:p>
-          <a:pPr marL="0" lvl="0" indent="0" algn="l" defTabSz="2889250">
-            <a:lnSpc>
-              <a:spcPct val="90000"/>
-            </a:lnSpc>
-            <a:spcBef>
-              <a:spcPct val="0"/>
-            </a:spcBef>
-            <a:spcAft>
-              <a:spcPct val="35000"/>
-            </a:spcAft>
-            <a:buNone/>
-          </a:pPr>
-          <a:r>
-            <a:rPr lang="de-DE" sz="6500" kern="1200" dirty="0"/>
-            <a:t>DEMO</a:t>
-          </a:r>
-        </a:p>
-      </dsp:txBody>
-      <dsp:txXfrm>
-        <a:off x="76105" y="1606404"/>
-        <a:ext cx="10363390" cy="1406815"/>
-      </dsp:txXfrm>
-    </dsp:sp>
-  </dsp:spTree>
-</dsp:drawing>
-</file>
-
-<file path=ppt/diagrams/drawing6.xml><?xml version="1.0" encoding="utf-8"?>
-<dsp:drawing xmlns:dgm="http://schemas.openxmlformats.org/drawingml/2006/diagram" xmlns:dsp="http://schemas.microsoft.com/office/drawing/2008/diagram" xmlns:a="http://schemas.openxmlformats.org/drawingml/2006/main">
-  <dsp:spTree>
-    <dsp:nvGrpSpPr>
-      <dsp:cNvPr id="0" name=""/>
-      <dsp:cNvGrpSpPr/>
-    </dsp:nvGrpSpPr>
-    <dsp:grpSpPr/>
-    <dsp:sp modelId="{6EC9B571-2AAD-4AC1-B5C9-64DF398C0AEA}">
-      <dsp:nvSpPr>
-        <dsp:cNvPr id="0" name=""/>
-        <dsp:cNvSpPr/>
-      </dsp:nvSpPr>
-      <dsp:spPr>
-        <a:xfrm>
-          <a:off x="0" y="1530299"/>
-          <a:ext cx="10515600" cy="1559025"/>
-        </a:xfrm>
-        <a:prstGeom prst="roundRect">
-          <a:avLst/>
-        </a:prstGeom>
-        <a:solidFill>
-          <a:schemeClr val="accent1">
-            <a:hueOff val="0"/>
-            <a:satOff val="0"/>
-            <a:lumOff val="0"/>
-            <a:alphaOff val="0"/>
-          </a:schemeClr>
-        </a:solidFill>
-        <a:ln w="12700" cap="flat" cmpd="sng" algn="ctr">
-          <a:solidFill>
-            <a:schemeClr val="lt1">
-              <a:hueOff val="0"/>
-              <a:satOff val="0"/>
-              <a:lumOff val="0"/>
-              <a:alphaOff val="0"/>
-            </a:schemeClr>
-          </a:solidFill>
-          <a:prstDash val="solid"/>
-          <a:miter lim="800000"/>
-        </a:ln>
-        <a:effectLst/>
-      </dsp:spPr>
-      <dsp:style>
-        <a:lnRef idx="2">
-          <a:scrgbClr r="0" g="0" b="0"/>
-        </a:lnRef>
-        <a:fillRef idx="1">
-          <a:scrgbClr r="0" g="0" b="0"/>
-        </a:fillRef>
-        <a:effectRef idx="0">
-          <a:scrgbClr r="0" g="0" b="0"/>
-        </a:effectRef>
-        <a:fontRef idx="minor">
-          <a:schemeClr val="lt1"/>
-        </a:fontRef>
-      </dsp:style>
-      <dsp:txBody>
-        <a:bodyPr spcFirstLastPara="0" vert="horz" wrap="square" lIns="247650" tIns="247650" rIns="247650" bIns="247650" numCol="1" spcCol="1270" anchor="ctr" anchorCtr="0">
-          <a:noAutofit/>
-        </a:bodyPr>
-        <a:lstStyle/>
-        <a:p>
-          <a:pPr marL="0" lvl="0" indent="0" algn="l" defTabSz="2889250">
-            <a:lnSpc>
-              <a:spcPct val="90000"/>
-            </a:lnSpc>
-            <a:spcBef>
-              <a:spcPct val="0"/>
-            </a:spcBef>
-            <a:spcAft>
-              <a:spcPct val="35000"/>
-            </a:spcAft>
-            <a:buNone/>
-          </a:pPr>
-          <a:r>
-            <a:rPr lang="de-DE" sz="6500" kern="1200" dirty="0"/>
-            <a:t>DEMO</a:t>
-          </a:r>
-        </a:p>
-      </dsp:txBody>
-      <dsp:txXfrm>
-        <a:off x="76105" y="1606404"/>
-        <a:ext cx="10363390" cy="1406815"/>
       </dsp:txXfrm>
     </dsp:sp>
   </dsp:spTree>
@@ -12320,7 +15879,7 @@
         </a:bodyPr>
         <a:lstStyle/>
         <a:p>
-          <a:pPr marL="0" lvl="0" indent="0" algn="l" defTabSz="2889250">
+          <a:pPr lvl="0" algn="l" defTabSz="2889250">
             <a:lnSpc>
               <a:spcPct val="90000"/>
             </a:lnSpc>
@@ -12330,7 +15889,6 @@
             <a:spcAft>
               <a:spcPct val="35000"/>
             </a:spcAft>
-            <a:buNone/>
           </a:pPr>
           <a:r>
             <a:rPr lang="de-DE" sz="6500" kern="1200" dirty="0"/>
@@ -12362,7 +15920,7 @@
       </dsp:nvSpPr>
       <dsp:spPr>
         <a:xfrm>
-          <a:off x="0" y="992099"/>
+          <a:off x="0" y="1530299"/>
           <a:ext cx="10515600" cy="1559025"/>
         </a:xfrm>
         <a:prstGeom prst="roundRect">
@@ -12410,7 +15968,7 @@
         </a:bodyPr>
         <a:lstStyle/>
         <a:p>
-          <a:pPr marL="0" lvl="0" indent="0" algn="l" defTabSz="2889250">
+          <a:pPr lvl="0" algn="l" defTabSz="2889250">
             <a:lnSpc>
               <a:spcPct val="90000"/>
             </a:lnSpc>
@@ -12420,7 +15978,6 @@
             <a:spcAft>
               <a:spcPct val="35000"/>
             </a:spcAft>
-            <a:buNone/>
           </a:pPr>
           <a:r>
             <a:rPr lang="de-DE" sz="6500" kern="1200" dirty="0"/>
@@ -12429,68 +15986,8 @@
         </a:p>
       </dsp:txBody>
       <dsp:txXfrm>
-        <a:off x="76105" y="1068204"/>
+        <a:off x="76105" y="1606404"/>
         <a:ext cx="10363390" cy="1406815"/>
-      </dsp:txXfrm>
-    </dsp:sp>
-    <dsp:sp modelId="{0D635367-230C-4CCF-BD5E-72E7F8933CB7}">
-      <dsp:nvSpPr>
-        <dsp:cNvPr id="0" name=""/>
-        <dsp:cNvSpPr/>
-      </dsp:nvSpPr>
-      <dsp:spPr>
-        <a:xfrm>
-          <a:off x="0" y="2551125"/>
-          <a:ext cx="10515600" cy="1076400"/>
-        </a:xfrm>
-        <a:prstGeom prst="rect">
-          <a:avLst/>
-        </a:prstGeom>
-        <a:noFill/>
-        <a:ln>
-          <a:noFill/>
-        </a:ln>
-        <a:effectLst/>
-      </dsp:spPr>
-      <dsp:style>
-        <a:lnRef idx="0">
-          <a:scrgbClr r="0" g="0" b="0"/>
-        </a:lnRef>
-        <a:fillRef idx="0">
-          <a:scrgbClr r="0" g="0" b="0"/>
-        </a:fillRef>
-        <a:effectRef idx="0">
-          <a:scrgbClr r="0" g="0" b="0"/>
-        </a:effectRef>
-        <a:fontRef idx="minor"/>
-      </dsp:style>
-      <dsp:txBody>
-        <a:bodyPr spcFirstLastPara="0" vert="horz" wrap="square" lIns="333870" tIns="82550" rIns="462280" bIns="82550" numCol="1" spcCol="1270" anchor="t" anchorCtr="0">
-          <a:noAutofit/>
-        </a:bodyPr>
-        <a:lstStyle/>
-        <a:p>
-          <a:pPr marL="285750" lvl="1" indent="-285750" algn="l" defTabSz="2266950">
-            <a:lnSpc>
-              <a:spcPct val="90000"/>
-            </a:lnSpc>
-            <a:spcBef>
-              <a:spcPct val="0"/>
-            </a:spcBef>
-            <a:spcAft>
-              <a:spcPct val="20000"/>
-            </a:spcAft>
-            <a:buChar char="•"/>
-          </a:pPr>
-          <a:r>
-            <a:rPr lang="de-DE" sz="5100" kern="1200" dirty="0"/>
-            <a:t> 03 Arrays.js</a:t>
-          </a:r>
-        </a:p>
-      </dsp:txBody>
-      <dsp:txXfrm>
-        <a:off x="0" y="2551125"/>
-        <a:ext cx="10515600" cy="1076400"/>
       </dsp:txXfrm>
     </dsp:sp>
   </dsp:spTree>
@@ -12560,7 +16057,7 @@
         </a:bodyPr>
         <a:lstStyle/>
         <a:p>
-          <a:pPr marL="0" lvl="0" indent="0" algn="l" defTabSz="2889250">
+          <a:pPr lvl="0" algn="l" defTabSz="2889250">
             <a:lnSpc>
               <a:spcPct val="90000"/>
             </a:lnSpc>
@@ -12570,7 +16067,6 @@
             <a:spcAft>
               <a:spcPct val="35000"/>
             </a:spcAft>
-            <a:buNone/>
           </a:pPr>
           <a:r>
             <a:rPr lang="de-DE" sz="6500" kern="1200" dirty="0"/>
@@ -12821,6 +16317,340 @@
 </file>
 
 <file path=ppt/diagrams/layout10.xml><?xml version="1.0" encoding="utf-8"?>
+<dgm:layoutDef xmlns:dgm="http://schemas.openxmlformats.org/drawingml/2006/diagram" xmlns:a="http://schemas.openxmlformats.org/drawingml/2006/main" uniqueId="urn:microsoft.com/office/officeart/2005/8/layout/vList2">
+  <dgm:title val=""/>
+  <dgm:desc val=""/>
+  <dgm:catLst>
+    <dgm:cat type="list" pri="3000"/>
+    <dgm:cat type="convert" pri="1000"/>
+  </dgm:catLst>
+  <dgm:sampData>
+    <dgm:dataModel>
+      <dgm:ptLst>
+        <dgm:pt modelId="0" type="doc"/>
+        <dgm:pt modelId="1">
+          <dgm:prSet phldr="1"/>
+        </dgm:pt>
+        <dgm:pt modelId="11">
+          <dgm:prSet phldr="1"/>
+        </dgm:pt>
+        <dgm:pt modelId="2">
+          <dgm:prSet phldr="1"/>
+        </dgm:pt>
+        <dgm:pt modelId="21">
+          <dgm:prSet phldr="1"/>
+        </dgm:pt>
+      </dgm:ptLst>
+      <dgm:cxnLst>
+        <dgm:cxn modelId="4" srcId="0" destId="1" srcOrd="0" destOrd="0"/>
+        <dgm:cxn modelId="5" srcId="0" destId="2" srcOrd="1" destOrd="0"/>
+        <dgm:cxn modelId="12" srcId="1" destId="11" srcOrd="0" destOrd="0"/>
+        <dgm:cxn modelId="23" srcId="2" destId="21" srcOrd="0" destOrd="0"/>
+      </dgm:cxnLst>
+      <dgm:bg/>
+      <dgm:whole/>
+    </dgm:dataModel>
+  </dgm:sampData>
+  <dgm:styleData>
+    <dgm:dataModel>
+      <dgm:ptLst>
+        <dgm:pt modelId="0" type="doc"/>
+        <dgm:pt modelId="1"/>
+        <dgm:pt modelId="2"/>
+      </dgm:ptLst>
+      <dgm:cxnLst>
+        <dgm:cxn modelId="3" srcId="0" destId="1" srcOrd="0" destOrd="0"/>
+        <dgm:cxn modelId="4" srcId="0" destId="2" srcOrd="1" destOrd="0"/>
+      </dgm:cxnLst>
+      <dgm:bg/>
+      <dgm:whole/>
+    </dgm:dataModel>
+  </dgm:styleData>
+  <dgm:clrData>
+    <dgm:dataModel>
+      <dgm:ptLst>
+        <dgm:pt modelId="0" type="doc"/>
+        <dgm:pt modelId="1"/>
+        <dgm:pt modelId="2"/>
+        <dgm:pt modelId="3"/>
+        <dgm:pt modelId="4"/>
+      </dgm:ptLst>
+      <dgm:cxnLst>
+        <dgm:cxn modelId="5" srcId="0" destId="1" srcOrd="0" destOrd="0"/>
+        <dgm:cxn modelId="6" srcId="0" destId="2" srcOrd="1" destOrd="0"/>
+        <dgm:cxn modelId="7" srcId="0" destId="3" srcOrd="2" destOrd="0"/>
+        <dgm:cxn modelId="8" srcId="0" destId="4" srcOrd="3" destOrd="0"/>
+      </dgm:cxnLst>
+      <dgm:bg/>
+      <dgm:whole/>
+    </dgm:dataModel>
+  </dgm:clrData>
+  <dgm:layoutNode name="linear">
+    <dgm:varLst>
+      <dgm:animLvl val="lvl"/>
+      <dgm:resizeHandles val="exact"/>
+    </dgm:varLst>
+    <dgm:alg type="lin">
+      <dgm:param type="linDir" val="fromT"/>
+      <dgm:param type="vertAlign" val="mid"/>
+    </dgm:alg>
+    <dgm:shape xmlns:r="http://schemas.openxmlformats.org/officeDocument/2006/relationships" r:blip="">
+      <dgm:adjLst/>
+    </dgm:shape>
+    <dgm:presOf/>
+    <dgm:constrLst>
+      <dgm:constr type="w" for="ch" forName="parentText" refType="w"/>
+      <dgm:constr type="h" for="ch" forName="parentText" refType="primFontSz" refFor="ch" refForName="parentText" fact="0.52"/>
+      <dgm:constr type="w" for="ch" forName="childText" refType="w"/>
+      <dgm:constr type="h" for="ch" forName="childText" refType="primFontSz" refFor="ch" refForName="parentText" fact="0.46"/>
+      <dgm:constr type="h" for="ch" forName="parentText" op="equ"/>
+      <dgm:constr type="primFontSz" for="ch" forName="parentText" op="equ" val="65"/>
+      <dgm:constr type="primFontSz" for="ch" forName="childText" refType="primFontSz" refFor="ch" refForName="parentText" op="equ"/>
+      <dgm:constr type="h" for="ch" forName="spacer" refType="primFontSz" refFor="ch" refForName="parentText" fact="0.08"/>
+    </dgm:constrLst>
+    <dgm:ruleLst>
+      <dgm:rule type="primFontSz" for="ch" forName="parentText" val="5" fact="NaN" max="NaN"/>
+    </dgm:ruleLst>
+    <dgm:forEach name="Name0" axis="ch" ptType="node">
+      <dgm:layoutNode name="parentText" styleLbl="node1">
+        <dgm:varLst>
+          <dgm:chMax val="0"/>
+          <dgm:bulletEnabled val="1"/>
+        </dgm:varLst>
+        <dgm:alg type="tx">
+          <dgm:param type="parTxLTRAlign" val="l"/>
+          <dgm:param type="parTxRTLAlign" val="r"/>
+        </dgm:alg>
+        <dgm:shape xmlns:r="http://schemas.openxmlformats.org/officeDocument/2006/relationships" type="roundRect" r:blip="">
+          <dgm:adjLst/>
+        </dgm:shape>
+        <dgm:presOf axis="self"/>
+        <dgm:constrLst>
+          <dgm:constr type="tMarg" refType="primFontSz" fact="0.3"/>
+          <dgm:constr type="bMarg" refType="primFontSz" fact="0.3"/>
+          <dgm:constr type="lMarg" refType="primFontSz" fact="0.3"/>
+          <dgm:constr type="rMarg" refType="primFontSz" fact="0.3"/>
+        </dgm:constrLst>
+        <dgm:ruleLst>
+          <dgm:rule type="h" val="INF" fact="NaN" max="NaN"/>
+        </dgm:ruleLst>
+      </dgm:layoutNode>
+      <dgm:choose name="Name1">
+        <dgm:if name="Name2" axis="ch" ptType="node" func="cnt" op="gte" val="1">
+          <dgm:layoutNode name="childText" styleLbl="revTx">
+            <dgm:varLst>
+              <dgm:bulletEnabled val="1"/>
+            </dgm:varLst>
+            <dgm:alg type="tx">
+              <dgm:param type="stBulletLvl" val="1"/>
+              <dgm:param type="lnSpAfChP" val="20"/>
+            </dgm:alg>
+            <dgm:shape xmlns:r="http://schemas.openxmlformats.org/officeDocument/2006/relationships" type="rect" r:blip="">
+              <dgm:adjLst/>
+            </dgm:shape>
+            <dgm:presOf axis="des" ptType="node"/>
+            <dgm:constrLst>
+              <dgm:constr type="tMarg" refType="primFontSz" fact="0.1"/>
+              <dgm:constr type="bMarg" refType="primFontSz" fact="0.1"/>
+              <dgm:constr type="lMarg" refType="w" fact="0.09"/>
+            </dgm:constrLst>
+            <dgm:ruleLst>
+              <dgm:rule type="h" val="INF" fact="NaN" max="NaN"/>
+            </dgm:ruleLst>
+          </dgm:layoutNode>
+        </dgm:if>
+        <dgm:else name="Name3">
+          <dgm:choose name="Name4">
+            <dgm:if name="Name5" axis="par ch" ptType="doc node" func="cnt" op="gte" val="2">
+              <dgm:forEach name="Name6" axis="followSib" ptType="sibTrans" cnt="1">
+                <dgm:layoutNode name="spacer">
+                  <dgm:alg type="sp"/>
+                  <dgm:shape xmlns:r="http://schemas.openxmlformats.org/officeDocument/2006/relationships" r:blip="">
+                    <dgm:adjLst/>
+                  </dgm:shape>
+                  <dgm:presOf/>
+                  <dgm:constrLst/>
+                  <dgm:ruleLst/>
+                </dgm:layoutNode>
+              </dgm:forEach>
+            </dgm:if>
+            <dgm:else name="Name7"/>
+          </dgm:choose>
+        </dgm:else>
+      </dgm:choose>
+    </dgm:forEach>
+  </dgm:layoutNode>
+</dgm:layoutDef>
+</file>
+
+<file path=ppt/diagrams/layout11.xml><?xml version="1.0" encoding="utf-8"?>
+<dgm:layoutDef xmlns:dgm="http://schemas.openxmlformats.org/drawingml/2006/diagram" xmlns:a="http://schemas.openxmlformats.org/drawingml/2006/main" uniqueId="urn:microsoft.com/office/officeart/2005/8/layout/vList2">
+  <dgm:title val=""/>
+  <dgm:desc val=""/>
+  <dgm:catLst>
+    <dgm:cat type="list" pri="3000"/>
+    <dgm:cat type="convert" pri="1000"/>
+  </dgm:catLst>
+  <dgm:sampData>
+    <dgm:dataModel>
+      <dgm:ptLst>
+        <dgm:pt modelId="0" type="doc"/>
+        <dgm:pt modelId="1">
+          <dgm:prSet phldr="1"/>
+        </dgm:pt>
+        <dgm:pt modelId="11">
+          <dgm:prSet phldr="1"/>
+        </dgm:pt>
+        <dgm:pt modelId="2">
+          <dgm:prSet phldr="1"/>
+        </dgm:pt>
+        <dgm:pt modelId="21">
+          <dgm:prSet phldr="1"/>
+        </dgm:pt>
+      </dgm:ptLst>
+      <dgm:cxnLst>
+        <dgm:cxn modelId="4" srcId="0" destId="1" srcOrd="0" destOrd="0"/>
+        <dgm:cxn modelId="5" srcId="0" destId="2" srcOrd="1" destOrd="0"/>
+        <dgm:cxn modelId="12" srcId="1" destId="11" srcOrd="0" destOrd="0"/>
+        <dgm:cxn modelId="23" srcId="2" destId="21" srcOrd="0" destOrd="0"/>
+      </dgm:cxnLst>
+      <dgm:bg/>
+      <dgm:whole/>
+    </dgm:dataModel>
+  </dgm:sampData>
+  <dgm:styleData>
+    <dgm:dataModel>
+      <dgm:ptLst>
+        <dgm:pt modelId="0" type="doc"/>
+        <dgm:pt modelId="1"/>
+        <dgm:pt modelId="2"/>
+      </dgm:ptLst>
+      <dgm:cxnLst>
+        <dgm:cxn modelId="3" srcId="0" destId="1" srcOrd="0" destOrd="0"/>
+        <dgm:cxn modelId="4" srcId="0" destId="2" srcOrd="1" destOrd="0"/>
+      </dgm:cxnLst>
+      <dgm:bg/>
+      <dgm:whole/>
+    </dgm:dataModel>
+  </dgm:styleData>
+  <dgm:clrData>
+    <dgm:dataModel>
+      <dgm:ptLst>
+        <dgm:pt modelId="0" type="doc"/>
+        <dgm:pt modelId="1"/>
+        <dgm:pt modelId="2"/>
+        <dgm:pt modelId="3"/>
+        <dgm:pt modelId="4"/>
+      </dgm:ptLst>
+      <dgm:cxnLst>
+        <dgm:cxn modelId="5" srcId="0" destId="1" srcOrd="0" destOrd="0"/>
+        <dgm:cxn modelId="6" srcId="0" destId="2" srcOrd="1" destOrd="0"/>
+        <dgm:cxn modelId="7" srcId="0" destId="3" srcOrd="2" destOrd="0"/>
+        <dgm:cxn modelId="8" srcId="0" destId="4" srcOrd="3" destOrd="0"/>
+      </dgm:cxnLst>
+      <dgm:bg/>
+      <dgm:whole/>
+    </dgm:dataModel>
+  </dgm:clrData>
+  <dgm:layoutNode name="linear">
+    <dgm:varLst>
+      <dgm:animLvl val="lvl"/>
+      <dgm:resizeHandles val="exact"/>
+    </dgm:varLst>
+    <dgm:alg type="lin">
+      <dgm:param type="linDir" val="fromT"/>
+      <dgm:param type="vertAlign" val="mid"/>
+    </dgm:alg>
+    <dgm:shape xmlns:r="http://schemas.openxmlformats.org/officeDocument/2006/relationships" r:blip="">
+      <dgm:adjLst/>
+    </dgm:shape>
+    <dgm:presOf/>
+    <dgm:constrLst>
+      <dgm:constr type="w" for="ch" forName="parentText" refType="w"/>
+      <dgm:constr type="h" for="ch" forName="parentText" refType="primFontSz" refFor="ch" refForName="parentText" fact="0.52"/>
+      <dgm:constr type="w" for="ch" forName="childText" refType="w"/>
+      <dgm:constr type="h" for="ch" forName="childText" refType="primFontSz" refFor="ch" refForName="parentText" fact="0.46"/>
+      <dgm:constr type="h" for="ch" forName="parentText" op="equ"/>
+      <dgm:constr type="primFontSz" for="ch" forName="parentText" op="equ" val="65"/>
+      <dgm:constr type="primFontSz" for="ch" forName="childText" refType="primFontSz" refFor="ch" refForName="parentText" op="equ"/>
+      <dgm:constr type="h" for="ch" forName="spacer" refType="primFontSz" refFor="ch" refForName="parentText" fact="0.08"/>
+    </dgm:constrLst>
+    <dgm:ruleLst>
+      <dgm:rule type="primFontSz" for="ch" forName="parentText" val="5" fact="NaN" max="NaN"/>
+    </dgm:ruleLst>
+    <dgm:forEach name="Name0" axis="ch" ptType="node">
+      <dgm:layoutNode name="parentText" styleLbl="node1">
+        <dgm:varLst>
+          <dgm:chMax val="0"/>
+          <dgm:bulletEnabled val="1"/>
+        </dgm:varLst>
+        <dgm:alg type="tx">
+          <dgm:param type="parTxLTRAlign" val="l"/>
+          <dgm:param type="parTxRTLAlign" val="r"/>
+        </dgm:alg>
+        <dgm:shape xmlns:r="http://schemas.openxmlformats.org/officeDocument/2006/relationships" type="roundRect" r:blip="">
+          <dgm:adjLst/>
+        </dgm:shape>
+        <dgm:presOf axis="self"/>
+        <dgm:constrLst>
+          <dgm:constr type="tMarg" refType="primFontSz" fact="0.3"/>
+          <dgm:constr type="bMarg" refType="primFontSz" fact="0.3"/>
+          <dgm:constr type="lMarg" refType="primFontSz" fact="0.3"/>
+          <dgm:constr type="rMarg" refType="primFontSz" fact="0.3"/>
+        </dgm:constrLst>
+        <dgm:ruleLst>
+          <dgm:rule type="h" val="INF" fact="NaN" max="NaN"/>
+        </dgm:ruleLst>
+      </dgm:layoutNode>
+      <dgm:choose name="Name1">
+        <dgm:if name="Name2" axis="ch" ptType="node" func="cnt" op="gte" val="1">
+          <dgm:layoutNode name="childText" styleLbl="revTx">
+            <dgm:varLst>
+              <dgm:bulletEnabled val="1"/>
+            </dgm:varLst>
+            <dgm:alg type="tx">
+              <dgm:param type="stBulletLvl" val="1"/>
+              <dgm:param type="lnSpAfChP" val="20"/>
+            </dgm:alg>
+            <dgm:shape xmlns:r="http://schemas.openxmlformats.org/officeDocument/2006/relationships" type="rect" r:blip="">
+              <dgm:adjLst/>
+            </dgm:shape>
+            <dgm:presOf axis="des" ptType="node"/>
+            <dgm:constrLst>
+              <dgm:constr type="tMarg" refType="primFontSz" fact="0.1"/>
+              <dgm:constr type="bMarg" refType="primFontSz" fact="0.1"/>
+              <dgm:constr type="lMarg" refType="w" fact="0.09"/>
+            </dgm:constrLst>
+            <dgm:ruleLst>
+              <dgm:rule type="h" val="INF" fact="NaN" max="NaN"/>
+            </dgm:ruleLst>
+          </dgm:layoutNode>
+        </dgm:if>
+        <dgm:else name="Name3">
+          <dgm:choose name="Name4">
+            <dgm:if name="Name5" axis="par ch" ptType="doc node" func="cnt" op="gte" val="2">
+              <dgm:forEach name="Name6" axis="followSib" ptType="sibTrans" cnt="1">
+                <dgm:layoutNode name="spacer">
+                  <dgm:alg type="sp"/>
+                  <dgm:shape xmlns:r="http://schemas.openxmlformats.org/officeDocument/2006/relationships" r:blip="">
+                    <dgm:adjLst/>
+                  </dgm:shape>
+                  <dgm:presOf/>
+                  <dgm:constrLst/>
+                  <dgm:ruleLst/>
+                </dgm:layoutNode>
+              </dgm:forEach>
+            </dgm:if>
+            <dgm:else name="Name7"/>
+          </dgm:choose>
+        </dgm:else>
+      </dgm:choose>
+    </dgm:forEach>
+  </dgm:layoutNode>
+</dgm:layoutDef>
+</file>
+
+<file path=ppt/diagrams/layout12.xml><?xml version="1.0" encoding="utf-8"?>
 <dgm:layoutDef xmlns:dgm="http://schemas.openxmlformats.org/drawingml/2006/diagram" xmlns:a="http://schemas.openxmlformats.org/drawingml/2006/main" uniqueId="urn:microsoft.com/office/officeart/2005/8/layout/vList2">
   <dgm:title val=""/>
   <dgm:desc val=""/>
@@ -13549,6 +17379,800 @@
 </file>
 
 <file path=ppt/diagrams/layout3.xml><?xml version="1.0" encoding="utf-8"?>
+<dgm:layoutDef xmlns:dgm="http://schemas.openxmlformats.org/drawingml/2006/diagram" xmlns:a="http://schemas.openxmlformats.org/drawingml/2006/main" uniqueId="urn:microsoft.com/office/officeart/2005/8/layout/vList5">
+  <dgm:title val=""/>
+  <dgm:desc val=""/>
+  <dgm:catLst>
+    <dgm:cat type="list" pri="15000"/>
+    <dgm:cat type="convert" pri="2000"/>
+  </dgm:catLst>
+  <dgm:sampData>
+    <dgm:dataModel>
+      <dgm:ptLst>
+        <dgm:pt modelId="0" type="doc"/>
+        <dgm:pt modelId="1">
+          <dgm:prSet phldr="1"/>
+        </dgm:pt>
+        <dgm:pt modelId="11">
+          <dgm:prSet phldr="1"/>
+        </dgm:pt>
+        <dgm:pt modelId="12">
+          <dgm:prSet phldr="1"/>
+        </dgm:pt>
+        <dgm:pt modelId="2">
+          <dgm:prSet phldr="1"/>
+        </dgm:pt>
+        <dgm:pt modelId="21">
+          <dgm:prSet phldr="1"/>
+        </dgm:pt>
+        <dgm:pt modelId="22">
+          <dgm:prSet phldr="1"/>
+        </dgm:pt>
+        <dgm:pt modelId="3">
+          <dgm:prSet phldr="1"/>
+        </dgm:pt>
+        <dgm:pt modelId="31">
+          <dgm:prSet phldr="1"/>
+        </dgm:pt>
+        <dgm:pt modelId="32">
+          <dgm:prSet phldr="1"/>
+        </dgm:pt>
+      </dgm:ptLst>
+      <dgm:cxnLst>
+        <dgm:cxn modelId="4" srcId="0" destId="1" srcOrd="0" destOrd="0"/>
+        <dgm:cxn modelId="5" srcId="0" destId="2" srcOrd="1" destOrd="0"/>
+        <dgm:cxn modelId="6" srcId="0" destId="3" srcOrd="2" destOrd="0"/>
+        <dgm:cxn modelId="13" srcId="1" destId="11" srcOrd="0" destOrd="0"/>
+        <dgm:cxn modelId="14" srcId="1" destId="12" srcOrd="1" destOrd="0"/>
+        <dgm:cxn modelId="23" srcId="2" destId="21" srcOrd="0" destOrd="0"/>
+        <dgm:cxn modelId="24" srcId="2" destId="22" srcOrd="1" destOrd="0"/>
+        <dgm:cxn modelId="33" srcId="3" destId="31" srcOrd="0" destOrd="0"/>
+        <dgm:cxn modelId="34" srcId="3" destId="32" srcOrd="1" destOrd="0"/>
+      </dgm:cxnLst>
+      <dgm:bg/>
+      <dgm:whole/>
+    </dgm:dataModel>
+  </dgm:sampData>
+  <dgm:styleData>
+    <dgm:dataModel>
+      <dgm:ptLst>
+        <dgm:pt modelId="0" type="doc"/>
+        <dgm:pt modelId="1"/>
+        <dgm:pt modelId="11"/>
+        <dgm:pt modelId="2"/>
+        <dgm:pt modelId="21"/>
+      </dgm:ptLst>
+      <dgm:cxnLst>
+        <dgm:cxn modelId="4" srcId="0" destId="1" srcOrd="0" destOrd="0"/>
+        <dgm:cxn modelId="5" srcId="0" destId="2" srcOrd="1" destOrd="0"/>
+        <dgm:cxn modelId="13" srcId="1" destId="11" srcOrd="0" destOrd="0"/>
+        <dgm:cxn modelId="23" srcId="2" destId="21" srcOrd="0" destOrd="0"/>
+      </dgm:cxnLst>
+      <dgm:bg/>
+      <dgm:whole/>
+    </dgm:dataModel>
+  </dgm:styleData>
+  <dgm:clrData>
+    <dgm:dataModel>
+      <dgm:ptLst>
+        <dgm:pt modelId="0" type="doc"/>
+        <dgm:pt modelId="1"/>
+        <dgm:pt modelId="11"/>
+        <dgm:pt modelId="2"/>
+        <dgm:pt modelId="21"/>
+        <dgm:pt modelId="3"/>
+        <dgm:pt modelId="31"/>
+        <dgm:pt modelId="4"/>
+        <dgm:pt modelId="41"/>
+      </dgm:ptLst>
+      <dgm:cxnLst>
+        <dgm:cxn modelId="5" srcId="0" destId="1" srcOrd="0" destOrd="0"/>
+        <dgm:cxn modelId="6" srcId="0" destId="2" srcOrd="1" destOrd="0"/>
+        <dgm:cxn modelId="7" srcId="0" destId="3" srcOrd="2" destOrd="0"/>
+        <dgm:cxn modelId="8" srcId="0" destId="4" srcOrd="3" destOrd="0"/>
+        <dgm:cxn modelId="13" srcId="1" destId="11" srcOrd="0" destOrd="0"/>
+        <dgm:cxn modelId="23" srcId="2" destId="21" srcOrd="0" destOrd="0"/>
+        <dgm:cxn modelId="33" srcId="3" destId="31" srcOrd="0" destOrd="0"/>
+        <dgm:cxn modelId="43" srcId="4" destId="41" srcOrd="0" destOrd="0"/>
+      </dgm:cxnLst>
+      <dgm:bg/>
+      <dgm:whole/>
+    </dgm:dataModel>
+  </dgm:clrData>
+  <dgm:layoutNode name="Name0">
+    <dgm:varLst>
+      <dgm:dir/>
+      <dgm:animLvl val="lvl"/>
+      <dgm:resizeHandles val="exact"/>
+    </dgm:varLst>
+    <dgm:choose name="Name1">
+      <dgm:if name="Name2" func="var" arg="dir" op="equ" val="norm">
+        <dgm:alg type="lin">
+          <dgm:param type="linDir" val="fromT"/>
+          <dgm:param type="nodeHorzAlign" val="l"/>
+        </dgm:alg>
+      </dgm:if>
+      <dgm:else name="Name3">
+        <dgm:alg type="lin">
+          <dgm:param type="linDir" val="fromT"/>
+          <dgm:param type="nodeHorzAlign" val="r"/>
+        </dgm:alg>
+      </dgm:else>
+    </dgm:choose>
+    <dgm:shape xmlns:r="http://schemas.openxmlformats.org/officeDocument/2006/relationships" r:blip="">
+      <dgm:adjLst/>
+    </dgm:shape>
+    <dgm:presOf/>
+    <dgm:constrLst>
+      <dgm:constr type="h" for="ch" forName="linNode" refType="h"/>
+      <dgm:constr type="w" for="ch" forName="linNode" refType="w"/>
+      <dgm:constr type="h" for="ch" forName="sp" refType="h" fact="0.05"/>
+      <dgm:constr type="primFontSz" for="des" forName="parentText" op="equ" val="65"/>
+      <dgm:constr type="secFontSz" for="des" forName="descendantText" op="equ"/>
+    </dgm:constrLst>
+    <dgm:ruleLst/>
+    <dgm:forEach name="Name4" axis="ch" ptType="node">
+      <dgm:layoutNode name="linNode">
+        <dgm:choose name="Name5">
+          <dgm:if name="Name6" func="var" arg="dir" op="equ" val="norm">
+            <dgm:alg type="lin">
+              <dgm:param type="linDir" val="fromL"/>
+            </dgm:alg>
+          </dgm:if>
+          <dgm:else name="Name7">
+            <dgm:alg type="lin">
+              <dgm:param type="linDir" val="fromR"/>
+            </dgm:alg>
+          </dgm:else>
+        </dgm:choose>
+        <dgm:shape xmlns:r="http://schemas.openxmlformats.org/officeDocument/2006/relationships" r:blip="">
+          <dgm:adjLst/>
+        </dgm:shape>
+        <dgm:presOf/>
+        <dgm:constrLst>
+          <dgm:constr type="w" for="ch" forName="parentText" refType="w" fact="0.36"/>
+          <dgm:constr type="w" for="ch" forName="descendantText" refType="w" fact="0.64"/>
+          <dgm:constr type="h" for="ch" forName="parentText" refType="h"/>
+          <dgm:constr type="h" for="ch" forName="descendantText" refType="h" refFor="ch" refForName="parentText" fact="0.8"/>
+        </dgm:constrLst>
+        <dgm:ruleLst/>
+        <dgm:layoutNode name="parentText">
+          <dgm:varLst>
+            <dgm:chMax val="1"/>
+            <dgm:bulletEnabled val="1"/>
+          </dgm:varLst>
+          <dgm:alg type="tx"/>
+          <dgm:shape xmlns:r="http://schemas.openxmlformats.org/officeDocument/2006/relationships" type="roundRect" r:blip="" zOrderOff="3">
+            <dgm:adjLst/>
+          </dgm:shape>
+          <dgm:presOf axis="self" ptType="node"/>
+          <dgm:constrLst>
+            <dgm:constr type="tMarg" refType="primFontSz" fact="0.15"/>
+            <dgm:constr type="bMarg" refType="primFontSz" fact="0.15"/>
+            <dgm:constr type="lMarg" refType="primFontSz" fact="0.3"/>
+            <dgm:constr type="rMarg" refType="primFontSz" fact="0.3"/>
+          </dgm:constrLst>
+          <dgm:ruleLst>
+            <dgm:rule type="primFontSz" val="5" fact="NaN" max="NaN"/>
+          </dgm:ruleLst>
+        </dgm:layoutNode>
+        <dgm:choose name="Name8">
+          <dgm:if name="Name9" axis="ch" ptType="node" func="cnt" op="gte" val="1">
+            <dgm:layoutNode name="descendantText" styleLbl="alignAccFollowNode1">
+              <dgm:varLst>
+                <dgm:bulletEnabled val="1"/>
+              </dgm:varLst>
+              <dgm:alg type="tx">
+                <dgm:param type="stBulletLvl" val="1"/>
+                <dgm:param type="txAnchorVertCh" val="mid"/>
+              </dgm:alg>
+              <dgm:choose name="Name10">
+                <dgm:if name="Name11" func="var" arg="dir" op="equ" val="norm">
+                  <dgm:shape xmlns:r="http://schemas.openxmlformats.org/officeDocument/2006/relationships" rot="90" type="round2SameRect" r:blip="">
+                    <dgm:adjLst/>
+                  </dgm:shape>
+                </dgm:if>
+                <dgm:else name="Name12">
+                  <dgm:shape xmlns:r="http://schemas.openxmlformats.org/officeDocument/2006/relationships" rot="-90" type="round2SameRect" r:blip="">
+                    <dgm:adjLst/>
+                  </dgm:shape>
+                </dgm:else>
+              </dgm:choose>
+              <dgm:presOf axis="des" ptType="node"/>
+              <dgm:constrLst>
+                <dgm:constr type="secFontSz" val="65"/>
+                <dgm:constr type="primFontSz" refType="secFontSz"/>
+                <dgm:constr type="lMarg" refType="secFontSz" fact="0.3"/>
+                <dgm:constr type="rMarg" refType="secFontSz" fact="0.3"/>
+                <dgm:constr type="tMarg" refType="secFontSz" fact="0.15"/>
+                <dgm:constr type="bMarg" refType="secFontSz" fact="0.15"/>
+              </dgm:constrLst>
+              <dgm:ruleLst>
+                <dgm:rule type="secFontSz" val="5" fact="NaN" max="NaN"/>
+              </dgm:ruleLst>
+            </dgm:layoutNode>
+          </dgm:if>
+          <dgm:else name="Name13"/>
+        </dgm:choose>
+      </dgm:layoutNode>
+      <dgm:forEach name="Name14" axis="followSib" ptType="sibTrans" cnt="1">
+        <dgm:layoutNode name="sp">
+          <dgm:alg type="sp"/>
+          <dgm:shape xmlns:r="http://schemas.openxmlformats.org/officeDocument/2006/relationships" r:blip="">
+            <dgm:adjLst/>
+          </dgm:shape>
+          <dgm:presOf/>
+          <dgm:constrLst/>
+          <dgm:ruleLst/>
+        </dgm:layoutNode>
+      </dgm:forEach>
+    </dgm:forEach>
+  </dgm:layoutNode>
+</dgm:layoutDef>
+</file>
+
+<file path=ppt/diagrams/layout4.xml><?xml version="1.0" encoding="utf-8"?>
+<dgm:layoutDef xmlns:dgm="http://schemas.openxmlformats.org/drawingml/2006/diagram" xmlns:a="http://schemas.openxmlformats.org/drawingml/2006/main" uniqueId="urn:microsoft.com/office/officeart/2009/layout/CirclePictureHierarchy">
+  <dgm:title val=""/>
+  <dgm:desc val=""/>
+  <dgm:catLst>
+    <dgm:cat type="hierarchy" pri="1750"/>
+    <dgm:cat type="picture" pri="23000"/>
+    <dgm:cat type="pictureconvert" pri="23000"/>
+  </dgm:catLst>
+  <dgm:sampData>
+    <dgm:dataModel>
+      <dgm:ptLst>
+        <dgm:pt modelId="0" type="doc"/>
+        <dgm:pt modelId="1">
+          <dgm:prSet phldr="1"/>
+        </dgm:pt>
+        <dgm:pt modelId="2">
+          <dgm:prSet phldr="1"/>
+        </dgm:pt>
+        <dgm:pt modelId="21">
+          <dgm:prSet phldr="1"/>
+        </dgm:pt>
+        <dgm:pt modelId="22">
+          <dgm:prSet phldr="1"/>
+        </dgm:pt>
+        <dgm:pt modelId="3">
+          <dgm:prSet phldr="1"/>
+        </dgm:pt>
+        <dgm:pt modelId="31">
+          <dgm:prSet phldr="1"/>
+        </dgm:pt>
+      </dgm:ptLst>
+      <dgm:cxnLst>
+        <dgm:cxn modelId="4" srcId="0" destId="1" srcOrd="0" destOrd="0"/>
+        <dgm:cxn modelId="5" srcId="1" destId="2" srcOrd="0" destOrd="0"/>
+        <dgm:cxn modelId="6" srcId="1" destId="3" srcOrd="1" destOrd="0"/>
+        <dgm:cxn modelId="23" srcId="2" destId="21" srcOrd="0" destOrd="0"/>
+        <dgm:cxn modelId="24" srcId="2" destId="22" srcOrd="1" destOrd="0"/>
+        <dgm:cxn modelId="33" srcId="3" destId="31" srcOrd="0" destOrd="0"/>
+      </dgm:cxnLst>
+      <dgm:bg/>
+      <dgm:whole/>
+    </dgm:dataModel>
+  </dgm:sampData>
+  <dgm:styleData>
+    <dgm:dataModel>
+      <dgm:ptLst>
+        <dgm:pt modelId="0" type="doc"/>
+        <dgm:pt modelId="1"/>
+        <dgm:pt modelId="11"/>
+        <dgm:pt modelId="12"/>
+      </dgm:ptLst>
+      <dgm:cxnLst>
+        <dgm:cxn modelId="2" srcId="0" destId="1" srcOrd="0" destOrd="0"/>
+        <dgm:cxn modelId="13" srcId="1" destId="11" srcOrd="0" destOrd="0"/>
+        <dgm:cxn modelId="14" srcId="1" destId="12" srcOrd="1" destOrd="0"/>
+      </dgm:cxnLst>
+      <dgm:bg/>
+      <dgm:whole/>
+    </dgm:dataModel>
+  </dgm:styleData>
+  <dgm:clrData>
+    <dgm:dataModel>
+      <dgm:ptLst>
+        <dgm:pt modelId="0" type="doc"/>
+        <dgm:pt modelId="1"/>
+        <dgm:pt modelId="2"/>
+        <dgm:pt modelId="21"/>
+        <dgm:pt modelId="211"/>
+        <dgm:pt modelId="3"/>
+        <dgm:pt modelId="31"/>
+        <dgm:pt modelId="311"/>
+      </dgm:ptLst>
+      <dgm:cxnLst>
+        <dgm:cxn modelId="4" srcId="0" destId="1" srcOrd="0" destOrd="0"/>
+        <dgm:cxn modelId="5" srcId="1" destId="2" srcOrd="0" destOrd="0"/>
+        <dgm:cxn modelId="6" srcId="1" destId="3" srcOrd="1" destOrd="0"/>
+        <dgm:cxn modelId="23" srcId="2" destId="21" srcOrd="0" destOrd="0"/>
+        <dgm:cxn modelId="24" srcId="21" destId="211" srcOrd="0" destOrd="0"/>
+        <dgm:cxn modelId="33" srcId="3" destId="31" srcOrd="0" destOrd="0"/>
+        <dgm:cxn modelId="34" srcId="31" destId="311" srcOrd="0" destOrd="0"/>
+      </dgm:cxnLst>
+      <dgm:bg/>
+      <dgm:whole/>
+    </dgm:dataModel>
+  </dgm:clrData>
+  <dgm:layoutNode name="hierChild1">
+    <dgm:varLst>
+      <dgm:chPref val="1"/>
+      <dgm:dir/>
+      <dgm:animOne val="branch"/>
+      <dgm:animLvl val="lvl"/>
+      <dgm:resizeHandles/>
+    </dgm:varLst>
+    <dgm:choose name="Name0">
+      <dgm:if name="Name1" func="var" arg="dir" op="equ" val="norm">
+        <dgm:alg type="hierChild">
+          <dgm:param type="linDir" val="fromL"/>
+        </dgm:alg>
+      </dgm:if>
+      <dgm:else name="Name2">
+        <dgm:alg type="hierChild">
+          <dgm:param type="linDir" val="fromR"/>
+        </dgm:alg>
+      </dgm:else>
+    </dgm:choose>
+    <dgm:shape xmlns:r="http://schemas.openxmlformats.org/officeDocument/2006/relationships" r:blip="">
+      <dgm:adjLst/>
+    </dgm:shape>
+    <dgm:presOf/>
+    <dgm:constrLst>
+      <dgm:constr type="primFontSz" for="des" ptType="node" op="equ" val="65"/>
+      <dgm:constr type="w" for="des" forName="composite" refType="w"/>
+      <dgm:constr type="h" for="des" forName="composite" refType="w" refFor="des" refForName="composite" fact="0.5"/>
+      <dgm:constr type="w" for="des" forName="composite2" refType="w" refFor="des" refForName="composite"/>
+      <dgm:constr type="h" for="des" forName="composite2" refType="h" refFor="des" refForName="composite"/>
+      <dgm:constr type="w" for="des" forName="composite3" refType="w" refFor="des" refForName="composite"/>
+      <dgm:constr type="h" for="des" forName="composite3" refType="h" refFor="des" refForName="composite"/>
+      <dgm:constr type="w" for="des" forName="composite4" refType="w" refFor="des" refForName="composite"/>
+      <dgm:constr type="h" for="des" forName="composite4" refType="h" refFor="des" refForName="composite"/>
+      <dgm:constr type="w" for="des" forName="composite5" refType="w" refFor="des" refForName="composite"/>
+      <dgm:constr type="h" for="des" forName="composite5" refType="h" refFor="des" refForName="composite"/>
+      <dgm:constr type="sibSp" refType="w" refFor="des" refForName="composite" fact="0.1"/>
+      <dgm:constr type="sibSp" for="des" forName="hierChild2" refType="sibSp"/>
+      <dgm:constr type="sibSp" for="des" forName="hierChild3" refType="sibSp"/>
+      <dgm:constr type="sibSp" for="des" forName="hierChild4" refType="sibSp"/>
+      <dgm:constr type="sibSp" for="des" forName="hierChild5" refType="sibSp"/>
+      <dgm:constr type="sibSp" for="des" forName="hierChild6" refType="sibSp"/>
+      <dgm:constr type="sp" for="des" forName="hierRoot1" refType="h" refFor="des" refForName="composite" fact="0.25"/>
+      <dgm:constr type="sp" for="des" forName="hierRoot2" refType="sp" refFor="des" refForName="hierRoot1"/>
+      <dgm:constr type="sp" for="des" forName="hierRoot3" refType="sp" refFor="des" refForName="hierRoot1"/>
+      <dgm:constr type="sp" for="des" forName="hierRoot4" refType="sp" refFor="des" refForName="hierRoot1"/>
+      <dgm:constr type="sp" for="des" forName="hierRoot5" refType="sp" refFor="des" refForName="hierRoot1"/>
+    </dgm:constrLst>
+    <dgm:ruleLst/>
+    <dgm:forEach name="Name3" axis="ch">
+      <dgm:forEach name="Name4" axis="self" ptType="node">
+        <dgm:layoutNode name="hierRoot1">
+          <dgm:alg type="hierRoot"/>
+          <dgm:shape xmlns:r="http://schemas.openxmlformats.org/officeDocument/2006/relationships" r:blip="">
+            <dgm:adjLst/>
+          </dgm:shape>
+          <dgm:presOf/>
+          <dgm:constrLst>
+            <dgm:constr type="bendDist" for="des" ptType="parTrans" refType="sp" fact="0.5"/>
+          </dgm:constrLst>
+          <dgm:ruleLst/>
+          <dgm:layoutNode name="composite">
+            <dgm:alg type="composite"/>
+            <dgm:shape xmlns:r="http://schemas.openxmlformats.org/officeDocument/2006/relationships" r:blip="">
+              <dgm:adjLst/>
+            </dgm:shape>
+            <dgm:presOf/>
+            <dgm:constrLst>
+              <dgm:constr type="h" for="ch" forName="image" refType="h" fact="0.8"/>
+              <dgm:constr type="w" for="ch" forName="image" refType="h" refFor="ch" refForName="image"/>
+              <dgm:constr type="t" for="ch" forName="image" refType="h" fact="0.1"/>
+              <dgm:constr type="l" for="ch" forName="image"/>
+              <dgm:constr type="w" for="ch" forName="text" refType="w" fact="0.6"/>
+              <dgm:constr type="h" for="ch" forName="text" refType="h" fact="0.8"/>
+              <dgm:constr type="t" for="ch" forName="text" refType="w" fact="0.04"/>
+              <dgm:constr type="l" for="ch" forName="text" refType="w" fact="0.4"/>
+            </dgm:constrLst>
+            <dgm:ruleLst/>
+            <dgm:layoutNode name="image" styleLbl="node0">
+              <dgm:alg type="sp"/>
+              <dgm:shape xmlns:r="http://schemas.openxmlformats.org/officeDocument/2006/relationships" type="ellipse" r:blip="" blipPhldr="1">
+                <dgm:adjLst/>
+              </dgm:shape>
+              <dgm:presOf/>
+              <dgm:constrLst/>
+              <dgm:ruleLst/>
+            </dgm:layoutNode>
+            <dgm:layoutNode name="text" styleLbl="revTx">
+              <dgm:varLst>
+                <dgm:chPref val="3"/>
+              </dgm:varLst>
+              <dgm:alg type="tx">
+                <dgm:param type="parTxLTRAlign" val="l"/>
+                <dgm:param type="parTxRTLAlign" val="r"/>
+              </dgm:alg>
+              <dgm:shape xmlns:r="http://schemas.openxmlformats.org/officeDocument/2006/relationships" type="rect" r:blip="">
+                <dgm:adjLst/>
+              </dgm:shape>
+              <dgm:presOf axis="self"/>
+              <dgm:constrLst>
+                <dgm:constr type="tMarg" refType="primFontSz" fact="0.3"/>
+                <dgm:constr type="bMarg" refType="primFontSz" fact="0.3"/>
+                <dgm:constr type="lMarg" refType="primFontSz" fact="0.3"/>
+                <dgm:constr type="rMarg" refType="primFontSz" fact="0.3"/>
+              </dgm:constrLst>
+              <dgm:ruleLst>
+                <dgm:rule type="primFontSz" val="5" fact="NaN" max="NaN"/>
+              </dgm:ruleLst>
+            </dgm:layoutNode>
+          </dgm:layoutNode>
+          <dgm:layoutNode name="hierChild2">
+            <dgm:choose name="Name5">
+              <dgm:if name="Name6" func="var" arg="dir" op="equ" val="norm">
+                <dgm:alg type="hierChild">
+                  <dgm:param type="linDir" val="fromL"/>
+                </dgm:alg>
+              </dgm:if>
+              <dgm:else name="Name7">
+                <dgm:alg type="hierChild">
+                  <dgm:param type="linDir" val="fromR"/>
+                </dgm:alg>
+              </dgm:else>
+            </dgm:choose>
+            <dgm:shape xmlns:r="http://schemas.openxmlformats.org/officeDocument/2006/relationships" r:blip="">
+              <dgm:adjLst/>
+            </dgm:shape>
+            <dgm:presOf/>
+            <dgm:constrLst/>
+            <dgm:ruleLst/>
+            <dgm:forEach name="Name8" axis="ch">
+              <dgm:forEach name="Name9" axis="self" ptType="parTrans" cnt="1">
+                <dgm:layoutNode name="Name10">
+                  <dgm:alg type="conn">
+                    <dgm:param type="dim" val="1D"/>
+                    <dgm:param type="endSty" val="noArr"/>
+                    <dgm:param type="connRout" val="bend"/>
+                    <dgm:param type="bendPt" val="end"/>
+                    <dgm:param type="begPts" val="bCtr"/>
+                    <dgm:param type="endPts" val="tCtr"/>
+                    <dgm:param type="srcNode" val="image"/>
+                    <dgm:param type="dstNode" val="image2"/>
+                  </dgm:alg>
+                  <dgm:shape xmlns:r="http://schemas.openxmlformats.org/officeDocument/2006/relationships" type="conn" r:blip="" zOrderOff="-999">
+                    <dgm:adjLst/>
+                  </dgm:shape>
+                  <dgm:presOf axis="self"/>
+                  <dgm:constrLst>
+                    <dgm:constr type="begPad"/>
+                    <dgm:constr type="endPad"/>
+                  </dgm:constrLst>
+                  <dgm:ruleLst/>
+                </dgm:layoutNode>
+              </dgm:forEach>
+              <dgm:forEach name="Name11" axis="self" ptType="node">
+                <dgm:layoutNode name="hierRoot2">
+                  <dgm:alg type="hierRoot"/>
+                  <dgm:shape xmlns:r="http://schemas.openxmlformats.org/officeDocument/2006/relationships" r:blip="">
+                    <dgm:adjLst/>
+                  </dgm:shape>
+                  <dgm:presOf/>
+                  <dgm:constrLst>
+                    <dgm:constr type="bendDist" for="des" ptType="parTrans" refType="sp" fact="0.5"/>
+                  </dgm:constrLst>
+                  <dgm:ruleLst/>
+                  <dgm:layoutNode name="composite2">
+                    <dgm:alg type="composite"/>
+                    <dgm:shape xmlns:r="http://schemas.openxmlformats.org/officeDocument/2006/relationships" r:blip="">
+                      <dgm:adjLst/>
+                    </dgm:shape>
+                    <dgm:presOf/>
+                    <dgm:constrLst>
+                      <dgm:constr type="h" for="ch" forName="image2" refType="h" fact="0.8"/>
+                      <dgm:constr type="w" for="ch" forName="image2" refType="h" refFor="ch" refForName="image2"/>
+                      <dgm:constr type="t" for="ch" forName="image2" refType="h" fact="0.1"/>
+                      <dgm:constr type="l" for="ch" forName="image2"/>
+                      <dgm:constr type="w" for="ch" forName="text2" refType="w" fact="0.6"/>
+                      <dgm:constr type="h" for="ch" forName="text2" refType="h" fact="0.8"/>
+                      <dgm:constr type="t" for="ch" forName="text2" refType="w" fact="0.04"/>
+                      <dgm:constr type="l" for="ch" forName="text2" refType="w" fact="0.4"/>
+                    </dgm:constrLst>
+                    <dgm:ruleLst/>
+                    <dgm:layoutNode name="image2">
+                      <dgm:alg type="sp"/>
+                      <dgm:shape xmlns:r="http://schemas.openxmlformats.org/officeDocument/2006/relationships" type="ellipse" r:blip="" blipPhldr="1">
+                        <dgm:adjLst/>
+                      </dgm:shape>
+                      <dgm:presOf/>
+                      <dgm:constrLst/>
+                      <dgm:ruleLst/>
+                    </dgm:layoutNode>
+                    <dgm:layoutNode name="text2" styleLbl="revTx">
+                      <dgm:varLst>
+                        <dgm:chPref val="3"/>
+                      </dgm:varLst>
+                      <dgm:alg type="tx">
+                        <dgm:param type="parTxLTRAlign" val="l"/>
+                        <dgm:param type="parTxRTLAlign" val="r"/>
+                      </dgm:alg>
+                      <dgm:shape xmlns:r="http://schemas.openxmlformats.org/officeDocument/2006/relationships" type="rect" r:blip="">
+                        <dgm:adjLst/>
+                      </dgm:shape>
+                      <dgm:presOf axis="self"/>
+                      <dgm:constrLst>
+                        <dgm:constr type="tMarg" refType="primFontSz" fact="0.3"/>
+                        <dgm:constr type="bMarg" refType="primFontSz" fact="0.3"/>
+                        <dgm:constr type="lMarg" refType="primFontSz" fact="0.3"/>
+                        <dgm:constr type="rMarg" refType="primFontSz" fact="0.3"/>
+                      </dgm:constrLst>
+                      <dgm:ruleLst>
+                        <dgm:rule type="primFontSz" val="5" fact="NaN" max="NaN"/>
+                      </dgm:ruleLst>
+                    </dgm:layoutNode>
+                  </dgm:layoutNode>
+                  <dgm:layoutNode name="hierChild3">
+                    <dgm:choose name="Name12">
+                      <dgm:if name="Name13" func="var" arg="dir" op="equ" val="norm">
+                        <dgm:alg type="hierChild">
+                          <dgm:param type="linDir" val="fromL"/>
+                        </dgm:alg>
+                      </dgm:if>
+                      <dgm:else name="Name14">
+                        <dgm:alg type="hierChild">
+                          <dgm:param type="linDir" val="fromR"/>
+                        </dgm:alg>
+                      </dgm:else>
+                    </dgm:choose>
+                    <dgm:shape xmlns:r="http://schemas.openxmlformats.org/officeDocument/2006/relationships" r:blip="">
+                      <dgm:adjLst/>
+                    </dgm:shape>
+                    <dgm:presOf/>
+                    <dgm:constrLst/>
+                    <dgm:ruleLst/>
+                    <dgm:forEach name="Name15" axis="ch">
+                      <dgm:forEach name="Name16" axis="self" ptType="parTrans" cnt="1">
+                        <dgm:layoutNode name="Name17">
+                          <dgm:alg type="conn">
+                            <dgm:param type="dim" val="1D"/>
+                            <dgm:param type="endSty" val="noArr"/>
+                            <dgm:param type="connRout" val="bend"/>
+                            <dgm:param type="bendPt" val="end"/>
+                            <dgm:param type="begPts" val="bCtr"/>
+                            <dgm:param type="endPts" val="tCtr"/>
+                            <dgm:param type="srcNode" val="image2"/>
+                            <dgm:param type="dstNode" val="image3"/>
+                          </dgm:alg>
+                          <dgm:shape xmlns:r="http://schemas.openxmlformats.org/officeDocument/2006/relationships" type="conn" r:blip="" zOrderOff="-999">
+                            <dgm:adjLst/>
+                          </dgm:shape>
+                          <dgm:presOf axis="self"/>
+                          <dgm:constrLst>
+                            <dgm:constr type="begPad"/>
+                            <dgm:constr type="endPad"/>
+                          </dgm:constrLst>
+                          <dgm:ruleLst/>
+                        </dgm:layoutNode>
+                      </dgm:forEach>
+                      <dgm:forEach name="Name18" axis="self" ptType="node">
+                        <dgm:layoutNode name="hierRoot3">
+                          <dgm:alg type="hierRoot"/>
+                          <dgm:shape xmlns:r="http://schemas.openxmlformats.org/officeDocument/2006/relationships" r:blip="">
+                            <dgm:adjLst/>
+                          </dgm:shape>
+                          <dgm:presOf/>
+                          <dgm:constrLst>
+                            <dgm:constr type="bendDist" for="des" ptType="parTrans" refType="sp" fact="0.5"/>
+                          </dgm:constrLst>
+                          <dgm:ruleLst/>
+                          <dgm:layoutNode name="composite3">
+                            <dgm:alg type="composite"/>
+                            <dgm:shape xmlns:r="http://schemas.openxmlformats.org/officeDocument/2006/relationships" r:blip="">
+                              <dgm:adjLst/>
+                            </dgm:shape>
+                            <dgm:presOf/>
+                            <dgm:constrLst>
+                              <dgm:constr type="h" for="ch" forName="image3" refType="h" fact="0.8"/>
+                              <dgm:constr type="w" for="ch" forName="image3" refType="h" refFor="ch" refForName="image3"/>
+                              <dgm:constr type="t" for="ch" forName="image3" refType="h" fact="0.1"/>
+                              <dgm:constr type="l" for="ch" forName="image3"/>
+                              <dgm:constr type="w" for="ch" forName="text3" refType="w" fact="0.6"/>
+                              <dgm:constr type="h" for="ch" forName="text3" refType="h" fact="0.8"/>
+                              <dgm:constr type="t" for="ch" forName="text3" refType="w" fact="0.04"/>
+                              <dgm:constr type="l" for="ch" forName="text3" refType="w" fact="0.4"/>
+                            </dgm:constrLst>
+                            <dgm:ruleLst/>
+                            <dgm:layoutNode name="image3">
+                              <dgm:alg type="sp"/>
+                              <dgm:shape xmlns:r="http://schemas.openxmlformats.org/officeDocument/2006/relationships" type="ellipse" r:blip="" blipPhldr="1">
+                                <dgm:adjLst/>
+                              </dgm:shape>
+                              <dgm:presOf/>
+                              <dgm:constrLst/>
+                              <dgm:ruleLst/>
+                            </dgm:layoutNode>
+                            <dgm:layoutNode name="text3" styleLbl="revTx">
+                              <dgm:varLst>
+                                <dgm:chPref val="3"/>
+                              </dgm:varLst>
+                              <dgm:alg type="tx">
+                                <dgm:param type="parTxLTRAlign" val="l"/>
+                                <dgm:param type="parTxRTLAlign" val="r"/>
+                              </dgm:alg>
+                              <dgm:shape xmlns:r="http://schemas.openxmlformats.org/officeDocument/2006/relationships" type="rect" r:blip="">
+                                <dgm:adjLst/>
+                              </dgm:shape>
+                              <dgm:presOf axis="self"/>
+                              <dgm:constrLst>
+                                <dgm:constr type="tMarg" refType="primFontSz" fact="0.3"/>
+                                <dgm:constr type="bMarg" refType="primFontSz" fact="0.3"/>
+                                <dgm:constr type="lMarg" refType="primFontSz" fact="0.3"/>
+                                <dgm:constr type="rMarg" refType="primFontSz" fact="0.3"/>
+                              </dgm:constrLst>
+                              <dgm:ruleLst>
+                                <dgm:rule type="primFontSz" val="5" fact="NaN" max="NaN"/>
+                              </dgm:ruleLst>
+                            </dgm:layoutNode>
+                          </dgm:layoutNode>
+                          <dgm:layoutNode name="hierChild4">
+                            <dgm:choose name="Name19">
+                              <dgm:if name="Name20" func="var" arg="dir" op="equ" val="norm">
+                                <dgm:alg type="hierChild">
+                                  <dgm:param type="linDir" val="fromL"/>
+                                </dgm:alg>
+                              </dgm:if>
+                              <dgm:else name="Name21">
+                                <dgm:alg type="hierChild">
+                                  <dgm:param type="linDir" val="fromR"/>
+                                </dgm:alg>
+                              </dgm:else>
+                            </dgm:choose>
+                            <dgm:shape xmlns:r="http://schemas.openxmlformats.org/officeDocument/2006/relationships" r:blip="">
+                              <dgm:adjLst/>
+                            </dgm:shape>
+                            <dgm:presOf/>
+                            <dgm:constrLst/>
+                            <dgm:ruleLst/>
+                            <dgm:forEach name="repeat" axis="ch">
+                              <dgm:forEach name="Name22" axis="self" ptType="parTrans" cnt="1">
+                                <dgm:layoutNode name="Name23">
+                                  <dgm:choose name="Name24">
+                                    <dgm:if name="Name25" axis="self" func="depth" op="lte" val="4">
+                                      <dgm:alg type="conn">
+                                        <dgm:param type="dim" val="1D"/>
+                                        <dgm:param type="endSty" val="noArr"/>
+                                        <dgm:param type="connRout" val="bend"/>
+                                        <dgm:param type="bendPt" val="end"/>
+                                        <dgm:param type="begPts" val="bCtr"/>
+                                        <dgm:param type="endPts" val="tCtr"/>
+                                        <dgm:param type="srcNode" val="image3"/>
+                                        <dgm:param type="dstNode" val="image4"/>
+                                      </dgm:alg>
+                                    </dgm:if>
+                                    <dgm:else name="Name26">
+                                      <dgm:alg type="conn">
+                                        <dgm:param type="dim" val="1D"/>
+                                        <dgm:param type="endSty" val="noArr"/>
+                                        <dgm:param type="connRout" val="bend"/>
+                                        <dgm:param type="bendPt" val="end"/>
+                                        <dgm:param type="begPts" val="bCtr"/>
+                                        <dgm:param type="endPts" val="tCtr"/>
+                                        <dgm:param type="srcNode" val="image4"/>
+                                        <dgm:param type="dstNode" val="image4"/>
+                                      </dgm:alg>
+                                    </dgm:else>
+                                  </dgm:choose>
+                                  <dgm:shape xmlns:r="http://schemas.openxmlformats.org/officeDocument/2006/relationships" type="conn" r:blip="" zOrderOff="-999">
+                                    <dgm:adjLst/>
+                                  </dgm:shape>
+                                  <dgm:presOf axis="self"/>
+                                  <dgm:constrLst>
+                                    <dgm:constr type="begPad"/>
+                                    <dgm:constr type="endPad"/>
+                                  </dgm:constrLst>
+                                  <dgm:ruleLst/>
+                                </dgm:layoutNode>
+                              </dgm:forEach>
+                              <dgm:forEach name="Name27" axis="self" ptType="node">
+                                <dgm:layoutNode name="hierRoot4">
+                                  <dgm:alg type="hierRoot"/>
+                                  <dgm:shape xmlns:r="http://schemas.openxmlformats.org/officeDocument/2006/relationships" r:blip="">
+                                    <dgm:adjLst/>
+                                  </dgm:shape>
+                                  <dgm:presOf/>
+                                  <dgm:constrLst>
+                                    <dgm:constr type="bendDist" for="des" ptType="parTrans" refType="sp" fact="0.5"/>
+                                  </dgm:constrLst>
+                                  <dgm:ruleLst/>
+                                  <dgm:layoutNode name="composite4">
+                                    <dgm:alg type="composite"/>
+                                    <dgm:shape xmlns:r="http://schemas.openxmlformats.org/officeDocument/2006/relationships" r:blip="">
+                                      <dgm:adjLst/>
+                                    </dgm:shape>
+                                    <dgm:presOf/>
+                                    <dgm:constrLst>
+                                      <dgm:constr type="h" for="ch" forName="image4" refType="h" fact="0.8"/>
+                                      <dgm:constr type="w" for="ch" forName="image4" refType="h" refFor="ch" refForName="image4"/>
+                                      <dgm:constr type="t" for="ch" forName="image4" refType="h" fact="0.1"/>
+                                      <dgm:constr type="l" for="ch" forName="image4"/>
+                                      <dgm:constr type="w" for="ch" forName="text4" refType="w" fact="0.6"/>
+                                      <dgm:constr type="h" for="ch" forName="text4" refType="h" fact="0.8"/>
+                                      <dgm:constr type="t" for="ch" forName="text4" refType="w" fact="0.04"/>
+                                      <dgm:constr type="l" for="ch" forName="text4" refType="w" fact="0.4"/>
+                                    </dgm:constrLst>
+                                    <dgm:ruleLst/>
+                                    <dgm:layoutNode name="image4">
+                                      <dgm:alg type="sp"/>
+                                      <dgm:shape xmlns:r="http://schemas.openxmlformats.org/officeDocument/2006/relationships" type="ellipse" r:blip="" blipPhldr="1">
+                                        <dgm:adjLst/>
+                                      </dgm:shape>
+                                      <dgm:presOf/>
+                                      <dgm:constrLst/>
+                                      <dgm:ruleLst/>
+                                    </dgm:layoutNode>
+                                    <dgm:layoutNode name="text4" styleLbl="revTx">
+                                      <dgm:varLst>
+                                        <dgm:chPref val="3"/>
+                                      </dgm:varLst>
+                                      <dgm:alg type="tx">
+                                        <dgm:param type="parTxLTRAlign" val="l"/>
+                                        <dgm:param type="parTxRTLAlign" val="r"/>
+                                      </dgm:alg>
+                                      <dgm:shape xmlns:r="http://schemas.openxmlformats.org/officeDocument/2006/relationships" type="rect" r:blip="">
+                                        <dgm:adjLst/>
+                                      </dgm:shape>
+                                      <dgm:presOf axis="self"/>
+                                      <dgm:constrLst>
+                                        <dgm:constr type="tMarg" refType="primFontSz" fact="0.3"/>
+                                        <dgm:constr type="bMarg" refType="primFontSz" fact="0.3"/>
+                                        <dgm:constr type="lMarg" refType="primFontSz" fact="0.3"/>
+                                        <dgm:constr type="rMarg" refType="primFontSz" fact="0.3"/>
+                                      </dgm:constrLst>
+                                      <dgm:ruleLst>
+                                        <dgm:rule type="primFontSz" val="5" fact="NaN" max="NaN"/>
+                                      </dgm:ruleLst>
+                                    </dgm:layoutNode>
+                                  </dgm:layoutNode>
+                                  <dgm:layoutNode name="hierChild5">
+                                    <dgm:choose name="Name28">
+                                      <dgm:if name="Name29" func="var" arg="dir" op="equ" val="norm">
+                                        <dgm:alg type="hierChild">
+                                          <dgm:param type="linDir" val="fromL"/>
+                                        </dgm:alg>
+                                      </dgm:if>
+                                      <dgm:else name="Name30">
+                                        <dgm:alg type="hierChild">
+                                          <dgm:param type="linDir" val="fromR"/>
+                                        </dgm:alg>
+                                      </dgm:else>
+                                    </dgm:choose>
+                                    <dgm:shape xmlns:r="http://schemas.openxmlformats.org/officeDocument/2006/relationships" r:blip="">
+                                      <dgm:adjLst/>
+                                    </dgm:shape>
+                                    <dgm:presOf/>
+                                    <dgm:constrLst/>
+                                    <dgm:ruleLst/>
+                                    <dgm:forEach name="Name31" ref="repeat"/>
+                                  </dgm:layoutNode>
+                                </dgm:layoutNode>
+                              </dgm:forEach>
+                            </dgm:forEach>
+                          </dgm:layoutNode>
+                        </dgm:layoutNode>
+                      </dgm:forEach>
+                    </dgm:forEach>
+                  </dgm:layoutNode>
+                </dgm:layoutNode>
+              </dgm:forEach>
+            </dgm:forEach>
+          </dgm:layoutNode>
+        </dgm:layoutNode>
+      </dgm:forEach>
+    </dgm:forEach>
+  </dgm:layoutNode>
+</dgm:layoutDef>
+</file>
+
+<file path=ppt/diagrams/layout5.xml><?xml version="1.0" encoding="utf-8"?>
 <dgm:layoutDef xmlns:dgm="http://schemas.openxmlformats.org/drawingml/2006/diagram" xmlns:a="http://schemas.openxmlformats.org/drawingml/2006/main" uniqueId="urn:microsoft.com/office/officeart/2005/8/layout/orgChart1">
   <dgm:title val=""/>
   <dgm:desc val=""/>
@@ -14694,340 +19318,6 @@
 </dgm:layoutDef>
 </file>
 
-<file path=ppt/diagrams/layout4.xml><?xml version="1.0" encoding="utf-8"?>
-<dgm:layoutDef xmlns:dgm="http://schemas.openxmlformats.org/drawingml/2006/diagram" xmlns:a="http://schemas.openxmlformats.org/drawingml/2006/main" uniqueId="urn:microsoft.com/office/officeart/2005/8/layout/vList2">
-  <dgm:title val=""/>
-  <dgm:desc val=""/>
-  <dgm:catLst>
-    <dgm:cat type="list" pri="3000"/>
-    <dgm:cat type="convert" pri="1000"/>
-  </dgm:catLst>
-  <dgm:sampData>
-    <dgm:dataModel>
-      <dgm:ptLst>
-        <dgm:pt modelId="0" type="doc"/>
-        <dgm:pt modelId="1">
-          <dgm:prSet phldr="1"/>
-        </dgm:pt>
-        <dgm:pt modelId="11">
-          <dgm:prSet phldr="1"/>
-        </dgm:pt>
-        <dgm:pt modelId="2">
-          <dgm:prSet phldr="1"/>
-        </dgm:pt>
-        <dgm:pt modelId="21">
-          <dgm:prSet phldr="1"/>
-        </dgm:pt>
-      </dgm:ptLst>
-      <dgm:cxnLst>
-        <dgm:cxn modelId="4" srcId="0" destId="1" srcOrd="0" destOrd="0"/>
-        <dgm:cxn modelId="5" srcId="0" destId="2" srcOrd="1" destOrd="0"/>
-        <dgm:cxn modelId="12" srcId="1" destId="11" srcOrd="0" destOrd="0"/>
-        <dgm:cxn modelId="23" srcId="2" destId="21" srcOrd="0" destOrd="0"/>
-      </dgm:cxnLst>
-      <dgm:bg/>
-      <dgm:whole/>
-    </dgm:dataModel>
-  </dgm:sampData>
-  <dgm:styleData>
-    <dgm:dataModel>
-      <dgm:ptLst>
-        <dgm:pt modelId="0" type="doc"/>
-        <dgm:pt modelId="1"/>
-        <dgm:pt modelId="2"/>
-      </dgm:ptLst>
-      <dgm:cxnLst>
-        <dgm:cxn modelId="3" srcId="0" destId="1" srcOrd="0" destOrd="0"/>
-        <dgm:cxn modelId="4" srcId="0" destId="2" srcOrd="1" destOrd="0"/>
-      </dgm:cxnLst>
-      <dgm:bg/>
-      <dgm:whole/>
-    </dgm:dataModel>
-  </dgm:styleData>
-  <dgm:clrData>
-    <dgm:dataModel>
-      <dgm:ptLst>
-        <dgm:pt modelId="0" type="doc"/>
-        <dgm:pt modelId="1"/>
-        <dgm:pt modelId="2"/>
-        <dgm:pt modelId="3"/>
-        <dgm:pt modelId="4"/>
-      </dgm:ptLst>
-      <dgm:cxnLst>
-        <dgm:cxn modelId="5" srcId="0" destId="1" srcOrd="0" destOrd="0"/>
-        <dgm:cxn modelId="6" srcId="0" destId="2" srcOrd="1" destOrd="0"/>
-        <dgm:cxn modelId="7" srcId="0" destId="3" srcOrd="2" destOrd="0"/>
-        <dgm:cxn modelId="8" srcId="0" destId="4" srcOrd="3" destOrd="0"/>
-      </dgm:cxnLst>
-      <dgm:bg/>
-      <dgm:whole/>
-    </dgm:dataModel>
-  </dgm:clrData>
-  <dgm:layoutNode name="linear">
-    <dgm:varLst>
-      <dgm:animLvl val="lvl"/>
-      <dgm:resizeHandles val="exact"/>
-    </dgm:varLst>
-    <dgm:alg type="lin">
-      <dgm:param type="linDir" val="fromT"/>
-      <dgm:param type="vertAlign" val="mid"/>
-    </dgm:alg>
-    <dgm:shape xmlns:r="http://schemas.openxmlformats.org/officeDocument/2006/relationships" r:blip="">
-      <dgm:adjLst/>
-    </dgm:shape>
-    <dgm:presOf/>
-    <dgm:constrLst>
-      <dgm:constr type="w" for="ch" forName="parentText" refType="w"/>
-      <dgm:constr type="h" for="ch" forName="parentText" refType="primFontSz" refFor="ch" refForName="parentText" fact="0.52"/>
-      <dgm:constr type="w" for="ch" forName="childText" refType="w"/>
-      <dgm:constr type="h" for="ch" forName="childText" refType="primFontSz" refFor="ch" refForName="parentText" fact="0.46"/>
-      <dgm:constr type="h" for="ch" forName="parentText" op="equ"/>
-      <dgm:constr type="primFontSz" for="ch" forName="parentText" op="equ" val="65"/>
-      <dgm:constr type="primFontSz" for="ch" forName="childText" refType="primFontSz" refFor="ch" refForName="parentText" op="equ"/>
-      <dgm:constr type="h" for="ch" forName="spacer" refType="primFontSz" refFor="ch" refForName="parentText" fact="0.08"/>
-    </dgm:constrLst>
-    <dgm:ruleLst>
-      <dgm:rule type="primFontSz" for="ch" forName="parentText" val="5" fact="NaN" max="NaN"/>
-    </dgm:ruleLst>
-    <dgm:forEach name="Name0" axis="ch" ptType="node">
-      <dgm:layoutNode name="parentText" styleLbl="node1">
-        <dgm:varLst>
-          <dgm:chMax val="0"/>
-          <dgm:bulletEnabled val="1"/>
-        </dgm:varLst>
-        <dgm:alg type="tx">
-          <dgm:param type="parTxLTRAlign" val="l"/>
-          <dgm:param type="parTxRTLAlign" val="r"/>
-        </dgm:alg>
-        <dgm:shape xmlns:r="http://schemas.openxmlformats.org/officeDocument/2006/relationships" type="roundRect" r:blip="">
-          <dgm:adjLst/>
-        </dgm:shape>
-        <dgm:presOf axis="self"/>
-        <dgm:constrLst>
-          <dgm:constr type="tMarg" refType="primFontSz" fact="0.3"/>
-          <dgm:constr type="bMarg" refType="primFontSz" fact="0.3"/>
-          <dgm:constr type="lMarg" refType="primFontSz" fact="0.3"/>
-          <dgm:constr type="rMarg" refType="primFontSz" fact="0.3"/>
-        </dgm:constrLst>
-        <dgm:ruleLst>
-          <dgm:rule type="h" val="INF" fact="NaN" max="NaN"/>
-        </dgm:ruleLst>
-      </dgm:layoutNode>
-      <dgm:choose name="Name1">
-        <dgm:if name="Name2" axis="ch" ptType="node" func="cnt" op="gte" val="1">
-          <dgm:layoutNode name="childText" styleLbl="revTx">
-            <dgm:varLst>
-              <dgm:bulletEnabled val="1"/>
-            </dgm:varLst>
-            <dgm:alg type="tx">
-              <dgm:param type="stBulletLvl" val="1"/>
-              <dgm:param type="lnSpAfChP" val="20"/>
-            </dgm:alg>
-            <dgm:shape xmlns:r="http://schemas.openxmlformats.org/officeDocument/2006/relationships" type="rect" r:blip="">
-              <dgm:adjLst/>
-            </dgm:shape>
-            <dgm:presOf axis="des" ptType="node"/>
-            <dgm:constrLst>
-              <dgm:constr type="tMarg" refType="primFontSz" fact="0.1"/>
-              <dgm:constr type="bMarg" refType="primFontSz" fact="0.1"/>
-              <dgm:constr type="lMarg" refType="w" fact="0.09"/>
-            </dgm:constrLst>
-            <dgm:ruleLst>
-              <dgm:rule type="h" val="INF" fact="NaN" max="NaN"/>
-            </dgm:ruleLst>
-          </dgm:layoutNode>
-        </dgm:if>
-        <dgm:else name="Name3">
-          <dgm:choose name="Name4">
-            <dgm:if name="Name5" axis="par ch" ptType="doc node" func="cnt" op="gte" val="2">
-              <dgm:forEach name="Name6" axis="followSib" ptType="sibTrans" cnt="1">
-                <dgm:layoutNode name="spacer">
-                  <dgm:alg type="sp"/>
-                  <dgm:shape xmlns:r="http://schemas.openxmlformats.org/officeDocument/2006/relationships" r:blip="">
-                    <dgm:adjLst/>
-                  </dgm:shape>
-                  <dgm:presOf/>
-                  <dgm:constrLst/>
-                  <dgm:ruleLst/>
-                </dgm:layoutNode>
-              </dgm:forEach>
-            </dgm:if>
-            <dgm:else name="Name7"/>
-          </dgm:choose>
-        </dgm:else>
-      </dgm:choose>
-    </dgm:forEach>
-  </dgm:layoutNode>
-</dgm:layoutDef>
-</file>
-
-<file path=ppt/diagrams/layout5.xml><?xml version="1.0" encoding="utf-8"?>
-<dgm:layoutDef xmlns:dgm="http://schemas.openxmlformats.org/drawingml/2006/diagram" xmlns:a="http://schemas.openxmlformats.org/drawingml/2006/main" uniqueId="urn:microsoft.com/office/officeart/2005/8/layout/vList2">
-  <dgm:title val=""/>
-  <dgm:desc val=""/>
-  <dgm:catLst>
-    <dgm:cat type="list" pri="3000"/>
-    <dgm:cat type="convert" pri="1000"/>
-  </dgm:catLst>
-  <dgm:sampData>
-    <dgm:dataModel>
-      <dgm:ptLst>
-        <dgm:pt modelId="0" type="doc"/>
-        <dgm:pt modelId="1">
-          <dgm:prSet phldr="1"/>
-        </dgm:pt>
-        <dgm:pt modelId="11">
-          <dgm:prSet phldr="1"/>
-        </dgm:pt>
-        <dgm:pt modelId="2">
-          <dgm:prSet phldr="1"/>
-        </dgm:pt>
-        <dgm:pt modelId="21">
-          <dgm:prSet phldr="1"/>
-        </dgm:pt>
-      </dgm:ptLst>
-      <dgm:cxnLst>
-        <dgm:cxn modelId="4" srcId="0" destId="1" srcOrd="0" destOrd="0"/>
-        <dgm:cxn modelId="5" srcId="0" destId="2" srcOrd="1" destOrd="0"/>
-        <dgm:cxn modelId="12" srcId="1" destId="11" srcOrd="0" destOrd="0"/>
-        <dgm:cxn modelId="23" srcId="2" destId="21" srcOrd="0" destOrd="0"/>
-      </dgm:cxnLst>
-      <dgm:bg/>
-      <dgm:whole/>
-    </dgm:dataModel>
-  </dgm:sampData>
-  <dgm:styleData>
-    <dgm:dataModel>
-      <dgm:ptLst>
-        <dgm:pt modelId="0" type="doc"/>
-        <dgm:pt modelId="1"/>
-        <dgm:pt modelId="2"/>
-      </dgm:ptLst>
-      <dgm:cxnLst>
-        <dgm:cxn modelId="3" srcId="0" destId="1" srcOrd="0" destOrd="0"/>
-        <dgm:cxn modelId="4" srcId="0" destId="2" srcOrd="1" destOrd="0"/>
-      </dgm:cxnLst>
-      <dgm:bg/>
-      <dgm:whole/>
-    </dgm:dataModel>
-  </dgm:styleData>
-  <dgm:clrData>
-    <dgm:dataModel>
-      <dgm:ptLst>
-        <dgm:pt modelId="0" type="doc"/>
-        <dgm:pt modelId="1"/>
-        <dgm:pt modelId="2"/>
-        <dgm:pt modelId="3"/>
-        <dgm:pt modelId="4"/>
-      </dgm:ptLst>
-      <dgm:cxnLst>
-        <dgm:cxn modelId="5" srcId="0" destId="1" srcOrd="0" destOrd="0"/>
-        <dgm:cxn modelId="6" srcId="0" destId="2" srcOrd="1" destOrd="0"/>
-        <dgm:cxn modelId="7" srcId="0" destId="3" srcOrd="2" destOrd="0"/>
-        <dgm:cxn modelId="8" srcId="0" destId="4" srcOrd="3" destOrd="0"/>
-      </dgm:cxnLst>
-      <dgm:bg/>
-      <dgm:whole/>
-    </dgm:dataModel>
-  </dgm:clrData>
-  <dgm:layoutNode name="linear">
-    <dgm:varLst>
-      <dgm:animLvl val="lvl"/>
-      <dgm:resizeHandles val="exact"/>
-    </dgm:varLst>
-    <dgm:alg type="lin">
-      <dgm:param type="linDir" val="fromT"/>
-      <dgm:param type="vertAlign" val="mid"/>
-    </dgm:alg>
-    <dgm:shape xmlns:r="http://schemas.openxmlformats.org/officeDocument/2006/relationships" r:blip="">
-      <dgm:adjLst/>
-    </dgm:shape>
-    <dgm:presOf/>
-    <dgm:constrLst>
-      <dgm:constr type="w" for="ch" forName="parentText" refType="w"/>
-      <dgm:constr type="h" for="ch" forName="parentText" refType="primFontSz" refFor="ch" refForName="parentText" fact="0.52"/>
-      <dgm:constr type="w" for="ch" forName="childText" refType="w"/>
-      <dgm:constr type="h" for="ch" forName="childText" refType="primFontSz" refFor="ch" refForName="parentText" fact="0.46"/>
-      <dgm:constr type="h" for="ch" forName="parentText" op="equ"/>
-      <dgm:constr type="primFontSz" for="ch" forName="parentText" op="equ" val="65"/>
-      <dgm:constr type="primFontSz" for="ch" forName="childText" refType="primFontSz" refFor="ch" refForName="parentText" op="equ"/>
-      <dgm:constr type="h" for="ch" forName="spacer" refType="primFontSz" refFor="ch" refForName="parentText" fact="0.08"/>
-    </dgm:constrLst>
-    <dgm:ruleLst>
-      <dgm:rule type="primFontSz" for="ch" forName="parentText" val="5" fact="NaN" max="NaN"/>
-    </dgm:ruleLst>
-    <dgm:forEach name="Name0" axis="ch" ptType="node">
-      <dgm:layoutNode name="parentText" styleLbl="node1">
-        <dgm:varLst>
-          <dgm:chMax val="0"/>
-          <dgm:bulletEnabled val="1"/>
-        </dgm:varLst>
-        <dgm:alg type="tx">
-          <dgm:param type="parTxLTRAlign" val="l"/>
-          <dgm:param type="parTxRTLAlign" val="r"/>
-        </dgm:alg>
-        <dgm:shape xmlns:r="http://schemas.openxmlformats.org/officeDocument/2006/relationships" type="roundRect" r:blip="">
-          <dgm:adjLst/>
-        </dgm:shape>
-        <dgm:presOf axis="self"/>
-        <dgm:constrLst>
-          <dgm:constr type="tMarg" refType="primFontSz" fact="0.3"/>
-          <dgm:constr type="bMarg" refType="primFontSz" fact="0.3"/>
-          <dgm:constr type="lMarg" refType="primFontSz" fact="0.3"/>
-          <dgm:constr type="rMarg" refType="primFontSz" fact="0.3"/>
-        </dgm:constrLst>
-        <dgm:ruleLst>
-          <dgm:rule type="h" val="INF" fact="NaN" max="NaN"/>
-        </dgm:ruleLst>
-      </dgm:layoutNode>
-      <dgm:choose name="Name1">
-        <dgm:if name="Name2" axis="ch" ptType="node" func="cnt" op="gte" val="1">
-          <dgm:layoutNode name="childText" styleLbl="revTx">
-            <dgm:varLst>
-              <dgm:bulletEnabled val="1"/>
-            </dgm:varLst>
-            <dgm:alg type="tx">
-              <dgm:param type="stBulletLvl" val="1"/>
-              <dgm:param type="lnSpAfChP" val="20"/>
-            </dgm:alg>
-            <dgm:shape xmlns:r="http://schemas.openxmlformats.org/officeDocument/2006/relationships" type="rect" r:blip="">
-              <dgm:adjLst/>
-            </dgm:shape>
-            <dgm:presOf axis="des" ptType="node"/>
-            <dgm:constrLst>
-              <dgm:constr type="tMarg" refType="primFontSz" fact="0.1"/>
-              <dgm:constr type="bMarg" refType="primFontSz" fact="0.1"/>
-              <dgm:constr type="lMarg" refType="w" fact="0.09"/>
-            </dgm:constrLst>
-            <dgm:ruleLst>
-              <dgm:rule type="h" val="INF" fact="NaN" max="NaN"/>
-            </dgm:ruleLst>
-          </dgm:layoutNode>
-        </dgm:if>
-        <dgm:else name="Name3">
-          <dgm:choose name="Name4">
-            <dgm:if name="Name5" axis="par ch" ptType="doc node" func="cnt" op="gte" val="2">
-              <dgm:forEach name="Name6" axis="followSib" ptType="sibTrans" cnt="1">
-                <dgm:layoutNode name="spacer">
-                  <dgm:alg type="sp"/>
-                  <dgm:shape xmlns:r="http://schemas.openxmlformats.org/officeDocument/2006/relationships" r:blip="">
-                    <dgm:adjLst/>
-                  </dgm:shape>
-                  <dgm:presOf/>
-                  <dgm:constrLst/>
-                  <dgm:ruleLst/>
-                </dgm:layoutNode>
-              </dgm:forEach>
-            </dgm:if>
-            <dgm:else name="Name7"/>
-          </dgm:choose>
-        </dgm:else>
-      </dgm:choose>
-    </dgm:forEach>
-  </dgm:layoutNode>
-</dgm:layoutDef>
-</file>
-
 <file path=ppt/diagrams/layout6.xml><?xml version="1.0" encoding="utf-8"?>
 <dgm:layoutDef xmlns:dgm="http://schemas.openxmlformats.org/drawingml/2006/diagram" xmlns:a="http://schemas.openxmlformats.org/drawingml/2006/main" uniqueId="urn:microsoft.com/office/officeart/2005/8/layout/vList2">
   <dgm:title val=""/>
@@ -17764,6 +22054,2074 @@
 </dgm:styleDef>
 </file>
 
+<file path=ppt/diagrams/quickStyle11.xml><?xml version="1.0" encoding="utf-8"?>
+<dgm:styleDef xmlns:dgm="http://schemas.openxmlformats.org/drawingml/2006/diagram" xmlns:a="http://schemas.openxmlformats.org/drawingml/2006/main" uniqueId="urn:microsoft.com/office/officeart/2005/8/quickstyle/simple1">
+  <dgm:title val=""/>
+  <dgm:desc val=""/>
+  <dgm:catLst>
+    <dgm:cat type="simple" pri="10100"/>
+  </dgm:catLst>
+  <dgm:scene3d>
+    <a:camera prst="orthographicFront"/>
+    <a:lightRig rig="threePt" dir="t"/>
+  </dgm:scene3d>
+  <dgm:styleLbl name="node0">
+    <dgm:scene3d>
+      <a:camera prst="orthographicFront"/>
+      <a:lightRig rig="threePt" dir="t"/>
+    </dgm:scene3d>
+    <dgm:sp3d/>
+    <dgm:txPr/>
+    <dgm:style>
+      <a:lnRef idx="2">
+        <a:scrgbClr r="0" g="0" b="0"/>
+      </a:lnRef>
+      <a:fillRef idx="1">
+        <a:scrgbClr r="0" g="0" b="0"/>
+      </a:fillRef>
+      <a:effectRef idx="0">
+        <a:scrgbClr r="0" g="0" b="0"/>
+      </a:effectRef>
+      <a:fontRef idx="minor">
+        <a:schemeClr val="lt1"/>
+      </a:fontRef>
+    </dgm:style>
+  </dgm:styleLbl>
+  <dgm:styleLbl name="lnNode1">
+    <dgm:scene3d>
+      <a:camera prst="orthographicFront"/>
+      <a:lightRig rig="threePt" dir="t"/>
+    </dgm:scene3d>
+    <dgm:sp3d/>
+    <dgm:txPr/>
+    <dgm:style>
+      <a:lnRef idx="2">
+        <a:scrgbClr r="0" g="0" b="0"/>
+      </a:lnRef>
+      <a:fillRef idx="1">
+        <a:scrgbClr r="0" g="0" b="0"/>
+      </a:fillRef>
+      <a:effectRef idx="0">
+        <a:scrgbClr r="0" g="0" b="0"/>
+      </a:effectRef>
+      <a:fontRef idx="minor">
+        <a:schemeClr val="lt1"/>
+      </a:fontRef>
+    </dgm:style>
+  </dgm:styleLbl>
+  <dgm:styleLbl name="vennNode1">
+    <dgm:scene3d>
+      <a:camera prst="orthographicFront"/>
+      <a:lightRig rig="threePt" dir="t"/>
+    </dgm:scene3d>
+    <dgm:sp3d/>
+    <dgm:txPr/>
+    <dgm:style>
+      <a:lnRef idx="2">
+        <a:scrgbClr r="0" g="0" b="0"/>
+      </a:lnRef>
+      <a:fillRef idx="1">
+        <a:scrgbClr r="0" g="0" b="0"/>
+      </a:fillRef>
+      <a:effectRef idx="0">
+        <a:scrgbClr r="0" g="0" b="0"/>
+      </a:effectRef>
+      <a:fontRef idx="minor">
+        <a:schemeClr val="tx1"/>
+      </a:fontRef>
+    </dgm:style>
+  </dgm:styleLbl>
+  <dgm:styleLbl name="alignNode1">
+    <dgm:scene3d>
+      <a:camera prst="orthographicFront"/>
+      <a:lightRig rig="threePt" dir="t"/>
+    </dgm:scene3d>
+    <dgm:sp3d/>
+    <dgm:txPr/>
+    <dgm:style>
+      <a:lnRef idx="2">
+        <a:scrgbClr r="0" g="0" b="0"/>
+      </a:lnRef>
+      <a:fillRef idx="1">
+        <a:scrgbClr r="0" g="0" b="0"/>
+      </a:fillRef>
+      <a:effectRef idx="0">
+        <a:scrgbClr r="0" g="0" b="0"/>
+      </a:effectRef>
+      <a:fontRef idx="minor">
+        <a:schemeClr val="lt1"/>
+      </a:fontRef>
+    </dgm:style>
+  </dgm:styleLbl>
+  <dgm:styleLbl name="node1">
+    <dgm:scene3d>
+      <a:camera prst="orthographicFront"/>
+      <a:lightRig rig="threePt" dir="t"/>
+    </dgm:scene3d>
+    <dgm:sp3d/>
+    <dgm:txPr/>
+    <dgm:style>
+      <a:lnRef idx="2">
+        <a:scrgbClr r="0" g="0" b="0"/>
+      </a:lnRef>
+      <a:fillRef idx="1">
+        <a:scrgbClr r="0" g="0" b="0"/>
+      </a:fillRef>
+      <a:effectRef idx="0">
+        <a:scrgbClr r="0" g="0" b="0"/>
+      </a:effectRef>
+      <a:fontRef idx="minor">
+        <a:schemeClr val="lt1"/>
+      </a:fontRef>
+    </dgm:style>
+  </dgm:styleLbl>
+  <dgm:styleLbl name="node2">
+    <dgm:scene3d>
+      <a:camera prst="orthographicFront"/>
+      <a:lightRig rig="threePt" dir="t"/>
+    </dgm:scene3d>
+    <dgm:sp3d/>
+    <dgm:txPr/>
+    <dgm:style>
+      <a:lnRef idx="2">
+        <a:scrgbClr r="0" g="0" b="0"/>
+      </a:lnRef>
+      <a:fillRef idx="1">
+        <a:scrgbClr r="0" g="0" b="0"/>
+      </a:fillRef>
+      <a:effectRef idx="0">
+        <a:scrgbClr r="0" g="0" b="0"/>
+      </a:effectRef>
+      <a:fontRef idx="minor">
+        <a:schemeClr val="lt1"/>
+      </a:fontRef>
+    </dgm:style>
+  </dgm:styleLbl>
+  <dgm:styleLbl name="node3">
+    <dgm:scene3d>
+      <a:camera prst="orthographicFront"/>
+      <a:lightRig rig="threePt" dir="t"/>
+    </dgm:scene3d>
+    <dgm:sp3d/>
+    <dgm:txPr/>
+    <dgm:style>
+      <a:lnRef idx="2">
+        <a:scrgbClr r="0" g="0" b="0"/>
+      </a:lnRef>
+      <a:fillRef idx="1">
+        <a:scrgbClr r="0" g="0" b="0"/>
+      </a:fillRef>
+      <a:effectRef idx="0">
+        <a:scrgbClr r="0" g="0" b="0"/>
+      </a:effectRef>
+      <a:fontRef idx="minor">
+        <a:schemeClr val="lt1"/>
+      </a:fontRef>
+    </dgm:style>
+  </dgm:styleLbl>
+  <dgm:styleLbl name="node4">
+    <dgm:scene3d>
+      <a:camera prst="orthographicFront"/>
+      <a:lightRig rig="threePt" dir="t"/>
+    </dgm:scene3d>
+    <dgm:sp3d/>
+    <dgm:txPr/>
+    <dgm:style>
+      <a:lnRef idx="2">
+        <a:scrgbClr r="0" g="0" b="0"/>
+      </a:lnRef>
+      <a:fillRef idx="1">
+        <a:scrgbClr r="0" g="0" b="0"/>
+      </a:fillRef>
+      <a:effectRef idx="0">
+        <a:scrgbClr r="0" g="0" b="0"/>
+      </a:effectRef>
+      <a:fontRef idx="minor">
+        <a:schemeClr val="lt1"/>
+      </a:fontRef>
+    </dgm:style>
+  </dgm:styleLbl>
+  <dgm:styleLbl name="fgImgPlace1">
+    <dgm:scene3d>
+      <a:camera prst="orthographicFront"/>
+      <a:lightRig rig="threePt" dir="t"/>
+    </dgm:scene3d>
+    <dgm:sp3d/>
+    <dgm:txPr/>
+    <dgm:style>
+      <a:lnRef idx="2">
+        <a:scrgbClr r="0" g="0" b="0"/>
+      </a:lnRef>
+      <a:fillRef idx="1">
+        <a:scrgbClr r="0" g="0" b="0"/>
+      </a:fillRef>
+      <a:effectRef idx="0">
+        <a:scrgbClr r="0" g="0" b="0"/>
+      </a:effectRef>
+      <a:fontRef idx="minor"/>
+    </dgm:style>
+  </dgm:styleLbl>
+  <dgm:styleLbl name="alignImgPlace1">
+    <dgm:scene3d>
+      <a:camera prst="orthographicFront"/>
+      <a:lightRig rig="threePt" dir="t"/>
+    </dgm:scene3d>
+    <dgm:sp3d/>
+    <dgm:txPr/>
+    <dgm:style>
+      <a:lnRef idx="2">
+        <a:scrgbClr r="0" g="0" b="0"/>
+      </a:lnRef>
+      <a:fillRef idx="1">
+        <a:scrgbClr r="0" g="0" b="0"/>
+      </a:fillRef>
+      <a:effectRef idx="0">
+        <a:scrgbClr r="0" g="0" b="0"/>
+      </a:effectRef>
+      <a:fontRef idx="minor"/>
+    </dgm:style>
+  </dgm:styleLbl>
+  <dgm:styleLbl name="bgImgPlace1">
+    <dgm:scene3d>
+      <a:camera prst="orthographicFront"/>
+      <a:lightRig rig="threePt" dir="t"/>
+    </dgm:scene3d>
+    <dgm:sp3d/>
+    <dgm:txPr/>
+    <dgm:style>
+      <a:lnRef idx="2">
+        <a:scrgbClr r="0" g="0" b="0"/>
+      </a:lnRef>
+      <a:fillRef idx="1">
+        <a:scrgbClr r="0" g="0" b="0"/>
+      </a:fillRef>
+      <a:effectRef idx="0">
+        <a:scrgbClr r="0" g="0" b="0"/>
+      </a:effectRef>
+      <a:fontRef idx="minor"/>
+    </dgm:style>
+  </dgm:styleLbl>
+  <dgm:styleLbl name="sibTrans2D1">
+    <dgm:scene3d>
+      <a:camera prst="orthographicFront"/>
+      <a:lightRig rig="threePt" dir="t"/>
+    </dgm:scene3d>
+    <dgm:sp3d/>
+    <dgm:txPr/>
+    <dgm:style>
+      <a:lnRef idx="0">
+        <a:scrgbClr r="0" g="0" b="0"/>
+      </a:lnRef>
+      <a:fillRef idx="1">
+        <a:scrgbClr r="0" g="0" b="0"/>
+      </a:fillRef>
+      <a:effectRef idx="0">
+        <a:scrgbClr r="0" g="0" b="0"/>
+      </a:effectRef>
+      <a:fontRef idx="minor">
+        <a:schemeClr val="lt1"/>
+      </a:fontRef>
+    </dgm:style>
+  </dgm:styleLbl>
+  <dgm:styleLbl name="fgSibTrans2D1">
+    <dgm:scene3d>
+      <a:camera prst="orthographicFront"/>
+      <a:lightRig rig="threePt" dir="t"/>
+    </dgm:scene3d>
+    <dgm:sp3d/>
+    <dgm:txPr/>
+    <dgm:style>
+      <a:lnRef idx="0">
+        <a:scrgbClr r="0" g="0" b="0"/>
+      </a:lnRef>
+      <a:fillRef idx="1">
+        <a:scrgbClr r="0" g="0" b="0"/>
+      </a:fillRef>
+      <a:effectRef idx="0">
+        <a:scrgbClr r="0" g="0" b="0"/>
+      </a:effectRef>
+      <a:fontRef idx="minor">
+        <a:schemeClr val="lt1"/>
+      </a:fontRef>
+    </dgm:style>
+  </dgm:styleLbl>
+  <dgm:styleLbl name="bgSibTrans2D1">
+    <dgm:scene3d>
+      <a:camera prst="orthographicFront"/>
+      <a:lightRig rig="threePt" dir="t"/>
+    </dgm:scene3d>
+    <dgm:sp3d/>
+    <dgm:txPr/>
+    <dgm:style>
+      <a:lnRef idx="0">
+        <a:scrgbClr r="0" g="0" b="0"/>
+      </a:lnRef>
+      <a:fillRef idx="1">
+        <a:scrgbClr r="0" g="0" b="0"/>
+      </a:fillRef>
+      <a:effectRef idx="0">
+        <a:scrgbClr r="0" g="0" b="0"/>
+      </a:effectRef>
+      <a:fontRef idx="minor">
+        <a:schemeClr val="lt1"/>
+      </a:fontRef>
+    </dgm:style>
+  </dgm:styleLbl>
+  <dgm:styleLbl name="sibTrans1D1">
+    <dgm:scene3d>
+      <a:camera prst="orthographicFront"/>
+      <a:lightRig rig="threePt" dir="t"/>
+    </dgm:scene3d>
+    <dgm:sp3d/>
+    <dgm:txPr/>
+    <dgm:style>
+      <a:lnRef idx="1">
+        <a:scrgbClr r="0" g="0" b="0"/>
+      </a:lnRef>
+      <a:fillRef idx="0">
+        <a:scrgbClr r="0" g="0" b="0"/>
+      </a:fillRef>
+      <a:effectRef idx="0">
+        <a:scrgbClr r="0" g="0" b="0"/>
+      </a:effectRef>
+      <a:fontRef idx="minor"/>
+    </dgm:style>
+  </dgm:styleLbl>
+  <dgm:styleLbl name="callout">
+    <dgm:scene3d>
+      <a:camera prst="orthographicFront"/>
+      <a:lightRig rig="threePt" dir="t"/>
+    </dgm:scene3d>
+    <dgm:sp3d/>
+    <dgm:txPr/>
+    <dgm:style>
+      <a:lnRef idx="2">
+        <a:scrgbClr r="0" g="0" b="0"/>
+      </a:lnRef>
+      <a:fillRef idx="1">
+        <a:scrgbClr r="0" g="0" b="0"/>
+      </a:fillRef>
+      <a:effectRef idx="0">
+        <a:scrgbClr r="0" g="0" b="0"/>
+      </a:effectRef>
+      <a:fontRef idx="minor"/>
+    </dgm:style>
+  </dgm:styleLbl>
+  <dgm:styleLbl name="asst0">
+    <dgm:scene3d>
+      <a:camera prst="orthographicFront"/>
+      <a:lightRig rig="threePt" dir="t"/>
+    </dgm:scene3d>
+    <dgm:sp3d/>
+    <dgm:txPr/>
+    <dgm:style>
+      <a:lnRef idx="2">
+        <a:scrgbClr r="0" g="0" b="0"/>
+      </a:lnRef>
+      <a:fillRef idx="1">
+        <a:scrgbClr r="0" g="0" b="0"/>
+      </a:fillRef>
+      <a:effectRef idx="0">
+        <a:scrgbClr r="0" g="0" b="0"/>
+      </a:effectRef>
+      <a:fontRef idx="minor">
+        <a:schemeClr val="lt1"/>
+      </a:fontRef>
+    </dgm:style>
+  </dgm:styleLbl>
+  <dgm:styleLbl name="asst1">
+    <dgm:scene3d>
+      <a:camera prst="orthographicFront"/>
+      <a:lightRig rig="threePt" dir="t"/>
+    </dgm:scene3d>
+    <dgm:sp3d/>
+    <dgm:txPr/>
+    <dgm:style>
+      <a:lnRef idx="2">
+        <a:scrgbClr r="0" g="0" b="0"/>
+      </a:lnRef>
+      <a:fillRef idx="1">
+        <a:scrgbClr r="0" g="0" b="0"/>
+      </a:fillRef>
+      <a:effectRef idx="0">
+        <a:scrgbClr r="0" g="0" b="0"/>
+      </a:effectRef>
+      <a:fontRef idx="minor">
+        <a:schemeClr val="lt1"/>
+      </a:fontRef>
+    </dgm:style>
+  </dgm:styleLbl>
+  <dgm:styleLbl name="asst2">
+    <dgm:scene3d>
+      <a:camera prst="orthographicFront"/>
+      <a:lightRig rig="threePt" dir="t"/>
+    </dgm:scene3d>
+    <dgm:sp3d/>
+    <dgm:txPr/>
+    <dgm:style>
+      <a:lnRef idx="2">
+        <a:scrgbClr r="0" g="0" b="0"/>
+      </a:lnRef>
+      <a:fillRef idx="1">
+        <a:scrgbClr r="0" g="0" b="0"/>
+      </a:fillRef>
+      <a:effectRef idx="0">
+        <a:scrgbClr r="0" g="0" b="0"/>
+      </a:effectRef>
+      <a:fontRef idx="minor">
+        <a:schemeClr val="lt1"/>
+      </a:fontRef>
+    </dgm:style>
+  </dgm:styleLbl>
+  <dgm:styleLbl name="asst3">
+    <dgm:scene3d>
+      <a:camera prst="orthographicFront"/>
+      <a:lightRig rig="threePt" dir="t"/>
+    </dgm:scene3d>
+    <dgm:sp3d/>
+    <dgm:txPr/>
+    <dgm:style>
+      <a:lnRef idx="2">
+        <a:scrgbClr r="0" g="0" b="0"/>
+      </a:lnRef>
+      <a:fillRef idx="1">
+        <a:scrgbClr r="0" g="0" b="0"/>
+      </a:fillRef>
+      <a:effectRef idx="0">
+        <a:scrgbClr r="0" g="0" b="0"/>
+      </a:effectRef>
+      <a:fontRef idx="minor">
+        <a:schemeClr val="lt1"/>
+      </a:fontRef>
+    </dgm:style>
+  </dgm:styleLbl>
+  <dgm:styleLbl name="asst4">
+    <dgm:scene3d>
+      <a:camera prst="orthographicFront"/>
+      <a:lightRig rig="threePt" dir="t"/>
+    </dgm:scene3d>
+    <dgm:sp3d/>
+    <dgm:txPr/>
+    <dgm:style>
+      <a:lnRef idx="2">
+        <a:scrgbClr r="0" g="0" b="0"/>
+      </a:lnRef>
+      <a:fillRef idx="1">
+        <a:scrgbClr r="0" g="0" b="0"/>
+      </a:fillRef>
+      <a:effectRef idx="0">
+        <a:scrgbClr r="0" g="0" b="0"/>
+      </a:effectRef>
+      <a:fontRef idx="minor">
+        <a:schemeClr val="lt1"/>
+      </a:fontRef>
+    </dgm:style>
+  </dgm:styleLbl>
+  <dgm:styleLbl name="parChTrans2D1">
+    <dgm:scene3d>
+      <a:camera prst="orthographicFront"/>
+      <a:lightRig rig="threePt" dir="t"/>
+    </dgm:scene3d>
+    <dgm:sp3d/>
+    <dgm:txPr/>
+    <dgm:style>
+      <a:lnRef idx="2">
+        <a:scrgbClr r="0" g="0" b="0"/>
+      </a:lnRef>
+      <a:fillRef idx="1">
+        <a:scrgbClr r="0" g="0" b="0"/>
+      </a:fillRef>
+      <a:effectRef idx="0">
+        <a:scrgbClr r="0" g="0" b="0"/>
+      </a:effectRef>
+      <a:fontRef idx="minor">
+        <a:schemeClr val="lt1"/>
+      </a:fontRef>
+    </dgm:style>
+  </dgm:styleLbl>
+  <dgm:styleLbl name="parChTrans2D2">
+    <dgm:scene3d>
+      <a:camera prst="orthographicFront"/>
+      <a:lightRig rig="threePt" dir="t"/>
+    </dgm:scene3d>
+    <dgm:sp3d/>
+    <dgm:txPr/>
+    <dgm:style>
+      <a:lnRef idx="2">
+        <a:scrgbClr r="0" g="0" b="0"/>
+      </a:lnRef>
+      <a:fillRef idx="1">
+        <a:scrgbClr r="0" g="0" b="0"/>
+      </a:fillRef>
+      <a:effectRef idx="0">
+        <a:scrgbClr r="0" g="0" b="0"/>
+      </a:effectRef>
+      <a:fontRef idx="minor">
+        <a:schemeClr val="lt1"/>
+      </a:fontRef>
+    </dgm:style>
+  </dgm:styleLbl>
+  <dgm:styleLbl name="parChTrans2D3">
+    <dgm:scene3d>
+      <a:camera prst="orthographicFront"/>
+      <a:lightRig rig="threePt" dir="t"/>
+    </dgm:scene3d>
+    <dgm:sp3d/>
+    <dgm:txPr/>
+    <dgm:style>
+      <a:lnRef idx="2">
+        <a:scrgbClr r="0" g="0" b="0"/>
+      </a:lnRef>
+      <a:fillRef idx="1">
+        <a:scrgbClr r="0" g="0" b="0"/>
+      </a:fillRef>
+      <a:effectRef idx="0">
+        <a:scrgbClr r="0" g="0" b="0"/>
+      </a:effectRef>
+      <a:fontRef idx="minor">
+        <a:schemeClr val="lt1"/>
+      </a:fontRef>
+    </dgm:style>
+  </dgm:styleLbl>
+  <dgm:styleLbl name="parChTrans2D4">
+    <dgm:scene3d>
+      <a:camera prst="orthographicFront"/>
+      <a:lightRig rig="threePt" dir="t"/>
+    </dgm:scene3d>
+    <dgm:sp3d/>
+    <dgm:txPr/>
+    <dgm:style>
+      <a:lnRef idx="2">
+        <a:scrgbClr r="0" g="0" b="0"/>
+      </a:lnRef>
+      <a:fillRef idx="1">
+        <a:scrgbClr r="0" g="0" b="0"/>
+      </a:fillRef>
+      <a:effectRef idx="0">
+        <a:scrgbClr r="0" g="0" b="0"/>
+      </a:effectRef>
+      <a:fontRef idx="minor">
+        <a:schemeClr val="lt1"/>
+      </a:fontRef>
+    </dgm:style>
+  </dgm:styleLbl>
+  <dgm:styleLbl name="parChTrans1D1">
+    <dgm:scene3d>
+      <a:camera prst="orthographicFront"/>
+      <a:lightRig rig="threePt" dir="t"/>
+    </dgm:scene3d>
+    <dgm:sp3d/>
+    <dgm:txPr/>
+    <dgm:style>
+      <a:lnRef idx="2">
+        <a:scrgbClr r="0" g="0" b="0"/>
+      </a:lnRef>
+      <a:fillRef idx="0">
+        <a:scrgbClr r="0" g="0" b="0"/>
+      </a:fillRef>
+      <a:effectRef idx="0">
+        <a:scrgbClr r="0" g="0" b="0"/>
+      </a:effectRef>
+      <a:fontRef idx="minor"/>
+    </dgm:style>
+  </dgm:styleLbl>
+  <dgm:styleLbl name="parChTrans1D2">
+    <dgm:scene3d>
+      <a:camera prst="orthographicFront"/>
+      <a:lightRig rig="threePt" dir="t"/>
+    </dgm:scene3d>
+    <dgm:sp3d/>
+    <dgm:txPr/>
+    <dgm:style>
+      <a:lnRef idx="2">
+        <a:scrgbClr r="0" g="0" b="0"/>
+      </a:lnRef>
+      <a:fillRef idx="0">
+        <a:scrgbClr r="0" g="0" b="0"/>
+      </a:fillRef>
+      <a:effectRef idx="0">
+        <a:scrgbClr r="0" g="0" b="0"/>
+      </a:effectRef>
+      <a:fontRef idx="minor"/>
+    </dgm:style>
+  </dgm:styleLbl>
+  <dgm:styleLbl name="parChTrans1D3">
+    <dgm:scene3d>
+      <a:camera prst="orthographicFront"/>
+      <a:lightRig rig="threePt" dir="t"/>
+    </dgm:scene3d>
+    <dgm:sp3d/>
+    <dgm:txPr/>
+    <dgm:style>
+      <a:lnRef idx="2">
+        <a:scrgbClr r="0" g="0" b="0"/>
+      </a:lnRef>
+      <a:fillRef idx="0">
+        <a:scrgbClr r="0" g="0" b="0"/>
+      </a:fillRef>
+      <a:effectRef idx="0">
+        <a:scrgbClr r="0" g="0" b="0"/>
+      </a:effectRef>
+      <a:fontRef idx="minor"/>
+    </dgm:style>
+  </dgm:styleLbl>
+  <dgm:styleLbl name="parChTrans1D4">
+    <dgm:scene3d>
+      <a:camera prst="orthographicFront"/>
+      <a:lightRig rig="threePt" dir="t"/>
+    </dgm:scene3d>
+    <dgm:sp3d/>
+    <dgm:txPr/>
+    <dgm:style>
+      <a:lnRef idx="2">
+        <a:scrgbClr r="0" g="0" b="0"/>
+      </a:lnRef>
+      <a:fillRef idx="0">
+        <a:scrgbClr r="0" g="0" b="0"/>
+      </a:fillRef>
+      <a:effectRef idx="0">
+        <a:scrgbClr r="0" g="0" b="0"/>
+      </a:effectRef>
+      <a:fontRef idx="minor"/>
+    </dgm:style>
+  </dgm:styleLbl>
+  <dgm:styleLbl name="fgAcc1">
+    <dgm:scene3d>
+      <a:camera prst="orthographicFront"/>
+      <a:lightRig rig="threePt" dir="t"/>
+    </dgm:scene3d>
+    <dgm:sp3d/>
+    <dgm:txPr/>
+    <dgm:style>
+      <a:lnRef idx="2">
+        <a:scrgbClr r="0" g="0" b="0"/>
+      </a:lnRef>
+      <a:fillRef idx="1">
+        <a:scrgbClr r="0" g="0" b="0"/>
+      </a:fillRef>
+      <a:effectRef idx="0">
+        <a:scrgbClr r="0" g="0" b="0"/>
+      </a:effectRef>
+      <a:fontRef idx="minor"/>
+    </dgm:style>
+  </dgm:styleLbl>
+  <dgm:styleLbl name="conFgAcc1">
+    <dgm:scene3d>
+      <a:camera prst="orthographicFront"/>
+      <a:lightRig rig="threePt" dir="t"/>
+    </dgm:scene3d>
+    <dgm:sp3d/>
+    <dgm:txPr/>
+    <dgm:style>
+      <a:lnRef idx="2">
+        <a:scrgbClr r="0" g="0" b="0"/>
+      </a:lnRef>
+      <a:fillRef idx="1">
+        <a:scrgbClr r="0" g="0" b="0"/>
+      </a:fillRef>
+      <a:effectRef idx="0">
+        <a:scrgbClr r="0" g="0" b="0"/>
+      </a:effectRef>
+      <a:fontRef idx="minor"/>
+    </dgm:style>
+  </dgm:styleLbl>
+  <dgm:styleLbl name="alignAcc1">
+    <dgm:scene3d>
+      <a:camera prst="orthographicFront"/>
+      <a:lightRig rig="threePt" dir="t"/>
+    </dgm:scene3d>
+    <dgm:sp3d/>
+    <dgm:txPr/>
+    <dgm:style>
+      <a:lnRef idx="2">
+        <a:scrgbClr r="0" g="0" b="0"/>
+      </a:lnRef>
+      <a:fillRef idx="1">
+        <a:scrgbClr r="0" g="0" b="0"/>
+      </a:fillRef>
+      <a:effectRef idx="0">
+        <a:scrgbClr r="0" g="0" b="0"/>
+      </a:effectRef>
+      <a:fontRef idx="minor"/>
+    </dgm:style>
+  </dgm:styleLbl>
+  <dgm:styleLbl name="trAlignAcc1">
+    <dgm:scene3d>
+      <a:camera prst="orthographicFront"/>
+      <a:lightRig rig="threePt" dir="t"/>
+    </dgm:scene3d>
+    <dgm:sp3d/>
+    <dgm:txPr/>
+    <dgm:style>
+      <a:lnRef idx="1">
+        <a:scrgbClr r="0" g="0" b="0"/>
+      </a:lnRef>
+      <a:fillRef idx="1">
+        <a:scrgbClr r="0" g="0" b="0"/>
+      </a:fillRef>
+      <a:effectRef idx="0">
+        <a:scrgbClr r="0" g="0" b="0"/>
+      </a:effectRef>
+      <a:fontRef idx="minor"/>
+    </dgm:style>
+  </dgm:styleLbl>
+  <dgm:styleLbl name="bgAcc1">
+    <dgm:scene3d>
+      <a:camera prst="orthographicFront"/>
+      <a:lightRig rig="threePt" dir="t"/>
+    </dgm:scene3d>
+    <dgm:sp3d/>
+    <dgm:txPr/>
+    <dgm:style>
+      <a:lnRef idx="2">
+        <a:scrgbClr r="0" g="0" b="0"/>
+      </a:lnRef>
+      <a:fillRef idx="1">
+        <a:scrgbClr r="0" g="0" b="0"/>
+      </a:fillRef>
+      <a:effectRef idx="0">
+        <a:scrgbClr r="0" g="0" b="0"/>
+      </a:effectRef>
+      <a:fontRef idx="minor"/>
+    </dgm:style>
+  </dgm:styleLbl>
+  <dgm:styleLbl name="solidFgAcc1">
+    <dgm:scene3d>
+      <a:camera prst="orthographicFront"/>
+      <a:lightRig rig="threePt" dir="t"/>
+    </dgm:scene3d>
+    <dgm:sp3d/>
+    <dgm:txPr/>
+    <dgm:style>
+      <a:lnRef idx="2">
+        <a:scrgbClr r="0" g="0" b="0"/>
+      </a:lnRef>
+      <a:fillRef idx="1">
+        <a:scrgbClr r="0" g="0" b="0"/>
+      </a:fillRef>
+      <a:effectRef idx="0">
+        <a:scrgbClr r="0" g="0" b="0"/>
+      </a:effectRef>
+      <a:fontRef idx="minor"/>
+    </dgm:style>
+  </dgm:styleLbl>
+  <dgm:styleLbl name="solidAlignAcc1">
+    <dgm:scene3d>
+      <a:camera prst="orthographicFront"/>
+      <a:lightRig rig="threePt" dir="t"/>
+    </dgm:scene3d>
+    <dgm:sp3d/>
+    <dgm:txPr/>
+    <dgm:style>
+      <a:lnRef idx="2">
+        <a:scrgbClr r="0" g="0" b="0"/>
+      </a:lnRef>
+      <a:fillRef idx="1">
+        <a:scrgbClr r="0" g="0" b="0"/>
+      </a:fillRef>
+      <a:effectRef idx="0">
+        <a:scrgbClr r="0" g="0" b="0"/>
+      </a:effectRef>
+      <a:fontRef idx="minor"/>
+    </dgm:style>
+  </dgm:styleLbl>
+  <dgm:styleLbl name="solidBgAcc1">
+    <dgm:scene3d>
+      <a:camera prst="orthographicFront"/>
+      <a:lightRig rig="threePt" dir="t"/>
+    </dgm:scene3d>
+    <dgm:sp3d/>
+    <dgm:txPr/>
+    <dgm:style>
+      <a:lnRef idx="2">
+        <a:scrgbClr r="0" g="0" b="0"/>
+      </a:lnRef>
+      <a:fillRef idx="1">
+        <a:scrgbClr r="0" g="0" b="0"/>
+      </a:fillRef>
+      <a:effectRef idx="0">
+        <a:scrgbClr r="0" g="0" b="0"/>
+      </a:effectRef>
+      <a:fontRef idx="minor"/>
+    </dgm:style>
+  </dgm:styleLbl>
+  <dgm:styleLbl name="fgAccFollowNode1">
+    <dgm:scene3d>
+      <a:camera prst="orthographicFront"/>
+      <a:lightRig rig="threePt" dir="t"/>
+    </dgm:scene3d>
+    <dgm:sp3d/>
+    <dgm:txPr/>
+    <dgm:style>
+      <a:lnRef idx="2">
+        <a:scrgbClr r="0" g="0" b="0"/>
+      </a:lnRef>
+      <a:fillRef idx="1">
+        <a:scrgbClr r="0" g="0" b="0"/>
+      </a:fillRef>
+      <a:effectRef idx="0">
+        <a:scrgbClr r="0" g="0" b="0"/>
+      </a:effectRef>
+      <a:fontRef idx="minor"/>
+    </dgm:style>
+  </dgm:styleLbl>
+  <dgm:styleLbl name="alignAccFollowNode1">
+    <dgm:scene3d>
+      <a:camera prst="orthographicFront"/>
+      <a:lightRig rig="threePt" dir="t"/>
+    </dgm:scene3d>
+    <dgm:sp3d/>
+    <dgm:txPr/>
+    <dgm:style>
+      <a:lnRef idx="2">
+        <a:scrgbClr r="0" g="0" b="0"/>
+      </a:lnRef>
+      <a:fillRef idx="1">
+        <a:scrgbClr r="0" g="0" b="0"/>
+      </a:fillRef>
+      <a:effectRef idx="0">
+        <a:scrgbClr r="0" g="0" b="0"/>
+      </a:effectRef>
+      <a:fontRef idx="minor"/>
+    </dgm:style>
+  </dgm:styleLbl>
+  <dgm:styleLbl name="bgAccFollowNode1">
+    <dgm:scene3d>
+      <a:camera prst="orthographicFront"/>
+      <a:lightRig rig="threePt" dir="t"/>
+    </dgm:scene3d>
+    <dgm:sp3d/>
+    <dgm:txPr/>
+    <dgm:style>
+      <a:lnRef idx="2">
+        <a:scrgbClr r="0" g="0" b="0"/>
+      </a:lnRef>
+      <a:fillRef idx="1">
+        <a:scrgbClr r="0" g="0" b="0"/>
+      </a:fillRef>
+      <a:effectRef idx="0">
+        <a:scrgbClr r="0" g="0" b="0"/>
+      </a:effectRef>
+      <a:fontRef idx="minor"/>
+    </dgm:style>
+  </dgm:styleLbl>
+  <dgm:styleLbl name="fgAcc0">
+    <dgm:scene3d>
+      <a:camera prst="orthographicFront"/>
+      <a:lightRig rig="threePt" dir="t"/>
+    </dgm:scene3d>
+    <dgm:sp3d/>
+    <dgm:txPr/>
+    <dgm:style>
+      <a:lnRef idx="2">
+        <a:scrgbClr r="0" g="0" b="0"/>
+      </a:lnRef>
+      <a:fillRef idx="1">
+        <a:scrgbClr r="0" g="0" b="0"/>
+      </a:fillRef>
+      <a:effectRef idx="0">
+        <a:scrgbClr r="0" g="0" b="0"/>
+      </a:effectRef>
+      <a:fontRef idx="minor"/>
+    </dgm:style>
+  </dgm:styleLbl>
+  <dgm:styleLbl name="fgAcc2">
+    <dgm:scene3d>
+      <a:camera prst="orthographicFront"/>
+      <a:lightRig rig="threePt" dir="t"/>
+    </dgm:scene3d>
+    <dgm:sp3d/>
+    <dgm:txPr/>
+    <dgm:style>
+      <a:lnRef idx="2">
+        <a:scrgbClr r="0" g="0" b="0"/>
+      </a:lnRef>
+      <a:fillRef idx="1">
+        <a:scrgbClr r="0" g="0" b="0"/>
+      </a:fillRef>
+      <a:effectRef idx="0">
+        <a:scrgbClr r="0" g="0" b="0"/>
+      </a:effectRef>
+      <a:fontRef idx="minor"/>
+    </dgm:style>
+  </dgm:styleLbl>
+  <dgm:styleLbl name="fgAcc3">
+    <dgm:scene3d>
+      <a:camera prst="orthographicFront"/>
+      <a:lightRig rig="threePt" dir="t"/>
+    </dgm:scene3d>
+    <dgm:sp3d/>
+    <dgm:txPr/>
+    <dgm:style>
+      <a:lnRef idx="2">
+        <a:scrgbClr r="0" g="0" b="0"/>
+      </a:lnRef>
+      <a:fillRef idx="1">
+        <a:scrgbClr r="0" g="0" b="0"/>
+      </a:fillRef>
+      <a:effectRef idx="0">
+        <a:scrgbClr r="0" g="0" b="0"/>
+      </a:effectRef>
+      <a:fontRef idx="minor"/>
+    </dgm:style>
+  </dgm:styleLbl>
+  <dgm:styleLbl name="fgAcc4">
+    <dgm:scene3d>
+      <a:camera prst="orthographicFront"/>
+      <a:lightRig rig="threePt" dir="t"/>
+    </dgm:scene3d>
+    <dgm:sp3d/>
+    <dgm:txPr/>
+    <dgm:style>
+      <a:lnRef idx="2">
+        <a:scrgbClr r="0" g="0" b="0"/>
+      </a:lnRef>
+      <a:fillRef idx="1">
+        <a:scrgbClr r="0" g="0" b="0"/>
+      </a:fillRef>
+      <a:effectRef idx="0">
+        <a:scrgbClr r="0" g="0" b="0"/>
+      </a:effectRef>
+      <a:fontRef idx="minor"/>
+    </dgm:style>
+  </dgm:styleLbl>
+  <dgm:styleLbl name="bgShp">
+    <dgm:scene3d>
+      <a:camera prst="orthographicFront"/>
+      <a:lightRig rig="threePt" dir="t"/>
+    </dgm:scene3d>
+    <dgm:sp3d/>
+    <dgm:txPr/>
+    <dgm:style>
+      <a:lnRef idx="0">
+        <a:scrgbClr r="0" g="0" b="0"/>
+      </a:lnRef>
+      <a:fillRef idx="1">
+        <a:scrgbClr r="0" g="0" b="0"/>
+      </a:fillRef>
+      <a:effectRef idx="0">
+        <a:scrgbClr r="0" g="0" b="0"/>
+      </a:effectRef>
+      <a:fontRef idx="minor"/>
+    </dgm:style>
+  </dgm:styleLbl>
+  <dgm:styleLbl name="dkBgShp">
+    <dgm:scene3d>
+      <a:camera prst="orthographicFront"/>
+      <a:lightRig rig="threePt" dir="t"/>
+    </dgm:scene3d>
+    <dgm:sp3d/>
+    <dgm:txPr/>
+    <dgm:style>
+      <a:lnRef idx="0">
+        <a:scrgbClr r="0" g="0" b="0"/>
+      </a:lnRef>
+      <a:fillRef idx="1">
+        <a:scrgbClr r="0" g="0" b="0"/>
+      </a:fillRef>
+      <a:effectRef idx="0">
+        <a:scrgbClr r="0" g="0" b="0"/>
+      </a:effectRef>
+      <a:fontRef idx="minor"/>
+    </dgm:style>
+  </dgm:styleLbl>
+  <dgm:styleLbl name="trBgShp">
+    <dgm:scene3d>
+      <a:camera prst="orthographicFront"/>
+      <a:lightRig rig="threePt" dir="t"/>
+    </dgm:scene3d>
+    <dgm:sp3d/>
+    <dgm:txPr/>
+    <dgm:style>
+      <a:lnRef idx="0">
+        <a:scrgbClr r="0" g="0" b="0"/>
+      </a:lnRef>
+      <a:fillRef idx="1">
+        <a:scrgbClr r="0" g="0" b="0"/>
+      </a:fillRef>
+      <a:effectRef idx="0">
+        <a:scrgbClr r="0" g="0" b="0"/>
+      </a:effectRef>
+      <a:fontRef idx="minor"/>
+    </dgm:style>
+  </dgm:styleLbl>
+  <dgm:styleLbl name="fgShp">
+    <dgm:scene3d>
+      <a:camera prst="orthographicFront"/>
+      <a:lightRig rig="threePt" dir="t"/>
+    </dgm:scene3d>
+    <dgm:sp3d/>
+    <dgm:txPr/>
+    <dgm:style>
+      <a:lnRef idx="2">
+        <a:scrgbClr r="0" g="0" b="0"/>
+      </a:lnRef>
+      <a:fillRef idx="1">
+        <a:scrgbClr r="0" g="0" b="0"/>
+      </a:fillRef>
+      <a:effectRef idx="0">
+        <a:scrgbClr r="0" g="0" b="0"/>
+      </a:effectRef>
+      <a:fontRef idx="minor"/>
+    </dgm:style>
+  </dgm:styleLbl>
+  <dgm:styleLbl name="revTx">
+    <dgm:scene3d>
+      <a:camera prst="orthographicFront"/>
+      <a:lightRig rig="threePt" dir="t"/>
+    </dgm:scene3d>
+    <dgm:sp3d/>
+    <dgm:txPr/>
+    <dgm:style>
+      <a:lnRef idx="0">
+        <a:scrgbClr r="0" g="0" b="0"/>
+      </a:lnRef>
+      <a:fillRef idx="0">
+        <a:scrgbClr r="0" g="0" b="0"/>
+      </a:fillRef>
+      <a:effectRef idx="0">
+        <a:scrgbClr r="0" g="0" b="0"/>
+      </a:effectRef>
+      <a:fontRef idx="minor"/>
+    </dgm:style>
+  </dgm:styleLbl>
+</dgm:styleDef>
+</file>
+
+<file path=ppt/diagrams/quickStyle12.xml><?xml version="1.0" encoding="utf-8"?>
+<dgm:styleDef xmlns:dgm="http://schemas.openxmlformats.org/drawingml/2006/diagram" xmlns:a="http://schemas.openxmlformats.org/drawingml/2006/main" uniqueId="urn:microsoft.com/office/officeart/2005/8/quickstyle/simple1">
+  <dgm:title val=""/>
+  <dgm:desc val=""/>
+  <dgm:catLst>
+    <dgm:cat type="simple" pri="10100"/>
+  </dgm:catLst>
+  <dgm:scene3d>
+    <a:camera prst="orthographicFront"/>
+    <a:lightRig rig="threePt" dir="t"/>
+  </dgm:scene3d>
+  <dgm:styleLbl name="node0">
+    <dgm:scene3d>
+      <a:camera prst="orthographicFront"/>
+      <a:lightRig rig="threePt" dir="t"/>
+    </dgm:scene3d>
+    <dgm:sp3d/>
+    <dgm:txPr/>
+    <dgm:style>
+      <a:lnRef idx="2">
+        <a:scrgbClr r="0" g="0" b="0"/>
+      </a:lnRef>
+      <a:fillRef idx="1">
+        <a:scrgbClr r="0" g="0" b="0"/>
+      </a:fillRef>
+      <a:effectRef idx="0">
+        <a:scrgbClr r="0" g="0" b="0"/>
+      </a:effectRef>
+      <a:fontRef idx="minor">
+        <a:schemeClr val="lt1"/>
+      </a:fontRef>
+    </dgm:style>
+  </dgm:styleLbl>
+  <dgm:styleLbl name="lnNode1">
+    <dgm:scene3d>
+      <a:camera prst="orthographicFront"/>
+      <a:lightRig rig="threePt" dir="t"/>
+    </dgm:scene3d>
+    <dgm:sp3d/>
+    <dgm:txPr/>
+    <dgm:style>
+      <a:lnRef idx="2">
+        <a:scrgbClr r="0" g="0" b="0"/>
+      </a:lnRef>
+      <a:fillRef idx="1">
+        <a:scrgbClr r="0" g="0" b="0"/>
+      </a:fillRef>
+      <a:effectRef idx="0">
+        <a:scrgbClr r="0" g="0" b="0"/>
+      </a:effectRef>
+      <a:fontRef idx="minor">
+        <a:schemeClr val="lt1"/>
+      </a:fontRef>
+    </dgm:style>
+  </dgm:styleLbl>
+  <dgm:styleLbl name="vennNode1">
+    <dgm:scene3d>
+      <a:camera prst="orthographicFront"/>
+      <a:lightRig rig="threePt" dir="t"/>
+    </dgm:scene3d>
+    <dgm:sp3d/>
+    <dgm:txPr/>
+    <dgm:style>
+      <a:lnRef idx="2">
+        <a:scrgbClr r="0" g="0" b="0"/>
+      </a:lnRef>
+      <a:fillRef idx="1">
+        <a:scrgbClr r="0" g="0" b="0"/>
+      </a:fillRef>
+      <a:effectRef idx="0">
+        <a:scrgbClr r="0" g="0" b="0"/>
+      </a:effectRef>
+      <a:fontRef idx="minor">
+        <a:schemeClr val="tx1"/>
+      </a:fontRef>
+    </dgm:style>
+  </dgm:styleLbl>
+  <dgm:styleLbl name="alignNode1">
+    <dgm:scene3d>
+      <a:camera prst="orthographicFront"/>
+      <a:lightRig rig="threePt" dir="t"/>
+    </dgm:scene3d>
+    <dgm:sp3d/>
+    <dgm:txPr/>
+    <dgm:style>
+      <a:lnRef idx="2">
+        <a:scrgbClr r="0" g="0" b="0"/>
+      </a:lnRef>
+      <a:fillRef idx="1">
+        <a:scrgbClr r="0" g="0" b="0"/>
+      </a:fillRef>
+      <a:effectRef idx="0">
+        <a:scrgbClr r="0" g="0" b="0"/>
+      </a:effectRef>
+      <a:fontRef idx="minor">
+        <a:schemeClr val="lt1"/>
+      </a:fontRef>
+    </dgm:style>
+  </dgm:styleLbl>
+  <dgm:styleLbl name="node1">
+    <dgm:scene3d>
+      <a:camera prst="orthographicFront"/>
+      <a:lightRig rig="threePt" dir="t"/>
+    </dgm:scene3d>
+    <dgm:sp3d/>
+    <dgm:txPr/>
+    <dgm:style>
+      <a:lnRef idx="2">
+        <a:scrgbClr r="0" g="0" b="0"/>
+      </a:lnRef>
+      <a:fillRef idx="1">
+        <a:scrgbClr r="0" g="0" b="0"/>
+      </a:fillRef>
+      <a:effectRef idx="0">
+        <a:scrgbClr r="0" g="0" b="0"/>
+      </a:effectRef>
+      <a:fontRef idx="minor">
+        <a:schemeClr val="lt1"/>
+      </a:fontRef>
+    </dgm:style>
+  </dgm:styleLbl>
+  <dgm:styleLbl name="node2">
+    <dgm:scene3d>
+      <a:camera prst="orthographicFront"/>
+      <a:lightRig rig="threePt" dir="t"/>
+    </dgm:scene3d>
+    <dgm:sp3d/>
+    <dgm:txPr/>
+    <dgm:style>
+      <a:lnRef idx="2">
+        <a:scrgbClr r="0" g="0" b="0"/>
+      </a:lnRef>
+      <a:fillRef idx="1">
+        <a:scrgbClr r="0" g="0" b="0"/>
+      </a:fillRef>
+      <a:effectRef idx="0">
+        <a:scrgbClr r="0" g="0" b="0"/>
+      </a:effectRef>
+      <a:fontRef idx="minor">
+        <a:schemeClr val="lt1"/>
+      </a:fontRef>
+    </dgm:style>
+  </dgm:styleLbl>
+  <dgm:styleLbl name="node3">
+    <dgm:scene3d>
+      <a:camera prst="orthographicFront"/>
+      <a:lightRig rig="threePt" dir="t"/>
+    </dgm:scene3d>
+    <dgm:sp3d/>
+    <dgm:txPr/>
+    <dgm:style>
+      <a:lnRef idx="2">
+        <a:scrgbClr r="0" g="0" b="0"/>
+      </a:lnRef>
+      <a:fillRef idx="1">
+        <a:scrgbClr r="0" g="0" b="0"/>
+      </a:fillRef>
+      <a:effectRef idx="0">
+        <a:scrgbClr r="0" g="0" b="0"/>
+      </a:effectRef>
+      <a:fontRef idx="minor">
+        <a:schemeClr val="lt1"/>
+      </a:fontRef>
+    </dgm:style>
+  </dgm:styleLbl>
+  <dgm:styleLbl name="node4">
+    <dgm:scene3d>
+      <a:camera prst="orthographicFront"/>
+      <a:lightRig rig="threePt" dir="t"/>
+    </dgm:scene3d>
+    <dgm:sp3d/>
+    <dgm:txPr/>
+    <dgm:style>
+      <a:lnRef idx="2">
+        <a:scrgbClr r="0" g="0" b="0"/>
+      </a:lnRef>
+      <a:fillRef idx="1">
+        <a:scrgbClr r="0" g="0" b="0"/>
+      </a:fillRef>
+      <a:effectRef idx="0">
+        <a:scrgbClr r="0" g="0" b="0"/>
+      </a:effectRef>
+      <a:fontRef idx="minor">
+        <a:schemeClr val="lt1"/>
+      </a:fontRef>
+    </dgm:style>
+  </dgm:styleLbl>
+  <dgm:styleLbl name="fgImgPlace1">
+    <dgm:scene3d>
+      <a:camera prst="orthographicFront"/>
+      <a:lightRig rig="threePt" dir="t"/>
+    </dgm:scene3d>
+    <dgm:sp3d/>
+    <dgm:txPr/>
+    <dgm:style>
+      <a:lnRef idx="2">
+        <a:scrgbClr r="0" g="0" b="0"/>
+      </a:lnRef>
+      <a:fillRef idx="1">
+        <a:scrgbClr r="0" g="0" b="0"/>
+      </a:fillRef>
+      <a:effectRef idx="0">
+        <a:scrgbClr r="0" g="0" b="0"/>
+      </a:effectRef>
+      <a:fontRef idx="minor"/>
+    </dgm:style>
+  </dgm:styleLbl>
+  <dgm:styleLbl name="alignImgPlace1">
+    <dgm:scene3d>
+      <a:camera prst="orthographicFront"/>
+      <a:lightRig rig="threePt" dir="t"/>
+    </dgm:scene3d>
+    <dgm:sp3d/>
+    <dgm:txPr/>
+    <dgm:style>
+      <a:lnRef idx="2">
+        <a:scrgbClr r="0" g="0" b="0"/>
+      </a:lnRef>
+      <a:fillRef idx="1">
+        <a:scrgbClr r="0" g="0" b="0"/>
+      </a:fillRef>
+      <a:effectRef idx="0">
+        <a:scrgbClr r="0" g="0" b="0"/>
+      </a:effectRef>
+      <a:fontRef idx="minor"/>
+    </dgm:style>
+  </dgm:styleLbl>
+  <dgm:styleLbl name="bgImgPlace1">
+    <dgm:scene3d>
+      <a:camera prst="orthographicFront"/>
+      <a:lightRig rig="threePt" dir="t"/>
+    </dgm:scene3d>
+    <dgm:sp3d/>
+    <dgm:txPr/>
+    <dgm:style>
+      <a:lnRef idx="2">
+        <a:scrgbClr r="0" g="0" b="0"/>
+      </a:lnRef>
+      <a:fillRef idx="1">
+        <a:scrgbClr r="0" g="0" b="0"/>
+      </a:fillRef>
+      <a:effectRef idx="0">
+        <a:scrgbClr r="0" g="0" b="0"/>
+      </a:effectRef>
+      <a:fontRef idx="minor"/>
+    </dgm:style>
+  </dgm:styleLbl>
+  <dgm:styleLbl name="sibTrans2D1">
+    <dgm:scene3d>
+      <a:camera prst="orthographicFront"/>
+      <a:lightRig rig="threePt" dir="t"/>
+    </dgm:scene3d>
+    <dgm:sp3d/>
+    <dgm:txPr/>
+    <dgm:style>
+      <a:lnRef idx="0">
+        <a:scrgbClr r="0" g="0" b="0"/>
+      </a:lnRef>
+      <a:fillRef idx="1">
+        <a:scrgbClr r="0" g="0" b="0"/>
+      </a:fillRef>
+      <a:effectRef idx="0">
+        <a:scrgbClr r="0" g="0" b="0"/>
+      </a:effectRef>
+      <a:fontRef idx="minor">
+        <a:schemeClr val="lt1"/>
+      </a:fontRef>
+    </dgm:style>
+  </dgm:styleLbl>
+  <dgm:styleLbl name="fgSibTrans2D1">
+    <dgm:scene3d>
+      <a:camera prst="orthographicFront"/>
+      <a:lightRig rig="threePt" dir="t"/>
+    </dgm:scene3d>
+    <dgm:sp3d/>
+    <dgm:txPr/>
+    <dgm:style>
+      <a:lnRef idx="0">
+        <a:scrgbClr r="0" g="0" b="0"/>
+      </a:lnRef>
+      <a:fillRef idx="1">
+        <a:scrgbClr r="0" g="0" b="0"/>
+      </a:fillRef>
+      <a:effectRef idx="0">
+        <a:scrgbClr r="0" g="0" b="0"/>
+      </a:effectRef>
+      <a:fontRef idx="minor">
+        <a:schemeClr val="lt1"/>
+      </a:fontRef>
+    </dgm:style>
+  </dgm:styleLbl>
+  <dgm:styleLbl name="bgSibTrans2D1">
+    <dgm:scene3d>
+      <a:camera prst="orthographicFront"/>
+      <a:lightRig rig="threePt" dir="t"/>
+    </dgm:scene3d>
+    <dgm:sp3d/>
+    <dgm:txPr/>
+    <dgm:style>
+      <a:lnRef idx="0">
+        <a:scrgbClr r="0" g="0" b="0"/>
+      </a:lnRef>
+      <a:fillRef idx="1">
+        <a:scrgbClr r="0" g="0" b="0"/>
+      </a:fillRef>
+      <a:effectRef idx="0">
+        <a:scrgbClr r="0" g="0" b="0"/>
+      </a:effectRef>
+      <a:fontRef idx="minor">
+        <a:schemeClr val="lt1"/>
+      </a:fontRef>
+    </dgm:style>
+  </dgm:styleLbl>
+  <dgm:styleLbl name="sibTrans1D1">
+    <dgm:scene3d>
+      <a:camera prst="orthographicFront"/>
+      <a:lightRig rig="threePt" dir="t"/>
+    </dgm:scene3d>
+    <dgm:sp3d/>
+    <dgm:txPr/>
+    <dgm:style>
+      <a:lnRef idx="1">
+        <a:scrgbClr r="0" g="0" b="0"/>
+      </a:lnRef>
+      <a:fillRef idx="0">
+        <a:scrgbClr r="0" g="0" b="0"/>
+      </a:fillRef>
+      <a:effectRef idx="0">
+        <a:scrgbClr r="0" g="0" b="0"/>
+      </a:effectRef>
+      <a:fontRef idx="minor"/>
+    </dgm:style>
+  </dgm:styleLbl>
+  <dgm:styleLbl name="callout">
+    <dgm:scene3d>
+      <a:camera prst="orthographicFront"/>
+      <a:lightRig rig="threePt" dir="t"/>
+    </dgm:scene3d>
+    <dgm:sp3d/>
+    <dgm:txPr/>
+    <dgm:style>
+      <a:lnRef idx="2">
+        <a:scrgbClr r="0" g="0" b="0"/>
+      </a:lnRef>
+      <a:fillRef idx="1">
+        <a:scrgbClr r="0" g="0" b="0"/>
+      </a:fillRef>
+      <a:effectRef idx="0">
+        <a:scrgbClr r="0" g="0" b="0"/>
+      </a:effectRef>
+      <a:fontRef idx="minor"/>
+    </dgm:style>
+  </dgm:styleLbl>
+  <dgm:styleLbl name="asst0">
+    <dgm:scene3d>
+      <a:camera prst="orthographicFront"/>
+      <a:lightRig rig="threePt" dir="t"/>
+    </dgm:scene3d>
+    <dgm:sp3d/>
+    <dgm:txPr/>
+    <dgm:style>
+      <a:lnRef idx="2">
+        <a:scrgbClr r="0" g="0" b="0"/>
+      </a:lnRef>
+      <a:fillRef idx="1">
+        <a:scrgbClr r="0" g="0" b="0"/>
+      </a:fillRef>
+      <a:effectRef idx="0">
+        <a:scrgbClr r="0" g="0" b="0"/>
+      </a:effectRef>
+      <a:fontRef idx="minor">
+        <a:schemeClr val="lt1"/>
+      </a:fontRef>
+    </dgm:style>
+  </dgm:styleLbl>
+  <dgm:styleLbl name="asst1">
+    <dgm:scene3d>
+      <a:camera prst="orthographicFront"/>
+      <a:lightRig rig="threePt" dir="t"/>
+    </dgm:scene3d>
+    <dgm:sp3d/>
+    <dgm:txPr/>
+    <dgm:style>
+      <a:lnRef idx="2">
+        <a:scrgbClr r="0" g="0" b="0"/>
+      </a:lnRef>
+      <a:fillRef idx="1">
+        <a:scrgbClr r="0" g="0" b="0"/>
+      </a:fillRef>
+      <a:effectRef idx="0">
+        <a:scrgbClr r="0" g="0" b="0"/>
+      </a:effectRef>
+      <a:fontRef idx="minor">
+        <a:schemeClr val="lt1"/>
+      </a:fontRef>
+    </dgm:style>
+  </dgm:styleLbl>
+  <dgm:styleLbl name="asst2">
+    <dgm:scene3d>
+      <a:camera prst="orthographicFront"/>
+      <a:lightRig rig="threePt" dir="t"/>
+    </dgm:scene3d>
+    <dgm:sp3d/>
+    <dgm:txPr/>
+    <dgm:style>
+      <a:lnRef idx="2">
+        <a:scrgbClr r="0" g="0" b="0"/>
+      </a:lnRef>
+      <a:fillRef idx="1">
+        <a:scrgbClr r="0" g="0" b="0"/>
+      </a:fillRef>
+      <a:effectRef idx="0">
+        <a:scrgbClr r="0" g="0" b="0"/>
+      </a:effectRef>
+      <a:fontRef idx="minor">
+        <a:schemeClr val="lt1"/>
+      </a:fontRef>
+    </dgm:style>
+  </dgm:styleLbl>
+  <dgm:styleLbl name="asst3">
+    <dgm:scene3d>
+      <a:camera prst="orthographicFront"/>
+      <a:lightRig rig="threePt" dir="t"/>
+    </dgm:scene3d>
+    <dgm:sp3d/>
+    <dgm:txPr/>
+    <dgm:style>
+      <a:lnRef idx="2">
+        <a:scrgbClr r="0" g="0" b="0"/>
+      </a:lnRef>
+      <a:fillRef idx="1">
+        <a:scrgbClr r="0" g="0" b="0"/>
+      </a:fillRef>
+      <a:effectRef idx="0">
+        <a:scrgbClr r="0" g="0" b="0"/>
+      </a:effectRef>
+      <a:fontRef idx="minor">
+        <a:schemeClr val="lt1"/>
+      </a:fontRef>
+    </dgm:style>
+  </dgm:styleLbl>
+  <dgm:styleLbl name="asst4">
+    <dgm:scene3d>
+      <a:camera prst="orthographicFront"/>
+      <a:lightRig rig="threePt" dir="t"/>
+    </dgm:scene3d>
+    <dgm:sp3d/>
+    <dgm:txPr/>
+    <dgm:style>
+      <a:lnRef idx="2">
+        <a:scrgbClr r="0" g="0" b="0"/>
+      </a:lnRef>
+      <a:fillRef idx="1">
+        <a:scrgbClr r="0" g="0" b="0"/>
+      </a:fillRef>
+      <a:effectRef idx="0">
+        <a:scrgbClr r="0" g="0" b="0"/>
+      </a:effectRef>
+      <a:fontRef idx="minor">
+        <a:schemeClr val="lt1"/>
+      </a:fontRef>
+    </dgm:style>
+  </dgm:styleLbl>
+  <dgm:styleLbl name="parChTrans2D1">
+    <dgm:scene3d>
+      <a:camera prst="orthographicFront"/>
+      <a:lightRig rig="threePt" dir="t"/>
+    </dgm:scene3d>
+    <dgm:sp3d/>
+    <dgm:txPr/>
+    <dgm:style>
+      <a:lnRef idx="2">
+        <a:scrgbClr r="0" g="0" b="0"/>
+      </a:lnRef>
+      <a:fillRef idx="1">
+        <a:scrgbClr r="0" g="0" b="0"/>
+      </a:fillRef>
+      <a:effectRef idx="0">
+        <a:scrgbClr r="0" g="0" b="0"/>
+      </a:effectRef>
+      <a:fontRef idx="minor">
+        <a:schemeClr val="lt1"/>
+      </a:fontRef>
+    </dgm:style>
+  </dgm:styleLbl>
+  <dgm:styleLbl name="parChTrans2D2">
+    <dgm:scene3d>
+      <a:camera prst="orthographicFront"/>
+      <a:lightRig rig="threePt" dir="t"/>
+    </dgm:scene3d>
+    <dgm:sp3d/>
+    <dgm:txPr/>
+    <dgm:style>
+      <a:lnRef idx="2">
+        <a:scrgbClr r="0" g="0" b="0"/>
+      </a:lnRef>
+      <a:fillRef idx="1">
+        <a:scrgbClr r="0" g="0" b="0"/>
+      </a:fillRef>
+      <a:effectRef idx="0">
+        <a:scrgbClr r="0" g="0" b="0"/>
+      </a:effectRef>
+      <a:fontRef idx="minor">
+        <a:schemeClr val="lt1"/>
+      </a:fontRef>
+    </dgm:style>
+  </dgm:styleLbl>
+  <dgm:styleLbl name="parChTrans2D3">
+    <dgm:scene3d>
+      <a:camera prst="orthographicFront"/>
+      <a:lightRig rig="threePt" dir="t"/>
+    </dgm:scene3d>
+    <dgm:sp3d/>
+    <dgm:txPr/>
+    <dgm:style>
+      <a:lnRef idx="2">
+        <a:scrgbClr r="0" g="0" b="0"/>
+      </a:lnRef>
+      <a:fillRef idx="1">
+        <a:scrgbClr r="0" g="0" b="0"/>
+      </a:fillRef>
+      <a:effectRef idx="0">
+        <a:scrgbClr r="0" g="0" b="0"/>
+      </a:effectRef>
+      <a:fontRef idx="minor">
+        <a:schemeClr val="lt1"/>
+      </a:fontRef>
+    </dgm:style>
+  </dgm:styleLbl>
+  <dgm:styleLbl name="parChTrans2D4">
+    <dgm:scene3d>
+      <a:camera prst="orthographicFront"/>
+      <a:lightRig rig="threePt" dir="t"/>
+    </dgm:scene3d>
+    <dgm:sp3d/>
+    <dgm:txPr/>
+    <dgm:style>
+      <a:lnRef idx="2">
+        <a:scrgbClr r="0" g="0" b="0"/>
+      </a:lnRef>
+      <a:fillRef idx="1">
+        <a:scrgbClr r="0" g="0" b="0"/>
+      </a:fillRef>
+      <a:effectRef idx="0">
+        <a:scrgbClr r="0" g="0" b="0"/>
+      </a:effectRef>
+      <a:fontRef idx="minor">
+        <a:schemeClr val="lt1"/>
+      </a:fontRef>
+    </dgm:style>
+  </dgm:styleLbl>
+  <dgm:styleLbl name="parChTrans1D1">
+    <dgm:scene3d>
+      <a:camera prst="orthographicFront"/>
+      <a:lightRig rig="threePt" dir="t"/>
+    </dgm:scene3d>
+    <dgm:sp3d/>
+    <dgm:txPr/>
+    <dgm:style>
+      <a:lnRef idx="2">
+        <a:scrgbClr r="0" g="0" b="0"/>
+      </a:lnRef>
+      <a:fillRef idx="0">
+        <a:scrgbClr r="0" g="0" b="0"/>
+      </a:fillRef>
+      <a:effectRef idx="0">
+        <a:scrgbClr r="0" g="0" b="0"/>
+      </a:effectRef>
+      <a:fontRef idx="minor"/>
+    </dgm:style>
+  </dgm:styleLbl>
+  <dgm:styleLbl name="parChTrans1D2">
+    <dgm:scene3d>
+      <a:camera prst="orthographicFront"/>
+      <a:lightRig rig="threePt" dir="t"/>
+    </dgm:scene3d>
+    <dgm:sp3d/>
+    <dgm:txPr/>
+    <dgm:style>
+      <a:lnRef idx="2">
+        <a:scrgbClr r="0" g="0" b="0"/>
+      </a:lnRef>
+      <a:fillRef idx="0">
+        <a:scrgbClr r="0" g="0" b="0"/>
+      </a:fillRef>
+      <a:effectRef idx="0">
+        <a:scrgbClr r="0" g="0" b="0"/>
+      </a:effectRef>
+      <a:fontRef idx="minor"/>
+    </dgm:style>
+  </dgm:styleLbl>
+  <dgm:styleLbl name="parChTrans1D3">
+    <dgm:scene3d>
+      <a:camera prst="orthographicFront"/>
+      <a:lightRig rig="threePt" dir="t"/>
+    </dgm:scene3d>
+    <dgm:sp3d/>
+    <dgm:txPr/>
+    <dgm:style>
+      <a:lnRef idx="2">
+        <a:scrgbClr r="0" g="0" b="0"/>
+      </a:lnRef>
+      <a:fillRef idx="0">
+        <a:scrgbClr r="0" g="0" b="0"/>
+      </a:fillRef>
+      <a:effectRef idx="0">
+        <a:scrgbClr r="0" g="0" b="0"/>
+      </a:effectRef>
+      <a:fontRef idx="minor"/>
+    </dgm:style>
+  </dgm:styleLbl>
+  <dgm:styleLbl name="parChTrans1D4">
+    <dgm:scene3d>
+      <a:camera prst="orthographicFront"/>
+      <a:lightRig rig="threePt" dir="t"/>
+    </dgm:scene3d>
+    <dgm:sp3d/>
+    <dgm:txPr/>
+    <dgm:style>
+      <a:lnRef idx="2">
+        <a:scrgbClr r="0" g="0" b="0"/>
+      </a:lnRef>
+      <a:fillRef idx="0">
+        <a:scrgbClr r="0" g="0" b="0"/>
+      </a:fillRef>
+      <a:effectRef idx="0">
+        <a:scrgbClr r="0" g="0" b="0"/>
+      </a:effectRef>
+      <a:fontRef idx="minor"/>
+    </dgm:style>
+  </dgm:styleLbl>
+  <dgm:styleLbl name="fgAcc1">
+    <dgm:scene3d>
+      <a:camera prst="orthographicFront"/>
+      <a:lightRig rig="threePt" dir="t"/>
+    </dgm:scene3d>
+    <dgm:sp3d/>
+    <dgm:txPr/>
+    <dgm:style>
+      <a:lnRef idx="2">
+        <a:scrgbClr r="0" g="0" b="0"/>
+      </a:lnRef>
+      <a:fillRef idx="1">
+        <a:scrgbClr r="0" g="0" b="0"/>
+      </a:fillRef>
+      <a:effectRef idx="0">
+        <a:scrgbClr r="0" g="0" b="0"/>
+      </a:effectRef>
+      <a:fontRef idx="minor"/>
+    </dgm:style>
+  </dgm:styleLbl>
+  <dgm:styleLbl name="conFgAcc1">
+    <dgm:scene3d>
+      <a:camera prst="orthographicFront"/>
+      <a:lightRig rig="threePt" dir="t"/>
+    </dgm:scene3d>
+    <dgm:sp3d/>
+    <dgm:txPr/>
+    <dgm:style>
+      <a:lnRef idx="2">
+        <a:scrgbClr r="0" g="0" b="0"/>
+      </a:lnRef>
+      <a:fillRef idx="1">
+        <a:scrgbClr r="0" g="0" b="0"/>
+      </a:fillRef>
+      <a:effectRef idx="0">
+        <a:scrgbClr r="0" g="0" b="0"/>
+      </a:effectRef>
+      <a:fontRef idx="minor"/>
+    </dgm:style>
+  </dgm:styleLbl>
+  <dgm:styleLbl name="alignAcc1">
+    <dgm:scene3d>
+      <a:camera prst="orthographicFront"/>
+      <a:lightRig rig="threePt" dir="t"/>
+    </dgm:scene3d>
+    <dgm:sp3d/>
+    <dgm:txPr/>
+    <dgm:style>
+      <a:lnRef idx="2">
+        <a:scrgbClr r="0" g="0" b="0"/>
+      </a:lnRef>
+      <a:fillRef idx="1">
+        <a:scrgbClr r="0" g="0" b="0"/>
+      </a:fillRef>
+      <a:effectRef idx="0">
+        <a:scrgbClr r="0" g="0" b="0"/>
+      </a:effectRef>
+      <a:fontRef idx="minor"/>
+    </dgm:style>
+  </dgm:styleLbl>
+  <dgm:styleLbl name="trAlignAcc1">
+    <dgm:scene3d>
+      <a:camera prst="orthographicFront"/>
+      <a:lightRig rig="threePt" dir="t"/>
+    </dgm:scene3d>
+    <dgm:sp3d/>
+    <dgm:txPr/>
+    <dgm:style>
+      <a:lnRef idx="1">
+        <a:scrgbClr r="0" g="0" b="0"/>
+      </a:lnRef>
+      <a:fillRef idx="1">
+        <a:scrgbClr r="0" g="0" b="0"/>
+      </a:fillRef>
+      <a:effectRef idx="0">
+        <a:scrgbClr r="0" g="0" b="0"/>
+      </a:effectRef>
+      <a:fontRef idx="minor"/>
+    </dgm:style>
+  </dgm:styleLbl>
+  <dgm:styleLbl name="bgAcc1">
+    <dgm:scene3d>
+      <a:camera prst="orthographicFront"/>
+      <a:lightRig rig="threePt" dir="t"/>
+    </dgm:scene3d>
+    <dgm:sp3d/>
+    <dgm:txPr/>
+    <dgm:style>
+      <a:lnRef idx="2">
+        <a:scrgbClr r="0" g="0" b="0"/>
+      </a:lnRef>
+      <a:fillRef idx="1">
+        <a:scrgbClr r="0" g="0" b="0"/>
+      </a:fillRef>
+      <a:effectRef idx="0">
+        <a:scrgbClr r="0" g="0" b="0"/>
+      </a:effectRef>
+      <a:fontRef idx="minor"/>
+    </dgm:style>
+  </dgm:styleLbl>
+  <dgm:styleLbl name="solidFgAcc1">
+    <dgm:scene3d>
+      <a:camera prst="orthographicFront"/>
+      <a:lightRig rig="threePt" dir="t"/>
+    </dgm:scene3d>
+    <dgm:sp3d/>
+    <dgm:txPr/>
+    <dgm:style>
+      <a:lnRef idx="2">
+        <a:scrgbClr r="0" g="0" b="0"/>
+      </a:lnRef>
+      <a:fillRef idx="1">
+        <a:scrgbClr r="0" g="0" b="0"/>
+      </a:fillRef>
+      <a:effectRef idx="0">
+        <a:scrgbClr r="0" g="0" b="0"/>
+      </a:effectRef>
+      <a:fontRef idx="minor"/>
+    </dgm:style>
+  </dgm:styleLbl>
+  <dgm:styleLbl name="solidAlignAcc1">
+    <dgm:scene3d>
+      <a:camera prst="orthographicFront"/>
+      <a:lightRig rig="threePt" dir="t"/>
+    </dgm:scene3d>
+    <dgm:sp3d/>
+    <dgm:txPr/>
+    <dgm:style>
+      <a:lnRef idx="2">
+        <a:scrgbClr r="0" g="0" b="0"/>
+      </a:lnRef>
+      <a:fillRef idx="1">
+        <a:scrgbClr r="0" g="0" b="0"/>
+      </a:fillRef>
+      <a:effectRef idx="0">
+        <a:scrgbClr r="0" g="0" b="0"/>
+      </a:effectRef>
+      <a:fontRef idx="minor"/>
+    </dgm:style>
+  </dgm:styleLbl>
+  <dgm:styleLbl name="solidBgAcc1">
+    <dgm:scene3d>
+      <a:camera prst="orthographicFront"/>
+      <a:lightRig rig="threePt" dir="t"/>
+    </dgm:scene3d>
+    <dgm:sp3d/>
+    <dgm:txPr/>
+    <dgm:style>
+      <a:lnRef idx="2">
+        <a:scrgbClr r="0" g="0" b="0"/>
+      </a:lnRef>
+      <a:fillRef idx="1">
+        <a:scrgbClr r="0" g="0" b="0"/>
+      </a:fillRef>
+      <a:effectRef idx="0">
+        <a:scrgbClr r="0" g="0" b="0"/>
+      </a:effectRef>
+      <a:fontRef idx="minor"/>
+    </dgm:style>
+  </dgm:styleLbl>
+  <dgm:styleLbl name="fgAccFollowNode1">
+    <dgm:scene3d>
+      <a:camera prst="orthographicFront"/>
+      <a:lightRig rig="threePt" dir="t"/>
+    </dgm:scene3d>
+    <dgm:sp3d/>
+    <dgm:txPr/>
+    <dgm:style>
+      <a:lnRef idx="2">
+        <a:scrgbClr r="0" g="0" b="0"/>
+      </a:lnRef>
+      <a:fillRef idx="1">
+        <a:scrgbClr r="0" g="0" b="0"/>
+      </a:fillRef>
+      <a:effectRef idx="0">
+        <a:scrgbClr r="0" g="0" b="0"/>
+      </a:effectRef>
+      <a:fontRef idx="minor"/>
+    </dgm:style>
+  </dgm:styleLbl>
+  <dgm:styleLbl name="alignAccFollowNode1">
+    <dgm:scene3d>
+      <a:camera prst="orthographicFront"/>
+      <a:lightRig rig="threePt" dir="t"/>
+    </dgm:scene3d>
+    <dgm:sp3d/>
+    <dgm:txPr/>
+    <dgm:style>
+      <a:lnRef idx="2">
+        <a:scrgbClr r="0" g="0" b="0"/>
+      </a:lnRef>
+      <a:fillRef idx="1">
+        <a:scrgbClr r="0" g="0" b="0"/>
+      </a:fillRef>
+      <a:effectRef idx="0">
+        <a:scrgbClr r="0" g="0" b="0"/>
+      </a:effectRef>
+      <a:fontRef idx="minor"/>
+    </dgm:style>
+  </dgm:styleLbl>
+  <dgm:styleLbl name="bgAccFollowNode1">
+    <dgm:scene3d>
+      <a:camera prst="orthographicFront"/>
+      <a:lightRig rig="threePt" dir="t"/>
+    </dgm:scene3d>
+    <dgm:sp3d/>
+    <dgm:txPr/>
+    <dgm:style>
+      <a:lnRef idx="2">
+        <a:scrgbClr r="0" g="0" b="0"/>
+      </a:lnRef>
+      <a:fillRef idx="1">
+        <a:scrgbClr r="0" g="0" b="0"/>
+      </a:fillRef>
+      <a:effectRef idx="0">
+        <a:scrgbClr r="0" g="0" b="0"/>
+      </a:effectRef>
+      <a:fontRef idx="minor"/>
+    </dgm:style>
+  </dgm:styleLbl>
+  <dgm:styleLbl name="fgAcc0">
+    <dgm:scene3d>
+      <a:camera prst="orthographicFront"/>
+      <a:lightRig rig="threePt" dir="t"/>
+    </dgm:scene3d>
+    <dgm:sp3d/>
+    <dgm:txPr/>
+    <dgm:style>
+      <a:lnRef idx="2">
+        <a:scrgbClr r="0" g="0" b="0"/>
+      </a:lnRef>
+      <a:fillRef idx="1">
+        <a:scrgbClr r="0" g="0" b="0"/>
+      </a:fillRef>
+      <a:effectRef idx="0">
+        <a:scrgbClr r="0" g="0" b="0"/>
+      </a:effectRef>
+      <a:fontRef idx="minor"/>
+    </dgm:style>
+  </dgm:styleLbl>
+  <dgm:styleLbl name="fgAcc2">
+    <dgm:scene3d>
+      <a:camera prst="orthographicFront"/>
+      <a:lightRig rig="threePt" dir="t"/>
+    </dgm:scene3d>
+    <dgm:sp3d/>
+    <dgm:txPr/>
+    <dgm:style>
+      <a:lnRef idx="2">
+        <a:scrgbClr r="0" g="0" b="0"/>
+      </a:lnRef>
+      <a:fillRef idx="1">
+        <a:scrgbClr r="0" g="0" b="0"/>
+      </a:fillRef>
+      <a:effectRef idx="0">
+        <a:scrgbClr r="0" g="0" b="0"/>
+      </a:effectRef>
+      <a:fontRef idx="minor"/>
+    </dgm:style>
+  </dgm:styleLbl>
+  <dgm:styleLbl name="fgAcc3">
+    <dgm:scene3d>
+      <a:camera prst="orthographicFront"/>
+      <a:lightRig rig="threePt" dir="t"/>
+    </dgm:scene3d>
+    <dgm:sp3d/>
+    <dgm:txPr/>
+    <dgm:style>
+      <a:lnRef idx="2">
+        <a:scrgbClr r="0" g="0" b="0"/>
+      </a:lnRef>
+      <a:fillRef idx="1">
+        <a:scrgbClr r="0" g="0" b="0"/>
+      </a:fillRef>
+      <a:effectRef idx="0">
+        <a:scrgbClr r="0" g="0" b="0"/>
+      </a:effectRef>
+      <a:fontRef idx="minor"/>
+    </dgm:style>
+  </dgm:styleLbl>
+  <dgm:styleLbl name="fgAcc4">
+    <dgm:scene3d>
+      <a:camera prst="orthographicFront"/>
+      <a:lightRig rig="threePt" dir="t"/>
+    </dgm:scene3d>
+    <dgm:sp3d/>
+    <dgm:txPr/>
+    <dgm:style>
+      <a:lnRef idx="2">
+        <a:scrgbClr r="0" g="0" b="0"/>
+      </a:lnRef>
+      <a:fillRef idx="1">
+        <a:scrgbClr r="0" g="0" b="0"/>
+      </a:fillRef>
+      <a:effectRef idx="0">
+        <a:scrgbClr r="0" g="0" b="0"/>
+      </a:effectRef>
+      <a:fontRef idx="minor"/>
+    </dgm:style>
+  </dgm:styleLbl>
+  <dgm:styleLbl name="bgShp">
+    <dgm:scene3d>
+      <a:camera prst="orthographicFront"/>
+      <a:lightRig rig="threePt" dir="t"/>
+    </dgm:scene3d>
+    <dgm:sp3d/>
+    <dgm:txPr/>
+    <dgm:style>
+      <a:lnRef idx="0">
+        <a:scrgbClr r="0" g="0" b="0"/>
+      </a:lnRef>
+      <a:fillRef idx="1">
+        <a:scrgbClr r="0" g="0" b="0"/>
+      </a:fillRef>
+      <a:effectRef idx="0">
+        <a:scrgbClr r="0" g="0" b="0"/>
+      </a:effectRef>
+      <a:fontRef idx="minor"/>
+    </dgm:style>
+  </dgm:styleLbl>
+  <dgm:styleLbl name="dkBgShp">
+    <dgm:scene3d>
+      <a:camera prst="orthographicFront"/>
+      <a:lightRig rig="threePt" dir="t"/>
+    </dgm:scene3d>
+    <dgm:sp3d/>
+    <dgm:txPr/>
+    <dgm:style>
+      <a:lnRef idx="0">
+        <a:scrgbClr r="0" g="0" b="0"/>
+      </a:lnRef>
+      <a:fillRef idx="1">
+        <a:scrgbClr r="0" g="0" b="0"/>
+      </a:fillRef>
+      <a:effectRef idx="0">
+        <a:scrgbClr r="0" g="0" b="0"/>
+      </a:effectRef>
+      <a:fontRef idx="minor"/>
+    </dgm:style>
+  </dgm:styleLbl>
+  <dgm:styleLbl name="trBgShp">
+    <dgm:scene3d>
+      <a:camera prst="orthographicFront"/>
+      <a:lightRig rig="threePt" dir="t"/>
+    </dgm:scene3d>
+    <dgm:sp3d/>
+    <dgm:txPr/>
+    <dgm:style>
+      <a:lnRef idx="0">
+        <a:scrgbClr r="0" g="0" b="0"/>
+      </a:lnRef>
+      <a:fillRef idx="1">
+        <a:scrgbClr r="0" g="0" b="0"/>
+      </a:fillRef>
+      <a:effectRef idx="0">
+        <a:scrgbClr r="0" g="0" b="0"/>
+      </a:effectRef>
+      <a:fontRef idx="minor"/>
+    </dgm:style>
+  </dgm:styleLbl>
+  <dgm:styleLbl name="fgShp">
+    <dgm:scene3d>
+      <a:camera prst="orthographicFront"/>
+      <a:lightRig rig="threePt" dir="t"/>
+    </dgm:scene3d>
+    <dgm:sp3d/>
+    <dgm:txPr/>
+    <dgm:style>
+      <a:lnRef idx="2">
+        <a:scrgbClr r="0" g="0" b="0"/>
+      </a:lnRef>
+      <a:fillRef idx="1">
+        <a:scrgbClr r="0" g="0" b="0"/>
+      </a:fillRef>
+      <a:effectRef idx="0">
+        <a:scrgbClr r="0" g="0" b="0"/>
+      </a:effectRef>
+      <a:fontRef idx="minor"/>
+    </dgm:style>
+  </dgm:styleLbl>
+  <dgm:styleLbl name="revTx">
+    <dgm:scene3d>
+      <a:camera prst="orthographicFront"/>
+      <a:lightRig rig="threePt" dir="t"/>
+    </dgm:scene3d>
+    <dgm:sp3d/>
+    <dgm:txPr/>
+    <dgm:style>
+      <a:lnRef idx="0">
+        <a:scrgbClr r="0" g="0" b="0"/>
+      </a:lnRef>
+      <a:fillRef idx="0">
+        <a:scrgbClr r="0" g="0" b="0"/>
+      </a:fillRef>
+      <a:effectRef idx="0">
+        <a:scrgbClr r="0" g="0" b="0"/>
+      </a:effectRef>
+      <a:fontRef idx="minor"/>
+    </dgm:style>
+  </dgm:styleLbl>
+</dgm:styleDef>
+</file>
+
 <file path=ppt/diagrams/quickStyle2.xml><?xml version="1.0" encoding="utf-8"?>
 <dgm:styleDef xmlns:dgm="http://schemas.openxmlformats.org/drawingml/2006/diagram" xmlns:a="http://schemas.openxmlformats.org/drawingml/2006/main" uniqueId="urn:microsoft.com/office/officeart/2005/8/quickstyle/simple1">
   <dgm:title val=""/>
@@ -26118,7 +32476,7 @@
           <a:p>
             <a:fld id="{8CD97B82-2942-4A52-B976-0406CE6ADF79}" type="datetimeFigureOut">
               <a:rPr lang="de-DE" smtClean="0"/>
-              <a:t>27.10.2016</a:t>
+              <a:t>03.11.2016</a:t>
             </a:fld>
             <a:endParaRPr lang="de-DE"/>
           </a:p>
@@ -26539,7 +32897,7 @@
           <a:p>
             <a:fld id="{5A008491-D299-4ADE-9791-FADD8A5FA6CD}" type="slidenum">
               <a:rPr lang="de-DE" smtClean="0"/>
-              <a:t>4</a:t>
+              <a:t>5</a:t>
             </a:fld>
             <a:endParaRPr lang="de-DE"/>
           </a:p>
@@ -31025,6 +37383,15 @@
               </a:rPr>
               <a:t>SQLcl</a:t>
             </a:r>
+            <a:r>
+              <a:rPr lang="de-DE" sz="2925" b="1" dirty="0">
+                <a:solidFill>
+                  <a:srgbClr val="434E4F"/>
+                </a:solidFill>
+                <a:latin typeface="Calibri" panose="020F0502020204030204" pitchFamily="34" charset="0"/>
+              </a:rPr>
+              <a:t/>
+            </a:r>
             <a:br>
               <a:rPr lang="de-DE" sz="2925" b="1" dirty="0">
                 <a:solidFill>
@@ -31079,6 +37446,15 @@
                 <a:latin typeface="Calibri" panose="020F0502020204030204" pitchFamily="34" charset="0"/>
               </a:rPr>
             </a:br>
+            <a:r>
+              <a:rPr lang="de-DE" sz="1625" dirty="0">
+                <a:solidFill>
+                  <a:srgbClr val="434E4F"/>
+                </a:solidFill>
+                <a:latin typeface="Calibri" panose="020F0502020204030204" pitchFamily="34" charset="0"/>
+              </a:rPr>
+              <a:t/>
+            </a:r>
             <a:br>
               <a:rPr lang="de-DE" sz="1625" dirty="0">
                 <a:solidFill>
@@ -31157,10 +37533,140 @@
   <p:clrMapOvr>
     <a:masterClrMapping/>
   </p:clrMapOvr>
+  <p:timing>
+    <p:tnLst>
+      <p:par>
+        <p:cTn id="1" dur="indefinite" restart="never" nodeType="tmRoot"/>
+      </p:par>
+    </p:tnLst>
+  </p:timing>
 </p:sld>
 </file>
 
 <file path=ppt/slides/slide10.xml><?xml version="1.0" encoding="utf-8"?>
+<p:sld xmlns:a="http://schemas.openxmlformats.org/drawingml/2006/main" xmlns:r="http://schemas.openxmlformats.org/officeDocument/2006/relationships" xmlns:p="http://schemas.openxmlformats.org/presentationml/2006/main">
+  <p:cSld>
+    <p:spTree>
+      <p:nvGrpSpPr>
+        <p:cNvPr id="1" name=""/>
+        <p:cNvGrpSpPr/>
+        <p:nvPr/>
+      </p:nvGrpSpPr>
+      <p:grpSpPr>
+        <a:xfrm>
+          <a:off x="0" y="0"/>
+          <a:ext cx="0" cy="0"/>
+          <a:chOff x="0" y="0"/>
+          <a:chExt cx="0" cy="0"/>
+        </a:xfrm>
+      </p:grpSpPr>
+      <p:sp>
+        <p:nvSpPr>
+          <p:cNvPr id="2" name="Titel 1"/>
+          <p:cNvSpPr>
+            <a:spLocks noGrp="1"/>
+          </p:cNvSpPr>
+          <p:nvPr>
+            <p:ph type="title" idx="4294967295"/>
+          </p:nvPr>
+        </p:nvSpPr>
+        <p:spPr>
+          <a:xfrm>
+            <a:off x="838200" y="365125"/>
+            <a:ext cx="10515600" cy="1325563"/>
+          </a:xfrm>
+        </p:spPr>
+        <p:txBody>
+          <a:bodyPr/>
+          <a:lstStyle/>
+          <a:p>
+            <a:r>
+              <a:rPr lang="de-DE" dirty="0" err="1"/>
+              <a:t>SQLcl</a:t>
+            </a:r>
+            <a:r>
+              <a:rPr lang="de-DE" dirty="0"/>
+              <a:t> – </a:t>
+            </a:r>
+            <a:r>
+              <a:rPr lang="de-DE" dirty="0" err="1"/>
+              <a:t>Blobs</a:t>
+            </a:r>
+            <a:r>
+              <a:rPr lang="de-DE" dirty="0"/>
+              <a:t> Ein- und Auslesen</a:t>
+            </a:r>
+          </a:p>
+        </p:txBody>
+      </p:sp>
+      <p:graphicFrame>
+        <p:nvGraphicFramePr>
+          <p:cNvPr id="4" name="Inhaltsplatzhalter 3"/>
+          <p:cNvGraphicFramePr>
+            <a:graphicFrameLocks noGrp="1"/>
+          </p:cNvGraphicFramePr>
+          <p:nvPr>
+            <p:ph idx="4294967295"/>
+            <p:extLst>
+              <p:ext uri="{D42A27DB-BD31-4B8C-83A1-F6EECF244321}">
+                <p14:modId xmlns:p14="http://schemas.microsoft.com/office/powerpoint/2010/main" val="2370603263"/>
+              </p:ext>
+            </p:extLst>
+          </p:nvPr>
+        </p:nvGraphicFramePr>
+        <p:xfrm>
+          <a:off x="838200" y="1557338"/>
+          <a:ext cx="10515600" cy="4619625"/>
+        </p:xfrm>
+        <a:graphic>
+          <a:graphicData uri="http://schemas.openxmlformats.org/drawingml/2006/diagram">
+            <dgm:relIds xmlns:dgm="http://schemas.openxmlformats.org/drawingml/2006/diagram" xmlns:r="http://schemas.openxmlformats.org/officeDocument/2006/relationships" r:dm="rId2" r:lo="rId3" r:qs="rId4" r:cs="rId5"/>
+          </a:graphicData>
+        </a:graphic>
+      </p:graphicFrame>
+      <p:sp>
+        <p:nvSpPr>
+          <p:cNvPr id="5" name="Textfeld 4"/>
+          <p:cNvSpPr txBox="1"/>
+          <p:nvPr/>
+        </p:nvSpPr>
+        <p:spPr>
+          <a:xfrm>
+            <a:off x="11496600" y="6597352"/>
+            <a:ext cx="1008112" cy="230832"/>
+          </a:xfrm>
+          <a:prstGeom prst="rect">
+            <a:avLst/>
+          </a:prstGeom>
+          <a:noFill/>
+        </p:spPr>
+        <p:txBody>
+          <a:bodyPr wrap="square" rtlCol="0">
+            <a:spAutoFit/>
+          </a:bodyPr>
+          <a:lstStyle/>
+          <a:p>
+            <a:r>
+              <a:rPr lang="de-DE" sz="900" dirty="0"/>
+              <a:t>SH 5“</a:t>
+            </a:r>
+          </a:p>
+        </p:txBody>
+      </p:sp>
+    </p:spTree>
+    <p:extLst>
+      <p:ext uri="{BB962C8B-B14F-4D97-AF65-F5344CB8AC3E}">
+        <p14:creationId xmlns:p14="http://schemas.microsoft.com/office/powerpoint/2010/main" val="3560576843"/>
+      </p:ext>
+    </p:extLst>
+  </p:cSld>
+  <p:clrMapOvr>
+    <a:masterClrMapping/>
+  </p:clrMapOvr>
+</p:sld>
+</file>
+
+<file path=ppt/slides/slide11.xml><?xml version="1.0" encoding="utf-8"?>
 <p:sld xmlns:a="http://schemas.openxmlformats.org/drawingml/2006/main" xmlns:r="http://schemas.openxmlformats.org/officeDocument/2006/relationships" xmlns:p="http://schemas.openxmlformats.org/presentationml/2006/main">
   <p:cSld>
     <p:spTree>
@@ -31275,7 +37781,7 @@
 </p:sld>
 </file>
 
-<file path=ppt/slides/slide11.xml><?xml version="1.0" encoding="utf-8"?>
+<file path=ppt/slides/slide12.xml><?xml version="1.0" encoding="utf-8"?>
 <p:sld xmlns:a="http://schemas.openxmlformats.org/drawingml/2006/main" xmlns:r="http://schemas.openxmlformats.org/officeDocument/2006/relationships" xmlns:p="http://schemas.openxmlformats.org/presentationml/2006/main">
   <p:cSld>
     <p:spTree>
@@ -31390,7 +37896,7 @@
 </p:sld>
 </file>
 
-<file path=ppt/slides/slide12.xml><?xml version="1.0" encoding="utf-8"?>
+<file path=ppt/slides/slide13.xml><?xml version="1.0" encoding="utf-8"?>
 <p:sld xmlns:a="http://schemas.openxmlformats.org/drawingml/2006/main" xmlns:r="http://schemas.openxmlformats.org/officeDocument/2006/relationships" xmlns:p="http://schemas.openxmlformats.org/presentationml/2006/main">
   <p:cSld>
     <p:spTree>
@@ -31505,7 +38011,7 @@
 </p:sld>
 </file>
 
-<file path=ppt/slides/slide13.xml><?xml version="1.0" encoding="utf-8"?>
+<file path=ppt/slides/slide14.xml><?xml version="1.0" encoding="utf-8"?>
 <p:sld xmlns:a="http://schemas.openxmlformats.org/drawingml/2006/main" xmlns:r="http://schemas.openxmlformats.org/officeDocument/2006/relationships" xmlns:p="http://schemas.openxmlformats.org/presentationml/2006/main">
   <p:cSld>
     <p:spTree>
@@ -31634,7 +38140,7 @@
 </p:sld>
 </file>
 
-<file path=ppt/slides/slide14.xml><?xml version="1.0" encoding="utf-8"?>
+<file path=ppt/slides/slide15.xml><?xml version="1.0" encoding="utf-8"?>
 <p:sld xmlns:a="http://schemas.openxmlformats.org/drawingml/2006/main" xmlns:r="http://schemas.openxmlformats.org/officeDocument/2006/relationships" xmlns:p="http://schemas.openxmlformats.org/presentationml/2006/main">
   <p:cSld>
     <p:spTree>
@@ -31711,6 +38217,10 @@
               <a:rPr lang="de-DE" sz="2400" dirty="0" err="1"/>
               <a:t>Javascript</a:t>
             </a:r>
+            <a:r>
+              <a:rPr lang="de-DE" sz="2400" dirty="0"/>
+              <a:t/>
+            </a:r>
             <a:br>
               <a:rPr lang="de-DE" sz="2400" dirty="0"/>
             </a:br>
@@ -31718,7 +38228,6 @@
               <a:rPr lang="de-DE" sz="2400" dirty="0"/>
               <a:t>Edvard Munch</a:t>
             </a:r>
-            <a:endParaRPr lang="de-DE" sz="2400" dirty="0"/>
           </a:p>
         </p:txBody>
       </p:sp>
@@ -31850,7 +38359,7 @@
 </p:sld>
 </file>
 
-<file path=ppt/slides/slide15.xml><?xml version="1.0" encoding="utf-8"?>
+<file path=ppt/slides/slide16.xml><?xml version="1.0" encoding="utf-8"?>
 <p:sld xmlns:a="http://schemas.openxmlformats.org/drawingml/2006/main" xmlns:r="http://schemas.openxmlformats.org/officeDocument/2006/relationships" xmlns:p="http://schemas.openxmlformats.org/presentationml/2006/main">
   <p:cSld>
     <p:spTree>
@@ -32345,7 +38854,7 @@
         </p:blipFill>
         <p:spPr bwMode="auto">
           <a:xfrm>
-            <a:off x="9848637" y="476672"/>
+            <a:off x="9696400" y="476672"/>
             <a:ext cx="1855766" cy="2520000"/>
           </a:xfrm>
           <a:prstGeom prst="rect">
@@ -32401,7 +38910,7 @@
         </p:blipFill>
         <p:spPr bwMode="auto">
           <a:xfrm rot="311904">
-            <a:off x="10823396" y="3298975"/>
+            <a:off x="10728961" y="3298975"/>
             <a:ext cx="565342" cy="565341"/>
           </a:xfrm>
           <a:prstGeom prst="rect">
@@ -32632,6 +39141,317 @@
       </p:grpSpPr>
       <p:sp>
         <p:nvSpPr>
+          <p:cNvPr id="2" name="Textfeld 7"/>
+          <p:cNvSpPr txBox="1">
+            <a:spLocks noChangeArrowheads="1"/>
+          </p:cNvSpPr>
+          <p:nvPr/>
+        </p:nvSpPr>
+        <p:spPr bwMode="auto">
+          <a:xfrm>
+            <a:off x="1127448" y="245839"/>
+            <a:ext cx="4600757" cy="830997"/>
+          </a:xfrm>
+          <a:prstGeom prst="rect">
+            <a:avLst/>
+          </a:prstGeom>
+          <a:noFill/>
+          <a:ln>
+            <a:noFill/>
+          </a:ln>
+          <a:extLst>
+            <a:ext uri="{909E8E84-426E-40DD-AFC4-6F175D3DCCD1}">
+              <a14:hiddenFill xmlns:a14="http://schemas.microsoft.com/office/drawing/2010/main">
+                <a:solidFill>
+                  <a:srgbClr val="FFFFFF"/>
+                </a:solidFill>
+              </a14:hiddenFill>
+            </a:ext>
+            <a:ext uri="{91240B29-F687-4F45-9708-019B960494DF}">
+              <a14:hiddenLine xmlns:a14="http://schemas.microsoft.com/office/drawing/2010/main" w="9525">
+                <a:solidFill>
+                  <a:srgbClr val="000000"/>
+                </a:solidFill>
+                <a:miter lim="800000"/>
+                <a:headEnd/>
+                <a:tailEnd/>
+              </a14:hiddenLine>
+            </a:ext>
+          </a:extLst>
+        </p:spPr>
+        <p:txBody>
+          <a:bodyPr wrap="square">
+            <a:spAutoFit/>
+          </a:bodyPr>
+          <a:lstStyle>
+            <a:defPPr>
+              <a:defRPr lang="de-DE"/>
+            </a:defPPr>
+            <a:lvl1pPr defTabSz="371475" fontAlgn="base">
+              <a:spcBef>
+                <a:spcPct val="0"/>
+              </a:spcBef>
+              <a:spcAft>
+                <a:spcPct val="0"/>
+              </a:spcAft>
+              <a:defRPr sz="2400" b="1">
+                <a:solidFill>
+                  <a:srgbClr val="434E4F"/>
+                </a:solidFill>
+                <a:latin typeface="Eurostile" panose="020B0504020202050204" pitchFamily="34" charset="0"/>
+                <a:ea typeface="ヒラギノ角ゴ Pro W3" charset="0"/>
+                <a:cs typeface="ヒラギノ角ゴ Pro W3" charset="0"/>
+              </a:defRPr>
+            </a:lvl1pPr>
+            <a:lvl2pPr marL="742950" indent="-285750" eaLnBrk="0" hangingPunct="0">
+              <a:defRPr sz="2400">
+                <a:latin typeface="Calibri" charset="0"/>
+                <a:ea typeface="ヒラギノ角ゴ Pro W3" charset="0"/>
+              </a:defRPr>
+            </a:lvl2pPr>
+            <a:lvl3pPr marL="1143000" indent="-228600" eaLnBrk="0" hangingPunct="0">
+              <a:defRPr sz="2400">
+                <a:latin typeface="Calibri" charset="0"/>
+                <a:ea typeface="ヒラギノ角ゴ Pro W3" charset="0"/>
+              </a:defRPr>
+            </a:lvl3pPr>
+            <a:lvl4pPr marL="1600200" indent="-228600" eaLnBrk="0" hangingPunct="0">
+              <a:defRPr sz="2400">
+                <a:latin typeface="Calibri" charset="0"/>
+                <a:ea typeface="ヒラギノ角ゴ Pro W3" charset="0"/>
+              </a:defRPr>
+            </a:lvl4pPr>
+            <a:lvl5pPr marL="2057400" indent="-228600" eaLnBrk="0" hangingPunct="0">
+              <a:defRPr sz="2400">
+                <a:latin typeface="Calibri" charset="0"/>
+                <a:ea typeface="ヒラギノ角ゴ Pro W3" charset="0"/>
+              </a:defRPr>
+            </a:lvl5pPr>
+            <a:lvl6pPr marL="2514600" indent="-228600" eaLnBrk="0" fontAlgn="base" hangingPunct="0">
+              <a:spcBef>
+                <a:spcPct val="0"/>
+              </a:spcBef>
+              <a:spcAft>
+                <a:spcPct val="0"/>
+              </a:spcAft>
+              <a:defRPr sz="2400">
+                <a:latin typeface="Calibri" charset="0"/>
+                <a:ea typeface="ヒラギノ角ゴ Pro W3" charset="0"/>
+              </a:defRPr>
+            </a:lvl6pPr>
+            <a:lvl7pPr marL="2971800" indent="-228600" eaLnBrk="0" fontAlgn="base" hangingPunct="0">
+              <a:spcBef>
+                <a:spcPct val="0"/>
+              </a:spcBef>
+              <a:spcAft>
+                <a:spcPct val="0"/>
+              </a:spcAft>
+              <a:defRPr sz="2400">
+                <a:latin typeface="Calibri" charset="0"/>
+                <a:ea typeface="ヒラギノ角ゴ Pro W3" charset="0"/>
+              </a:defRPr>
+            </a:lvl7pPr>
+            <a:lvl8pPr marL="3429000" indent="-228600" eaLnBrk="0" fontAlgn="base" hangingPunct="0">
+              <a:spcBef>
+                <a:spcPct val="0"/>
+              </a:spcBef>
+              <a:spcAft>
+                <a:spcPct val="0"/>
+              </a:spcAft>
+              <a:defRPr sz="2400">
+                <a:latin typeface="Calibri" charset="0"/>
+                <a:ea typeface="ヒラギノ角ゴ Pro W3" charset="0"/>
+              </a:defRPr>
+            </a:lvl8pPr>
+            <a:lvl9pPr marL="3886200" indent="-228600" eaLnBrk="0" fontAlgn="base" hangingPunct="0">
+              <a:spcBef>
+                <a:spcPct val="0"/>
+              </a:spcBef>
+              <a:spcAft>
+                <a:spcPct val="0"/>
+              </a:spcAft>
+              <a:defRPr sz="2400">
+                <a:latin typeface="Calibri" charset="0"/>
+                <a:ea typeface="ヒラギノ角ゴ Pro W3" charset="0"/>
+              </a:defRPr>
+            </a:lvl9pPr>
+          </a:lstStyle>
+          <a:p>
+            <a:r>
+              <a:rPr lang="de-DE" sz="4800" dirty="0" smtClean="0">
+                <a:latin typeface="+mj-lt"/>
+                <a:cs typeface="Calibri" panose="020F0502020204030204" pitchFamily="34" charset="0"/>
+              </a:rPr>
+              <a:t>Sabine </a:t>
+            </a:r>
+            <a:r>
+              <a:rPr lang="de-DE" sz="4800" dirty="0" err="1" smtClean="0">
+                <a:latin typeface="+mj-lt"/>
+                <a:cs typeface="Calibri" panose="020F0502020204030204" pitchFamily="34" charset="0"/>
+              </a:rPr>
+              <a:t>Heimsath</a:t>
+            </a:r>
+            <a:endParaRPr lang="de-DE" sz="4800" dirty="0">
+              <a:latin typeface="+mj-lt"/>
+              <a:cs typeface="Calibri" panose="020F0502020204030204" pitchFamily="34" charset="0"/>
+            </a:endParaRPr>
+          </a:p>
+        </p:txBody>
+      </p:sp>
+      <p:graphicFrame>
+        <p:nvGraphicFramePr>
+          <p:cNvPr id="10" name="Diagramm 9"/>
+          <p:cNvGraphicFramePr/>
+          <p:nvPr>
+            <p:extLst>
+              <p:ext uri="{D42A27DB-BD31-4B8C-83A1-F6EECF244321}">
+                <p14:modId xmlns:p14="http://schemas.microsoft.com/office/powerpoint/2010/main" val="2930374196"/>
+              </p:ext>
+            </p:extLst>
+          </p:nvPr>
+        </p:nvGraphicFramePr>
+        <p:xfrm>
+          <a:off x="1127448" y="1268760"/>
+          <a:ext cx="8064896" cy="3816424"/>
+        </p:xfrm>
+        <a:graphic>
+          <a:graphicData uri="http://schemas.openxmlformats.org/drawingml/2006/diagram">
+            <dgm:relIds xmlns:dgm="http://schemas.openxmlformats.org/drawingml/2006/diagram" xmlns:r="http://schemas.openxmlformats.org/officeDocument/2006/relationships" r:dm="rId2" r:lo="rId3" r:qs="rId4" r:cs="rId5"/>
+          </a:graphicData>
+        </a:graphic>
+      </p:graphicFrame>
+      <p:graphicFrame>
+        <p:nvGraphicFramePr>
+          <p:cNvPr id="11" name="Diagramm 10"/>
+          <p:cNvGraphicFramePr/>
+          <p:nvPr>
+            <p:extLst>
+              <p:ext uri="{D42A27DB-BD31-4B8C-83A1-F6EECF244321}">
+                <p14:modId xmlns:p14="http://schemas.microsoft.com/office/powerpoint/2010/main" val="3656073446"/>
+              </p:ext>
+            </p:extLst>
+          </p:nvPr>
+        </p:nvGraphicFramePr>
+        <p:xfrm>
+          <a:off x="778111" y="4725144"/>
+          <a:ext cx="9206321" cy="2061261"/>
+        </p:xfrm>
+        <a:graphic>
+          <a:graphicData uri="http://schemas.openxmlformats.org/drawingml/2006/diagram">
+            <dgm:relIds xmlns:dgm="http://schemas.openxmlformats.org/drawingml/2006/diagram" xmlns:r="http://schemas.openxmlformats.org/officeDocument/2006/relationships" r:dm="rId7" r:lo="rId8" r:qs="rId9" r:cs="rId10"/>
+          </a:graphicData>
+        </a:graphic>
+      </p:graphicFrame>
+      <p:pic>
+        <p:nvPicPr>
+          <p:cNvPr id="3" name="Grafik 2"/>
+          <p:cNvPicPr>
+            <a:picLocks noChangeAspect="1"/>
+          </p:cNvPicPr>
+          <p:nvPr/>
+        </p:nvPicPr>
+        <p:blipFill>
+          <a:blip r:embed="rId12" cstate="print">
+            <a:extLst>
+              <a:ext uri="{28A0092B-C50C-407E-A947-70E740481C1C}">
+                <a14:useLocalDpi xmlns:a14="http://schemas.microsoft.com/office/drawing/2010/main" val="0"/>
+              </a:ext>
+            </a:extLst>
+          </a:blip>
+          <a:stretch>
+            <a:fillRect/>
+          </a:stretch>
+        </p:blipFill>
+        <p:spPr>
+          <a:xfrm>
+            <a:off x="10728000" y="3297600"/>
+            <a:ext cx="473848" cy="498788"/>
+          </a:xfrm>
+          <a:prstGeom prst="rect">
+            <a:avLst/>
+          </a:prstGeom>
+          <a:noFill/>
+          <a:effectLst>
+            <a:reflection blurRad="6350" stA="50000" endA="300" endPos="55500" dist="101600" dir="5400000" sy="-100000" algn="bl" rotWithShape="0"/>
+          </a:effectLst>
+          <a:scene3d>
+            <a:camera prst="obliqueTopLeft">
+              <a:rot lat="0" lon="0" rev="0"/>
+            </a:camera>
+            <a:lightRig rig="threePt" dir="t"/>
+          </a:scene3d>
+          <a:sp3d/>
+        </p:spPr>
+      </p:pic>
+      <p:pic>
+        <p:nvPicPr>
+          <p:cNvPr id="6" name="Grafik 5"/>
+          <p:cNvPicPr>
+            <a:picLocks noChangeAspect="1"/>
+          </p:cNvPicPr>
+          <p:nvPr/>
+        </p:nvPicPr>
+        <p:blipFill>
+          <a:blip r:embed="rId13" cstate="print">
+            <a:extLst>
+              <a:ext uri="{28A0092B-C50C-407E-A947-70E740481C1C}">
+                <a14:useLocalDpi xmlns:a14="http://schemas.microsoft.com/office/drawing/2010/main" val="0"/>
+              </a:ext>
+            </a:extLst>
+          </a:blip>
+          <a:stretch>
+            <a:fillRect/>
+          </a:stretch>
+        </p:blipFill>
+        <p:spPr>
+          <a:xfrm>
+            <a:off x="9672584" y="476672"/>
+            <a:ext cx="1680000" cy="2520000"/>
+          </a:xfrm>
+          <a:prstGeom prst="rect">
+            <a:avLst/>
+          </a:prstGeom>
+        </p:spPr>
+      </p:pic>
+    </p:spTree>
+    <p:extLst>
+      <p:ext uri="{BB962C8B-B14F-4D97-AF65-F5344CB8AC3E}">
+        <p14:creationId xmlns:p14="http://schemas.microsoft.com/office/powerpoint/2010/main" val="2640494836"/>
+      </p:ext>
+    </p:extLst>
+  </p:cSld>
+  <p:clrMapOvr>
+    <a:masterClrMapping/>
+  </p:clrMapOvr>
+  <p:timing>
+    <p:tnLst>
+      <p:par>
+        <p:cTn id="1" dur="indefinite" restart="never" nodeType="tmRoot"/>
+      </p:par>
+    </p:tnLst>
+  </p:timing>
+</p:sld>
+</file>
+
+<file path=ppt/slides/slide4.xml><?xml version="1.0" encoding="utf-8"?>
+<p:sld xmlns:a="http://schemas.openxmlformats.org/drawingml/2006/main" xmlns:r="http://schemas.openxmlformats.org/officeDocument/2006/relationships" xmlns:p="http://schemas.openxmlformats.org/presentationml/2006/main">
+  <p:cSld>
+    <p:spTree>
+      <p:nvGrpSpPr>
+        <p:cNvPr id="1" name=""/>
+        <p:cNvGrpSpPr/>
+        <p:nvPr/>
+      </p:nvGrpSpPr>
+      <p:grpSpPr>
+        <a:xfrm>
+          <a:off x="0" y="0"/>
+          <a:ext cx="0" cy="0"/>
+          <a:chOff x="0" y="0"/>
+          <a:chExt cx="0" cy="0"/>
+        </a:xfrm>
+      </p:grpSpPr>
+      <p:sp>
+        <p:nvSpPr>
           <p:cNvPr id="2" name="Titel 1"/>
           <p:cNvSpPr>
             <a:spLocks noGrp="1"/>
@@ -32701,10 +39521,17 @@
   <p:clrMapOvr>
     <a:masterClrMapping/>
   </p:clrMapOvr>
+  <p:timing>
+    <p:tnLst>
+      <p:par>
+        <p:cTn id="1" dur="indefinite" restart="never" nodeType="tmRoot"/>
+      </p:par>
+    </p:tnLst>
+  </p:timing>
 </p:sld>
 </file>
 
-<file path=ppt/slides/slide4.xml><?xml version="1.0" encoding="utf-8"?>
+<file path=ppt/slides/slide5.xml><?xml version="1.0" encoding="utf-8"?>
 <p:sld xmlns:a="http://schemas.openxmlformats.org/drawingml/2006/main" xmlns:r="http://schemas.openxmlformats.org/officeDocument/2006/relationships" xmlns:p="http://schemas.openxmlformats.org/presentationml/2006/main">
   <p:cSld>
     <p:spTree>
@@ -32823,10 +39650,17 @@
   <p:clrMapOvr>
     <a:masterClrMapping/>
   </p:clrMapOvr>
+  <p:timing>
+    <p:tnLst>
+      <p:par>
+        <p:cTn id="1" dur="indefinite" restart="never" nodeType="tmRoot"/>
+      </p:par>
+    </p:tnLst>
+  </p:timing>
 </p:sld>
 </file>
 
-<file path=ppt/slides/slide5.xml><?xml version="1.0" encoding="utf-8"?>
+<file path=ppt/slides/slide6.xml><?xml version="1.0" encoding="utf-8"?>
 <p:sld xmlns:a="http://schemas.openxmlformats.org/drawingml/2006/main" xmlns:r="http://schemas.openxmlformats.org/officeDocument/2006/relationships" xmlns:p="http://schemas.openxmlformats.org/presentationml/2006/main">
   <p:cSld>
     <p:spTree>
@@ -32942,7 +39776,7 @@
 </p:sld>
 </file>
 
-<file path=ppt/slides/slide6.xml><?xml version="1.0" encoding="utf-8"?>
+<file path=ppt/slides/slide7.xml><?xml version="1.0" encoding="utf-8"?>
 <p:sld xmlns:a="http://schemas.openxmlformats.org/drawingml/2006/main" xmlns:r="http://schemas.openxmlformats.org/officeDocument/2006/relationships" xmlns:p="http://schemas.openxmlformats.org/presentationml/2006/main">
   <p:cSld>
     <p:spTree>
@@ -33066,7 +39900,7 @@
 </p:sld>
 </file>
 
-<file path=ppt/slides/slide7.xml><?xml version="1.0" encoding="utf-8"?>
+<file path=ppt/slides/slide8.xml><?xml version="1.0" encoding="utf-8"?>
 <p:sld xmlns:a="http://schemas.openxmlformats.org/drawingml/2006/main" xmlns:r="http://schemas.openxmlformats.org/officeDocument/2006/relationships" xmlns:p="http://schemas.openxmlformats.org/presentationml/2006/main">
   <p:cSld>
     <p:spTree>
@@ -33181,7 +40015,7 @@
 </p:sld>
 </file>
 
-<file path=ppt/slides/slide8.xml><?xml version="1.0" encoding="utf-8"?>
+<file path=ppt/slides/slide9.xml><?xml version="1.0" encoding="utf-8"?>
 <p:sld xmlns:a="http://schemas.openxmlformats.org/drawingml/2006/main" xmlns:r="http://schemas.openxmlformats.org/officeDocument/2006/relationships" xmlns:p="http://schemas.openxmlformats.org/presentationml/2006/main">
   <p:cSld>
     <p:spTree>
@@ -33287,129 +40121,6 @@
     <p:extLst>
       <p:ext uri="{BB962C8B-B14F-4D97-AF65-F5344CB8AC3E}">
         <p14:creationId xmlns:p14="http://schemas.microsoft.com/office/powerpoint/2010/main" val="3337850171"/>
-      </p:ext>
-    </p:extLst>
-  </p:cSld>
-  <p:clrMapOvr>
-    <a:masterClrMapping/>
-  </p:clrMapOvr>
-</p:sld>
-</file>
-
-<file path=ppt/slides/slide9.xml><?xml version="1.0" encoding="utf-8"?>
-<p:sld xmlns:a="http://schemas.openxmlformats.org/drawingml/2006/main" xmlns:r="http://schemas.openxmlformats.org/officeDocument/2006/relationships" xmlns:p="http://schemas.openxmlformats.org/presentationml/2006/main">
-  <p:cSld>
-    <p:spTree>
-      <p:nvGrpSpPr>
-        <p:cNvPr id="1" name=""/>
-        <p:cNvGrpSpPr/>
-        <p:nvPr/>
-      </p:nvGrpSpPr>
-      <p:grpSpPr>
-        <a:xfrm>
-          <a:off x="0" y="0"/>
-          <a:ext cx="0" cy="0"/>
-          <a:chOff x="0" y="0"/>
-          <a:chExt cx="0" cy="0"/>
-        </a:xfrm>
-      </p:grpSpPr>
-      <p:sp>
-        <p:nvSpPr>
-          <p:cNvPr id="2" name="Titel 1"/>
-          <p:cNvSpPr>
-            <a:spLocks noGrp="1"/>
-          </p:cNvSpPr>
-          <p:nvPr>
-            <p:ph type="title" idx="4294967295"/>
-          </p:nvPr>
-        </p:nvSpPr>
-        <p:spPr>
-          <a:xfrm>
-            <a:off x="838200" y="365125"/>
-            <a:ext cx="10515600" cy="1325563"/>
-          </a:xfrm>
-        </p:spPr>
-        <p:txBody>
-          <a:bodyPr/>
-          <a:lstStyle/>
-          <a:p>
-            <a:r>
-              <a:rPr lang="de-DE" dirty="0" err="1"/>
-              <a:t>SQLcl</a:t>
-            </a:r>
-            <a:r>
-              <a:rPr lang="de-DE" dirty="0"/>
-              <a:t> – </a:t>
-            </a:r>
-            <a:r>
-              <a:rPr lang="de-DE" dirty="0" err="1"/>
-              <a:t>Blobs</a:t>
-            </a:r>
-            <a:r>
-              <a:rPr lang="de-DE" dirty="0"/>
-              <a:t> Ein- und Auslesen</a:t>
-            </a:r>
-          </a:p>
-        </p:txBody>
-      </p:sp>
-      <p:graphicFrame>
-        <p:nvGraphicFramePr>
-          <p:cNvPr id="4" name="Inhaltsplatzhalter 3"/>
-          <p:cNvGraphicFramePr>
-            <a:graphicFrameLocks noGrp="1"/>
-          </p:cNvGraphicFramePr>
-          <p:nvPr>
-            <p:ph idx="4294967295"/>
-            <p:extLst>
-              <p:ext uri="{D42A27DB-BD31-4B8C-83A1-F6EECF244321}">
-                <p14:modId xmlns:p14="http://schemas.microsoft.com/office/powerpoint/2010/main" val="2370603263"/>
-              </p:ext>
-            </p:extLst>
-          </p:nvPr>
-        </p:nvGraphicFramePr>
-        <p:xfrm>
-          <a:off x="838200" y="1557338"/>
-          <a:ext cx="10515600" cy="4619625"/>
-        </p:xfrm>
-        <a:graphic>
-          <a:graphicData uri="http://schemas.openxmlformats.org/drawingml/2006/diagram">
-            <dgm:relIds xmlns:dgm="http://schemas.openxmlformats.org/drawingml/2006/diagram" xmlns:r="http://schemas.openxmlformats.org/officeDocument/2006/relationships" r:dm="rId2" r:lo="rId3" r:qs="rId4" r:cs="rId5"/>
-          </a:graphicData>
-        </a:graphic>
-      </p:graphicFrame>
-      <p:sp>
-        <p:nvSpPr>
-          <p:cNvPr id="5" name="Textfeld 4"/>
-          <p:cNvSpPr txBox="1"/>
-          <p:nvPr/>
-        </p:nvSpPr>
-        <p:spPr>
-          <a:xfrm>
-            <a:off x="11496600" y="6597352"/>
-            <a:ext cx="1008112" cy="230832"/>
-          </a:xfrm>
-          <a:prstGeom prst="rect">
-            <a:avLst/>
-          </a:prstGeom>
-          <a:noFill/>
-        </p:spPr>
-        <p:txBody>
-          <a:bodyPr wrap="square" rtlCol="0">
-            <a:spAutoFit/>
-          </a:bodyPr>
-          <a:lstStyle/>
-          <a:p>
-            <a:r>
-              <a:rPr lang="de-DE" sz="900" dirty="0"/>
-              <a:t>SH 5“</a:t>
-            </a:r>
-          </a:p>
-        </p:txBody>
-      </p:sp>
-    </p:spTree>
-    <p:extLst>
-      <p:ext uri="{BB962C8B-B14F-4D97-AF65-F5344CB8AC3E}">
-        <p14:creationId xmlns:p14="http://schemas.microsoft.com/office/powerpoint/2010/main" val="3560576843"/>
       </p:ext>
     </p:extLst>
   </p:cSld>

--- a/Slides/2016 DOAG K+A - Sabine Heimsath + Robert Marz - Scripting with SQLcl.pptx
+++ b/Slides/2016 DOAG K+A - Sabine Heimsath + Robert Marz - Scripting with SQLcl.pptx
@@ -4629,753 +4629,6 @@
 </file>
 
 <file path=ppt/diagrams/colors15.xml><?xml version="1.0" encoding="utf-8"?>
-<dgm:colorsDef xmlns:dgm="http://schemas.openxmlformats.org/drawingml/2006/diagram" xmlns:a="http://schemas.openxmlformats.org/drawingml/2006/main" uniqueId="urn:microsoft.com/office/officeart/2005/8/colors/accent1_2">
-  <dgm:title val=""/>
-  <dgm:desc val=""/>
-  <dgm:catLst>
-    <dgm:cat type="accent1" pri="11200"/>
-  </dgm:catLst>
-  <dgm:styleLbl name="node0">
-    <dgm:fillClrLst meth="repeat">
-      <a:schemeClr val="accent1"/>
-    </dgm:fillClrLst>
-    <dgm:linClrLst meth="repeat">
-      <a:schemeClr val="lt1"/>
-    </dgm:linClrLst>
-    <dgm:effectClrLst/>
-    <dgm:txLinClrLst/>
-    <dgm:txFillClrLst/>
-    <dgm:txEffectClrLst/>
-  </dgm:styleLbl>
-  <dgm:styleLbl name="alignNode1">
-    <dgm:fillClrLst meth="repeat">
-      <a:schemeClr val="accent1"/>
-    </dgm:fillClrLst>
-    <dgm:linClrLst meth="repeat">
-      <a:schemeClr val="accent1"/>
-    </dgm:linClrLst>
-    <dgm:effectClrLst/>
-    <dgm:txLinClrLst/>
-    <dgm:txFillClrLst/>
-    <dgm:txEffectClrLst/>
-  </dgm:styleLbl>
-  <dgm:styleLbl name="node1">
-    <dgm:fillClrLst meth="repeat">
-      <a:schemeClr val="accent1"/>
-    </dgm:fillClrLst>
-    <dgm:linClrLst meth="repeat">
-      <a:schemeClr val="lt1"/>
-    </dgm:linClrLst>
-    <dgm:effectClrLst/>
-    <dgm:txLinClrLst/>
-    <dgm:txFillClrLst/>
-    <dgm:txEffectClrLst/>
-  </dgm:styleLbl>
-  <dgm:styleLbl name="lnNode1">
-    <dgm:fillClrLst meth="repeat">
-      <a:schemeClr val="accent1"/>
-    </dgm:fillClrLst>
-    <dgm:linClrLst meth="repeat">
-      <a:schemeClr val="lt1"/>
-    </dgm:linClrLst>
-    <dgm:effectClrLst/>
-    <dgm:txLinClrLst/>
-    <dgm:txFillClrLst/>
-    <dgm:txEffectClrLst/>
-  </dgm:styleLbl>
-  <dgm:styleLbl name="vennNode1">
-    <dgm:fillClrLst meth="repeat">
-      <a:schemeClr val="accent1">
-        <a:alpha val="50000"/>
-      </a:schemeClr>
-    </dgm:fillClrLst>
-    <dgm:linClrLst meth="repeat">
-      <a:schemeClr val="lt1"/>
-    </dgm:linClrLst>
-    <dgm:effectClrLst/>
-    <dgm:txLinClrLst/>
-    <dgm:txFillClrLst/>
-    <dgm:txEffectClrLst/>
-  </dgm:styleLbl>
-  <dgm:styleLbl name="node2">
-    <dgm:fillClrLst meth="repeat">
-      <a:schemeClr val="accent1"/>
-    </dgm:fillClrLst>
-    <dgm:linClrLst meth="repeat">
-      <a:schemeClr val="lt1"/>
-    </dgm:linClrLst>
-    <dgm:effectClrLst/>
-    <dgm:txLinClrLst/>
-    <dgm:txFillClrLst/>
-    <dgm:txEffectClrLst/>
-  </dgm:styleLbl>
-  <dgm:styleLbl name="node3">
-    <dgm:fillClrLst meth="repeat">
-      <a:schemeClr val="accent1"/>
-    </dgm:fillClrLst>
-    <dgm:linClrLst meth="repeat">
-      <a:schemeClr val="lt1"/>
-    </dgm:linClrLst>
-    <dgm:effectClrLst/>
-    <dgm:txLinClrLst/>
-    <dgm:txFillClrLst/>
-    <dgm:txEffectClrLst/>
-  </dgm:styleLbl>
-  <dgm:styleLbl name="node4">
-    <dgm:fillClrLst meth="repeat">
-      <a:schemeClr val="accent1"/>
-    </dgm:fillClrLst>
-    <dgm:linClrLst meth="repeat">
-      <a:schemeClr val="lt1"/>
-    </dgm:linClrLst>
-    <dgm:effectClrLst/>
-    <dgm:txLinClrLst/>
-    <dgm:txFillClrLst/>
-    <dgm:txEffectClrLst/>
-  </dgm:styleLbl>
-  <dgm:styleLbl name="fgImgPlace1">
-    <dgm:fillClrLst meth="repeat">
-      <a:schemeClr val="accent1">
-        <a:tint val="50000"/>
-      </a:schemeClr>
-    </dgm:fillClrLst>
-    <dgm:linClrLst meth="repeat">
-      <a:schemeClr val="lt1"/>
-    </dgm:linClrLst>
-    <dgm:effectClrLst/>
-    <dgm:txLinClrLst/>
-    <dgm:txFillClrLst meth="repeat">
-      <a:schemeClr val="lt1"/>
-    </dgm:txFillClrLst>
-    <dgm:txEffectClrLst/>
-  </dgm:styleLbl>
-  <dgm:styleLbl name="alignImgPlace1">
-    <dgm:fillClrLst meth="repeat">
-      <a:schemeClr val="accent1">
-        <a:tint val="50000"/>
-      </a:schemeClr>
-    </dgm:fillClrLst>
-    <dgm:linClrLst meth="repeat">
-      <a:schemeClr val="lt1"/>
-    </dgm:linClrLst>
-    <dgm:effectClrLst/>
-    <dgm:txLinClrLst/>
-    <dgm:txFillClrLst meth="repeat">
-      <a:schemeClr val="lt1"/>
-    </dgm:txFillClrLst>
-    <dgm:txEffectClrLst/>
-  </dgm:styleLbl>
-  <dgm:styleLbl name="bgImgPlace1">
-    <dgm:fillClrLst meth="repeat">
-      <a:schemeClr val="accent1">
-        <a:tint val="50000"/>
-      </a:schemeClr>
-    </dgm:fillClrLst>
-    <dgm:linClrLst meth="repeat">
-      <a:schemeClr val="lt1"/>
-    </dgm:linClrLst>
-    <dgm:effectClrLst/>
-    <dgm:txLinClrLst/>
-    <dgm:txFillClrLst meth="repeat">
-      <a:schemeClr val="lt1"/>
-    </dgm:txFillClrLst>
-    <dgm:txEffectClrLst/>
-  </dgm:styleLbl>
-  <dgm:styleLbl name="sibTrans2D1">
-    <dgm:fillClrLst meth="repeat">
-      <a:schemeClr val="accent1">
-        <a:tint val="60000"/>
-      </a:schemeClr>
-    </dgm:fillClrLst>
-    <dgm:linClrLst meth="repeat">
-      <a:schemeClr val="accent1">
-        <a:tint val="60000"/>
-      </a:schemeClr>
-    </dgm:linClrLst>
-    <dgm:effectClrLst/>
-    <dgm:txLinClrLst/>
-    <dgm:txFillClrLst/>
-    <dgm:txEffectClrLst/>
-  </dgm:styleLbl>
-  <dgm:styleLbl name="fgSibTrans2D1">
-    <dgm:fillClrLst meth="repeat">
-      <a:schemeClr val="accent1">
-        <a:tint val="60000"/>
-      </a:schemeClr>
-    </dgm:fillClrLst>
-    <dgm:linClrLst meth="repeat">
-      <a:schemeClr val="accent1">
-        <a:tint val="60000"/>
-      </a:schemeClr>
-    </dgm:linClrLst>
-    <dgm:effectClrLst/>
-    <dgm:txLinClrLst/>
-    <dgm:txFillClrLst/>
-    <dgm:txEffectClrLst/>
-  </dgm:styleLbl>
-  <dgm:styleLbl name="bgSibTrans2D1">
-    <dgm:fillClrLst meth="repeat">
-      <a:schemeClr val="accent1">
-        <a:tint val="60000"/>
-      </a:schemeClr>
-    </dgm:fillClrLst>
-    <dgm:linClrLst meth="repeat">
-      <a:schemeClr val="accent1">
-        <a:tint val="60000"/>
-      </a:schemeClr>
-    </dgm:linClrLst>
-    <dgm:effectClrLst/>
-    <dgm:txLinClrLst/>
-    <dgm:txFillClrLst/>
-    <dgm:txEffectClrLst/>
-  </dgm:styleLbl>
-  <dgm:styleLbl name="sibTrans1D1">
-    <dgm:fillClrLst meth="repeat">
-      <a:schemeClr val="accent1"/>
-    </dgm:fillClrLst>
-    <dgm:linClrLst meth="repeat">
-      <a:schemeClr val="accent1"/>
-    </dgm:linClrLst>
-    <dgm:effectClrLst/>
-    <dgm:txLinClrLst/>
-    <dgm:txFillClrLst meth="repeat">
-      <a:schemeClr val="tx1"/>
-    </dgm:txFillClrLst>
-    <dgm:txEffectClrLst/>
-  </dgm:styleLbl>
-  <dgm:styleLbl name="callout">
-    <dgm:fillClrLst meth="repeat">
-      <a:schemeClr val="accent1"/>
-    </dgm:fillClrLst>
-    <dgm:linClrLst meth="repeat">
-      <a:schemeClr val="accent1">
-        <a:tint val="50000"/>
-      </a:schemeClr>
-    </dgm:linClrLst>
-    <dgm:effectClrLst/>
-    <dgm:txLinClrLst/>
-    <dgm:txFillClrLst meth="repeat">
-      <a:schemeClr val="tx1"/>
-    </dgm:txFillClrLst>
-    <dgm:txEffectClrLst/>
-  </dgm:styleLbl>
-  <dgm:styleLbl name="asst0">
-    <dgm:fillClrLst meth="repeat">
-      <a:schemeClr val="accent1"/>
-    </dgm:fillClrLst>
-    <dgm:linClrLst meth="repeat">
-      <a:schemeClr val="lt1"/>
-    </dgm:linClrLst>
-    <dgm:effectClrLst/>
-    <dgm:txLinClrLst/>
-    <dgm:txFillClrLst/>
-    <dgm:txEffectClrLst/>
-  </dgm:styleLbl>
-  <dgm:styleLbl name="asst1">
-    <dgm:fillClrLst meth="repeat">
-      <a:schemeClr val="accent1"/>
-    </dgm:fillClrLst>
-    <dgm:linClrLst meth="repeat">
-      <a:schemeClr val="lt1"/>
-    </dgm:linClrLst>
-    <dgm:effectClrLst/>
-    <dgm:txLinClrLst/>
-    <dgm:txFillClrLst/>
-    <dgm:txEffectClrLst/>
-  </dgm:styleLbl>
-  <dgm:styleLbl name="asst2">
-    <dgm:fillClrLst meth="repeat">
-      <a:schemeClr val="accent1"/>
-    </dgm:fillClrLst>
-    <dgm:linClrLst meth="repeat">
-      <a:schemeClr val="lt1"/>
-    </dgm:linClrLst>
-    <dgm:effectClrLst/>
-    <dgm:txLinClrLst/>
-    <dgm:txFillClrLst/>
-    <dgm:txEffectClrLst/>
-  </dgm:styleLbl>
-  <dgm:styleLbl name="asst3">
-    <dgm:fillClrLst meth="repeat">
-      <a:schemeClr val="accent1"/>
-    </dgm:fillClrLst>
-    <dgm:linClrLst meth="repeat">
-      <a:schemeClr val="lt1"/>
-    </dgm:linClrLst>
-    <dgm:effectClrLst/>
-    <dgm:txLinClrLst/>
-    <dgm:txFillClrLst/>
-    <dgm:txEffectClrLst/>
-  </dgm:styleLbl>
-  <dgm:styleLbl name="asst4">
-    <dgm:fillClrLst meth="repeat">
-      <a:schemeClr val="accent1"/>
-    </dgm:fillClrLst>
-    <dgm:linClrLst meth="repeat">
-      <a:schemeClr val="lt1"/>
-    </dgm:linClrLst>
-    <dgm:effectClrLst/>
-    <dgm:txLinClrLst/>
-    <dgm:txFillClrLst/>
-    <dgm:txEffectClrLst/>
-  </dgm:styleLbl>
-  <dgm:styleLbl name="parChTrans2D1">
-    <dgm:fillClrLst meth="repeat">
-      <a:schemeClr val="accent1">
-        <a:tint val="60000"/>
-      </a:schemeClr>
-    </dgm:fillClrLst>
-    <dgm:linClrLst meth="repeat">
-      <a:schemeClr val="accent1">
-        <a:tint val="60000"/>
-      </a:schemeClr>
-    </dgm:linClrLst>
-    <dgm:effectClrLst/>
-    <dgm:txLinClrLst/>
-    <dgm:txFillClrLst meth="repeat">
-      <a:schemeClr val="lt1"/>
-    </dgm:txFillClrLst>
-    <dgm:txEffectClrLst/>
-  </dgm:styleLbl>
-  <dgm:styleLbl name="parChTrans2D2">
-    <dgm:fillClrLst meth="repeat">
-      <a:schemeClr val="accent1"/>
-    </dgm:fillClrLst>
-    <dgm:linClrLst meth="repeat">
-      <a:schemeClr val="accent1"/>
-    </dgm:linClrLst>
-    <dgm:effectClrLst/>
-    <dgm:txLinClrLst/>
-    <dgm:txFillClrLst meth="repeat">
-      <a:schemeClr val="lt1"/>
-    </dgm:txFillClrLst>
-    <dgm:txEffectClrLst/>
-  </dgm:styleLbl>
-  <dgm:styleLbl name="parChTrans2D3">
-    <dgm:fillClrLst meth="repeat">
-      <a:schemeClr val="accent1"/>
-    </dgm:fillClrLst>
-    <dgm:linClrLst meth="repeat">
-      <a:schemeClr val="accent1"/>
-    </dgm:linClrLst>
-    <dgm:effectClrLst/>
-    <dgm:txLinClrLst/>
-    <dgm:txFillClrLst meth="repeat">
-      <a:schemeClr val="lt1"/>
-    </dgm:txFillClrLst>
-    <dgm:txEffectClrLst/>
-  </dgm:styleLbl>
-  <dgm:styleLbl name="parChTrans2D4">
-    <dgm:fillClrLst meth="repeat">
-      <a:schemeClr val="accent1"/>
-    </dgm:fillClrLst>
-    <dgm:linClrLst meth="repeat">
-      <a:schemeClr val="accent1"/>
-    </dgm:linClrLst>
-    <dgm:effectClrLst/>
-    <dgm:txLinClrLst/>
-    <dgm:txFillClrLst meth="repeat">
-      <a:schemeClr val="lt1"/>
-    </dgm:txFillClrLst>
-    <dgm:txEffectClrLst/>
-  </dgm:styleLbl>
-  <dgm:styleLbl name="parChTrans1D1">
-    <dgm:fillClrLst meth="repeat">
-      <a:schemeClr val="accent1"/>
-    </dgm:fillClrLst>
-    <dgm:linClrLst meth="repeat">
-      <a:schemeClr val="accent1">
-        <a:shade val="60000"/>
-      </a:schemeClr>
-    </dgm:linClrLst>
-    <dgm:effectClrLst/>
-    <dgm:txLinClrLst/>
-    <dgm:txFillClrLst meth="repeat">
-      <a:schemeClr val="tx1"/>
-    </dgm:txFillClrLst>
-    <dgm:txEffectClrLst/>
-  </dgm:styleLbl>
-  <dgm:styleLbl name="parChTrans1D2">
-    <dgm:fillClrLst meth="repeat">
-      <a:schemeClr val="accent1"/>
-    </dgm:fillClrLst>
-    <dgm:linClrLst meth="repeat">
-      <a:schemeClr val="accent1">
-        <a:shade val="60000"/>
-      </a:schemeClr>
-    </dgm:linClrLst>
-    <dgm:effectClrLst/>
-    <dgm:txLinClrLst/>
-    <dgm:txFillClrLst meth="repeat">
-      <a:schemeClr val="tx1"/>
-    </dgm:txFillClrLst>
-    <dgm:txEffectClrLst/>
-  </dgm:styleLbl>
-  <dgm:styleLbl name="parChTrans1D3">
-    <dgm:fillClrLst meth="repeat">
-      <a:schemeClr val="accent1"/>
-    </dgm:fillClrLst>
-    <dgm:linClrLst meth="repeat">
-      <a:schemeClr val="accent1">
-        <a:shade val="80000"/>
-      </a:schemeClr>
-    </dgm:linClrLst>
-    <dgm:effectClrLst/>
-    <dgm:txLinClrLst/>
-    <dgm:txFillClrLst meth="repeat">
-      <a:schemeClr val="tx1"/>
-    </dgm:txFillClrLst>
-    <dgm:txEffectClrLst/>
-  </dgm:styleLbl>
-  <dgm:styleLbl name="parChTrans1D4">
-    <dgm:fillClrLst meth="repeat">
-      <a:schemeClr val="accent1"/>
-    </dgm:fillClrLst>
-    <dgm:linClrLst meth="repeat">
-      <a:schemeClr val="accent1">
-        <a:shade val="80000"/>
-      </a:schemeClr>
-    </dgm:linClrLst>
-    <dgm:effectClrLst/>
-    <dgm:txLinClrLst/>
-    <dgm:txFillClrLst meth="repeat">
-      <a:schemeClr val="tx1"/>
-    </dgm:txFillClrLst>
-    <dgm:txEffectClrLst/>
-  </dgm:styleLbl>
-  <dgm:styleLbl name="fgAcc1">
-    <dgm:fillClrLst meth="repeat">
-      <a:schemeClr val="lt1">
-        <a:alpha val="90000"/>
-      </a:schemeClr>
-    </dgm:fillClrLst>
-    <dgm:linClrLst meth="repeat">
-      <a:schemeClr val="accent1"/>
-    </dgm:linClrLst>
-    <dgm:effectClrLst/>
-    <dgm:txLinClrLst/>
-    <dgm:txFillClrLst meth="repeat">
-      <a:schemeClr val="dk1"/>
-    </dgm:txFillClrLst>
-    <dgm:txEffectClrLst/>
-  </dgm:styleLbl>
-  <dgm:styleLbl name="conFgAcc1">
-    <dgm:fillClrLst meth="repeat">
-      <a:schemeClr val="lt1">
-        <a:alpha val="90000"/>
-      </a:schemeClr>
-    </dgm:fillClrLst>
-    <dgm:linClrLst meth="repeat">
-      <a:schemeClr val="accent1"/>
-    </dgm:linClrLst>
-    <dgm:effectClrLst/>
-    <dgm:txLinClrLst/>
-    <dgm:txFillClrLst meth="repeat">
-      <a:schemeClr val="dk1"/>
-    </dgm:txFillClrLst>
-    <dgm:txEffectClrLst/>
-  </dgm:styleLbl>
-  <dgm:styleLbl name="alignAcc1">
-    <dgm:fillClrLst meth="repeat">
-      <a:schemeClr val="lt1">
-        <a:alpha val="90000"/>
-      </a:schemeClr>
-    </dgm:fillClrLst>
-    <dgm:linClrLst meth="repeat">
-      <a:schemeClr val="accent1"/>
-    </dgm:linClrLst>
-    <dgm:effectClrLst/>
-    <dgm:txLinClrLst/>
-    <dgm:txFillClrLst meth="repeat">
-      <a:schemeClr val="dk1"/>
-    </dgm:txFillClrLst>
-    <dgm:txEffectClrLst/>
-  </dgm:styleLbl>
-  <dgm:styleLbl name="trAlignAcc1">
-    <dgm:fillClrLst meth="repeat">
-      <a:schemeClr val="lt1">
-        <a:alpha val="40000"/>
-      </a:schemeClr>
-    </dgm:fillClrLst>
-    <dgm:linClrLst meth="repeat">
-      <a:schemeClr val="accent1"/>
-    </dgm:linClrLst>
-    <dgm:effectClrLst/>
-    <dgm:txLinClrLst/>
-    <dgm:txFillClrLst meth="repeat">
-      <a:schemeClr val="dk1"/>
-    </dgm:txFillClrLst>
-    <dgm:txEffectClrLst/>
-  </dgm:styleLbl>
-  <dgm:styleLbl name="bgAcc1">
-    <dgm:fillClrLst meth="repeat">
-      <a:schemeClr val="lt1">
-        <a:alpha val="90000"/>
-      </a:schemeClr>
-    </dgm:fillClrLst>
-    <dgm:linClrLst meth="repeat">
-      <a:schemeClr val="accent1"/>
-    </dgm:linClrLst>
-    <dgm:effectClrLst/>
-    <dgm:txLinClrLst/>
-    <dgm:txFillClrLst meth="repeat">
-      <a:schemeClr val="dk1"/>
-    </dgm:txFillClrLst>
-    <dgm:txEffectClrLst/>
-  </dgm:styleLbl>
-  <dgm:styleLbl name="solidFgAcc1">
-    <dgm:fillClrLst meth="repeat">
-      <a:schemeClr val="lt1"/>
-    </dgm:fillClrLst>
-    <dgm:linClrLst meth="repeat">
-      <a:schemeClr val="accent1"/>
-    </dgm:linClrLst>
-    <dgm:effectClrLst/>
-    <dgm:txLinClrLst/>
-    <dgm:txFillClrLst meth="repeat">
-      <a:schemeClr val="dk1"/>
-    </dgm:txFillClrLst>
-    <dgm:txEffectClrLst/>
-  </dgm:styleLbl>
-  <dgm:styleLbl name="solidAlignAcc1">
-    <dgm:fillClrLst meth="repeat">
-      <a:schemeClr val="lt1"/>
-    </dgm:fillClrLst>
-    <dgm:linClrLst meth="repeat">
-      <a:schemeClr val="accent1"/>
-    </dgm:linClrLst>
-    <dgm:effectClrLst/>
-    <dgm:txLinClrLst/>
-    <dgm:txFillClrLst meth="repeat">
-      <a:schemeClr val="dk1"/>
-    </dgm:txFillClrLst>
-    <dgm:txEffectClrLst/>
-  </dgm:styleLbl>
-  <dgm:styleLbl name="solidBgAcc1">
-    <dgm:fillClrLst meth="repeat">
-      <a:schemeClr val="lt1"/>
-    </dgm:fillClrLst>
-    <dgm:linClrLst meth="repeat">
-      <a:schemeClr val="accent1"/>
-    </dgm:linClrLst>
-    <dgm:effectClrLst/>
-    <dgm:txLinClrLst/>
-    <dgm:txFillClrLst meth="repeat">
-      <a:schemeClr val="dk1"/>
-    </dgm:txFillClrLst>
-    <dgm:txEffectClrLst/>
-  </dgm:styleLbl>
-  <dgm:styleLbl name="fgAccFollowNode1">
-    <dgm:fillClrLst meth="repeat">
-      <a:schemeClr val="accent1">
-        <a:alpha val="90000"/>
-        <a:tint val="40000"/>
-      </a:schemeClr>
-    </dgm:fillClrLst>
-    <dgm:linClrLst meth="repeat">
-      <a:schemeClr val="accent1">
-        <a:alpha val="90000"/>
-        <a:tint val="40000"/>
-      </a:schemeClr>
-    </dgm:linClrLst>
-    <dgm:effectClrLst/>
-    <dgm:txLinClrLst/>
-    <dgm:txFillClrLst meth="repeat">
-      <a:schemeClr val="dk1"/>
-    </dgm:txFillClrLst>
-    <dgm:txEffectClrLst/>
-  </dgm:styleLbl>
-  <dgm:styleLbl name="alignAccFollowNode1">
-    <dgm:fillClrLst meth="repeat">
-      <a:schemeClr val="accent1">
-        <a:alpha val="90000"/>
-        <a:tint val="40000"/>
-      </a:schemeClr>
-    </dgm:fillClrLst>
-    <dgm:linClrLst meth="repeat">
-      <a:schemeClr val="accent1">
-        <a:alpha val="90000"/>
-        <a:tint val="40000"/>
-      </a:schemeClr>
-    </dgm:linClrLst>
-    <dgm:effectClrLst/>
-    <dgm:txLinClrLst/>
-    <dgm:txFillClrLst meth="repeat">
-      <a:schemeClr val="dk1"/>
-    </dgm:txFillClrLst>
-    <dgm:txEffectClrLst/>
-  </dgm:styleLbl>
-  <dgm:styleLbl name="bgAccFollowNode1">
-    <dgm:fillClrLst meth="repeat">
-      <a:schemeClr val="accent1">
-        <a:alpha val="90000"/>
-        <a:tint val="40000"/>
-      </a:schemeClr>
-    </dgm:fillClrLst>
-    <dgm:linClrLst meth="repeat">
-      <a:schemeClr val="accent1">
-        <a:alpha val="90000"/>
-        <a:tint val="40000"/>
-      </a:schemeClr>
-    </dgm:linClrLst>
-    <dgm:effectClrLst/>
-    <dgm:txLinClrLst/>
-    <dgm:txFillClrLst meth="repeat">
-      <a:schemeClr val="dk1"/>
-    </dgm:txFillClrLst>
-    <dgm:txEffectClrLst/>
-  </dgm:styleLbl>
-  <dgm:styleLbl name="fgAcc0">
-    <dgm:fillClrLst meth="repeat">
-      <a:schemeClr val="lt1">
-        <a:alpha val="90000"/>
-      </a:schemeClr>
-    </dgm:fillClrLst>
-    <dgm:linClrLst meth="repeat">
-      <a:schemeClr val="accent1"/>
-    </dgm:linClrLst>
-    <dgm:effectClrLst/>
-    <dgm:txLinClrLst/>
-    <dgm:txFillClrLst meth="repeat">
-      <a:schemeClr val="dk1"/>
-    </dgm:txFillClrLst>
-    <dgm:txEffectClrLst/>
-  </dgm:styleLbl>
-  <dgm:styleLbl name="fgAcc2">
-    <dgm:fillClrLst meth="repeat">
-      <a:schemeClr val="lt1">
-        <a:alpha val="90000"/>
-      </a:schemeClr>
-    </dgm:fillClrLst>
-    <dgm:linClrLst meth="repeat">
-      <a:schemeClr val="accent1"/>
-    </dgm:linClrLst>
-    <dgm:effectClrLst/>
-    <dgm:txLinClrLst/>
-    <dgm:txFillClrLst meth="repeat">
-      <a:schemeClr val="dk1"/>
-    </dgm:txFillClrLst>
-    <dgm:txEffectClrLst/>
-  </dgm:styleLbl>
-  <dgm:styleLbl name="fgAcc3">
-    <dgm:fillClrLst meth="repeat">
-      <a:schemeClr val="lt1">
-        <a:alpha val="90000"/>
-      </a:schemeClr>
-    </dgm:fillClrLst>
-    <dgm:linClrLst meth="repeat">
-      <a:schemeClr val="accent1"/>
-    </dgm:linClrLst>
-    <dgm:effectClrLst/>
-    <dgm:txLinClrLst/>
-    <dgm:txFillClrLst meth="repeat">
-      <a:schemeClr val="dk1"/>
-    </dgm:txFillClrLst>
-    <dgm:txEffectClrLst/>
-  </dgm:styleLbl>
-  <dgm:styleLbl name="fgAcc4">
-    <dgm:fillClrLst meth="repeat">
-      <a:schemeClr val="lt1">
-        <a:alpha val="90000"/>
-      </a:schemeClr>
-    </dgm:fillClrLst>
-    <dgm:linClrLst meth="repeat">
-      <a:schemeClr val="accent1"/>
-    </dgm:linClrLst>
-    <dgm:effectClrLst/>
-    <dgm:txLinClrLst/>
-    <dgm:txFillClrLst meth="repeat">
-      <a:schemeClr val="dk1"/>
-    </dgm:txFillClrLst>
-    <dgm:txEffectClrLst/>
-  </dgm:styleLbl>
-  <dgm:styleLbl name="bgShp">
-    <dgm:fillClrLst meth="repeat">
-      <a:schemeClr val="accent1">
-        <a:tint val="40000"/>
-      </a:schemeClr>
-    </dgm:fillClrLst>
-    <dgm:linClrLst meth="repeat">
-      <a:schemeClr val="accent1"/>
-    </dgm:linClrLst>
-    <dgm:effectClrLst/>
-    <dgm:txLinClrLst/>
-    <dgm:txFillClrLst meth="repeat">
-      <a:schemeClr val="dk1"/>
-    </dgm:txFillClrLst>
-    <dgm:txEffectClrLst/>
-  </dgm:styleLbl>
-  <dgm:styleLbl name="dkBgShp">
-    <dgm:fillClrLst meth="repeat">
-      <a:schemeClr val="accent1">
-        <a:shade val="80000"/>
-      </a:schemeClr>
-    </dgm:fillClrLst>
-    <dgm:linClrLst meth="repeat">
-      <a:schemeClr val="accent1"/>
-    </dgm:linClrLst>
-    <dgm:effectClrLst/>
-    <dgm:txLinClrLst/>
-    <dgm:txFillClrLst meth="repeat">
-      <a:schemeClr val="lt1"/>
-    </dgm:txFillClrLst>
-    <dgm:txEffectClrLst/>
-  </dgm:styleLbl>
-  <dgm:styleLbl name="trBgShp">
-    <dgm:fillClrLst meth="repeat">
-      <a:schemeClr val="accent1">
-        <a:tint val="50000"/>
-        <a:alpha val="40000"/>
-      </a:schemeClr>
-    </dgm:fillClrLst>
-    <dgm:linClrLst meth="repeat">
-      <a:schemeClr val="accent1"/>
-    </dgm:linClrLst>
-    <dgm:effectClrLst/>
-    <dgm:txLinClrLst/>
-    <dgm:txFillClrLst meth="repeat">
-      <a:schemeClr val="lt1"/>
-    </dgm:txFillClrLst>
-    <dgm:txEffectClrLst/>
-  </dgm:styleLbl>
-  <dgm:styleLbl name="fgShp">
-    <dgm:fillClrLst meth="repeat">
-      <a:schemeClr val="accent1">
-        <a:tint val="60000"/>
-      </a:schemeClr>
-    </dgm:fillClrLst>
-    <dgm:linClrLst meth="repeat">
-      <a:schemeClr val="lt1"/>
-    </dgm:linClrLst>
-    <dgm:effectClrLst/>
-    <dgm:txLinClrLst/>
-    <dgm:txFillClrLst meth="repeat">
-      <a:schemeClr val="dk1"/>
-    </dgm:txFillClrLst>
-    <dgm:txEffectClrLst/>
-  </dgm:styleLbl>
-  <dgm:styleLbl name="revTx">
-    <dgm:fillClrLst meth="repeat">
-      <a:schemeClr val="lt1">
-        <a:alpha val="0"/>
-      </a:schemeClr>
-    </dgm:fillClrLst>
-    <dgm:linClrLst meth="repeat">
-      <a:schemeClr val="dk1">
-        <a:alpha val="0"/>
-      </a:schemeClr>
-    </dgm:linClrLst>
-    <dgm:effectClrLst/>
-    <dgm:txLinClrLst/>
-    <dgm:txFillClrLst meth="repeat">
-      <a:schemeClr val="tx1"/>
-    </dgm:txFillClrLst>
-    <dgm:txEffectClrLst/>
-  </dgm:styleLbl>
-</dgm:colorsDef>
-</file>
-
-<file path=ppt/diagrams/colors16.xml><?xml version="1.0" encoding="utf-8"?>
 <dgm:colorsDef xmlns:dgm="http://schemas.openxmlformats.org/drawingml/2006/diagram" xmlns:a="http://schemas.openxmlformats.org/drawingml/2006/main" uniqueId="urn:microsoft.com/office/officeart/2005/8/colors/accent1_2">
   <dgm:title val=""/>
   <dgm:desc val=""/>
@@ -12401,6 +11654,13 @@
         </dgm:presLayoutVars>
       </dgm:prSet>
       <dgm:spPr/>
+      <dgm:t>
+        <a:bodyPr/>
+        <a:lstStyle/>
+        <a:p>
+          <a:endParaRPr lang="de-DE"/>
+        </a:p>
+      </dgm:t>
     </dgm:pt>
     <dgm:pt modelId="{A7FC58AE-14E0-4235-9172-2A0A58A71F68}" type="pres">
       <dgm:prSet presAssocID="{BF4E3A99-BCD3-40B5-BFF3-4A351E80D19A}" presName="linNode" presStyleCnt="0"/>
@@ -12414,6 +11674,13 @@
         </dgm:presLayoutVars>
       </dgm:prSet>
       <dgm:spPr/>
+      <dgm:t>
+        <a:bodyPr/>
+        <a:lstStyle/>
+        <a:p>
+          <a:endParaRPr lang="de-DE"/>
+        </a:p>
+      </dgm:t>
     </dgm:pt>
     <dgm:pt modelId="{DCC0B640-762B-42B1-B6BF-3593AF600414}" type="pres">
       <dgm:prSet presAssocID="{BF4E3A99-BCD3-40B5-BFF3-4A351E80D19A}" presName="descendantText" presStyleLbl="alignAccFollowNode1" presStyleIdx="0" presStyleCnt="3">
@@ -12422,6 +11689,13 @@
         </dgm:presLayoutVars>
       </dgm:prSet>
       <dgm:spPr/>
+      <dgm:t>
+        <a:bodyPr/>
+        <a:lstStyle/>
+        <a:p>
+          <a:endParaRPr lang="de-DE"/>
+        </a:p>
+      </dgm:t>
     </dgm:pt>
     <dgm:pt modelId="{2DD739E9-10C4-46E8-A235-7CAA996507A7}" type="pres">
       <dgm:prSet presAssocID="{09944042-9934-45B9-8CB0-FAD2508AC468}" presName="sp" presStyleCnt="0"/>
@@ -12439,6 +11713,13 @@
         </dgm:presLayoutVars>
       </dgm:prSet>
       <dgm:spPr/>
+      <dgm:t>
+        <a:bodyPr/>
+        <a:lstStyle/>
+        <a:p>
+          <a:endParaRPr lang="de-DE"/>
+        </a:p>
+      </dgm:t>
     </dgm:pt>
     <dgm:pt modelId="{7D1159AB-859F-4A05-8EAD-FB5D9434DF77}" type="pres">
       <dgm:prSet presAssocID="{A5B5477C-E591-4695-ABCD-22289241670C}" presName="descendantText" presStyleLbl="alignAccFollowNode1" presStyleIdx="1" presStyleCnt="3">
@@ -12447,6 +11728,13 @@
         </dgm:presLayoutVars>
       </dgm:prSet>
       <dgm:spPr/>
+      <dgm:t>
+        <a:bodyPr/>
+        <a:lstStyle/>
+        <a:p>
+          <a:endParaRPr lang="de-DE"/>
+        </a:p>
+      </dgm:t>
     </dgm:pt>
     <dgm:pt modelId="{EED17577-AE89-4808-B1E1-7B30DACF8C60}" type="pres">
       <dgm:prSet presAssocID="{61D671B2-F15F-4D34-B237-24F2B25BFFB1}" presName="sp" presStyleCnt="0"/>
@@ -12464,6 +11752,13 @@
         </dgm:presLayoutVars>
       </dgm:prSet>
       <dgm:spPr/>
+      <dgm:t>
+        <a:bodyPr/>
+        <a:lstStyle/>
+        <a:p>
+          <a:endParaRPr lang="de-DE"/>
+        </a:p>
+      </dgm:t>
     </dgm:pt>
     <dgm:pt modelId="{655297B6-E2F2-49AD-A06C-4E1E636E894C}" type="pres">
       <dgm:prSet presAssocID="{47952A61-B0A9-403E-B991-F30456CC4C18}" presName="descendantText" presStyleLbl="alignAccFollowNode1" presStyleIdx="2" presStyleCnt="3" custLinFactNeighborX="-285" custLinFactNeighborY="-1767">
@@ -12472,6 +11767,13 @@
         </dgm:presLayoutVars>
       </dgm:prSet>
       <dgm:spPr/>
+      <dgm:t>
+        <a:bodyPr/>
+        <a:lstStyle/>
+        <a:p>
+          <a:endParaRPr lang="de-DE"/>
+        </a:p>
+      </dgm:t>
     </dgm:pt>
   </dgm:ptLst>
   <dgm:cxnLst>
@@ -12570,6 +11872,13 @@
         </dgm:presLayoutVars>
       </dgm:prSet>
       <dgm:spPr/>
+      <dgm:t>
+        <a:bodyPr/>
+        <a:lstStyle/>
+        <a:p>
+          <a:endParaRPr lang="de-DE"/>
+        </a:p>
+      </dgm:t>
     </dgm:pt>
     <dgm:pt modelId="{6EC9B571-2AAD-4AC1-B5C9-64DF398C0AEA}" type="pres">
       <dgm:prSet presAssocID="{C3E0E1EE-5798-473D-907B-B686B920B505}" presName="parentText" presStyleLbl="node1" presStyleIdx="0" presStyleCnt="1">
@@ -12579,6 +11888,13 @@
         </dgm:presLayoutVars>
       </dgm:prSet>
       <dgm:spPr/>
+      <dgm:t>
+        <a:bodyPr/>
+        <a:lstStyle/>
+        <a:p>
+          <a:endParaRPr lang="de-DE"/>
+        </a:p>
+      </dgm:t>
     </dgm:pt>
   </dgm:ptLst>
   <dgm:cxnLst>
@@ -12655,6 +11971,13 @@
         </dgm:presLayoutVars>
       </dgm:prSet>
       <dgm:spPr/>
+      <dgm:t>
+        <a:bodyPr/>
+        <a:lstStyle/>
+        <a:p>
+          <a:endParaRPr lang="de-DE"/>
+        </a:p>
+      </dgm:t>
     </dgm:pt>
     <dgm:pt modelId="{6EC9B571-2AAD-4AC1-B5C9-64DF398C0AEA}" type="pres">
       <dgm:prSet presAssocID="{C3E0E1EE-5798-473D-907B-B686B920B505}" presName="parentText" presStyleLbl="node1" presStyleIdx="0" presStyleCnt="1">
@@ -12664,30 +11987,6 @@
         </dgm:presLayoutVars>
       </dgm:prSet>
       <dgm:spPr/>
-    </dgm:pt>
-  </dgm:ptLst>
-  <dgm:cxnLst>
-    <dgm:cxn modelId="{3A67130B-0006-44A0-8967-10556F95FB1C}" type="presOf" srcId="{7E247A59-008E-419A-A44E-29EE95F9DC78}" destId="{7C043A39-CE24-4EB9-9DD1-ADEA51ADBF35}" srcOrd="0" destOrd="0" presId="urn:microsoft.com/office/officeart/2005/8/layout/vList2"/>
-    <dgm:cxn modelId="{51495F89-F0C5-427C-A3F0-E45CE497D687}" type="presOf" srcId="{C3E0E1EE-5798-473D-907B-B686B920B505}" destId="{6EC9B571-2AAD-4AC1-B5C9-64DF398C0AEA}" srcOrd="0" destOrd="0" presId="urn:microsoft.com/office/officeart/2005/8/layout/vList2"/>
-    <dgm:cxn modelId="{3A8F517F-DAE0-4E05-8441-AD38D754B666}" srcId="{7E247A59-008E-419A-A44E-29EE95F9DC78}" destId="{C3E0E1EE-5798-473D-907B-B686B920B505}" srcOrd="0" destOrd="0" parTransId="{4F628074-E509-4007-BDE7-4F8BC50044BE}" sibTransId="{3976CA15-F719-4642-BCA5-42D3630C36E7}"/>
-    <dgm:cxn modelId="{1608781F-A093-4037-871A-437F37C3CF49}" type="presParOf" srcId="{7C043A39-CE24-4EB9-9DD1-ADEA51ADBF35}" destId="{6EC9B571-2AAD-4AC1-B5C9-64DF398C0AEA}" srcOrd="0" destOrd="0" presId="urn:microsoft.com/office/officeart/2005/8/layout/vList2"/>
-  </dgm:cxnLst>
-  <dgm:bg/>
-  <dgm:whole/>
-  <dgm:extLst>
-    <a:ext uri="http://schemas.microsoft.com/office/drawing/2008/diagram">
-      <dsp:dataModelExt xmlns:dsp="http://schemas.microsoft.com/office/drawing/2008/diagram" relId="rId7" minVer="http://schemas.openxmlformats.org/drawingml/2006/diagram"/>
-    </a:ext>
-  </dgm:extLst>
-</dgm:dataModel>
-</file>
-
-<file path=ppt/diagrams/data12.xml><?xml version="1.0" encoding="utf-8"?>
-<dgm:dataModel xmlns:dgm="http://schemas.openxmlformats.org/drawingml/2006/diagram" xmlns:a="http://schemas.openxmlformats.org/drawingml/2006/main">
-  <dgm:ptLst>
-    <dgm:pt modelId="{7E247A59-008E-419A-A44E-29EE95F9DC78}" type="doc">
-      <dgm:prSet loTypeId="urn:microsoft.com/office/officeart/2005/8/layout/vList2" loCatId="list" qsTypeId="urn:microsoft.com/office/officeart/2005/8/quickstyle/simple1" qsCatId="simple" csTypeId="urn:microsoft.com/office/officeart/2005/8/colors/accent1_2" csCatId="accent1" phldr="1"/>
-      <dgm:spPr/>
       <dgm:t>
         <a:bodyPr/>
         <a:lstStyle/>
@@ -12695,60 +11994,6 @@
           <a:endParaRPr lang="de-DE"/>
         </a:p>
       </dgm:t>
-    </dgm:pt>
-    <dgm:pt modelId="{C3E0E1EE-5798-473D-907B-B686B920B505}">
-      <dgm:prSet/>
-      <dgm:spPr/>
-      <dgm:t>
-        <a:bodyPr/>
-        <a:lstStyle/>
-        <a:p>
-          <a:r>
-            <a:rPr lang="de-DE" dirty="0"/>
-            <a:t>DEMO</a:t>
-          </a:r>
-        </a:p>
-      </dgm:t>
-    </dgm:pt>
-    <dgm:pt modelId="{4F628074-E509-4007-BDE7-4F8BC50044BE}" type="parTrans" cxnId="{3A8F517F-DAE0-4E05-8441-AD38D754B666}">
-      <dgm:prSet/>
-      <dgm:spPr/>
-      <dgm:t>
-        <a:bodyPr/>
-        <a:lstStyle/>
-        <a:p>
-          <a:endParaRPr lang="de-DE"/>
-        </a:p>
-      </dgm:t>
-    </dgm:pt>
-    <dgm:pt modelId="{3976CA15-F719-4642-BCA5-42D3630C36E7}" type="sibTrans" cxnId="{3A8F517F-DAE0-4E05-8441-AD38D754B666}">
-      <dgm:prSet/>
-      <dgm:spPr/>
-      <dgm:t>
-        <a:bodyPr/>
-        <a:lstStyle/>
-        <a:p>
-          <a:endParaRPr lang="de-DE"/>
-        </a:p>
-      </dgm:t>
-    </dgm:pt>
-    <dgm:pt modelId="{7C043A39-CE24-4EB9-9DD1-ADEA51ADBF35}" type="pres">
-      <dgm:prSet presAssocID="{7E247A59-008E-419A-A44E-29EE95F9DC78}" presName="linear" presStyleCnt="0">
-        <dgm:presLayoutVars>
-          <dgm:animLvl val="lvl"/>
-          <dgm:resizeHandles val="exact"/>
-        </dgm:presLayoutVars>
-      </dgm:prSet>
-      <dgm:spPr/>
-    </dgm:pt>
-    <dgm:pt modelId="{6EC9B571-2AAD-4AC1-B5C9-64DF398C0AEA}" type="pres">
-      <dgm:prSet presAssocID="{C3E0E1EE-5798-473D-907B-B686B920B505}" presName="parentText" presStyleLbl="node1" presStyleIdx="0" presStyleCnt="1">
-        <dgm:presLayoutVars>
-          <dgm:chMax val="0"/>
-          <dgm:bulletEnabled val="1"/>
-        </dgm:presLayoutVars>
-      </dgm:prSet>
-      <dgm:spPr/>
     </dgm:pt>
   </dgm:ptLst>
   <dgm:cxnLst>
@@ -12767,7 +12012,7 @@
 </dgm:dataModel>
 </file>
 
-<file path=ppt/diagrams/data13.xml><?xml version="1.0" encoding="utf-8"?>
+<file path=ppt/diagrams/data12.xml><?xml version="1.0" encoding="utf-8"?>
 <dgm:dataModel xmlns:dgm="http://schemas.openxmlformats.org/drawingml/2006/diagram" xmlns:a="http://schemas.openxmlformats.org/drawingml/2006/main">
   <dgm:ptLst>
     <dgm:pt modelId="{7E247A59-008E-419A-A44E-29EE95F9DC78}" type="doc">
@@ -12861,6 +12106,13 @@
         </dgm:presLayoutVars>
       </dgm:prSet>
       <dgm:spPr/>
+      <dgm:t>
+        <a:bodyPr/>
+        <a:lstStyle/>
+        <a:p>
+          <a:endParaRPr lang="de-DE"/>
+        </a:p>
+      </dgm:t>
     </dgm:pt>
     <dgm:pt modelId="{6EC9B571-2AAD-4AC1-B5C9-64DF398C0AEA}" type="pres">
       <dgm:prSet presAssocID="{C3E0E1EE-5798-473D-907B-B686B920B505}" presName="parentText" presStyleLbl="node1" presStyleIdx="0" presStyleCnt="1">
@@ -12870,6 +12122,13 @@
         </dgm:presLayoutVars>
       </dgm:prSet>
       <dgm:spPr/>
+      <dgm:t>
+        <a:bodyPr/>
+        <a:lstStyle/>
+        <a:p>
+          <a:endParaRPr lang="de-DE"/>
+        </a:p>
+      </dgm:t>
     </dgm:pt>
     <dgm:pt modelId="{0D635367-230C-4CCF-BD5E-72E7F8933CB7}" type="pres">
       <dgm:prSet presAssocID="{C3E0E1EE-5798-473D-907B-B686B920B505}" presName="childText" presStyleLbl="revTx" presStyleIdx="0" presStyleCnt="1">
@@ -12878,6 +12137,13 @@
         </dgm:presLayoutVars>
       </dgm:prSet>
       <dgm:spPr/>
+      <dgm:t>
+        <a:bodyPr/>
+        <a:lstStyle/>
+        <a:p>
+          <a:endParaRPr lang="de-DE"/>
+        </a:p>
+      </dgm:t>
     </dgm:pt>
   </dgm:ptLst>
   <dgm:cxnLst>
@@ -12888,6 +12154,105 @@
     <dgm:cxn modelId="{7841C90F-9E2D-4F91-8764-B8558920E61F}" type="presOf" srcId="{0B1AAA67-958F-437E-91D8-F916C4ADA1F1}" destId="{0D635367-230C-4CCF-BD5E-72E7F8933CB7}" srcOrd="0" destOrd="0" presId="urn:microsoft.com/office/officeart/2005/8/layout/vList2"/>
     <dgm:cxn modelId="{1608781F-A093-4037-871A-437F37C3CF49}" type="presParOf" srcId="{7C043A39-CE24-4EB9-9DD1-ADEA51ADBF35}" destId="{6EC9B571-2AAD-4AC1-B5C9-64DF398C0AEA}" srcOrd="0" destOrd="0" presId="urn:microsoft.com/office/officeart/2005/8/layout/vList2"/>
     <dgm:cxn modelId="{05E2A72E-A988-4ABB-842D-F3E4DFCE21CE}" type="presParOf" srcId="{7C043A39-CE24-4EB9-9DD1-ADEA51ADBF35}" destId="{0D635367-230C-4CCF-BD5E-72E7F8933CB7}" srcOrd="1" destOrd="0" presId="urn:microsoft.com/office/officeart/2005/8/layout/vList2"/>
+  </dgm:cxnLst>
+  <dgm:bg/>
+  <dgm:whole/>
+  <dgm:extLst>
+    <a:ext uri="http://schemas.microsoft.com/office/drawing/2008/diagram">
+      <dsp:dataModelExt xmlns:dsp="http://schemas.microsoft.com/office/drawing/2008/diagram" relId="rId6" minVer="http://schemas.openxmlformats.org/drawingml/2006/diagram"/>
+    </a:ext>
+  </dgm:extLst>
+</dgm:dataModel>
+</file>
+
+<file path=ppt/diagrams/data13.xml><?xml version="1.0" encoding="utf-8"?>
+<dgm:dataModel xmlns:dgm="http://schemas.openxmlformats.org/drawingml/2006/diagram" xmlns:a="http://schemas.openxmlformats.org/drawingml/2006/main">
+  <dgm:ptLst>
+    <dgm:pt modelId="{7E247A59-008E-419A-A44E-29EE95F9DC78}" type="doc">
+      <dgm:prSet loTypeId="urn:microsoft.com/office/officeart/2005/8/layout/vList2" loCatId="list" qsTypeId="urn:microsoft.com/office/officeart/2005/8/quickstyle/simple1" qsCatId="simple" csTypeId="urn:microsoft.com/office/officeart/2005/8/colors/accent1_2" csCatId="accent1" phldr="1"/>
+      <dgm:spPr/>
+      <dgm:t>
+        <a:bodyPr/>
+        <a:lstStyle/>
+        <a:p>
+          <a:endParaRPr lang="de-DE"/>
+        </a:p>
+      </dgm:t>
+    </dgm:pt>
+    <dgm:pt modelId="{C3E0E1EE-5798-473D-907B-B686B920B505}">
+      <dgm:prSet/>
+      <dgm:spPr/>
+      <dgm:t>
+        <a:bodyPr/>
+        <a:lstStyle/>
+        <a:p>
+          <a:r>
+            <a:rPr lang="de-DE" dirty="0"/>
+            <a:t>DEMO</a:t>
+          </a:r>
+        </a:p>
+      </dgm:t>
+    </dgm:pt>
+    <dgm:pt modelId="{4F628074-E509-4007-BDE7-4F8BC50044BE}" type="parTrans" cxnId="{3A8F517F-DAE0-4E05-8441-AD38D754B666}">
+      <dgm:prSet/>
+      <dgm:spPr/>
+      <dgm:t>
+        <a:bodyPr/>
+        <a:lstStyle/>
+        <a:p>
+          <a:endParaRPr lang="de-DE"/>
+        </a:p>
+      </dgm:t>
+    </dgm:pt>
+    <dgm:pt modelId="{3976CA15-F719-4642-BCA5-42D3630C36E7}" type="sibTrans" cxnId="{3A8F517F-DAE0-4E05-8441-AD38D754B666}">
+      <dgm:prSet/>
+      <dgm:spPr/>
+      <dgm:t>
+        <a:bodyPr/>
+        <a:lstStyle/>
+        <a:p>
+          <a:endParaRPr lang="de-DE"/>
+        </a:p>
+      </dgm:t>
+    </dgm:pt>
+    <dgm:pt modelId="{7C043A39-CE24-4EB9-9DD1-ADEA51ADBF35}" type="pres">
+      <dgm:prSet presAssocID="{7E247A59-008E-419A-A44E-29EE95F9DC78}" presName="linear" presStyleCnt="0">
+        <dgm:presLayoutVars>
+          <dgm:animLvl val="lvl"/>
+          <dgm:resizeHandles val="exact"/>
+        </dgm:presLayoutVars>
+      </dgm:prSet>
+      <dgm:spPr/>
+      <dgm:t>
+        <a:bodyPr/>
+        <a:lstStyle/>
+        <a:p>
+          <a:endParaRPr lang="de-DE"/>
+        </a:p>
+      </dgm:t>
+    </dgm:pt>
+    <dgm:pt modelId="{6EC9B571-2AAD-4AC1-B5C9-64DF398C0AEA}" type="pres">
+      <dgm:prSet presAssocID="{C3E0E1EE-5798-473D-907B-B686B920B505}" presName="parentText" presStyleLbl="node1" presStyleIdx="0" presStyleCnt="1">
+        <dgm:presLayoutVars>
+          <dgm:chMax val="0"/>
+          <dgm:bulletEnabled val="1"/>
+        </dgm:presLayoutVars>
+      </dgm:prSet>
+      <dgm:spPr/>
+      <dgm:t>
+        <a:bodyPr/>
+        <a:lstStyle/>
+        <a:p>
+          <a:endParaRPr lang="de-DE"/>
+        </a:p>
+      </dgm:t>
+    </dgm:pt>
+  </dgm:ptLst>
+  <dgm:cxnLst>
+    <dgm:cxn modelId="{3A67130B-0006-44A0-8967-10556F95FB1C}" type="presOf" srcId="{7E247A59-008E-419A-A44E-29EE95F9DC78}" destId="{7C043A39-CE24-4EB9-9DD1-ADEA51ADBF35}" srcOrd="0" destOrd="0" presId="urn:microsoft.com/office/officeart/2005/8/layout/vList2"/>
+    <dgm:cxn modelId="{51495F89-F0C5-427C-A3F0-E45CE497D687}" type="presOf" srcId="{C3E0E1EE-5798-473D-907B-B686B920B505}" destId="{6EC9B571-2AAD-4AC1-B5C9-64DF398C0AEA}" srcOrd="0" destOrd="0" presId="urn:microsoft.com/office/officeart/2005/8/layout/vList2"/>
+    <dgm:cxn modelId="{3A8F517F-DAE0-4E05-8441-AD38D754B666}" srcId="{7E247A59-008E-419A-A44E-29EE95F9DC78}" destId="{C3E0E1EE-5798-473D-907B-B686B920B505}" srcOrd="0" destOrd="0" parTransId="{4F628074-E509-4007-BDE7-4F8BC50044BE}" sibTransId="{3976CA15-F719-4642-BCA5-42D3630C36E7}"/>
+    <dgm:cxn modelId="{1608781F-A093-4037-871A-437F37C3CF49}" type="presParOf" srcId="{7C043A39-CE24-4EB9-9DD1-ADEA51ADBF35}" destId="{6EC9B571-2AAD-4AC1-B5C9-64DF398C0AEA}" srcOrd="0" destOrd="0" presId="urn:microsoft.com/office/officeart/2005/8/layout/vList2"/>
   </dgm:cxnLst>
   <dgm:bg/>
   <dgm:whole/>
@@ -12957,6 +12322,13 @@
         </dgm:presLayoutVars>
       </dgm:prSet>
       <dgm:spPr/>
+      <dgm:t>
+        <a:bodyPr/>
+        <a:lstStyle/>
+        <a:p>
+          <a:endParaRPr lang="de-DE"/>
+        </a:p>
+      </dgm:t>
     </dgm:pt>
     <dgm:pt modelId="{6EC9B571-2AAD-4AC1-B5C9-64DF398C0AEA}" type="pres">
       <dgm:prSet presAssocID="{C3E0E1EE-5798-473D-907B-B686B920B505}" presName="parentText" presStyleLbl="node1" presStyleIdx="0" presStyleCnt="1">
@@ -12966,6 +12338,13 @@
         </dgm:presLayoutVars>
       </dgm:prSet>
       <dgm:spPr/>
+      <dgm:t>
+        <a:bodyPr/>
+        <a:lstStyle/>
+        <a:p>
+          <a:endParaRPr lang="de-DE"/>
+        </a:p>
+      </dgm:t>
     </dgm:pt>
   </dgm:ptLst>
   <dgm:cxnLst>
@@ -12985,91 +12364,6 @@
 </file>
 
 <file path=ppt/diagrams/data15.xml><?xml version="1.0" encoding="utf-8"?>
-<dgm:dataModel xmlns:dgm="http://schemas.openxmlformats.org/drawingml/2006/diagram" xmlns:a="http://schemas.openxmlformats.org/drawingml/2006/main">
-  <dgm:ptLst>
-    <dgm:pt modelId="{7E247A59-008E-419A-A44E-29EE95F9DC78}" type="doc">
-      <dgm:prSet loTypeId="urn:microsoft.com/office/officeart/2005/8/layout/vList2" loCatId="list" qsTypeId="urn:microsoft.com/office/officeart/2005/8/quickstyle/simple1" qsCatId="simple" csTypeId="urn:microsoft.com/office/officeart/2005/8/colors/accent1_2" csCatId="accent1" phldr="1"/>
-      <dgm:spPr/>
-      <dgm:t>
-        <a:bodyPr/>
-        <a:lstStyle/>
-        <a:p>
-          <a:endParaRPr lang="de-DE"/>
-        </a:p>
-      </dgm:t>
-    </dgm:pt>
-    <dgm:pt modelId="{C3E0E1EE-5798-473D-907B-B686B920B505}">
-      <dgm:prSet/>
-      <dgm:spPr/>
-      <dgm:t>
-        <a:bodyPr/>
-        <a:lstStyle/>
-        <a:p>
-          <a:r>
-            <a:rPr lang="de-DE" dirty="0"/>
-            <a:t>DEMO</a:t>
-          </a:r>
-        </a:p>
-      </dgm:t>
-    </dgm:pt>
-    <dgm:pt modelId="{4F628074-E509-4007-BDE7-4F8BC50044BE}" type="parTrans" cxnId="{3A8F517F-DAE0-4E05-8441-AD38D754B666}">
-      <dgm:prSet/>
-      <dgm:spPr/>
-      <dgm:t>
-        <a:bodyPr/>
-        <a:lstStyle/>
-        <a:p>
-          <a:endParaRPr lang="de-DE"/>
-        </a:p>
-      </dgm:t>
-    </dgm:pt>
-    <dgm:pt modelId="{3976CA15-F719-4642-BCA5-42D3630C36E7}" type="sibTrans" cxnId="{3A8F517F-DAE0-4E05-8441-AD38D754B666}">
-      <dgm:prSet/>
-      <dgm:spPr/>
-      <dgm:t>
-        <a:bodyPr/>
-        <a:lstStyle/>
-        <a:p>
-          <a:endParaRPr lang="de-DE"/>
-        </a:p>
-      </dgm:t>
-    </dgm:pt>
-    <dgm:pt modelId="{7C043A39-CE24-4EB9-9DD1-ADEA51ADBF35}" type="pres">
-      <dgm:prSet presAssocID="{7E247A59-008E-419A-A44E-29EE95F9DC78}" presName="linear" presStyleCnt="0">
-        <dgm:presLayoutVars>
-          <dgm:animLvl val="lvl"/>
-          <dgm:resizeHandles val="exact"/>
-        </dgm:presLayoutVars>
-      </dgm:prSet>
-      <dgm:spPr/>
-    </dgm:pt>
-    <dgm:pt modelId="{6EC9B571-2AAD-4AC1-B5C9-64DF398C0AEA}" type="pres">
-      <dgm:prSet presAssocID="{C3E0E1EE-5798-473D-907B-B686B920B505}" presName="parentText" presStyleLbl="node1" presStyleIdx="0" presStyleCnt="1">
-        <dgm:presLayoutVars>
-          <dgm:chMax val="0"/>
-          <dgm:bulletEnabled val="1"/>
-        </dgm:presLayoutVars>
-      </dgm:prSet>
-      <dgm:spPr/>
-    </dgm:pt>
-  </dgm:ptLst>
-  <dgm:cxnLst>
-    <dgm:cxn modelId="{3A67130B-0006-44A0-8967-10556F95FB1C}" type="presOf" srcId="{7E247A59-008E-419A-A44E-29EE95F9DC78}" destId="{7C043A39-CE24-4EB9-9DD1-ADEA51ADBF35}" srcOrd="0" destOrd="0" presId="urn:microsoft.com/office/officeart/2005/8/layout/vList2"/>
-    <dgm:cxn modelId="{51495F89-F0C5-427C-A3F0-E45CE497D687}" type="presOf" srcId="{C3E0E1EE-5798-473D-907B-B686B920B505}" destId="{6EC9B571-2AAD-4AC1-B5C9-64DF398C0AEA}" srcOrd="0" destOrd="0" presId="urn:microsoft.com/office/officeart/2005/8/layout/vList2"/>
-    <dgm:cxn modelId="{3A8F517F-DAE0-4E05-8441-AD38D754B666}" srcId="{7E247A59-008E-419A-A44E-29EE95F9DC78}" destId="{C3E0E1EE-5798-473D-907B-B686B920B505}" srcOrd="0" destOrd="0" parTransId="{4F628074-E509-4007-BDE7-4F8BC50044BE}" sibTransId="{3976CA15-F719-4642-BCA5-42D3630C36E7}"/>
-    <dgm:cxn modelId="{1608781F-A093-4037-871A-437F37C3CF49}" type="presParOf" srcId="{7C043A39-CE24-4EB9-9DD1-ADEA51ADBF35}" destId="{6EC9B571-2AAD-4AC1-B5C9-64DF398C0AEA}" srcOrd="0" destOrd="0" presId="urn:microsoft.com/office/officeart/2005/8/layout/vList2"/>
-  </dgm:cxnLst>
-  <dgm:bg/>
-  <dgm:whole/>
-  <dgm:extLst>
-    <a:ext uri="http://schemas.microsoft.com/office/drawing/2008/diagram">
-      <dsp:dataModelExt xmlns:dsp="http://schemas.microsoft.com/office/drawing/2008/diagram" relId="rId6" minVer="http://schemas.openxmlformats.org/drawingml/2006/diagram"/>
-    </a:ext>
-  </dgm:extLst>
-</dgm:dataModel>
-</file>
-
-<file path=ppt/diagrams/data16.xml><?xml version="1.0" encoding="utf-8"?>
 <dgm:dataModel xmlns:dgm="http://schemas.openxmlformats.org/drawingml/2006/diagram" xmlns:a="http://schemas.openxmlformats.org/drawingml/2006/main">
   <dgm:ptLst>
     <dgm:pt modelId="{25AD1615-5121-418E-B880-49AB0B59188C}" type="doc">
@@ -13094,7 +12388,6 @@
             <a:rPr lang="de-DE"/>
             <a:t>Großes Potential vorhanden</a:t>
           </a:r>
-          <a:endParaRPr lang="de-DE"/>
         </a:p>
       </dgm:t>
     </dgm:pt>
@@ -13240,6 +12533,13 @@
         </dgm:presLayoutVars>
       </dgm:prSet>
       <dgm:spPr/>
+      <dgm:t>
+        <a:bodyPr/>
+        <a:lstStyle/>
+        <a:p>
+          <a:endParaRPr lang="de-DE"/>
+        </a:p>
+      </dgm:t>
     </dgm:pt>
     <dgm:pt modelId="{EA3757E5-B551-4DB6-9761-70516EE4F5AE}" type="pres">
       <dgm:prSet presAssocID="{25AD1615-5121-418E-B880-49AB0B59188C}" presName="ellipse" presStyleLbl="trBgShp" presStyleIdx="0" presStyleCnt="1"/>
@@ -13256,6 +12556,13 @@
         </dgm:presLayoutVars>
       </dgm:prSet>
       <dgm:spPr/>
+      <dgm:t>
+        <a:bodyPr/>
+        <a:lstStyle/>
+        <a:p>
+          <a:endParaRPr lang="de-DE"/>
+        </a:p>
+      </dgm:t>
     </dgm:pt>
     <dgm:pt modelId="{C4E7B302-DCD8-481B-8286-C504B12DD30A}" type="pres">
       <dgm:prSet presAssocID="{B004380A-F57E-4E6C-95E2-88B3D995B5AB}" presName="item1" presStyleLbl="node1" presStyleIdx="0" presStyleCnt="3">
@@ -13264,6 +12571,13 @@
         </dgm:presLayoutVars>
       </dgm:prSet>
       <dgm:spPr/>
+      <dgm:t>
+        <a:bodyPr/>
+        <a:lstStyle/>
+        <a:p>
+          <a:endParaRPr lang="de-DE"/>
+        </a:p>
+      </dgm:t>
     </dgm:pt>
     <dgm:pt modelId="{E69E3814-DF5E-47A1-8067-674A36A1A4F8}" type="pres">
       <dgm:prSet presAssocID="{E21EEEBE-A765-476C-9469-758B86F2F6F6}" presName="item2" presStyleLbl="node1" presStyleIdx="1" presStyleCnt="3">
@@ -13272,6 +12586,13 @@
         </dgm:presLayoutVars>
       </dgm:prSet>
       <dgm:spPr/>
+      <dgm:t>
+        <a:bodyPr/>
+        <a:lstStyle/>
+        <a:p>
+          <a:endParaRPr lang="de-DE"/>
+        </a:p>
+      </dgm:t>
     </dgm:pt>
     <dgm:pt modelId="{9C925374-5F91-4BA0-B0E5-95D39FFE4927}" type="pres">
       <dgm:prSet presAssocID="{1079D501-B37B-4B17-BE11-D65028FDB830}" presName="item3" presStyleLbl="node1" presStyleIdx="2" presStyleCnt="3">
@@ -13280,6 +12601,13 @@
         </dgm:presLayoutVars>
       </dgm:prSet>
       <dgm:spPr/>
+      <dgm:t>
+        <a:bodyPr/>
+        <a:lstStyle/>
+        <a:p>
+          <a:endParaRPr lang="de-DE"/>
+        </a:p>
+      </dgm:t>
     </dgm:pt>
     <dgm:pt modelId="{F43C436C-B500-4B5D-AABD-8557C601CEF3}" type="pres">
       <dgm:prSet presAssocID="{25AD1615-5121-418E-B880-49AB0B59188C}" presName="funnel" presStyleLbl="trAlignAcc1" presStyleIdx="0" presStyleCnt="1"/>
@@ -13416,6 +12744,10 @@
             <a:rPr lang="de-DE" dirty="0" err="1"/>
             <a:t>Robert.Marz</a:t>
           </a:r>
+          <a:r>
+            <a:rPr lang="de-DE" dirty="0"/>
+            <a:t/>
+          </a:r>
           <a:br>
             <a:rPr lang="de-DE" dirty="0"/>
           </a:br>
@@ -13459,6 +12791,13 @@
         </dgm:presLayoutVars>
       </dgm:prSet>
       <dgm:spPr/>
+      <dgm:t>
+        <a:bodyPr/>
+        <a:lstStyle/>
+        <a:p>
+          <a:endParaRPr lang="de-DE"/>
+        </a:p>
+      </dgm:t>
     </dgm:pt>
     <dgm:pt modelId="{1AA1E43C-5C6E-4A32-843A-DD6BE52AAF73}" type="pres">
       <dgm:prSet presAssocID="{CC372748-4BC1-4015-BDEF-BB2710A1D0D9}" presName="hierRoot1" presStyleCnt="0"/>
@@ -13493,6 +12832,13 @@
         </dgm:presLayoutVars>
       </dgm:prSet>
       <dgm:spPr/>
+      <dgm:t>
+        <a:bodyPr/>
+        <a:lstStyle/>
+        <a:p>
+          <a:endParaRPr lang="de-DE"/>
+        </a:p>
+      </dgm:t>
     </dgm:pt>
     <dgm:pt modelId="{DCE4F93B-36A3-4482-9CB0-5FA12448DD76}" type="pres">
       <dgm:prSet presAssocID="{CC372748-4BC1-4015-BDEF-BB2710A1D0D9}" presName="hierChild2" presStyleCnt="0"/>
@@ -13531,6 +12877,13 @@
         </dgm:presLayoutVars>
       </dgm:prSet>
       <dgm:spPr/>
+      <dgm:t>
+        <a:bodyPr/>
+        <a:lstStyle/>
+        <a:p>
+          <a:endParaRPr lang="de-DE"/>
+        </a:p>
+      </dgm:t>
     </dgm:pt>
     <dgm:pt modelId="{61A74F3A-7978-49EA-AFCC-B39278572BBA}" type="pres">
       <dgm:prSet presAssocID="{74FC5D49-0181-4D80-B5B3-80EE44372E8B}" presName="hierChild2" presStyleCnt="0"/>
@@ -13569,6 +12922,13 @@
         </dgm:presLayoutVars>
       </dgm:prSet>
       <dgm:spPr/>
+      <dgm:t>
+        <a:bodyPr/>
+        <a:lstStyle/>
+        <a:p>
+          <a:endParaRPr lang="de-DE"/>
+        </a:p>
+      </dgm:t>
     </dgm:pt>
     <dgm:pt modelId="{A114E7BE-5B0D-4DDE-8A6A-FAEECDBFEADB}" type="pres">
       <dgm:prSet presAssocID="{4732E67D-2D2F-4E04-BABA-25D346007F9C}" presName="hierChild2" presStyleCnt="0"/>
@@ -14076,6 +13436,13 @@
         </dgm:presLayoutVars>
       </dgm:prSet>
       <dgm:spPr/>
+      <dgm:t>
+        <a:bodyPr/>
+        <a:lstStyle/>
+        <a:p>
+          <a:endParaRPr lang="de-DE"/>
+        </a:p>
+      </dgm:t>
     </dgm:pt>
     <dgm:pt modelId="{A7FC58AE-14E0-4235-9172-2A0A58A71F68}" type="pres">
       <dgm:prSet presAssocID="{BF4E3A99-BCD3-40B5-BFF3-4A351E80D19A}" presName="linNode" presStyleCnt="0"/>
@@ -14089,6 +13456,13 @@
         </dgm:presLayoutVars>
       </dgm:prSet>
       <dgm:spPr/>
+      <dgm:t>
+        <a:bodyPr/>
+        <a:lstStyle/>
+        <a:p>
+          <a:endParaRPr lang="de-DE"/>
+        </a:p>
+      </dgm:t>
     </dgm:pt>
     <dgm:pt modelId="{DCC0B640-762B-42B1-B6BF-3593AF600414}" type="pres">
       <dgm:prSet presAssocID="{BF4E3A99-BCD3-40B5-BFF3-4A351E80D19A}" presName="descendantText" presStyleLbl="alignAccFollowNode1" presStyleIdx="0" presStyleCnt="3">
@@ -14105,6 +13479,13 @@
           <a:avLst/>
         </a:prstGeom>
       </dgm:spPr>
+      <dgm:t>
+        <a:bodyPr/>
+        <a:lstStyle/>
+        <a:p>
+          <a:endParaRPr lang="de-DE"/>
+        </a:p>
+      </dgm:t>
     </dgm:pt>
     <dgm:pt modelId="{2DD739E9-10C4-46E8-A235-7CAA996507A7}" type="pres">
       <dgm:prSet presAssocID="{09944042-9934-45B9-8CB0-FAD2508AC468}" presName="sp" presStyleCnt="0"/>
@@ -14122,6 +13503,13 @@
         </dgm:presLayoutVars>
       </dgm:prSet>
       <dgm:spPr/>
+      <dgm:t>
+        <a:bodyPr/>
+        <a:lstStyle/>
+        <a:p>
+          <a:endParaRPr lang="de-DE"/>
+        </a:p>
+      </dgm:t>
     </dgm:pt>
     <dgm:pt modelId="{7D1159AB-859F-4A05-8EAD-FB5D9434DF77}" type="pres">
       <dgm:prSet presAssocID="{A5B5477C-E591-4695-ABCD-22289241670C}" presName="descendantText" presStyleLbl="alignAccFollowNode1" presStyleIdx="1" presStyleCnt="3">
@@ -14138,6 +13526,13 @@
           <a:avLst/>
         </a:prstGeom>
       </dgm:spPr>
+      <dgm:t>
+        <a:bodyPr/>
+        <a:lstStyle/>
+        <a:p>
+          <a:endParaRPr lang="de-DE"/>
+        </a:p>
+      </dgm:t>
     </dgm:pt>
     <dgm:pt modelId="{EED17577-AE89-4808-B1E1-7B30DACF8C60}" type="pres">
       <dgm:prSet presAssocID="{61D671B2-F15F-4D34-B237-24F2B25BFFB1}" presName="sp" presStyleCnt="0"/>
@@ -14155,6 +13550,13 @@
         </dgm:presLayoutVars>
       </dgm:prSet>
       <dgm:spPr/>
+      <dgm:t>
+        <a:bodyPr/>
+        <a:lstStyle/>
+        <a:p>
+          <a:endParaRPr lang="de-DE"/>
+        </a:p>
+      </dgm:t>
     </dgm:pt>
     <dgm:pt modelId="{655297B6-E2F2-49AD-A06C-4E1E636E894C}" type="pres">
       <dgm:prSet presAssocID="{47952A61-B0A9-403E-B991-F30456CC4C18}" presName="descendantText" presStyleLbl="alignAccFollowNode1" presStyleIdx="2" presStyleCnt="3" custLinFactNeighborX="-285" custLinFactNeighborY="-1767">
@@ -14171,6 +13573,13 @@
           <a:avLst/>
         </a:prstGeom>
       </dgm:spPr>
+      <dgm:t>
+        <a:bodyPr/>
+        <a:lstStyle/>
+        <a:p>
+          <a:endParaRPr lang="de-DE"/>
+        </a:p>
+      </dgm:t>
     </dgm:pt>
   </dgm:ptLst>
   <dgm:cxnLst>
@@ -14212,317 +13621,6 @@
 </file>
 
 <file path=ppt/diagrams/data4.xml><?xml version="1.0" encoding="utf-8"?>
-<dgm:dataModel xmlns:dgm="http://schemas.openxmlformats.org/drawingml/2006/diagram" xmlns:a="http://schemas.openxmlformats.org/drawingml/2006/main">
-  <dgm:ptLst>
-    <dgm:pt modelId="{D881761E-56AA-47A6-A120-8E8554B14BA3}" type="doc">
-      <dgm:prSet loTypeId="urn:microsoft.com/office/officeart/2009/layout/CirclePictureHierarchy" loCatId="picture" qsTypeId="urn:microsoft.com/office/officeart/2005/8/quickstyle/simple1" qsCatId="simple" csTypeId="urn:microsoft.com/office/officeart/2005/8/colors/accent1_2" csCatId="accent1" phldr="1"/>
-      <dgm:spPr/>
-      <dgm:t>
-        <a:bodyPr/>
-        <a:lstStyle/>
-        <a:p>
-          <a:endParaRPr lang="de-DE"/>
-        </a:p>
-      </dgm:t>
-    </dgm:pt>
-    <dgm:pt modelId="{CC372748-4BC1-4015-BDEF-BB2710A1D0D9}">
-      <dgm:prSet phldrT="[Text]"/>
-      <dgm:spPr/>
-      <dgm:t>
-        <a:bodyPr/>
-        <a:lstStyle/>
-        <a:p>
-          <a:r>
-            <a:rPr lang="de-DE" dirty="0"/>
-            <a:t>@</a:t>
-          </a:r>
-          <a:r>
-            <a:rPr lang="de-DE" dirty="0" err="1"/>
-            <a:t>oraesque</a:t>
-          </a:r>
-          <a:endParaRPr lang="de-DE" dirty="0"/>
-        </a:p>
-      </dgm:t>
-    </dgm:pt>
-    <dgm:pt modelId="{334D846B-4C13-428F-90C7-C4C3A5A09FAB}" type="parTrans" cxnId="{B960C3EE-B940-495B-924B-8D52F77FF69C}">
-      <dgm:prSet/>
-      <dgm:spPr/>
-      <dgm:t>
-        <a:bodyPr/>
-        <a:lstStyle/>
-        <a:p>
-          <a:endParaRPr lang="de-DE"/>
-        </a:p>
-      </dgm:t>
-    </dgm:pt>
-    <dgm:pt modelId="{E644916E-EB8C-4B6A-8517-C86AA5841EFD}" type="sibTrans" cxnId="{B960C3EE-B940-495B-924B-8D52F77FF69C}">
-      <dgm:prSet/>
-      <dgm:spPr/>
-      <dgm:t>
-        <a:bodyPr/>
-        <a:lstStyle/>
-        <a:p>
-          <a:endParaRPr lang="de-DE"/>
-        </a:p>
-      </dgm:t>
-    </dgm:pt>
-    <dgm:pt modelId="{74FC5D49-0181-4D80-B5B3-80EE44372E8B}">
-      <dgm:prSet phldrT="[Text]" custT="1"/>
-      <dgm:spPr/>
-      <dgm:t>
-        <a:bodyPr/>
-        <a:lstStyle/>
-        <a:p>
-          <a:r>
-            <a:rPr lang="de-DE" sz="1700" kern="1200" dirty="0">
-              <a:solidFill>
-                <a:prstClr val="black">
-                  <a:hueOff val="0"/>
-                  <a:satOff val="0"/>
-                  <a:lumOff val="0"/>
-                  <a:alphaOff val="0"/>
-                </a:prstClr>
-              </a:solidFill>
-              <a:latin typeface="Calibri" panose="020F0502020204030204"/>
-              <a:ea typeface="+mn-ea"/>
-              <a:cs typeface="+mn-cs"/>
-            </a:rPr>
-            <a:t>www.its-people.de/blog</a:t>
-          </a:r>
-          <a:r>
-            <a:rPr lang="de-DE" sz="1800" kern="1200" dirty="0"/>
-            <a:t>	</a:t>
-          </a:r>
-        </a:p>
-      </dgm:t>
-    </dgm:pt>
-    <dgm:pt modelId="{8287C9EF-E41F-42CB-B272-952A799CA64E}" type="parTrans" cxnId="{E4E94CC0-3474-4255-A9CE-FD83F380E8ED}">
-      <dgm:prSet/>
-      <dgm:spPr/>
-      <dgm:t>
-        <a:bodyPr/>
-        <a:lstStyle/>
-        <a:p>
-          <a:endParaRPr lang="de-DE"/>
-        </a:p>
-      </dgm:t>
-    </dgm:pt>
-    <dgm:pt modelId="{3B70A8B2-E766-4F47-B750-5BBCA98AD9D7}" type="sibTrans" cxnId="{E4E94CC0-3474-4255-A9CE-FD83F380E8ED}">
-      <dgm:prSet/>
-      <dgm:spPr/>
-      <dgm:t>
-        <a:bodyPr/>
-        <a:lstStyle/>
-        <a:p>
-          <a:endParaRPr lang="de-DE"/>
-        </a:p>
-      </dgm:t>
-    </dgm:pt>
-    <dgm:pt modelId="{4732E67D-2D2F-4E04-BABA-25D346007F9C}">
-      <dgm:prSet phldrT="[Text]"/>
-      <dgm:spPr/>
-      <dgm:t>
-        <a:bodyPr/>
-        <a:lstStyle/>
-        <a:p>
-          <a:r>
-            <a:rPr lang="de-DE" dirty="0" err="1"/>
-            <a:t>Sabine.Heimsath</a:t>
-          </a:r>
-          <a:br>
-            <a:rPr lang="de-DE" dirty="0"/>
-          </a:br>
-          <a:r>
-            <a:rPr lang="de-DE" dirty="0"/>
-            <a:t>@its-people.de</a:t>
-          </a:r>
-        </a:p>
-      </dgm:t>
-    </dgm:pt>
-    <dgm:pt modelId="{35B17836-9111-4D70-BD93-28BD4C033E04}" type="parTrans" cxnId="{C1D98B7E-7E62-4A05-A323-D53541BEC994}">
-      <dgm:prSet/>
-      <dgm:spPr/>
-      <dgm:t>
-        <a:bodyPr/>
-        <a:lstStyle/>
-        <a:p>
-          <a:endParaRPr lang="de-DE"/>
-        </a:p>
-      </dgm:t>
-    </dgm:pt>
-    <dgm:pt modelId="{4B61A629-D1DC-48CA-A2C8-B1D888225945}" type="sibTrans" cxnId="{C1D98B7E-7E62-4A05-A323-D53541BEC994}">
-      <dgm:prSet/>
-      <dgm:spPr/>
-      <dgm:t>
-        <a:bodyPr/>
-        <a:lstStyle/>
-        <a:p>
-          <a:endParaRPr lang="de-DE"/>
-        </a:p>
-      </dgm:t>
-    </dgm:pt>
-    <dgm:pt modelId="{99C30A1B-20C6-4611-AE62-1A4313BB5F7A}" type="pres">
-      <dgm:prSet presAssocID="{D881761E-56AA-47A6-A120-8E8554B14BA3}" presName="hierChild1" presStyleCnt="0">
-        <dgm:presLayoutVars>
-          <dgm:chPref val="1"/>
-          <dgm:dir/>
-          <dgm:animOne val="branch"/>
-          <dgm:animLvl val="lvl"/>
-          <dgm:resizeHandles/>
-        </dgm:presLayoutVars>
-      </dgm:prSet>
-      <dgm:spPr/>
-    </dgm:pt>
-    <dgm:pt modelId="{1AA1E43C-5C6E-4A32-843A-DD6BE52AAF73}" type="pres">
-      <dgm:prSet presAssocID="{CC372748-4BC1-4015-BDEF-BB2710A1D0D9}" presName="hierRoot1" presStyleCnt="0"/>
-      <dgm:spPr/>
-    </dgm:pt>
-    <dgm:pt modelId="{8307C7F6-F1EE-451B-B010-FF40012E4E34}" type="pres">
-      <dgm:prSet presAssocID="{CC372748-4BC1-4015-BDEF-BB2710A1D0D9}" presName="composite" presStyleCnt="0"/>
-      <dgm:spPr/>
-    </dgm:pt>
-    <dgm:pt modelId="{5806C7C0-FCA0-477E-B56D-7444B67D22CB}" type="pres">
-      <dgm:prSet presAssocID="{CC372748-4BC1-4015-BDEF-BB2710A1D0D9}" presName="image" presStyleLbl="node0" presStyleIdx="0" presStyleCnt="3"/>
-      <dgm:spPr>
-        <a:blipFill dpi="0" rotWithShape="1">
-          <a:blip xmlns:r="http://schemas.openxmlformats.org/officeDocument/2006/relationships" r:embed="rId1">
-            <a:extLst>
-              <a:ext uri="{28A0092B-C50C-407E-A947-70E740481C1C}">
-                <a14:useLocalDpi xmlns:a14="http://schemas.microsoft.com/office/drawing/2010/main" val="0"/>
-              </a:ext>
-            </a:extLst>
-          </a:blip>
-          <a:srcRect/>
-          <a:stretch>
-            <a:fillRect l="914" t="20564" r="914" b="20564"/>
-          </a:stretch>
-        </a:blipFill>
-      </dgm:spPr>
-    </dgm:pt>
-    <dgm:pt modelId="{CA9E9B4E-52E5-47F9-94AC-66CAA402F9F8}" type="pres">
-      <dgm:prSet presAssocID="{CC372748-4BC1-4015-BDEF-BB2710A1D0D9}" presName="text" presStyleLbl="revTx" presStyleIdx="0" presStyleCnt="3">
-        <dgm:presLayoutVars>
-          <dgm:chPref val="3"/>
-        </dgm:presLayoutVars>
-      </dgm:prSet>
-      <dgm:spPr/>
-    </dgm:pt>
-    <dgm:pt modelId="{DCE4F93B-36A3-4482-9CB0-5FA12448DD76}" type="pres">
-      <dgm:prSet presAssocID="{CC372748-4BC1-4015-BDEF-BB2710A1D0D9}" presName="hierChild2" presStyleCnt="0"/>
-      <dgm:spPr/>
-    </dgm:pt>
-    <dgm:pt modelId="{0021144F-F0C7-4DB2-8A9B-69402EF6F8B8}" type="pres">
-      <dgm:prSet presAssocID="{74FC5D49-0181-4D80-B5B3-80EE44372E8B}" presName="hierRoot1" presStyleCnt="0"/>
-      <dgm:spPr/>
-    </dgm:pt>
-    <dgm:pt modelId="{657DD6D9-0920-47A6-B57A-1E39632AA2FC}" type="pres">
-      <dgm:prSet presAssocID="{74FC5D49-0181-4D80-B5B3-80EE44372E8B}" presName="composite" presStyleCnt="0"/>
-      <dgm:spPr/>
-    </dgm:pt>
-    <dgm:pt modelId="{94E7FD82-9311-4F29-8E71-FE0B28E22F1E}" type="pres">
-      <dgm:prSet presAssocID="{74FC5D49-0181-4D80-B5B3-80EE44372E8B}" presName="image" presStyleLbl="node0" presStyleIdx="1" presStyleCnt="3"/>
-      <dgm:spPr>
-        <a:blipFill dpi="0" rotWithShape="1">
-          <a:blip xmlns:r="http://schemas.openxmlformats.org/officeDocument/2006/relationships" r:embed="rId2">
-            <a:extLst>
-              <a:ext uri="{28A0092B-C50C-407E-A947-70E740481C1C}">
-                <a14:useLocalDpi xmlns:a14="http://schemas.microsoft.com/office/drawing/2010/main" val="0"/>
-              </a:ext>
-            </a:extLst>
-          </a:blip>
-          <a:srcRect/>
-          <a:stretch>
-            <a:fillRect l="-3155" t="14564" r="-3155" b="14564"/>
-          </a:stretch>
-        </a:blipFill>
-      </dgm:spPr>
-    </dgm:pt>
-    <dgm:pt modelId="{1DA57DB4-403B-44F5-BF39-2900B1ECFD47}" type="pres">
-      <dgm:prSet presAssocID="{74FC5D49-0181-4D80-B5B3-80EE44372E8B}" presName="text" presStyleLbl="revTx" presStyleIdx="1" presStyleCnt="3">
-        <dgm:presLayoutVars>
-          <dgm:chPref val="3"/>
-        </dgm:presLayoutVars>
-      </dgm:prSet>
-      <dgm:spPr/>
-    </dgm:pt>
-    <dgm:pt modelId="{61A74F3A-7978-49EA-AFCC-B39278572BBA}" type="pres">
-      <dgm:prSet presAssocID="{74FC5D49-0181-4D80-B5B3-80EE44372E8B}" presName="hierChild2" presStyleCnt="0"/>
-      <dgm:spPr/>
-    </dgm:pt>
-    <dgm:pt modelId="{5372B82D-1CA6-49D0-AB81-E36C82CE6710}" type="pres">
-      <dgm:prSet presAssocID="{4732E67D-2D2F-4E04-BABA-25D346007F9C}" presName="hierRoot1" presStyleCnt="0"/>
-      <dgm:spPr/>
-    </dgm:pt>
-    <dgm:pt modelId="{31C5463B-D42E-4937-BCFC-E744189720D5}" type="pres">
-      <dgm:prSet presAssocID="{4732E67D-2D2F-4E04-BABA-25D346007F9C}" presName="composite" presStyleCnt="0"/>
-      <dgm:spPr/>
-    </dgm:pt>
-    <dgm:pt modelId="{CBF2CE8D-CFB6-43A9-BCEC-5DE04AF7231C}" type="pres">
-      <dgm:prSet presAssocID="{4732E67D-2D2F-4E04-BABA-25D346007F9C}" presName="image" presStyleLbl="node0" presStyleIdx="2" presStyleCnt="3"/>
-      <dgm:spPr>
-        <a:blipFill dpi="0" rotWithShape="1">
-          <a:blip xmlns:r="http://schemas.openxmlformats.org/officeDocument/2006/relationships" r:embed="rId3">
-            <a:extLst>
-              <a:ext uri="{28A0092B-C50C-407E-A947-70E740481C1C}">
-                <a14:useLocalDpi xmlns:a14="http://schemas.microsoft.com/office/drawing/2010/main" val="0"/>
-              </a:ext>
-            </a:extLst>
-          </a:blip>
-          <a:srcRect/>
-          <a:stretch>
-            <a:fillRect l="-3155" t="16926" r="-3155" b="16926"/>
-          </a:stretch>
-        </a:blipFill>
-      </dgm:spPr>
-    </dgm:pt>
-    <dgm:pt modelId="{5D711149-18B6-4F73-AF48-E0E619A37466}" type="pres">
-      <dgm:prSet presAssocID="{4732E67D-2D2F-4E04-BABA-25D346007F9C}" presName="text" presStyleLbl="revTx" presStyleIdx="2" presStyleCnt="3">
-        <dgm:presLayoutVars>
-          <dgm:chPref val="3"/>
-        </dgm:presLayoutVars>
-      </dgm:prSet>
-      <dgm:spPr/>
-    </dgm:pt>
-    <dgm:pt modelId="{A114E7BE-5B0D-4DDE-8A6A-FAEECDBFEADB}" type="pres">
-      <dgm:prSet presAssocID="{4732E67D-2D2F-4E04-BABA-25D346007F9C}" presName="hierChild2" presStyleCnt="0"/>
-      <dgm:spPr/>
-    </dgm:pt>
-  </dgm:ptLst>
-  <dgm:cxnLst>
-    <dgm:cxn modelId="{2BDF4CFA-E168-4FCB-88E9-576123E34DE0}" type="presOf" srcId="{D881761E-56AA-47A6-A120-8E8554B14BA3}" destId="{99C30A1B-20C6-4611-AE62-1A4313BB5F7A}" srcOrd="0" destOrd="0" presId="urn:microsoft.com/office/officeart/2009/layout/CirclePictureHierarchy"/>
-    <dgm:cxn modelId="{E4E94CC0-3474-4255-A9CE-FD83F380E8ED}" srcId="{D881761E-56AA-47A6-A120-8E8554B14BA3}" destId="{74FC5D49-0181-4D80-B5B3-80EE44372E8B}" srcOrd="1" destOrd="0" parTransId="{8287C9EF-E41F-42CB-B272-952A799CA64E}" sibTransId="{3B70A8B2-E766-4F47-B750-5BBCA98AD9D7}"/>
-    <dgm:cxn modelId="{3F9A16CD-DB93-4525-834A-34C1BD89010C}" type="presOf" srcId="{74FC5D49-0181-4D80-B5B3-80EE44372E8B}" destId="{1DA57DB4-403B-44F5-BF39-2900B1ECFD47}" srcOrd="0" destOrd="0" presId="urn:microsoft.com/office/officeart/2009/layout/CirclePictureHierarchy"/>
-    <dgm:cxn modelId="{687D1AEB-7300-46C5-A729-A43D7301AFE9}" type="presOf" srcId="{CC372748-4BC1-4015-BDEF-BB2710A1D0D9}" destId="{CA9E9B4E-52E5-47F9-94AC-66CAA402F9F8}" srcOrd="0" destOrd="0" presId="urn:microsoft.com/office/officeart/2009/layout/CirclePictureHierarchy"/>
-    <dgm:cxn modelId="{93E09F9B-8586-4B42-B740-28E984371904}" type="presOf" srcId="{4732E67D-2D2F-4E04-BABA-25D346007F9C}" destId="{5D711149-18B6-4F73-AF48-E0E619A37466}" srcOrd="0" destOrd="0" presId="urn:microsoft.com/office/officeart/2009/layout/CirclePictureHierarchy"/>
-    <dgm:cxn modelId="{C1D98B7E-7E62-4A05-A323-D53541BEC994}" srcId="{D881761E-56AA-47A6-A120-8E8554B14BA3}" destId="{4732E67D-2D2F-4E04-BABA-25D346007F9C}" srcOrd="2" destOrd="0" parTransId="{35B17836-9111-4D70-BD93-28BD4C033E04}" sibTransId="{4B61A629-D1DC-48CA-A2C8-B1D888225945}"/>
-    <dgm:cxn modelId="{B960C3EE-B940-495B-924B-8D52F77FF69C}" srcId="{D881761E-56AA-47A6-A120-8E8554B14BA3}" destId="{CC372748-4BC1-4015-BDEF-BB2710A1D0D9}" srcOrd="0" destOrd="0" parTransId="{334D846B-4C13-428F-90C7-C4C3A5A09FAB}" sibTransId="{E644916E-EB8C-4B6A-8517-C86AA5841EFD}"/>
-    <dgm:cxn modelId="{5DC11E1E-B102-46A1-88D9-8C6F81314B99}" type="presParOf" srcId="{99C30A1B-20C6-4611-AE62-1A4313BB5F7A}" destId="{1AA1E43C-5C6E-4A32-843A-DD6BE52AAF73}" srcOrd="0" destOrd="0" presId="urn:microsoft.com/office/officeart/2009/layout/CirclePictureHierarchy"/>
-    <dgm:cxn modelId="{C398A446-9A95-433B-BB20-60E8864713CA}" type="presParOf" srcId="{1AA1E43C-5C6E-4A32-843A-DD6BE52AAF73}" destId="{8307C7F6-F1EE-451B-B010-FF40012E4E34}" srcOrd="0" destOrd="0" presId="urn:microsoft.com/office/officeart/2009/layout/CirclePictureHierarchy"/>
-    <dgm:cxn modelId="{EB12EF57-24A3-4F04-8B39-6D9A3AAE144F}" type="presParOf" srcId="{8307C7F6-F1EE-451B-B010-FF40012E4E34}" destId="{5806C7C0-FCA0-477E-B56D-7444B67D22CB}" srcOrd="0" destOrd="0" presId="urn:microsoft.com/office/officeart/2009/layout/CirclePictureHierarchy"/>
-    <dgm:cxn modelId="{CFB5B990-C17A-4DD9-915F-9EFE62FE6125}" type="presParOf" srcId="{8307C7F6-F1EE-451B-B010-FF40012E4E34}" destId="{CA9E9B4E-52E5-47F9-94AC-66CAA402F9F8}" srcOrd="1" destOrd="0" presId="urn:microsoft.com/office/officeart/2009/layout/CirclePictureHierarchy"/>
-    <dgm:cxn modelId="{18BE55C2-A0FE-42DB-B8D7-AD7F63FE24EC}" type="presParOf" srcId="{1AA1E43C-5C6E-4A32-843A-DD6BE52AAF73}" destId="{DCE4F93B-36A3-4482-9CB0-5FA12448DD76}" srcOrd="1" destOrd="0" presId="urn:microsoft.com/office/officeart/2009/layout/CirclePictureHierarchy"/>
-    <dgm:cxn modelId="{1580C394-40EE-416D-A1E1-A24FFFE09A8D}" type="presParOf" srcId="{99C30A1B-20C6-4611-AE62-1A4313BB5F7A}" destId="{0021144F-F0C7-4DB2-8A9B-69402EF6F8B8}" srcOrd="1" destOrd="0" presId="urn:microsoft.com/office/officeart/2009/layout/CirclePictureHierarchy"/>
-    <dgm:cxn modelId="{39FA463A-6EE2-400C-A533-02ABC5BC3626}" type="presParOf" srcId="{0021144F-F0C7-4DB2-8A9B-69402EF6F8B8}" destId="{657DD6D9-0920-47A6-B57A-1E39632AA2FC}" srcOrd="0" destOrd="0" presId="urn:microsoft.com/office/officeart/2009/layout/CirclePictureHierarchy"/>
-    <dgm:cxn modelId="{DF5A885D-874D-47F6-B0DB-E598BB9003A7}" type="presParOf" srcId="{657DD6D9-0920-47A6-B57A-1E39632AA2FC}" destId="{94E7FD82-9311-4F29-8E71-FE0B28E22F1E}" srcOrd="0" destOrd="0" presId="urn:microsoft.com/office/officeart/2009/layout/CirclePictureHierarchy"/>
-    <dgm:cxn modelId="{D914CEF0-AF2F-4630-8F73-87EA2059B61E}" type="presParOf" srcId="{657DD6D9-0920-47A6-B57A-1E39632AA2FC}" destId="{1DA57DB4-403B-44F5-BF39-2900B1ECFD47}" srcOrd="1" destOrd="0" presId="urn:microsoft.com/office/officeart/2009/layout/CirclePictureHierarchy"/>
-    <dgm:cxn modelId="{3A7FC6E4-B86B-47C7-B89F-9E17F9608EDA}" type="presParOf" srcId="{0021144F-F0C7-4DB2-8A9B-69402EF6F8B8}" destId="{61A74F3A-7978-49EA-AFCC-B39278572BBA}" srcOrd="1" destOrd="0" presId="urn:microsoft.com/office/officeart/2009/layout/CirclePictureHierarchy"/>
-    <dgm:cxn modelId="{A6542C8E-166D-4CAB-8EC8-3694F8E76177}" type="presParOf" srcId="{99C30A1B-20C6-4611-AE62-1A4313BB5F7A}" destId="{5372B82D-1CA6-49D0-AB81-E36C82CE6710}" srcOrd="2" destOrd="0" presId="urn:microsoft.com/office/officeart/2009/layout/CirclePictureHierarchy"/>
-    <dgm:cxn modelId="{11F07F6D-FBCB-465B-A063-54EE1EFC6A3D}" type="presParOf" srcId="{5372B82D-1CA6-49D0-AB81-E36C82CE6710}" destId="{31C5463B-D42E-4937-BCFC-E744189720D5}" srcOrd="0" destOrd="0" presId="urn:microsoft.com/office/officeart/2009/layout/CirclePictureHierarchy"/>
-    <dgm:cxn modelId="{1BD79F84-2FB7-4260-8AE7-065F1A97268C}" type="presParOf" srcId="{31C5463B-D42E-4937-BCFC-E744189720D5}" destId="{CBF2CE8D-CFB6-43A9-BCEC-5DE04AF7231C}" srcOrd="0" destOrd="0" presId="urn:microsoft.com/office/officeart/2009/layout/CirclePictureHierarchy"/>
-    <dgm:cxn modelId="{97984A77-561F-47CB-B436-92B6695E9E5E}" type="presParOf" srcId="{31C5463B-D42E-4937-BCFC-E744189720D5}" destId="{5D711149-18B6-4F73-AF48-E0E619A37466}" srcOrd="1" destOrd="0" presId="urn:microsoft.com/office/officeart/2009/layout/CirclePictureHierarchy"/>
-    <dgm:cxn modelId="{ACEDD4D9-F5E4-490C-B8CA-A4CBCF86F48F}" type="presParOf" srcId="{5372B82D-1CA6-49D0-AB81-E36C82CE6710}" destId="{A114E7BE-5B0D-4DDE-8A6A-FAEECDBFEADB}" srcOrd="1" destOrd="0" presId="urn:microsoft.com/office/officeart/2009/layout/CirclePictureHierarchy"/>
-  </dgm:cxnLst>
-  <dgm:bg/>
-  <dgm:whole/>
-  <dgm:extLst>
-    <a:ext uri="http://schemas.microsoft.com/office/drawing/2008/diagram">
-      <dsp:dataModelExt xmlns:dsp="http://schemas.microsoft.com/office/drawing/2008/diagram" relId="rId11" minVer="http://schemas.openxmlformats.org/drawingml/2006/diagram"/>
-    </a:ext>
-  </dgm:extLst>
-</dgm:dataModel>
-</file>
-
-<file path=ppt/diagrams/data5.xml><?xml version="1.0" encoding="utf-8"?>
 <dgm:dataModel xmlns:dgm="http://schemas.openxmlformats.org/drawingml/2006/diagram" xmlns:a="http://schemas.openxmlformats.org/drawingml/2006/main">
   <dgm:ptLst>
     <dgm:pt modelId="{88CEE1F0-9F26-4668-A25F-239372C15B74}" type="doc">
@@ -14727,7 +13825,6 @@
             <a:rPr lang="de-DE"/>
             <a:t>Kompletter Feature-Umfang</a:t>
           </a:r>
-          <a:endParaRPr lang="de-DE"/>
         </a:p>
       </dgm:t>
     </dgm:pt>
@@ -14761,6 +13858,13 @@
         </dgm:presLayoutVars>
       </dgm:prSet>
       <dgm:spPr/>
+      <dgm:t>
+        <a:bodyPr/>
+        <a:lstStyle/>
+        <a:p>
+          <a:endParaRPr lang="de-DE"/>
+        </a:p>
+      </dgm:t>
     </dgm:pt>
     <dgm:pt modelId="{A2F639E6-B1F5-4341-BD3F-D18F06BAB358}" type="pres">
       <dgm:prSet presAssocID="{50AA1D8F-4E44-4B80-AB79-8A3C44D3DFB6}" presName="comp" presStyleCnt="0"/>
@@ -14769,6 +13873,13 @@
     <dgm:pt modelId="{7BE1C042-7D71-499A-9925-70D82D341E74}" type="pres">
       <dgm:prSet presAssocID="{50AA1D8F-4E44-4B80-AB79-8A3C44D3DFB6}" presName="box" presStyleLbl="node1" presStyleIdx="0" presStyleCnt="2" custLinFactNeighborX="775"/>
       <dgm:spPr/>
+      <dgm:t>
+        <a:bodyPr/>
+        <a:lstStyle/>
+        <a:p>
+          <a:endParaRPr lang="de-DE"/>
+        </a:p>
+      </dgm:t>
     </dgm:pt>
     <dgm:pt modelId="{B99D193F-836C-434A-B9E0-27D78A906CA8}" type="pres">
       <dgm:prSet presAssocID="{50AA1D8F-4E44-4B80-AB79-8A3C44D3DFB6}" presName="img" presStyleLbl="fgImgPlace1" presStyleIdx="0" presStyleCnt="2"/>
@@ -14789,6 +13900,13 @@
         </dgm:presLayoutVars>
       </dgm:prSet>
       <dgm:spPr/>
+      <dgm:t>
+        <a:bodyPr/>
+        <a:lstStyle/>
+        <a:p>
+          <a:endParaRPr lang="de-DE"/>
+        </a:p>
+      </dgm:t>
     </dgm:pt>
     <dgm:pt modelId="{33D2D1C1-32DC-445F-83CB-323BB83D5F79}" type="pres">
       <dgm:prSet presAssocID="{0F023E33-8AD0-4818-AB44-514415287CF2}" presName="spacer" presStyleCnt="0"/>
@@ -14801,6 +13919,13 @@
     <dgm:pt modelId="{D84CAB0F-CAC4-4C19-A439-4521BC5B98CC}" type="pres">
       <dgm:prSet presAssocID="{39531711-70F5-42A4-8003-2C8EDE5FC487}" presName="box" presStyleLbl="node1" presStyleIdx="1" presStyleCnt="2"/>
       <dgm:spPr/>
+      <dgm:t>
+        <a:bodyPr/>
+        <a:lstStyle/>
+        <a:p>
+          <a:endParaRPr lang="de-DE"/>
+        </a:p>
+      </dgm:t>
     </dgm:pt>
     <dgm:pt modelId="{D5BD41F2-F281-4C71-949A-F49A5975D9D7}" type="pres">
       <dgm:prSet presAssocID="{39531711-70F5-42A4-8003-2C8EDE5FC487}" presName="img" presStyleLbl="fgImgPlace1" presStyleIdx="1" presStyleCnt="2"/>
@@ -14821,28 +13946,35 @@
         </dgm:presLayoutVars>
       </dgm:prSet>
       <dgm:spPr/>
+      <dgm:t>
+        <a:bodyPr/>
+        <a:lstStyle/>
+        <a:p>
+          <a:endParaRPr lang="de-DE"/>
+        </a:p>
+      </dgm:t>
     </dgm:pt>
   </dgm:ptLst>
   <dgm:cxnLst>
+    <dgm:cxn modelId="{9A44EEE9-0E7A-4901-8710-477C9FD24AB8}" srcId="{88CEE1F0-9F26-4668-A25F-239372C15B74}" destId="{50AA1D8F-4E44-4B80-AB79-8A3C44D3DFB6}" srcOrd="0" destOrd="0" parTransId="{05104481-24C3-4F8A-BCC3-4AFCC8AE82B6}" sibTransId="{0F023E33-8AD0-4818-AB44-514415287CF2}"/>
+    <dgm:cxn modelId="{7B116A38-18A1-4DD3-89BD-DB370D438A3A}" type="presOf" srcId="{97A7D68A-C2E9-4590-8AAB-E477BDB2640F}" destId="{E4696379-3908-443C-A155-431FC64BBD4B}" srcOrd="1" destOrd="2" presId="urn:microsoft.com/office/officeart/2005/8/layout/vList4"/>
+    <dgm:cxn modelId="{6BE1F718-28EE-4CE1-8ECA-F83B8D5BFE25}" type="presOf" srcId="{50AA1D8F-4E44-4B80-AB79-8A3C44D3DFB6}" destId="{7BE1C042-7D71-499A-9925-70D82D341E74}" srcOrd="0" destOrd="0" presId="urn:microsoft.com/office/officeart/2005/8/layout/vList4"/>
+    <dgm:cxn modelId="{2C898C59-501A-45BE-B2AF-CB760DD0499C}" type="presOf" srcId="{E3D30A3A-E000-4381-AB93-03D42486AE02}" destId="{A1316316-904E-481F-9EB3-301C6B4B373E}" srcOrd="1" destOrd="2" presId="urn:microsoft.com/office/officeart/2005/8/layout/vList4"/>
+    <dgm:cxn modelId="{918EBC4C-AE37-41C9-9083-985921B226D4}" srcId="{88CEE1F0-9F26-4668-A25F-239372C15B74}" destId="{39531711-70F5-42A4-8003-2C8EDE5FC487}" srcOrd="1" destOrd="0" parTransId="{5CD30523-B2E9-49A9-83F0-98B08D36C2CC}" sibTransId="{C57216AC-118D-4D07-A06C-D86D10CD01E2}"/>
+    <dgm:cxn modelId="{691E445E-CDB8-4AFE-913F-1E8D6047409F}" type="presOf" srcId="{4AA659DC-7AF9-4A93-8285-AB23B427A45A}" destId="{E4696379-3908-443C-A155-431FC64BBD4B}" srcOrd="1" destOrd="1" presId="urn:microsoft.com/office/officeart/2005/8/layout/vList4"/>
+    <dgm:cxn modelId="{0D14AD7F-217D-4239-AC77-275E56E9BB10}" type="presOf" srcId="{39531711-70F5-42A4-8003-2C8EDE5FC487}" destId="{A1316316-904E-481F-9EB3-301C6B4B373E}" srcOrd="1" destOrd="0" presId="urn:microsoft.com/office/officeart/2005/8/layout/vList4"/>
+    <dgm:cxn modelId="{E7DD3940-FB69-42DD-B47E-B1A50D996006}" type="presOf" srcId="{D964C9AB-864F-4621-B10A-932C5C3BDF2C}" destId="{D84CAB0F-CAC4-4C19-A439-4521BC5B98CC}" srcOrd="0" destOrd="1" presId="urn:microsoft.com/office/officeart/2005/8/layout/vList4"/>
+    <dgm:cxn modelId="{5E548BEF-FCFD-4DB6-ACB9-EABA2CB614F4}" srcId="{50AA1D8F-4E44-4B80-AB79-8A3C44D3DFB6}" destId="{97A7D68A-C2E9-4590-8AAB-E477BDB2640F}" srcOrd="1" destOrd="0" parTransId="{6B5CE22F-1D11-4F21-B652-3F3CADDE374F}" sibTransId="{7314E9A1-5AF0-4B0B-BB54-692E434AF837}"/>
     <dgm:cxn modelId="{5F81428F-9C38-4295-898F-6F3564A160B9}" srcId="{39531711-70F5-42A4-8003-2C8EDE5FC487}" destId="{E3D30A3A-E000-4381-AB93-03D42486AE02}" srcOrd="1" destOrd="0" parTransId="{4B3F0584-111A-49D4-8B29-7DCEAB2ADBE3}" sibTransId="{E03C19A4-C91F-4874-B8CB-2521C3808A4D}"/>
+    <dgm:cxn modelId="{667AF4EF-58A4-4DEA-AD78-FAFDE9D148EB}" type="presOf" srcId="{E3D30A3A-E000-4381-AB93-03D42486AE02}" destId="{D84CAB0F-CAC4-4C19-A439-4521BC5B98CC}" srcOrd="0" destOrd="2" presId="urn:microsoft.com/office/officeart/2005/8/layout/vList4"/>
+    <dgm:cxn modelId="{23793E76-18ED-46CB-A104-E93EDD1FFE47}" type="presOf" srcId="{88CEE1F0-9F26-4668-A25F-239372C15B74}" destId="{17C261C4-BDB4-4D53-A68F-0DBD45BF76B7}" srcOrd="0" destOrd="0" presId="urn:microsoft.com/office/officeart/2005/8/layout/vList4"/>
+    <dgm:cxn modelId="{98D1C03F-0653-47E4-8209-422C0247DAFA}" srcId="{50AA1D8F-4E44-4B80-AB79-8A3C44D3DFB6}" destId="{4AA659DC-7AF9-4A93-8285-AB23B427A45A}" srcOrd="0" destOrd="0" parTransId="{A1096A60-42AF-47AA-8787-BD441BFAE0C2}" sibTransId="{913B2C7A-1EFD-45C7-B7F5-938ED79ACF5F}"/>
+    <dgm:cxn modelId="{54A6890E-9106-45F6-8533-A8C7B98726EF}" type="presOf" srcId="{97A7D68A-C2E9-4590-8AAB-E477BDB2640F}" destId="{7BE1C042-7D71-499A-9925-70D82D341E74}" srcOrd="0" destOrd="2" presId="urn:microsoft.com/office/officeart/2005/8/layout/vList4"/>
     <dgm:cxn modelId="{D55AA87B-3B02-43D9-83D8-FD06754E7013}" type="presOf" srcId="{4AA659DC-7AF9-4A93-8285-AB23B427A45A}" destId="{7BE1C042-7D71-499A-9925-70D82D341E74}" srcOrd="0" destOrd="1" presId="urn:microsoft.com/office/officeart/2005/8/layout/vList4"/>
     <dgm:cxn modelId="{EA1CDA26-448A-427B-A6AA-DDA03940649B}" type="presOf" srcId="{39531711-70F5-42A4-8003-2C8EDE5FC487}" destId="{D84CAB0F-CAC4-4C19-A439-4521BC5B98CC}" srcOrd="0" destOrd="0" presId="urn:microsoft.com/office/officeart/2005/8/layout/vList4"/>
-    <dgm:cxn modelId="{667AF4EF-58A4-4DEA-AD78-FAFDE9D148EB}" type="presOf" srcId="{E3D30A3A-E000-4381-AB93-03D42486AE02}" destId="{D84CAB0F-CAC4-4C19-A439-4521BC5B98CC}" srcOrd="0" destOrd="2" presId="urn:microsoft.com/office/officeart/2005/8/layout/vList4"/>
+    <dgm:cxn modelId="{E1881AE2-623E-4BDA-8051-04F3D29EC1D6}" type="presOf" srcId="{50AA1D8F-4E44-4B80-AB79-8A3C44D3DFB6}" destId="{E4696379-3908-443C-A155-431FC64BBD4B}" srcOrd="1" destOrd="0" presId="urn:microsoft.com/office/officeart/2005/8/layout/vList4"/>
+    <dgm:cxn modelId="{BC31512E-CFD8-4A4B-8AAF-17AFD5C2C5D8}" type="presOf" srcId="{D964C9AB-864F-4621-B10A-932C5C3BDF2C}" destId="{A1316316-904E-481F-9EB3-301C6B4B373E}" srcOrd="1" destOrd="1" presId="urn:microsoft.com/office/officeart/2005/8/layout/vList4"/>
     <dgm:cxn modelId="{D937C30B-7B76-46EE-BA44-4F22B506B7C6}" srcId="{39531711-70F5-42A4-8003-2C8EDE5FC487}" destId="{D964C9AB-864F-4621-B10A-932C5C3BDF2C}" srcOrd="0" destOrd="0" parTransId="{95A56EB5-E718-4883-8D5D-F3C847EFBB12}" sibTransId="{3490B4EE-A7CE-4919-951E-162C4F0001D8}"/>
-    <dgm:cxn modelId="{6BE1F718-28EE-4CE1-8ECA-F83B8D5BFE25}" type="presOf" srcId="{50AA1D8F-4E44-4B80-AB79-8A3C44D3DFB6}" destId="{7BE1C042-7D71-499A-9925-70D82D341E74}" srcOrd="0" destOrd="0" presId="urn:microsoft.com/office/officeart/2005/8/layout/vList4"/>
-    <dgm:cxn modelId="{E7DD3940-FB69-42DD-B47E-B1A50D996006}" type="presOf" srcId="{D964C9AB-864F-4621-B10A-932C5C3BDF2C}" destId="{D84CAB0F-CAC4-4C19-A439-4521BC5B98CC}" srcOrd="0" destOrd="1" presId="urn:microsoft.com/office/officeart/2005/8/layout/vList4"/>
-    <dgm:cxn modelId="{5E548BEF-FCFD-4DB6-ACB9-EABA2CB614F4}" srcId="{50AA1D8F-4E44-4B80-AB79-8A3C44D3DFB6}" destId="{97A7D68A-C2E9-4590-8AAB-E477BDB2640F}" srcOrd="1" destOrd="0" parTransId="{6B5CE22F-1D11-4F21-B652-3F3CADDE374F}" sibTransId="{7314E9A1-5AF0-4B0B-BB54-692E434AF837}"/>
-    <dgm:cxn modelId="{98D1C03F-0653-47E4-8209-422C0247DAFA}" srcId="{50AA1D8F-4E44-4B80-AB79-8A3C44D3DFB6}" destId="{4AA659DC-7AF9-4A93-8285-AB23B427A45A}" srcOrd="0" destOrd="0" parTransId="{A1096A60-42AF-47AA-8787-BD441BFAE0C2}" sibTransId="{913B2C7A-1EFD-45C7-B7F5-938ED79ACF5F}"/>
-    <dgm:cxn modelId="{2C898C59-501A-45BE-B2AF-CB760DD0499C}" type="presOf" srcId="{E3D30A3A-E000-4381-AB93-03D42486AE02}" destId="{A1316316-904E-481F-9EB3-301C6B4B373E}" srcOrd="1" destOrd="2" presId="urn:microsoft.com/office/officeart/2005/8/layout/vList4"/>
-    <dgm:cxn modelId="{BC31512E-CFD8-4A4B-8AAF-17AFD5C2C5D8}" type="presOf" srcId="{D964C9AB-864F-4621-B10A-932C5C3BDF2C}" destId="{A1316316-904E-481F-9EB3-301C6B4B373E}" srcOrd="1" destOrd="1" presId="urn:microsoft.com/office/officeart/2005/8/layout/vList4"/>
-    <dgm:cxn modelId="{23793E76-18ED-46CB-A104-E93EDD1FFE47}" type="presOf" srcId="{88CEE1F0-9F26-4668-A25F-239372C15B74}" destId="{17C261C4-BDB4-4D53-A68F-0DBD45BF76B7}" srcOrd="0" destOrd="0" presId="urn:microsoft.com/office/officeart/2005/8/layout/vList4"/>
-    <dgm:cxn modelId="{691E445E-CDB8-4AFE-913F-1E8D6047409F}" type="presOf" srcId="{4AA659DC-7AF9-4A93-8285-AB23B427A45A}" destId="{E4696379-3908-443C-A155-431FC64BBD4B}" srcOrd="1" destOrd="1" presId="urn:microsoft.com/office/officeart/2005/8/layout/vList4"/>
-    <dgm:cxn modelId="{7B116A38-18A1-4DD3-89BD-DB370D438A3A}" type="presOf" srcId="{97A7D68A-C2E9-4590-8AAB-E477BDB2640F}" destId="{E4696379-3908-443C-A155-431FC64BBD4B}" srcOrd="1" destOrd="2" presId="urn:microsoft.com/office/officeart/2005/8/layout/vList4"/>
-    <dgm:cxn modelId="{0D14AD7F-217D-4239-AC77-275E56E9BB10}" type="presOf" srcId="{39531711-70F5-42A4-8003-2C8EDE5FC487}" destId="{A1316316-904E-481F-9EB3-301C6B4B373E}" srcOrd="1" destOrd="0" presId="urn:microsoft.com/office/officeart/2005/8/layout/vList4"/>
-    <dgm:cxn modelId="{9A44EEE9-0E7A-4901-8710-477C9FD24AB8}" srcId="{88CEE1F0-9F26-4668-A25F-239372C15B74}" destId="{50AA1D8F-4E44-4B80-AB79-8A3C44D3DFB6}" srcOrd="0" destOrd="0" parTransId="{05104481-24C3-4F8A-BCC3-4AFCC8AE82B6}" sibTransId="{0F023E33-8AD0-4818-AB44-514415287CF2}"/>
-    <dgm:cxn modelId="{54A6890E-9106-45F6-8533-A8C7B98726EF}" type="presOf" srcId="{97A7D68A-C2E9-4590-8AAB-E477BDB2640F}" destId="{7BE1C042-7D71-499A-9925-70D82D341E74}" srcOrd="0" destOrd="2" presId="urn:microsoft.com/office/officeart/2005/8/layout/vList4"/>
-    <dgm:cxn modelId="{E1881AE2-623E-4BDA-8051-04F3D29EC1D6}" type="presOf" srcId="{50AA1D8F-4E44-4B80-AB79-8A3C44D3DFB6}" destId="{E4696379-3908-443C-A155-431FC64BBD4B}" srcOrd="1" destOrd="0" presId="urn:microsoft.com/office/officeart/2005/8/layout/vList4"/>
-    <dgm:cxn modelId="{918EBC4C-AE37-41C9-9083-985921B226D4}" srcId="{88CEE1F0-9F26-4668-A25F-239372C15B74}" destId="{39531711-70F5-42A4-8003-2C8EDE5FC487}" srcOrd="1" destOrd="0" parTransId="{5CD30523-B2E9-49A9-83F0-98B08D36C2CC}" sibTransId="{C57216AC-118D-4D07-A06C-D86D10CD01E2}"/>
     <dgm:cxn modelId="{31FF4ABB-0D80-4758-90C7-BF18FEDFE07D}" type="presParOf" srcId="{17C261C4-BDB4-4D53-A68F-0DBD45BF76B7}" destId="{A2F639E6-B1F5-4341-BD3F-D18F06BAB358}" srcOrd="0" destOrd="0" presId="urn:microsoft.com/office/officeart/2005/8/layout/vList4"/>
     <dgm:cxn modelId="{3A774149-8655-445E-9205-A9C018F5A606}" type="presParOf" srcId="{A2F639E6-B1F5-4341-BD3F-D18F06BAB358}" destId="{7BE1C042-7D71-499A-9925-70D82D341E74}" srcOrd="0" destOrd="0" presId="urn:microsoft.com/office/officeart/2005/8/layout/vList4"/>
     <dgm:cxn modelId="{7E9937C8-03AF-4804-B579-BB0FED1CF5C3}" type="presParOf" srcId="{A2F639E6-B1F5-4341-BD3F-D18F06BAB358}" destId="{B99D193F-836C-434A-B9E0-27D78A906CA8}" srcOrd="1" destOrd="0" presId="urn:microsoft.com/office/officeart/2005/8/layout/vList4"/>
@@ -14863,7 +13995,7 @@
 </dgm:dataModel>
 </file>
 
-<file path=ppt/diagrams/data6.xml><?xml version="1.0" encoding="utf-8"?>
+<file path=ppt/diagrams/data5.xml><?xml version="1.0" encoding="utf-8"?>
 <dgm:dataModel xmlns:dgm="http://schemas.openxmlformats.org/drawingml/2006/diagram" xmlns:a="http://schemas.openxmlformats.org/drawingml/2006/main">
   <dgm:ptLst>
     <dgm:pt modelId="{8AD2D73E-5E4C-4899-A460-151FC3399213}" type="doc">
@@ -14878,13 +14010,18 @@
       </dgm:t>
     </dgm:pt>
     <dgm:pt modelId="{6D2CE709-5F97-4D8C-8267-3D61E708F32B}">
-      <dgm:prSet/>
+      <dgm:prSet custT="1"/>
       <dgm:spPr/>
       <dgm:t>
         <a:bodyPr/>
         <a:lstStyle/>
         <a:p>
-          <a:endParaRPr lang="de-DE" dirty="0"/>
+          <a:pPr algn="ctr"/>
+          <a:r>
+            <a:rPr lang="en-US" sz="3200" dirty="0" smtClean="0"/>
+            <a:t>Oracle SQL Developer Command Line</a:t>
+          </a:r>
+          <a:endParaRPr lang="de-DE" sz="3200" dirty="0"/>
         </a:p>
       </dgm:t>
     </dgm:pt>
@@ -14917,8 +14054,9 @@
         <a:bodyPr/>
         <a:lstStyle/>
         <a:p>
+          <a:pPr algn="l"/>
           <a:r>
-            <a:rPr lang="de-DE" dirty="0"/>
+            <a:rPr lang="de-DE" sz="2900" dirty="0"/>
             <a:t>Moderne Kommandozeile</a:t>
           </a:r>
         </a:p>
@@ -14953,11 +14091,11 @@
         <a:bodyPr/>
         <a:lstStyle/>
         <a:p>
+          <a:pPr algn="l"/>
           <a:r>
-            <a:rPr lang="de-DE"/>
+            <a:rPr lang="de-DE" sz="2900"/>
             <a:t>Produktionsrelease seit September</a:t>
           </a:r>
-          <a:endParaRPr lang="de-DE"/>
         </a:p>
       </dgm:t>
     </dgm:pt>
@@ -14990,11 +14128,11 @@
         <a:bodyPr/>
         <a:lstStyle/>
         <a:p>
+          <a:pPr algn="l"/>
           <a:r>
-            <a:rPr lang="de-DE"/>
+            <a:rPr lang="de-DE" sz="2900"/>
             <a:t>In zukünftigen DB-Releases enthalten</a:t>
           </a:r>
-          <a:endParaRPr lang="de-DE"/>
         </a:p>
       </dgm:t>
     </dgm:pt>
@@ -15027,8 +14165,9 @@
         <a:bodyPr/>
         <a:lstStyle/>
         <a:p>
+          <a:pPr algn="l"/>
           <a:r>
-            <a:rPr lang="de-DE" dirty="0"/>
+            <a:rPr lang="de-DE" sz="2900" dirty="0"/>
             <a:t>Das neue SQL*Plus</a:t>
           </a:r>
         </a:p>
@@ -15064,6 +14203,13 @@
         </dgm:presLayoutVars>
       </dgm:prSet>
       <dgm:spPr/>
+      <dgm:t>
+        <a:bodyPr/>
+        <a:lstStyle/>
+        <a:p>
+          <a:endParaRPr lang="de-DE"/>
+        </a:p>
+      </dgm:t>
     </dgm:pt>
     <dgm:pt modelId="{15DCE0AA-BD8A-4DC7-B9B9-5D14A2CDFCB6}" type="pres">
       <dgm:prSet presAssocID="{6D2CE709-5F97-4D8C-8267-3D61E708F32B}" presName="node" presStyleLbl="node1" presStyleIdx="0" presStyleCnt="1" custRadScaleRad="86342">
@@ -15072,20 +14218,27 @@
         </dgm:presLayoutVars>
       </dgm:prSet>
       <dgm:spPr/>
+      <dgm:t>
+        <a:bodyPr/>
+        <a:lstStyle/>
+        <a:p>
+          <a:endParaRPr lang="de-DE"/>
+        </a:p>
+      </dgm:t>
     </dgm:pt>
   </dgm:ptLst>
   <dgm:cxnLst>
-    <dgm:cxn modelId="{47DFBF65-A944-4EEF-88BF-FE535737A882}" type="presOf" srcId="{1E2DE5BF-C4D3-4796-99F9-0891B2ECD2D7}" destId="{15DCE0AA-BD8A-4DC7-B9B9-5D14A2CDFCB6}" srcOrd="0" destOrd="2" presId="urn:microsoft.com/office/officeart/2005/8/layout/cycle2"/>
+    <dgm:cxn modelId="{AA6CD7FD-8E23-48A5-8702-4944ACC682A0}" srcId="{6D2CE709-5F97-4D8C-8267-3D61E708F32B}" destId="{1E2DE5BF-C4D3-4796-99F9-0891B2ECD2D7}" srcOrd="1" destOrd="0" parTransId="{EB3409CE-9D35-4624-BCD5-6239159471D4}" sibTransId="{6220D9C4-4DC1-4D5E-BD03-20333BAE6889}"/>
+    <dgm:cxn modelId="{6EFA8F61-3A72-4B08-B08C-7D82DDE10D56}" type="presOf" srcId="{A93F4AC7-17C5-430E-AFE1-BAE22AADF6B7}" destId="{15DCE0AA-BD8A-4DC7-B9B9-5D14A2CDFCB6}" srcOrd="0" destOrd="4" presId="urn:microsoft.com/office/officeart/2005/8/layout/cycle2"/>
+    <dgm:cxn modelId="{F5937B8A-545B-4BF9-8990-BFABB1FA2683}" srcId="{6D2CE709-5F97-4D8C-8267-3D61E708F32B}" destId="{DA9E50F4-D2A2-4B07-875C-C1D53E24A1B1}" srcOrd="0" destOrd="0" parTransId="{3C2B3C3F-3B50-4506-8BB0-35A1A4BDF351}" sibTransId="{E87F69EB-A7DA-4D5E-921D-D79064755D32}"/>
     <dgm:cxn modelId="{5712CEB7-35DE-429A-A90F-13C80D4DC439}" srcId="{8AD2D73E-5E4C-4899-A460-151FC3399213}" destId="{6D2CE709-5F97-4D8C-8267-3D61E708F32B}" srcOrd="0" destOrd="0" parTransId="{23F330EF-5A60-4BAA-95AB-0AC0337FFF0C}" sibTransId="{7E17C5C4-4926-4A7A-AA11-70BD37EC26C9}"/>
     <dgm:cxn modelId="{88F25A2A-4A4C-4EC5-A0CF-1A65A10B66B8}" type="presOf" srcId="{DA9E50F4-D2A2-4B07-875C-C1D53E24A1B1}" destId="{15DCE0AA-BD8A-4DC7-B9B9-5D14A2CDFCB6}" srcOrd="0" destOrd="1" presId="urn:microsoft.com/office/officeart/2005/8/layout/cycle2"/>
-    <dgm:cxn modelId="{AA6CD7FD-8E23-48A5-8702-4944ACC682A0}" srcId="{6D2CE709-5F97-4D8C-8267-3D61E708F32B}" destId="{1E2DE5BF-C4D3-4796-99F9-0891B2ECD2D7}" srcOrd="1" destOrd="0" parTransId="{EB3409CE-9D35-4624-BCD5-6239159471D4}" sibTransId="{6220D9C4-4DC1-4D5E-BD03-20333BAE6889}"/>
-    <dgm:cxn modelId="{ADB10BDA-0475-4E43-BB07-6529ED5C5D9E}" srcId="{6D2CE709-5F97-4D8C-8267-3D61E708F32B}" destId="{A93F4AC7-17C5-430E-AFE1-BAE22AADF6B7}" srcOrd="3" destOrd="0" parTransId="{EA2FCAE6-6F22-4B24-B8E4-64546D16D6FB}" sibTransId="{5BBC2750-D7B3-4551-8183-BE93343712F4}"/>
-    <dgm:cxn modelId="{6EFA8F61-3A72-4B08-B08C-7D82DDE10D56}" type="presOf" srcId="{A93F4AC7-17C5-430E-AFE1-BAE22AADF6B7}" destId="{15DCE0AA-BD8A-4DC7-B9B9-5D14A2CDFCB6}" srcOrd="0" destOrd="4" presId="urn:microsoft.com/office/officeart/2005/8/layout/cycle2"/>
     <dgm:cxn modelId="{4D97C698-9355-4EB2-BF00-E21028959F9E}" type="presOf" srcId="{6D2CE709-5F97-4D8C-8267-3D61E708F32B}" destId="{15DCE0AA-BD8A-4DC7-B9B9-5D14A2CDFCB6}" srcOrd="0" destOrd="0" presId="urn:microsoft.com/office/officeart/2005/8/layout/cycle2"/>
     <dgm:cxn modelId="{7AD392A1-B052-4B57-B9C5-112E51C48385}" type="presOf" srcId="{8AD2D73E-5E4C-4899-A460-151FC3399213}" destId="{669E5092-B442-4779-81F9-4ED70126F54C}" srcOrd="0" destOrd="0" presId="urn:microsoft.com/office/officeart/2005/8/layout/cycle2"/>
     <dgm:cxn modelId="{61CB3BE0-A5DB-469C-8A44-D2DD014B403B}" srcId="{6D2CE709-5F97-4D8C-8267-3D61E708F32B}" destId="{0DDF1E14-F1B5-43C4-931D-A7985068388F}" srcOrd="2" destOrd="0" parTransId="{1675DB1F-5C86-4B21-B677-49EEAF7D28F1}" sibTransId="{27CB3438-11D1-4D41-82DE-533DA7219B3B}"/>
+    <dgm:cxn modelId="{ADB10BDA-0475-4E43-BB07-6529ED5C5D9E}" srcId="{6D2CE709-5F97-4D8C-8267-3D61E708F32B}" destId="{A93F4AC7-17C5-430E-AFE1-BAE22AADF6B7}" srcOrd="3" destOrd="0" parTransId="{EA2FCAE6-6F22-4B24-B8E4-64546D16D6FB}" sibTransId="{5BBC2750-D7B3-4551-8183-BE93343712F4}"/>
     <dgm:cxn modelId="{48A2F737-CC7D-4BB1-A04B-B3D2603180A0}" type="presOf" srcId="{0DDF1E14-F1B5-43C4-931D-A7985068388F}" destId="{15DCE0AA-BD8A-4DC7-B9B9-5D14A2CDFCB6}" srcOrd="0" destOrd="3" presId="urn:microsoft.com/office/officeart/2005/8/layout/cycle2"/>
-    <dgm:cxn modelId="{F5937B8A-545B-4BF9-8990-BFABB1FA2683}" srcId="{6D2CE709-5F97-4D8C-8267-3D61E708F32B}" destId="{DA9E50F4-D2A2-4B07-875C-C1D53E24A1B1}" srcOrd="0" destOrd="0" parTransId="{3C2B3C3F-3B50-4506-8BB0-35A1A4BDF351}" sibTransId="{E87F69EB-A7DA-4D5E-921D-D79064755D32}"/>
+    <dgm:cxn modelId="{47DFBF65-A944-4EEF-88BF-FE535737A882}" type="presOf" srcId="{1E2DE5BF-C4D3-4796-99F9-0891B2ECD2D7}" destId="{15DCE0AA-BD8A-4DC7-B9B9-5D14A2CDFCB6}" srcOrd="0" destOrd="2" presId="urn:microsoft.com/office/officeart/2005/8/layout/cycle2"/>
     <dgm:cxn modelId="{E541B2B8-0EE1-47E0-8C40-E8EC27F2670C}" type="presParOf" srcId="{669E5092-B442-4779-81F9-4ED70126F54C}" destId="{15DCE0AA-BD8A-4DC7-B9B9-5D14A2CDFCB6}" srcOrd="0" destOrd="0" presId="urn:microsoft.com/office/officeart/2005/8/layout/cycle2"/>
   </dgm:cxnLst>
   <dgm:bg/>
@@ -15098,7 +14251,7 @@
 </dgm:dataModel>
 </file>
 
-<file path=ppt/diagrams/data7.xml><?xml version="1.0" encoding="utf-8"?>
+<file path=ppt/diagrams/data6.xml><?xml version="1.0" encoding="utf-8"?>
 <dgm:dataModel xmlns:dgm="http://schemas.openxmlformats.org/drawingml/2006/diagram" xmlns:a="http://schemas.openxmlformats.org/drawingml/2006/main">
   <dgm:ptLst>
     <dgm:pt modelId="{F2C83DC0-47A6-4639-A3EE-9FD067CACB9E}" type="doc">
@@ -15123,7 +14276,6 @@
             <a:rPr lang="de-DE"/>
             <a:t>sqlplus</a:t>
           </a:r>
-          <a:endParaRPr lang="de-DE"/>
         </a:p>
       </dgm:t>
     </dgm:pt>
@@ -15306,6 +14458,13 @@
         </dgm:presLayoutVars>
       </dgm:prSet>
       <dgm:spPr/>
+      <dgm:t>
+        <a:bodyPr/>
+        <a:lstStyle/>
+        <a:p>
+          <a:endParaRPr lang="de-DE"/>
+        </a:p>
+      </dgm:t>
     </dgm:pt>
     <dgm:pt modelId="{476779F2-93A2-49F4-B084-91F800E6F25F}" type="pres">
       <dgm:prSet presAssocID="{AF9D8C24-2E0A-4481-98DC-A6BC53D73E4B}" presName="composite" presStyleCnt="0"/>
@@ -15339,6 +14498,13 @@
         </dgm:presLayoutVars>
       </dgm:prSet>
       <dgm:spPr/>
+      <dgm:t>
+        <a:bodyPr/>
+        <a:lstStyle/>
+        <a:p>
+          <a:endParaRPr lang="de-DE"/>
+        </a:p>
+      </dgm:t>
     </dgm:pt>
   </dgm:ptLst>
   <dgm:cxnLst>
@@ -15367,7 +14533,7 @@
 </dgm:dataModel>
 </file>
 
-<file path=ppt/diagrams/data8.xml><?xml version="1.0" encoding="utf-8"?>
+<file path=ppt/diagrams/data7.xml><?xml version="1.0" encoding="utf-8"?>
 <dgm:dataModel xmlns:dgm="http://schemas.openxmlformats.org/drawingml/2006/diagram" xmlns:a="http://schemas.openxmlformats.org/drawingml/2006/main">
   <dgm:ptLst>
     <dgm:pt modelId="{EF762BE8-DAB1-45C1-8479-72141ADC0D8A}" type="doc">
@@ -15389,9 +14555,10 @@
         <a:lstStyle/>
         <a:p>
           <a:r>
-            <a:rPr lang="de-DE" dirty="0"/>
-            <a:t>„SQL*Plus“ ++</a:t>
+            <a:rPr lang="de-DE" dirty="0" smtClean="0"/>
+            <a:t>SQL*Plus „plus“</a:t>
           </a:r>
+          <a:endParaRPr lang="de-DE" dirty="0"/>
         </a:p>
       </dgm:t>
     </dgm:pt>
@@ -15540,9 +14707,10 @@
         <a:lstStyle/>
         <a:p>
           <a:r>
-            <a:rPr lang="de-DE" dirty="0"/>
-            <a:t>Flusssteuerung</a:t>
+            <a:rPr lang="de-DE" dirty="0" smtClean="0"/>
+            <a:t>Fluss-steuerung</a:t>
           </a:r>
+          <a:endParaRPr lang="de-DE" dirty="0"/>
         </a:p>
       </dgm:t>
     </dgm:pt>
@@ -15580,6 +14748,13 @@
         </dgm:presLayoutVars>
       </dgm:prSet>
       <dgm:spPr/>
+      <dgm:t>
+        <a:bodyPr/>
+        <a:lstStyle/>
+        <a:p>
+          <a:endParaRPr lang="de-DE"/>
+        </a:p>
+      </dgm:t>
     </dgm:pt>
     <dgm:pt modelId="{D49FDB50-3903-4137-B591-563957A669E0}" type="pres">
       <dgm:prSet presAssocID="{2EE08004-50D5-4AD5-AFD8-AF41F1C20ABC}" presName="hierRoot1" presStyleCnt="0">
@@ -15600,10 +14775,24 @@
         </dgm:presLayoutVars>
       </dgm:prSet>
       <dgm:spPr/>
+      <dgm:t>
+        <a:bodyPr/>
+        <a:lstStyle/>
+        <a:p>
+          <a:endParaRPr lang="de-DE"/>
+        </a:p>
+      </dgm:t>
     </dgm:pt>
     <dgm:pt modelId="{B9D2ECC8-552E-40A1-8B99-AA2BA7A9ABAF}" type="pres">
       <dgm:prSet presAssocID="{2EE08004-50D5-4AD5-AFD8-AF41F1C20ABC}" presName="rootConnector1" presStyleLbl="node1" presStyleIdx="0" presStyleCnt="0"/>
       <dgm:spPr/>
+      <dgm:t>
+        <a:bodyPr/>
+        <a:lstStyle/>
+        <a:p>
+          <a:endParaRPr lang="de-DE"/>
+        </a:p>
+      </dgm:t>
     </dgm:pt>
     <dgm:pt modelId="{D52D998C-9B5B-4A2F-B181-0945DCD7CE94}" type="pres">
       <dgm:prSet presAssocID="{2EE08004-50D5-4AD5-AFD8-AF41F1C20ABC}" presName="hierChild2" presStyleCnt="0"/>
@@ -15632,10 +14821,24 @@
         </dgm:presLayoutVars>
       </dgm:prSet>
       <dgm:spPr/>
+      <dgm:t>
+        <a:bodyPr/>
+        <a:lstStyle/>
+        <a:p>
+          <a:endParaRPr lang="de-DE"/>
+        </a:p>
+      </dgm:t>
     </dgm:pt>
     <dgm:pt modelId="{ED91D5B9-F8DF-4787-8D20-2D7102078CF8}" type="pres">
       <dgm:prSet presAssocID="{899823DA-CB96-4929-9A9F-C2E2E841337E}" presName="rootConnector1" presStyleLbl="node1" presStyleIdx="0" presStyleCnt="0"/>
       <dgm:spPr/>
+      <dgm:t>
+        <a:bodyPr/>
+        <a:lstStyle/>
+        <a:p>
+          <a:endParaRPr lang="de-DE"/>
+        </a:p>
+      </dgm:t>
     </dgm:pt>
     <dgm:pt modelId="{EE3C0AF3-A7DD-4604-A802-81FB4BED45C1}" type="pres">
       <dgm:prSet presAssocID="{899823DA-CB96-4929-9A9F-C2E2E841337E}" presName="hierChild2" presStyleCnt="0"/>
@@ -15664,10 +14867,24 @@
         </dgm:presLayoutVars>
       </dgm:prSet>
       <dgm:spPr/>
+      <dgm:t>
+        <a:bodyPr/>
+        <a:lstStyle/>
+        <a:p>
+          <a:endParaRPr lang="de-DE"/>
+        </a:p>
+      </dgm:t>
     </dgm:pt>
     <dgm:pt modelId="{A52093E5-88CD-4DFF-B67B-B2F7116823E9}" type="pres">
       <dgm:prSet presAssocID="{08CF3908-7C13-4F45-AF77-F8F0D25F0786}" presName="rootConnector1" presStyleLbl="node1" presStyleIdx="0" presStyleCnt="0"/>
       <dgm:spPr/>
+      <dgm:t>
+        <a:bodyPr/>
+        <a:lstStyle/>
+        <a:p>
+          <a:endParaRPr lang="de-DE"/>
+        </a:p>
+      </dgm:t>
     </dgm:pt>
     <dgm:pt modelId="{9C137ABB-B3DD-4E08-A914-55D57DEEDC3E}" type="pres">
       <dgm:prSet presAssocID="{08CF3908-7C13-4F45-AF77-F8F0D25F0786}" presName="hierChild2" presStyleCnt="0"/>
@@ -15676,6 +14893,13 @@
     <dgm:pt modelId="{C0D1D949-C56E-4366-A229-45A8DDC10DE7}" type="pres">
       <dgm:prSet presAssocID="{995C5BF1-64C9-48C1-96FB-49C315B312AA}" presName="Name37" presStyleLbl="parChTrans1D2" presStyleIdx="0" presStyleCnt="2"/>
       <dgm:spPr/>
+      <dgm:t>
+        <a:bodyPr/>
+        <a:lstStyle/>
+        <a:p>
+          <a:endParaRPr lang="de-DE"/>
+        </a:p>
+      </dgm:t>
     </dgm:pt>
     <dgm:pt modelId="{24847E3F-1A49-42C5-A3B5-2A38F142F1F7}" type="pres">
       <dgm:prSet presAssocID="{F9A507AA-E391-4B3D-B807-FC9D48526AE3}" presName="hierRoot2" presStyleCnt="0">
@@ -15696,10 +14920,24 @@
         </dgm:presLayoutVars>
       </dgm:prSet>
       <dgm:spPr/>
+      <dgm:t>
+        <a:bodyPr/>
+        <a:lstStyle/>
+        <a:p>
+          <a:endParaRPr lang="de-DE"/>
+        </a:p>
+      </dgm:t>
     </dgm:pt>
     <dgm:pt modelId="{47F008CD-A6E5-4E24-A60C-7185E2E7024C}" type="pres">
       <dgm:prSet presAssocID="{F9A507AA-E391-4B3D-B807-FC9D48526AE3}" presName="rootConnector" presStyleLbl="node2" presStyleIdx="0" presStyleCnt="2"/>
       <dgm:spPr/>
+      <dgm:t>
+        <a:bodyPr/>
+        <a:lstStyle/>
+        <a:p>
+          <a:endParaRPr lang="de-DE"/>
+        </a:p>
+      </dgm:t>
     </dgm:pt>
     <dgm:pt modelId="{B12F9C65-1669-43FF-B819-5695F2656FF9}" type="pres">
       <dgm:prSet presAssocID="{F9A507AA-E391-4B3D-B807-FC9D48526AE3}" presName="hierChild4" presStyleCnt="0"/>
@@ -15712,6 +14950,13 @@
     <dgm:pt modelId="{C994E3AD-974F-4428-BF9D-66D7DF65D3FD}" type="pres">
       <dgm:prSet presAssocID="{23811E06-B9E9-44F2-A04D-84AAE6FB6680}" presName="Name37" presStyleLbl="parChTrans1D2" presStyleIdx="1" presStyleCnt="2"/>
       <dgm:spPr/>
+      <dgm:t>
+        <a:bodyPr/>
+        <a:lstStyle/>
+        <a:p>
+          <a:endParaRPr lang="de-DE"/>
+        </a:p>
+      </dgm:t>
     </dgm:pt>
     <dgm:pt modelId="{28B36B9F-0293-4240-A076-1A4BA38AF2D9}" type="pres">
       <dgm:prSet presAssocID="{6DB5FEC2-21BB-47CF-8391-6876294C58ED}" presName="hierRoot2" presStyleCnt="0">
@@ -15732,10 +14977,24 @@
         </dgm:presLayoutVars>
       </dgm:prSet>
       <dgm:spPr/>
+      <dgm:t>
+        <a:bodyPr/>
+        <a:lstStyle/>
+        <a:p>
+          <a:endParaRPr lang="de-DE"/>
+        </a:p>
+      </dgm:t>
     </dgm:pt>
     <dgm:pt modelId="{11963987-49FE-4625-B90E-4285CA557F9D}" type="pres">
       <dgm:prSet presAssocID="{6DB5FEC2-21BB-47CF-8391-6876294C58ED}" presName="rootConnector" presStyleLbl="node2" presStyleIdx="1" presStyleCnt="2"/>
       <dgm:spPr/>
+      <dgm:t>
+        <a:bodyPr/>
+        <a:lstStyle/>
+        <a:p>
+          <a:endParaRPr lang="de-DE"/>
+        </a:p>
+      </dgm:t>
     </dgm:pt>
     <dgm:pt modelId="{8B814658-9725-4A89-9791-1B875B6B6E3C}" type="pres">
       <dgm:prSet presAssocID="{6DB5FEC2-21BB-47CF-8391-6876294C58ED}" presName="hierChild4" presStyleCnt="0"/>
@@ -15812,7 +15071,7 @@
 </dgm:dataModel>
 </file>
 
-<file path=ppt/diagrams/data9.xml><?xml version="1.0" encoding="utf-8"?>
+<file path=ppt/diagrams/data8.xml><?xml version="1.0" encoding="utf-8"?>
 <dgm:dataModel xmlns:dgm="http://schemas.openxmlformats.org/drawingml/2006/diagram" xmlns:a="http://schemas.openxmlformats.org/drawingml/2006/main">
   <dgm:ptLst>
     <dgm:pt modelId="{7E247A59-008E-419A-A44E-29EE95F9DC78}" type="doc">
@@ -15842,13 +15101,10 @@
             <a:t> </a:t>
           </a:r>
           <a:r>
-            <a:rPr lang="de-DE" dirty="0" err="1"/>
+            <a:rPr lang="de-DE" dirty="0" err="1" smtClean="0"/>
             <a:t>Readme</a:t>
           </a:r>
-          <a:r>
-            <a:rPr lang="de-DE" dirty="0"/>
-            <a:t>:</a:t>
-          </a:r>
+          <a:endParaRPr lang="de-DE" dirty="0"/>
         </a:p>
       </dgm:t>
     </dgm:pt>
@@ -15885,7 +15141,6 @@
             <a:rPr lang="de-DE" dirty="0"/>
             <a:t>https://github.com/oracle/oracle-db-tools/blob/master/sqlcl/README.md</a:t>
           </a:r>
-          <a:endParaRPr lang="de-DE" dirty="0"/>
         </a:p>
       </dgm:t>
     </dgm:pt>
@@ -16279,6 +15534,13 @@
         </dgm:presLayoutVars>
       </dgm:prSet>
       <dgm:spPr/>
+      <dgm:t>
+        <a:bodyPr/>
+        <a:lstStyle/>
+        <a:p>
+          <a:endParaRPr lang="de-DE"/>
+        </a:p>
+      </dgm:t>
     </dgm:pt>
     <dgm:pt modelId="{6EC9B571-2AAD-4AC1-B5C9-64DF398C0AEA}" type="pres">
       <dgm:prSet presAssocID="{C3E0E1EE-5798-473D-907B-B686B920B505}" presName="parentText" presStyleLbl="node1" presStyleIdx="0" presStyleCnt="4">
@@ -16288,6 +15550,13 @@
         </dgm:presLayoutVars>
       </dgm:prSet>
       <dgm:spPr/>
+      <dgm:t>
+        <a:bodyPr/>
+        <a:lstStyle/>
+        <a:p>
+          <a:endParaRPr lang="de-DE"/>
+        </a:p>
+      </dgm:t>
     </dgm:pt>
     <dgm:pt modelId="{46ECFA6A-E0E9-41F6-BC27-A0D3A41B681A}" type="pres">
       <dgm:prSet presAssocID="{C3E0E1EE-5798-473D-907B-B686B920B505}" presName="childText" presStyleLbl="revTx" presStyleIdx="0" presStyleCnt="4">
@@ -16296,6 +15565,13 @@
         </dgm:presLayoutVars>
       </dgm:prSet>
       <dgm:spPr/>
+      <dgm:t>
+        <a:bodyPr/>
+        <a:lstStyle/>
+        <a:p>
+          <a:endParaRPr lang="de-DE"/>
+        </a:p>
+      </dgm:t>
     </dgm:pt>
     <dgm:pt modelId="{10BCF072-5126-4E7E-87FE-49252D1F9F0B}" type="pres">
       <dgm:prSet presAssocID="{BBBB4A4D-E8D7-444A-A9B5-6D122C54A65E}" presName="parentText" presStyleLbl="node1" presStyleIdx="1" presStyleCnt="4">
@@ -16305,6 +15581,13 @@
         </dgm:presLayoutVars>
       </dgm:prSet>
       <dgm:spPr/>
+      <dgm:t>
+        <a:bodyPr/>
+        <a:lstStyle/>
+        <a:p>
+          <a:endParaRPr lang="de-DE"/>
+        </a:p>
+      </dgm:t>
     </dgm:pt>
     <dgm:pt modelId="{870592BB-C499-444A-8366-AE0A29609B7B}" type="pres">
       <dgm:prSet presAssocID="{BBBB4A4D-E8D7-444A-A9B5-6D122C54A65E}" presName="childText" presStyleLbl="revTx" presStyleIdx="1" presStyleCnt="4">
@@ -16313,6 +15596,13 @@
         </dgm:presLayoutVars>
       </dgm:prSet>
       <dgm:spPr/>
+      <dgm:t>
+        <a:bodyPr/>
+        <a:lstStyle/>
+        <a:p>
+          <a:endParaRPr lang="de-DE"/>
+        </a:p>
+      </dgm:t>
     </dgm:pt>
     <dgm:pt modelId="{47C85901-5F67-4C2A-BBCD-48BC78EA00D9}" type="pres">
       <dgm:prSet presAssocID="{44BD833A-8D5B-4CFE-A99F-067717C09B18}" presName="parentText" presStyleLbl="node1" presStyleIdx="2" presStyleCnt="4">
@@ -16322,6 +15612,13 @@
         </dgm:presLayoutVars>
       </dgm:prSet>
       <dgm:spPr/>
+      <dgm:t>
+        <a:bodyPr/>
+        <a:lstStyle/>
+        <a:p>
+          <a:endParaRPr lang="de-DE"/>
+        </a:p>
+      </dgm:t>
     </dgm:pt>
     <dgm:pt modelId="{D28AA118-9CC0-4C0B-8DDA-7F25EA87D375}" type="pres">
       <dgm:prSet presAssocID="{44BD833A-8D5B-4CFE-A99F-067717C09B18}" presName="childText" presStyleLbl="revTx" presStyleIdx="2" presStyleCnt="4">
@@ -16330,6 +15627,13 @@
         </dgm:presLayoutVars>
       </dgm:prSet>
       <dgm:spPr/>
+      <dgm:t>
+        <a:bodyPr/>
+        <a:lstStyle/>
+        <a:p>
+          <a:endParaRPr lang="de-DE"/>
+        </a:p>
+      </dgm:t>
     </dgm:pt>
     <dgm:pt modelId="{760C88F2-6D17-466D-9B38-9219D2168D01}" type="pres">
       <dgm:prSet presAssocID="{F855C7E7-A51F-49B6-A2B3-7E6AC3F8F76C}" presName="parentText" presStyleLbl="node1" presStyleIdx="3" presStyleCnt="4">
@@ -16339,6 +15643,13 @@
         </dgm:presLayoutVars>
       </dgm:prSet>
       <dgm:spPr/>
+      <dgm:t>
+        <a:bodyPr/>
+        <a:lstStyle/>
+        <a:p>
+          <a:endParaRPr lang="de-DE"/>
+        </a:p>
+      </dgm:t>
     </dgm:pt>
     <dgm:pt modelId="{230448D9-3172-485A-8975-56C6CDBDF809}" type="pres">
       <dgm:prSet presAssocID="{F855C7E7-A51F-49B6-A2B3-7E6AC3F8F76C}" presName="childText" presStyleLbl="revTx" presStyleIdx="3" presStyleCnt="4">
@@ -16347,34 +15658,41 @@
         </dgm:presLayoutVars>
       </dgm:prSet>
       <dgm:spPr/>
+      <dgm:t>
+        <a:bodyPr/>
+        <a:lstStyle/>
+        <a:p>
+          <a:endParaRPr lang="de-DE"/>
+        </a:p>
+      </dgm:t>
     </dgm:pt>
   </dgm:ptLst>
   <dgm:cxnLst>
-    <dgm:cxn modelId="{C7FDC6DC-7E20-4ABF-92A3-EF504419C9EB}" type="presOf" srcId="{F0ADC228-6EAB-404D-88E2-2E74C7CE12F2}" destId="{46ECFA6A-E0E9-41F6-BC27-A0D3A41B681A}" srcOrd="0" destOrd="0" presId="urn:microsoft.com/office/officeart/2005/8/layout/vList2"/>
+    <dgm:cxn modelId="{86310F84-7646-4282-84AC-D71A56532A20}" srcId="{F855C7E7-A51F-49B6-A2B3-7E6AC3F8F76C}" destId="{0AD89C1C-8DAA-4D7F-9C2E-C361505B697B}" srcOrd="0" destOrd="0" parTransId="{8ECBAABC-A718-41C3-A5DD-8E1288F4DC12}" sibTransId="{D608F9E3-09FC-433D-9ED4-D2D3038F3449}"/>
     <dgm:cxn modelId="{0542BBC6-C412-4CDA-A4A2-BC05D4BA4450}" srcId="{7E247A59-008E-419A-A44E-29EE95F9DC78}" destId="{BBBB4A4D-E8D7-444A-A9B5-6D122C54A65E}" srcOrd="1" destOrd="0" parTransId="{1A86641A-4EF6-4B41-8205-0F2137F2531C}" sibTransId="{560EE5C0-DAC7-4E66-AE24-C14B9707E9C4}"/>
-    <dgm:cxn modelId="{1879BC75-FC1D-4B77-AE4E-B4EB64CC4A6F}" srcId="{0AD89C1C-8DAA-4D7F-9C2E-C361505B697B}" destId="{7A5A026D-84E7-4E34-934C-BBB301DBA672}" srcOrd="1" destOrd="0" parTransId="{A1EEBAEA-1B2E-432B-9D29-7757616CE222}" sibTransId="{974D8936-B1AD-4C46-A562-E695CC00DF71}"/>
-    <dgm:cxn modelId="{09A4A25D-24A1-4577-8B4A-56335F6CF89A}" srcId="{BBBB4A4D-E8D7-444A-A9B5-6D122C54A65E}" destId="{9659240A-A016-4A49-941B-466FEC82D263}" srcOrd="0" destOrd="0" parTransId="{BCE1ECCA-C6E9-4866-B9D7-B07C6E775CD3}" sibTransId="{B621AD7F-A0E9-4957-BD99-83CBED95C76B}"/>
-    <dgm:cxn modelId="{95336632-16F8-4B0D-B15F-71FD5BF53727}" type="presOf" srcId="{0AD89C1C-8DAA-4D7F-9C2E-C361505B697B}" destId="{230448D9-3172-485A-8975-56C6CDBDF809}" srcOrd="0" destOrd="0" presId="urn:microsoft.com/office/officeart/2005/8/layout/vList2"/>
-    <dgm:cxn modelId="{6ED4F8B1-3704-45E8-8A2B-F79B39200A3B}" type="presOf" srcId="{05AD67F5-8C1F-4898-B985-0818DC6737B6}" destId="{D28AA118-9CC0-4C0B-8DDA-7F25EA87D375}" srcOrd="0" destOrd="0" presId="urn:microsoft.com/office/officeart/2005/8/layout/vList2"/>
-    <dgm:cxn modelId="{4E52D671-00C9-40FB-B3CC-5AA1DC9A4071}" type="presOf" srcId="{7A5A026D-84E7-4E34-934C-BBB301DBA672}" destId="{230448D9-3172-485A-8975-56C6CDBDF809}" srcOrd="0" destOrd="2" presId="urn:microsoft.com/office/officeart/2005/8/layout/vList2"/>
-    <dgm:cxn modelId="{000200AC-7506-4383-82D5-783EB8DD2D59}" type="presOf" srcId="{D048F635-AA9E-452C-A576-CF759C7AD44F}" destId="{870592BB-C499-444A-8366-AE0A29609B7B}" srcOrd="0" destOrd="1" presId="urn:microsoft.com/office/officeart/2005/8/layout/vList2"/>
-    <dgm:cxn modelId="{34ECB556-8120-4CC9-9B69-A8305AF92A4F}" srcId="{0AD89C1C-8DAA-4D7F-9C2E-C361505B697B}" destId="{523FD5ED-FB2C-4AA6-BDC2-4BE637BAF059}" srcOrd="0" destOrd="0" parTransId="{6E9FF694-0B42-43A8-8D80-EADE94C87217}" sibTransId="{579A1E41-D3B7-4E0E-BEFA-0FAC15ECD128}"/>
-    <dgm:cxn modelId="{DD0DC879-52E8-4036-9A37-082173C6671F}" srcId="{7E247A59-008E-419A-A44E-29EE95F9DC78}" destId="{F855C7E7-A51F-49B6-A2B3-7E6AC3F8F76C}" srcOrd="3" destOrd="0" parTransId="{1F90EA7A-AB74-4924-862F-B10616F1E058}" sibTransId="{553D0321-A66E-4BAF-B1F4-3BBF5841ABDD}"/>
-    <dgm:cxn modelId="{1F8AF835-6D4F-4AAA-91E1-240C5D11DDB2}" type="presOf" srcId="{F855C7E7-A51F-49B6-A2B3-7E6AC3F8F76C}" destId="{760C88F2-6D17-466D-9B38-9219D2168D01}" srcOrd="0" destOrd="0" presId="urn:microsoft.com/office/officeart/2005/8/layout/vList2"/>
-    <dgm:cxn modelId="{FA4CE600-E846-49F8-824E-CBF264DA2CF9}" type="presOf" srcId="{BBBB4A4D-E8D7-444A-A9B5-6D122C54A65E}" destId="{10BCF072-5126-4E7E-87FE-49252D1F9F0B}" srcOrd="0" destOrd="0" presId="urn:microsoft.com/office/officeart/2005/8/layout/vList2"/>
-    <dgm:cxn modelId="{3A8F517F-DAE0-4E05-8441-AD38D754B666}" srcId="{7E247A59-008E-419A-A44E-29EE95F9DC78}" destId="{C3E0E1EE-5798-473D-907B-B686B920B505}" srcOrd="0" destOrd="0" parTransId="{4F628074-E509-4007-BDE7-4F8BC50044BE}" sibTransId="{3976CA15-F719-4642-BCA5-42D3630C36E7}"/>
-    <dgm:cxn modelId="{D21EF845-EDE1-4A2F-96F9-118F7C468437}" type="presOf" srcId="{523FD5ED-FB2C-4AA6-BDC2-4BE637BAF059}" destId="{230448D9-3172-485A-8975-56C6CDBDF809}" srcOrd="0" destOrd="1" presId="urn:microsoft.com/office/officeart/2005/8/layout/vList2"/>
-    <dgm:cxn modelId="{EC81A86E-CE8E-4F66-9EC8-A7DEB0D77505}" type="presOf" srcId="{44BD833A-8D5B-4CFE-A99F-067717C09B18}" destId="{47C85901-5F67-4C2A-BBCD-48BC78EA00D9}" srcOrd="0" destOrd="0" presId="urn:microsoft.com/office/officeart/2005/8/layout/vList2"/>
-    <dgm:cxn modelId="{66483A7F-BC03-41C6-A8DD-9A3685E42BC8}" srcId="{0AD89C1C-8DAA-4D7F-9C2E-C361505B697B}" destId="{723671E7-B5F9-4453-AE27-B932ABFD0B47}" srcOrd="2" destOrd="0" parTransId="{EED805C9-CF13-4631-8358-90DD9E044A6D}" sibTransId="{D1E63EAE-1F88-4E65-A566-50D784DF517A}"/>
-    <dgm:cxn modelId="{3A67130B-0006-44A0-8967-10556F95FB1C}" type="presOf" srcId="{7E247A59-008E-419A-A44E-29EE95F9DC78}" destId="{7C043A39-CE24-4EB9-9DD1-ADEA51ADBF35}" srcOrd="0" destOrd="0" presId="urn:microsoft.com/office/officeart/2005/8/layout/vList2"/>
-    <dgm:cxn modelId="{86310F84-7646-4282-84AC-D71A56532A20}" srcId="{F855C7E7-A51F-49B6-A2B3-7E6AC3F8F76C}" destId="{0AD89C1C-8DAA-4D7F-9C2E-C361505B697B}" srcOrd="0" destOrd="0" parTransId="{8ECBAABC-A718-41C3-A5DD-8E1288F4DC12}" sibTransId="{D608F9E3-09FC-433D-9ED4-D2D3038F3449}"/>
-    <dgm:cxn modelId="{842249C9-E00E-4206-9065-B075E6F60E16}" srcId="{BBBB4A4D-E8D7-444A-A9B5-6D122C54A65E}" destId="{D048F635-AA9E-452C-A576-CF759C7AD44F}" srcOrd="1" destOrd="0" parTransId="{FA3190EF-742F-42A1-B8A5-847499710FB8}" sibTransId="{BA52D02F-EEE5-4B69-9D35-9AE81EC1085A}"/>
-    <dgm:cxn modelId="{C58A3DCF-37A3-4E22-9DC1-50D93D3F8684}" srcId="{C3E0E1EE-5798-473D-907B-B686B920B505}" destId="{F0ADC228-6EAB-404D-88E2-2E74C7CE12F2}" srcOrd="0" destOrd="0" parTransId="{E4B1AD14-F139-484F-A5EB-806CAD369A5C}" sibTransId="{9B840F1F-3CE9-470F-B807-AE1151F5B992}"/>
     <dgm:cxn modelId="{BDF345FD-8614-43C5-86F4-FD0F1935CC52}" srcId="{7E247A59-008E-419A-A44E-29EE95F9DC78}" destId="{44BD833A-8D5B-4CFE-A99F-067717C09B18}" srcOrd="2" destOrd="0" parTransId="{3DE2C3E1-638D-434D-8729-8A027C093A4E}" sibTransId="{17A85EC2-3614-40C8-AB16-15965733ACF3}"/>
     <dgm:cxn modelId="{F4E421A6-3907-4114-ABBD-64E6382B8D22}" type="presOf" srcId="{9659240A-A016-4A49-941B-466FEC82D263}" destId="{870592BB-C499-444A-8366-AE0A29609B7B}" srcOrd="0" destOrd="0" presId="urn:microsoft.com/office/officeart/2005/8/layout/vList2"/>
+    <dgm:cxn modelId="{3A67130B-0006-44A0-8967-10556F95FB1C}" type="presOf" srcId="{7E247A59-008E-419A-A44E-29EE95F9DC78}" destId="{7C043A39-CE24-4EB9-9DD1-ADEA51ADBF35}" srcOrd="0" destOrd="0" presId="urn:microsoft.com/office/officeart/2005/8/layout/vList2"/>
+    <dgm:cxn modelId="{C58A3DCF-37A3-4E22-9DC1-50D93D3F8684}" srcId="{C3E0E1EE-5798-473D-907B-B686B920B505}" destId="{F0ADC228-6EAB-404D-88E2-2E74C7CE12F2}" srcOrd="0" destOrd="0" parTransId="{E4B1AD14-F139-484F-A5EB-806CAD369A5C}" sibTransId="{9B840F1F-3CE9-470F-B807-AE1151F5B992}"/>
+    <dgm:cxn modelId="{000200AC-7506-4383-82D5-783EB8DD2D59}" type="presOf" srcId="{D048F635-AA9E-452C-A576-CF759C7AD44F}" destId="{870592BB-C499-444A-8366-AE0A29609B7B}" srcOrd="0" destOrd="1" presId="urn:microsoft.com/office/officeart/2005/8/layout/vList2"/>
+    <dgm:cxn modelId="{09A4A25D-24A1-4577-8B4A-56335F6CF89A}" srcId="{BBBB4A4D-E8D7-444A-A9B5-6D122C54A65E}" destId="{9659240A-A016-4A49-941B-466FEC82D263}" srcOrd="0" destOrd="0" parTransId="{BCE1ECCA-C6E9-4866-B9D7-B07C6E775CD3}" sibTransId="{B621AD7F-A0E9-4957-BD99-83CBED95C76B}"/>
+    <dgm:cxn modelId="{C7FDC6DC-7E20-4ABF-92A3-EF504419C9EB}" type="presOf" srcId="{F0ADC228-6EAB-404D-88E2-2E74C7CE12F2}" destId="{46ECFA6A-E0E9-41F6-BC27-A0D3A41B681A}" srcOrd="0" destOrd="0" presId="urn:microsoft.com/office/officeart/2005/8/layout/vList2"/>
+    <dgm:cxn modelId="{95336632-16F8-4B0D-B15F-71FD5BF53727}" type="presOf" srcId="{0AD89C1C-8DAA-4D7F-9C2E-C361505B697B}" destId="{230448D9-3172-485A-8975-56C6CDBDF809}" srcOrd="0" destOrd="0" presId="urn:microsoft.com/office/officeart/2005/8/layout/vList2"/>
     <dgm:cxn modelId="{51495F89-F0C5-427C-A3F0-E45CE497D687}" type="presOf" srcId="{C3E0E1EE-5798-473D-907B-B686B920B505}" destId="{6EC9B571-2AAD-4AC1-B5C9-64DF398C0AEA}" srcOrd="0" destOrd="0" presId="urn:microsoft.com/office/officeart/2005/8/layout/vList2"/>
+    <dgm:cxn modelId="{DD0DC879-52E8-4036-9A37-082173C6671F}" srcId="{7E247A59-008E-419A-A44E-29EE95F9DC78}" destId="{F855C7E7-A51F-49B6-A2B3-7E6AC3F8F76C}" srcOrd="3" destOrd="0" parTransId="{1F90EA7A-AB74-4924-862F-B10616F1E058}" sibTransId="{553D0321-A66E-4BAF-B1F4-3BBF5841ABDD}"/>
+    <dgm:cxn modelId="{3A8F517F-DAE0-4E05-8441-AD38D754B666}" srcId="{7E247A59-008E-419A-A44E-29EE95F9DC78}" destId="{C3E0E1EE-5798-473D-907B-B686B920B505}" srcOrd="0" destOrd="0" parTransId="{4F628074-E509-4007-BDE7-4F8BC50044BE}" sibTransId="{3976CA15-F719-4642-BCA5-42D3630C36E7}"/>
     <dgm:cxn modelId="{3F8BD614-8008-498A-9013-F418D63823FA}" type="presOf" srcId="{723671E7-B5F9-4453-AE27-B932ABFD0B47}" destId="{230448D9-3172-485A-8975-56C6CDBDF809}" srcOrd="0" destOrd="3" presId="urn:microsoft.com/office/officeart/2005/8/layout/vList2"/>
     <dgm:cxn modelId="{6857FE22-3D7F-4706-9A80-430AB8407190}" srcId="{44BD833A-8D5B-4CFE-A99F-067717C09B18}" destId="{05AD67F5-8C1F-4898-B985-0818DC6737B6}" srcOrd="0" destOrd="0" parTransId="{A8467390-8F5A-4241-B77C-1760C44E4BAC}" sibTransId="{E5FF884C-485C-4746-8876-203557FC7612}"/>
+    <dgm:cxn modelId="{1F8AF835-6D4F-4AAA-91E1-240C5D11DDB2}" type="presOf" srcId="{F855C7E7-A51F-49B6-A2B3-7E6AC3F8F76C}" destId="{760C88F2-6D17-466D-9B38-9219D2168D01}" srcOrd="0" destOrd="0" presId="urn:microsoft.com/office/officeart/2005/8/layout/vList2"/>
+    <dgm:cxn modelId="{1879BC75-FC1D-4B77-AE4E-B4EB64CC4A6F}" srcId="{0AD89C1C-8DAA-4D7F-9C2E-C361505B697B}" destId="{7A5A026D-84E7-4E34-934C-BBB301DBA672}" srcOrd="1" destOrd="0" parTransId="{A1EEBAEA-1B2E-432B-9D29-7757616CE222}" sibTransId="{974D8936-B1AD-4C46-A562-E695CC00DF71}"/>
+    <dgm:cxn modelId="{D21EF845-EDE1-4A2F-96F9-118F7C468437}" type="presOf" srcId="{523FD5ED-FB2C-4AA6-BDC2-4BE637BAF059}" destId="{230448D9-3172-485A-8975-56C6CDBDF809}" srcOrd="0" destOrd="1" presId="urn:microsoft.com/office/officeart/2005/8/layout/vList2"/>
+    <dgm:cxn modelId="{4E52D671-00C9-40FB-B3CC-5AA1DC9A4071}" type="presOf" srcId="{7A5A026D-84E7-4E34-934C-BBB301DBA672}" destId="{230448D9-3172-485A-8975-56C6CDBDF809}" srcOrd="0" destOrd="2" presId="urn:microsoft.com/office/officeart/2005/8/layout/vList2"/>
+    <dgm:cxn modelId="{6ED4F8B1-3704-45E8-8A2B-F79B39200A3B}" type="presOf" srcId="{05AD67F5-8C1F-4898-B985-0818DC6737B6}" destId="{D28AA118-9CC0-4C0B-8DDA-7F25EA87D375}" srcOrd="0" destOrd="0" presId="urn:microsoft.com/office/officeart/2005/8/layout/vList2"/>
+    <dgm:cxn modelId="{EC81A86E-CE8E-4F66-9EC8-A7DEB0D77505}" type="presOf" srcId="{44BD833A-8D5B-4CFE-A99F-067717C09B18}" destId="{47C85901-5F67-4C2A-BBCD-48BC78EA00D9}" srcOrd="0" destOrd="0" presId="urn:microsoft.com/office/officeart/2005/8/layout/vList2"/>
+    <dgm:cxn modelId="{34ECB556-8120-4CC9-9B69-A8305AF92A4F}" srcId="{0AD89C1C-8DAA-4D7F-9C2E-C361505B697B}" destId="{523FD5ED-FB2C-4AA6-BDC2-4BE637BAF059}" srcOrd="0" destOrd="0" parTransId="{6E9FF694-0B42-43A8-8D80-EADE94C87217}" sibTransId="{579A1E41-D3B7-4E0E-BEFA-0FAC15ECD128}"/>
+    <dgm:cxn modelId="{FA4CE600-E846-49F8-824E-CBF264DA2CF9}" type="presOf" srcId="{BBBB4A4D-E8D7-444A-A9B5-6D122C54A65E}" destId="{10BCF072-5126-4E7E-87FE-49252D1F9F0B}" srcOrd="0" destOrd="0" presId="urn:microsoft.com/office/officeart/2005/8/layout/vList2"/>
+    <dgm:cxn modelId="{842249C9-E00E-4206-9065-B075E6F60E16}" srcId="{BBBB4A4D-E8D7-444A-A9B5-6D122C54A65E}" destId="{D048F635-AA9E-452C-A576-CF759C7AD44F}" srcOrd="1" destOrd="0" parTransId="{FA3190EF-742F-42A1-B8A5-847499710FB8}" sibTransId="{BA52D02F-EEE5-4B69-9D35-9AE81EC1085A}"/>
+    <dgm:cxn modelId="{66483A7F-BC03-41C6-A8DD-9A3685E42BC8}" srcId="{0AD89C1C-8DAA-4D7F-9C2E-C361505B697B}" destId="{723671E7-B5F9-4453-AE27-B932ABFD0B47}" srcOrd="2" destOrd="0" parTransId="{EED805C9-CF13-4631-8358-90DD9E044A6D}" sibTransId="{D1E63EAE-1F88-4E65-A566-50D784DF517A}"/>
     <dgm:cxn modelId="{1608781F-A093-4037-871A-437F37C3CF49}" type="presParOf" srcId="{7C043A39-CE24-4EB9-9DD1-ADEA51ADBF35}" destId="{6EC9B571-2AAD-4AC1-B5C9-64DF398C0AEA}" srcOrd="0" destOrd="0" presId="urn:microsoft.com/office/officeart/2005/8/layout/vList2"/>
     <dgm:cxn modelId="{2112706A-A43F-4883-A48C-8BC676E5CD2F}" type="presParOf" srcId="{7C043A39-CE24-4EB9-9DD1-ADEA51ADBF35}" destId="{46ECFA6A-E0E9-41F6-BC27-A0D3A41B681A}" srcOrd="1" destOrd="0" presId="urn:microsoft.com/office/officeart/2005/8/layout/vList2"/>
     <dgm:cxn modelId="{B2D942F5-17F9-480C-B9EA-2B0334CEC6C8}" type="presParOf" srcId="{7C043A39-CE24-4EB9-9DD1-ADEA51ADBF35}" destId="{10BCF072-5126-4E7E-87FE-49252D1F9F0B}" srcOrd="2" destOrd="0" presId="urn:microsoft.com/office/officeart/2005/8/layout/vList2"/>
@@ -16383,6 +15701,105 @@
     <dgm:cxn modelId="{1194F6CE-869C-4209-90D9-F3234EA57B2C}" type="presParOf" srcId="{7C043A39-CE24-4EB9-9DD1-ADEA51ADBF35}" destId="{D28AA118-9CC0-4C0B-8DDA-7F25EA87D375}" srcOrd="5" destOrd="0" presId="urn:microsoft.com/office/officeart/2005/8/layout/vList2"/>
     <dgm:cxn modelId="{A3E1A2D7-4A2A-4035-B75F-1518A29EA4E2}" type="presParOf" srcId="{7C043A39-CE24-4EB9-9DD1-ADEA51ADBF35}" destId="{760C88F2-6D17-466D-9B38-9219D2168D01}" srcOrd="6" destOrd="0" presId="urn:microsoft.com/office/officeart/2005/8/layout/vList2"/>
     <dgm:cxn modelId="{B26F4A5D-94A3-4930-9429-7303E2CA4A1B}" type="presParOf" srcId="{7C043A39-CE24-4EB9-9DD1-ADEA51ADBF35}" destId="{230448D9-3172-485A-8975-56C6CDBDF809}" srcOrd="7" destOrd="0" presId="urn:microsoft.com/office/officeart/2005/8/layout/vList2"/>
+  </dgm:cxnLst>
+  <dgm:bg/>
+  <dgm:whole/>
+  <dgm:extLst>
+    <a:ext uri="http://schemas.microsoft.com/office/drawing/2008/diagram">
+      <dsp:dataModelExt xmlns:dsp="http://schemas.microsoft.com/office/drawing/2008/diagram" relId="rId7" minVer="http://schemas.openxmlformats.org/drawingml/2006/diagram"/>
+    </a:ext>
+  </dgm:extLst>
+</dgm:dataModel>
+</file>
+
+<file path=ppt/diagrams/data9.xml><?xml version="1.0" encoding="utf-8"?>
+<dgm:dataModel xmlns:dgm="http://schemas.openxmlformats.org/drawingml/2006/diagram" xmlns:a="http://schemas.openxmlformats.org/drawingml/2006/main">
+  <dgm:ptLst>
+    <dgm:pt modelId="{7E247A59-008E-419A-A44E-29EE95F9DC78}" type="doc">
+      <dgm:prSet loTypeId="urn:microsoft.com/office/officeart/2005/8/layout/vList2" loCatId="list" qsTypeId="urn:microsoft.com/office/officeart/2005/8/quickstyle/simple1" qsCatId="simple" csTypeId="urn:microsoft.com/office/officeart/2005/8/colors/accent1_2" csCatId="accent1" phldr="1"/>
+      <dgm:spPr/>
+      <dgm:t>
+        <a:bodyPr/>
+        <a:lstStyle/>
+        <a:p>
+          <a:endParaRPr lang="de-DE"/>
+        </a:p>
+      </dgm:t>
+    </dgm:pt>
+    <dgm:pt modelId="{C3E0E1EE-5798-473D-907B-B686B920B505}">
+      <dgm:prSet/>
+      <dgm:spPr/>
+      <dgm:t>
+        <a:bodyPr/>
+        <a:lstStyle/>
+        <a:p>
+          <a:r>
+            <a:rPr lang="de-DE" dirty="0"/>
+            <a:t>DEMO</a:t>
+          </a:r>
+        </a:p>
+      </dgm:t>
+    </dgm:pt>
+    <dgm:pt modelId="{4F628074-E509-4007-BDE7-4F8BC50044BE}" type="parTrans" cxnId="{3A8F517F-DAE0-4E05-8441-AD38D754B666}">
+      <dgm:prSet/>
+      <dgm:spPr/>
+      <dgm:t>
+        <a:bodyPr/>
+        <a:lstStyle/>
+        <a:p>
+          <a:endParaRPr lang="de-DE"/>
+        </a:p>
+      </dgm:t>
+    </dgm:pt>
+    <dgm:pt modelId="{3976CA15-F719-4642-BCA5-42D3630C36E7}" type="sibTrans" cxnId="{3A8F517F-DAE0-4E05-8441-AD38D754B666}">
+      <dgm:prSet/>
+      <dgm:spPr/>
+      <dgm:t>
+        <a:bodyPr/>
+        <a:lstStyle/>
+        <a:p>
+          <a:endParaRPr lang="de-DE"/>
+        </a:p>
+      </dgm:t>
+    </dgm:pt>
+    <dgm:pt modelId="{7C043A39-CE24-4EB9-9DD1-ADEA51ADBF35}" type="pres">
+      <dgm:prSet presAssocID="{7E247A59-008E-419A-A44E-29EE95F9DC78}" presName="linear" presStyleCnt="0">
+        <dgm:presLayoutVars>
+          <dgm:animLvl val="lvl"/>
+          <dgm:resizeHandles val="exact"/>
+        </dgm:presLayoutVars>
+      </dgm:prSet>
+      <dgm:spPr/>
+      <dgm:t>
+        <a:bodyPr/>
+        <a:lstStyle/>
+        <a:p>
+          <a:endParaRPr lang="de-DE"/>
+        </a:p>
+      </dgm:t>
+    </dgm:pt>
+    <dgm:pt modelId="{6EC9B571-2AAD-4AC1-B5C9-64DF398C0AEA}" type="pres">
+      <dgm:prSet presAssocID="{C3E0E1EE-5798-473D-907B-B686B920B505}" presName="parentText" presStyleLbl="node1" presStyleIdx="0" presStyleCnt="1">
+        <dgm:presLayoutVars>
+          <dgm:chMax val="0"/>
+          <dgm:bulletEnabled val="1"/>
+        </dgm:presLayoutVars>
+      </dgm:prSet>
+      <dgm:spPr/>
+      <dgm:t>
+        <a:bodyPr/>
+        <a:lstStyle/>
+        <a:p>
+          <a:endParaRPr lang="de-DE"/>
+        </a:p>
+      </dgm:t>
+    </dgm:pt>
+  </dgm:ptLst>
+  <dgm:cxnLst>
+    <dgm:cxn modelId="{3A67130B-0006-44A0-8967-10556F95FB1C}" type="presOf" srcId="{7E247A59-008E-419A-A44E-29EE95F9DC78}" destId="{7C043A39-CE24-4EB9-9DD1-ADEA51ADBF35}" srcOrd="0" destOrd="0" presId="urn:microsoft.com/office/officeart/2005/8/layout/vList2"/>
+    <dgm:cxn modelId="{51495F89-F0C5-427C-A3F0-E45CE497D687}" type="presOf" srcId="{C3E0E1EE-5798-473D-907B-B686B920B505}" destId="{6EC9B571-2AAD-4AC1-B5C9-64DF398C0AEA}" srcOrd="0" destOrd="0" presId="urn:microsoft.com/office/officeart/2005/8/layout/vList2"/>
+    <dgm:cxn modelId="{3A8F517F-DAE0-4E05-8441-AD38D754B666}" srcId="{7E247A59-008E-419A-A44E-29EE95F9DC78}" destId="{C3E0E1EE-5798-473D-907B-B686B920B505}" srcOrd="0" destOrd="0" parTransId="{4F628074-E509-4007-BDE7-4F8BC50044BE}" sibTransId="{3976CA15-F719-4642-BCA5-42D3630C36E7}"/>
+    <dgm:cxn modelId="{1608781F-A093-4037-871A-437F37C3CF49}" type="presParOf" srcId="{7C043A39-CE24-4EB9-9DD1-ADEA51ADBF35}" destId="{6EC9B571-2AAD-4AC1-B5C9-64DF398C0AEA}" srcOrd="0" destOrd="0" presId="urn:microsoft.com/office/officeart/2005/8/layout/vList2"/>
   </dgm:cxnLst>
   <dgm:bg/>
   <dgm:whole/>
@@ -16469,7 +15886,7 @@
             <a:spcAft>
               <a:spcPct val="15000"/>
             </a:spcAft>
-            <a:buChar char="•"/>
+            <a:buChar char="••"/>
           </a:pPr>
           <a:r>
             <a:rPr lang="de-DE" sz="2500" kern="1200" dirty="0"/>
@@ -16552,7 +15969,7 @@
         </a:bodyPr>
         <a:lstStyle/>
         <a:p>
-          <a:pPr marL="0" lvl="0" indent="0" algn="ctr" defTabSz="2044700" rtl="0">
+          <a:pPr lvl="0" algn="ctr" defTabSz="2044700" rtl="0">
             <a:lnSpc>
               <a:spcPct val="90000"/>
             </a:lnSpc>
@@ -16562,7 +15979,6 @@
             <a:spcAft>
               <a:spcPct val="35000"/>
             </a:spcAft>
-            <a:buNone/>
           </a:pPr>
           <a:r>
             <a:rPr lang="de-DE" sz="4600" kern="1200" dirty="0"/>
@@ -16642,7 +16058,7 @@
             <a:spcAft>
               <a:spcPct val="15000"/>
             </a:spcAft>
-            <a:buChar char="•"/>
+            <a:buChar char="••"/>
           </a:pPr>
           <a:r>
             <a:rPr lang="de-DE" sz="2500" kern="1200" dirty="0"/>
@@ -16660,7 +16076,7 @@
             <a:spcAft>
               <a:spcPct val="15000"/>
             </a:spcAft>
-            <a:buChar char="•"/>
+            <a:buChar char="••"/>
           </a:pPr>
           <a:r>
             <a:rPr lang="de-DE" sz="2500" kern="1200" dirty="0"/>
@@ -16728,7 +16144,7 @@
         </a:bodyPr>
         <a:lstStyle/>
         <a:p>
-          <a:pPr marL="0" lvl="0" indent="0" algn="ctr" defTabSz="2044700">
+          <a:pPr lvl="0" algn="ctr" defTabSz="2044700">
             <a:lnSpc>
               <a:spcPct val="90000"/>
             </a:lnSpc>
@@ -16738,7 +16154,6 @@
             <a:spcAft>
               <a:spcPct val="35000"/>
             </a:spcAft>
-            <a:buNone/>
           </a:pPr>
           <a:r>
             <a:rPr lang="de-DE" sz="4600" kern="1200"/>
@@ -16818,7 +16233,7 @@
             <a:spcAft>
               <a:spcPct val="15000"/>
             </a:spcAft>
-            <a:buChar char="•"/>
+            <a:buChar char="••"/>
           </a:pPr>
           <a:r>
             <a:rPr lang="de-DE" sz="2500" kern="1200" dirty="0"/>
@@ -16893,7 +16308,7 @@
         </a:bodyPr>
         <a:lstStyle/>
         <a:p>
-          <a:pPr marL="0" lvl="0" indent="0" algn="ctr" defTabSz="2044700" rtl="0">
+          <a:pPr lvl="0" algn="ctr" defTabSz="2044700" rtl="0">
             <a:lnSpc>
               <a:spcPct val="90000"/>
             </a:lnSpc>
@@ -16903,7 +16318,6 @@
             <a:spcAft>
               <a:spcPct val="35000"/>
             </a:spcAft>
-            <a:buNone/>
           </a:pPr>
           <a:r>
             <a:rPr lang="de-DE" sz="4600" kern="1200" dirty="0"/>
@@ -16983,7 +16397,7 @@
         </a:bodyPr>
         <a:lstStyle/>
         <a:p>
-          <a:pPr marL="0" lvl="0" indent="0" algn="l" defTabSz="2889250">
+          <a:pPr lvl="0" algn="l" defTabSz="2889250">
             <a:lnSpc>
               <a:spcPct val="90000"/>
             </a:lnSpc>
@@ -16993,7 +16407,6 @@
             <a:spcAft>
               <a:spcPct val="35000"/>
             </a:spcAft>
-            <a:buNone/>
           </a:pPr>
           <a:r>
             <a:rPr lang="de-DE" sz="6500" kern="1200" dirty="0"/>
@@ -17073,7 +16486,7 @@
         </a:bodyPr>
         <a:lstStyle/>
         <a:p>
-          <a:pPr marL="0" lvl="0" indent="0" algn="l" defTabSz="2889250">
+          <a:pPr lvl="0" algn="l" defTabSz="2889250">
             <a:lnSpc>
               <a:spcPct val="90000"/>
             </a:lnSpc>
@@ -17083,7 +16496,6 @@
             <a:spcAft>
               <a:spcPct val="35000"/>
             </a:spcAft>
-            <a:buNone/>
           </a:pPr>
           <a:r>
             <a:rPr lang="de-DE" sz="6500" kern="1200" dirty="0"/>
@@ -17101,6 +16513,155 @@
 </file>
 
 <file path=ppt/diagrams/drawing12.xml><?xml version="1.0" encoding="utf-8"?>
+<dsp:drawing xmlns:dgm="http://schemas.openxmlformats.org/drawingml/2006/diagram" xmlns:dsp="http://schemas.microsoft.com/office/drawing/2008/diagram" xmlns:a="http://schemas.openxmlformats.org/drawingml/2006/main">
+  <dsp:spTree>
+    <dsp:nvGrpSpPr>
+      <dsp:cNvPr id="0" name=""/>
+      <dsp:cNvGrpSpPr/>
+    </dsp:nvGrpSpPr>
+    <dsp:grpSpPr/>
+    <dsp:sp modelId="{6EC9B571-2AAD-4AC1-B5C9-64DF398C0AEA}">
+      <dsp:nvSpPr>
+        <dsp:cNvPr id="0" name=""/>
+        <dsp:cNvSpPr/>
+      </dsp:nvSpPr>
+      <dsp:spPr>
+        <a:xfrm>
+          <a:off x="0" y="992099"/>
+          <a:ext cx="10515600" cy="1559025"/>
+        </a:xfrm>
+        <a:prstGeom prst="roundRect">
+          <a:avLst/>
+        </a:prstGeom>
+        <a:solidFill>
+          <a:schemeClr val="accent1">
+            <a:hueOff val="0"/>
+            <a:satOff val="0"/>
+            <a:lumOff val="0"/>
+            <a:alphaOff val="0"/>
+          </a:schemeClr>
+        </a:solidFill>
+        <a:ln w="12700" cap="flat" cmpd="sng" algn="ctr">
+          <a:solidFill>
+            <a:schemeClr val="lt1">
+              <a:hueOff val="0"/>
+              <a:satOff val="0"/>
+              <a:lumOff val="0"/>
+              <a:alphaOff val="0"/>
+            </a:schemeClr>
+          </a:solidFill>
+          <a:prstDash val="solid"/>
+          <a:miter lim="800000"/>
+        </a:ln>
+        <a:effectLst/>
+      </dsp:spPr>
+      <dsp:style>
+        <a:lnRef idx="2">
+          <a:scrgbClr r="0" g="0" b="0"/>
+        </a:lnRef>
+        <a:fillRef idx="1">
+          <a:scrgbClr r="0" g="0" b="0"/>
+        </a:fillRef>
+        <a:effectRef idx="0">
+          <a:scrgbClr r="0" g="0" b="0"/>
+        </a:effectRef>
+        <a:fontRef idx="minor">
+          <a:schemeClr val="lt1"/>
+        </a:fontRef>
+      </dsp:style>
+      <dsp:txBody>
+        <a:bodyPr spcFirstLastPara="0" vert="horz" wrap="square" lIns="247650" tIns="247650" rIns="247650" bIns="247650" numCol="1" spcCol="1270" anchor="ctr" anchorCtr="0">
+          <a:noAutofit/>
+        </a:bodyPr>
+        <a:lstStyle/>
+        <a:p>
+          <a:pPr lvl="0" algn="l" defTabSz="2889250">
+            <a:lnSpc>
+              <a:spcPct val="90000"/>
+            </a:lnSpc>
+            <a:spcBef>
+              <a:spcPct val="0"/>
+            </a:spcBef>
+            <a:spcAft>
+              <a:spcPct val="35000"/>
+            </a:spcAft>
+          </a:pPr>
+          <a:r>
+            <a:rPr lang="de-DE" sz="6500" kern="1200" dirty="0"/>
+            <a:t>DEMO</a:t>
+          </a:r>
+        </a:p>
+      </dsp:txBody>
+      <dsp:txXfrm>
+        <a:off x="76105" y="1068204"/>
+        <a:ext cx="10363390" cy="1406815"/>
+      </dsp:txXfrm>
+    </dsp:sp>
+    <dsp:sp modelId="{0D635367-230C-4CCF-BD5E-72E7F8933CB7}">
+      <dsp:nvSpPr>
+        <dsp:cNvPr id="0" name=""/>
+        <dsp:cNvSpPr/>
+      </dsp:nvSpPr>
+      <dsp:spPr>
+        <a:xfrm>
+          <a:off x="0" y="2551125"/>
+          <a:ext cx="10515600" cy="1076400"/>
+        </a:xfrm>
+        <a:prstGeom prst="rect">
+          <a:avLst/>
+        </a:prstGeom>
+        <a:noFill/>
+        <a:ln>
+          <a:noFill/>
+        </a:ln>
+        <a:effectLst/>
+      </dsp:spPr>
+      <dsp:style>
+        <a:lnRef idx="0">
+          <a:scrgbClr r="0" g="0" b="0"/>
+        </a:lnRef>
+        <a:fillRef idx="0">
+          <a:scrgbClr r="0" g="0" b="0"/>
+        </a:fillRef>
+        <a:effectRef idx="0">
+          <a:scrgbClr r="0" g="0" b="0"/>
+        </a:effectRef>
+        <a:fontRef idx="minor"/>
+      </dsp:style>
+      <dsp:txBody>
+        <a:bodyPr spcFirstLastPara="0" vert="horz" wrap="square" lIns="333870" tIns="82550" rIns="462280" bIns="82550" numCol="1" spcCol="1270" anchor="t" anchorCtr="0">
+          <a:noAutofit/>
+        </a:bodyPr>
+        <a:lstStyle/>
+        <a:p>
+          <a:pPr marL="285750" lvl="1" indent="-285750" algn="l" defTabSz="2266950">
+            <a:lnSpc>
+              <a:spcPct val="90000"/>
+            </a:lnSpc>
+            <a:spcBef>
+              <a:spcPct val="0"/>
+            </a:spcBef>
+            <a:spcAft>
+              <a:spcPct val="20000"/>
+            </a:spcAft>
+            <a:buChar char="••"/>
+          </a:pPr>
+          <a:r>
+            <a:rPr lang="de-DE" sz="5100" kern="1200" dirty="0"/>
+            <a:t> 03 Arrays.js</a:t>
+          </a:r>
+        </a:p>
+      </dsp:txBody>
+      <dsp:txXfrm>
+        <a:off x="0" y="2551125"/>
+        <a:ext cx="10515600" cy="1076400"/>
+      </dsp:txXfrm>
+    </dsp:sp>
+  </dsp:spTree>
+</dsp:drawing>
+</file>
+
+<file path=ppt/diagrams/drawing13.xml><?xml version="1.0" encoding="utf-8"?>
 <dsp:drawing xmlns:dgm="http://schemas.openxmlformats.org/drawingml/2006/diagram" xmlns:dsp="http://schemas.microsoft.com/office/drawing/2008/diagram" xmlns:a="http://schemas.openxmlformats.org/drawingml/2006/main">
   <dsp:spTree>
     <dsp:nvGrpSpPr>
@@ -17163,7 +16724,7 @@
         </a:bodyPr>
         <a:lstStyle/>
         <a:p>
-          <a:pPr marL="0" lvl="0" indent="0" algn="l" defTabSz="2889250">
+          <a:pPr lvl="0" algn="l" defTabSz="2889250">
             <a:lnSpc>
               <a:spcPct val="90000"/>
             </a:lnSpc>
@@ -17173,7 +16734,6 @@
             <a:spcAft>
               <a:spcPct val="35000"/>
             </a:spcAft>
-            <a:buNone/>
           </a:pPr>
           <a:r>
             <a:rPr lang="de-DE" sz="6500" kern="1200" dirty="0"/>
@@ -17184,156 +16744,6 @@
       <dsp:txXfrm>
         <a:off x="76105" y="1606404"/>
         <a:ext cx="10363390" cy="1406815"/>
-      </dsp:txXfrm>
-    </dsp:sp>
-  </dsp:spTree>
-</dsp:drawing>
-</file>
-
-<file path=ppt/diagrams/drawing13.xml><?xml version="1.0" encoding="utf-8"?>
-<dsp:drawing xmlns:dgm="http://schemas.openxmlformats.org/drawingml/2006/diagram" xmlns:dsp="http://schemas.microsoft.com/office/drawing/2008/diagram" xmlns:a="http://schemas.openxmlformats.org/drawingml/2006/main">
-  <dsp:spTree>
-    <dsp:nvGrpSpPr>
-      <dsp:cNvPr id="0" name=""/>
-      <dsp:cNvGrpSpPr/>
-    </dsp:nvGrpSpPr>
-    <dsp:grpSpPr/>
-    <dsp:sp modelId="{6EC9B571-2AAD-4AC1-B5C9-64DF398C0AEA}">
-      <dsp:nvSpPr>
-        <dsp:cNvPr id="0" name=""/>
-        <dsp:cNvSpPr/>
-      </dsp:nvSpPr>
-      <dsp:spPr>
-        <a:xfrm>
-          <a:off x="0" y="992099"/>
-          <a:ext cx="10515600" cy="1559025"/>
-        </a:xfrm>
-        <a:prstGeom prst="roundRect">
-          <a:avLst/>
-        </a:prstGeom>
-        <a:solidFill>
-          <a:schemeClr val="accent1">
-            <a:hueOff val="0"/>
-            <a:satOff val="0"/>
-            <a:lumOff val="0"/>
-            <a:alphaOff val="0"/>
-          </a:schemeClr>
-        </a:solidFill>
-        <a:ln w="12700" cap="flat" cmpd="sng" algn="ctr">
-          <a:solidFill>
-            <a:schemeClr val="lt1">
-              <a:hueOff val="0"/>
-              <a:satOff val="0"/>
-              <a:lumOff val="0"/>
-              <a:alphaOff val="0"/>
-            </a:schemeClr>
-          </a:solidFill>
-          <a:prstDash val="solid"/>
-          <a:miter lim="800000"/>
-        </a:ln>
-        <a:effectLst/>
-      </dsp:spPr>
-      <dsp:style>
-        <a:lnRef idx="2">
-          <a:scrgbClr r="0" g="0" b="0"/>
-        </a:lnRef>
-        <a:fillRef idx="1">
-          <a:scrgbClr r="0" g="0" b="0"/>
-        </a:fillRef>
-        <a:effectRef idx="0">
-          <a:scrgbClr r="0" g="0" b="0"/>
-        </a:effectRef>
-        <a:fontRef idx="minor">
-          <a:schemeClr val="lt1"/>
-        </a:fontRef>
-      </dsp:style>
-      <dsp:txBody>
-        <a:bodyPr spcFirstLastPara="0" vert="horz" wrap="square" lIns="247650" tIns="247650" rIns="247650" bIns="247650" numCol="1" spcCol="1270" anchor="ctr" anchorCtr="0">
-          <a:noAutofit/>
-        </a:bodyPr>
-        <a:lstStyle/>
-        <a:p>
-          <a:pPr marL="0" lvl="0" indent="0" algn="l" defTabSz="2889250">
-            <a:lnSpc>
-              <a:spcPct val="90000"/>
-            </a:lnSpc>
-            <a:spcBef>
-              <a:spcPct val="0"/>
-            </a:spcBef>
-            <a:spcAft>
-              <a:spcPct val="35000"/>
-            </a:spcAft>
-            <a:buNone/>
-          </a:pPr>
-          <a:r>
-            <a:rPr lang="de-DE" sz="6500" kern="1200" dirty="0"/>
-            <a:t>DEMO</a:t>
-          </a:r>
-        </a:p>
-      </dsp:txBody>
-      <dsp:txXfrm>
-        <a:off x="76105" y="1068204"/>
-        <a:ext cx="10363390" cy="1406815"/>
-      </dsp:txXfrm>
-    </dsp:sp>
-    <dsp:sp modelId="{0D635367-230C-4CCF-BD5E-72E7F8933CB7}">
-      <dsp:nvSpPr>
-        <dsp:cNvPr id="0" name=""/>
-        <dsp:cNvSpPr/>
-      </dsp:nvSpPr>
-      <dsp:spPr>
-        <a:xfrm>
-          <a:off x="0" y="2551125"/>
-          <a:ext cx="10515600" cy="1076400"/>
-        </a:xfrm>
-        <a:prstGeom prst="rect">
-          <a:avLst/>
-        </a:prstGeom>
-        <a:noFill/>
-        <a:ln>
-          <a:noFill/>
-        </a:ln>
-        <a:effectLst/>
-      </dsp:spPr>
-      <dsp:style>
-        <a:lnRef idx="0">
-          <a:scrgbClr r="0" g="0" b="0"/>
-        </a:lnRef>
-        <a:fillRef idx="0">
-          <a:scrgbClr r="0" g="0" b="0"/>
-        </a:fillRef>
-        <a:effectRef idx="0">
-          <a:scrgbClr r="0" g="0" b="0"/>
-        </a:effectRef>
-        <a:fontRef idx="minor"/>
-      </dsp:style>
-      <dsp:txBody>
-        <a:bodyPr spcFirstLastPara="0" vert="horz" wrap="square" lIns="333870" tIns="82550" rIns="462280" bIns="82550" numCol="1" spcCol="1270" anchor="t" anchorCtr="0">
-          <a:noAutofit/>
-        </a:bodyPr>
-        <a:lstStyle/>
-        <a:p>
-          <a:pPr marL="285750" lvl="1" indent="-285750" algn="l" defTabSz="2266950">
-            <a:lnSpc>
-              <a:spcPct val="90000"/>
-            </a:lnSpc>
-            <a:spcBef>
-              <a:spcPct val="0"/>
-            </a:spcBef>
-            <a:spcAft>
-              <a:spcPct val="20000"/>
-            </a:spcAft>
-            <a:buChar char="•"/>
-          </a:pPr>
-          <a:r>
-            <a:rPr lang="de-DE" sz="5100" kern="1200" dirty="0"/>
-            <a:t> 03 Arrays.js</a:t>
-          </a:r>
-        </a:p>
-      </dsp:txBody>
-      <dsp:txXfrm>
-        <a:off x="0" y="2551125"/>
-        <a:ext cx="10515600" cy="1076400"/>
       </dsp:txXfrm>
     </dsp:sp>
   </dsp:spTree>
@@ -17403,7 +16813,7 @@
         </a:bodyPr>
         <a:lstStyle/>
         <a:p>
-          <a:pPr marL="0" lvl="0" indent="0" algn="l" defTabSz="2889250">
+          <a:pPr lvl="0" algn="l" defTabSz="2889250">
             <a:lnSpc>
               <a:spcPct val="90000"/>
             </a:lnSpc>
@@ -17413,7 +16823,6 @@
             <a:spcAft>
               <a:spcPct val="35000"/>
             </a:spcAft>
-            <a:buNone/>
           </a:pPr>
           <a:r>
             <a:rPr lang="de-DE" sz="6500" kern="1200" dirty="0"/>
@@ -17431,96 +16840,6 @@
 </file>
 
 <file path=ppt/diagrams/drawing15.xml><?xml version="1.0" encoding="utf-8"?>
-<dsp:drawing xmlns:dgm="http://schemas.openxmlformats.org/drawingml/2006/diagram" xmlns:dsp="http://schemas.microsoft.com/office/drawing/2008/diagram" xmlns:a="http://schemas.openxmlformats.org/drawingml/2006/main">
-  <dsp:spTree>
-    <dsp:nvGrpSpPr>
-      <dsp:cNvPr id="0" name=""/>
-      <dsp:cNvGrpSpPr/>
-    </dsp:nvGrpSpPr>
-    <dsp:grpSpPr/>
-    <dsp:sp modelId="{6EC9B571-2AAD-4AC1-B5C9-64DF398C0AEA}">
-      <dsp:nvSpPr>
-        <dsp:cNvPr id="0" name=""/>
-        <dsp:cNvSpPr/>
-      </dsp:nvSpPr>
-      <dsp:spPr>
-        <a:xfrm>
-          <a:off x="0" y="1530299"/>
-          <a:ext cx="10515600" cy="1559025"/>
-        </a:xfrm>
-        <a:prstGeom prst="roundRect">
-          <a:avLst/>
-        </a:prstGeom>
-        <a:solidFill>
-          <a:schemeClr val="accent1">
-            <a:hueOff val="0"/>
-            <a:satOff val="0"/>
-            <a:lumOff val="0"/>
-            <a:alphaOff val="0"/>
-          </a:schemeClr>
-        </a:solidFill>
-        <a:ln w="12700" cap="flat" cmpd="sng" algn="ctr">
-          <a:solidFill>
-            <a:schemeClr val="lt1">
-              <a:hueOff val="0"/>
-              <a:satOff val="0"/>
-              <a:lumOff val="0"/>
-              <a:alphaOff val="0"/>
-            </a:schemeClr>
-          </a:solidFill>
-          <a:prstDash val="solid"/>
-          <a:miter lim="800000"/>
-        </a:ln>
-        <a:effectLst/>
-      </dsp:spPr>
-      <dsp:style>
-        <a:lnRef idx="2">
-          <a:scrgbClr r="0" g="0" b="0"/>
-        </a:lnRef>
-        <a:fillRef idx="1">
-          <a:scrgbClr r="0" g="0" b="0"/>
-        </a:fillRef>
-        <a:effectRef idx="0">
-          <a:scrgbClr r="0" g="0" b="0"/>
-        </a:effectRef>
-        <a:fontRef idx="minor">
-          <a:schemeClr val="lt1"/>
-        </a:fontRef>
-      </dsp:style>
-      <dsp:txBody>
-        <a:bodyPr spcFirstLastPara="0" vert="horz" wrap="square" lIns="247650" tIns="247650" rIns="247650" bIns="247650" numCol="1" spcCol="1270" anchor="ctr" anchorCtr="0">
-          <a:noAutofit/>
-        </a:bodyPr>
-        <a:lstStyle/>
-        <a:p>
-          <a:pPr marL="0" lvl="0" indent="0" algn="l" defTabSz="2889250">
-            <a:lnSpc>
-              <a:spcPct val="90000"/>
-            </a:lnSpc>
-            <a:spcBef>
-              <a:spcPct val="0"/>
-            </a:spcBef>
-            <a:spcAft>
-              <a:spcPct val="35000"/>
-            </a:spcAft>
-            <a:buNone/>
-          </a:pPr>
-          <a:r>
-            <a:rPr lang="de-DE" sz="6500" kern="1200" dirty="0"/>
-            <a:t>DEMO</a:t>
-          </a:r>
-        </a:p>
-      </dsp:txBody>
-      <dsp:txXfrm>
-        <a:off x="76105" y="1606404"/>
-        <a:ext cx="10363390" cy="1406815"/>
-      </dsp:txXfrm>
-    </dsp:sp>
-  </dsp:spTree>
-</dsp:drawing>
-</file>
-
-<file path=ppt/diagrams/drawing16.xml><?xml version="1.0" encoding="utf-8"?>
 <dsp:drawing xmlns:dgm="http://schemas.openxmlformats.org/drawingml/2006/diagram" xmlns:dsp="http://schemas.microsoft.com/office/drawing/2008/diagram" xmlns:a="http://schemas.openxmlformats.org/drawingml/2006/main">
   <dsp:spTree>
     <dsp:nvGrpSpPr>
@@ -17678,7 +16997,7 @@
         </a:bodyPr>
         <a:lstStyle/>
         <a:p>
-          <a:pPr marL="0" lvl="0" indent="0" algn="ctr" defTabSz="1377950">
+          <a:pPr lvl="0" algn="ctr" defTabSz="1377950">
             <a:lnSpc>
               <a:spcPct val="90000"/>
             </a:lnSpc>
@@ -17688,7 +17007,6 @@
             <a:spcAft>
               <a:spcPct val="35000"/>
             </a:spcAft>
-            <a:buNone/>
           </a:pPr>
           <a:r>
             <a:rPr lang="de-DE" sz="3100" kern="1200" dirty="0"/>
@@ -17777,7 +17095,7 @@
         </a:bodyPr>
         <a:lstStyle/>
         <a:p>
-          <a:pPr marL="0" lvl="0" indent="0" algn="ctr" defTabSz="889000">
+          <a:pPr lvl="0" algn="ctr" defTabSz="889000">
             <a:lnSpc>
               <a:spcPct val="90000"/>
             </a:lnSpc>
@@ -17787,7 +17105,6 @@
             <a:spcAft>
               <a:spcPct val="35000"/>
             </a:spcAft>
-            <a:buNone/>
           </a:pPr>
           <a:r>
             <a:rPr lang="de-DE" sz="2000" kern="1200" dirty="0"/>
@@ -17876,7 +17193,7 @@
         </a:bodyPr>
         <a:lstStyle/>
         <a:p>
-          <a:pPr marL="0" lvl="0" indent="0" algn="ctr" defTabSz="889000">
+          <a:pPr lvl="0" algn="ctr" defTabSz="889000">
             <a:lnSpc>
               <a:spcPct val="90000"/>
             </a:lnSpc>
@@ -17886,7 +17203,6 @@
             <a:spcAft>
               <a:spcPct val="35000"/>
             </a:spcAft>
-            <a:buNone/>
           </a:pPr>
           <a:r>
             <a:rPr lang="de-DE" sz="2000" kern="1200" dirty="0" err="1"/>
@@ -17979,7 +17295,7 @@
         </a:bodyPr>
         <a:lstStyle/>
         <a:p>
-          <a:pPr marL="0" lvl="0" indent="0" algn="ctr" defTabSz="889000">
+          <a:pPr lvl="0" algn="ctr" defTabSz="889000">
             <a:lnSpc>
               <a:spcPct val="90000"/>
             </a:lnSpc>
@@ -17989,13 +17305,11 @@
             <a:spcAft>
               <a:spcPct val="35000"/>
             </a:spcAft>
-            <a:buNone/>
           </a:pPr>
           <a:r>
             <a:rPr lang="de-DE" sz="2000" kern="1200"/>
             <a:t>Großes Potential vorhanden</a:t>
           </a:r>
-          <a:endParaRPr lang="de-DE" sz="2000" kern="1200"/>
         </a:p>
       </dsp:txBody>
       <dsp:txXfrm>
@@ -18156,7 +17470,7 @@
         </a:bodyPr>
         <a:lstStyle/>
         <a:p>
-          <a:pPr marL="0" lvl="0" indent="0" algn="l" defTabSz="755650">
+          <a:pPr lvl="0" algn="l" defTabSz="755650">
             <a:lnSpc>
               <a:spcPct val="90000"/>
             </a:lnSpc>
@@ -18166,7 +17480,6 @@
             <a:spcAft>
               <a:spcPct val="35000"/>
             </a:spcAft>
-            <a:buNone/>
           </a:pPr>
           <a:r>
             <a:rPr lang="de-DE" sz="1700" kern="1200" dirty="0"/>
@@ -18276,7 +17589,7 @@
         </a:bodyPr>
         <a:lstStyle/>
         <a:p>
-          <a:pPr marL="0" lvl="0" indent="0" algn="l" defTabSz="755650">
+          <a:pPr lvl="0" algn="l" defTabSz="755650">
             <a:lnSpc>
               <a:spcPct val="90000"/>
             </a:lnSpc>
@@ -18286,7 +17599,6 @@
             <a:spcAft>
               <a:spcPct val="35000"/>
             </a:spcAft>
-            <a:buNone/>
           </a:pPr>
           <a:r>
             <a:rPr lang="de-DE" sz="1700" kern="1200" dirty="0"/>
@@ -18391,7 +17703,7 @@
         </a:bodyPr>
         <a:lstStyle/>
         <a:p>
-          <a:pPr marL="0" lvl="0" indent="0" algn="l" defTabSz="755650">
+          <a:pPr lvl="0" algn="l" defTabSz="755650">
             <a:lnSpc>
               <a:spcPct val="90000"/>
             </a:lnSpc>
@@ -18401,11 +17713,14 @@
             <a:spcAft>
               <a:spcPct val="35000"/>
             </a:spcAft>
-            <a:buNone/>
           </a:pPr>
           <a:r>
             <a:rPr lang="de-DE" sz="1700" kern="1200" dirty="0" err="1"/>
             <a:t>Robert.Marz</a:t>
+          </a:r>
+          <a:r>
+            <a:rPr lang="de-DE" sz="1700" kern="1200" dirty="0"/>
+            <a:t/>
           </a:r>
           <a:br>
             <a:rPr lang="de-DE" sz="1700" kern="1200" dirty="0"/>
@@ -18500,7 +17815,7 @@
             <a:spcAft>
               <a:spcPct val="15000"/>
             </a:spcAft>
-            <a:buChar char="•"/>
+            <a:buChar char="••"/>
           </a:pPr>
           <a:r>
             <a:rPr lang="de-DE" sz="2500" kern="1200" dirty="0">
@@ -18611,7 +17926,7 @@
         </a:bodyPr>
         <a:lstStyle/>
         <a:p>
-          <a:pPr marL="0" lvl="0" indent="0" algn="ctr" defTabSz="2044700" rtl="0">
+          <a:pPr lvl="0" algn="ctr" defTabSz="2044700" rtl="0">
             <a:lnSpc>
               <a:spcPct val="90000"/>
             </a:lnSpc>
@@ -18621,7 +17936,6 @@
             <a:spcAft>
               <a:spcPct val="35000"/>
             </a:spcAft>
-            <a:buNone/>
           </a:pPr>
           <a:r>
             <a:rPr lang="de-DE" sz="4600" kern="1200" dirty="0"/>
@@ -18701,7 +18015,7 @@
             <a:spcAft>
               <a:spcPct val="15000"/>
             </a:spcAft>
-            <a:buChar char="•"/>
+            <a:buChar char="••"/>
           </a:pPr>
           <a:r>
             <a:rPr lang="de-DE" sz="2500" kern="1200" dirty="0"/>
@@ -18719,7 +18033,7 @@
             <a:spcAft>
               <a:spcPct val="15000"/>
             </a:spcAft>
-            <a:buChar char="•"/>
+            <a:buChar char="••"/>
           </a:pPr>
           <a:r>
             <a:rPr lang="de-DE" sz="2500" kern="1200" dirty="0">
@@ -18799,7 +18113,7 @@
         </a:bodyPr>
         <a:lstStyle/>
         <a:p>
-          <a:pPr marL="0" lvl="0" indent="0" algn="ctr" defTabSz="2044700">
+          <a:pPr lvl="0" algn="ctr" defTabSz="2044700">
             <a:lnSpc>
               <a:spcPct val="90000"/>
             </a:lnSpc>
@@ -18809,7 +18123,6 @@
             <a:spcAft>
               <a:spcPct val="35000"/>
             </a:spcAft>
-            <a:buNone/>
           </a:pPr>
           <a:r>
             <a:rPr lang="de-DE" sz="4600" kern="1200"/>
@@ -18889,7 +18202,7 @@
             <a:spcAft>
               <a:spcPct val="15000"/>
             </a:spcAft>
-            <a:buChar char="•"/>
+            <a:buChar char="••"/>
           </a:pPr>
           <a:r>
             <a:rPr lang="de-DE" sz="2500" kern="1200" dirty="0">
@@ -18973,7 +18286,7 @@
         </a:bodyPr>
         <a:lstStyle/>
         <a:p>
-          <a:pPr marL="0" lvl="0" indent="0" algn="ctr" defTabSz="2044700" rtl="0">
+          <a:pPr lvl="0" algn="ctr" defTabSz="2044700" rtl="0">
             <a:lnSpc>
               <a:spcPct val="90000"/>
             </a:lnSpc>
@@ -18983,7 +18296,6 @@
             <a:spcAft>
               <a:spcPct val="35000"/>
             </a:spcAft>
-            <a:buNone/>
           </a:pPr>
           <a:r>
             <a:rPr lang="de-DE" sz="4600" kern="1200" dirty="0"/>
@@ -19001,391 +18313,6 @@
 </file>
 
 <file path=ppt/diagrams/drawing4.xml><?xml version="1.0" encoding="utf-8"?>
-<dsp:drawing xmlns:dgm="http://schemas.openxmlformats.org/drawingml/2006/diagram" xmlns:dsp="http://schemas.microsoft.com/office/drawing/2008/diagram" xmlns:a="http://schemas.openxmlformats.org/drawingml/2006/main">
-  <dsp:spTree>
-    <dsp:nvGrpSpPr>
-      <dsp:cNvPr id="0" name=""/>
-      <dsp:cNvGrpSpPr/>
-    </dsp:nvGrpSpPr>
-    <dsp:grpSpPr/>
-    <dsp:sp modelId="{5806C7C0-FCA0-477E-B56D-7444B67D22CB}">
-      <dsp:nvSpPr>
-        <dsp:cNvPr id="0" name=""/>
-        <dsp:cNvSpPr/>
-      </dsp:nvSpPr>
-      <dsp:spPr>
-        <a:xfrm>
-          <a:off x="0" y="456673"/>
-          <a:ext cx="1150790" cy="1150790"/>
-        </a:xfrm>
-        <a:prstGeom prst="ellipse">
-          <a:avLst/>
-        </a:prstGeom>
-        <a:blipFill dpi="0" rotWithShape="1">
-          <a:blip xmlns:r="http://schemas.openxmlformats.org/officeDocument/2006/relationships" r:embed="rId1">
-            <a:extLst>
-              <a:ext uri="{28A0092B-C50C-407E-A947-70E740481C1C}">
-                <a14:useLocalDpi xmlns:a14="http://schemas.microsoft.com/office/drawing/2010/main" val="0"/>
-              </a:ext>
-            </a:extLst>
-          </a:blip>
-          <a:srcRect/>
-          <a:stretch>
-            <a:fillRect l="914" t="20564" r="914" b="20564"/>
-          </a:stretch>
-        </a:blipFill>
-        <a:ln w="12700" cap="flat" cmpd="sng" algn="ctr">
-          <a:solidFill>
-            <a:schemeClr val="lt1">
-              <a:hueOff val="0"/>
-              <a:satOff val="0"/>
-              <a:lumOff val="0"/>
-              <a:alphaOff val="0"/>
-            </a:schemeClr>
-          </a:solidFill>
-          <a:prstDash val="solid"/>
-          <a:miter lim="800000"/>
-        </a:ln>
-        <a:effectLst/>
-      </dsp:spPr>
-      <dsp:style>
-        <a:lnRef idx="2">
-          <a:scrgbClr r="0" g="0" b="0"/>
-        </a:lnRef>
-        <a:fillRef idx="1">
-          <a:scrgbClr r="0" g="0" b="0"/>
-        </a:fillRef>
-        <a:effectRef idx="0">
-          <a:scrgbClr r="0" g="0" b="0"/>
-        </a:effectRef>
-        <a:fontRef idx="minor">
-          <a:schemeClr val="lt1"/>
-        </a:fontRef>
-      </dsp:style>
-    </dsp:sp>
-    <dsp:sp modelId="{CA9E9B4E-52E5-47F9-94AC-66CAA402F9F8}">
-      <dsp:nvSpPr>
-        <dsp:cNvPr id="0" name=""/>
-        <dsp:cNvSpPr/>
-      </dsp:nvSpPr>
-      <dsp:spPr>
-        <a:xfrm>
-          <a:off x="1150790" y="453796"/>
-          <a:ext cx="1726185" cy="1150790"/>
-        </a:xfrm>
-        <a:prstGeom prst="rect">
-          <a:avLst/>
-        </a:prstGeom>
-        <a:noFill/>
-        <a:ln>
-          <a:noFill/>
-        </a:ln>
-        <a:effectLst/>
-      </dsp:spPr>
-      <dsp:style>
-        <a:lnRef idx="0">
-          <a:scrgbClr r="0" g="0" b="0"/>
-        </a:lnRef>
-        <a:fillRef idx="0">
-          <a:scrgbClr r="0" g="0" b="0"/>
-        </a:fillRef>
-        <a:effectRef idx="0">
-          <a:scrgbClr r="0" g="0" b="0"/>
-        </a:effectRef>
-        <a:fontRef idx="minor"/>
-      </dsp:style>
-      <dsp:txBody>
-        <a:bodyPr spcFirstLastPara="0" vert="horz" wrap="square" lIns="68580" tIns="68580" rIns="68580" bIns="68580" numCol="1" spcCol="1270" anchor="ctr" anchorCtr="0">
-          <a:noAutofit/>
-        </a:bodyPr>
-        <a:lstStyle/>
-        <a:p>
-          <a:pPr marL="0" lvl="0" indent="0" algn="l" defTabSz="800100">
-            <a:lnSpc>
-              <a:spcPct val="90000"/>
-            </a:lnSpc>
-            <a:spcBef>
-              <a:spcPct val="0"/>
-            </a:spcBef>
-            <a:spcAft>
-              <a:spcPct val="35000"/>
-            </a:spcAft>
-            <a:buNone/>
-          </a:pPr>
-          <a:r>
-            <a:rPr lang="de-DE" sz="1800" kern="1200" dirty="0"/>
-            <a:t>@</a:t>
-          </a:r>
-          <a:r>
-            <a:rPr lang="de-DE" sz="1800" kern="1200" dirty="0" err="1"/>
-            <a:t>oraesque</a:t>
-          </a:r>
-          <a:endParaRPr lang="de-DE" sz="1800" kern="1200" dirty="0"/>
-        </a:p>
-      </dsp:txBody>
-      <dsp:txXfrm>
-        <a:off x="1150790" y="453796"/>
-        <a:ext cx="1726185" cy="1150790"/>
-      </dsp:txXfrm>
-    </dsp:sp>
-    <dsp:sp modelId="{94E7FD82-9311-4F29-8E71-FE0B28E22F1E}">
-      <dsp:nvSpPr>
-        <dsp:cNvPr id="0" name=""/>
-        <dsp:cNvSpPr/>
-      </dsp:nvSpPr>
-      <dsp:spPr>
-        <a:xfrm>
-          <a:off x="3164672" y="456673"/>
-          <a:ext cx="1150790" cy="1150790"/>
-        </a:xfrm>
-        <a:prstGeom prst="ellipse">
-          <a:avLst/>
-        </a:prstGeom>
-        <a:blipFill dpi="0" rotWithShape="1">
-          <a:blip xmlns:r="http://schemas.openxmlformats.org/officeDocument/2006/relationships" r:embed="rId2">
-            <a:extLst>
-              <a:ext uri="{28A0092B-C50C-407E-A947-70E740481C1C}">
-                <a14:useLocalDpi xmlns:a14="http://schemas.microsoft.com/office/drawing/2010/main" val="0"/>
-              </a:ext>
-            </a:extLst>
-          </a:blip>
-          <a:srcRect/>
-          <a:stretch>
-            <a:fillRect l="-3155" t="14564" r="-3155" b="14564"/>
-          </a:stretch>
-        </a:blipFill>
-        <a:ln w="12700" cap="flat" cmpd="sng" algn="ctr">
-          <a:solidFill>
-            <a:schemeClr val="lt1">
-              <a:hueOff val="0"/>
-              <a:satOff val="0"/>
-              <a:lumOff val="0"/>
-              <a:alphaOff val="0"/>
-            </a:schemeClr>
-          </a:solidFill>
-          <a:prstDash val="solid"/>
-          <a:miter lim="800000"/>
-        </a:ln>
-        <a:effectLst/>
-      </dsp:spPr>
-      <dsp:style>
-        <a:lnRef idx="2">
-          <a:scrgbClr r="0" g="0" b="0"/>
-        </a:lnRef>
-        <a:fillRef idx="1">
-          <a:scrgbClr r="0" g="0" b="0"/>
-        </a:fillRef>
-        <a:effectRef idx="0">
-          <a:scrgbClr r="0" g="0" b="0"/>
-        </a:effectRef>
-        <a:fontRef idx="minor">
-          <a:schemeClr val="lt1"/>
-        </a:fontRef>
-      </dsp:style>
-    </dsp:sp>
-    <dsp:sp modelId="{1DA57DB4-403B-44F5-BF39-2900B1ECFD47}">
-      <dsp:nvSpPr>
-        <dsp:cNvPr id="0" name=""/>
-        <dsp:cNvSpPr/>
-      </dsp:nvSpPr>
-      <dsp:spPr>
-        <a:xfrm>
-          <a:off x="4315462" y="453796"/>
-          <a:ext cx="1726185" cy="1150790"/>
-        </a:xfrm>
-        <a:prstGeom prst="rect">
-          <a:avLst/>
-        </a:prstGeom>
-        <a:noFill/>
-        <a:ln>
-          <a:noFill/>
-        </a:ln>
-        <a:effectLst/>
-      </dsp:spPr>
-      <dsp:style>
-        <a:lnRef idx="0">
-          <a:scrgbClr r="0" g="0" b="0"/>
-        </a:lnRef>
-        <a:fillRef idx="0">
-          <a:scrgbClr r="0" g="0" b="0"/>
-        </a:fillRef>
-        <a:effectRef idx="0">
-          <a:scrgbClr r="0" g="0" b="0"/>
-        </a:effectRef>
-        <a:fontRef idx="minor"/>
-      </dsp:style>
-      <dsp:txBody>
-        <a:bodyPr spcFirstLastPara="0" vert="horz" wrap="square" lIns="64770" tIns="64770" rIns="64770" bIns="64770" numCol="1" spcCol="1270" anchor="ctr" anchorCtr="0">
-          <a:noAutofit/>
-        </a:bodyPr>
-        <a:lstStyle/>
-        <a:p>
-          <a:pPr marL="0" lvl="0" indent="0" algn="l" defTabSz="755650">
-            <a:lnSpc>
-              <a:spcPct val="90000"/>
-            </a:lnSpc>
-            <a:spcBef>
-              <a:spcPct val="0"/>
-            </a:spcBef>
-            <a:spcAft>
-              <a:spcPct val="35000"/>
-            </a:spcAft>
-            <a:buNone/>
-          </a:pPr>
-          <a:r>
-            <a:rPr lang="de-DE" sz="1700" kern="1200" dirty="0">
-              <a:solidFill>
-                <a:prstClr val="black">
-                  <a:hueOff val="0"/>
-                  <a:satOff val="0"/>
-                  <a:lumOff val="0"/>
-                  <a:alphaOff val="0"/>
-                </a:prstClr>
-              </a:solidFill>
-              <a:latin typeface="Calibri" panose="020F0502020204030204"/>
-              <a:ea typeface="+mn-ea"/>
-              <a:cs typeface="+mn-cs"/>
-            </a:rPr>
-            <a:t>www.its-people.de/blog</a:t>
-          </a:r>
-          <a:r>
-            <a:rPr lang="de-DE" sz="1800" kern="1200" dirty="0"/>
-            <a:t>	</a:t>
-          </a:r>
-        </a:p>
-      </dsp:txBody>
-      <dsp:txXfrm>
-        <a:off x="4315462" y="453796"/>
-        <a:ext cx="1726185" cy="1150790"/>
-      </dsp:txXfrm>
-    </dsp:sp>
-    <dsp:sp modelId="{CBF2CE8D-CFB6-43A9-BCEC-5DE04AF7231C}">
-      <dsp:nvSpPr>
-        <dsp:cNvPr id="0" name=""/>
-        <dsp:cNvSpPr/>
-      </dsp:nvSpPr>
-      <dsp:spPr>
-        <a:xfrm>
-          <a:off x="6329345" y="456673"/>
-          <a:ext cx="1150790" cy="1150790"/>
-        </a:xfrm>
-        <a:prstGeom prst="ellipse">
-          <a:avLst/>
-        </a:prstGeom>
-        <a:blipFill dpi="0" rotWithShape="1">
-          <a:blip xmlns:r="http://schemas.openxmlformats.org/officeDocument/2006/relationships" r:embed="rId3">
-            <a:extLst>
-              <a:ext uri="{28A0092B-C50C-407E-A947-70E740481C1C}">
-                <a14:useLocalDpi xmlns:a14="http://schemas.microsoft.com/office/drawing/2010/main" val="0"/>
-              </a:ext>
-            </a:extLst>
-          </a:blip>
-          <a:srcRect/>
-          <a:stretch>
-            <a:fillRect l="-3155" t="16926" r="-3155" b="16926"/>
-          </a:stretch>
-        </a:blipFill>
-        <a:ln w="12700" cap="flat" cmpd="sng" algn="ctr">
-          <a:solidFill>
-            <a:schemeClr val="lt1">
-              <a:hueOff val="0"/>
-              <a:satOff val="0"/>
-              <a:lumOff val="0"/>
-              <a:alphaOff val="0"/>
-            </a:schemeClr>
-          </a:solidFill>
-          <a:prstDash val="solid"/>
-          <a:miter lim="800000"/>
-        </a:ln>
-        <a:effectLst/>
-      </dsp:spPr>
-      <dsp:style>
-        <a:lnRef idx="2">
-          <a:scrgbClr r="0" g="0" b="0"/>
-        </a:lnRef>
-        <a:fillRef idx="1">
-          <a:scrgbClr r="0" g="0" b="0"/>
-        </a:fillRef>
-        <a:effectRef idx="0">
-          <a:scrgbClr r="0" g="0" b="0"/>
-        </a:effectRef>
-        <a:fontRef idx="minor">
-          <a:schemeClr val="lt1"/>
-        </a:fontRef>
-      </dsp:style>
-    </dsp:sp>
-    <dsp:sp modelId="{5D711149-18B6-4F73-AF48-E0E619A37466}">
-      <dsp:nvSpPr>
-        <dsp:cNvPr id="0" name=""/>
-        <dsp:cNvSpPr/>
-      </dsp:nvSpPr>
-      <dsp:spPr>
-        <a:xfrm>
-          <a:off x="7480135" y="453796"/>
-          <a:ext cx="1726185" cy="1150790"/>
-        </a:xfrm>
-        <a:prstGeom prst="rect">
-          <a:avLst/>
-        </a:prstGeom>
-        <a:noFill/>
-        <a:ln>
-          <a:noFill/>
-        </a:ln>
-        <a:effectLst/>
-      </dsp:spPr>
-      <dsp:style>
-        <a:lnRef idx="0">
-          <a:scrgbClr r="0" g="0" b="0"/>
-        </a:lnRef>
-        <a:fillRef idx="0">
-          <a:scrgbClr r="0" g="0" b="0"/>
-        </a:fillRef>
-        <a:effectRef idx="0">
-          <a:scrgbClr r="0" g="0" b="0"/>
-        </a:effectRef>
-        <a:fontRef idx="minor"/>
-      </dsp:style>
-      <dsp:txBody>
-        <a:bodyPr spcFirstLastPara="0" vert="horz" wrap="square" lIns="68580" tIns="68580" rIns="68580" bIns="68580" numCol="1" spcCol="1270" anchor="ctr" anchorCtr="0">
-          <a:noAutofit/>
-        </a:bodyPr>
-        <a:lstStyle/>
-        <a:p>
-          <a:pPr marL="0" lvl="0" indent="0" algn="l" defTabSz="800100">
-            <a:lnSpc>
-              <a:spcPct val="90000"/>
-            </a:lnSpc>
-            <a:spcBef>
-              <a:spcPct val="0"/>
-            </a:spcBef>
-            <a:spcAft>
-              <a:spcPct val="35000"/>
-            </a:spcAft>
-            <a:buNone/>
-          </a:pPr>
-          <a:r>
-            <a:rPr lang="de-DE" sz="1800" kern="1200" dirty="0" err="1"/>
-            <a:t>Sabine.Heimsath</a:t>
-          </a:r>
-          <a:br>
-            <a:rPr lang="de-DE" sz="1800" kern="1200" dirty="0"/>
-          </a:br>
-          <a:r>
-            <a:rPr lang="de-DE" sz="1800" kern="1200" dirty="0"/>
-            <a:t>@its-people.de</a:t>
-          </a:r>
-        </a:p>
-      </dsp:txBody>
-      <dsp:txXfrm>
-        <a:off x="7480135" y="453796"/>
-        <a:ext cx="1726185" cy="1150790"/>
-      </dsp:txXfrm>
-    </dsp:sp>
-  </dsp:spTree>
-</dsp:drawing>
-</file>
-
-<file path=ppt/diagrams/drawing5.xml><?xml version="1.0" encoding="utf-8"?>
 <dsp:drawing xmlns:dgm="http://schemas.openxmlformats.org/drawingml/2006/diagram" xmlns:dsp="http://schemas.microsoft.com/office/drawing/2008/diagram" xmlns:a="http://schemas.openxmlformats.org/drawingml/2006/main">
   <dsp:spTree>
     <dsp:nvGrpSpPr>
@@ -19450,7 +18377,7 @@
         </a:bodyPr>
         <a:lstStyle/>
         <a:p>
-          <a:pPr marL="0" lvl="0" indent="0" algn="l" defTabSz="1733550">
+          <a:pPr lvl="0" algn="l" defTabSz="1733550">
             <a:lnSpc>
               <a:spcPct val="90000"/>
             </a:lnSpc>
@@ -19460,7 +18387,6 @@
             <a:spcAft>
               <a:spcPct val="35000"/>
             </a:spcAft>
-            <a:buNone/>
           </a:pPr>
           <a:r>
             <a:rPr lang="de-DE" sz="3900" kern="1200" dirty="0"/>
@@ -19478,7 +18404,7 @@
             <a:spcAft>
               <a:spcPct val="15000"/>
             </a:spcAft>
-            <a:buChar char="•"/>
+            <a:buChar char="••"/>
           </a:pPr>
           <a:r>
             <a:rPr lang="de-DE" sz="3000" kern="1200" dirty="0"/>
@@ -19496,7 +18422,7 @@
             <a:spcAft>
               <a:spcPct val="15000"/>
             </a:spcAft>
-            <a:buChar char="•"/>
+            <a:buChar char="••"/>
           </a:pPr>
           <a:r>
             <a:rPr lang="de-DE" sz="3000" kern="1200" dirty="0"/>
@@ -19615,7 +18541,7 @@
         </a:bodyPr>
         <a:lstStyle/>
         <a:p>
-          <a:pPr marL="0" lvl="0" indent="0" algn="l" defTabSz="1733550">
+          <a:pPr lvl="0" algn="l" defTabSz="1733550">
             <a:lnSpc>
               <a:spcPct val="90000"/>
             </a:lnSpc>
@@ -19625,7 +18551,6 @@
             <a:spcAft>
               <a:spcPct val="35000"/>
             </a:spcAft>
-            <a:buNone/>
           </a:pPr>
           <a:r>
             <a:rPr lang="de-DE" sz="3900" kern="1200" dirty="0"/>
@@ -19643,7 +18568,7 @@
             <a:spcAft>
               <a:spcPct val="15000"/>
             </a:spcAft>
-            <a:buChar char="•"/>
+            <a:buChar char="••"/>
           </a:pPr>
           <a:r>
             <a:rPr lang="de-DE" sz="3000" kern="1200" dirty="0"/>
@@ -19661,13 +18586,12 @@
             <a:spcAft>
               <a:spcPct val="15000"/>
             </a:spcAft>
-            <a:buChar char="•"/>
+            <a:buChar char="••"/>
           </a:pPr>
           <a:r>
             <a:rPr lang="de-DE" sz="3000" kern="1200"/>
             <a:t>Kompletter Feature-Umfang</a:t>
           </a:r>
-          <a:endParaRPr lang="de-DE" sz="3000" kern="1200"/>
         </a:p>
       </dsp:txBody>
       <dsp:txXfrm>
@@ -19728,7 +18652,7 @@
 </dsp:drawing>
 </file>
 
-<file path=ppt/diagrams/drawing6.xml><?xml version="1.0" encoding="utf-8"?>
+<file path=ppt/diagrams/drawing5.xml><?xml version="1.0" encoding="utf-8"?>
 <dsp:drawing xmlns:dgm="http://schemas.openxmlformats.org/drawingml/2006/diagram" xmlns:dsp="http://schemas.microsoft.com/office/drawing/2008/diagram" xmlns:a="http://schemas.openxmlformats.org/drawingml/2006/main">
   <dsp:spTree>
     <dsp:nvGrpSpPr>
@@ -19743,8 +18667,8 @@
       </dsp:nvSpPr>
       <dsp:spPr>
         <a:xfrm>
-          <a:off x="5736027" y="375"/>
-          <a:ext cx="5583404" cy="5583404"/>
+          <a:off x="5295205" y="1768"/>
+          <a:ext cx="5580619" cy="5580619"/>
         </a:xfrm>
         <a:prstGeom prst="ellipse">
           <a:avLst/>
@@ -19786,12 +18710,12 @@
         </a:fontRef>
       </dsp:style>
       <dsp:txBody>
-        <a:bodyPr spcFirstLastPara="0" vert="horz" wrap="square" lIns="46990" tIns="46990" rIns="46990" bIns="46990" numCol="1" spcCol="1270" anchor="ctr" anchorCtr="0">
+        <a:bodyPr spcFirstLastPara="0" vert="horz" wrap="square" lIns="40640" tIns="40640" rIns="40640" bIns="40640" numCol="1" spcCol="1270" anchor="ctr" anchorCtr="0">
           <a:noAutofit/>
         </a:bodyPr>
         <a:lstStyle/>
         <a:p>
-          <a:pPr marL="0" lvl="0" indent="0" algn="l" defTabSz="1644650">
+          <a:pPr lvl="0" algn="ctr" defTabSz="1422400">
             <a:lnSpc>
               <a:spcPct val="90000"/>
             </a:lnSpc>
@@ -19801,9 +18725,12 @@
             <a:spcAft>
               <a:spcPct val="35000"/>
             </a:spcAft>
-            <a:buNone/>
           </a:pPr>
-          <a:endParaRPr lang="de-DE" sz="3700" kern="1200" dirty="0"/>
+          <a:r>
+            <a:rPr lang="en-US" sz="3200" kern="1200" dirty="0" smtClean="0"/>
+            <a:t>Oracle SQL Developer Command Line</a:t>
+          </a:r>
+          <a:endParaRPr lang="de-DE" sz="3200" kern="1200" dirty="0"/>
         </a:p>
         <a:p>
           <a:pPr marL="285750" lvl="1" indent="-285750" algn="l" defTabSz="1289050">
@@ -19816,7 +18743,7 @@
             <a:spcAft>
               <a:spcPct val="15000"/>
             </a:spcAft>
-            <a:buChar char="•"/>
+            <a:buChar char="••"/>
           </a:pPr>
           <a:r>
             <a:rPr lang="de-DE" sz="2900" kern="1200" dirty="0"/>
@@ -19834,7 +18761,7 @@
             <a:spcAft>
               <a:spcPct val="15000"/>
             </a:spcAft>
-            <a:buChar char="•"/>
+            <a:buChar char="••"/>
           </a:pPr>
           <a:r>
             <a:rPr lang="de-DE" sz="2900" kern="1200" dirty="0"/>
@@ -19852,13 +18779,12 @@
             <a:spcAft>
               <a:spcPct val="15000"/>
             </a:spcAft>
-            <a:buChar char="•"/>
+            <a:buChar char="••"/>
           </a:pPr>
           <a:r>
             <a:rPr lang="de-DE" sz="2900" kern="1200"/>
             <a:t>Produktionsrelease seit September</a:t>
           </a:r>
-          <a:endParaRPr lang="de-DE" sz="2900" kern="1200"/>
         </a:p>
         <a:p>
           <a:pPr marL="285750" lvl="1" indent="-285750" algn="l" defTabSz="1289050">
@@ -19871,25 +18797,24 @@
             <a:spcAft>
               <a:spcPct val="15000"/>
             </a:spcAft>
-            <a:buChar char="•"/>
+            <a:buChar char="••"/>
           </a:pPr>
           <a:r>
             <a:rPr lang="de-DE" sz="2900" kern="1200"/>
             <a:t>In zukünftigen DB-Releases enthalten</a:t>
           </a:r>
-          <a:endParaRPr lang="de-DE" sz="2900" kern="1200"/>
         </a:p>
       </dsp:txBody>
       <dsp:txXfrm>
-        <a:off x="6553698" y="818046"/>
-        <a:ext cx="3948062" cy="3948062"/>
+        <a:off x="6112468" y="819031"/>
+        <a:ext cx="3946093" cy="3946093"/>
       </dsp:txXfrm>
     </dsp:sp>
   </dsp:spTree>
 </dsp:drawing>
 </file>
 
-<file path=ppt/diagrams/drawing7.xml><?xml version="1.0" encoding="utf-8"?>
+<file path=ppt/diagrams/drawing6.xml><?xml version="1.0" encoding="utf-8"?>
 <dsp:drawing xmlns:dgm="http://schemas.openxmlformats.org/drawingml/2006/diagram" xmlns:dsp="http://schemas.microsoft.com/office/drawing/2008/diagram" xmlns:a="http://schemas.openxmlformats.org/drawingml/2006/main">
   <dsp:spTree>
     <dsp:nvGrpSpPr>
@@ -19952,7 +18877,7 @@
         </a:bodyPr>
         <a:lstStyle/>
         <a:p>
-          <a:pPr marL="0" lvl="0" indent="0" algn="l" defTabSz="1778000">
+          <a:pPr lvl="0" algn="l" defTabSz="1778000">
             <a:lnSpc>
               <a:spcPct val="90000"/>
             </a:lnSpc>
@@ -19962,13 +18887,11 @@
             <a:spcAft>
               <a:spcPct val="35000"/>
             </a:spcAft>
-            <a:buNone/>
           </a:pPr>
           <a:r>
             <a:rPr lang="de-DE" sz="4000" kern="1200"/>
             <a:t>sqlplus</a:t>
           </a:r>
-          <a:endParaRPr lang="de-DE" sz="4000" kern="1200"/>
         </a:p>
         <a:p>
           <a:pPr marL="285750" lvl="1" indent="-285750" algn="l" defTabSz="1377950">
@@ -19981,7 +18904,7 @@
             <a:spcAft>
               <a:spcPct val="15000"/>
             </a:spcAft>
-            <a:buChar char="•"/>
+            <a:buChar char="••"/>
           </a:pPr>
           <a:r>
             <a:rPr lang="de-DE" sz="3100" kern="1200" dirty="0"/>
@@ -19999,7 +18922,7 @@
             <a:spcAft>
               <a:spcPct val="15000"/>
             </a:spcAft>
-            <a:buChar char="•"/>
+            <a:buChar char="••"/>
           </a:pPr>
           <a:r>
             <a:rPr lang="de-DE" sz="3100" kern="1200" dirty="0"/>
@@ -20022,7 +18945,7 @@
             <a:spcAft>
               <a:spcPct val="15000"/>
             </a:spcAft>
-            <a:buChar char="•"/>
+            <a:buChar char="••"/>
           </a:pPr>
           <a:r>
             <a:rPr lang="de-DE" sz="3100" kern="1200" dirty="0"/>
@@ -20040,7 +18963,7 @@
             <a:spcAft>
               <a:spcPct val="15000"/>
             </a:spcAft>
-            <a:buChar char="•"/>
+            <a:buChar char="••"/>
           </a:pPr>
           <a:r>
             <a:rPr lang="de-DE" sz="3100" kern="1200" dirty="0"/>
@@ -20110,7 +19033,7 @@
 </dsp:drawing>
 </file>
 
-<file path=ppt/diagrams/drawing8.xml><?xml version="1.0" encoding="utf-8"?>
+<file path=ppt/diagrams/drawing7.xml><?xml version="1.0" encoding="utf-8"?>
 <dsp:drawing xmlns:dgm="http://schemas.openxmlformats.org/drawingml/2006/diagram" xmlns:dsp="http://schemas.microsoft.com/office/drawing/2008/diagram" xmlns:a="http://schemas.openxmlformats.org/drawingml/2006/main">
   <dsp:spTree>
     <dsp:nvGrpSpPr>
@@ -20292,12 +19215,12 @@
         </a:fontRef>
       </dsp:style>
       <dsp:txBody>
-        <a:bodyPr spcFirstLastPara="0" vert="horz" wrap="square" lIns="20955" tIns="20955" rIns="20955" bIns="20955" numCol="1" spcCol="1270" anchor="ctr" anchorCtr="0">
+        <a:bodyPr spcFirstLastPara="0" vert="horz" wrap="square" lIns="22225" tIns="22225" rIns="22225" bIns="22225" numCol="1" spcCol="1270" anchor="ctr" anchorCtr="0">
           <a:noAutofit/>
         </a:bodyPr>
         <a:lstStyle/>
         <a:p>
-          <a:pPr marL="0" lvl="0" indent="0" algn="ctr" defTabSz="1466850">
+          <a:pPr lvl="0" algn="ctr" defTabSz="1555750">
             <a:lnSpc>
               <a:spcPct val="90000"/>
             </a:lnSpc>
@@ -20307,12 +19230,12 @@
             <a:spcAft>
               <a:spcPct val="35000"/>
             </a:spcAft>
-            <a:buNone/>
           </a:pPr>
           <a:r>
-            <a:rPr lang="de-DE" sz="3300" kern="1200" dirty="0"/>
-            <a:t>„SQL*Plus“ ++</a:t>
+            <a:rPr lang="de-DE" sz="3500" kern="1200" dirty="0" smtClean="0"/>
+            <a:t>SQL*Plus „plus“</a:t>
           </a:r>
+          <a:endParaRPr lang="de-DE" sz="3500" kern="1200" dirty="0"/>
         </a:p>
       </dsp:txBody>
       <dsp:txXfrm>
@@ -20370,12 +19293,12 @@
         </a:fontRef>
       </dsp:style>
       <dsp:txBody>
-        <a:bodyPr spcFirstLastPara="0" vert="horz" wrap="square" lIns="20955" tIns="20955" rIns="20955" bIns="20955" numCol="1" spcCol="1270" anchor="ctr" anchorCtr="0">
+        <a:bodyPr spcFirstLastPara="0" vert="horz" wrap="square" lIns="22225" tIns="22225" rIns="22225" bIns="22225" numCol="1" spcCol="1270" anchor="ctr" anchorCtr="0">
           <a:noAutofit/>
         </a:bodyPr>
         <a:lstStyle/>
         <a:p>
-          <a:pPr marL="0" lvl="0" indent="0" algn="ctr" defTabSz="1466850">
+          <a:pPr lvl="0" algn="ctr" defTabSz="1555750">
             <a:lnSpc>
               <a:spcPct val="90000"/>
             </a:lnSpc>
@@ -20385,17 +19308,16 @@
             <a:spcAft>
               <a:spcPct val="35000"/>
             </a:spcAft>
-            <a:buNone/>
           </a:pPr>
           <a:r>
-            <a:rPr lang="de-DE" sz="3300" kern="1200" dirty="0"/>
+            <a:rPr lang="de-DE" sz="3500" kern="1200" dirty="0"/>
             <a:t>Sprachen</a:t>
           </a:r>
           <a:br>
-            <a:rPr lang="de-DE" sz="3300" kern="1200" dirty="0"/>
+            <a:rPr lang="de-DE" sz="3500" kern="1200" dirty="0"/>
           </a:br>
           <a:r>
-            <a:rPr lang="de-DE" sz="3300" kern="1200" dirty="0"/>
+            <a:rPr lang="de-DE" sz="3500" kern="1200" dirty="0"/>
             <a:t>(JSR-223)</a:t>
           </a:r>
         </a:p>
@@ -20455,12 +19377,12 @@
         </a:fontRef>
       </dsp:style>
       <dsp:txBody>
-        <a:bodyPr spcFirstLastPara="0" vert="horz" wrap="square" lIns="20955" tIns="20955" rIns="20955" bIns="20955" numCol="1" spcCol="1270" anchor="ctr" anchorCtr="0">
+        <a:bodyPr spcFirstLastPara="0" vert="horz" wrap="square" lIns="22225" tIns="22225" rIns="22225" bIns="22225" numCol="1" spcCol="1270" anchor="ctr" anchorCtr="0">
           <a:noAutofit/>
         </a:bodyPr>
         <a:lstStyle/>
         <a:p>
-          <a:pPr marL="0" lvl="0" indent="0" algn="ctr" defTabSz="1466850">
+          <a:pPr lvl="0" algn="ctr" defTabSz="1555750">
             <a:lnSpc>
               <a:spcPct val="90000"/>
             </a:lnSpc>
@@ -20470,10 +19392,9 @@
             <a:spcAft>
               <a:spcPct val="35000"/>
             </a:spcAft>
-            <a:buNone/>
           </a:pPr>
           <a:r>
-            <a:rPr lang="de-DE" sz="3300" kern="1200" dirty="0"/>
+            <a:rPr lang="de-DE" sz="3500" kern="1200" dirty="0"/>
             <a:t>Neue Möglichkeiten</a:t>
           </a:r>
         </a:p>
@@ -20533,12 +19454,12 @@
         </a:fontRef>
       </dsp:style>
       <dsp:txBody>
-        <a:bodyPr spcFirstLastPara="0" vert="horz" wrap="square" lIns="20955" tIns="20955" rIns="20955" bIns="20955" numCol="1" spcCol="1270" anchor="ctr" anchorCtr="0">
+        <a:bodyPr spcFirstLastPara="0" vert="horz" wrap="square" lIns="22225" tIns="22225" rIns="22225" bIns="22225" numCol="1" spcCol="1270" anchor="ctr" anchorCtr="0">
           <a:noAutofit/>
         </a:bodyPr>
         <a:lstStyle/>
         <a:p>
-          <a:pPr marL="0" lvl="0" indent="0" algn="ctr" defTabSz="1466850">
+          <a:pPr lvl="0" algn="ctr" defTabSz="1555750">
             <a:lnSpc>
               <a:spcPct val="90000"/>
             </a:lnSpc>
@@ -20548,10 +19469,9 @@
             <a:spcAft>
               <a:spcPct val="35000"/>
             </a:spcAft>
-            <a:buNone/>
           </a:pPr>
           <a:r>
-            <a:rPr lang="de-DE" sz="3300" kern="1200" dirty="0"/>
+            <a:rPr lang="de-DE" sz="3500" kern="1200" dirty="0"/>
             <a:t>Parallele Sessions</a:t>
           </a:r>
         </a:p>
@@ -20611,12 +19531,12 @@
         </a:fontRef>
       </dsp:style>
       <dsp:txBody>
-        <a:bodyPr spcFirstLastPara="0" vert="horz" wrap="square" lIns="20955" tIns="20955" rIns="20955" bIns="20955" numCol="1" spcCol="1270" anchor="ctr" anchorCtr="0">
+        <a:bodyPr spcFirstLastPara="0" vert="horz" wrap="square" lIns="22225" tIns="22225" rIns="22225" bIns="22225" numCol="1" spcCol="1270" anchor="ctr" anchorCtr="0">
           <a:noAutofit/>
         </a:bodyPr>
         <a:lstStyle/>
         <a:p>
-          <a:pPr marL="0" lvl="0" indent="0" algn="ctr" defTabSz="1466850">
+          <a:pPr lvl="0" algn="ctr" defTabSz="1555750">
             <a:lnSpc>
               <a:spcPct val="90000"/>
             </a:lnSpc>
@@ -20626,12 +19546,12 @@
             <a:spcAft>
               <a:spcPct val="35000"/>
             </a:spcAft>
-            <a:buNone/>
           </a:pPr>
           <a:r>
-            <a:rPr lang="de-DE" sz="3300" kern="1200" dirty="0"/>
-            <a:t>Flusssteuerung</a:t>
+            <a:rPr lang="de-DE" sz="3500" kern="1200" dirty="0" smtClean="0"/>
+            <a:t>Fluss-steuerung</a:t>
           </a:r>
+          <a:endParaRPr lang="de-DE" sz="3500" kern="1200" dirty="0"/>
         </a:p>
       </dsp:txBody>
       <dsp:txXfrm>
@@ -20643,7 +19563,7 @@
 </dsp:drawing>
 </file>
 
-<file path=ppt/diagrams/drawing9.xml><?xml version="1.0" encoding="utf-8"?>
+<file path=ppt/diagrams/drawing8.xml><?xml version="1.0" encoding="utf-8"?>
 <dsp:drawing xmlns:dgm="http://schemas.openxmlformats.org/drawingml/2006/diagram" xmlns:dsp="http://schemas.microsoft.com/office/drawing/2008/diagram" xmlns:a="http://schemas.openxmlformats.org/drawingml/2006/main">
   <dsp:spTree>
     <dsp:nvGrpSpPr>
@@ -20706,7 +19626,7 @@
         </a:bodyPr>
         <a:lstStyle/>
         <a:p>
-          <a:pPr marL="0" lvl="0" indent="0" algn="l" defTabSz="977900">
+          <a:pPr lvl="0" algn="l" defTabSz="977900">
             <a:lnSpc>
               <a:spcPct val="90000"/>
             </a:lnSpc>
@@ -20716,7 +19636,6 @@
             <a:spcAft>
               <a:spcPct val="35000"/>
             </a:spcAft>
-            <a:buNone/>
           </a:pPr>
           <a:r>
             <a:rPr lang="de-DE" sz="2200" kern="1200" dirty="0" err="1"/>
@@ -20727,13 +19646,10 @@
             <a:t> </a:t>
           </a:r>
           <a:r>
-            <a:rPr lang="de-DE" sz="2200" kern="1200" dirty="0" err="1"/>
+            <a:rPr lang="de-DE" sz="2200" kern="1200" dirty="0" err="1" smtClean="0"/>
             <a:t>Readme</a:t>
           </a:r>
-          <a:r>
-            <a:rPr lang="de-DE" sz="2200" kern="1200" dirty="0"/>
-            <a:t>:</a:t>
-          </a:r>
+          <a:endParaRPr lang="de-DE" sz="2200" kern="1200" dirty="0"/>
         </a:p>
       </dsp:txBody>
       <dsp:txXfrm>
@@ -20788,13 +19704,12 @@
             <a:spcAft>
               <a:spcPct val="20000"/>
             </a:spcAft>
-            <a:buChar char="•"/>
+            <a:buChar char="••"/>
           </a:pPr>
           <a:r>
             <a:rPr lang="de-DE" sz="1700" kern="1200" dirty="0"/>
             <a:t>https://github.com/oracle/oracle-db-tools/blob/master/sqlcl/README.md</a:t>
           </a:r>
-          <a:endParaRPr lang="de-DE" sz="1700" kern="1200" dirty="0"/>
         </a:p>
       </dsp:txBody>
       <dsp:txXfrm>
@@ -20857,7 +19772,7 @@
         </a:bodyPr>
         <a:lstStyle/>
         <a:p>
-          <a:pPr marL="0" lvl="0" indent="0" algn="l" defTabSz="977900">
+          <a:pPr lvl="0" algn="l" defTabSz="977900">
             <a:lnSpc>
               <a:spcPct val="90000"/>
             </a:lnSpc>
@@ -20867,7 +19782,6 @@
             <a:spcAft>
               <a:spcPct val="35000"/>
             </a:spcAft>
-            <a:buNone/>
           </a:pPr>
           <a:r>
             <a:rPr lang="de-DE" sz="2200" kern="1200"/>
@@ -20927,7 +19841,7 @@
             <a:spcAft>
               <a:spcPct val="20000"/>
             </a:spcAft>
-            <a:buChar char="•"/>
+            <a:buChar char="••"/>
           </a:pPr>
           <a:r>
             <a:rPr lang="de-DE" sz="1700" kern="1200"/>
@@ -20945,7 +19859,7 @@
             <a:spcAft>
               <a:spcPct val="20000"/>
             </a:spcAft>
-            <a:buChar char="•"/>
+            <a:buChar char="••"/>
           </a:pPr>
           <a:r>
             <a:rPr lang="de-DE" sz="1700" kern="1200"/>
@@ -21013,7 +19927,7 @@
         </a:bodyPr>
         <a:lstStyle/>
         <a:p>
-          <a:pPr marL="0" lvl="0" indent="0" algn="l" defTabSz="977900">
+          <a:pPr lvl="0" algn="l" defTabSz="977900">
             <a:lnSpc>
               <a:spcPct val="90000"/>
             </a:lnSpc>
@@ -21023,7 +19937,6 @@
             <a:spcAft>
               <a:spcPct val="35000"/>
             </a:spcAft>
-            <a:buNone/>
           </a:pPr>
           <a:r>
             <a:rPr lang="de-DE" sz="2200" kern="1200"/>
@@ -21083,7 +19996,7 @@
             <a:spcAft>
               <a:spcPct val="20000"/>
             </a:spcAft>
-            <a:buChar char="•"/>
+            <a:buChar char="••"/>
           </a:pPr>
           <a:r>
             <a:rPr lang="de-DE" sz="1700" kern="1200"/>
@@ -21151,7 +20064,7 @@
         </a:bodyPr>
         <a:lstStyle/>
         <a:p>
-          <a:pPr marL="0" lvl="0" indent="0" algn="l" defTabSz="977900">
+          <a:pPr lvl="0" algn="l" defTabSz="977900">
             <a:lnSpc>
               <a:spcPct val="90000"/>
             </a:lnSpc>
@@ -21161,7 +20074,6 @@
             <a:spcAft>
               <a:spcPct val="35000"/>
             </a:spcAft>
-            <a:buNone/>
           </a:pPr>
           <a:r>
             <a:rPr lang="de-DE" sz="2200" kern="1200"/>
@@ -21221,7 +20133,7 @@
             <a:spcAft>
               <a:spcPct val="20000"/>
             </a:spcAft>
-            <a:buChar char="•"/>
+            <a:buChar char="••"/>
           </a:pPr>
           <a:r>
             <a:rPr lang="de-DE" sz="1700" kern="1200"/>
@@ -21239,7 +20151,7 @@
             <a:spcAft>
               <a:spcPct val="20000"/>
             </a:spcAft>
-            <a:buChar char="•"/>
+            <a:buChar char="••"/>
           </a:pPr>
           <a:r>
             <a:rPr lang="de-DE" sz="1700" kern="1200"/>
@@ -21257,7 +20169,7 @@
             <a:spcAft>
               <a:spcPct val="20000"/>
             </a:spcAft>
-            <a:buChar char="•"/>
+            <a:buChar char="••"/>
           </a:pPr>
           <a:r>
             <a:rPr lang="de-DE" sz="1700" kern="1200"/>
@@ -21275,7 +20187,7 @@
             <a:spcAft>
               <a:spcPct val="20000"/>
             </a:spcAft>
-            <a:buChar char="•"/>
+            <a:buChar char="••"/>
           </a:pPr>
           <a:r>
             <a:rPr lang="de-DE" sz="1700" kern="1200"/>
@@ -21286,6 +20198,95 @@
       <dsp:txXfrm>
         <a:off x="0" y="3433462"/>
         <a:ext cx="10515600" cy="1184040"/>
+      </dsp:txXfrm>
+    </dsp:sp>
+  </dsp:spTree>
+</dsp:drawing>
+</file>
+
+<file path=ppt/diagrams/drawing9.xml><?xml version="1.0" encoding="utf-8"?>
+<dsp:drawing xmlns:dgm="http://schemas.openxmlformats.org/drawingml/2006/diagram" xmlns:dsp="http://schemas.microsoft.com/office/drawing/2008/diagram" xmlns:a="http://schemas.openxmlformats.org/drawingml/2006/main">
+  <dsp:spTree>
+    <dsp:nvGrpSpPr>
+      <dsp:cNvPr id="0" name=""/>
+      <dsp:cNvGrpSpPr/>
+    </dsp:nvGrpSpPr>
+    <dsp:grpSpPr/>
+    <dsp:sp modelId="{6EC9B571-2AAD-4AC1-B5C9-64DF398C0AEA}">
+      <dsp:nvSpPr>
+        <dsp:cNvPr id="0" name=""/>
+        <dsp:cNvSpPr/>
+      </dsp:nvSpPr>
+      <dsp:spPr>
+        <a:xfrm>
+          <a:off x="0" y="1530299"/>
+          <a:ext cx="10515600" cy="1559025"/>
+        </a:xfrm>
+        <a:prstGeom prst="roundRect">
+          <a:avLst/>
+        </a:prstGeom>
+        <a:solidFill>
+          <a:schemeClr val="accent1">
+            <a:hueOff val="0"/>
+            <a:satOff val="0"/>
+            <a:lumOff val="0"/>
+            <a:alphaOff val="0"/>
+          </a:schemeClr>
+        </a:solidFill>
+        <a:ln w="12700" cap="flat" cmpd="sng" algn="ctr">
+          <a:solidFill>
+            <a:schemeClr val="lt1">
+              <a:hueOff val="0"/>
+              <a:satOff val="0"/>
+              <a:lumOff val="0"/>
+              <a:alphaOff val="0"/>
+            </a:schemeClr>
+          </a:solidFill>
+          <a:prstDash val="solid"/>
+          <a:miter lim="800000"/>
+        </a:ln>
+        <a:effectLst/>
+      </dsp:spPr>
+      <dsp:style>
+        <a:lnRef idx="2">
+          <a:scrgbClr r="0" g="0" b="0"/>
+        </a:lnRef>
+        <a:fillRef idx="1">
+          <a:scrgbClr r="0" g="0" b="0"/>
+        </a:fillRef>
+        <a:effectRef idx="0">
+          <a:scrgbClr r="0" g="0" b="0"/>
+        </a:effectRef>
+        <a:fontRef idx="minor">
+          <a:schemeClr val="lt1"/>
+        </a:fontRef>
+      </dsp:style>
+      <dsp:txBody>
+        <a:bodyPr spcFirstLastPara="0" vert="horz" wrap="square" lIns="247650" tIns="247650" rIns="247650" bIns="247650" numCol="1" spcCol="1270" anchor="ctr" anchorCtr="0">
+          <a:noAutofit/>
+        </a:bodyPr>
+        <a:lstStyle/>
+        <a:p>
+          <a:pPr lvl="0" algn="l" defTabSz="2889250">
+            <a:lnSpc>
+              <a:spcPct val="90000"/>
+            </a:lnSpc>
+            <a:spcBef>
+              <a:spcPct val="0"/>
+            </a:spcBef>
+            <a:spcAft>
+              <a:spcPct val="35000"/>
+            </a:spcAft>
+          </a:pPr>
+          <a:r>
+            <a:rPr lang="de-DE" sz="6500" kern="1200" dirty="0"/>
+            <a:t>DEMO</a:t>
+          </a:r>
+        </a:p>
+      </dsp:txBody>
+      <dsp:txXfrm>
+        <a:off x="76105" y="1606404"/>
+        <a:ext cx="10363390" cy="1406815"/>
       </dsp:txXfrm>
     </dsp:sp>
   </dsp:spTree>
@@ -22361,173 +21362,6 @@
 </file>
 
 <file path=ppt/diagrams/layout15.xml><?xml version="1.0" encoding="utf-8"?>
-<dgm:layoutDef xmlns:dgm="http://schemas.openxmlformats.org/drawingml/2006/diagram" xmlns:a="http://schemas.openxmlformats.org/drawingml/2006/main" uniqueId="urn:microsoft.com/office/officeart/2005/8/layout/vList2">
-  <dgm:title val=""/>
-  <dgm:desc val=""/>
-  <dgm:catLst>
-    <dgm:cat type="list" pri="3000"/>
-    <dgm:cat type="convert" pri="1000"/>
-  </dgm:catLst>
-  <dgm:sampData>
-    <dgm:dataModel>
-      <dgm:ptLst>
-        <dgm:pt modelId="0" type="doc"/>
-        <dgm:pt modelId="1">
-          <dgm:prSet phldr="1"/>
-        </dgm:pt>
-        <dgm:pt modelId="11">
-          <dgm:prSet phldr="1"/>
-        </dgm:pt>
-        <dgm:pt modelId="2">
-          <dgm:prSet phldr="1"/>
-        </dgm:pt>
-        <dgm:pt modelId="21">
-          <dgm:prSet phldr="1"/>
-        </dgm:pt>
-      </dgm:ptLst>
-      <dgm:cxnLst>
-        <dgm:cxn modelId="4" srcId="0" destId="1" srcOrd="0" destOrd="0"/>
-        <dgm:cxn modelId="5" srcId="0" destId="2" srcOrd="1" destOrd="0"/>
-        <dgm:cxn modelId="12" srcId="1" destId="11" srcOrd="0" destOrd="0"/>
-        <dgm:cxn modelId="23" srcId="2" destId="21" srcOrd="0" destOrd="0"/>
-      </dgm:cxnLst>
-      <dgm:bg/>
-      <dgm:whole/>
-    </dgm:dataModel>
-  </dgm:sampData>
-  <dgm:styleData>
-    <dgm:dataModel>
-      <dgm:ptLst>
-        <dgm:pt modelId="0" type="doc"/>
-        <dgm:pt modelId="1"/>
-        <dgm:pt modelId="2"/>
-      </dgm:ptLst>
-      <dgm:cxnLst>
-        <dgm:cxn modelId="3" srcId="0" destId="1" srcOrd="0" destOrd="0"/>
-        <dgm:cxn modelId="4" srcId="0" destId="2" srcOrd="1" destOrd="0"/>
-      </dgm:cxnLst>
-      <dgm:bg/>
-      <dgm:whole/>
-    </dgm:dataModel>
-  </dgm:styleData>
-  <dgm:clrData>
-    <dgm:dataModel>
-      <dgm:ptLst>
-        <dgm:pt modelId="0" type="doc"/>
-        <dgm:pt modelId="1"/>
-        <dgm:pt modelId="2"/>
-        <dgm:pt modelId="3"/>
-        <dgm:pt modelId="4"/>
-      </dgm:ptLst>
-      <dgm:cxnLst>
-        <dgm:cxn modelId="5" srcId="0" destId="1" srcOrd="0" destOrd="0"/>
-        <dgm:cxn modelId="6" srcId="0" destId="2" srcOrd="1" destOrd="0"/>
-        <dgm:cxn modelId="7" srcId="0" destId="3" srcOrd="2" destOrd="0"/>
-        <dgm:cxn modelId="8" srcId="0" destId="4" srcOrd="3" destOrd="0"/>
-      </dgm:cxnLst>
-      <dgm:bg/>
-      <dgm:whole/>
-    </dgm:dataModel>
-  </dgm:clrData>
-  <dgm:layoutNode name="linear">
-    <dgm:varLst>
-      <dgm:animLvl val="lvl"/>
-      <dgm:resizeHandles val="exact"/>
-    </dgm:varLst>
-    <dgm:alg type="lin">
-      <dgm:param type="linDir" val="fromT"/>
-      <dgm:param type="vertAlign" val="mid"/>
-    </dgm:alg>
-    <dgm:shape xmlns:r="http://schemas.openxmlformats.org/officeDocument/2006/relationships" r:blip="">
-      <dgm:adjLst/>
-    </dgm:shape>
-    <dgm:presOf/>
-    <dgm:constrLst>
-      <dgm:constr type="w" for="ch" forName="parentText" refType="w"/>
-      <dgm:constr type="h" for="ch" forName="parentText" refType="primFontSz" refFor="ch" refForName="parentText" fact="0.52"/>
-      <dgm:constr type="w" for="ch" forName="childText" refType="w"/>
-      <dgm:constr type="h" for="ch" forName="childText" refType="primFontSz" refFor="ch" refForName="parentText" fact="0.46"/>
-      <dgm:constr type="h" for="ch" forName="parentText" op="equ"/>
-      <dgm:constr type="primFontSz" for="ch" forName="parentText" op="equ" val="65"/>
-      <dgm:constr type="primFontSz" for="ch" forName="childText" refType="primFontSz" refFor="ch" refForName="parentText" op="equ"/>
-      <dgm:constr type="h" for="ch" forName="spacer" refType="primFontSz" refFor="ch" refForName="parentText" fact="0.08"/>
-    </dgm:constrLst>
-    <dgm:ruleLst>
-      <dgm:rule type="primFontSz" for="ch" forName="parentText" val="5" fact="NaN" max="NaN"/>
-    </dgm:ruleLst>
-    <dgm:forEach name="Name0" axis="ch" ptType="node">
-      <dgm:layoutNode name="parentText" styleLbl="node1">
-        <dgm:varLst>
-          <dgm:chMax val="0"/>
-          <dgm:bulletEnabled val="1"/>
-        </dgm:varLst>
-        <dgm:alg type="tx">
-          <dgm:param type="parTxLTRAlign" val="l"/>
-          <dgm:param type="parTxRTLAlign" val="r"/>
-        </dgm:alg>
-        <dgm:shape xmlns:r="http://schemas.openxmlformats.org/officeDocument/2006/relationships" type="roundRect" r:blip="">
-          <dgm:adjLst/>
-        </dgm:shape>
-        <dgm:presOf axis="self"/>
-        <dgm:constrLst>
-          <dgm:constr type="tMarg" refType="primFontSz" fact="0.3"/>
-          <dgm:constr type="bMarg" refType="primFontSz" fact="0.3"/>
-          <dgm:constr type="lMarg" refType="primFontSz" fact="0.3"/>
-          <dgm:constr type="rMarg" refType="primFontSz" fact="0.3"/>
-        </dgm:constrLst>
-        <dgm:ruleLst>
-          <dgm:rule type="h" val="INF" fact="NaN" max="NaN"/>
-        </dgm:ruleLst>
-      </dgm:layoutNode>
-      <dgm:choose name="Name1">
-        <dgm:if name="Name2" axis="ch" ptType="node" func="cnt" op="gte" val="1">
-          <dgm:layoutNode name="childText" styleLbl="revTx">
-            <dgm:varLst>
-              <dgm:bulletEnabled val="1"/>
-            </dgm:varLst>
-            <dgm:alg type="tx">
-              <dgm:param type="stBulletLvl" val="1"/>
-              <dgm:param type="lnSpAfChP" val="20"/>
-            </dgm:alg>
-            <dgm:shape xmlns:r="http://schemas.openxmlformats.org/officeDocument/2006/relationships" type="rect" r:blip="">
-              <dgm:adjLst/>
-            </dgm:shape>
-            <dgm:presOf axis="des" ptType="node"/>
-            <dgm:constrLst>
-              <dgm:constr type="tMarg" refType="primFontSz" fact="0.1"/>
-              <dgm:constr type="bMarg" refType="primFontSz" fact="0.1"/>
-              <dgm:constr type="lMarg" refType="w" fact="0.09"/>
-            </dgm:constrLst>
-            <dgm:ruleLst>
-              <dgm:rule type="h" val="INF" fact="NaN" max="NaN"/>
-            </dgm:ruleLst>
-          </dgm:layoutNode>
-        </dgm:if>
-        <dgm:else name="Name3">
-          <dgm:choose name="Name4">
-            <dgm:if name="Name5" axis="par ch" ptType="doc node" func="cnt" op="gte" val="2">
-              <dgm:forEach name="Name6" axis="followSib" ptType="sibTrans" cnt="1">
-                <dgm:layoutNode name="spacer">
-                  <dgm:alg type="sp"/>
-                  <dgm:shape xmlns:r="http://schemas.openxmlformats.org/officeDocument/2006/relationships" r:blip="">
-                    <dgm:adjLst/>
-                  </dgm:shape>
-                  <dgm:presOf/>
-                  <dgm:constrLst/>
-                  <dgm:ruleLst/>
-                </dgm:layoutNode>
-              </dgm:forEach>
-            </dgm:if>
-            <dgm:else name="Name7"/>
-          </dgm:choose>
-        </dgm:else>
-      </dgm:choose>
-    </dgm:forEach>
-  </dgm:layoutNode>
-</dgm:layoutDef>
-</file>
-
-<file path=ppt/diagrams/layout16.xml><?xml version="1.0" encoding="utf-8"?>
 <dgm:layoutDef xmlns:dgm="http://schemas.openxmlformats.org/drawingml/2006/diagram" xmlns:a="http://schemas.openxmlformats.org/drawingml/2006/main" uniqueId="urn:microsoft.com/office/officeart/2005/8/layout/funnel1">
   <dgm:title val=""/>
   <dgm:desc val=""/>
@@ -23640,567 +22474,6 @@
 </file>
 
 <file path=ppt/diagrams/layout4.xml><?xml version="1.0" encoding="utf-8"?>
-<dgm:layoutDef xmlns:dgm="http://schemas.openxmlformats.org/drawingml/2006/diagram" xmlns:a="http://schemas.openxmlformats.org/drawingml/2006/main" uniqueId="urn:microsoft.com/office/officeart/2009/layout/CirclePictureHierarchy">
-  <dgm:title val=""/>
-  <dgm:desc val=""/>
-  <dgm:catLst>
-    <dgm:cat type="hierarchy" pri="1750"/>
-    <dgm:cat type="picture" pri="23000"/>
-    <dgm:cat type="pictureconvert" pri="23000"/>
-  </dgm:catLst>
-  <dgm:sampData>
-    <dgm:dataModel>
-      <dgm:ptLst>
-        <dgm:pt modelId="0" type="doc"/>
-        <dgm:pt modelId="1">
-          <dgm:prSet phldr="1"/>
-        </dgm:pt>
-        <dgm:pt modelId="2">
-          <dgm:prSet phldr="1"/>
-        </dgm:pt>
-        <dgm:pt modelId="21">
-          <dgm:prSet phldr="1"/>
-        </dgm:pt>
-        <dgm:pt modelId="22">
-          <dgm:prSet phldr="1"/>
-        </dgm:pt>
-        <dgm:pt modelId="3">
-          <dgm:prSet phldr="1"/>
-        </dgm:pt>
-        <dgm:pt modelId="31">
-          <dgm:prSet phldr="1"/>
-        </dgm:pt>
-      </dgm:ptLst>
-      <dgm:cxnLst>
-        <dgm:cxn modelId="4" srcId="0" destId="1" srcOrd="0" destOrd="0"/>
-        <dgm:cxn modelId="5" srcId="1" destId="2" srcOrd="0" destOrd="0"/>
-        <dgm:cxn modelId="6" srcId="1" destId="3" srcOrd="1" destOrd="0"/>
-        <dgm:cxn modelId="23" srcId="2" destId="21" srcOrd="0" destOrd="0"/>
-        <dgm:cxn modelId="24" srcId="2" destId="22" srcOrd="1" destOrd="0"/>
-        <dgm:cxn modelId="33" srcId="3" destId="31" srcOrd="0" destOrd="0"/>
-      </dgm:cxnLst>
-      <dgm:bg/>
-      <dgm:whole/>
-    </dgm:dataModel>
-  </dgm:sampData>
-  <dgm:styleData>
-    <dgm:dataModel>
-      <dgm:ptLst>
-        <dgm:pt modelId="0" type="doc"/>
-        <dgm:pt modelId="1"/>
-        <dgm:pt modelId="11"/>
-        <dgm:pt modelId="12"/>
-      </dgm:ptLst>
-      <dgm:cxnLst>
-        <dgm:cxn modelId="2" srcId="0" destId="1" srcOrd="0" destOrd="0"/>
-        <dgm:cxn modelId="13" srcId="1" destId="11" srcOrd="0" destOrd="0"/>
-        <dgm:cxn modelId="14" srcId="1" destId="12" srcOrd="1" destOrd="0"/>
-      </dgm:cxnLst>
-      <dgm:bg/>
-      <dgm:whole/>
-    </dgm:dataModel>
-  </dgm:styleData>
-  <dgm:clrData>
-    <dgm:dataModel>
-      <dgm:ptLst>
-        <dgm:pt modelId="0" type="doc"/>
-        <dgm:pt modelId="1"/>
-        <dgm:pt modelId="2"/>
-        <dgm:pt modelId="21"/>
-        <dgm:pt modelId="211"/>
-        <dgm:pt modelId="3"/>
-        <dgm:pt modelId="31"/>
-        <dgm:pt modelId="311"/>
-      </dgm:ptLst>
-      <dgm:cxnLst>
-        <dgm:cxn modelId="4" srcId="0" destId="1" srcOrd="0" destOrd="0"/>
-        <dgm:cxn modelId="5" srcId="1" destId="2" srcOrd="0" destOrd="0"/>
-        <dgm:cxn modelId="6" srcId="1" destId="3" srcOrd="1" destOrd="0"/>
-        <dgm:cxn modelId="23" srcId="2" destId="21" srcOrd="0" destOrd="0"/>
-        <dgm:cxn modelId="24" srcId="21" destId="211" srcOrd="0" destOrd="0"/>
-        <dgm:cxn modelId="33" srcId="3" destId="31" srcOrd="0" destOrd="0"/>
-        <dgm:cxn modelId="34" srcId="31" destId="311" srcOrd="0" destOrd="0"/>
-      </dgm:cxnLst>
-      <dgm:bg/>
-      <dgm:whole/>
-    </dgm:dataModel>
-  </dgm:clrData>
-  <dgm:layoutNode name="hierChild1">
-    <dgm:varLst>
-      <dgm:chPref val="1"/>
-      <dgm:dir/>
-      <dgm:animOne val="branch"/>
-      <dgm:animLvl val="lvl"/>
-      <dgm:resizeHandles/>
-    </dgm:varLst>
-    <dgm:choose name="Name0">
-      <dgm:if name="Name1" func="var" arg="dir" op="equ" val="norm">
-        <dgm:alg type="hierChild">
-          <dgm:param type="linDir" val="fromL"/>
-        </dgm:alg>
-      </dgm:if>
-      <dgm:else name="Name2">
-        <dgm:alg type="hierChild">
-          <dgm:param type="linDir" val="fromR"/>
-        </dgm:alg>
-      </dgm:else>
-    </dgm:choose>
-    <dgm:shape xmlns:r="http://schemas.openxmlformats.org/officeDocument/2006/relationships" r:blip="">
-      <dgm:adjLst/>
-    </dgm:shape>
-    <dgm:presOf/>
-    <dgm:constrLst>
-      <dgm:constr type="primFontSz" for="des" ptType="node" op="equ" val="65"/>
-      <dgm:constr type="w" for="des" forName="composite" refType="w"/>
-      <dgm:constr type="h" for="des" forName="composite" refType="w" refFor="des" refForName="composite" fact="0.5"/>
-      <dgm:constr type="w" for="des" forName="composite2" refType="w" refFor="des" refForName="composite"/>
-      <dgm:constr type="h" for="des" forName="composite2" refType="h" refFor="des" refForName="composite"/>
-      <dgm:constr type="w" for="des" forName="composite3" refType="w" refFor="des" refForName="composite"/>
-      <dgm:constr type="h" for="des" forName="composite3" refType="h" refFor="des" refForName="composite"/>
-      <dgm:constr type="w" for="des" forName="composite4" refType="w" refFor="des" refForName="composite"/>
-      <dgm:constr type="h" for="des" forName="composite4" refType="h" refFor="des" refForName="composite"/>
-      <dgm:constr type="w" for="des" forName="composite5" refType="w" refFor="des" refForName="composite"/>
-      <dgm:constr type="h" for="des" forName="composite5" refType="h" refFor="des" refForName="composite"/>
-      <dgm:constr type="sibSp" refType="w" refFor="des" refForName="composite" fact="0.1"/>
-      <dgm:constr type="sibSp" for="des" forName="hierChild2" refType="sibSp"/>
-      <dgm:constr type="sibSp" for="des" forName="hierChild3" refType="sibSp"/>
-      <dgm:constr type="sibSp" for="des" forName="hierChild4" refType="sibSp"/>
-      <dgm:constr type="sibSp" for="des" forName="hierChild5" refType="sibSp"/>
-      <dgm:constr type="sibSp" for="des" forName="hierChild6" refType="sibSp"/>
-      <dgm:constr type="sp" for="des" forName="hierRoot1" refType="h" refFor="des" refForName="composite" fact="0.25"/>
-      <dgm:constr type="sp" for="des" forName="hierRoot2" refType="sp" refFor="des" refForName="hierRoot1"/>
-      <dgm:constr type="sp" for="des" forName="hierRoot3" refType="sp" refFor="des" refForName="hierRoot1"/>
-      <dgm:constr type="sp" for="des" forName="hierRoot4" refType="sp" refFor="des" refForName="hierRoot1"/>
-      <dgm:constr type="sp" for="des" forName="hierRoot5" refType="sp" refFor="des" refForName="hierRoot1"/>
-    </dgm:constrLst>
-    <dgm:ruleLst/>
-    <dgm:forEach name="Name3" axis="ch">
-      <dgm:forEach name="Name4" axis="self" ptType="node">
-        <dgm:layoutNode name="hierRoot1">
-          <dgm:alg type="hierRoot"/>
-          <dgm:shape xmlns:r="http://schemas.openxmlformats.org/officeDocument/2006/relationships" r:blip="">
-            <dgm:adjLst/>
-          </dgm:shape>
-          <dgm:presOf/>
-          <dgm:constrLst>
-            <dgm:constr type="bendDist" for="des" ptType="parTrans" refType="sp" fact="0.5"/>
-          </dgm:constrLst>
-          <dgm:ruleLst/>
-          <dgm:layoutNode name="composite">
-            <dgm:alg type="composite"/>
-            <dgm:shape xmlns:r="http://schemas.openxmlformats.org/officeDocument/2006/relationships" r:blip="">
-              <dgm:adjLst/>
-            </dgm:shape>
-            <dgm:presOf/>
-            <dgm:constrLst>
-              <dgm:constr type="h" for="ch" forName="image" refType="h" fact="0.8"/>
-              <dgm:constr type="w" for="ch" forName="image" refType="h" refFor="ch" refForName="image"/>
-              <dgm:constr type="t" for="ch" forName="image" refType="h" fact="0.1"/>
-              <dgm:constr type="l" for="ch" forName="image"/>
-              <dgm:constr type="w" for="ch" forName="text" refType="w" fact="0.6"/>
-              <dgm:constr type="h" for="ch" forName="text" refType="h" fact="0.8"/>
-              <dgm:constr type="t" for="ch" forName="text" refType="w" fact="0.04"/>
-              <dgm:constr type="l" for="ch" forName="text" refType="w" fact="0.4"/>
-            </dgm:constrLst>
-            <dgm:ruleLst/>
-            <dgm:layoutNode name="image" styleLbl="node0">
-              <dgm:alg type="sp"/>
-              <dgm:shape xmlns:r="http://schemas.openxmlformats.org/officeDocument/2006/relationships" type="ellipse" r:blip="" blipPhldr="1">
-                <dgm:adjLst/>
-              </dgm:shape>
-              <dgm:presOf/>
-              <dgm:constrLst/>
-              <dgm:ruleLst/>
-            </dgm:layoutNode>
-            <dgm:layoutNode name="text" styleLbl="revTx">
-              <dgm:varLst>
-                <dgm:chPref val="3"/>
-              </dgm:varLst>
-              <dgm:alg type="tx">
-                <dgm:param type="parTxLTRAlign" val="l"/>
-                <dgm:param type="parTxRTLAlign" val="r"/>
-              </dgm:alg>
-              <dgm:shape xmlns:r="http://schemas.openxmlformats.org/officeDocument/2006/relationships" type="rect" r:blip="">
-                <dgm:adjLst/>
-              </dgm:shape>
-              <dgm:presOf axis="self"/>
-              <dgm:constrLst>
-                <dgm:constr type="tMarg" refType="primFontSz" fact="0.3"/>
-                <dgm:constr type="bMarg" refType="primFontSz" fact="0.3"/>
-                <dgm:constr type="lMarg" refType="primFontSz" fact="0.3"/>
-                <dgm:constr type="rMarg" refType="primFontSz" fact="0.3"/>
-              </dgm:constrLst>
-              <dgm:ruleLst>
-                <dgm:rule type="primFontSz" val="5" fact="NaN" max="NaN"/>
-              </dgm:ruleLst>
-            </dgm:layoutNode>
-          </dgm:layoutNode>
-          <dgm:layoutNode name="hierChild2">
-            <dgm:choose name="Name5">
-              <dgm:if name="Name6" func="var" arg="dir" op="equ" val="norm">
-                <dgm:alg type="hierChild">
-                  <dgm:param type="linDir" val="fromL"/>
-                </dgm:alg>
-              </dgm:if>
-              <dgm:else name="Name7">
-                <dgm:alg type="hierChild">
-                  <dgm:param type="linDir" val="fromR"/>
-                </dgm:alg>
-              </dgm:else>
-            </dgm:choose>
-            <dgm:shape xmlns:r="http://schemas.openxmlformats.org/officeDocument/2006/relationships" r:blip="">
-              <dgm:adjLst/>
-            </dgm:shape>
-            <dgm:presOf/>
-            <dgm:constrLst/>
-            <dgm:ruleLst/>
-            <dgm:forEach name="Name8" axis="ch">
-              <dgm:forEach name="Name9" axis="self" ptType="parTrans" cnt="1">
-                <dgm:layoutNode name="Name10">
-                  <dgm:alg type="conn">
-                    <dgm:param type="dim" val="1D"/>
-                    <dgm:param type="endSty" val="noArr"/>
-                    <dgm:param type="connRout" val="bend"/>
-                    <dgm:param type="bendPt" val="end"/>
-                    <dgm:param type="begPts" val="bCtr"/>
-                    <dgm:param type="endPts" val="tCtr"/>
-                    <dgm:param type="srcNode" val="image"/>
-                    <dgm:param type="dstNode" val="image2"/>
-                  </dgm:alg>
-                  <dgm:shape xmlns:r="http://schemas.openxmlformats.org/officeDocument/2006/relationships" type="conn" r:blip="" zOrderOff="-999">
-                    <dgm:adjLst/>
-                  </dgm:shape>
-                  <dgm:presOf axis="self"/>
-                  <dgm:constrLst>
-                    <dgm:constr type="begPad"/>
-                    <dgm:constr type="endPad"/>
-                  </dgm:constrLst>
-                  <dgm:ruleLst/>
-                </dgm:layoutNode>
-              </dgm:forEach>
-              <dgm:forEach name="Name11" axis="self" ptType="node">
-                <dgm:layoutNode name="hierRoot2">
-                  <dgm:alg type="hierRoot"/>
-                  <dgm:shape xmlns:r="http://schemas.openxmlformats.org/officeDocument/2006/relationships" r:blip="">
-                    <dgm:adjLst/>
-                  </dgm:shape>
-                  <dgm:presOf/>
-                  <dgm:constrLst>
-                    <dgm:constr type="bendDist" for="des" ptType="parTrans" refType="sp" fact="0.5"/>
-                  </dgm:constrLst>
-                  <dgm:ruleLst/>
-                  <dgm:layoutNode name="composite2">
-                    <dgm:alg type="composite"/>
-                    <dgm:shape xmlns:r="http://schemas.openxmlformats.org/officeDocument/2006/relationships" r:blip="">
-                      <dgm:adjLst/>
-                    </dgm:shape>
-                    <dgm:presOf/>
-                    <dgm:constrLst>
-                      <dgm:constr type="h" for="ch" forName="image2" refType="h" fact="0.8"/>
-                      <dgm:constr type="w" for="ch" forName="image2" refType="h" refFor="ch" refForName="image2"/>
-                      <dgm:constr type="t" for="ch" forName="image2" refType="h" fact="0.1"/>
-                      <dgm:constr type="l" for="ch" forName="image2"/>
-                      <dgm:constr type="w" for="ch" forName="text2" refType="w" fact="0.6"/>
-                      <dgm:constr type="h" for="ch" forName="text2" refType="h" fact="0.8"/>
-                      <dgm:constr type="t" for="ch" forName="text2" refType="w" fact="0.04"/>
-                      <dgm:constr type="l" for="ch" forName="text2" refType="w" fact="0.4"/>
-                    </dgm:constrLst>
-                    <dgm:ruleLst/>
-                    <dgm:layoutNode name="image2">
-                      <dgm:alg type="sp"/>
-                      <dgm:shape xmlns:r="http://schemas.openxmlformats.org/officeDocument/2006/relationships" type="ellipse" r:blip="" blipPhldr="1">
-                        <dgm:adjLst/>
-                      </dgm:shape>
-                      <dgm:presOf/>
-                      <dgm:constrLst/>
-                      <dgm:ruleLst/>
-                    </dgm:layoutNode>
-                    <dgm:layoutNode name="text2" styleLbl="revTx">
-                      <dgm:varLst>
-                        <dgm:chPref val="3"/>
-                      </dgm:varLst>
-                      <dgm:alg type="tx">
-                        <dgm:param type="parTxLTRAlign" val="l"/>
-                        <dgm:param type="parTxRTLAlign" val="r"/>
-                      </dgm:alg>
-                      <dgm:shape xmlns:r="http://schemas.openxmlformats.org/officeDocument/2006/relationships" type="rect" r:blip="">
-                        <dgm:adjLst/>
-                      </dgm:shape>
-                      <dgm:presOf axis="self"/>
-                      <dgm:constrLst>
-                        <dgm:constr type="tMarg" refType="primFontSz" fact="0.3"/>
-                        <dgm:constr type="bMarg" refType="primFontSz" fact="0.3"/>
-                        <dgm:constr type="lMarg" refType="primFontSz" fact="0.3"/>
-                        <dgm:constr type="rMarg" refType="primFontSz" fact="0.3"/>
-                      </dgm:constrLst>
-                      <dgm:ruleLst>
-                        <dgm:rule type="primFontSz" val="5" fact="NaN" max="NaN"/>
-                      </dgm:ruleLst>
-                    </dgm:layoutNode>
-                  </dgm:layoutNode>
-                  <dgm:layoutNode name="hierChild3">
-                    <dgm:choose name="Name12">
-                      <dgm:if name="Name13" func="var" arg="dir" op="equ" val="norm">
-                        <dgm:alg type="hierChild">
-                          <dgm:param type="linDir" val="fromL"/>
-                        </dgm:alg>
-                      </dgm:if>
-                      <dgm:else name="Name14">
-                        <dgm:alg type="hierChild">
-                          <dgm:param type="linDir" val="fromR"/>
-                        </dgm:alg>
-                      </dgm:else>
-                    </dgm:choose>
-                    <dgm:shape xmlns:r="http://schemas.openxmlformats.org/officeDocument/2006/relationships" r:blip="">
-                      <dgm:adjLst/>
-                    </dgm:shape>
-                    <dgm:presOf/>
-                    <dgm:constrLst/>
-                    <dgm:ruleLst/>
-                    <dgm:forEach name="Name15" axis="ch">
-                      <dgm:forEach name="Name16" axis="self" ptType="parTrans" cnt="1">
-                        <dgm:layoutNode name="Name17">
-                          <dgm:alg type="conn">
-                            <dgm:param type="dim" val="1D"/>
-                            <dgm:param type="endSty" val="noArr"/>
-                            <dgm:param type="connRout" val="bend"/>
-                            <dgm:param type="bendPt" val="end"/>
-                            <dgm:param type="begPts" val="bCtr"/>
-                            <dgm:param type="endPts" val="tCtr"/>
-                            <dgm:param type="srcNode" val="image2"/>
-                            <dgm:param type="dstNode" val="image3"/>
-                          </dgm:alg>
-                          <dgm:shape xmlns:r="http://schemas.openxmlformats.org/officeDocument/2006/relationships" type="conn" r:blip="" zOrderOff="-999">
-                            <dgm:adjLst/>
-                          </dgm:shape>
-                          <dgm:presOf axis="self"/>
-                          <dgm:constrLst>
-                            <dgm:constr type="begPad"/>
-                            <dgm:constr type="endPad"/>
-                          </dgm:constrLst>
-                          <dgm:ruleLst/>
-                        </dgm:layoutNode>
-                      </dgm:forEach>
-                      <dgm:forEach name="Name18" axis="self" ptType="node">
-                        <dgm:layoutNode name="hierRoot3">
-                          <dgm:alg type="hierRoot"/>
-                          <dgm:shape xmlns:r="http://schemas.openxmlformats.org/officeDocument/2006/relationships" r:blip="">
-                            <dgm:adjLst/>
-                          </dgm:shape>
-                          <dgm:presOf/>
-                          <dgm:constrLst>
-                            <dgm:constr type="bendDist" for="des" ptType="parTrans" refType="sp" fact="0.5"/>
-                          </dgm:constrLst>
-                          <dgm:ruleLst/>
-                          <dgm:layoutNode name="composite3">
-                            <dgm:alg type="composite"/>
-                            <dgm:shape xmlns:r="http://schemas.openxmlformats.org/officeDocument/2006/relationships" r:blip="">
-                              <dgm:adjLst/>
-                            </dgm:shape>
-                            <dgm:presOf/>
-                            <dgm:constrLst>
-                              <dgm:constr type="h" for="ch" forName="image3" refType="h" fact="0.8"/>
-                              <dgm:constr type="w" for="ch" forName="image3" refType="h" refFor="ch" refForName="image3"/>
-                              <dgm:constr type="t" for="ch" forName="image3" refType="h" fact="0.1"/>
-                              <dgm:constr type="l" for="ch" forName="image3"/>
-                              <dgm:constr type="w" for="ch" forName="text3" refType="w" fact="0.6"/>
-                              <dgm:constr type="h" for="ch" forName="text3" refType="h" fact="0.8"/>
-                              <dgm:constr type="t" for="ch" forName="text3" refType="w" fact="0.04"/>
-                              <dgm:constr type="l" for="ch" forName="text3" refType="w" fact="0.4"/>
-                            </dgm:constrLst>
-                            <dgm:ruleLst/>
-                            <dgm:layoutNode name="image3">
-                              <dgm:alg type="sp"/>
-                              <dgm:shape xmlns:r="http://schemas.openxmlformats.org/officeDocument/2006/relationships" type="ellipse" r:blip="" blipPhldr="1">
-                                <dgm:adjLst/>
-                              </dgm:shape>
-                              <dgm:presOf/>
-                              <dgm:constrLst/>
-                              <dgm:ruleLst/>
-                            </dgm:layoutNode>
-                            <dgm:layoutNode name="text3" styleLbl="revTx">
-                              <dgm:varLst>
-                                <dgm:chPref val="3"/>
-                              </dgm:varLst>
-                              <dgm:alg type="tx">
-                                <dgm:param type="parTxLTRAlign" val="l"/>
-                                <dgm:param type="parTxRTLAlign" val="r"/>
-                              </dgm:alg>
-                              <dgm:shape xmlns:r="http://schemas.openxmlformats.org/officeDocument/2006/relationships" type="rect" r:blip="">
-                                <dgm:adjLst/>
-                              </dgm:shape>
-                              <dgm:presOf axis="self"/>
-                              <dgm:constrLst>
-                                <dgm:constr type="tMarg" refType="primFontSz" fact="0.3"/>
-                                <dgm:constr type="bMarg" refType="primFontSz" fact="0.3"/>
-                                <dgm:constr type="lMarg" refType="primFontSz" fact="0.3"/>
-                                <dgm:constr type="rMarg" refType="primFontSz" fact="0.3"/>
-                              </dgm:constrLst>
-                              <dgm:ruleLst>
-                                <dgm:rule type="primFontSz" val="5" fact="NaN" max="NaN"/>
-                              </dgm:ruleLst>
-                            </dgm:layoutNode>
-                          </dgm:layoutNode>
-                          <dgm:layoutNode name="hierChild4">
-                            <dgm:choose name="Name19">
-                              <dgm:if name="Name20" func="var" arg="dir" op="equ" val="norm">
-                                <dgm:alg type="hierChild">
-                                  <dgm:param type="linDir" val="fromL"/>
-                                </dgm:alg>
-                              </dgm:if>
-                              <dgm:else name="Name21">
-                                <dgm:alg type="hierChild">
-                                  <dgm:param type="linDir" val="fromR"/>
-                                </dgm:alg>
-                              </dgm:else>
-                            </dgm:choose>
-                            <dgm:shape xmlns:r="http://schemas.openxmlformats.org/officeDocument/2006/relationships" r:blip="">
-                              <dgm:adjLst/>
-                            </dgm:shape>
-                            <dgm:presOf/>
-                            <dgm:constrLst/>
-                            <dgm:ruleLst/>
-                            <dgm:forEach name="repeat" axis="ch">
-                              <dgm:forEach name="Name22" axis="self" ptType="parTrans" cnt="1">
-                                <dgm:layoutNode name="Name23">
-                                  <dgm:choose name="Name24">
-                                    <dgm:if name="Name25" axis="self" func="depth" op="lte" val="4">
-                                      <dgm:alg type="conn">
-                                        <dgm:param type="dim" val="1D"/>
-                                        <dgm:param type="endSty" val="noArr"/>
-                                        <dgm:param type="connRout" val="bend"/>
-                                        <dgm:param type="bendPt" val="end"/>
-                                        <dgm:param type="begPts" val="bCtr"/>
-                                        <dgm:param type="endPts" val="tCtr"/>
-                                        <dgm:param type="srcNode" val="image3"/>
-                                        <dgm:param type="dstNode" val="image4"/>
-                                      </dgm:alg>
-                                    </dgm:if>
-                                    <dgm:else name="Name26">
-                                      <dgm:alg type="conn">
-                                        <dgm:param type="dim" val="1D"/>
-                                        <dgm:param type="endSty" val="noArr"/>
-                                        <dgm:param type="connRout" val="bend"/>
-                                        <dgm:param type="bendPt" val="end"/>
-                                        <dgm:param type="begPts" val="bCtr"/>
-                                        <dgm:param type="endPts" val="tCtr"/>
-                                        <dgm:param type="srcNode" val="image4"/>
-                                        <dgm:param type="dstNode" val="image4"/>
-                                      </dgm:alg>
-                                    </dgm:else>
-                                  </dgm:choose>
-                                  <dgm:shape xmlns:r="http://schemas.openxmlformats.org/officeDocument/2006/relationships" type="conn" r:blip="" zOrderOff="-999">
-                                    <dgm:adjLst/>
-                                  </dgm:shape>
-                                  <dgm:presOf axis="self"/>
-                                  <dgm:constrLst>
-                                    <dgm:constr type="begPad"/>
-                                    <dgm:constr type="endPad"/>
-                                  </dgm:constrLst>
-                                  <dgm:ruleLst/>
-                                </dgm:layoutNode>
-                              </dgm:forEach>
-                              <dgm:forEach name="Name27" axis="self" ptType="node">
-                                <dgm:layoutNode name="hierRoot4">
-                                  <dgm:alg type="hierRoot"/>
-                                  <dgm:shape xmlns:r="http://schemas.openxmlformats.org/officeDocument/2006/relationships" r:blip="">
-                                    <dgm:adjLst/>
-                                  </dgm:shape>
-                                  <dgm:presOf/>
-                                  <dgm:constrLst>
-                                    <dgm:constr type="bendDist" for="des" ptType="parTrans" refType="sp" fact="0.5"/>
-                                  </dgm:constrLst>
-                                  <dgm:ruleLst/>
-                                  <dgm:layoutNode name="composite4">
-                                    <dgm:alg type="composite"/>
-                                    <dgm:shape xmlns:r="http://schemas.openxmlformats.org/officeDocument/2006/relationships" r:blip="">
-                                      <dgm:adjLst/>
-                                    </dgm:shape>
-                                    <dgm:presOf/>
-                                    <dgm:constrLst>
-                                      <dgm:constr type="h" for="ch" forName="image4" refType="h" fact="0.8"/>
-                                      <dgm:constr type="w" for="ch" forName="image4" refType="h" refFor="ch" refForName="image4"/>
-                                      <dgm:constr type="t" for="ch" forName="image4" refType="h" fact="0.1"/>
-                                      <dgm:constr type="l" for="ch" forName="image4"/>
-                                      <dgm:constr type="w" for="ch" forName="text4" refType="w" fact="0.6"/>
-                                      <dgm:constr type="h" for="ch" forName="text4" refType="h" fact="0.8"/>
-                                      <dgm:constr type="t" for="ch" forName="text4" refType="w" fact="0.04"/>
-                                      <dgm:constr type="l" for="ch" forName="text4" refType="w" fact="0.4"/>
-                                    </dgm:constrLst>
-                                    <dgm:ruleLst/>
-                                    <dgm:layoutNode name="image4">
-                                      <dgm:alg type="sp"/>
-                                      <dgm:shape xmlns:r="http://schemas.openxmlformats.org/officeDocument/2006/relationships" type="ellipse" r:blip="" blipPhldr="1">
-                                        <dgm:adjLst/>
-                                      </dgm:shape>
-                                      <dgm:presOf/>
-                                      <dgm:constrLst/>
-                                      <dgm:ruleLst/>
-                                    </dgm:layoutNode>
-                                    <dgm:layoutNode name="text4" styleLbl="revTx">
-                                      <dgm:varLst>
-                                        <dgm:chPref val="3"/>
-                                      </dgm:varLst>
-                                      <dgm:alg type="tx">
-                                        <dgm:param type="parTxLTRAlign" val="l"/>
-                                        <dgm:param type="parTxRTLAlign" val="r"/>
-                                      </dgm:alg>
-                                      <dgm:shape xmlns:r="http://schemas.openxmlformats.org/officeDocument/2006/relationships" type="rect" r:blip="">
-                                        <dgm:adjLst/>
-                                      </dgm:shape>
-                                      <dgm:presOf axis="self"/>
-                                      <dgm:constrLst>
-                                        <dgm:constr type="tMarg" refType="primFontSz" fact="0.3"/>
-                                        <dgm:constr type="bMarg" refType="primFontSz" fact="0.3"/>
-                                        <dgm:constr type="lMarg" refType="primFontSz" fact="0.3"/>
-                                        <dgm:constr type="rMarg" refType="primFontSz" fact="0.3"/>
-                                      </dgm:constrLst>
-                                      <dgm:ruleLst>
-                                        <dgm:rule type="primFontSz" val="5" fact="NaN" max="NaN"/>
-                                      </dgm:ruleLst>
-                                    </dgm:layoutNode>
-                                  </dgm:layoutNode>
-                                  <dgm:layoutNode name="hierChild5">
-                                    <dgm:choose name="Name28">
-                                      <dgm:if name="Name29" func="var" arg="dir" op="equ" val="norm">
-                                        <dgm:alg type="hierChild">
-                                          <dgm:param type="linDir" val="fromL"/>
-                                        </dgm:alg>
-                                      </dgm:if>
-                                      <dgm:else name="Name30">
-                                        <dgm:alg type="hierChild">
-                                          <dgm:param type="linDir" val="fromR"/>
-                                        </dgm:alg>
-                                      </dgm:else>
-                                    </dgm:choose>
-                                    <dgm:shape xmlns:r="http://schemas.openxmlformats.org/officeDocument/2006/relationships" r:blip="">
-                                      <dgm:adjLst/>
-                                    </dgm:shape>
-                                    <dgm:presOf/>
-                                    <dgm:constrLst/>
-                                    <dgm:ruleLst/>
-                                    <dgm:forEach name="Name31" ref="repeat"/>
-                                  </dgm:layoutNode>
-                                </dgm:layoutNode>
-                              </dgm:forEach>
-                            </dgm:forEach>
-                          </dgm:layoutNode>
-                        </dgm:layoutNode>
-                      </dgm:forEach>
-                    </dgm:forEach>
-                  </dgm:layoutNode>
-                </dgm:layoutNode>
-              </dgm:forEach>
-            </dgm:forEach>
-          </dgm:layoutNode>
-        </dgm:layoutNode>
-      </dgm:forEach>
-    </dgm:forEach>
-  </dgm:layoutNode>
-</dgm:layoutDef>
-</file>
-
-<file path=ppt/diagrams/layout5.xml><?xml version="1.0" encoding="utf-8"?>
 <dgm:layoutDef xmlns:dgm="http://schemas.openxmlformats.org/drawingml/2006/diagram" xmlns:a="http://schemas.openxmlformats.org/drawingml/2006/main" uniqueId="urn:microsoft.com/office/officeart/2005/8/layout/vList4">
   <dgm:title val=""/>
   <dgm:desc val=""/>
@@ -24407,7 +22680,7 @@
 </dgm:layoutDef>
 </file>
 
-<file path=ppt/diagrams/layout6.xml><?xml version="1.0" encoding="utf-8"?>
+<file path=ppt/diagrams/layout5.xml><?xml version="1.0" encoding="utf-8"?>
 <dgm:layoutDef xmlns:dgm="http://schemas.openxmlformats.org/drawingml/2006/diagram" xmlns:a="http://schemas.openxmlformats.org/drawingml/2006/main" uniqueId="urn:microsoft.com/office/officeart/2005/8/layout/cycle2">
   <dgm:title val=""/>
   <dgm:desc val=""/>
@@ -24618,7 +22891,7 @@
 </dgm:layoutDef>
 </file>
 
-<file path=ppt/diagrams/layout7.xml><?xml version="1.0" encoding="utf-8"?>
+<file path=ppt/diagrams/layout6.xml><?xml version="1.0" encoding="utf-8"?>
 <dgm:layoutDef xmlns:dgm="http://schemas.openxmlformats.org/drawingml/2006/diagram" xmlns:a="http://schemas.openxmlformats.org/drawingml/2006/main" uniqueId="urn:microsoft.com/office/officeart/2005/8/layout/vList3">
   <dgm:title val=""/>
   <dgm:desc val=""/>
@@ -24781,7 +23054,7 @@
 </dgm:layoutDef>
 </file>
 
-<file path=ppt/diagrams/layout8.xml><?xml version="1.0" encoding="utf-8"?>
+<file path=ppt/diagrams/layout7.xml><?xml version="1.0" encoding="utf-8"?>
 <dgm:layoutDef xmlns:dgm="http://schemas.openxmlformats.org/drawingml/2006/diagram" xmlns:a="http://schemas.openxmlformats.org/drawingml/2006/main" uniqueId="urn:microsoft.com/office/officeart/2005/8/layout/orgChart1">
   <dgm:title val=""/>
   <dgm:desc val=""/>
@@ -25927,6 +24200,173 @@
 </dgm:layoutDef>
 </file>
 
+<file path=ppt/diagrams/layout8.xml><?xml version="1.0" encoding="utf-8"?>
+<dgm:layoutDef xmlns:dgm="http://schemas.openxmlformats.org/drawingml/2006/diagram" xmlns:a="http://schemas.openxmlformats.org/drawingml/2006/main" uniqueId="urn:microsoft.com/office/officeart/2005/8/layout/vList2">
+  <dgm:title val=""/>
+  <dgm:desc val=""/>
+  <dgm:catLst>
+    <dgm:cat type="list" pri="3000"/>
+    <dgm:cat type="convert" pri="1000"/>
+  </dgm:catLst>
+  <dgm:sampData>
+    <dgm:dataModel>
+      <dgm:ptLst>
+        <dgm:pt modelId="0" type="doc"/>
+        <dgm:pt modelId="1">
+          <dgm:prSet phldr="1"/>
+        </dgm:pt>
+        <dgm:pt modelId="11">
+          <dgm:prSet phldr="1"/>
+        </dgm:pt>
+        <dgm:pt modelId="2">
+          <dgm:prSet phldr="1"/>
+        </dgm:pt>
+        <dgm:pt modelId="21">
+          <dgm:prSet phldr="1"/>
+        </dgm:pt>
+      </dgm:ptLst>
+      <dgm:cxnLst>
+        <dgm:cxn modelId="4" srcId="0" destId="1" srcOrd="0" destOrd="0"/>
+        <dgm:cxn modelId="5" srcId="0" destId="2" srcOrd="1" destOrd="0"/>
+        <dgm:cxn modelId="12" srcId="1" destId="11" srcOrd="0" destOrd="0"/>
+        <dgm:cxn modelId="23" srcId="2" destId="21" srcOrd="0" destOrd="0"/>
+      </dgm:cxnLst>
+      <dgm:bg/>
+      <dgm:whole/>
+    </dgm:dataModel>
+  </dgm:sampData>
+  <dgm:styleData>
+    <dgm:dataModel>
+      <dgm:ptLst>
+        <dgm:pt modelId="0" type="doc"/>
+        <dgm:pt modelId="1"/>
+        <dgm:pt modelId="2"/>
+      </dgm:ptLst>
+      <dgm:cxnLst>
+        <dgm:cxn modelId="3" srcId="0" destId="1" srcOrd="0" destOrd="0"/>
+        <dgm:cxn modelId="4" srcId="0" destId="2" srcOrd="1" destOrd="0"/>
+      </dgm:cxnLst>
+      <dgm:bg/>
+      <dgm:whole/>
+    </dgm:dataModel>
+  </dgm:styleData>
+  <dgm:clrData>
+    <dgm:dataModel>
+      <dgm:ptLst>
+        <dgm:pt modelId="0" type="doc"/>
+        <dgm:pt modelId="1"/>
+        <dgm:pt modelId="2"/>
+        <dgm:pt modelId="3"/>
+        <dgm:pt modelId="4"/>
+      </dgm:ptLst>
+      <dgm:cxnLst>
+        <dgm:cxn modelId="5" srcId="0" destId="1" srcOrd="0" destOrd="0"/>
+        <dgm:cxn modelId="6" srcId="0" destId="2" srcOrd="1" destOrd="0"/>
+        <dgm:cxn modelId="7" srcId="0" destId="3" srcOrd="2" destOrd="0"/>
+        <dgm:cxn modelId="8" srcId="0" destId="4" srcOrd="3" destOrd="0"/>
+      </dgm:cxnLst>
+      <dgm:bg/>
+      <dgm:whole/>
+    </dgm:dataModel>
+  </dgm:clrData>
+  <dgm:layoutNode name="linear">
+    <dgm:varLst>
+      <dgm:animLvl val="lvl"/>
+      <dgm:resizeHandles val="exact"/>
+    </dgm:varLst>
+    <dgm:alg type="lin">
+      <dgm:param type="linDir" val="fromT"/>
+      <dgm:param type="vertAlign" val="mid"/>
+    </dgm:alg>
+    <dgm:shape xmlns:r="http://schemas.openxmlformats.org/officeDocument/2006/relationships" r:blip="">
+      <dgm:adjLst/>
+    </dgm:shape>
+    <dgm:presOf/>
+    <dgm:constrLst>
+      <dgm:constr type="w" for="ch" forName="parentText" refType="w"/>
+      <dgm:constr type="h" for="ch" forName="parentText" refType="primFontSz" refFor="ch" refForName="parentText" fact="0.52"/>
+      <dgm:constr type="w" for="ch" forName="childText" refType="w"/>
+      <dgm:constr type="h" for="ch" forName="childText" refType="primFontSz" refFor="ch" refForName="parentText" fact="0.46"/>
+      <dgm:constr type="h" for="ch" forName="parentText" op="equ"/>
+      <dgm:constr type="primFontSz" for="ch" forName="parentText" op="equ" val="65"/>
+      <dgm:constr type="primFontSz" for="ch" forName="childText" refType="primFontSz" refFor="ch" refForName="parentText" op="equ"/>
+      <dgm:constr type="h" for="ch" forName="spacer" refType="primFontSz" refFor="ch" refForName="parentText" fact="0.08"/>
+    </dgm:constrLst>
+    <dgm:ruleLst>
+      <dgm:rule type="primFontSz" for="ch" forName="parentText" val="5" fact="NaN" max="NaN"/>
+    </dgm:ruleLst>
+    <dgm:forEach name="Name0" axis="ch" ptType="node">
+      <dgm:layoutNode name="parentText" styleLbl="node1">
+        <dgm:varLst>
+          <dgm:chMax val="0"/>
+          <dgm:bulletEnabled val="1"/>
+        </dgm:varLst>
+        <dgm:alg type="tx">
+          <dgm:param type="parTxLTRAlign" val="l"/>
+          <dgm:param type="parTxRTLAlign" val="r"/>
+        </dgm:alg>
+        <dgm:shape xmlns:r="http://schemas.openxmlformats.org/officeDocument/2006/relationships" type="roundRect" r:blip="">
+          <dgm:adjLst/>
+        </dgm:shape>
+        <dgm:presOf axis="self"/>
+        <dgm:constrLst>
+          <dgm:constr type="tMarg" refType="primFontSz" fact="0.3"/>
+          <dgm:constr type="bMarg" refType="primFontSz" fact="0.3"/>
+          <dgm:constr type="lMarg" refType="primFontSz" fact="0.3"/>
+          <dgm:constr type="rMarg" refType="primFontSz" fact="0.3"/>
+        </dgm:constrLst>
+        <dgm:ruleLst>
+          <dgm:rule type="h" val="INF" fact="NaN" max="NaN"/>
+        </dgm:ruleLst>
+      </dgm:layoutNode>
+      <dgm:choose name="Name1">
+        <dgm:if name="Name2" axis="ch" ptType="node" func="cnt" op="gte" val="1">
+          <dgm:layoutNode name="childText" styleLbl="revTx">
+            <dgm:varLst>
+              <dgm:bulletEnabled val="1"/>
+            </dgm:varLst>
+            <dgm:alg type="tx">
+              <dgm:param type="stBulletLvl" val="1"/>
+              <dgm:param type="lnSpAfChP" val="20"/>
+            </dgm:alg>
+            <dgm:shape xmlns:r="http://schemas.openxmlformats.org/officeDocument/2006/relationships" type="rect" r:blip="">
+              <dgm:adjLst/>
+            </dgm:shape>
+            <dgm:presOf axis="des" ptType="node"/>
+            <dgm:constrLst>
+              <dgm:constr type="tMarg" refType="primFontSz" fact="0.1"/>
+              <dgm:constr type="bMarg" refType="primFontSz" fact="0.1"/>
+              <dgm:constr type="lMarg" refType="w" fact="0.09"/>
+            </dgm:constrLst>
+            <dgm:ruleLst>
+              <dgm:rule type="h" val="INF" fact="NaN" max="NaN"/>
+            </dgm:ruleLst>
+          </dgm:layoutNode>
+        </dgm:if>
+        <dgm:else name="Name3">
+          <dgm:choose name="Name4">
+            <dgm:if name="Name5" axis="par ch" ptType="doc node" func="cnt" op="gte" val="2">
+              <dgm:forEach name="Name6" axis="followSib" ptType="sibTrans" cnt="1">
+                <dgm:layoutNode name="spacer">
+                  <dgm:alg type="sp"/>
+                  <dgm:shape xmlns:r="http://schemas.openxmlformats.org/officeDocument/2006/relationships" r:blip="">
+                    <dgm:adjLst/>
+                  </dgm:shape>
+                  <dgm:presOf/>
+                  <dgm:constrLst/>
+                  <dgm:ruleLst/>
+                </dgm:layoutNode>
+              </dgm:forEach>
+            </dgm:if>
+            <dgm:else name="Name7"/>
+          </dgm:choose>
+        </dgm:else>
+      </dgm:choose>
+    </dgm:forEach>
+  </dgm:layoutNode>
+</dgm:layoutDef>
+</file>
+
 <file path=ppt/diagrams/layout9.xml><?xml version="1.0" encoding="utf-8"?>
 <dgm:layoutDef xmlns:dgm="http://schemas.openxmlformats.org/drawingml/2006/diagram" xmlns:a="http://schemas.openxmlformats.org/drawingml/2006/main" uniqueId="urn:microsoft.com/office/officeart/2005/8/layout/vList2">
   <dgm:title val=""/>
@@ -32299,1040 +30739,6 @@
 </file>
 
 <file path=ppt/diagrams/quickStyle15.xml><?xml version="1.0" encoding="utf-8"?>
-<dgm:styleDef xmlns:dgm="http://schemas.openxmlformats.org/drawingml/2006/diagram" xmlns:a="http://schemas.openxmlformats.org/drawingml/2006/main" uniqueId="urn:microsoft.com/office/officeart/2005/8/quickstyle/simple1">
-  <dgm:title val=""/>
-  <dgm:desc val=""/>
-  <dgm:catLst>
-    <dgm:cat type="simple" pri="10100"/>
-  </dgm:catLst>
-  <dgm:scene3d>
-    <a:camera prst="orthographicFront"/>
-    <a:lightRig rig="threePt" dir="t"/>
-  </dgm:scene3d>
-  <dgm:styleLbl name="node0">
-    <dgm:scene3d>
-      <a:camera prst="orthographicFront"/>
-      <a:lightRig rig="threePt" dir="t"/>
-    </dgm:scene3d>
-    <dgm:sp3d/>
-    <dgm:txPr/>
-    <dgm:style>
-      <a:lnRef idx="2">
-        <a:scrgbClr r="0" g="0" b="0"/>
-      </a:lnRef>
-      <a:fillRef idx="1">
-        <a:scrgbClr r="0" g="0" b="0"/>
-      </a:fillRef>
-      <a:effectRef idx="0">
-        <a:scrgbClr r="0" g="0" b="0"/>
-      </a:effectRef>
-      <a:fontRef idx="minor">
-        <a:schemeClr val="lt1"/>
-      </a:fontRef>
-    </dgm:style>
-  </dgm:styleLbl>
-  <dgm:styleLbl name="lnNode1">
-    <dgm:scene3d>
-      <a:camera prst="orthographicFront"/>
-      <a:lightRig rig="threePt" dir="t"/>
-    </dgm:scene3d>
-    <dgm:sp3d/>
-    <dgm:txPr/>
-    <dgm:style>
-      <a:lnRef idx="2">
-        <a:scrgbClr r="0" g="0" b="0"/>
-      </a:lnRef>
-      <a:fillRef idx="1">
-        <a:scrgbClr r="0" g="0" b="0"/>
-      </a:fillRef>
-      <a:effectRef idx="0">
-        <a:scrgbClr r="0" g="0" b="0"/>
-      </a:effectRef>
-      <a:fontRef idx="minor">
-        <a:schemeClr val="lt1"/>
-      </a:fontRef>
-    </dgm:style>
-  </dgm:styleLbl>
-  <dgm:styleLbl name="vennNode1">
-    <dgm:scene3d>
-      <a:camera prst="orthographicFront"/>
-      <a:lightRig rig="threePt" dir="t"/>
-    </dgm:scene3d>
-    <dgm:sp3d/>
-    <dgm:txPr/>
-    <dgm:style>
-      <a:lnRef idx="2">
-        <a:scrgbClr r="0" g="0" b="0"/>
-      </a:lnRef>
-      <a:fillRef idx="1">
-        <a:scrgbClr r="0" g="0" b="0"/>
-      </a:fillRef>
-      <a:effectRef idx="0">
-        <a:scrgbClr r="0" g="0" b="0"/>
-      </a:effectRef>
-      <a:fontRef idx="minor">
-        <a:schemeClr val="tx1"/>
-      </a:fontRef>
-    </dgm:style>
-  </dgm:styleLbl>
-  <dgm:styleLbl name="alignNode1">
-    <dgm:scene3d>
-      <a:camera prst="orthographicFront"/>
-      <a:lightRig rig="threePt" dir="t"/>
-    </dgm:scene3d>
-    <dgm:sp3d/>
-    <dgm:txPr/>
-    <dgm:style>
-      <a:lnRef idx="2">
-        <a:scrgbClr r="0" g="0" b="0"/>
-      </a:lnRef>
-      <a:fillRef idx="1">
-        <a:scrgbClr r="0" g="0" b="0"/>
-      </a:fillRef>
-      <a:effectRef idx="0">
-        <a:scrgbClr r="0" g="0" b="0"/>
-      </a:effectRef>
-      <a:fontRef idx="minor">
-        <a:schemeClr val="lt1"/>
-      </a:fontRef>
-    </dgm:style>
-  </dgm:styleLbl>
-  <dgm:styleLbl name="node1">
-    <dgm:scene3d>
-      <a:camera prst="orthographicFront"/>
-      <a:lightRig rig="threePt" dir="t"/>
-    </dgm:scene3d>
-    <dgm:sp3d/>
-    <dgm:txPr/>
-    <dgm:style>
-      <a:lnRef idx="2">
-        <a:scrgbClr r="0" g="0" b="0"/>
-      </a:lnRef>
-      <a:fillRef idx="1">
-        <a:scrgbClr r="0" g="0" b="0"/>
-      </a:fillRef>
-      <a:effectRef idx="0">
-        <a:scrgbClr r="0" g="0" b="0"/>
-      </a:effectRef>
-      <a:fontRef idx="minor">
-        <a:schemeClr val="lt1"/>
-      </a:fontRef>
-    </dgm:style>
-  </dgm:styleLbl>
-  <dgm:styleLbl name="node2">
-    <dgm:scene3d>
-      <a:camera prst="orthographicFront"/>
-      <a:lightRig rig="threePt" dir="t"/>
-    </dgm:scene3d>
-    <dgm:sp3d/>
-    <dgm:txPr/>
-    <dgm:style>
-      <a:lnRef idx="2">
-        <a:scrgbClr r="0" g="0" b="0"/>
-      </a:lnRef>
-      <a:fillRef idx="1">
-        <a:scrgbClr r="0" g="0" b="0"/>
-      </a:fillRef>
-      <a:effectRef idx="0">
-        <a:scrgbClr r="0" g="0" b="0"/>
-      </a:effectRef>
-      <a:fontRef idx="minor">
-        <a:schemeClr val="lt1"/>
-      </a:fontRef>
-    </dgm:style>
-  </dgm:styleLbl>
-  <dgm:styleLbl name="node3">
-    <dgm:scene3d>
-      <a:camera prst="orthographicFront"/>
-      <a:lightRig rig="threePt" dir="t"/>
-    </dgm:scene3d>
-    <dgm:sp3d/>
-    <dgm:txPr/>
-    <dgm:style>
-      <a:lnRef idx="2">
-        <a:scrgbClr r="0" g="0" b="0"/>
-      </a:lnRef>
-      <a:fillRef idx="1">
-        <a:scrgbClr r="0" g="0" b="0"/>
-      </a:fillRef>
-      <a:effectRef idx="0">
-        <a:scrgbClr r="0" g="0" b="0"/>
-      </a:effectRef>
-      <a:fontRef idx="minor">
-        <a:schemeClr val="lt1"/>
-      </a:fontRef>
-    </dgm:style>
-  </dgm:styleLbl>
-  <dgm:styleLbl name="node4">
-    <dgm:scene3d>
-      <a:camera prst="orthographicFront"/>
-      <a:lightRig rig="threePt" dir="t"/>
-    </dgm:scene3d>
-    <dgm:sp3d/>
-    <dgm:txPr/>
-    <dgm:style>
-      <a:lnRef idx="2">
-        <a:scrgbClr r="0" g="0" b="0"/>
-      </a:lnRef>
-      <a:fillRef idx="1">
-        <a:scrgbClr r="0" g="0" b="0"/>
-      </a:fillRef>
-      <a:effectRef idx="0">
-        <a:scrgbClr r="0" g="0" b="0"/>
-      </a:effectRef>
-      <a:fontRef idx="minor">
-        <a:schemeClr val="lt1"/>
-      </a:fontRef>
-    </dgm:style>
-  </dgm:styleLbl>
-  <dgm:styleLbl name="fgImgPlace1">
-    <dgm:scene3d>
-      <a:camera prst="orthographicFront"/>
-      <a:lightRig rig="threePt" dir="t"/>
-    </dgm:scene3d>
-    <dgm:sp3d/>
-    <dgm:txPr/>
-    <dgm:style>
-      <a:lnRef idx="2">
-        <a:scrgbClr r="0" g="0" b="0"/>
-      </a:lnRef>
-      <a:fillRef idx="1">
-        <a:scrgbClr r="0" g="0" b="0"/>
-      </a:fillRef>
-      <a:effectRef idx="0">
-        <a:scrgbClr r="0" g="0" b="0"/>
-      </a:effectRef>
-      <a:fontRef idx="minor"/>
-    </dgm:style>
-  </dgm:styleLbl>
-  <dgm:styleLbl name="alignImgPlace1">
-    <dgm:scene3d>
-      <a:camera prst="orthographicFront"/>
-      <a:lightRig rig="threePt" dir="t"/>
-    </dgm:scene3d>
-    <dgm:sp3d/>
-    <dgm:txPr/>
-    <dgm:style>
-      <a:lnRef idx="2">
-        <a:scrgbClr r="0" g="0" b="0"/>
-      </a:lnRef>
-      <a:fillRef idx="1">
-        <a:scrgbClr r="0" g="0" b="0"/>
-      </a:fillRef>
-      <a:effectRef idx="0">
-        <a:scrgbClr r="0" g="0" b="0"/>
-      </a:effectRef>
-      <a:fontRef idx="minor"/>
-    </dgm:style>
-  </dgm:styleLbl>
-  <dgm:styleLbl name="bgImgPlace1">
-    <dgm:scene3d>
-      <a:camera prst="orthographicFront"/>
-      <a:lightRig rig="threePt" dir="t"/>
-    </dgm:scene3d>
-    <dgm:sp3d/>
-    <dgm:txPr/>
-    <dgm:style>
-      <a:lnRef idx="2">
-        <a:scrgbClr r="0" g="0" b="0"/>
-      </a:lnRef>
-      <a:fillRef idx="1">
-        <a:scrgbClr r="0" g="0" b="0"/>
-      </a:fillRef>
-      <a:effectRef idx="0">
-        <a:scrgbClr r="0" g="0" b="0"/>
-      </a:effectRef>
-      <a:fontRef idx="minor"/>
-    </dgm:style>
-  </dgm:styleLbl>
-  <dgm:styleLbl name="sibTrans2D1">
-    <dgm:scene3d>
-      <a:camera prst="orthographicFront"/>
-      <a:lightRig rig="threePt" dir="t"/>
-    </dgm:scene3d>
-    <dgm:sp3d/>
-    <dgm:txPr/>
-    <dgm:style>
-      <a:lnRef idx="0">
-        <a:scrgbClr r="0" g="0" b="0"/>
-      </a:lnRef>
-      <a:fillRef idx="1">
-        <a:scrgbClr r="0" g="0" b="0"/>
-      </a:fillRef>
-      <a:effectRef idx="0">
-        <a:scrgbClr r="0" g="0" b="0"/>
-      </a:effectRef>
-      <a:fontRef idx="minor">
-        <a:schemeClr val="lt1"/>
-      </a:fontRef>
-    </dgm:style>
-  </dgm:styleLbl>
-  <dgm:styleLbl name="fgSibTrans2D1">
-    <dgm:scene3d>
-      <a:camera prst="orthographicFront"/>
-      <a:lightRig rig="threePt" dir="t"/>
-    </dgm:scene3d>
-    <dgm:sp3d/>
-    <dgm:txPr/>
-    <dgm:style>
-      <a:lnRef idx="0">
-        <a:scrgbClr r="0" g="0" b="0"/>
-      </a:lnRef>
-      <a:fillRef idx="1">
-        <a:scrgbClr r="0" g="0" b="0"/>
-      </a:fillRef>
-      <a:effectRef idx="0">
-        <a:scrgbClr r="0" g="0" b="0"/>
-      </a:effectRef>
-      <a:fontRef idx="minor">
-        <a:schemeClr val="lt1"/>
-      </a:fontRef>
-    </dgm:style>
-  </dgm:styleLbl>
-  <dgm:styleLbl name="bgSibTrans2D1">
-    <dgm:scene3d>
-      <a:camera prst="orthographicFront"/>
-      <a:lightRig rig="threePt" dir="t"/>
-    </dgm:scene3d>
-    <dgm:sp3d/>
-    <dgm:txPr/>
-    <dgm:style>
-      <a:lnRef idx="0">
-        <a:scrgbClr r="0" g="0" b="0"/>
-      </a:lnRef>
-      <a:fillRef idx="1">
-        <a:scrgbClr r="0" g="0" b="0"/>
-      </a:fillRef>
-      <a:effectRef idx="0">
-        <a:scrgbClr r="0" g="0" b="0"/>
-      </a:effectRef>
-      <a:fontRef idx="minor">
-        <a:schemeClr val="lt1"/>
-      </a:fontRef>
-    </dgm:style>
-  </dgm:styleLbl>
-  <dgm:styleLbl name="sibTrans1D1">
-    <dgm:scene3d>
-      <a:camera prst="orthographicFront"/>
-      <a:lightRig rig="threePt" dir="t"/>
-    </dgm:scene3d>
-    <dgm:sp3d/>
-    <dgm:txPr/>
-    <dgm:style>
-      <a:lnRef idx="1">
-        <a:scrgbClr r="0" g="0" b="0"/>
-      </a:lnRef>
-      <a:fillRef idx="0">
-        <a:scrgbClr r="0" g="0" b="0"/>
-      </a:fillRef>
-      <a:effectRef idx="0">
-        <a:scrgbClr r="0" g="0" b="0"/>
-      </a:effectRef>
-      <a:fontRef idx="minor"/>
-    </dgm:style>
-  </dgm:styleLbl>
-  <dgm:styleLbl name="callout">
-    <dgm:scene3d>
-      <a:camera prst="orthographicFront"/>
-      <a:lightRig rig="threePt" dir="t"/>
-    </dgm:scene3d>
-    <dgm:sp3d/>
-    <dgm:txPr/>
-    <dgm:style>
-      <a:lnRef idx="2">
-        <a:scrgbClr r="0" g="0" b="0"/>
-      </a:lnRef>
-      <a:fillRef idx="1">
-        <a:scrgbClr r="0" g="0" b="0"/>
-      </a:fillRef>
-      <a:effectRef idx="0">
-        <a:scrgbClr r="0" g="0" b="0"/>
-      </a:effectRef>
-      <a:fontRef idx="minor"/>
-    </dgm:style>
-  </dgm:styleLbl>
-  <dgm:styleLbl name="asst0">
-    <dgm:scene3d>
-      <a:camera prst="orthographicFront"/>
-      <a:lightRig rig="threePt" dir="t"/>
-    </dgm:scene3d>
-    <dgm:sp3d/>
-    <dgm:txPr/>
-    <dgm:style>
-      <a:lnRef idx="2">
-        <a:scrgbClr r="0" g="0" b="0"/>
-      </a:lnRef>
-      <a:fillRef idx="1">
-        <a:scrgbClr r="0" g="0" b="0"/>
-      </a:fillRef>
-      <a:effectRef idx="0">
-        <a:scrgbClr r="0" g="0" b="0"/>
-      </a:effectRef>
-      <a:fontRef idx="minor">
-        <a:schemeClr val="lt1"/>
-      </a:fontRef>
-    </dgm:style>
-  </dgm:styleLbl>
-  <dgm:styleLbl name="asst1">
-    <dgm:scene3d>
-      <a:camera prst="orthographicFront"/>
-      <a:lightRig rig="threePt" dir="t"/>
-    </dgm:scene3d>
-    <dgm:sp3d/>
-    <dgm:txPr/>
-    <dgm:style>
-      <a:lnRef idx="2">
-        <a:scrgbClr r="0" g="0" b="0"/>
-      </a:lnRef>
-      <a:fillRef idx="1">
-        <a:scrgbClr r="0" g="0" b="0"/>
-      </a:fillRef>
-      <a:effectRef idx="0">
-        <a:scrgbClr r="0" g="0" b="0"/>
-      </a:effectRef>
-      <a:fontRef idx="minor">
-        <a:schemeClr val="lt1"/>
-      </a:fontRef>
-    </dgm:style>
-  </dgm:styleLbl>
-  <dgm:styleLbl name="asst2">
-    <dgm:scene3d>
-      <a:camera prst="orthographicFront"/>
-      <a:lightRig rig="threePt" dir="t"/>
-    </dgm:scene3d>
-    <dgm:sp3d/>
-    <dgm:txPr/>
-    <dgm:style>
-      <a:lnRef idx="2">
-        <a:scrgbClr r="0" g="0" b="0"/>
-      </a:lnRef>
-      <a:fillRef idx="1">
-        <a:scrgbClr r="0" g="0" b="0"/>
-      </a:fillRef>
-      <a:effectRef idx="0">
-        <a:scrgbClr r="0" g="0" b="0"/>
-      </a:effectRef>
-      <a:fontRef idx="minor">
-        <a:schemeClr val="lt1"/>
-      </a:fontRef>
-    </dgm:style>
-  </dgm:styleLbl>
-  <dgm:styleLbl name="asst3">
-    <dgm:scene3d>
-      <a:camera prst="orthographicFront"/>
-      <a:lightRig rig="threePt" dir="t"/>
-    </dgm:scene3d>
-    <dgm:sp3d/>
-    <dgm:txPr/>
-    <dgm:style>
-      <a:lnRef idx="2">
-        <a:scrgbClr r="0" g="0" b="0"/>
-      </a:lnRef>
-      <a:fillRef idx="1">
-        <a:scrgbClr r="0" g="0" b="0"/>
-      </a:fillRef>
-      <a:effectRef idx="0">
-        <a:scrgbClr r="0" g="0" b="0"/>
-      </a:effectRef>
-      <a:fontRef idx="minor">
-        <a:schemeClr val="lt1"/>
-      </a:fontRef>
-    </dgm:style>
-  </dgm:styleLbl>
-  <dgm:styleLbl name="asst4">
-    <dgm:scene3d>
-      <a:camera prst="orthographicFront"/>
-      <a:lightRig rig="threePt" dir="t"/>
-    </dgm:scene3d>
-    <dgm:sp3d/>
-    <dgm:txPr/>
-    <dgm:style>
-      <a:lnRef idx="2">
-        <a:scrgbClr r="0" g="0" b="0"/>
-      </a:lnRef>
-      <a:fillRef idx="1">
-        <a:scrgbClr r="0" g="0" b="0"/>
-      </a:fillRef>
-      <a:effectRef idx="0">
-        <a:scrgbClr r="0" g="0" b="0"/>
-      </a:effectRef>
-      <a:fontRef idx="minor">
-        <a:schemeClr val="lt1"/>
-      </a:fontRef>
-    </dgm:style>
-  </dgm:styleLbl>
-  <dgm:styleLbl name="parChTrans2D1">
-    <dgm:scene3d>
-      <a:camera prst="orthographicFront"/>
-      <a:lightRig rig="threePt" dir="t"/>
-    </dgm:scene3d>
-    <dgm:sp3d/>
-    <dgm:txPr/>
-    <dgm:style>
-      <a:lnRef idx="2">
-        <a:scrgbClr r="0" g="0" b="0"/>
-      </a:lnRef>
-      <a:fillRef idx="1">
-        <a:scrgbClr r="0" g="0" b="0"/>
-      </a:fillRef>
-      <a:effectRef idx="0">
-        <a:scrgbClr r="0" g="0" b="0"/>
-      </a:effectRef>
-      <a:fontRef idx="minor">
-        <a:schemeClr val="lt1"/>
-      </a:fontRef>
-    </dgm:style>
-  </dgm:styleLbl>
-  <dgm:styleLbl name="parChTrans2D2">
-    <dgm:scene3d>
-      <a:camera prst="orthographicFront"/>
-      <a:lightRig rig="threePt" dir="t"/>
-    </dgm:scene3d>
-    <dgm:sp3d/>
-    <dgm:txPr/>
-    <dgm:style>
-      <a:lnRef idx="2">
-        <a:scrgbClr r="0" g="0" b="0"/>
-      </a:lnRef>
-      <a:fillRef idx="1">
-        <a:scrgbClr r="0" g="0" b="0"/>
-      </a:fillRef>
-      <a:effectRef idx="0">
-        <a:scrgbClr r="0" g="0" b="0"/>
-      </a:effectRef>
-      <a:fontRef idx="minor">
-        <a:schemeClr val="lt1"/>
-      </a:fontRef>
-    </dgm:style>
-  </dgm:styleLbl>
-  <dgm:styleLbl name="parChTrans2D3">
-    <dgm:scene3d>
-      <a:camera prst="orthographicFront"/>
-      <a:lightRig rig="threePt" dir="t"/>
-    </dgm:scene3d>
-    <dgm:sp3d/>
-    <dgm:txPr/>
-    <dgm:style>
-      <a:lnRef idx="2">
-        <a:scrgbClr r="0" g="0" b="0"/>
-      </a:lnRef>
-      <a:fillRef idx="1">
-        <a:scrgbClr r="0" g="0" b="0"/>
-      </a:fillRef>
-      <a:effectRef idx="0">
-        <a:scrgbClr r="0" g="0" b="0"/>
-      </a:effectRef>
-      <a:fontRef idx="minor">
-        <a:schemeClr val="lt1"/>
-      </a:fontRef>
-    </dgm:style>
-  </dgm:styleLbl>
-  <dgm:styleLbl name="parChTrans2D4">
-    <dgm:scene3d>
-      <a:camera prst="orthographicFront"/>
-      <a:lightRig rig="threePt" dir="t"/>
-    </dgm:scene3d>
-    <dgm:sp3d/>
-    <dgm:txPr/>
-    <dgm:style>
-      <a:lnRef idx="2">
-        <a:scrgbClr r="0" g="0" b="0"/>
-      </a:lnRef>
-      <a:fillRef idx="1">
-        <a:scrgbClr r="0" g="0" b="0"/>
-      </a:fillRef>
-      <a:effectRef idx="0">
-        <a:scrgbClr r="0" g="0" b="0"/>
-      </a:effectRef>
-      <a:fontRef idx="minor">
-        <a:schemeClr val="lt1"/>
-      </a:fontRef>
-    </dgm:style>
-  </dgm:styleLbl>
-  <dgm:styleLbl name="parChTrans1D1">
-    <dgm:scene3d>
-      <a:camera prst="orthographicFront"/>
-      <a:lightRig rig="threePt" dir="t"/>
-    </dgm:scene3d>
-    <dgm:sp3d/>
-    <dgm:txPr/>
-    <dgm:style>
-      <a:lnRef idx="2">
-        <a:scrgbClr r="0" g="0" b="0"/>
-      </a:lnRef>
-      <a:fillRef idx="0">
-        <a:scrgbClr r="0" g="0" b="0"/>
-      </a:fillRef>
-      <a:effectRef idx="0">
-        <a:scrgbClr r="0" g="0" b="0"/>
-      </a:effectRef>
-      <a:fontRef idx="minor"/>
-    </dgm:style>
-  </dgm:styleLbl>
-  <dgm:styleLbl name="parChTrans1D2">
-    <dgm:scene3d>
-      <a:camera prst="orthographicFront"/>
-      <a:lightRig rig="threePt" dir="t"/>
-    </dgm:scene3d>
-    <dgm:sp3d/>
-    <dgm:txPr/>
-    <dgm:style>
-      <a:lnRef idx="2">
-        <a:scrgbClr r="0" g="0" b="0"/>
-      </a:lnRef>
-      <a:fillRef idx="0">
-        <a:scrgbClr r="0" g="0" b="0"/>
-      </a:fillRef>
-      <a:effectRef idx="0">
-        <a:scrgbClr r="0" g="0" b="0"/>
-      </a:effectRef>
-      <a:fontRef idx="minor"/>
-    </dgm:style>
-  </dgm:styleLbl>
-  <dgm:styleLbl name="parChTrans1D3">
-    <dgm:scene3d>
-      <a:camera prst="orthographicFront"/>
-      <a:lightRig rig="threePt" dir="t"/>
-    </dgm:scene3d>
-    <dgm:sp3d/>
-    <dgm:txPr/>
-    <dgm:style>
-      <a:lnRef idx="2">
-        <a:scrgbClr r="0" g="0" b="0"/>
-      </a:lnRef>
-      <a:fillRef idx="0">
-        <a:scrgbClr r="0" g="0" b="0"/>
-      </a:fillRef>
-      <a:effectRef idx="0">
-        <a:scrgbClr r="0" g="0" b="0"/>
-      </a:effectRef>
-      <a:fontRef idx="minor"/>
-    </dgm:style>
-  </dgm:styleLbl>
-  <dgm:styleLbl name="parChTrans1D4">
-    <dgm:scene3d>
-      <a:camera prst="orthographicFront"/>
-      <a:lightRig rig="threePt" dir="t"/>
-    </dgm:scene3d>
-    <dgm:sp3d/>
-    <dgm:txPr/>
-    <dgm:style>
-      <a:lnRef idx="2">
-        <a:scrgbClr r="0" g="0" b="0"/>
-      </a:lnRef>
-      <a:fillRef idx="0">
-        <a:scrgbClr r="0" g="0" b="0"/>
-      </a:fillRef>
-      <a:effectRef idx="0">
-        <a:scrgbClr r="0" g="0" b="0"/>
-      </a:effectRef>
-      <a:fontRef idx="minor"/>
-    </dgm:style>
-  </dgm:styleLbl>
-  <dgm:styleLbl name="fgAcc1">
-    <dgm:scene3d>
-      <a:camera prst="orthographicFront"/>
-      <a:lightRig rig="threePt" dir="t"/>
-    </dgm:scene3d>
-    <dgm:sp3d/>
-    <dgm:txPr/>
-    <dgm:style>
-      <a:lnRef idx="2">
-        <a:scrgbClr r="0" g="0" b="0"/>
-      </a:lnRef>
-      <a:fillRef idx="1">
-        <a:scrgbClr r="0" g="0" b="0"/>
-      </a:fillRef>
-      <a:effectRef idx="0">
-        <a:scrgbClr r="0" g="0" b="0"/>
-      </a:effectRef>
-      <a:fontRef idx="minor"/>
-    </dgm:style>
-  </dgm:styleLbl>
-  <dgm:styleLbl name="conFgAcc1">
-    <dgm:scene3d>
-      <a:camera prst="orthographicFront"/>
-      <a:lightRig rig="threePt" dir="t"/>
-    </dgm:scene3d>
-    <dgm:sp3d/>
-    <dgm:txPr/>
-    <dgm:style>
-      <a:lnRef idx="2">
-        <a:scrgbClr r="0" g="0" b="0"/>
-      </a:lnRef>
-      <a:fillRef idx="1">
-        <a:scrgbClr r="0" g="0" b="0"/>
-      </a:fillRef>
-      <a:effectRef idx="0">
-        <a:scrgbClr r="0" g="0" b="0"/>
-      </a:effectRef>
-      <a:fontRef idx="minor"/>
-    </dgm:style>
-  </dgm:styleLbl>
-  <dgm:styleLbl name="alignAcc1">
-    <dgm:scene3d>
-      <a:camera prst="orthographicFront"/>
-      <a:lightRig rig="threePt" dir="t"/>
-    </dgm:scene3d>
-    <dgm:sp3d/>
-    <dgm:txPr/>
-    <dgm:style>
-      <a:lnRef idx="2">
-        <a:scrgbClr r="0" g="0" b="0"/>
-      </a:lnRef>
-      <a:fillRef idx="1">
-        <a:scrgbClr r="0" g="0" b="0"/>
-      </a:fillRef>
-      <a:effectRef idx="0">
-        <a:scrgbClr r="0" g="0" b="0"/>
-      </a:effectRef>
-      <a:fontRef idx="minor"/>
-    </dgm:style>
-  </dgm:styleLbl>
-  <dgm:styleLbl name="trAlignAcc1">
-    <dgm:scene3d>
-      <a:camera prst="orthographicFront"/>
-      <a:lightRig rig="threePt" dir="t"/>
-    </dgm:scene3d>
-    <dgm:sp3d/>
-    <dgm:txPr/>
-    <dgm:style>
-      <a:lnRef idx="1">
-        <a:scrgbClr r="0" g="0" b="0"/>
-      </a:lnRef>
-      <a:fillRef idx="1">
-        <a:scrgbClr r="0" g="0" b="0"/>
-      </a:fillRef>
-      <a:effectRef idx="0">
-        <a:scrgbClr r="0" g="0" b="0"/>
-      </a:effectRef>
-      <a:fontRef idx="minor"/>
-    </dgm:style>
-  </dgm:styleLbl>
-  <dgm:styleLbl name="bgAcc1">
-    <dgm:scene3d>
-      <a:camera prst="orthographicFront"/>
-      <a:lightRig rig="threePt" dir="t"/>
-    </dgm:scene3d>
-    <dgm:sp3d/>
-    <dgm:txPr/>
-    <dgm:style>
-      <a:lnRef idx="2">
-        <a:scrgbClr r="0" g="0" b="0"/>
-      </a:lnRef>
-      <a:fillRef idx="1">
-        <a:scrgbClr r="0" g="0" b="0"/>
-      </a:fillRef>
-      <a:effectRef idx="0">
-        <a:scrgbClr r="0" g="0" b="0"/>
-      </a:effectRef>
-      <a:fontRef idx="minor"/>
-    </dgm:style>
-  </dgm:styleLbl>
-  <dgm:styleLbl name="solidFgAcc1">
-    <dgm:scene3d>
-      <a:camera prst="orthographicFront"/>
-      <a:lightRig rig="threePt" dir="t"/>
-    </dgm:scene3d>
-    <dgm:sp3d/>
-    <dgm:txPr/>
-    <dgm:style>
-      <a:lnRef idx="2">
-        <a:scrgbClr r="0" g="0" b="0"/>
-      </a:lnRef>
-      <a:fillRef idx="1">
-        <a:scrgbClr r="0" g="0" b="0"/>
-      </a:fillRef>
-      <a:effectRef idx="0">
-        <a:scrgbClr r="0" g="0" b="0"/>
-      </a:effectRef>
-      <a:fontRef idx="minor"/>
-    </dgm:style>
-  </dgm:styleLbl>
-  <dgm:styleLbl name="solidAlignAcc1">
-    <dgm:scene3d>
-      <a:camera prst="orthographicFront"/>
-      <a:lightRig rig="threePt" dir="t"/>
-    </dgm:scene3d>
-    <dgm:sp3d/>
-    <dgm:txPr/>
-    <dgm:style>
-      <a:lnRef idx="2">
-        <a:scrgbClr r="0" g="0" b="0"/>
-      </a:lnRef>
-      <a:fillRef idx="1">
-        <a:scrgbClr r="0" g="0" b="0"/>
-      </a:fillRef>
-      <a:effectRef idx="0">
-        <a:scrgbClr r="0" g="0" b="0"/>
-      </a:effectRef>
-      <a:fontRef idx="minor"/>
-    </dgm:style>
-  </dgm:styleLbl>
-  <dgm:styleLbl name="solidBgAcc1">
-    <dgm:scene3d>
-      <a:camera prst="orthographicFront"/>
-      <a:lightRig rig="threePt" dir="t"/>
-    </dgm:scene3d>
-    <dgm:sp3d/>
-    <dgm:txPr/>
-    <dgm:style>
-      <a:lnRef idx="2">
-        <a:scrgbClr r="0" g="0" b="0"/>
-      </a:lnRef>
-      <a:fillRef idx="1">
-        <a:scrgbClr r="0" g="0" b="0"/>
-      </a:fillRef>
-      <a:effectRef idx="0">
-        <a:scrgbClr r="0" g="0" b="0"/>
-      </a:effectRef>
-      <a:fontRef idx="minor"/>
-    </dgm:style>
-  </dgm:styleLbl>
-  <dgm:styleLbl name="fgAccFollowNode1">
-    <dgm:scene3d>
-      <a:camera prst="orthographicFront"/>
-      <a:lightRig rig="threePt" dir="t"/>
-    </dgm:scene3d>
-    <dgm:sp3d/>
-    <dgm:txPr/>
-    <dgm:style>
-      <a:lnRef idx="2">
-        <a:scrgbClr r="0" g="0" b="0"/>
-      </a:lnRef>
-      <a:fillRef idx="1">
-        <a:scrgbClr r="0" g="0" b="0"/>
-      </a:fillRef>
-      <a:effectRef idx="0">
-        <a:scrgbClr r="0" g="0" b="0"/>
-      </a:effectRef>
-      <a:fontRef idx="minor"/>
-    </dgm:style>
-  </dgm:styleLbl>
-  <dgm:styleLbl name="alignAccFollowNode1">
-    <dgm:scene3d>
-      <a:camera prst="orthographicFront"/>
-      <a:lightRig rig="threePt" dir="t"/>
-    </dgm:scene3d>
-    <dgm:sp3d/>
-    <dgm:txPr/>
-    <dgm:style>
-      <a:lnRef idx="2">
-        <a:scrgbClr r="0" g="0" b="0"/>
-      </a:lnRef>
-      <a:fillRef idx="1">
-        <a:scrgbClr r="0" g="0" b="0"/>
-      </a:fillRef>
-      <a:effectRef idx="0">
-        <a:scrgbClr r="0" g="0" b="0"/>
-      </a:effectRef>
-      <a:fontRef idx="minor"/>
-    </dgm:style>
-  </dgm:styleLbl>
-  <dgm:styleLbl name="bgAccFollowNode1">
-    <dgm:scene3d>
-      <a:camera prst="orthographicFront"/>
-      <a:lightRig rig="threePt" dir="t"/>
-    </dgm:scene3d>
-    <dgm:sp3d/>
-    <dgm:txPr/>
-    <dgm:style>
-      <a:lnRef idx="2">
-        <a:scrgbClr r="0" g="0" b="0"/>
-      </a:lnRef>
-      <a:fillRef idx="1">
-        <a:scrgbClr r="0" g="0" b="0"/>
-      </a:fillRef>
-      <a:effectRef idx="0">
-        <a:scrgbClr r="0" g="0" b="0"/>
-      </a:effectRef>
-      <a:fontRef idx="minor"/>
-    </dgm:style>
-  </dgm:styleLbl>
-  <dgm:styleLbl name="fgAcc0">
-    <dgm:scene3d>
-      <a:camera prst="orthographicFront"/>
-      <a:lightRig rig="threePt" dir="t"/>
-    </dgm:scene3d>
-    <dgm:sp3d/>
-    <dgm:txPr/>
-    <dgm:style>
-      <a:lnRef idx="2">
-        <a:scrgbClr r="0" g="0" b="0"/>
-      </a:lnRef>
-      <a:fillRef idx="1">
-        <a:scrgbClr r="0" g="0" b="0"/>
-      </a:fillRef>
-      <a:effectRef idx="0">
-        <a:scrgbClr r="0" g="0" b="0"/>
-      </a:effectRef>
-      <a:fontRef idx="minor"/>
-    </dgm:style>
-  </dgm:styleLbl>
-  <dgm:styleLbl name="fgAcc2">
-    <dgm:scene3d>
-      <a:camera prst="orthographicFront"/>
-      <a:lightRig rig="threePt" dir="t"/>
-    </dgm:scene3d>
-    <dgm:sp3d/>
-    <dgm:txPr/>
-    <dgm:style>
-      <a:lnRef idx="2">
-        <a:scrgbClr r="0" g="0" b="0"/>
-      </a:lnRef>
-      <a:fillRef idx="1">
-        <a:scrgbClr r="0" g="0" b="0"/>
-      </a:fillRef>
-      <a:effectRef idx="0">
-        <a:scrgbClr r="0" g="0" b="0"/>
-      </a:effectRef>
-      <a:fontRef idx="minor"/>
-    </dgm:style>
-  </dgm:styleLbl>
-  <dgm:styleLbl name="fgAcc3">
-    <dgm:scene3d>
-      <a:camera prst="orthographicFront"/>
-      <a:lightRig rig="threePt" dir="t"/>
-    </dgm:scene3d>
-    <dgm:sp3d/>
-    <dgm:txPr/>
-    <dgm:style>
-      <a:lnRef idx="2">
-        <a:scrgbClr r="0" g="0" b="0"/>
-      </a:lnRef>
-      <a:fillRef idx="1">
-        <a:scrgbClr r="0" g="0" b="0"/>
-      </a:fillRef>
-      <a:effectRef idx="0">
-        <a:scrgbClr r="0" g="0" b="0"/>
-      </a:effectRef>
-      <a:fontRef idx="minor"/>
-    </dgm:style>
-  </dgm:styleLbl>
-  <dgm:styleLbl name="fgAcc4">
-    <dgm:scene3d>
-      <a:camera prst="orthographicFront"/>
-      <a:lightRig rig="threePt" dir="t"/>
-    </dgm:scene3d>
-    <dgm:sp3d/>
-    <dgm:txPr/>
-    <dgm:style>
-      <a:lnRef idx="2">
-        <a:scrgbClr r="0" g="0" b="0"/>
-      </a:lnRef>
-      <a:fillRef idx="1">
-        <a:scrgbClr r="0" g="0" b="0"/>
-      </a:fillRef>
-      <a:effectRef idx="0">
-        <a:scrgbClr r="0" g="0" b="0"/>
-      </a:effectRef>
-      <a:fontRef idx="minor"/>
-    </dgm:style>
-  </dgm:styleLbl>
-  <dgm:styleLbl name="bgShp">
-    <dgm:scene3d>
-      <a:camera prst="orthographicFront"/>
-      <a:lightRig rig="threePt" dir="t"/>
-    </dgm:scene3d>
-    <dgm:sp3d/>
-    <dgm:txPr/>
-    <dgm:style>
-      <a:lnRef idx="0">
-        <a:scrgbClr r="0" g="0" b="0"/>
-      </a:lnRef>
-      <a:fillRef idx="1">
-        <a:scrgbClr r="0" g="0" b="0"/>
-      </a:fillRef>
-      <a:effectRef idx="0">
-        <a:scrgbClr r="0" g="0" b="0"/>
-      </a:effectRef>
-      <a:fontRef idx="minor"/>
-    </dgm:style>
-  </dgm:styleLbl>
-  <dgm:styleLbl name="dkBgShp">
-    <dgm:scene3d>
-      <a:camera prst="orthographicFront"/>
-      <a:lightRig rig="threePt" dir="t"/>
-    </dgm:scene3d>
-    <dgm:sp3d/>
-    <dgm:txPr/>
-    <dgm:style>
-      <a:lnRef idx="0">
-        <a:scrgbClr r="0" g="0" b="0"/>
-      </a:lnRef>
-      <a:fillRef idx="1">
-        <a:scrgbClr r="0" g="0" b="0"/>
-      </a:fillRef>
-      <a:effectRef idx="0">
-        <a:scrgbClr r="0" g="0" b="0"/>
-      </a:effectRef>
-      <a:fontRef idx="minor"/>
-    </dgm:style>
-  </dgm:styleLbl>
-  <dgm:styleLbl name="trBgShp">
-    <dgm:scene3d>
-      <a:camera prst="orthographicFront"/>
-      <a:lightRig rig="threePt" dir="t"/>
-    </dgm:scene3d>
-    <dgm:sp3d/>
-    <dgm:txPr/>
-    <dgm:style>
-      <a:lnRef idx="0">
-        <a:scrgbClr r="0" g="0" b="0"/>
-      </a:lnRef>
-      <a:fillRef idx="1">
-        <a:scrgbClr r="0" g="0" b="0"/>
-      </a:fillRef>
-      <a:effectRef idx="0">
-        <a:scrgbClr r="0" g="0" b="0"/>
-      </a:effectRef>
-      <a:fontRef idx="minor"/>
-    </dgm:style>
-  </dgm:styleLbl>
-  <dgm:styleLbl name="fgShp">
-    <dgm:scene3d>
-      <a:camera prst="orthographicFront"/>
-      <a:lightRig rig="threePt" dir="t"/>
-    </dgm:scene3d>
-    <dgm:sp3d/>
-    <dgm:txPr/>
-    <dgm:style>
-      <a:lnRef idx="2">
-        <a:scrgbClr r="0" g="0" b="0"/>
-      </a:lnRef>
-      <a:fillRef idx="1">
-        <a:scrgbClr r="0" g="0" b="0"/>
-      </a:fillRef>
-      <a:effectRef idx="0">
-        <a:scrgbClr r="0" g="0" b="0"/>
-      </a:effectRef>
-      <a:fontRef idx="minor"/>
-    </dgm:style>
-  </dgm:styleLbl>
-  <dgm:styleLbl name="revTx">
-    <dgm:scene3d>
-      <a:camera prst="orthographicFront"/>
-      <a:lightRig rig="threePt" dir="t"/>
-    </dgm:scene3d>
-    <dgm:sp3d/>
-    <dgm:txPr/>
-    <dgm:style>
-      <a:lnRef idx="0">
-        <a:scrgbClr r="0" g="0" b="0"/>
-      </a:lnRef>
-      <a:fillRef idx="0">
-        <a:scrgbClr r="0" g="0" b="0"/>
-      </a:fillRef>
-      <a:effectRef idx="0">
-        <a:scrgbClr r="0" g="0" b="0"/>
-      </a:effectRef>
-      <a:fontRef idx="minor"/>
-    </dgm:style>
-  </dgm:styleLbl>
-</dgm:styleDef>
-</file>
-
-<file path=ppt/diagrams/quickStyle16.xml><?xml version="1.0" encoding="utf-8"?>
 <dgm:styleDef xmlns:dgm="http://schemas.openxmlformats.org/drawingml/2006/diagram" xmlns:a="http://schemas.openxmlformats.org/drawingml/2006/main" uniqueId="urn:microsoft.com/office/officeart/2005/8/quickstyle/simple4">
   <dgm:title val=""/>
   <dgm:desc val=""/>
@@ -43206,8 +40612,17 @@
           <a:p>
             <a:r>
               <a:rPr lang="de-DE" dirty="0"/>
-              <a:t>http://krisrice.blogspot.de/2015/10/sqlcl-oct-13th-edition.html</a:t>
+              <a:t>http://</a:t>
             </a:r>
+            <a:r>
+              <a:rPr lang="de-DE" dirty="0" smtClean="0"/>
+              <a:t>krisrice.blogspot.de/2015/10/sqlcl-oct-13th-edition.html</a:t>
+            </a:r>
+          </a:p>
+          <a:p>
+            <a:endParaRPr lang="de-DE" dirty="0" smtClean="0"/>
+          </a:p>
+          <a:p>
             <a:endParaRPr lang="de-DE" dirty="0"/>
           </a:p>
         </p:txBody>
@@ -43682,6 +41097,90 @@
     <p:extLst>
       <p:ext uri="{BB962C8B-B14F-4D97-AF65-F5344CB8AC3E}">
         <p14:creationId xmlns:p14="http://schemas.microsoft.com/office/powerpoint/2010/main" val="2669377827"/>
+      </p:ext>
+    </p:extLst>
+  </p:cSld>
+  <p:clrMapOvr>
+    <a:masterClrMapping/>
+  </p:clrMapOvr>
+</p:notes>
+</file>
+
+<file path=ppt/notesSlides/notesSlide7.xml><?xml version="1.0" encoding="utf-8"?>
+<p:notes xmlns:a="http://schemas.openxmlformats.org/drawingml/2006/main" xmlns:r="http://schemas.openxmlformats.org/officeDocument/2006/relationships" xmlns:p="http://schemas.openxmlformats.org/presentationml/2006/main">
+  <p:cSld>
+    <p:spTree>
+      <p:nvGrpSpPr>
+        <p:cNvPr id="1" name=""/>
+        <p:cNvGrpSpPr/>
+        <p:nvPr/>
+      </p:nvGrpSpPr>
+      <p:grpSpPr>
+        <a:xfrm>
+          <a:off x="0" y="0"/>
+          <a:ext cx="0" cy="0"/>
+          <a:chOff x="0" y="0"/>
+          <a:chExt cx="0" cy="0"/>
+        </a:xfrm>
+      </p:grpSpPr>
+      <p:sp>
+        <p:nvSpPr>
+          <p:cNvPr id="2" name="Folienbildplatzhalter 1"/>
+          <p:cNvSpPr>
+            <a:spLocks noGrp="1" noRot="1" noChangeAspect="1"/>
+          </p:cNvSpPr>
+          <p:nvPr>
+            <p:ph type="sldImg"/>
+          </p:nvPr>
+        </p:nvSpPr>
+        <p:spPr/>
+      </p:sp>
+      <p:sp>
+        <p:nvSpPr>
+          <p:cNvPr id="3" name="Notizenplatzhalter 2"/>
+          <p:cNvSpPr>
+            <a:spLocks noGrp="1"/>
+          </p:cNvSpPr>
+          <p:nvPr>
+            <p:ph type="body" idx="1"/>
+          </p:nvPr>
+        </p:nvSpPr>
+        <p:spPr/>
+        <p:txBody>
+          <a:bodyPr/>
+          <a:lstStyle/>
+          <a:p>
+            <a:endParaRPr lang="de-DE" dirty="0"/>
+          </a:p>
+        </p:txBody>
+      </p:sp>
+      <p:sp>
+        <p:nvSpPr>
+          <p:cNvPr id="4" name="Foliennummernplatzhalter 3"/>
+          <p:cNvSpPr>
+            <a:spLocks noGrp="1"/>
+          </p:cNvSpPr>
+          <p:nvPr>
+            <p:ph type="sldNum" sz="quarter" idx="10"/>
+          </p:nvPr>
+        </p:nvSpPr>
+        <p:spPr/>
+        <p:txBody>
+          <a:bodyPr/>
+          <a:lstStyle/>
+          <a:p>
+            <a:fld id="{5A008491-D299-4ADE-9791-FADD8A5FA6CD}" type="slidenum">
+              <a:rPr lang="de-DE" smtClean="0"/>
+              <a:t>15</a:t>
+            </a:fld>
+            <a:endParaRPr lang="de-DE"/>
+          </a:p>
+        </p:txBody>
+      </p:sp>
+    </p:spTree>
+    <p:extLst>
+      <p:ext uri="{BB962C8B-B14F-4D97-AF65-F5344CB8AC3E}">
+        <p14:creationId xmlns:p14="http://schemas.microsoft.com/office/powerpoint/2010/main" val="555207762"/>
       </p:ext>
     </p:extLst>
   </p:cSld>
@@ -48158,6 +45657,15 @@
               </a:rPr>
               <a:t>SQLcl</a:t>
             </a:r>
+            <a:r>
+              <a:rPr lang="de-DE" sz="2925" b="1" dirty="0">
+                <a:solidFill>
+                  <a:srgbClr val="434E4F"/>
+                </a:solidFill>
+                <a:latin typeface="Calibri" panose="020F0502020204030204" pitchFamily="34" charset="0"/>
+              </a:rPr>
+              <a:t/>
+            </a:r>
             <a:br>
               <a:rPr lang="de-DE" sz="2925" b="1" dirty="0">
                 <a:solidFill>
@@ -48212,6 +45720,15 @@
                 <a:latin typeface="Calibri" panose="020F0502020204030204" pitchFamily="34" charset="0"/>
               </a:rPr>
             </a:br>
+            <a:r>
+              <a:rPr lang="de-DE" sz="1625" dirty="0">
+                <a:solidFill>
+                  <a:srgbClr val="434E4F"/>
+                </a:solidFill>
+                <a:latin typeface="Calibri" panose="020F0502020204030204" pitchFamily="34" charset="0"/>
+              </a:rPr>
+              <a:t/>
+            </a:r>
             <a:br>
               <a:rPr lang="de-DE" sz="1625" dirty="0">
                 <a:solidFill>
@@ -48290,6 +45807,13 @@
   <p:clrMapOvr>
     <a:masterClrMapping/>
   </p:clrMapOvr>
+  <p:timing>
+    <p:tnLst>
+      <p:par>
+        <p:cTn id="1" dur="indefinite" restart="never" nodeType="tmRoot"/>
+      </p:par>
+    </p:tnLst>
+  </p:timing>
 </p:sld>
 </file>
 
@@ -48873,6 +46397,13 @@
   <p:clrMapOvr>
     <a:masterClrMapping/>
   </p:clrMapOvr>
+  <p:timing>
+    <p:tnLst>
+      <p:par>
+        <p:cTn id="1" dur="indefinite" restart="never" nodeType="tmRoot"/>
+      </p:par>
+    </p:tnLst>
+  </p:timing>
 </p:sld>
 </file>
 
@@ -49095,8 +46626,8 @@
         </p:nvGrpSpPr>
         <p:grpSpPr>
           <a:xfrm>
-            <a:off x="5663952" y="1052736"/>
-            <a:ext cx="4968552" cy="4824536"/>
+            <a:off x="5663952" y="620688"/>
+            <a:ext cx="4392488" cy="5256584"/>
             <a:chOff x="4943870" y="764705"/>
             <a:chExt cx="5328591" cy="5847455"/>
           </a:xfrm>
@@ -49110,7 +46641,7 @@
             <p:nvPr/>
           </p:nvPicPr>
           <p:blipFill>
-            <a:blip r:embed="rId2">
+            <a:blip r:embed="rId3">
               <a:extLst>
                 <a:ext uri="{28A0092B-C50C-407E-A947-70E740481C1C}">
                   <a14:useLocalDpi xmlns:a14="http://schemas.microsoft.com/office/drawing/2010/main" val="0"/>
@@ -49140,7 +46671,7 @@
             <p:nvPr/>
           </p:nvPicPr>
           <p:blipFill>
-            <a:blip r:embed="rId3" cstate="print">
+            <a:blip r:embed="rId4" cstate="print">
               <a:extLst>
                 <a:ext uri="{28A0092B-C50C-407E-A947-70E740481C1C}">
                   <a14:useLocalDpi xmlns:a14="http://schemas.microsoft.com/office/drawing/2010/main" val="0"/>
@@ -49154,8 +46685,8 @@
           </p:blipFill>
           <p:spPr bwMode="auto">
             <a:xfrm>
-              <a:off x="6023443" y="1628800"/>
-              <a:ext cx="3246510" cy="4104456"/>
+              <a:off x="6079471" y="1600024"/>
+              <a:ext cx="3183401" cy="4162424"/>
             </a:xfrm>
             <a:prstGeom prst="rect">
               <a:avLst/>
@@ -49229,10 +46760,89 @@
             <a:br>
               <a:rPr lang="de-DE" dirty="0"/>
             </a:br>
+            <a:endParaRPr lang="de-DE" dirty="0"/>
+          </a:p>
+        </p:txBody>
+      </p:sp>
+      <p:sp>
+        <p:nvSpPr>
+          <p:cNvPr id="7" name="Flussdiagramm: Prozess 6"/>
+          <p:cNvSpPr/>
+          <p:nvPr/>
+        </p:nvSpPr>
+        <p:spPr>
+          <a:xfrm>
+            <a:off x="2279576" y="4149080"/>
+            <a:ext cx="2808312" cy="1003038"/>
+          </a:xfrm>
+          <a:prstGeom prst="flowChartProcess">
+            <a:avLst/>
+          </a:prstGeom>
+          <a:solidFill>
+            <a:schemeClr val="bg1"/>
+          </a:solidFill>
+          <a:scene3d>
+            <a:camera prst="orthographicFront"/>
+            <a:lightRig rig="threePt" dir="t"/>
+          </a:scene3d>
+          <a:sp3d>
+            <a:bevelT/>
+          </a:sp3d>
+        </p:spPr>
+        <p:style>
+          <a:lnRef idx="2">
+            <a:schemeClr val="accent1">
+              <a:shade val="50000"/>
+            </a:schemeClr>
+          </a:lnRef>
+          <a:fillRef idx="1">
+            <a:schemeClr val="accent1"/>
+          </a:fillRef>
+          <a:effectRef idx="0">
+            <a:schemeClr val="accent1"/>
+          </a:effectRef>
+          <a:fontRef idx="minor">
+            <a:schemeClr val="lt1"/>
+          </a:fontRef>
+        </p:style>
+        <p:txBody>
+          <a:bodyPr rtlCol="0" anchor="ctr"/>
+          <a:lstStyle/>
+          <a:p>
+            <a:pPr algn="ctr"/>
             <a:r>
-              <a:rPr lang="de-DE" dirty="0"/>
+              <a:rPr lang="de-DE" sz="2400" dirty="0" smtClean="0">
+                <a:solidFill>
+                  <a:schemeClr val="tx1"/>
+                </a:solidFill>
+              </a:rPr>
+              <a:t>The </a:t>
+            </a:r>
+            <a:r>
+              <a:rPr lang="de-DE" sz="2400" dirty="0" err="1" smtClean="0">
+                <a:solidFill>
+                  <a:schemeClr val="tx1"/>
+                </a:solidFill>
+              </a:rPr>
+              <a:t>Javascript</a:t>
+            </a:r>
+            <a:endParaRPr lang="de-DE" sz="2400" dirty="0" smtClean="0">
+              <a:solidFill>
+                <a:schemeClr val="tx1"/>
+              </a:solidFill>
+            </a:endParaRPr>
+          </a:p>
+          <a:p>
+            <a:pPr algn="ctr"/>
+            <a:r>
+              <a:rPr lang="de-DE" sz="2400" dirty="0" smtClean="0">
+                <a:solidFill>
+                  <a:schemeClr val="tx1"/>
+                </a:solidFill>
+              </a:rPr>
               <a:t>Edvard Munch</a:t>
             </a:r>
+            <a:endParaRPr lang="de-DE" sz="2400" dirty="0"/>
           </a:p>
         </p:txBody>
       </p:sp>
@@ -49246,6 +46856,13 @@
   <p:clrMapOvr>
     <a:masterClrMapping/>
   </p:clrMapOvr>
+  <p:timing>
+    <p:tnLst>
+      <p:par>
+        <p:cTn id="1" dur="indefinite" restart="never" nodeType="tmRoot"/>
+      </p:par>
+    </p:tnLst>
+  </p:timing>
 </p:sld>
 </file>
 
@@ -49333,7 +46950,6 @@
               <a:rPr lang="de-DE" dirty="0"/>
               <a:t>https://en.wikipedia.org/wiki/List_of_JVM_languages</a:t>
             </a:r>
-            <a:endParaRPr lang="de-DE" dirty="0"/>
           </a:p>
         </p:txBody>
       </p:sp>
@@ -49406,6 +47022,13 @@
   <p:clrMapOvr>
     <a:masterClrMapping/>
   </p:clrMapOvr>
+  <p:timing>
+    <p:tnLst>
+      <p:par>
+        <p:cTn id="1" dur="indefinite" restart="never" nodeType="tmRoot"/>
+      </p:par>
+    </p:tnLst>
+  </p:timing>
 </p:sld>
 </file>
 
@@ -50527,28 +48150,6 @@
           </a:graphicData>
         </a:graphic>
       </p:graphicFrame>
-      <p:graphicFrame>
-        <p:nvGraphicFramePr>
-          <p:cNvPr id="11" name="Diagramm 10"/>
-          <p:cNvGraphicFramePr/>
-          <p:nvPr>
-            <p:extLst>
-              <p:ext uri="{D42A27DB-BD31-4B8C-83A1-F6EECF244321}">
-                <p14:modId xmlns:p14="http://schemas.microsoft.com/office/powerpoint/2010/main" val="697708674"/>
-              </p:ext>
-            </p:extLst>
-          </p:nvPr>
-        </p:nvGraphicFramePr>
-        <p:xfrm>
-          <a:off x="778111" y="4725144"/>
-          <a:ext cx="9206321" cy="2061261"/>
-        </p:xfrm>
-        <a:graphic>
-          <a:graphicData uri="http://schemas.openxmlformats.org/drawingml/2006/diagram">
-            <dgm:relIds xmlns:dgm="http://schemas.openxmlformats.org/drawingml/2006/diagram" xmlns:r="http://schemas.openxmlformats.org/officeDocument/2006/relationships" r:dm="rId7" r:lo="rId8" r:qs="rId9" r:cs="rId10"/>
-          </a:graphicData>
-        </a:graphic>
-      </p:graphicFrame>
       <p:pic>
         <p:nvPicPr>
           <p:cNvPr id="3" name="Grafik 2"/>
@@ -50558,7 +48159,7 @@
           <p:nvPr/>
         </p:nvPicPr>
         <p:blipFill>
-          <a:blip r:embed="rId12" cstate="print">
+          <a:blip r:embed="rId7" cstate="print">
             <a:extLst>
               <a:ext uri="{28A0092B-C50C-407E-A947-70E740481C1C}">
                 <a14:useLocalDpi xmlns:a14="http://schemas.microsoft.com/office/drawing/2010/main" val="0"/>
@@ -50599,7 +48200,7 @@
           <p:nvPr/>
         </p:nvPicPr>
         <p:blipFill>
-          <a:blip r:embed="rId13" cstate="print">
+          <a:blip r:embed="rId8" cstate="print">
             <a:extLst>
               <a:ext uri="{28A0092B-C50C-407E-A947-70E740481C1C}">
                 <a14:useLocalDpi xmlns:a14="http://schemas.microsoft.com/office/drawing/2010/main" val="0"/>
@@ -50620,6 +48221,330 @@
           </a:prstGeom>
         </p:spPr>
       </p:pic>
+      <p:graphicFrame>
+        <p:nvGraphicFramePr>
+          <p:cNvPr id="4" name="Tabelle 3"/>
+          <p:cNvGraphicFramePr>
+            <a:graphicFrameLocks noGrp="1"/>
+          </p:cNvGraphicFramePr>
+          <p:nvPr>
+            <p:extLst>
+              <p:ext uri="{D42A27DB-BD31-4B8C-83A1-F6EECF244321}">
+                <p14:modId xmlns:p14="http://schemas.microsoft.com/office/powerpoint/2010/main" val="2690106626"/>
+              </p:ext>
+            </p:extLst>
+          </p:nvPr>
+        </p:nvGraphicFramePr>
+        <p:xfrm>
+          <a:off x="1055440" y="5277108"/>
+          <a:ext cx="8617145" cy="822960"/>
+        </p:xfrm>
+        <a:graphic>
+          <a:graphicData uri="http://schemas.openxmlformats.org/drawingml/2006/table">
+            <a:tbl>
+              <a:tblPr firstRow="1" bandRow="1">
+                <a:effectLst>
+                  <a:outerShdw blurRad="50800" dist="38100" dir="2700000" algn="tl" rotWithShape="0">
+                    <a:prstClr val="black">
+                      <a:alpha val="40000"/>
+                    </a:prstClr>
+                  </a:outerShdw>
+                </a:effectLst>
+                <a:tableStyleId>{2D5ABB26-0587-4C30-8999-92F81FD0307C}</a:tableStyleId>
+              </a:tblPr>
+              <a:tblGrid>
+                <a:gridCol w="732134">
+                  <a:extLst>
+                    <a:ext uri="{9D8B030D-6E8A-4147-A177-3AD203B41FA5}">
+                      <a16:colId xmlns:a16="http://schemas.microsoft.com/office/drawing/2014/main" val="42625736"/>
+                    </a:ext>
+                  </a:extLst>
+                </a:gridCol>
+                <a:gridCol w="2140247">
+                  <a:extLst>
+                    <a:ext uri="{9D8B030D-6E8A-4147-A177-3AD203B41FA5}">
+                      <a16:colId xmlns:a16="http://schemas.microsoft.com/office/drawing/2014/main" val="2962418611"/>
+                    </a:ext>
+                  </a:extLst>
+                </a:gridCol>
+                <a:gridCol w="706870">
+                  <a:extLst>
+                    <a:ext uri="{9D8B030D-6E8A-4147-A177-3AD203B41FA5}">
+                      <a16:colId xmlns:a16="http://schemas.microsoft.com/office/drawing/2014/main" val="2024761394"/>
+                    </a:ext>
+                  </a:extLst>
+                </a:gridCol>
+                <a:gridCol w="2165511">
+                  <a:extLst>
+                    <a:ext uri="{9D8B030D-6E8A-4147-A177-3AD203B41FA5}">
+                      <a16:colId xmlns:a16="http://schemas.microsoft.com/office/drawing/2014/main" val="4060576219"/>
+                    </a:ext>
+                  </a:extLst>
+                </a:gridCol>
+                <a:gridCol w="718288">
+                  <a:extLst>
+                    <a:ext uri="{9D8B030D-6E8A-4147-A177-3AD203B41FA5}">
+                      <a16:colId xmlns:a16="http://schemas.microsoft.com/office/drawing/2014/main" val="90103819"/>
+                    </a:ext>
+                  </a:extLst>
+                </a:gridCol>
+                <a:gridCol w="2154095">
+                  <a:extLst>
+                    <a:ext uri="{9D8B030D-6E8A-4147-A177-3AD203B41FA5}">
+                      <a16:colId xmlns:a16="http://schemas.microsoft.com/office/drawing/2014/main" val="788304747"/>
+                    </a:ext>
+                  </a:extLst>
+                </a:gridCol>
+              </a:tblGrid>
+              <a:tr h="370840">
+                <a:tc>
+                  <a:txBody>
+                    <a:bodyPr/>
+                    <a:lstStyle/>
+                    <a:p>
+                      <a:pPr algn="l"/>
+                      <a:r>
+                        <a:rPr lang="de-DE" sz="4800" dirty="0" smtClean="0">
+                          <a:solidFill>
+                            <a:srgbClr val="A5300F"/>
+                          </a:solidFill>
+                          <a:effectLst>
+                            <a:outerShdw blurRad="50800" dist="38100" dir="2700000" algn="tl" rotWithShape="0">
+                              <a:prstClr val="black">
+                                <a:alpha val="40000"/>
+                              </a:prstClr>
+                            </a:outerShdw>
+                          </a:effectLst>
+                          <a:latin typeface="FontAwesome" pitchFamily="2" charset="0"/>
+                        </a:rPr>
+                        <a:t></a:t>
+                      </a:r>
+                      <a:endParaRPr lang="de-DE" sz="4800" i="0" dirty="0">
+                        <a:solidFill>
+                          <a:srgbClr val="A5300F"/>
+                        </a:solidFill>
+                        <a:effectLst>
+                          <a:outerShdw blurRad="50800" dist="38100" dir="2700000" algn="tl" rotWithShape="0">
+                            <a:prstClr val="black">
+                              <a:alpha val="40000"/>
+                            </a:prstClr>
+                          </a:outerShdw>
+                        </a:effectLst>
+                        <a:latin typeface="FontAwesome" pitchFamily="2" charset="0"/>
+                      </a:endParaRPr>
+                    </a:p>
+                  </a:txBody>
+                  <a:tcPr anchor="ctr"/>
+                </a:tc>
+                <a:tc>
+                  <a:txBody>
+                    <a:bodyPr/>
+                    <a:lstStyle/>
+                    <a:p>
+                      <a:pPr marL="0" marR="0" lvl="0" indent="0" algn="l" defTabSz="914400" rtl="0" eaLnBrk="1" fontAlgn="auto" latinLnBrk="0" hangingPunct="1">
+                        <a:lnSpc>
+                          <a:spcPct val="100000"/>
+                        </a:lnSpc>
+                        <a:spcBef>
+                          <a:spcPts val="0"/>
+                        </a:spcBef>
+                        <a:spcAft>
+                          <a:spcPts val="0"/>
+                        </a:spcAft>
+                        <a:buClrTx/>
+                        <a:buSzTx/>
+                        <a:buFontTx/>
+                        <a:buNone/>
+                        <a:tabLst/>
+                        <a:defRPr/>
+                      </a:pPr>
+                      <a:r>
+                        <a:rPr lang="de-DE" dirty="0" smtClean="0"/>
+                        <a:t>@</a:t>
+                      </a:r>
+                      <a:r>
+                        <a:rPr lang="de-DE" dirty="0" err="1" smtClean="0"/>
+                        <a:t>oraesque</a:t>
+                      </a:r>
+                      <a:endParaRPr lang="de-DE" dirty="0" smtClean="0"/>
+                    </a:p>
+                  </a:txBody>
+                  <a:tcPr anchor="ctr"/>
+                </a:tc>
+                <a:tc>
+                  <a:txBody>
+                    <a:bodyPr/>
+                    <a:lstStyle/>
+                    <a:p>
+                      <a:r>
+                        <a:rPr lang="de-DE" sz="4800" kern="1200" dirty="0" smtClean="0">
+                          <a:solidFill>
+                            <a:srgbClr val="A5300F"/>
+                          </a:solidFill>
+                          <a:effectLst>
+                            <a:outerShdw blurRad="50800" dist="38100" dir="2700000" algn="tl" rotWithShape="0">
+                              <a:prstClr val="black">
+                                <a:alpha val="40000"/>
+                              </a:prstClr>
+                            </a:outerShdw>
+                          </a:effectLst>
+                          <a:latin typeface="FontAwesome" pitchFamily="2" charset="0"/>
+                          <a:ea typeface="+mn-ea"/>
+                          <a:cs typeface="+mn-cs"/>
+                        </a:rPr>
+                        <a:t></a:t>
+                      </a:r>
+                      <a:endParaRPr lang="de-DE" sz="4800" kern="1200" dirty="0">
+                        <a:solidFill>
+                          <a:srgbClr val="A5300F"/>
+                        </a:solidFill>
+                        <a:effectLst>
+                          <a:outerShdw blurRad="50800" dist="38100" dir="2700000" algn="tl" rotWithShape="0">
+                            <a:prstClr val="black">
+                              <a:alpha val="40000"/>
+                            </a:prstClr>
+                          </a:outerShdw>
+                        </a:effectLst>
+                        <a:latin typeface="FontAwesome" pitchFamily="2" charset="0"/>
+                        <a:ea typeface="+mn-ea"/>
+                        <a:cs typeface="+mn-cs"/>
+                      </a:endParaRPr>
+                    </a:p>
+                  </a:txBody>
+                  <a:tcPr anchor="ctr"/>
+                </a:tc>
+                <a:tc>
+                  <a:txBody>
+                    <a:bodyPr/>
+                    <a:lstStyle/>
+                    <a:p>
+                      <a:pPr marL="0" marR="0" lvl="0" indent="0" algn="l" defTabSz="914400" rtl="0" eaLnBrk="1" fontAlgn="auto" latinLnBrk="0" hangingPunct="1">
+                        <a:lnSpc>
+                          <a:spcPct val="100000"/>
+                        </a:lnSpc>
+                        <a:spcBef>
+                          <a:spcPts val="0"/>
+                        </a:spcBef>
+                        <a:spcAft>
+                          <a:spcPts val="0"/>
+                        </a:spcAft>
+                        <a:buClrTx/>
+                        <a:buSzTx/>
+                        <a:buFontTx/>
+                        <a:buNone/>
+                        <a:tabLst/>
+                        <a:defRPr/>
+                      </a:pPr>
+                      <a:r>
+                        <a:rPr lang="de-DE" sz="1800" kern="1200" dirty="0" smtClean="0">
+                          <a:solidFill>
+                            <a:schemeClr val="tx1"/>
+                          </a:solidFill>
+                          <a:latin typeface="+mn-lt"/>
+                          <a:ea typeface="+mn-ea"/>
+                          <a:cs typeface="+mn-cs"/>
+                        </a:rPr>
+                        <a:t>blog.its-people.de</a:t>
+                      </a:r>
+                    </a:p>
+                  </a:txBody>
+                  <a:tcPr anchor="ctr"/>
+                </a:tc>
+                <a:tc>
+                  <a:txBody>
+                    <a:bodyPr/>
+                    <a:lstStyle/>
+                    <a:p>
+                      <a:pPr marL="0" algn="l" defTabSz="914400" rtl="0" eaLnBrk="1" latinLnBrk="0" hangingPunct="1"/>
+                      <a:r>
+                        <a:rPr lang="de-DE" sz="4800" kern="1200" dirty="0" smtClean="0">
+                          <a:solidFill>
+                            <a:srgbClr val="A5300F"/>
+                          </a:solidFill>
+                          <a:effectLst>
+                            <a:outerShdw blurRad="50800" dist="38100" dir="2700000" algn="tl" rotWithShape="0">
+                              <a:prstClr val="black">
+                                <a:alpha val="40000"/>
+                              </a:prstClr>
+                            </a:outerShdw>
+                          </a:effectLst>
+                          <a:latin typeface="FontAwesome" pitchFamily="2" charset="0"/>
+                          <a:ea typeface="+mn-ea"/>
+                          <a:cs typeface="+mn-cs"/>
+                        </a:rPr>
+                        <a:t></a:t>
+                      </a:r>
+                      <a:endParaRPr lang="de-DE" sz="4800" kern="1200" dirty="0">
+                        <a:solidFill>
+                          <a:srgbClr val="A5300F"/>
+                        </a:solidFill>
+                        <a:effectLst>
+                          <a:outerShdw blurRad="50800" dist="38100" dir="2700000" algn="tl" rotWithShape="0">
+                            <a:prstClr val="black">
+                              <a:alpha val="40000"/>
+                            </a:prstClr>
+                          </a:outerShdw>
+                        </a:effectLst>
+                        <a:latin typeface="FontAwesome" pitchFamily="2" charset="0"/>
+                        <a:ea typeface="+mn-ea"/>
+                        <a:cs typeface="+mn-cs"/>
+                      </a:endParaRPr>
+                    </a:p>
+                  </a:txBody>
+                  <a:tcPr anchor="ctr"/>
+                </a:tc>
+                <a:tc>
+                  <a:txBody>
+                    <a:bodyPr/>
+                    <a:lstStyle/>
+                    <a:p>
+                      <a:pPr marL="0" marR="0" lvl="0" indent="0" algn="l" defTabSz="914400" rtl="0" eaLnBrk="1" fontAlgn="auto" latinLnBrk="0" hangingPunct="1">
+                        <a:lnSpc>
+                          <a:spcPct val="100000"/>
+                        </a:lnSpc>
+                        <a:spcBef>
+                          <a:spcPts val="0"/>
+                        </a:spcBef>
+                        <a:spcAft>
+                          <a:spcPts val="0"/>
+                        </a:spcAft>
+                        <a:buClrTx/>
+                        <a:buSzTx/>
+                        <a:buFontTx/>
+                        <a:buNone/>
+                        <a:tabLst/>
+                        <a:defRPr/>
+                      </a:pPr>
+                      <a:r>
+                        <a:rPr lang="de-DE" dirty="0" err="1" smtClean="0"/>
+                        <a:t>Sabine.Heimsath</a:t>
+                      </a:r>
+                      <a:r>
+                        <a:rPr lang="de-DE" dirty="0" smtClean="0"/>
+                        <a:t/>
+                      </a:r>
+                      <a:br>
+                        <a:rPr lang="de-DE" dirty="0" smtClean="0"/>
+                      </a:br>
+                      <a:r>
+                        <a:rPr lang="de-DE" dirty="0" smtClean="0"/>
+                        <a:t>@its-people.de</a:t>
+                      </a:r>
+                      <a:endParaRPr lang="de-DE" dirty="0"/>
+                    </a:p>
+                  </a:txBody>
+                  <a:tcPr anchor="ctr"/>
+                </a:tc>
+                <a:extLst>
+                  <a:ext uri="{0D108BD9-81ED-4DB2-BD59-A6C34878D82A}">
+                    <a16:rowId xmlns:a16="http://schemas.microsoft.com/office/drawing/2014/main" val="2710380680"/>
+                  </a:ext>
+                </a:extLst>
+              </a:tr>
+            </a:tbl>
+          </a:graphicData>
+        </a:graphic>
+      </p:graphicFrame>
     </p:spTree>
     <p:extLst>
       <p:ext uri="{BB962C8B-B14F-4D97-AF65-F5344CB8AC3E}">
@@ -50630,6 +48555,13 @@
   <p:clrMapOvr>
     <a:masterClrMapping/>
   </p:clrMapOvr>
+  <p:timing>
+    <p:tnLst>
+      <p:par>
+        <p:cTn id="1" dur="indefinite" restart="never" nodeType="tmRoot"/>
+      </p:par>
+    </p:tnLst>
+  </p:timing>
 </p:sld>
 </file>
 
@@ -50738,6 +48670,13 @@
   <p:clrMapOvr>
     <a:masterClrMapping/>
   </p:clrMapOvr>
+  <p:timing>
+    <p:tnLst>
+      <p:par>
+        <p:cTn id="1" dur="indefinite" restart="never" nodeType="tmRoot"/>
+      </p:par>
+    </p:tnLst>
+  </p:timing>
 </p:sld>
 </file>
 
@@ -50826,14 +48765,14 @@
           <p:nvPr>
             <p:extLst>
               <p:ext uri="{D42A27DB-BD31-4B8C-83A1-F6EECF244321}">
-                <p14:modId xmlns:p14="http://schemas.microsoft.com/office/powerpoint/2010/main" val="2648345118"/>
+                <p14:modId xmlns:p14="http://schemas.microsoft.com/office/powerpoint/2010/main" val="3170954918"/>
               </p:ext>
             </p:extLst>
           </p:nvPr>
         </p:nvGraphicFramePr>
         <p:xfrm>
-          <a:off x="-24680" y="365125"/>
-          <a:ext cx="12216680" cy="5584155"/>
+          <a:off x="263352" y="365125"/>
+          <a:ext cx="11521280" cy="5584156"/>
         </p:xfrm>
         <a:graphic>
           <a:graphicData uri="http://schemas.openxmlformats.org/drawingml/2006/diagram">
@@ -50892,6 +48831,13 @@
   <p:clrMapOvr>
     <a:masterClrMapping/>
   </p:clrMapOvr>
+  <p:timing>
+    <p:tnLst>
+      <p:par>
+        <p:cTn id="1" dur="indefinite" restart="never" nodeType="tmRoot"/>
+      </p:par>
+    </p:tnLst>
+  </p:timing>
 </p:sld>
 </file>
 
@@ -51011,6 +48957,13 @@
   <p:clrMapOvr>
     <a:masterClrMapping/>
   </p:clrMapOvr>
+  <p:timing>
+    <p:tnLst>
+      <p:par>
+        <p:cTn id="1" dur="indefinite" restart="never" nodeType="tmRoot"/>
+      </p:par>
+    </p:tnLst>
+  </p:timing>
 </p:sld>
 </file>
 
@@ -51073,7 +49026,7 @@
             <p:ph idx="4294967295"/>
             <p:extLst>
               <p:ext uri="{D42A27DB-BD31-4B8C-83A1-F6EECF244321}">
-                <p14:modId xmlns:p14="http://schemas.microsoft.com/office/powerpoint/2010/main" val="1686195189"/>
+                <p14:modId xmlns:p14="http://schemas.microsoft.com/office/powerpoint/2010/main" val="770083300"/>
               </p:ext>
             </p:extLst>
           </p:nvPr>
@@ -51117,6 +49070,30 @@
           </a:p>
         </p:txBody>
       </p:sp>
+      <p:pic>
+        <p:nvPicPr>
+          <p:cNvPr id="3" name="Grafik 2"/>
+          <p:cNvPicPr>
+            <a:picLocks noChangeAspect="1"/>
+          </p:cNvPicPr>
+          <p:nvPr/>
+        </p:nvPicPr>
+        <p:blipFill>
+          <a:blip r:embed="rId8"/>
+          <a:stretch>
+            <a:fillRect/>
+          </a:stretch>
+        </p:blipFill>
+        <p:spPr>
+          <a:xfrm>
+            <a:off x="-4201144" y="3429000"/>
+            <a:ext cx="3326770" cy="1728192"/>
+          </a:xfrm>
+          <a:prstGeom prst="rect">
+            <a:avLst/>
+          </a:prstGeom>
+        </p:spPr>
+      </p:pic>
     </p:spTree>
     <p:extLst>
       <p:ext uri="{BB962C8B-B14F-4D97-AF65-F5344CB8AC3E}">
@@ -51127,6 +49104,13 @@
   <p:clrMapOvr>
     <a:masterClrMapping/>
   </p:clrMapOvr>
+  <p:timing>
+    <p:tnLst>
+      <p:par>
+        <p:cTn id="1" dur="indefinite" restart="never" nodeType="tmRoot"/>
+      </p:par>
+    </p:tnLst>
+  </p:timing>
 </p:sld>
 </file>
 
@@ -51192,7 +49176,7 @@
             <p:ph idx="4294967295"/>
             <p:extLst>
               <p:ext uri="{D42A27DB-BD31-4B8C-83A1-F6EECF244321}">
-                <p14:modId xmlns:p14="http://schemas.microsoft.com/office/powerpoint/2010/main" val="1506142745"/>
+                <p14:modId xmlns:p14="http://schemas.microsoft.com/office/powerpoint/2010/main" val="738447434"/>
               </p:ext>
             </p:extLst>
           </p:nvPr>

--- a/Slides/2016 DOAG K+A - Sabine Heimsath + Robert Marz - Scripting with SQLcl.pptx
+++ b/Slides/2016 DOAG K+A - Sabine Heimsath + Robert Marz - Scripting with SQLcl.pptx
@@ -5,27 +5,28 @@
     <p:sldMasterId id="2147483791" r:id="rId1"/>
   </p:sldMasterIdLst>
   <p:notesMasterIdLst>
-    <p:notesMasterId r:id="rId20"/>
+    <p:notesMasterId r:id="rId21"/>
   </p:notesMasterIdLst>
   <p:sldIdLst>
     <p:sldId id="305" r:id="rId2"/>
     <p:sldId id="313" r:id="rId3"/>
     <p:sldId id="326" r:id="rId4"/>
-    <p:sldId id="327" r:id="rId5"/>
-    <p:sldId id="316" r:id="rId6"/>
-    <p:sldId id="314" r:id="rId7"/>
-    <p:sldId id="315" r:id="rId8"/>
-    <p:sldId id="317" r:id="rId9"/>
-    <p:sldId id="318" r:id="rId10"/>
-    <p:sldId id="319" r:id="rId11"/>
-    <p:sldId id="322" r:id="rId12"/>
-    <p:sldId id="320" r:id="rId13"/>
-    <p:sldId id="321" r:id="rId14"/>
-    <p:sldId id="323" r:id="rId15"/>
-    <p:sldId id="328" r:id="rId16"/>
-    <p:sldId id="325" r:id="rId17"/>
-    <p:sldId id="324" r:id="rId18"/>
-    <p:sldId id="312" r:id="rId19"/>
+    <p:sldId id="329" r:id="rId5"/>
+    <p:sldId id="327" r:id="rId6"/>
+    <p:sldId id="316" r:id="rId7"/>
+    <p:sldId id="314" r:id="rId8"/>
+    <p:sldId id="315" r:id="rId9"/>
+    <p:sldId id="317" r:id="rId10"/>
+    <p:sldId id="318" r:id="rId11"/>
+    <p:sldId id="319" r:id="rId12"/>
+    <p:sldId id="322" r:id="rId13"/>
+    <p:sldId id="320" r:id="rId14"/>
+    <p:sldId id="321" r:id="rId15"/>
+    <p:sldId id="323" r:id="rId16"/>
+    <p:sldId id="328" r:id="rId17"/>
+    <p:sldId id="325" r:id="rId18"/>
+    <p:sldId id="324" r:id="rId19"/>
+    <p:sldId id="312" r:id="rId20"/>
   </p:sldIdLst>
   <p:sldSz cx="12192000" cy="6858000"/>
   <p:notesSz cx="6858000" cy="9144000"/>
@@ -4629,6 +4630,753 @@
 </file>
 
 <file path=ppt/diagrams/colors15.xml><?xml version="1.0" encoding="utf-8"?>
+<dgm:colorsDef xmlns:dgm="http://schemas.openxmlformats.org/drawingml/2006/diagram" xmlns:a="http://schemas.openxmlformats.org/drawingml/2006/main" uniqueId="urn:microsoft.com/office/officeart/2005/8/colors/accent1_2">
+  <dgm:title val=""/>
+  <dgm:desc val=""/>
+  <dgm:catLst>
+    <dgm:cat type="accent1" pri="11200"/>
+  </dgm:catLst>
+  <dgm:styleLbl name="node0">
+    <dgm:fillClrLst meth="repeat">
+      <a:schemeClr val="accent1"/>
+    </dgm:fillClrLst>
+    <dgm:linClrLst meth="repeat">
+      <a:schemeClr val="lt1"/>
+    </dgm:linClrLst>
+    <dgm:effectClrLst/>
+    <dgm:txLinClrLst/>
+    <dgm:txFillClrLst/>
+    <dgm:txEffectClrLst/>
+  </dgm:styleLbl>
+  <dgm:styleLbl name="alignNode1">
+    <dgm:fillClrLst meth="repeat">
+      <a:schemeClr val="accent1"/>
+    </dgm:fillClrLst>
+    <dgm:linClrLst meth="repeat">
+      <a:schemeClr val="accent1"/>
+    </dgm:linClrLst>
+    <dgm:effectClrLst/>
+    <dgm:txLinClrLst/>
+    <dgm:txFillClrLst/>
+    <dgm:txEffectClrLst/>
+  </dgm:styleLbl>
+  <dgm:styleLbl name="node1">
+    <dgm:fillClrLst meth="repeat">
+      <a:schemeClr val="accent1"/>
+    </dgm:fillClrLst>
+    <dgm:linClrLst meth="repeat">
+      <a:schemeClr val="lt1"/>
+    </dgm:linClrLst>
+    <dgm:effectClrLst/>
+    <dgm:txLinClrLst/>
+    <dgm:txFillClrLst/>
+    <dgm:txEffectClrLst/>
+  </dgm:styleLbl>
+  <dgm:styleLbl name="lnNode1">
+    <dgm:fillClrLst meth="repeat">
+      <a:schemeClr val="accent1"/>
+    </dgm:fillClrLst>
+    <dgm:linClrLst meth="repeat">
+      <a:schemeClr val="lt1"/>
+    </dgm:linClrLst>
+    <dgm:effectClrLst/>
+    <dgm:txLinClrLst/>
+    <dgm:txFillClrLst/>
+    <dgm:txEffectClrLst/>
+  </dgm:styleLbl>
+  <dgm:styleLbl name="vennNode1">
+    <dgm:fillClrLst meth="repeat">
+      <a:schemeClr val="accent1">
+        <a:alpha val="50000"/>
+      </a:schemeClr>
+    </dgm:fillClrLst>
+    <dgm:linClrLst meth="repeat">
+      <a:schemeClr val="lt1"/>
+    </dgm:linClrLst>
+    <dgm:effectClrLst/>
+    <dgm:txLinClrLst/>
+    <dgm:txFillClrLst/>
+    <dgm:txEffectClrLst/>
+  </dgm:styleLbl>
+  <dgm:styleLbl name="node2">
+    <dgm:fillClrLst meth="repeat">
+      <a:schemeClr val="accent1"/>
+    </dgm:fillClrLst>
+    <dgm:linClrLst meth="repeat">
+      <a:schemeClr val="lt1"/>
+    </dgm:linClrLst>
+    <dgm:effectClrLst/>
+    <dgm:txLinClrLst/>
+    <dgm:txFillClrLst/>
+    <dgm:txEffectClrLst/>
+  </dgm:styleLbl>
+  <dgm:styleLbl name="node3">
+    <dgm:fillClrLst meth="repeat">
+      <a:schemeClr val="accent1"/>
+    </dgm:fillClrLst>
+    <dgm:linClrLst meth="repeat">
+      <a:schemeClr val="lt1"/>
+    </dgm:linClrLst>
+    <dgm:effectClrLst/>
+    <dgm:txLinClrLst/>
+    <dgm:txFillClrLst/>
+    <dgm:txEffectClrLst/>
+  </dgm:styleLbl>
+  <dgm:styleLbl name="node4">
+    <dgm:fillClrLst meth="repeat">
+      <a:schemeClr val="accent1"/>
+    </dgm:fillClrLst>
+    <dgm:linClrLst meth="repeat">
+      <a:schemeClr val="lt1"/>
+    </dgm:linClrLst>
+    <dgm:effectClrLst/>
+    <dgm:txLinClrLst/>
+    <dgm:txFillClrLst/>
+    <dgm:txEffectClrLst/>
+  </dgm:styleLbl>
+  <dgm:styleLbl name="fgImgPlace1">
+    <dgm:fillClrLst meth="repeat">
+      <a:schemeClr val="accent1">
+        <a:tint val="50000"/>
+      </a:schemeClr>
+    </dgm:fillClrLst>
+    <dgm:linClrLst meth="repeat">
+      <a:schemeClr val="lt1"/>
+    </dgm:linClrLst>
+    <dgm:effectClrLst/>
+    <dgm:txLinClrLst/>
+    <dgm:txFillClrLst meth="repeat">
+      <a:schemeClr val="lt1"/>
+    </dgm:txFillClrLst>
+    <dgm:txEffectClrLst/>
+  </dgm:styleLbl>
+  <dgm:styleLbl name="alignImgPlace1">
+    <dgm:fillClrLst meth="repeat">
+      <a:schemeClr val="accent1">
+        <a:tint val="50000"/>
+      </a:schemeClr>
+    </dgm:fillClrLst>
+    <dgm:linClrLst meth="repeat">
+      <a:schemeClr val="lt1"/>
+    </dgm:linClrLst>
+    <dgm:effectClrLst/>
+    <dgm:txLinClrLst/>
+    <dgm:txFillClrLst meth="repeat">
+      <a:schemeClr val="lt1"/>
+    </dgm:txFillClrLst>
+    <dgm:txEffectClrLst/>
+  </dgm:styleLbl>
+  <dgm:styleLbl name="bgImgPlace1">
+    <dgm:fillClrLst meth="repeat">
+      <a:schemeClr val="accent1">
+        <a:tint val="50000"/>
+      </a:schemeClr>
+    </dgm:fillClrLst>
+    <dgm:linClrLst meth="repeat">
+      <a:schemeClr val="lt1"/>
+    </dgm:linClrLst>
+    <dgm:effectClrLst/>
+    <dgm:txLinClrLst/>
+    <dgm:txFillClrLst meth="repeat">
+      <a:schemeClr val="lt1"/>
+    </dgm:txFillClrLst>
+    <dgm:txEffectClrLst/>
+  </dgm:styleLbl>
+  <dgm:styleLbl name="sibTrans2D1">
+    <dgm:fillClrLst meth="repeat">
+      <a:schemeClr val="accent1">
+        <a:tint val="60000"/>
+      </a:schemeClr>
+    </dgm:fillClrLst>
+    <dgm:linClrLst meth="repeat">
+      <a:schemeClr val="accent1">
+        <a:tint val="60000"/>
+      </a:schemeClr>
+    </dgm:linClrLst>
+    <dgm:effectClrLst/>
+    <dgm:txLinClrLst/>
+    <dgm:txFillClrLst/>
+    <dgm:txEffectClrLst/>
+  </dgm:styleLbl>
+  <dgm:styleLbl name="fgSibTrans2D1">
+    <dgm:fillClrLst meth="repeat">
+      <a:schemeClr val="accent1">
+        <a:tint val="60000"/>
+      </a:schemeClr>
+    </dgm:fillClrLst>
+    <dgm:linClrLst meth="repeat">
+      <a:schemeClr val="accent1">
+        <a:tint val="60000"/>
+      </a:schemeClr>
+    </dgm:linClrLst>
+    <dgm:effectClrLst/>
+    <dgm:txLinClrLst/>
+    <dgm:txFillClrLst/>
+    <dgm:txEffectClrLst/>
+  </dgm:styleLbl>
+  <dgm:styleLbl name="bgSibTrans2D1">
+    <dgm:fillClrLst meth="repeat">
+      <a:schemeClr val="accent1">
+        <a:tint val="60000"/>
+      </a:schemeClr>
+    </dgm:fillClrLst>
+    <dgm:linClrLst meth="repeat">
+      <a:schemeClr val="accent1">
+        <a:tint val="60000"/>
+      </a:schemeClr>
+    </dgm:linClrLst>
+    <dgm:effectClrLst/>
+    <dgm:txLinClrLst/>
+    <dgm:txFillClrLst/>
+    <dgm:txEffectClrLst/>
+  </dgm:styleLbl>
+  <dgm:styleLbl name="sibTrans1D1">
+    <dgm:fillClrLst meth="repeat">
+      <a:schemeClr val="accent1"/>
+    </dgm:fillClrLst>
+    <dgm:linClrLst meth="repeat">
+      <a:schemeClr val="accent1"/>
+    </dgm:linClrLst>
+    <dgm:effectClrLst/>
+    <dgm:txLinClrLst/>
+    <dgm:txFillClrLst meth="repeat">
+      <a:schemeClr val="tx1"/>
+    </dgm:txFillClrLst>
+    <dgm:txEffectClrLst/>
+  </dgm:styleLbl>
+  <dgm:styleLbl name="callout">
+    <dgm:fillClrLst meth="repeat">
+      <a:schemeClr val="accent1"/>
+    </dgm:fillClrLst>
+    <dgm:linClrLst meth="repeat">
+      <a:schemeClr val="accent1">
+        <a:tint val="50000"/>
+      </a:schemeClr>
+    </dgm:linClrLst>
+    <dgm:effectClrLst/>
+    <dgm:txLinClrLst/>
+    <dgm:txFillClrLst meth="repeat">
+      <a:schemeClr val="tx1"/>
+    </dgm:txFillClrLst>
+    <dgm:txEffectClrLst/>
+  </dgm:styleLbl>
+  <dgm:styleLbl name="asst0">
+    <dgm:fillClrLst meth="repeat">
+      <a:schemeClr val="accent1"/>
+    </dgm:fillClrLst>
+    <dgm:linClrLst meth="repeat">
+      <a:schemeClr val="lt1"/>
+    </dgm:linClrLst>
+    <dgm:effectClrLst/>
+    <dgm:txLinClrLst/>
+    <dgm:txFillClrLst/>
+    <dgm:txEffectClrLst/>
+  </dgm:styleLbl>
+  <dgm:styleLbl name="asst1">
+    <dgm:fillClrLst meth="repeat">
+      <a:schemeClr val="accent1"/>
+    </dgm:fillClrLst>
+    <dgm:linClrLst meth="repeat">
+      <a:schemeClr val="lt1"/>
+    </dgm:linClrLst>
+    <dgm:effectClrLst/>
+    <dgm:txLinClrLst/>
+    <dgm:txFillClrLst/>
+    <dgm:txEffectClrLst/>
+  </dgm:styleLbl>
+  <dgm:styleLbl name="asst2">
+    <dgm:fillClrLst meth="repeat">
+      <a:schemeClr val="accent1"/>
+    </dgm:fillClrLst>
+    <dgm:linClrLst meth="repeat">
+      <a:schemeClr val="lt1"/>
+    </dgm:linClrLst>
+    <dgm:effectClrLst/>
+    <dgm:txLinClrLst/>
+    <dgm:txFillClrLst/>
+    <dgm:txEffectClrLst/>
+  </dgm:styleLbl>
+  <dgm:styleLbl name="asst3">
+    <dgm:fillClrLst meth="repeat">
+      <a:schemeClr val="accent1"/>
+    </dgm:fillClrLst>
+    <dgm:linClrLst meth="repeat">
+      <a:schemeClr val="lt1"/>
+    </dgm:linClrLst>
+    <dgm:effectClrLst/>
+    <dgm:txLinClrLst/>
+    <dgm:txFillClrLst/>
+    <dgm:txEffectClrLst/>
+  </dgm:styleLbl>
+  <dgm:styleLbl name="asst4">
+    <dgm:fillClrLst meth="repeat">
+      <a:schemeClr val="accent1"/>
+    </dgm:fillClrLst>
+    <dgm:linClrLst meth="repeat">
+      <a:schemeClr val="lt1"/>
+    </dgm:linClrLst>
+    <dgm:effectClrLst/>
+    <dgm:txLinClrLst/>
+    <dgm:txFillClrLst/>
+    <dgm:txEffectClrLst/>
+  </dgm:styleLbl>
+  <dgm:styleLbl name="parChTrans2D1">
+    <dgm:fillClrLst meth="repeat">
+      <a:schemeClr val="accent1">
+        <a:tint val="60000"/>
+      </a:schemeClr>
+    </dgm:fillClrLst>
+    <dgm:linClrLst meth="repeat">
+      <a:schemeClr val="accent1">
+        <a:tint val="60000"/>
+      </a:schemeClr>
+    </dgm:linClrLst>
+    <dgm:effectClrLst/>
+    <dgm:txLinClrLst/>
+    <dgm:txFillClrLst meth="repeat">
+      <a:schemeClr val="lt1"/>
+    </dgm:txFillClrLst>
+    <dgm:txEffectClrLst/>
+  </dgm:styleLbl>
+  <dgm:styleLbl name="parChTrans2D2">
+    <dgm:fillClrLst meth="repeat">
+      <a:schemeClr val="accent1"/>
+    </dgm:fillClrLst>
+    <dgm:linClrLst meth="repeat">
+      <a:schemeClr val="accent1"/>
+    </dgm:linClrLst>
+    <dgm:effectClrLst/>
+    <dgm:txLinClrLst/>
+    <dgm:txFillClrLst meth="repeat">
+      <a:schemeClr val="lt1"/>
+    </dgm:txFillClrLst>
+    <dgm:txEffectClrLst/>
+  </dgm:styleLbl>
+  <dgm:styleLbl name="parChTrans2D3">
+    <dgm:fillClrLst meth="repeat">
+      <a:schemeClr val="accent1"/>
+    </dgm:fillClrLst>
+    <dgm:linClrLst meth="repeat">
+      <a:schemeClr val="accent1"/>
+    </dgm:linClrLst>
+    <dgm:effectClrLst/>
+    <dgm:txLinClrLst/>
+    <dgm:txFillClrLst meth="repeat">
+      <a:schemeClr val="lt1"/>
+    </dgm:txFillClrLst>
+    <dgm:txEffectClrLst/>
+  </dgm:styleLbl>
+  <dgm:styleLbl name="parChTrans2D4">
+    <dgm:fillClrLst meth="repeat">
+      <a:schemeClr val="accent1"/>
+    </dgm:fillClrLst>
+    <dgm:linClrLst meth="repeat">
+      <a:schemeClr val="accent1"/>
+    </dgm:linClrLst>
+    <dgm:effectClrLst/>
+    <dgm:txLinClrLst/>
+    <dgm:txFillClrLst meth="repeat">
+      <a:schemeClr val="lt1"/>
+    </dgm:txFillClrLst>
+    <dgm:txEffectClrLst/>
+  </dgm:styleLbl>
+  <dgm:styleLbl name="parChTrans1D1">
+    <dgm:fillClrLst meth="repeat">
+      <a:schemeClr val="accent1"/>
+    </dgm:fillClrLst>
+    <dgm:linClrLst meth="repeat">
+      <a:schemeClr val="accent1">
+        <a:shade val="60000"/>
+      </a:schemeClr>
+    </dgm:linClrLst>
+    <dgm:effectClrLst/>
+    <dgm:txLinClrLst/>
+    <dgm:txFillClrLst meth="repeat">
+      <a:schemeClr val="tx1"/>
+    </dgm:txFillClrLst>
+    <dgm:txEffectClrLst/>
+  </dgm:styleLbl>
+  <dgm:styleLbl name="parChTrans1D2">
+    <dgm:fillClrLst meth="repeat">
+      <a:schemeClr val="accent1"/>
+    </dgm:fillClrLst>
+    <dgm:linClrLst meth="repeat">
+      <a:schemeClr val="accent1">
+        <a:shade val="60000"/>
+      </a:schemeClr>
+    </dgm:linClrLst>
+    <dgm:effectClrLst/>
+    <dgm:txLinClrLst/>
+    <dgm:txFillClrLst meth="repeat">
+      <a:schemeClr val="tx1"/>
+    </dgm:txFillClrLst>
+    <dgm:txEffectClrLst/>
+  </dgm:styleLbl>
+  <dgm:styleLbl name="parChTrans1D3">
+    <dgm:fillClrLst meth="repeat">
+      <a:schemeClr val="accent1"/>
+    </dgm:fillClrLst>
+    <dgm:linClrLst meth="repeat">
+      <a:schemeClr val="accent1">
+        <a:shade val="80000"/>
+      </a:schemeClr>
+    </dgm:linClrLst>
+    <dgm:effectClrLst/>
+    <dgm:txLinClrLst/>
+    <dgm:txFillClrLst meth="repeat">
+      <a:schemeClr val="tx1"/>
+    </dgm:txFillClrLst>
+    <dgm:txEffectClrLst/>
+  </dgm:styleLbl>
+  <dgm:styleLbl name="parChTrans1D4">
+    <dgm:fillClrLst meth="repeat">
+      <a:schemeClr val="accent1"/>
+    </dgm:fillClrLst>
+    <dgm:linClrLst meth="repeat">
+      <a:schemeClr val="accent1">
+        <a:shade val="80000"/>
+      </a:schemeClr>
+    </dgm:linClrLst>
+    <dgm:effectClrLst/>
+    <dgm:txLinClrLst/>
+    <dgm:txFillClrLst meth="repeat">
+      <a:schemeClr val="tx1"/>
+    </dgm:txFillClrLst>
+    <dgm:txEffectClrLst/>
+  </dgm:styleLbl>
+  <dgm:styleLbl name="fgAcc1">
+    <dgm:fillClrLst meth="repeat">
+      <a:schemeClr val="lt1">
+        <a:alpha val="90000"/>
+      </a:schemeClr>
+    </dgm:fillClrLst>
+    <dgm:linClrLst meth="repeat">
+      <a:schemeClr val="accent1"/>
+    </dgm:linClrLst>
+    <dgm:effectClrLst/>
+    <dgm:txLinClrLst/>
+    <dgm:txFillClrLst meth="repeat">
+      <a:schemeClr val="dk1"/>
+    </dgm:txFillClrLst>
+    <dgm:txEffectClrLst/>
+  </dgm:styleLbl>
+  <dgm:styleLbl name="conFgAcc1">
+    <dgm:fillClrLst meth="repeat">
+      <a:schemeClr val="lt1">
+        <a:alpha val="90000"/>
+      </a:schemeClr>
+    </dgm:fillClrLst>
+    <dgm:linClrLst meth="repeat">
+      <a:schemeClr val="accent1"/>
+    </dgm:linClrLst>
+    <dgm:effectClrLst/>
+    <dgm:txLinClrLst/>
+    <dgm:txFillClrLst meth="repeat">
+      <a:schemeClr val="dk1"/>
+    </dgm:txFillClrLst>
+    <dgm:txEffectClrLst/>
+  </dgm:styleLbl>
+  <dgm:styleLbl name="alignAcc1">
+    <dgm:fillClrLst meth="repeat">
+      <a:schemeClr val="lt1">
+        <a:alpha val="90000"/>
+      </a:schemeClr>
+    </dgm:fillClrLst>
+    <dgm:linClrLst meth="repeat">
+      <a:schemeClr val="accent1"/>
+    </dgm:linClrLst>
+    <dgm:effectClrLst/>
+    <dgm:txLinClrLst/>
+    <dgm:txFillClrLst meth="repeat">
+      <a:schemeClr val="dk1"/>
+    </dgm:txFillClrLst>
+    <dgm:txEffectClrLst/>
+  </dgm:styleLbl>
+  <dgm:styleLbl name="trAlignAcc1">
+    <dgm:fillClrLst meth="repeat">
+      <a:schemeClr val="lt1">
+        <a:alpha val="40000"/>
+      </a:schemeClr>
+    </dgm:fillClrLst>
+    <dgm:linClrLst meth="repeat">
+      <a:schemeClr val="accent1"/>
+    </dgm:linClrLst>
+    <dgm:effectClrLst/>
+    <dgm:txLinClrLst/>
+    <dgm:txFillClrLst meth="repeat">
+      <a:schemeClr val="dk1"/>
+    </dgm:txFillClrLst>
+    <dgm:txEffectClrLst/>
+  </dgm:styleLbl>
+  <dgm:styleLbl name="bgAcc1">
+    <dgm:fillClrLst meth="repeat">
+      <a:schemeClr val="lt1">
+        <a:alpha val="90000"/>
+      </a:schemeClr>
+    </dgm:fillClrLst>
+    <dgm:linClrLst meth="repeat">
+      <a:schemeClr val="accent1"/>
+    </dgm:linClrLst>
+    <dgm:effectClrLst/>
+    <dgm:txLinClrLst/>
+    <dgm:txFillClrLst meth="repeat">
+      <a:schemeClr val="dk1"/>
+    </dgm:txFillClrLst>
+    <dgm:txEffectClrLst/>
+  </dgm:styleLbl>
+  <dgm:styleLbl name="solidFgAcc1">
+    <dgm:fillClrLst meth="repeat">
+      <a:schemeClr val="lt1"/>
+    </dgm:fillClrLst>
+    <dgm:linClrLst meth="repeat">
+      <a:schemeClr val="accent1"/>
+    </dgm:linClrLst>
+    <dgm:effectClrLst/>
+    <dgm:txLinClrLst/>
+    <dgm:txFillClrLst meth="repeat">
+      <a:schemeClr val="dk1"/>
+    </dgm:txFillClrLst>
+    <dgm:txEffectClrLst/>
+  </dgm:styleLbl>
+  <dgm:styleLbl name="solidAlignAcc1">
+    <dgm:fillClrLst meth="repeat">
+      <a:schemeClr val="lt1"/>
+    </dgm:fillClrLst>
+    <dgm:linClrLst meth="repeat">
+      <a:schemeClr val="accent1"/>
+    </dgm:linClrLst>
+    <dgm:effectClrLst/>
+    <dgm:txLinClrLst/>
+    <dgm:txFillClrLst meth="repeat">
+      <a:schemeClr val="dk1"/>
+    </dgm:txFillClrLst>
+    <dgm:txEffectClrLst/>
+  </dgm:styleLbl>
+  <dgm:styleLbl name="solidBgAcc1">
+    <dgm:fillClrLst meth="repeat">
+      <a:schemeClr val="lt1"/>
+    </dgm:fillClrLst>
+    <dgm:linClrLst meth="repeat">
+      <a:schemeClr val="accent1"/>
+    </dgm:linClrLst>
+    <dgm:effectClrLst/>
+    <dgm:txLinClrLst/>
+    <dgm:txFillClrLst meth="repeat">
+      <a:schemeClr val="dk1"/>
+    </dgm:txFillClrLst>
+    <dgm:txEffectClrLst/>
+  </dgm:styleLbl>
+  <dgm:styleLbl name="fgAccFollowNode1">
+    <dgm:fillClrLst meth="repeat">
+      <a:schemeClr val="accent1">
+        <a:alpha val="90000"/>
+        <a:tint val="40000"/>
+      </a:schemeClr>
+    </dgm:fillClrLst>
+    <dgm:linClrLst meth="repeat">
+      <a:schemeClr val="accent1">
+        <a:alpha val="90000"/>
+        <a:tint val="40000"/>
+      </a:schemeClr>
+    </dgm:linClrLst>
+    <dgm:effectClrLst/>
+    <dgm:txLinClrLst/>
+    <dgm:txFillClrLst meth="repeat">
+      <a:schemeClr val="dk1"/>
+    </dgm:txFillClrLst>
+    <dgm:txEffectClrLst/>
+  </dgm:styleLbl>
+  <dgm:styleLbl name="alignAccFollowNode1">
+    <dgm:fillClrLst meth="repeat">
+      <a:schemeClr val="accent1">
+        <a:alpha val="90000"/>
+        <a:tint val="40000"/>
+      </a:schemeClr>
+    </dgm:fillClrLst>
+    <dgm:linClrLst meth="repeat">
+      <a:schemeClr val="accent1">
+        <a:alpha val="90000"/>
+        <a:tint val="40000"/>
+      </a:schemeClr>
+    </dgm:linClrLst>
+    <dgm:effectClrLst/>
+    <dgm:txLinClrLst/>
+    <dgm:txFillClrLst meth="repeat">
+      <a:schemeClr val="dk1"/>
+    </dgm:txFillClrLst>
+    <dgm:txEffectClrLst/>
+  </dgm:styleLbl>
+  <dgm:styleLbl name="bgAccFollowNode1">
+    <dgm:fillClrLst meth="repeat">
+      <a:schemeClr val="accent1">
+        <a:alpha val="90000"/>
+        <a:tint val="40000"/>
+      </a:schemeClr>
+    </dgm:fillClrLst>
+    <dgm:linClrLst meth="repeat">
+      <a:schemeClr val="accent1">
+        <a:alpha val="90000"/>
+        <a:tint val="40000"/>
+      </a:schemeClr>
+    </dgm:linClrLst>
+    <dgm:effectClrLst/>
+    <dgm:txLinClrLst/>
+    <dgm:txFillClrLst meth="repeat">
+      <a:schemeClr val="dk1"/>
+    </dgm:txFillClrLst>
+    <dgm:txEffectClrLst/>
+  </dgm:styleLbl>
+  <dgm:styleLbl name="fgAcc0">
+    <dgm:fillClrLst meth="repeat">
+      <a:schemeClr val="lt1">
+        <a:alpha val="90000"/>
+      </a:schemeClr>
+    </dgm:fillClrLst>
+    <dgm:linClrLst meth="repeat">
+      <a:schemeClr val="accent1"/>
+    </dgm:linClrLst>
+    <dgm:effectClrLst/>
+    <dgm:txLinClrLst/>
+    <dgm:txFillClrLst meth="repeat">
+      <a:schemeClr val="dk1"/>
+    </dgm:txFillClrLst>
+    <dgm:txEffectClrLst/>
+  </dgm:styleLbl>
+  <dgm:styleLbl name="fgAcc2">
+    <dgm:fillClrLst meth="repeat">
+      <a:schemeClr val="lt1">
+        <a:alpha val="90000"/>
+      </a:schemeClr>
+    </dgm:fillClrLst>
+    <dgm:linClrLst meth="repeat">
+      <a:schemeClr val="accent1"/>
+    </dgm:linClrLst>
+    <dgm:effectClrLst/>
+    <dgm:txLinClrLst/>
+    <dgm:txFillClrLst meth="repeat">
+      <a:schemeClr val="dk1"/>
+    </dgm:txFillClrLst>
+    <dgm:txEffectClrLst/>
+  </dgm:styleLbl>
+  <dgm:styleLbl name="fgAcc3">
+    <dgm:fillClrLst meth="repeat">
+      <a:schemeClr val="lt1">
+        <a:alpha val="90000"/>
+      </a:schemeClr>
+    </dgm:fillClrLst>
+    <dgm:linClrLst meth="repeat">
+      <a:schemeClr val="accent1"/>
+    </dgm:linClrLst>
+    <dgm:effectClrLst/>
+    <dgm:txLinClrLst/>
+    <dgm:txFillClrLst meth="repeat">
+      <a:schemeClr val="dk1"/>
+    </dgm:txFillClrLst>
+    <dgm:txEffectClrLst/>
+  </dgm:styleLbl>
+  <dgm:styleLbl name="fgAcc4">
+    <dgm:fillClrLst meth="repeat">
+      <a:schemeClr val="lt1">
+        <a:alpha val="90000"/>
+      </a:schemeClr>
+    </dgm:fillClrLst>
+    <dgm:linClrLst meth="repeat">
+      <a:schemeClr val="accent1"/>
+    </dgm:linClrLst>
+    <dgm:effectClrLst/>
+    <dgm:txLinClrLst/>
+    <dgm:txFillClrLst meth="repeat">
+      <a:schemeClr val="dk1"/>
+    </dgm:txFillClrLst>
+    <dgm:txEffectClrLst/>
+  </dgm:styleLbl>
+  <dgm:styleLbl name="bgShp">
+    <dgm:fillClrLst meth="repeat">
+      <a:schemeClr val="accent1">
+        <a:tint val="40000"/>
+      </a:schemeClr>
+    </dgm:fillClrLst>
+    <dgm:linClrLst meth="repeat">
+      <a:schemeClr val="accent1"/>
+    </dgm:linClrLst>
+    <dgm:effectClrLst/>
+    <dgm:txLinClrLst/>
+    <dgm:txFillClrLst meth="repeat">
+      <a:schemeClr val="dk1"/>
+    </dgm:txFillClrLst>
+    <dgm:txEffectClrLst/>
+  </dgm:styleLbl>
+  <dgm:styleLbl name="dkBgShp">
+    <dgm:fillClrLst meth="repeat">
+      <a:schemeClr val="accent1">
+        <a:shade val="80000"/>
+      </a:schemeClr>
+    </dgm:fillClrLst>
+    <dgm:linClrLst meth="repeat">
+      <a:schemeClr val="accent1"/>
+    </dgm:linClrLst>
+    <dgm:effectClrLst/>
+    <dgm:txLinClrLst/>
+    <dgm:txFillClrLst meth="repeat">
+      <a:schemeClr val="lt1"/>
+    </dgm:txFillClrLst>
+    <dgm:txEffectClrLst/>
+  </dgm:styleLbl>
+  <dgm:styleLbl name="trBgShp">
+    <dgm:fillClrLst meth="repeat">
+      <a:schemeClr val="accent1">
+        <a:tint val="50000"/>
+        <a:alpha val="40000"/>
+      </a:schemeClr>
+    </dgm:fillClrLst>
+    <dgm:linClrLst meth="repeat">
+      <a:schemeClr val="accent1"/>
+    </dgm:linClrLst>
+    <dgm:effectClrLst/>
+    <dgm:txLinClrLst/>
+    <dgm:txFillClrLst meth="repeat">
+      <a:schemeClr val="lt1"/>
+    </dgm:txFillClrLst>
+    <dgm:txEffectClrLst/>
+  </dgm:styleLbl>
+  <dgm:styleLbl name="fgShp">
+    <dgm:fillClrLst meth="repeat">
+      <a:schemeClr val="accent1">
+        <a:tint val="60000"/>
+      </a:schemeClr>
+    </dgm:fillClrLst>
+    <dgm:linClrLst meth="repeat">
+      <a:schemeClr val="lt1"/>
+    </dgm:linClrLst>
+    <dgm:effectClrLst/>
+    <dgm:txLinClrLst/>
+    <dgm:txFillClrLst meth="repeat">
+      <a:schemeClr val="dk1"/>
+    </dgm:txFillClrLst>
+    <dgm:txEffectClrLst/>
+  </dgm:styleLbl>
+  <dgm:styleLbl name="revTx">
+    <dgm:fillClrLst meth="repeat">
+      <a:schemeClr val="lt1">
+        <a:alpha val="0"/>
+      </a:schemeClr>
+    </dgm:fillClrLst>
+    <dgm:linClrLst meth="repeat">
+      <a:schemeClr val="dk1">
+        <a:alpha val="0"/>
+      </a:schemeClr>
+    </dgm:linClrLst>
+    <dgm:effectClrLst/>
+    <dgm:txLinClrLst/>
+    <dgm:txFillClrLst meth="repeat">
+      <a:schemeClr val="tx1"/>
+    </dgm:txFillClrLst>
+    <dgm:txEffectClrLst/>
+  </dgm:styleLbl>
+</dgm:colorsDef>
+</file>
+
+<file path=ppt/diagrams/colors16.xml><?xml version="1.0" encoding="utf-8"?>
 <dgm:colorsDef xmlns:dgm="http://schemas.openxmlformats.org/drawingml/2006/diagram" xmlns:a="http://schemas.openxmlformats.org/drawingml/2006/main" uniqueId="urn:microsoft.com/office/officeart/2005/8/colors/accent1_2">
   <dgm:title val=""/>
   <dgm:desc val=""/>
@@ -11654,13 +12402,6 @@
         </dgm:presLayoutVars>
       </dgm:prSet>
       <dgm:spPr/>
-      <dgm:t>
-        <a:bodyPr/>
-        <a:lstStyle/>
-        <a:p>
-          <a:endParaRPr lang="de-DE"/>
-        </a:p>
-      </dgm:t>
     </dgm:pt>
     <dgm:pt modelId="{A7FC58AE-14E0-4235-9172-2A0A58A71F68}" type="pres">
       <dgm:prSet presAssocID="{BF4E3A99-BCD3-40B5-BFF3-4A351E80D19A}" presName="linNode" presStyleCnt="0"/>
@@ -11674,13 +12415,6 @@
         </dgm:presLayoutVars>
       </dgm:prSet>
       <dgm:spPr/>
-      <dgm:t>
-        <a:bodyPr/>
-        <a:lstStyle/>
-        <a:p>
-          <a:endParaRPr lang="de-DE"/>
-        </a:p>
-      </dgm:t>
     </dgm:pt>
     <dgm:pt modelId="{DCC0B640-762B-42B1-B6BF-3593AF600414}" type="pres">
       <dgm:prSet presAssocID="{BF4E3A99-BCD3-40B5-BFF3-4A351E80D19A}" presName="descendantText" presStyleLbl="alignAccFollowNode1" presStyleIdx="0" presStyleCnt="3">
@@ -11689,13 +12423,6 @@
         </dgm:presLayoutVars>
       </dgm:prSet>
       <dgm:spPr/>
-      <dgm:t>
-        <a:bodyPr/>
-        <a:lstStyle/>
-        <a:p>
-          <a:endParaRPr lang="de-DE"/>
-        </a:p>
-      </dgm:t>
     </dgm:pt>
     <dgm:pt modelId="{2DD739E9-10C4-46E8-A235-7CAA996507A7}" type="pres">
       <dgm:prSet presAssocID="{09944042-9934-45B9-8CB0-FAD2508AC468}" presName="sp" presStyleCnt="0"/>
@@ -11713,13 +12440,6 @@
         </dgm:presLayoutVars>
       </dgm:prSet>
       <dgm:spPr/>
-      <dgm:t>
-        <a:bodyPr/>
-        <a:lstStyle/>
-        <a:p>
-          <a:endParaRPr lang="de-DE"/>
-        </a:p>
-      </dgm:t>
     </dgm:pt>
     <dgm:pt modelId="{7D1159AB-859F-4A05-8EAD-FB5D9434DF77}" type="pres">
       <dgm:prSet presAssocID="{A5B5477C-E591-4695-ABCD-22289241670C}" presName="descendantText" presStyleLbl="alignAccFollowNode1" presStyleIdx="1" presStyleCnt="3">
@@ -11728,13 +12448,6 @@
         </dgm:presLayoutVars>
       </dgm:prSet>
       <dgm:spPr/>
-      <dgm:t>
-        <a:bodyPr/>
-        <a:lstStyle/>
-        <a:p>
-          <a:endParaRPr lang="de-DE"/>
-        </a:p>
-      </dgm:t>
     </dgm:pt>
     <dgm:pt modelId="{EED17577-AE89-4808-B1E1-7B30DACF8C60}" type="pres">
       <dgm:prSet presAssocID="{61D671B2-F15F-4D34-B237-24F2B25BFFB1}" presName="sp" presStyleCnt="0"/>
@@ -11752,13 +12465,6 @@
         </dgm:presLayoutVars>
       </dgm:prSet>
       <dgm:spPr/>
-      <dgm:t>
-        <a:bodyPr/>
-        <a:lstStyle/>
-        <a:p>
-          <a:endParaRPr lang="de-DE"/>
-        </a:p>
-      </dgm:t>
     </dgm:pt>
     <dgm:pt modelId="{655297B6-E2F2-49AD-A06C-4E1E636E894C}" type="pres">
       <dgm:prSet presAssocID="{47952A61-B0A9-403E-B991-F30456CC4C18}" presName="descendantText" presStyleLbl="alignAccFollowNode1" presStyleIdx="2" presStyleCnt="3" custLinFactNeighborX="-285" custLinFactNeighborY="-1767">
@@ -11767,13 +12473,6 @@
         </dgm:presLayoutVars>
       </dgm:prSet>
       <dgm:spPr/>
-      <dgm:t>
-        <a:bodyPr/>
-        <a:lstStyle/>
-        <a:p>
-          <a:endParaRPr lang="de-DE"/>
-        </a:p>
-      </dgm:t>
     </dgm:pt>
   </dgm:ptLst>
   <dgm:cxnLst>
@@ -11872,13 +12571,6 @@
         </dgm:presLayoutVars>
       </dgm:prSet>
       <dgm:spPr/>
-      <dgm:t>
-        <a:bodyPr/>
-        <a:lstStyle/>
-        <a:p>
-          <a:endParaRPr lang="de-DE"/>
-        </a:p>
-      </dgm:t>
     </dgm:pt>
     <dgm:pt modelId="{6EC9B571-2AAD-4AC1-B5C9-64DF398C0AEA}" type="pres">
       <dgm:prSet presAssocID="{C3E0E1EE-5798-473D-907B-B686B920B505}" presName="parentText" presStyleLbl="node1" presStyleIdx="0" presStyleCnt="1">
@@ -11888,13 +12580,6 @@
         </dgm:presLayoutVars>
       </dgm:prSet>
       <dgm:spPr/>
-      <dgm:t>
-        <a:bodyPr/>
-        <a:lstStyle/>
-        <a:p>
-          <a:endParaRPr lang="de-DE"/>
-        </a:p>
-      </dgm:t>
     </dgm:pt>
   </dgm:ptLst>
   <dgm:cxnLst>
@@ -11971,13 +12656,6 @@
         </dgm:presLayoutVars>
       </dgm:prSet>
       <dgm:spPr/>
-      <dgm:t>
-        <a:bodyPr/>
-        <a:lstStyle/>
-        <a:p>
-          <a:endParaRPr lang="de-DE"/>
-        </a:p>
-      </dgm:t>
     </dgm:pt>
     <dgm:pt modelId="{6EC9B571-2AAD-4AC1-B5C9-64DF398C0AEA}" type="pres">
       <dgm:prSet presAssocID="{C3E0E1EE-5798-473D-907B-B686B920B505}" presName="parentText" presStyleLbl="node1" presStyleIdx="0" presStyleCnt="1">
@@ -11987,6 +12665,30 @@
         </dgm:presLayoutVars>
       </dgm:prSet>
       <dgm:spPr/>
+    </dgm:pt>
+  </dgm:ptLst>
+  <dgm:cxnLst>
+    <dgm:cxn modelId="{3A67130B-0006-44A0-8967-10556F95FB1C}" type="presOf" srcId="{7E247A59-008E-419A-A44E-29EE95F9DC78}" destId="{7C043A39-CE24-4EB9-9DD1-ADEA51ADBF35}" srcOrd="0" destOrd="0" presId="urn:microsoft.com/office/officeart/2005/8/layout/vList2"/>
+    <dgm:cxn modelId="{51495F89-F0C5-427C-A3F0-E45CE497D687}" type="presOf" srcId="{C3E0E1EE-5798-473D-907B-B686B920B505}" destId="{6EC9B571-2AAD-4AC1-B5C9-64DF398C0AEA}" srcOrd="0" destOrd="0" presId="urn:microsoft.com/office/officeart/2005/8/layout/vList2"/>
+    <dgm:cxn modelId="{3A8F517F-DAE0-4E05-8441-AD38D754B666}" srcId="{7E247A59-008E-419A-A44E-29EE95F9DC78}" destId="{C3E0E1EE-5798-473D-907B-B686B920B505}" srcOrd="0" destOrd="0" parTransId="{4F628074-E509-4007-BDE7-4F8BC50044BE}" sibTransId="{3976CA15-F719-4642-BCA5-42D3630C36E7}"/>
+    <dgm:cxn modelId="{1608781F-A093-4037-871A-437F37C3CF49}" type="presParOf" srcId="{7C043A39-CE24-4EB9-9DD1-ADEA51ADBF35}" destId="{6EC9B571-2AAD-4AC1-B5C9-64DF398C0AEA}" srcOrd="0" destOrd="0" presId="urn:microsoft.com/office/officeart/2005/8/layout/vList2"/>
+  </dgm:cxnLst>
+  <dgm:bg/>
+  <dgm:whole/>
+  <dgm:extLst>
+    <a:ext uri="http://schemas.microsoft.com/office/drawing/2008/diagram">
+      <dsp:dataModelExt xmlns:dsp="http://schemas.microsoft.com/office/drawing/2008/diagram" relId="rId7" minVer="http://schemas.openxmlformats.org/drawingml/2006/diagram"/>
+    </a:ext>
+  </dgm:extLst>
+</dgm:dataModel>
+</file>
+
+<file path=ppt/diagrams/data12.xml><?xml version="1.0" encoding="utf-8"?>
+<dgm:dataModel xmlns:dgm="http://schemas.openxmlformats.org/drawingml/2006/diagram" xmlns:a="http://schemas.openxmlformats.org/drawingml/2006/main">
+  <dgm:ptLst>
+    <dgm:pt modelId="{7E247A59-008E-419A-A44E-29EE95F9DC78}" type="doc">
+      <dgm:prSet loTypeId="urn:microsoft.com/office/officeart/2005/8/layout/vList2" loCatId="list" qsTypeId="urn:microsoft.com/office/officeart/2005/8/quickstyle/simple1" qsCatId="simple" csTypeId="urn:microsoft.com/office/officeart/2005/8/colors/accent1_2" csCatId="accent1" phldr="1"/>
+      <dgm:spPr/>
       <dgm:t>
         <a:bodyPr/>
         <a:lstStyle/>
@@ -11994,6 +12696,60 @@
           <a:endParaRPr lang="de-DE"/>
         </a:p>
       </dgm:t>
+    </dgm:pt>
+    <dgm:pt modelId="{C3E0E1EE-5798-473D-907B-B686B920B505}">
+      <dgm:prSet/>
+      <dgm:spPr/>
+      <dgm:t>
+        <a:bodyPr/>
+        <a:lstStyle/>
+        <a:p>
+          <a:r>
+            <a:rPr lang="de-DE" dirty="0"/>
+            <a:t>DEMO</a:t>
+          </a:r>
+        </a:p>
+      </dgm:t>
+    </dgm:pt>
+    <dgm:pt modelId="{4F628074-E509-4007-BDE7-4F8BC50044BE}" type="parTrans" cxnId="{3A8F517F-DAE0-4E05-8441-AD38D754B666}">
+      <dgm:prSet/>
+      <dgm:spPr/>
+      <dgm:t>
+        <a:bodyPr/>
+        <a:lstStyle/>
+        <a:p>
+          <a:endParaRPr lang="de-DE"/>
+        </a:p>
+      </dgm:t>
+    </dgm:pt>
+    <dgm:pt modelId="{3976CA15-F719-4642-BCA5-42D3630C36E7}" type="sibTrans" cxnId="{3A8F517F-DAE0-4E05-8441-AD38D754B666}">
+      <dgm:prSet/>
+      <dgm:spPr/>
+      <dgm:t>
+        <a:bodyPr/>
+        <a:lstStyle/>
+        <a:p>
+          <a:endParaRPr lang="de-DE"/>
+        </a:p>
+      </dgm:t>
+    </dgm:pt>
+    <dgm:pt modelId="{7C043A39-CE24-4EB9-9DD1-ADEA51ADBF35}" type="pres">
+      <dgm:prSet presAssocID="{7E247A59-008E-419A-A44E-29EE95F9DC78}" presName="linear" presStyleCnt="0">
+        <dgm:presLayoutVars>
+          <dgm:animLvl val="lvl"/>
+          <dgm:resizeHandles val="exact"/>
+        </dgm:presLayoutVars>
+      </dgm:prSet>
+      <dgm:spPr/>
+    </dgm:pt>
+    <dgm:pt modelId="{6EC9B571-2AAD-4AC1-B5C9-64DF398C0AEA}" type="pres">
+      <dgm:prSet presAssocID="{C3E0E1EE-5798-473D-907B-B686B920B505}" presName="parentText" presStyleLbl="node1" presStyleIdx="0" presStyleCnt="1">
+        <dgm:presLayoutVars>
+          <dgm:chMax val="0"/>
+          <dgm:bulletEnabled val="1"/>
+        </dgm:presLayoutVars>
+      </dgm:prSet>
+      <dgm:spPr/>
     </dgm:pt>
   </dgm:ptLst>
   <dgm:cxnLst>
@@ -12012,7 +12768,7 @@
 </dgm:dataModel>
 </file>
 
-<file path=ppt/diagrams/data12.xml><?xml version="1.0" encoding="utf-8"?>
+<file path=ppt/diagrams/data13.xml><?xml version="1.0" encoding="utf-8"?>
 <dgm:dataModel xmlns:dgm="http://schemas.openxmlformats.org/drawingml/2006/diagram" xmlns:a="http://schemas.openxmlformats.org/drawingml/2006/main">
   <dgm:ptLst>
     <dgm:pt modelId="{7E247A59-008E-419A-A44E-29EE95F9DC78}" type="doc">
@@ -12106,13 +12862,6 @@
         </dgm:presLayoutVars>
       </dgm:prSet>
       <dgm:spPr/>
-      <dgm:t>
-        <a:bodyPr/>
-        <a:lstStyle/>
-        <a:p>
-          <a:endParaRPr lang="de-DE"/>
-        </a:p>
-      </dgm:t>
     </dgm:pt>
     <dgm:pt modelId="{6EC9B571-2AAD-4AC1-B5C9-64DF398C0AEA}" type="pres">
       <dgm:prSet presAssocID="{C3E0E1EE-5798-473D-907B-B686B920B505}" presName="parentText" presStyleLbl="node1" presStyleIdx="0" presStyleCnt="1">
@@ -12122,13 +12871,6 @@
         </dgm:presLayoutVars>
       </dgm:prSet>
       <dgm:spPr/>
-      <dgm:t>
-        <a:bodyPr/>
-        <a:lstStyle/>
-        <a:p>
-          <a:endParaRPr lang="de-DE"/>
-        </a:p>
-      </dgm:t>
     </dgm:pt>
     <dgm:pt modelId="{0D635367-230C-4CCF-BD5E-72E7F8933CB7}" type="pres">
       <dgm:prSet presAssocID="{C3E0E1EE-5798-473D-907B-B686B920B505}" presName="childText" presStyleLbl="revTx" presStyleIdx="0" presStyleCnt="1">
@@ -12137,13 +12879,6 @@
         </dgm:presLayoutVars>
       </dgm:prSet>
       <dgm:spPr/>
-      <dgm:t>
-        <a:bodyPr/>
-        <a:lstStyle/>
-        <a:p>
-          <a:endParaRPr lang="de-DE"/>
-        </a:p>
-      </dgm:t>
     </dgm:pt>
   </dgm:ptLst>
   <dgm:cxnLst>
@@ -12154,105 +12889,6 @@
     <dgm:cxn modelId="{7841C90F-9E2D-4F91-8764-B8558920E61F}" type="presOf" srcId="{0B1AAA67-958F-437E-91D8-F916C4ADA1F1}" destId="{0D635367-230C-4CCF-BD5E-72E7F8933CB7}" srcOrd="0" destOrd="0" presId="urn:microsoft.com/office/officeart/2005/8/layout/vList2"/>
     <dgm:cxn modelId="{1608781F-A093-4037-871A-437F37C3CF49}" type="presParOf" srcId="{7C043A39-CE24-4EB9-9DD1-ADEA51ADBF35}" destId="{6EC9B571-2AAD-4AC1-B5C9-64DF398C0AEA}" srcOrd="0" destOrd="0" presId="urn:microsoft.com/office/officeart/2005/8/layout/vList2"/>
     <dgm:cxn modelId="{05E2A72E-A988-4ABB-842D-F3E4DFCE21CE}" type="presParOf" srcId="{7C043A39-CE24-4EB9-9DD1-ADEA51ADBF35}" destId="{0D635367-230C-4CCF-BD5E-72E7F8933CB7}" srcOrd="1" destOrd="0" presId="urn:microsoft.com/office/officeart/2005/8/layout/vList2"/>
-  </dgm:cxnLst>
-  <dgm:bg/>
-  <dgm:whole/>
-  <dgm:extLst>
-    <a:ext uri="http://schemas.microsoft.com/office/drawing/2008/diagram">
-      <dsp:dataModelExt xmlns:dsp="http://schemas.microsoft.com/office/drawing/2008/diagram" relId="rId6" minVer="http://schemas.openxmlformats.org/drawingml/2006/diagram"/>
-    </a:ext>
-  </dgm:extLst>
-</dgm:dataModel>
-</file>
-
-<file path=ppt/diagrams/data13.xml><?xml version="1.0" encoding="utf-8"?>
-<dgm:dataModel xmlns:dgm="http://schemas.openxmlformats.org/drawingml/2006/diagram" xmlns:a="http://schemas.openxmlformats.org/drawingml/2006/main">
-  <dgm:ptLst>
-    <dgm:pt modelId="{7E247A59-008E-419A-A44E-29EE95F9DC78}" type="doc">
-      <dgm:prSet loTypeId="urn:microsoft.com/office/officeart/2005/8/layout/vList2" loCatId="list" qsTypeId="urn:microsoft.com/office/officeart/2005/8/quickstyle/simple1" qsCatId="simple" csTypeId="urn:microsoft.com/office/officeart/2005/8/colors/accent1_2" csCatId="accent1" phldr="1"/>
-      <dgm:spPr/>
-      <dgm:t>
-        <a:bodyPr/>
-        <a:lstStyle/>
-        <a:p>
-          <a:endParaRPr lang="de-DE"/>
-        </a:p>
-      </dgm:t>
-    </dgm:pt>
-    <dgm:pt modelId="{C3E0E1EE-5798-473D-907B-B686B920B505}">
-      <dgm:prSet/>
-      <dgm:spPr/>
-      <dgm:t>
-        <a:bodyPr/>
-        <a:lstStyle/>
-        <a:p>
-          <a:r>
-            <a:rPr lang="de-DE" dirty="0"/>
-            <a:t>DEMO</a:t>
-          </a:r>
-        </a:p>
-      </dgm:t>
-    </dgm:pt>
-    <dgm:pt modelId="{4F628074-E509-4007-BDE7-4F8BC50044BE}" type="parTrans" cxnId="{3A8F517F-DAE0-4E05-8441-AD38D754B666}">
-      <dgm:prSet/>
-      <dgm:spPr/>
-      <dgm:t>
-        <a:bodyPr/>
-        <a:lstStyle/>
-        <a:p>
-          <a:endParaRPr lang="de-DE"/>
-        </a:p>
-      </dgm:t>
-    </dgm:pt>
-    <dgm:pt modelId="{3976CA15-F719-4642-BCA5-42D3630C36E7}" type="sibTrans" cxnId="{3A8F517F-DAE0-4E05-8441-AD38D754B666}">
-      <dgm:prSet/>
-      <dgm:spPr/>
-      <dgm:t>
-        <a:bodyPr/>
-        <a:lstStyle/>
-        <a:p>
-          <a:endParaRPr lang="de-DE"/>
-        </a:p>
-      </dgm:t>
-    </dgm:pt>
-    <dgm:pt modelId="{7C043A39-CE24-4EB9-9DD1-ADEA51ADBF35}" type="pres">
-      <dgm:prSet presAssocID="{7E247A59-008E-419A-A44E-29EE95F9DC78}" presName="linear" presStyleCnt="0">
-        <dgm:presLayoutVars>
-          <dgm:animLvl val="lvl"/>
-          <dgm:resizeHandles val="exact"/>
-        </dgm:presLayoutVars>
-      </dgm:prSet>
-      <dgm:spPr/>
-      <dgm:t>
-        <a:bodyPr/>
-        <a:lstStyle/>
-        <a:p>
-          <a:endParaRPr lang="de-DE"/>
-        </a:p>
-      </dgm:t>
-    </dgm:pt>
-    <dgm:pt modelId="{6EC9B571-2AAD-4AC1-B5C9-64DF398C0AEA}" type="pres">
-      <dgm:prSet presAssocID="{C3E0E1EE-5798-473D-907B-B686B920B505}" presName="parentText" presStyleLbl="node1" presStyleIdx="0" presStyleCnt="1">
-        <dgm:presLayoutVars>
-          <dgm:chMax val="0"/>
-          <dgm:bulletEnabled val="1"/>
-        </dgm:presLayoutVars>
-      </dgm:prSet>
-      <dgm:spPr/>
-      <dgm:t>
-        <a:bodyPr/>
-        <a:lstStyle/>
-        <a:p>
-          <a:endParaRPr lang="de-DE"/>
-        </a:p>
-      </dgm:t>
-    </dgm:pt>
-  </dgm:ptLst>
-  <dgm:cxnLst>
-    <dgm:cxn modelId="{3A67130B-0006-44A0-8967-10556F95FB1C}" type="presOf" srcId="{7E247A59-008E-419A-A44E-29EE95F9DC78}" destId="{7C043A39-CE24-4EB9-9DD1-ADEA51ADBF35}" srcOrd="0" destOrd="0" presId="urn:microsoft.com/office/officeart/2005/8/layout/vList2"/>
-    <dgm:cxn modelId="{51495F89-F0C5-427C-A3F0-E45CE497D687}" type="presOf" srcId="{C3E0E1EE-5798-473D-907B-B686B920B505}" destId="{6EC9B571-2AAD-4AC1-B5C9-64DF398C0AEA}" srcOrd="0" destOrd="0" presId="urn:microsoft.com/office/officeart/2005/8/layout/vList2"/>
-    <dgm:cxn modelId="{3A8F517F-DAE0-4E05-8441-AD38D754B666}" srcId="{7E247A59-008E-419A-A44E-29EE95F9DC78}" destId="{C3E0E1EE-5798-473D-907B-B686B920B505}" srcOrd="0" destOrd="0" parTransId="{4F628074-E509-4007-BDE7-4F8BC50044BE}" sibTransId="{3976CA15-F719-4642-BCA5-42D3630C36E7}"/>
-    <dgm:cxn modelId="{1608781F-A093-4037-871A-437F37C3CF49}" type="presParOf" srcId="{7C043A39-CE24-4EB9-9DD1-ADEA51ADBF35}" destId="{6EC9B571-2AAD-4AC1-B5C9-64DF398C0AEA}" srcOrd="0" destOrd="0" presId="urn:microsoft.com/office/officeart/2005/8/layout/vList2"/>
   </dgm:cxnLst>
   <dgm:bg/>
   <dgm:whole/>
@@ -12322,13 +12958,6 @@
         </dgm:presLayoutVars>
       </dgm:prSet>
       <dgm:spPr/>
-      <dgm:t>
-        <a:bodyPr/>
-        <a:lstStyle/>
-        <a:p>
-          <a:endParaRPr lang="de-DE"/>
-        </a:p>
-      </dgm:t>
     </dgm:pt>
     <dgm:pt modelId="{6EC9B571-2AAD-4AC1-B5C9-64DF398C0AEA}" type="pres">
       <dgm:prSet presAssocID="{C3E0E1EE-5798-473D-907B-B686B920B505}" presName="parentText" presStyleLbl="node1" presStyleIdx="0" presStyleCnt="1">
@@ -12338,13 +12967,6 @@
         </dgm:presLayoutVars>
       </dgm:prSet>
       <dgm:spPr/>
-      <dgm:t>
-        <a:bodyPr/>
-        <a:lstStyle/>
-        <a:p>
-          <a:endParaRPr lang="de-DE"/>
-        </a:p>
-      </dgm:t>
     </dgm:pt>
   </dgm:ptLst>
   <dgm:cxnLst>
@@ -12364,6 +12986,91 @@
 </file>
 
 <file path=ppt/diagrams/data15.xml><?xml version="1.0" encoding="utf-8"?>
+<dgm:dataModel xmlns:dgm="http://schemas.openxmlformats.org/drawingml/2006/diagram" xmlns:a="http://schemas.openxmlformats.org/drawingml/2006/main">
+  <dgm:ptLst>
+    <dgm:pt modelId="{7E247A59-008E-419A-A44E-29EE95F9DC78}" type="doc">
+      <dgm:prSet loTypeId="urn:microsoft.com/office/officeart/2005/8/layout/vList2" loCatId="list" qsTypeId="urn:microsoft.com/office/officeart/2005/8/quickstyle/simple1" qsCatId="simple" csTypeId="urn:microsoft.com/office/officeart/2005/8/colors/accent1_2" csCatId="accent1" phldr="1"/>
+      <dgm:spPr/>
+      <dgm:t>
+        <a:bodyPr/>
+        <a:lstStyle/>
+        <a:p>
+          <a:endParaRPr lang="de-DE"/>
+        </a:p>
+      </dgm:t>
+    </dgm:pt>
+    <dgm:pt modelId="{C3E0E1EE-5798-473D-907B-B686B920B505}">
+      <dgm:prSet/>
+      <dgm:spPr/>
+      <dgm:t>
+        <a:bodyPr/>
+        <a:lstStyle/>
+        <a:p>
+          <a:r>
+            <a:rPr lang="de-DE" dirty="0"/>
+            <a:t>DEMO</a:t>
+          </a:r>
+        </a:p>
+      </dgm:t>
+    </dgm:pt>
+    <dgm:pt modelId="{4F628074-E509-4007-BDE7-4F8BC50044BE}" type="parTrans" cxnId="{3A8F517F-DAE0-4E05-8441-AD38D754B666}">
+      <dgm:prSet/>
+      <dgm:spPr/>
+      <dgm:t>
+        <a:bodyPr/>
+        <a:lstStyle/>
+        <a:p>
+          <a:endParaRPr lang="de-DE"/>
+        </a:p>
+      </dgm:t>
+    </dgm:pt>
+    <dgm:pt modelId="{3976CA15-F719-4642-BCA5-42D3630C36E7}" type="sibTrans" cxnId="{3A8F517F-DAE0-4E05-8441-AD38D754B666}">
+      <dgm:prSet/>
+      <dgm:spPr/>
+      <dgm:t>
+        <a:bodyPr/>
+        <a:lstStyle/>
+        <a:p>
+          <a:endParaRPr lang="de-DE"/>
+        </a:p>
+      </dgm:t>
+    </dgm:pt>
+    <dgm:pt modelId="{7C043A39-CE24-4EB9-9DD1-ADEA51ADBF35}" type="pres">
+      <dgm:prSet presAssocID="{7E247A59-008E-419A-A44E-29EE95F9DC78}" presName="linear" presStyleCnt="0">
+        <dgm:presLayoutVars>
+          <dgm:animLvl val="lvl"/>
+          <dgm:resizeHandles val="exact"/>
+        </dgm:presLayoutVars>
+      </dgm:prSet>
+      <dgm:spPr/>
+    </dgm:pt>
+    <dgm:pt modelId="{6EC9B571-2AAD-4AC1-B5C9-64DF398C0AEA}" type="pres">
+      <dgm:prSet presAssocID="{C3E0E1EE-5798-473D-907B-B686B920B505}" presName="parentText" presStyleLbl="node1" presStyleIdx="0" presStyleCnt="1">
+        <dgm:presLayoutVars>
+          <dgm:chMax val="0"/>
+          <dgm:bulletEnabled val="1"/>
+        </dgm:presLayoutVars>
+      </dgm:prSet>
+      <dgm:spPr/>
+    </dgm:pt>
+  </dgm:ptLst>
+  <dgm:cxnLst>
+    <dgm:cxn modelId="{3A67130B-0006-44A0-8967-10556F95FB1C}" type="presOf" srcId="{7E247A59-008E-419A-A44E-29EE95F9DC78}" destId="{7C043A39-CE24-4EB9-9DD1-ADEA51ADBF35}" srcOrd="0" destOrd="0" presId="urn:microsoft.com/office/officeart/2005/8/layout/vList2"/>
+    <dgm:cxn modelId="{51495F89-F0C5-427C-A3F0-E45CE497D687}" type="presOf" srcId="{C3E0E1EE-5798-473D-907B-B686B920B505}" destId="{6EC9B571-2AAD-4AC1-B5C9-64DF398C0AEA}" srcOrd="0" destOrd="0" presId="urn:microsoft.com/office/officeart/2005/8/layout/vList2"/>
+    <dgm:cxn modelId="{3A8F517F-DAE0-4E05-8441-AD38D754B666}" srcId="{7E247A59-008E-419A-A44E-29EE95F9DC78}" destId="{C3E0E1EE-5798-473D-907B-B686B920B505}" srcOrd="0" destOrd="0" parTransId="{4F628074-E509-4007-BDE7-4F8BC50044BE}" sibTransId="{3976CA15-F719-4642-BCA5-42D3630C36E7}"/>
+    <dgm:cxn modelId="{1608781F-A093-4037-871A-437F37C3CF49}" type="presParOf" srcId="{7C043A39-CE24-4EB9-9DD1-ADEA51ADBF35}" destId="{6EC9B571-2AAD-4AC1-B5C9-64DF398C0AEA}" srcOrd="0" destOrd="0" presId="urn:microsoft.com/office/officeart/2005/8/layout/vList2"/>
+  </dgm:cxnLst>
+  <dgm:bg/>
+  <dgm:whole/>
+  <dgm:extLst>
+    <a:ext uri="http://schemas.microsoft.com/office/drawing/2008/diagram">
+      <dsp:dataModelExt xmlns:dsp="http://schemas.microsoft.com/office/drawing/2008/diagram" relId="rId6" minVer="http://schemas.openxmlformats.org/drawingml/2006/diagram"/>
+    </a:ext>
+  </dgm:extLst>
+</dgm:dataModel>
+</file>
+
+<file path=ppt/diagrams/data16.xml><?xml version="1.0" encoding="utf-8"?>
 <dgm:dataModel xmlns:dgm="http://schemas.openxmlformats.org/drawingml/2006/diagram" xmlns:a="http://schemas.openxmlformats.org/drawingml/2006/main">
   <dgm:ptLst>
     <dgm:pt modelId="{25AD1615-5121-418E-B880-49AB0B59188C}" type="doc">
@@ -12533,13 +13240,6 @@
         </dgm:presLayoutVars>
       </dgm:prSet>
       <dgm:spPr/>
-      <dgm:t>
-        <a:bodyPr/>
-        <a:lstStyle/>
-        <a:p>
-          <a:endParaRPr lang="de-DE"/>
-        </a:p>
-      </dgm:t>
     </dgm:pt>
     <dgm:pt modelId="{EA3757E5-B551-4DB6-9761-70516EE4F5AE}" type="pres">
       <dgm:prSet presAssocID="{25AD1615-5121-418E-B880-49AB0B59188C}" presName="ellipse" presStyleLbl="trBgShp" presStyleIdx="0" presStyleCnt="1"/>
@@ -12556,13 +13256,6 @@
         </dgm:presLayoutVars>
       </dgm:prSet>
       <dgm:spPr/>
-      <dgm:t>
-        <a:bodyPr/>
-        <a:lstStyle/>
-        <a:p>
-          <a:endParaRPr lang="de-DE"/>
-        </a:p>
-      </dgm:t>
     </dgm:pt>
     <dgm:pt modelId="{C4E7B302-DCD8-481B-8286-C504B12DD30A}" type="pres">
       <dgm:prSet presAssocID="{B004380A-F57E-4E6C-95E2-88B3D995B5AB}" presName="item1" presStyleLbl="node1" presStyleIdx="0" presStyleCnt="3">
@@ -12571,13 +13264,6 @@
         </dgm:presLayoutVars>
       </dgm:prSet>
       <dgm:spPr/>
-      <dgm:t>
-        <a:bodyPr/>
-        <a:lstStyle/>
-        <a:p>
-          <a:endParaRPr lang="de-DE"/>
-        </a:p>
-      </dgm:t>
     </dgm:pt>
     <dgm:pt modelId="{E69E3814-DF5E-47A1-8067-674A36A1A4F8}" type="pres">
       <dgm:prSet presAssocID="{E21EEEBE-A765-476C-9469-758B86F2F6F6}" presName="item2" presStyleLbl="node1" presStyleIdx="1" presStyleCnt="3">
@@ -12586,13 +13272,6 @@
         </dgm:presLayoutVars>
       </dgm:prSet>
       <dgm:spPr/>
-      <dgm:t>
-        <a:bodyPr/>
-        <a:lstStyle/>
-        <a:p>
-          <a:endParaRPr lang="de-DE"/>
-        </a:p>
-      </dgm:t>
     </dgm:pt>
     <dgm:pt modelId="{9C925374-5F91-4BA0-B0E5-95D39FFE4927}" type="pres">
       <dgm:prSet presAssocID="{1079D501-B37B-4B17-BE11-D65028FDB830}" presName="item3" presStyleLbl="node1" presStyleIdx="2" presStyleCnt="3">
@@ -12601,13 +13280,6 @@
         </dgm:presLayoutVars>
       </dgm:prSet>
       <dgm:spPr/>
-      <dgm:t>
-        <a:bodyPr/>
-        <a:lstStyle/>
-        <a:p>
-          <a:endParaRPr lang="de-DE"/>
-        </a:p>
-      </dgm:t>
     </dgm:pt>
     <dgm:pt modelId="{F43C436C-B500-4B5D-AABD-8557C601CEF3}" type="pres">
       <dgm:prSet presAssocID="{25AD1615-5121-418E-B880-49AB0B59188C}" presName="funnel" presStyleLbl="trAlignAcc1" presStyleIdx="0" presStyleCnt="1"/>
@@ -12706,7 +13378,7 @@
         <a:p>
           <a:r>
             <a:rPr lang="de-DE" dirty="0"/>
-            <a:t>www.its-people.de/blog	</a:t>
+            <a:t>blog.its-people.de</a:t>
           </a:r>
         </a:p>
       </dgm:t>
@@ -12743,10 +13415,6 @@
           <a:r>
             <a:rPr lang="de-DE" dirty="0" err="1"/>
             <a:t>Robert.Marz</a:t>
-          </a:r>
-          <a:r>
-            <a:rPr lang="de-DE" dirty="0"/>
-            <a:t/>
           </a:r>
           <a:br>
             <a:rPr lang="de-DE" dirty="0"/>
@@ -12791,13 +13459,6 @@
         </dgm:presLayoutVars>
       </dgm:prSet>
       <dgm:spPr/>
-      <dgm:t>
-        <a:bodyPr/>
-        <a:lstStyle/>
-        <a:p>
-          <a:endParaRPr lang="de-DE"/>
-        </a:p>
-      </dgm:t>
     </dgm:pt>
     <dgm:pt modelId="{1AA1E43C-5C6E-4A32-843A-DD6BE52AAF73}" type="pres">
       <dgm:prSet presAssocID="{CC372748-4BC1-4015-BDEF-BB2710A1D0D9}" presName="hierRoot1" presStyleCnt="0"/>
@@ -12808,9 +13469,12 @@
       <dgm:spPr/>
     </dgm:pt>
     <dgm:pt modelId="{5806C7C0-FCA0-477E-B56D-7444B67D22CB}" type="pres">
-      <dgm:prSet presAssocID="{CC372748-4BC1-4015-BDEF-BB2710A1D0D9}" presName="image" presStyleLbl="node0" presStyleIdx="0" presStyleCnt="3"/>
+      <dgm:prSet presAssocID="{CC372748-4BC1-4015-BDEF-BB2710A1D0D9}" presName="image" presStyleLbl="node0" presStyleIdx="0" presStyleCnt="3" custScaleX="50174" custScaleY="50053" custLinFactNeighborX="22303"/>
       <dgm:spPr>
-        <a:blipFill dpi="0" rotWithShape="1">
+        <a:prstGeom prst="rect">
+          <a:avLst/>
+        </a:prstGeom>
+        <a:blipFill>
           <a:blip xmlns:r="http://schemas.openxmlformats.org/officeDocument/2006/relationships" r:embed="rId1">
             <a:extLst>
               <a:ext uri="{28A0092B-C50C-407E-A947-70E740481C1C}">
@@ -12820,7 +13484,7 @@
           </a:blip>
           <a:srcRect/>
           <a:stretch>
-            <a:fillRect l="914" t="20564" r="914" b="20564"/>
+            <a:fillRect/>
           </a:stretch>
         </a:blipFill>
       </dgm:spPr>
@@ -12832,13 +13496,6 @@
         </dgm:presLayoutVars>
       </dgm:prSet>
       <dgm:spPr/>
-      <dgm:t>
-        <a:bodyPr/>
-        <a:lstStyle/>
-        <a:p>
-          <a:endParaRPr lang="de-DE"/>
-        </a:p>
-      </dgm:t>
     </dgm:pt>
     <dgm:pt modelId="{DCE4F93B-36A3-4482-9CB0-5FA12448DD76}" type="pres">
       <dgm:prSet presAssocID="{CC372748-4BC1-4015-BDEF-BB2710A1D0D9}" presName="hierChild2" presStyleCnt="0"/>
@@ -12853,9 +13510,12 @@
       <dgm:spPr/>
     </dgm:pt>
     <dgm:pt modelId="{94E7FD82-9311-4F29-8E71-FE0B28E22F1E}" type="pres">
-      <dgm:prSet presAssocID="{74FC5D49-0181-4D80-B5B3-80EE44372E8B}" presName="image" presStyleLbl="node0" presStyleIdx="1" presStyleCnt="3"/>
+      <dgm:prSet presAssocID="{74FC5D49-0181-4D80-B5B3-80EE44372E8B}" presName="image" presStyleLbl="node0" presStyleIdx="1" presStyleCnt="3" custScaleX="50053" custScaleY="50053"/>
       <dgm:spPr>
-        <a:blipFill dpi="0" rotWithShape="1">
+        <a:prstGeom prst="rect">
+          <a:avLst/>
+        </a:prstGeom>
+        <a:blipFill>
           <a:blip xmlns:r="http://schemas.openxmlformats.org/officeDocument/2006/relationships" r:embed="rId2">
             <a:extLst>
               <a:ext uri="{28A0092B-C50C-407E-A947-70E740481C1C}">
@@ -12865,25 +13525,18 @@
           </a:blip>
           <a:srcRect/>
           <a:stretch>
-            <a:fillRect l="-3155" t="14564" r="-3155" b="14564"/>
+            <a:fillRect l="-1000" r="-1000"/>
           </a:stretch>
         </a:blipFill>
       </dgm:spPr>
     </dgm:pt>
     <dgm:pt modelId="{1DA57DB4-403B-44F5-BF39-2900B1ECFD47}" type="pres">
-      <dgm:prSet presAssocID="{74FC5D49-0181-4D80-B5B3-80EE44372E8B}" presName="text" presStyleLbl="revTx" presStyleIdx="1" presStyleCnt="3">
+      <dgm:prSet presAssocID="{74FC5D49-0181-4D80-B5B3-80EE44372E8B}" presName="text" presStyleLbl="revTx" presStyleIdx="1" presStyleCnt="3" custScaleX="109019" custLinFactNeighborX="-8551">
         <dgm:presLayoutVars>
           <dgm:chPref val="3"/>
         </dgm:presLayoutVars>
       </dgm:prSet>
       <dgm:spPr/>
-      <dgm:t>
-        <a:bodyPr/>
-        <a:lstStyle/>
-        <a:p>
-          <a:endParaRPr lang="de-DE"/>
-        </a:p>
-      </dgm:t>
     </dgm:pt>
     <dgm:pt modelId="{61A74F3A-7978-49EA-AFCC-B39278572BBA}" type="pres">
       <dgm:prSet presAssocID="{74FC5D49-0181-4D80-B5B3-80EE44372E8B}" presName="hierChild2" presStyleCnt="0"/>
@@ -12898,9 +13551,12 @@
       <dgm:spPr/>
     </dgm:pt>
     <dgm:pt modelId="{CBF2CE8D-CFB6-43A9-BCEC-5DE04AF7231C}" type="pres">
-      <dgm:prSet presAssocID="{4732E67D-2D2F-4E04-BABA-25D346007F9C}" presName="image" presStyleLbl="node0" presStyleIdx="2" presStyleCnt="3"/>
+      <dgm:prSet presAssocID="{4732E67D-2D2F-4E04-BABA-25D346007F9C}" presName="image" presStyleLbl="node0" presStyleIdx="2" presStyleCnt="3" custScaleX="48438" custScaleY="48438" custLinFactNeighborY="-1392"/>
       <dgm:spPr>
-        <a:blipFill dpi="0" rotWithShape="1">
+        <a:prstGeom prst="rect">
+          <a:avLst/>
+        </a:prstGeom>
+        <a:blipFill>
           <a:blip xmlns:r="http://schemas.openxmlformats.org/officeDocument/2006/relationships" r:embed="rId3">
             <a:extLst>
               <a:ext uri="{28A0092B-C50C-407E-A947-70E740481C1C}">
@@ -12910,25 +13566,18 @@
           </a:blip>
           <a:srcRect/>
           <a:stretch>
-            <a:fillRect l="-3155" t="16926" r="-3155" b="16926"/>
+            <a:fillRect l="-1000" r="-1000"/>
           </a:stretch>
         </a:blipFill>
       </dgm:spPr>
     </dgm:pt>
     <dgm:pt modelId="{5D711149-18B6-4F73-AF48-E0E619A37466}" type="pres">
-      <dgm:prSet presAssocID="{4732E67D-2D2F-4E04-BABA-25D346007F9C}" presName="text" presStyleLbl="revTx" presStyleIdx="2" presStyleCnt="3">
+      <dgm:prSet presAssocID="{4732E67D-2D2F-4E04-BABA-25D346007F9C}" presName="text" presStyleLbl="revTx" presStyleIdx="2" presStyleCnt="3" custScaleX="126945">
         <dgm:presLayoutVars>
           <dgm:chPref val="3"/>
         </dgm:presLayoutVars>
       </dgm:prSet>
       <dgm:spPr/>
-      <dgm:t>
-        <a:bodyPr/>
-        <a:lstStyle/>
-        <a:p>
-          <a:endParaRPr lang="de-DE"/>
-        </a:p>
-      </dgm:t>
     </dgm:pt>
     <dgm:pt modelId="{A114E7BE-5B0D-4DDE-8A6A-FAEECDBFEADB}" type="pres">
       <dgm:prSet presAssocID="{4732E67D-2D2F-4E04-BABA-25D346007F9C}" presName="hierChild2" presStyleCnt="0"/>
@@ -13436,13 +14085,6 @@
         </dgm:presLayoutVars>
       </dgm:prSet>
       <dgm:spPr/>
-      <dgm:t>
-        <a:bodyPr/>
-        <a:lstStyle/>
-        <a:p>
-          <a:endParaRPr lang="de-DE"/>
-        </a:p>
-      </dgm:t>
     </dgm:pt>
     <dgm:pt modelId="{A7FC58AE-14E0-4235-9172-2A0A58A71F68}" type="pres">
       <dgm:prSet presAssocID="{BF4E3A99-BCD3-40B5-BFF3-4A351E80D19A}" presName="linNode" presStyleCnt="0"/>
@@ -13456,13 +14098,6 @@
         </dgm:presLayoutVars>
       </dgm:prSet>
       <dgm:spPr/>
-      <dgm:t>
-        <a:bodyPr/>
-        <a:lstStyle/>
-        <a:p>
-          <a:endParaRPr lang="de-DE"/>
-        </a:p>
-      </dgm:t>
     </dgm:pt>
     <dgm:pt modelId="{DCC0B640-762B-42B1-B6BF-3593AF600414}" type="pres">
       <dgm:prSet presAssocID="{BF4E3A99-BCD3-40B5-BFF3-4A351E80D19A}" presName="descendantText" presStyleLbl="alignAccFollowNode1" presStyleIdx="0" presStyleCnt="3">
@@ -13479,13 +14114,6 @@
           <a:avLst/>
         </a:prstGeom>
       </dgm:spPr>
-      <dgm:t>
-        <a:bodyPr/>
-        <a:lstStyle/>
-        <a:p>
-          <a:endParaRPr lang="de-DE"/>
-        </a:p>
-      </dgm:t>
     </dgm:pt>
     <dgm:pt modelId="{2DD739E9-10C4-46E8-A235-7CAA996507A7}" type="pres">
       <dgm:prSet presAssocID="{09944042-9934-45B9-8CB0-FAD2508AC468}" presName="sp" presStyleCnt="0"/>
@@ -13503,13 +14131,6 @@
         </dgm:presLayoutVars>
       </dgm:prSet>
       <dgm:spPr/>
-      <dgm:t>
-        <a:bodyPr/>
-        <a:lstStyle/>
-        <a:p>
-          <a:endParaRPr lang="de-DE"/>
-        </a:p>
-      </dgm:t>
     </dgm:pt>
     <dgm:pt modelId="{7D1159AB-859F-4A05-8EAD-FB5D9434DF77}" type="pres">
       <dgm:prSet presAssocID="{A5B5477C-E591-4695-ABCD-22289241670C}" presName="descendantText" presStyleLbl="alignAccFollowNode1" presStyleIdx="1" presStyleCnt="3">
@@ -13526,13 +14147,6 @@
           <a:avLst/>
         </a:prstGeom>
       </dgm:spPr>
-      <dgm:t>
-        <a:bodyPr/>
-        <a:lstStyle/>
-        <a:p>
-          <a:endParaRPr lang="de-DE"/>
-        </a:p>
-      </dgm:t>
     </dgm:pt>
     <dgm:pt modelId="{EED17577-AE89-4808-B1E1-7B30DACF8C60}" type="pres">
       <dgm:prSet presAssocID="{61D671B2-F15F-4D34-B237-24F2B25BFFB1}" presName="sp" presStyleCnt="0"/>
@@ -13550,13 +14164,6 @@
         </dgm:presLayoutVars>
       </dgm:prSet>
       <dgm:spPr/>
-      <dgm:t>
-        <a:bodyPr/>
-        <a:lstStyle/>
-        <a:p>
-          <a:endParaRPr lang="de-DE"/>
-        </a:p>
-      </dgm:t>
     </dgm:pt>
     <dgm:pt modelId="{655297B6-E2F2-49AD-A06C-4E1E636E894C}" type="pres">
       <dgm:prSet presAssocID="{47952A61-B0A9-403E-B991-F30456CC4C18}" presName="descendantText" presStyleLbl="alignAccFollowNode1" presStyleIdx="2" presStyleCnt="3" custLinFactNeighborX="-285" custLinFactNeighborY="-1767">
@@ -13573,13 +14180,6 @@
           <a:avLst/>
         </a:prstGeom>
       </dgm:spPr>
-      <dgm:t>
-        <a:bodyPr/>
-        <a:lstStyle/>
-        <a:p>
-          <a:endParaRPr lang="de-DE"/>
-        </a:p>
-      </dgm:t>
     </dgm:pt>
   </dgm:ptLst>
   <dgm:cxnLst>
@@ -13621,6 +14221,310 @@
 </file>
 
 <file path=ppt/diagrams/data4.xml><?xml version="1.0" encoding="utf-8"?>
+<dgm:dataModel xmlns:dgm="http://schemas.openxmlformats.org/drawingml/2006/diagram" xmlns:a="http://schemas.openxmlformats.org/drawingml/2006/main">
+  <dgm:ptLst>
+    <dgm:pt modelId="{D881761E-56AA-47A6-A120-8E8554B14BA3}" type="doc">
+      <dgm:prSet loTypeId="urn:microsoft.com/office/officeart/2009/layout/CirclePictureHierarchy" loCatId="picture" qsTypeId="urn:microsoft.com/office/officeart/2005/8/quickstyle/simple1" qsCatId="simple" csTypeId="urn:microsoft.com/office/officeart/2005/8/colors/accent1_2" csCatId="accent1" phldr="1"/>
+      <dgm:spPr/>
+      <dgm:t>
+        <a:bodyPr/>
+        <a:lstStyle/>
+        <a:p>
+          <a:endParaRPr lang="de-DE"/>
+        </a:p>
+      </dgm:t>
+    </dgm:pt>
+    <dgm:pt modelId="{CC372748-4BC1-4015-BDEF-BB2710A1D0D9}">
+      <dgm:prSet phldrT="[Text]" custT="1"/>
+      <dgm:spPr/>
+      <dgm:t>
+        <a:bodyPr/>
+        <a:lstStyle/>
+        <a:p>
+          <a:r>
+            <a:rPr lang="de-DE" sz="1800" dirty="0"/>
+            <a:t>@</a:t>
+          </a:r>
+          <a:r>
+            <a:rPr lang="de-DE" sz="1800" dirty="0" err="1"/>
+            <a:t>oraesque</a:t>
+          </a:r>
+          <a:endParaRPr lang="de-DE" sz="1800" dirty="0"/>
+        </a:p>
+      </dgm:t>
+    </dgm:pt>
+    <dgm:pt modelId="{334D846B-4C13-428F-90C7-C4C3A5A09FAB}" type="parTrans" cxnId="{B960C3EE-B940-495B-924B-8D52F77FF69C}">
+      <dgm:prSet/>
+      <dgm:spPr/>
+      <dgm:t>
+        <a:bodyPr/>
+        <a:lstStyle/>
+        <a:p>
+          <a:endParaRPr lang="de-DE"/>
+        </a:p>
+      </dgm:t>
+    </dgm:pt>
+    <dgm:pt modelId="{E644916E-EB8C-4B6A-8517-C86AA5841EFD}" type="sibTrans" cxnId="{B960C3EE-B940-495B-924B-8D52F77FF69C}">
+      <dgm:prSet/>
+      <dgm:spPr/>
+      <dgm:t>
+        <a:bodyPr/>
+        <a:lstStyle/>
+        <a:p>
+          <a:endParaRPr lang="de-DE"/>
+        </a:p>
+      </dgm:t>
+    </dgm:pt>
+    <dgm:pt modelId="{74FC5D49-0181-4D80-B5B3-80EE44372E8B}">
+      <dgm:prSet phldrT="[Text]" custT="1"/>
+      <dgm:spPr/>
+      <dgm:t>
+        <a:bodyPr/>
+        <a:lstStyle/>
+        <a:p>
+          <a:r>
+            <a:rPr lang="de-DE" sz="1800" dirty="0"/>
+            <a:t>blog.its-people.de</a:t>
+          </a:r>
+        </a:p>
+      </dgm:t>
+    </dgm:pt>
+    <dgm:pt modelId="{8287C9EF-E41F-42CB-B272-952A799CA64E}" type="parTrans" cxnId="{E4E94CC0-3474-4255-A9CE-FD83F380E8ED}">
+      <dgm:prSet/>
+      <dgm:spPr/>
+      <dgm:t>
+        <a:bodyPr/>
+        <a:lstStyle/>
+        <a:p>
+          <a:endParaRPr lang="de-DE"/>
+        </a:p>
+      </dgm:t>
+    </dgm:pt>
+    <dgm:pt modelId="{3B70A8B2-E766-4F47-B750-5BBCA98AD9D7}" type="sibTrans" cxnId="{E4E94CC0-3474-4255-A9CE-FD83F380E8ED}">
+      <dgm:prSet/>
+      <dgm:spPr/>
+      <dgm:t>
+        <a:bodyPr/>
+        <a:lstStyle/>
+        <a:p>
+          <a:endParaRPr lang="de-DE"/>
+        </a:p>
+      </dgm:t>
+    </dgm:pt>
+    <dgm:pt modelId="{4732E67D-2D2F-4E04-BABA-25D346007F9C}">
+      <dgm:prSet phldrT="[Text]" custT="1"/>
+      <dgm:spPr/>
+      <dgm:t>
+        <a:bodyPr/>
+        <a:lstStyle/>
+        <a:p>
+          <a:r>
+            <a:rPr lang="de-DE" sz="1800" dirty="0" err="1"/>
+            <a:t>Sabine.Heimsath</a:t>
+          </a:r>
+          <a:br>
+            <a:rPr lang="de-DE" sz="1800" dirty="0"/>
+          </a:br>
+          <a:r>
+            <a:rPr lang="de-DE" sz="1800" dirty="0"/>
+            <a:t>@its-people.de</a:t>
+          </a:r>
+        </a:p>
+      </dgm:t>
+    </dgm:pt>
+    <dgm:pt modelId="{35B17836-9111-4D70-BD93-28BD4C033E04}" type="parTrans" cxnId="{C1D98B7E-7E62-4A05-A323-D53541BEC994}">
+      <dgm:prSet/>
+      <dgm:spPr/>
+      <dgm:t>
+        <a:bodyPr/>
+        <a:lstStyle/>
+        <a:p>
+          <a:endParaRPr lang="de-DE"/>
+        </a:p>
+      </dgm:t>
+    </dgm:pt>
+    <dgm:pt modelId="{4B61A629-D1DC-48CA-A2C8-B1D888225945}" type="sibTrans" cxnId="{C1D98B7E-7E62-4A05-A323-D53541BEC994}">
+      <dgm:prSet/>
+      <dgm:spPr/>
+      <dgm:t>
+        <a:bodyPr/>
+        <a:lstStyle/>
+        <a:p>
+          <a:endParaRPr lang="de-DE"/>
+        </a:p>
+      </dgm:t>
+    </dgm:pt>
+    <dgm:pt modelId="{99C30A1B-20C6-4611-AE62-1A4313BB5F7A}" type="pres">
+      <dgm:prSet presAssocID="{D881761E-56AA-47A6-A120-8E8554B14BA3}" presName="hierChild1" presStyleCnt="0">
+        <dgm:presLayoutVars>
+          <dgm:chPref val="1"/>
+          <dgm:dir/>
+          <dgm:animOne val="branch"/>
+          <dgm:animLvl val="lvl"/>
+          <dgm:resizeHandles/>
+        </dgm:presLayoutVars>
+      </dgm:prSet>
+      <dgm:spPr/>
+    </dgm:pt>
+    <dgm:pt modelId="{1AA1E43C-5C6E-4A32-843A-DD6BE52AAF73}" type="pres">
+      <dgm:prSet presAssocID="{CC372748-4BC1-4015-BDEF-BB2710A1D0D9}" presName="hierRoot1" presStyleCnt="0"/>
+      <dgm:spPr/>
+    </dgm:pt>
+    <dgm:pt modelId="{8307C7F6-F1EE-451B-B010-FF40012E4E34}" type="pres">
+      <dgm:prSet presAssocID="{CC372748-4BC1-4015-BDEF-BB2710A1D0D9}" presName="composite" presStyleCnt="0"/>
+      <dgm:spPr/>
+    </dgm:pt>
+    <dgm:pt modelId="{5806C7C0-FCA0-477E-B56D-7444B67D22CB}" type="pres">
+      <dgm:prSet presAssocID="{CC372748-4BC1-4015-BDEF-BB2710A1D0D9}" presName="image" presStyleLbl="node0" presStyleIdx="0" presStyleCnt="3" custScaleX="50174" custScaleY="50053" custLinFactNeighborX="22303"/>
+      <dgm:spPr>
+        <a:prstGeom prst="rect">
+          <a:avLst/>
+        </a:prstGeom>
+        <a:blipFill>
+          <a:blip xmlns:r="http://schemas.openxmlformats.org/officeDocument/2006/relationships" r:embed="rId1">
+            <a:extLst>
+              <a:ext uri="{28A0092B-C50C-407E-A947-70E740481C1C}">
+                <a14:useLocalDpi xmlns:a14="http://schemas.microsoft.com/office/drawing/2010/main" val="0"/>
+              </a:ext>
+            </a:extLst>
+          </a:blip>
+          <a:srcRect/>
+          <a:stretch>
+            <a:fillRect/>
+          </a:stretch>
+        </a:blipFill>
+      </dgm:spPr>
+    </dgm:pt>
+    <dgm:pt modelId="{CA9E9B4E-52E5-47F9-94AC-66CAA402F9F8}" type="pres">
+      <dgm:prSet presAssocID="{CC372748-4BC1-4015-BDEF-BB2710A1D0D9}" presName="text" presStyleLbl="revTx" presStyleIdx="0" presStyleCnt="3" custLinFactNeighborX="0" custLinFactNeighborY="1117">
+        <dgm:presLayoutVars>
+          <dgm:chPref val="3"/>
+        </dgm:presLayoutVars>
+      </dgm:prSet>
+      <dgm:spPr/>
+    </dgm:pt>
+    <dgm:pt modelId="{DCE4F93B-36A3-4482-9CB0-5FA12448DD76}" type="pres">
+      <dgm:prSet presAssocID="{CC372748-4BC1-4015-BDEF-BB2710A1D0D9}" presName="hierChild2" presStyleCnt="0"/>
+      <dgm:spPr/>
+    </dgm:pt>
+    <dgm:pt modelId="{0021144F-F0C7-4DB2-8A9B-69402EF6F8B8}" type="pres">
+      <dgm:prSet presAssocID="{74FC5D49-0181-4D80-B5B3-80EE44372E8B}" presName="hierRoot1" presStyleCnt="0"/>
+      <dgm:spPr/>
+    </dgm:pt>
+    <dgm:pt modelId="{657DD6D9-0920-47A6-B57A-1E39632AA2FC}" type="pres">
+      <dgm:prSet presAssocID="{74FC5D49-0181-4D80-B5B3-80EE44372E8B}" presName="composite" presStyleCnt="0"/>
+      <dgm:spPr/>
+    </dgm:pt>
+    <dgm:pt modelId="{94E7FD82-9311-4F29-8E71-FE0B28E22F1E}" type="pres">
+      <dgm:prSet presAssocID="{74FC5D49-0181-4D80-B5B3-80EE44372E8B}" presName="image" presStyleLbl="node0" presStyleIdx="1" presStyleCnt="3" custScaleX="50053" custScaleY="50053"/>
+      <dgm:spPr>
+        <a:prstGeom prst="rect">
+          <a:avLst/>
+        </a:prstGeom>
+        <a:blipFill>
+          <a:blip xmlns:r="http://schemas.openxmlformats.org/officeDocument/2006/relationships" r:embed="rId2">
+            <a:extLst>
+              <a:ext uri="{28A0092B-C50C-407E-A947-70E740481C1C}">
+                <a14:useLocalDpi xmlns:a14="http://schemas.microsoft.com/office/drawing/2010/main" val="0"/>
+              </a:ext>
+            </a:extLst>
+          </a:blip>
+          <a:srcRect/>
+          <a:stretch>
+            <a:fillRect l="-1000" r="-1000"/>
+          </a:stretch>
+        </a:blipFill>
+      </dgm:spPr>
+    </dgm:pt>
+    <dgm:pt modelId="{1DA57DB4-403B-44F5-BF39-2900B1ECFD47}" type="pres">
+      <dgm:prSet presAssocID="{74FC5D49-0181-4D80-B5B3-80EE44372E8B}" presName="text" presStyleLbl="revTx" presStyleIdx="1" presStyleCnt="3" custScaleX="109019" custLinFactNeighborX="-8551" custLinFactNeighborY="1117">
+        <dgm:presLayoutVars>
+          <dgm:chPref val="3"/>
+        </dgm:presLayoutVars>
+      </dgm:prSet>
+      <dgm:spPr/>
+    </dgm:pt>
+    <dgm:pt modelId="{61A74F3A-7978-49EA-AFCC-B39278572BBA}" type="pres">
+      <dgm:prSet presAssocID="{74FC5D49-0181-4D80-B5B3-80EE44372E8B}" presName="hierChild2" presStyleCnt="0"/>
+      <dgm:spPr/>
+    </dgm:pt>
+    <dgm:pt modelId="{5372B82D-1CA6-49D0-AB81-E36C82CE6710}" type="pres">
+      <dgm:prSet presAssocID="{4732E67D-2D2F-4E04-BABA-25D346007F9C}" presName="hierRoot1" presStyleCnt="0"/>
+      <dgm:spPr/>
+    </dgm:pt>
+    <dgm:pt modelId="{31C5463B-D42E-4937-BCFC-E744189720D5}" type="pres">
+      <dgm:prSet presAssocID="{4732E67D-2D2F-4E04-BABA-25D346007F9C}" presName="composite" presStyleCnt="0"/>
+      <dgm:spPr/>
+    </dgm:pt>
+    <dgm:pt modelId="{CBF2CE8D-CFB6-43A9-BCEC-5DE04AF7231C}" type="pres">
+      <dgm:prSet presAssocID="{4732E67D-2D2F-4E04-BABA-25D346007F9C}" presName="image" presStyleLbl="node0" presStyleIdx="2" presStyleCnt="3" custScaleX="48438" custScaleY="48438" custLinFactNeighborY="-1392"/>
+      <dgm:spPr>
+        <a:prstGeom prst="rect">
+          <a:avLst/>
+        </a:prstGeom>
+        <a:blipFill>
+          <a:blip xmlns:r="http://schemas.openxmlformats.org/officeDocument/2006/relationships" r:embed="rId3">
+            <a:extLst>
+              <a:ext uri="{28A0092B-C50C-407E-A947-70E740481C1C}">
+                <a14:useLocalDpi xmlns:a14="http://schemas.microsoft.com/office/drawing/2010/main" val="0"/>
+              </a:ext>
+            </a:extLst>
+          </a:blip>
+          <a:srcRect/>
+          <a:stretch>
+            <a:fillRect l="-1000" r="-1000"/>
+          </a:stretch>
+        </a:blipFill>
+      </dgm:spPr>
+    </dgm:pt>
+    <dgm:pt modelId="{5D711149-18B6-4F73-AF48-E0E619A37466}" type="pres">
+      <dgm:prSet presAssocID="{4732E67D-2D2F-4E04-BABA-25D346007F9C}" presName="text" presStyleLbl="revTx" presStyleIdx="2" presStyleCnt="3" custScaleX="126945">
+        <dgm:presLayoutVars>
+          <dgm:chPref val="3"/>
+        </dgm:presLayoutVars>
+      </dgm:prSet>
+      <dgm:spPr/>
+    </dgm:pt>
+    <dgm:pt modelId="{A114E7BE-5B0D-4DDE-8A6A-FAEECDBFEADB}" type="pres">
+      <dgm:prSet presAssocID="{4732E67D-2D2F-4E04-BABA-25D346007F9C}" presName="hierChild2" presStyleCnt="0"/>
+      <dgm:spPr/>
+    </dgm:pt>
+  </dgm:ptLst>
+  <dgm:cxnLst>
+    <dgm:cxn modelId="{2BDF4CFA-E168-4FCB-88E9-576123E34DE0}" type="presOf" srcId="{D881761E-56AA-47A6-A120-8E8554B14BA3}" destId="{99C30A1B-20C6-4611-AE62-1A4313BB5F7A}" srcOrd="0" destOrd="0" presId="urn:microsoft.com/office/officeart/2009/layout/CirclePictureHierarchy"/>
+    <dgm:cxn modelId="{93E09F9B-8586-4B42-B740-28E984371904}" type="presOf" srcId="{4732E67D-2D2F-4E04-BABA-25D346007F9C}" destId="{5D711149-18B6-4F73-AF48-E0E619A37466}" srcOrd="0" destOrd="0" presId="urn:microsoft.com/office/officeart/2009/layout/CirclePictureHierarchy"/>
+    <dgm:cxn modelId="{B960C3EE-B940-495B-924B-8D52F77FF69C}" srcId="{D881761E-56AA-47A6-A120-8E8554B14BA3}" destId="{CC372748-4BC1-4015-BDEF-BB2710A1D0D9}" srcOrd="0" destOrd="0" parTransId="{334D846B-4C13-428F-90C7-C4C3A5A09FAB}" sibTransId="{E644916E-EB8C-4B6A-8517-C86AA5841EFD}"/>
+    <dgm:cxn modelId="{687D1AEB-7300-46C5-A729-A43D7301AFE9}" type="presOf" srcId="{CC372748-4BC1-4015-BDEF-BB2710A1D0D9}" destId="{CA9E9B4E-52E5-47F9-94AC-66CAA402F9F8}" srcOrd="0" destOrd="0" presId="urn:microsoft.com/office/officeart/2009/layout/CirclePictureHierarchy"/>
+    <dgm:cxn modelId="{E4E94CC0-3474-4255-A9CE-FD83F380E8ED}" srcId="{D881761E-56AA-47A6-A120-8E8554B14BA3}" destId="{74FC5D49-0181-4D80-B5B3-80EE44372E8B}" srcOrd="1" destOrd="0" parTransId="{8287C9EF-E41F-42CB-B272-952A799CA64E}" sibTransId="{3B70A8B2-E766-4F47-B750-5BBCA98AD9D7}"/>
+    <dgm:cxn modelId="{C1D98B7E-7E62-4A05-A323-D53541BEC994}" srcId="{D881761E-56AA-47A6-A120-8E8554B14BA3}" destId="{4732E67D-2D2F-4E04-BABA-25D346007F9C}" srcOrd="2" destOrd="0" parTransId="{35B17836-9111-4D70-BD93-28BD4C033E04}" sibTransId="{4B61A629-D1DC-48CA-A2C8-B1D888225945}"/>
+    <dgm:cxn modelId="{3F9A16CD-DB93-4525-834A-34C1BD89010C}" type="presOf" srcId="{74FC5D49-0181-4D80-B5B3-80EE44372E8B}" destId="{1DA57DB4-403B-44F5-BF39-2900B1ECFD47}" srcOrd="0" destOrd="0" presId="urn:microsoft.com/office/officeart/2009/layout/CirclePictureHierarchy"/>
+    <dgm:cxn modelId="{5DC11E1E-B102-46A1-88D9-8C6F81314B99}" type="presParOf" srcId="{99C30A1B-20C6-4611-AE62-1A4313BB5F7A}" destId="{1AA1E43C-5C6E-4A32-843A-DD6BE52AAF73}" srcOrd="0" destOrd="0" presId="urn:microsoft.com/office/officeart/2009/layout/CirclePictureHierarchy"/>
+    <dgm:cxn modelId="{C398A446-9A95-433B-BB20-60E8864713CA}" type="presParOf" srcId="{1AA1E43C-5C6E-4A32-843A-DD6BE52AAF73}" destId="{8307C7F6-F1EE-451B-B010-FF40012E4E34}" srcOrd="0" destOrd="0" presId="urn:microsoft.com/office/officeart/2009/layout/CirclePictureHierarchy"/>
+    <dgm:cxn modelId="{EB12EF57-24A3-4F04-8B39-6D9A3AAE144F}" type="presParOf" srcId="{8307C7F6-F1EE-451B-B010-FF40012E4E34}" destId="{5806C7C0-FCA0-477E-B56D-7444B67D22CB}" srcOrd="0" destOrd="0" presId="urn:microsoft.com/office/officeart/2009/layout/CirclePictureHierarchy"/>
+    <dgm:cxn modelId="{CFB5B990-C17A-4DD9-915F-9EFE62FE6125}" type="presParOf" srcId="{8307C7F6-F1EE-451B-B010-FF40012E4E34}" destId="{CA9E9B4E-52E5-47F9-94AC-66CAA402F9F8}" srcOrd="1" destOrd="0" presId="urn:microsoft.com/office/officeart/2009/layout/CirclePictureHierarchy"/>
+    <dgm:cxn modelId="{18BE55C2-A0FE-42DB-B8D7-AD7F63FE24EC}" type="presParOf" srcId="{1AA1E43C-5C6E-4A32-843A-DD6BE52AAF73}" destId="{DCE4F93B-36A3-4482-9CB0-5FA12448DD76}" srcOrd="1" destOrd="0" presId="urn:microsoft.com/office/officeart/2009/layout/CirclePictureHierarchy"/>
+    <dgm:cxn modelId="{1580C394-40EE-416D-A1E1-A24FFFE09A8D}" type="presParOf" srcId="{99C30A1B-20C6-4611-AE62-1A4313BB5F7A}" destId="{0021144F-F0C7-4DB2-8A9B-69402EF6F8B8}" srcOrd="1" destOrd="0" presId="urn:microsoft.com/office/officeart/2009/layout/CirclePictureHierarchy"/>
+    <dgm:cxn modelId="{39FA463A-6EE2-400C-A533-02ABC5BC3626}" type="presParOf" srcId="{0021144F-F0C7-4DB2-8A9B-69402EF6F8B8}" destId="{657DD6D9-0920-47A6-B57A-1E39632AA2FC}" srcOrd="0" destOrd="0" presId="urn:microsoft.com/office/officeart/2009/layout/CirclePictureHierarchy"/>
+    <dgm:cxn modelId="{DF5A885D-874D-47F6-B0DB-E598BB9003A7}" type="presParOf" srcId="{657DD6D9-0920-47A6-B57A-1E39632AA2FC}" destId="{94E7FD82-9311-4F29-8E71-FE0B28E22F1E}" srcOrd="0" destOrd="0" presId="urn:microsoft.com/office/officeart/2009/layout/CirclePictureHierarchy"/>
+    <dgm:cxn modelId="{D914CEF0-AF2F-4630-8F73-87EA2059B61E}" type="presParOf" srcId="{657DD6D9-0920-47A6-B57A-1E39632AA2FC}" destId="{1DA57DB4-403B-44F5-BF39-2900B1ECFD47}" srcOrd="1" destOrd="0" presId="urn:microsoft.com/office/officeart/2009/layout/CirclePictureHierarchy"/>
+    <dgm:cxn modelId="{3A7FC6E4-B86B-47C7-B89F-9E17F9608EDA}" type="presParOf" srcId="{0021144F-F0C7-4DB2-8A9B-69402EF6F8B8}" destId="{61A74F3A-7978-49EA-AFCC-B39278572BBA}" srcOrd="1" destOrd="0" presId="urn:microsoft.com/office/officeart/2009/layout/CirclePictureHierarchy"/>
+    <dgm:cxn modelId="{A6542C8E-166D-4CAB-8EC8-3694F8E76177}" type="presParOf" srcId="{99C30A1B-20C6-4611-AE62-1A4313BB5F7A}" destId="{5372B82D-1CA6-49D0-AB81-E36C82CE6710}" srcOrd="2" destOrd="0" presId="urn:microsoft.com/office/officeart/2009/layout/CirclePictureHierarchy"/>
+    <dgm:cxn modelId="{11F07F6D-FBCB-465B-A063-54EE1EFC6A3D}" type="presParOf" srcId="{5372B82D-1CA6-49D0-AB81-E36C82CE6710}" destId="{31C5463B-D42E-4937-BCFC-E744189720D5}" srcOrd="0" destOrd="0" presId="urn:microsoft.com/office/officeart/2009/layout/CirclePictureHierarchy"/>
+    <dgm:cxn modelId="{1BD79F84-2FB7-4260-8AE7-065F1A97268C}" type="presParOf" srcId="{31C5463B-D42E-4937-BCFC-E744189720D5}" destId="{CBF2CE8D-CFB6-43A9-BCEC-5DE04AF7231C}" srcOrd="0" destOrd="0" presId="urn:microsoft.com/office/officeart/2009/layout/CirclePictureHierarchy"/>
+    <dgm:cxn modelId="{97984A77-561F-47CB-B436-92B6695E9E5E}" type="presParOf" srcId="{31C5463B-D42E-4937-BCFC-E744189720D5}" destId="{5D711149-18B6-4F73-AF48-E0E619A37466}" srcOrd="1" destOrd="0" presId="urn:microsoft.com/office/officeart/2009/layout/CirclePictureHierarchy"/>
+    <dgm:cxn modelId="{ACEDD4D9-F5E4-490C-B8CA-A4CBCF86F48F}" type="presParOf" srcId="{5372B82D-1CA6-49D0-AB81-E36C82CE6710}" destId="{A114E7BE-5B0D-4DDE-8A6A-FAEECDBFEADB}" srcOrd="1" destOrd="0" presId="urn:microsoft.com/office/officeart/2009/layout/CirclePictureHierarchy"/>
+  </dgm:cxnLst>
+  <dgm:bg/>
+  <dgm:whole/>
+  <dgm:extLst>
+    <a:ext uri="http://schemas.microsoft.com/office/drawing/2008/diagram">
+      <dsp:dataModelExt xmlns:dsp="http://schemas.microsoft.com/office/drawing/2008/diagram" relId="rId13" minVer="http://schemas.openxmlformats.org/drawingml/2006/diagram"/>
+    </a:ext>
+  </dgm:extLst>
+</dgm:dataModel>
+</file>
+
+<file path=ppt/diagrams/data5.xml><?xml version="1.0" encoding="utf-8"?>
 <dgm:dataModel xmlns:dgm="http://schemas.openxmlformats.org/drawingml/2006/diagram" xmlns:a="http://schemas.openxmlformats.org/drawingml/2006/main">
   <dgm:ptLst>
     <dgm:pt modelId="{88CEE1F0-9F26-4668-A25F-239372C15B74}" type="doc">
@@ -13858,13 +14762,6 @@
         </dgm:presLayoutVars>
       </dgm:prSet>
       <dgm:spPr/>
-      <dgm:t>
-        <a:bodyPr/>
-        <a:lstStyle/>
-        <a:p>
-          <a:endParaRPr lang="de-DE"/>
-        </a:p>
-      </dgm:t>
     </dgm:pt>
     <dgm:pt modelId="{A2F639E6-B1F5-4341-BD3F-D18F06BAB358}" type="pres">
       <dgm:prSet presAssocID="{50AA1D8F-4E44-4B80-AB79-8A3C44D3DFB6}" presName="comp" presStyleCnt="0"/>
@@ -13873,13 +14770,6 @@
     <dgm:pt modelId="{7BE1C042-7D71-499A-9925-70D82D341E74}" type="pres">
       <dgm:prSet presAssocID="{50AA1D8F-4E44-4B80-AB79-8A3C44D3DFB6}" presName="box" presStyleLbl="node1" presStyleIdx="0" presStyleCnt="2" custLinFactNeighborX="775"/>
       <dgm:spPr/>
-      <dgm:t>
-        <a:bodyPr/>
-        <a:lstStyle/>
-        <a:p>
-          <a:endParaRPr lang="de-DE"/>
-        </a:p>
-      </dgm:t>
     </dgm:pt>
     <dgm:pt modelId="{B99D193F-836C-434A-B9E0-27D78A906CA8}" type="pres">
       <dgm:prSet presAssocID="{50AA1D8F-4E44-4B80-AB79-8A3C44D3DFB6}" presName="img" presStyleLbl="fgImgPlace1" presStyleIdx="0" presStyleCnt="2"/>
@@ -13900,13 +14790,6 @@
         </dgm:presLayoutVars>
       </dgm:prSet>
       <dgm:spPr/>
-      <dgm:t>
-        <a:bodyPr/>
-        <a:lstStyle/>
-        <a:p>
-          <a:endParaRPr lang="de-DE"/>
-        </a:p>
-      </dgm:t>
     </dgm:pt>
     <dgm:pt modelId="{33D2D1C1-32DC-445F-83CB-323BB83D5F79}" type="pres">
       <dgm:prSet presAssocID="{0F023E33-8AD0-4818-AB44-514415287CF2}" presName="spacer" presStyleCnt="0"/>
@@ -13919,13 +14802,6 @@
     <dgm:pt modelId="{D84CAB0F-CAC4-4C19-A439-4521BC5B98CC}" type="pres">
       <dgm:prSet presAssocID="{39531711-70F5-42A4-8003-2C8EDE5FC487}" presName="box" presStyleLbl="node1" presStyleIdx="1" presStyleCnt="2"/>
       <dgm:spPr/>
-      <dgm:t>
-        <a:bodyPr/>
-        <a:lstStyle/>
-        <a:p>
-          <a:endParaRPr lang="de-DE"/>
-        </a:p>
-      </dgm:t>
     </dgm:pt>
     <dgm:pt modelId="{D5BD41F2-F281-4C71-949A-F49A5975D9D7}" type="pres">
       <dgm:prSet presAssocID="{39531711-70F5-42A4-8003-2C8EDE5FC487}" presName="img" presStyleLbl="fgImgPlace1" presStyleIdx="1" presStyleCnt="2"/>
@@ -13946,13 +14822,6 @@
         </dgm:presLayoutVars>
       </dgm:prSet>
       <dgm:spPr/>
-      <dgm:t>
-        <a:bodyPr/>
-        <a:lstStyle/>
-        <a:p>
-          <a:endParaRPr lang="de-DE"/>
-        </a:p>
-      </dgm:t>
     </dgm:pt>
   </dgm:ptLst>
   <dgm:cxnLst>
@@ -13995,7 +14864,7 @@
 </dgm:dataModel>
 </file>
 
-<file path=ppt/diagrams/data5.xml><?xml version="1.0" encoding="utf-8"?>
+<file path=ppt/diagrams/data6.xml><?xml version="1.0" encoding="utf-8"?>
 <dgm:dataModel xmlns:dgm="http://schemas.openxmlformats.org/drawingml/2006/diagram" xmlns:a="http://schemas.openxmlformats.org/drawingml/2006/main">
   <dgm:ptLst>
     <dgm:pt modelId="{8AD2D73E-5E4C-4899-A460-151FC3399213}" type="doc">
@@ -14018,7 +14887,7 @@
         <a:p>
           <a:pPr algn="ctr"/>
           <a:r>
-            <a:rPr lang="en-US" sz="3200" dirty="0" smtClean="0"/>
+            <a:rPr lang="en-US" sz="3200" dirty="0"/>
             <a:t>Oracle SQL Developer Command Line</a:t>
           </a:r>
           <a:endParaRPr lang="de-DE" sz="3200" dirty="0"/>
@@ -14093,7 +14962,7 @@
         <a:p>
           <a:pPr algn="l"/>
           <a:r>
-            <a:rPr lang="de-DE" sz="2900"/>
+            <a:rPr lang="de-DE" sz="2900" dirty="0"/>
             <a:t>Produktionsrelease seit September</a:t>
           </a:r>
         </a:p>
@@ -14130,7 +14999,7 @@
         <a:p>
           <a:pPr algn="l"/>
           <a:r>
-            <a:rPr lang="de-DE" sz="2900"/>
+            <a:rPr lang="de-DE" sz="2900" dirty="0"/>
             <a:t>In zukünftigen DB-Releases enthalten</a:t>
           </a:r>
         </a:p>
@@ -14203,13 +15072,6 @@
         </dgm:presLayoutVars>
       </dgm:prSet>
       <dgm:spPr/>
-      <dgm:t>
-        <a:bodyPr/>
-        <a:lstStyle/>
-        <a:p>
-          <a:endParaRPr lang="de-DE"/>
-        </a:p>
-      </dgm:t>
     </dgm:pt>
     <dgm:pt modelId="{15DCE0AA-BD8A-4DC7-B9B9-5D14A2CDFCB6}" type="pres">
       <dgm:prSet presAssocID="{6D2CE709-5F97-4D8C-8267-3D61E708F32B}" presName="node" presStyleLbl="node1" presStyleIdx="0" presStyleCnt="1" custRadScaleRad="86342">
@@ -14218,13 +15080,6 @@
         </dgm:presLayoutVars>
       </dgm:prSet>
       <dgm:spPr/>
-      <dgm:t>
-        <a:bodyPr/>
-        <a:lstStyle/>
-        <a:p>
-          <a:endParaRPr lang="de-DE"/>
-        </a:p>
-      </dgm:t>
     </dgm:pt>
   </dgm:ptLst>
   <dgm:cxnLst>
@@ -14245,17 +15100,17 @@
   <dgm:whole/>
   <dgm:extLst>
     <a:ext uri="http://schemas.microsoft.com/office/drawing/2008/diagram">
-      <dsp:dataModelExt xmlns:dsp="http://schemas.microsoft.com/office/drawing/2008/diagram" relId="rId6" minVer="http://schemas.openxmlformats.org/drawingml/2006/diagram"/>
+      <dsp:dataModelExt xmlns:dsp="http://schemas.microsoft.com/office/drawing/2008/diagram" relId="rId7" minVer="http://schemas.openxmlformats.org/drawingml/2006/diagram"/>
     </a:ext>
   </dgm:extLst>
 </dgm:dataModel>
 </file>
 
-<file path=ppt/diagrams/data6.xml><?xml version="1.0" encoding="utf-8"?>
+<file path=ppt/diagrams/data7.xml><?xml version="1.0" encoding="utf-8"?>
 <dgm:dataModel xmlns:dgm="http://schemas.openxmlformats.org/drawingml/2006/diagram" xmlns:a="http://schemas.openxmlformats.org/drawingml/2006/main">
   <dgm:ptLst>
-    <dgm:pt modelId="{F2C83DC0-47A6-4639-A3EE-9FD067CACB9E}" type="doc">
-      <dgm:prSet loTypeId="urn:microsoft.com/office/officeart/2005/8/layout/vList3" loCatId="list" qsTypeId="urn:microsoft.com/office/officeart/2005/8/quickstyle/simple1" qsCatId="simple" csTypeId="urn:microsoft.com/office/officeart/2005/8/colors/accent1_2" csCatId="accent1" phldr="1"/>
+    <dgm:pt modelId="{8AD2D73E-5E4C-4899-A460-151FC3399213}" type="doc">
+      <dgm:prSet loTypeId="urn:microsoft.com/office/officeart/2005/8/layout/cycle2" loCatId="cycle" qsTypeId="urn:microsoft.com/office/officeart/2005/8/quickstyle/simple1" qsCatId="simple" csTypeId="urn:microsoft.com/office/officeart/2005/8/colors/accent1_2" csCatId="accent1" phldr="1"/>
       <dgm:spPr/>
       <dgm:t>
         <a:bodyPr/>
@@ -14265,21 +15120,23 @@
         </a:p>
       </dgm:t>
     </dgm:pt>
-    <dgm:pt modelId="{AF9D8C24-2E0A-4481-98DC-A6BC53D73E4B}">
-      <dgm:prSet/>
+    <dgm:pt modelId="{6D2CE709-5F97-4D8C-8267-3D61E708F32B}">
+      <dgm:prSet custT="1"/>
       <dgm:spPr/>
       <dgm:t>
         <a:bodyPr/>
         <a:lstStyle/>
         <a:p>
+          <a:pPr algn="ctr"/>
           <a:r>
-            <a:rPr lang="de-DE"/>
-            <a:t>sqlplus</a:t>
+            <a:rPr lang="de-DE" sz="3200" b="1" dirty="0"/>
+            <a:t>SQL*Plus</a:t>
           </a:r>
+          <a:endParaRPr lang="de-DE" sz="3200" b="1" dirty="0"/>
         </a:p>
       </dgm:t>
     </dgm:pt>
-    <dgm:pt modelId="{107A29CC-26A7-4AAD-96FE-864F28450EDF}" type="parTrans" cxnId="{FA5934C0-0BB2-4A2F-8A7C-480DBD599E10}">
+    <dgm:pt modelId="{23F330EF-5A60-4BAA-95AB-0AC0337FFF0C}" type="parTrans" cxnId="{5712CEB7-35DE-429A-A90F-13C80D4DC439}">
       <dgm:prSet/>
       <dgm:spPr/>
       <dgm:t>
@@ -14290,7 +15147,7 @@
         </a:p>
       </dgm:t>
     </dgm:pt>
-    <dgm:pt modelId="{B95132BA-0F9E-4C64-BA73-EB1F72378BED}" type="sibTrans" cxnId="{FA5934C0-0BB2-4A2F-8A7C-480DBD599E10}">
+    <dgm:pt modelId="{7E17C5C4-4926-4A7A-AA11-70BD37EC26C9}" type="sibTrans" cxnId="{5712CEB7-35DE-429A-A90F-13C80D4DC439}">
       <dgm:prSet/>
       <dgm:spPr/>
       <dgm:t>
@@ -14301,26 +15158,26 @@
         </a:p>
       </dgm:t>
     </dgm:pt>
-    <dgm:pt modelId="{3C50D761-F923-45BB-B5C1-49889E8234C1}">
-      <dgm:prSet/>
+    <dgm:pt modelId="{F16BC775-C24E-46EB-948D-1BECC66A38B5}">
+      <dgm:prSet custT="1"/>
       <dgm:spPr/>
       <dgm:t>
         <a:bodyPr/>
         <a:lstStyle/>
         <a:p>
+          <a:pPr algn="l"/>
           <a:r>
-            <a:rPr lang="de-DE" dirty="0"/>
-            <a:t>SQL </a:t>
+            <a:rPr lang="de-DE" sz="2400" dirty="0"/>
+            <a:t> </a:t>
           </a:r>
           <a:r>
-            <a:rPr lang="de-DE" dirty="0" err="1"/>
-            <a:t>statements</a:t>
+            <a:rPr lang="de-DE" sz="2900" dirty="0"/>
+            <a:t>Seit Jahrzehnten „stabil“</a:t>
           </a:r>
-          <a:endParaRPr lang="de-DE" dirty="0"/>
         </a:p>
       </dgm:t>
     </dgm:pt>
-    <dgm:pt modelId="{04D41BF2-3C75-4823-B02C-E0A8F167C529}" type="parTrans" cxnId="{5AFD0C0A-3E05-4185-B6BF-B4EC10ABD6A0}">
+    <dgm:pt modelId="{AE265ED9-C56D-4D2F-80DD-D630D293ABE8}" type="parTrans" cxnId="{1694483F-A863-4A47-98BE-C1088F959B0C}">
       <dgm:prSet/>
       <dgm:spPr/>
       <dgm:t>
@@ -14331,7 +15188,7 @@
         </a:p>
       </dgm:t>
     </dgm:pt>
-    <dgm:pt modelId="{34E058E3-DCC1-4A16-A9DA-CDBE51200180}" type="sibTrans" cxnId="{5AFD0C0A-3E05-4185-B6BF-B4EC10ABD6A0}">
+    <dgm:pt modelId="{7ADFC1F1-EAA6-4E5D-990B-A24394EF0EFC}" type="sibTrans" cxnId="{1694483F-A863-4A47-98BE-C1088F959B0C}">
       <dgm:prSet/>
       <dgm:spPr/>
       <dgm:t>
@@ -14342,21 +15199,29 @@
         </a:p>
       </dgm:t>
     </dgm:pt>
-    <dgm:pt modelId="{F130E050-96B9-4D33-9244-18FCFFC32391}">
-      <dgm:prSet/>
+    <dgm:pt modelId="{A8BB0939-D2DD-402F-897F-679A48F660F5}">
+      <dgm:prSet custT="1"/>
       <dgm:spPr/>
       <dgm:t>
         <a:bodyPr/>
         <a:lstStyle/>
         <a:p>
+          <a:pPr algn="l"/>
           <a:r>
-            <a:rPr lang="de-DE" dirty="0"/>
-            <a:t>Wenig dynamisch:</a:t>
+            <a:rPr lang="de-DE" sz="2900" dirty="0"/>
+            <a:t> Sequentielles </a:t>
+          </a:r>
+          <a:br>
+            <a:rPr lang="de-DE" sz="2900" dirty="0"/>
+          </a:br>
+          <a:r>
+            <a:rPr lang="de-DE" sz="2900" dirty="0"/>
+            <a:t> SQL + PL/SQL</a:t>
           </a:r>
         </a:p>
       </dgm:t>
     </dgm:pt>
-    <dgm:pt modelId="{75EB0036-1B60-4A95-B4C5-F09A5E50F0F4}" type="parTrans" cxnId="{08D062F2-6E0D-4F87-BC1A-6E245F69FBCF}">
+    <dgm:pt modelId="{DE7025C9-E3A9-4E27-871E-07217D4A97C4}" type="parTrans" cxnId="{02465BEA-62EB-4286-A171-935055B122CE}">
       <dgm:prSet/>
       <dgm:spPr/>
       <dgm:t>
@@ -14367,7 +15232,7 @@
         </a:p>
       </dgm:t>
     </dgm:pt>
-    <dgm:pt modelId="{13D69812-7304-4E38-AB9E-3394C81F3206}" type="sibTrans" cxnId="{08D062F2-6E0D-4F87-BC1A-6E245F69FBCF}">
+    <dgm:pt modelId="{D788985A-773B-45A3-8C6F-2FDF8BDE954C}" type="sibTrans" cxnId="{02465BEA-62EB-4286-A171-935055B122CE}">
       <dgm:prSet/>
       <dgm:spPr/>
       <dgm:t>
@@ -14378,21 +15243,22 @@
         </a:p>
       </dgm:t>
     </dgm:pt>
-    <dgm:pt modelId="{35FFA09B-4A08-4519-9BBB-5CA1CACB727A}">
-      <dgm:prSet/>
+    <dgm:pt modelId="{B7B5064A-F417-4E90-AAB9-B2C4A926C868}">
+      <dgm:prSet custT="1"/>
       <dgm:spPr/>
       <dgm:t>
         <a:bodyPr/>
         <a:lstStyle/>
         <a:p>
+          <a:pPr algn="l"/>
           <a:r>
-            <a:rPr lang="de-DE" dirty="0"/>
-            <a:t>„DEFINE“</a:t>
+            <a:rPr lang="de-DE" sz="2900" dirty="0"/>
+            <a:t> Kaum dynamisch:</a:t>
           </a:r>
         </a:p>
       </dgm:t>
     </dgm:pt>
-    <dgm:pt modelId="{6968FE46-8570-4E78-B926-EEEB3E30D2AF}" type="parTrans" cxnId="{BA00201A-1ECE-4901-9E82-B4D1379F044D}">
+    <dgm:pt modelId="{B26BBD4D-2F43-4C76-A0E8-786AF074F61D}" type="parTrans" cxnId="{A2796C70-C2E4-40EA-B813-7DE1A3569481}">
       <dgm:prSet/>
       <dgm:spPr/>
       <dgm:t>
@@ -14403,7 +15269,7 @@
         </a:p>
       </dgm:t>
     </dgm:pt>
-    <dgm:pt modelId="{93B5BF86-415F-4417-904B-31A323C1017B}" type="sibTrans" cxnId="{BA00201A-1ECE-4901-9E82-B4D1379F044D}">
+    <dgm:pt modelId="{5D77F476-0CE9-4239-A8BE-34A0085C7F90}" type="sibTrans" cxnId="{A2796C70-C2E4-40EA-B813-7DE1A3569481}">
       <dgm:prSet/>
       <dgm:spPr/>
       <dgm:t>
@@ -14414,21 +15280,22 @@
         </a:p>
       </dgm:t>
     </dgm:pt>
-    <dgm:pt modelId="{6F4C8EC1-AAE7-4872-805B-453545DCB36A}">
-      <dgm:prSet/>
+    <dgm:pt modelId="{25E82A55-80A7-4A19-8ED4-09B099F88E2F}">
+      <dgm:prSet custT="1"/>
       <dgm:spPr/>
       <dgm:t>
         <a:bodyPr/>
         <a:lstStyle/>
         <a:p>
+          <a:pPr algn="l"/>
           <a:r>
-            <a:rPr lang="de-DE" dirty="0"/>
-            <a:t>Seit Jahrzehnten „stabil“</a:t>
+            <a:rPr lang="de-DE" sz="2900" dirty="0"/>
+            <a:t> „DEFINE“</a:t>
           </a:r>
         </a:p>
       </dgm:t>
     </dgm:pt>
-    <dgm:pt modelId="{90381DD2-8DD7-4434-A4E6-DD079DED267B}" type="parTrans" cxnId="{9104CA86-C647-4955-8DA4-C9586BB13B1A}">
+    <dgm:pt modelId="{48AFEF60-8E4C-4F02-A948-D61188052B29}" type="parTrans" cxnId="{687238B5-D805-4619-821B-E553697D49ED}">
       <dgm:prSet/>
       <dgm:spPr/>
       <dgm:t>
@@ -14439,7 +15306,7 @@
         </a:p>
       </dgm:t>
     </dgm:pt>
-    <dgm:pt modelId="{3D0ABE34-C258-4FDE-957E-14B823E27058}" type="sibTrans" cxnId="{9104CA86-C647-4955-8DA4-C9586BB13B1A}">
+    <dgm:pt modelId="{882727F4-9984-4630-8D81-4A1F95C5CBD2}" type="sibTrans" cxnId="{687238B5-D805-4619-821B-E553697D49ED}">
       <dgm:prSet/>
       <dgm:spPr/>
       <dgm:t>
@@ -14450,13 +15317,23 @@
         </a:p>
       </dgm:t>
     </dgm:pt>
-    <dgm:pt modelId="{9A651DE2-3AA0-4366-BA44-360D639DEADD}" type="pres">
-      <dgm:prSet presAssocID="{F2C83DC0-47A6-4639-A3EE-9FD067CACB9E}" presName="linearFlow" presStyleCnt="0">
-        <dgm:presLayoutVars>
-          <dgm:dir/>
-          <dgm:resizeHandles val="exact"/>
-        </dgm:presLayoutVars>
-      </dgm:prSet>
+    <dgm:pt modelId="{B817EB37-D7AA-42C4-8B34-FB486A077934}">
+      <dgm:prSet custT="1"/>
+      <dgm:spPr/>
+      <dgm:t>
+        <a:bodyPr/>
+        <a:lstStyle/>
+        <a:p>
+          <a:pPr algn="l"/>
+          <a:r>
+            <a:rPr lang="de-DE" sz="2900" dirty="0"/>
+            <a:t> Fehlerbehandlung</a:t>
+          </a:r>
+        </a:p>
+      </dgm:t>
+    </dgm:pt>
+    <dgm:pt modelId="{D9919628-C24E-43C3-854B-076C7EB45ADF}" type="parTrans" cxnId="{CFBF748C-C1A1-4DA1-A5AF-DC431F39C0F7}">
+      <dgm:prSet/>
       <dgm:spPr/>
       <dgm:t>
         <a:bodyPr/>
@@ -14466,37 +15343,8 @@
         </a:p>
       </dgm:t>
     </dgm:pt>
-    <dgm:pt modelId="{476779F2-93A2-49F4-B084-91F800E6F25F}" type="pres">
-      <dgm:prSet presAssocID="{AF9D8C24-2E0A-4481-98DC-A6BC53D73E4B}" presName="composite" presStyleCnt="0"/>
-      <dgm:spPr/>
-    </dgm:pt>
-    <dgm:pt modelId="{FFEBE456-55C1-4165-9461-98E8007634F3}" type="pres">
-      <dgm:prSet presAssocID="{AF9D8C24-2E0A-4481-98DC-A6BC53D73E4B}" presName="imgShp" presStyleLbl="fgImgPlace1" presStyleIdx="0" presStyleCnt="1" custScaleY="101991" custLinFactNeighborX="-436" custLinFactNeighborY="-2044"/>
-      <dgm:spPr>
-        <a:prstGeom prst="rect">
-          <a:avLst/>
-        </a:prstGeom>
-        <a:blipFill>
-          <a:blip xmlns:r="http://schemas.openxmlformats.org/officeDocument/2006/relationships" r:embed="rId1">
-            <a:extLst>
-              <a:ext uri="{28A0092B-C50C-407E-A947-70E740481C1C}">
-                <a14:useLocalDpi xmlns:a14="http://schemas.microsoft.com/office/drawing/2010/main" val="0"/>
-              </a:ext>
-            </a:extLst>
-          </a:blip>
-          <a:srcRect/>
-          <a:stretch>
-            <a:fillRect/>
-          </a:stretch>
-        </a:blipFill>
-      </dgm:spPr>
-    </dgm:pt>
-    <dgm:pt modelId="{97C398DA-7954-408C-90A0-F60FB23B4791}" type="pres">
-      <dgm:prSet presAssocID="{AF9D8C24-2E0A-4481-98DC-A6BC53D73E4B}" presName="txShp" presStyleLbl="node1" presStyleIdx="0" presStyleCnt="1">
-        <dgm:presLayoutVars>
-          <dgm:bulletEnabled val="1"/>
-        </dgm:presLayoutVars>
-      </dgm:prSet>
+    <dgm:pt modelId="{7407101E-7615-4EB4-B0D4-C40C89A3CC3D}" type="sibTrans" cxnId="{CFBF748C-C1A1-4DA1-A5AF-DC431F39C0F7}">
+      <dgm:prSet/>
       <dgm:spPr/>
       <dgm:t>
         <a:bodyPr/>
@@ -14506,22 +15354,78 @@
         </a:p>
       </dgm:t>
     </dgm:pt>
+    <dgm:pt modelId="{5156C70D-760C-4169-A988-C13A210D9A1D}">
+      <dgm:prSet custT="1"/>
+      <dgm:spPr/>
+      <dgm:t>
+        <a:bodyPr/>
+        <a:lstStyle/>
+        <a:p>
+          <a:pPr algn="l"/>
+          <a:r>
+            <a:rPr lang="de-DE" sz="2900" dirty="0"/>
+            <a:t> Whenever sqlerror</a:t>
+          </a:r>
+        </a:p>
+      </dgm:t>
+    </dgm:pt>
+    <dgm:pt modelId="{314E4495-5ECD-41F9-A913-0280BADD0ECB}" type="parTrans" cxnId="{13566931-EBE8-463E-A3DC-54916D6E5BDB}">
+      <dgm:prSet/>
+      <dgm:spPr/>
+      <dgm:t>
+        <a:bodyPr/>
+        <a:lstStyle/>
+        <a:p>
+          <a:endParaRPr lang="de-DE"/>
+        </a:p>
+      </dgm:t>
+    </dgm:pt>
+    <dgm:pt modelId="{0A8672E4-18DE-45B5-8986-0D34E65588CE}" type="sibTrans" cxnId="{13566931-EBE8-463E-A3DC-54916D6E5BDB}">
+      <dgm:prSet/>
+      <dgm:spPr/>
+      <dgm:t>
+        <a:bodyPr/>
+        <a:lstStyle/>
+        <a:p>
+          <a:endParaRPr lang="de-DE"/>
+        </a:p>
+      </dgm:t>
+    </dgm:pt>
+    <dgm:pt modelId="{669E5092-B442-4779-81F9-4ED70126F54C}" type="pres">
+      <dgm:prSet presAssocID="{8AD2D73E-5E4C-4899-A460-151FC3399213}" presName="cycle" presStyleCnt="0">
+        <dgm:presLayoutVars>
+          <dgm:dir/>
+          <dgm:resizeHandles val="exact"/>
+        </dgm:presLayoutVars>
+      </dgm:prSet>
+      <dgm:spPr/>
+    </dgm:pt>
+    <dgm:pt modelId="{15DCE0AA-BD8A-4DC7-B9B9-5D14A2CDFCB6}" type="pres">
+      <dgm:prSet presAssocID="{6D2CE709-5F97-4D8C-8267-3D61E708F32B}" presName="node" presStyleLbl="node1" presStyleIdx="0" presStyleCnt="1" custRadScaleRad="86342">
+        <dgm:presLayoutVars>
+          <dgm:bulletEnabled val="1"/>
+        </dgm:presLayoutVars>
+      </dgm:prSet>
+      <dgm:spPr/>
+    </dgm:pt>
   </dgm:ptLst>
   <dgm:cxnLst>
-    <dgm:cxn modelId="{9104CA86-C647-4955-8DA4-C9586BB13B1A}" srcId="{AF9D8C24-2E0A-4481-98DC-A6BC53D73E4B}" destId="{6F4C8EC1-AAE7-4872-805B-453545DCB36A}" srcOrd="0" destOrd="0" parTransId="{90381DD2-8DD7-4434-A4E6-DD079DED267B}" sibTransId="{3D0ABE34-C258-4FDE-957E-14B823E27058}"/>
-    <dgm:cxn modelId="{08D062F2-6E0D-4F87-BC1A-6E245F69FBCF}" srcId="{AF9D8C24-2E0A-4481-98DC-A6BC53D73E4B}" destId="{F130E050-96B9-4D33-9244-18FCFFC32391}" srcOrd="2" destOrd="0" parTransId="{75EB0036-1B60-4A95-B4C5-F09A5E50F0F4}" sibTransId="{13D69812-7304-4E38-AB9E-3394C81F3206}"/>
-    <dgm:cxn modelId="{5AFD0C0A-3E05-4185-B6BF-B4EC10ABD6A0}" srcId="{AF9D8C24-2E0A-4481-98DC-A6BC53D73E4B}" destId="{3C50D761-F923-45BB-B5C1-49889E8234C1}" srcOrd="1" destOrd="0" parTransId="{04D41BF2-3C75-4823-B02C-E0A8F167C529}" sibTransId="{34E058E3-DCC1-4A16-A9DA-CDBE51200180}"/>
-    <dgm:cxn modelId="{879754A6-4386-40A2-B18B-316B21F5EB68}" type="presOf" srcId="{6F4C8EC1-AAE7-4872-805B-453545DCB36A}" destId="{97C398DA-7954-408C-90A0-F60FB23B4791}" srcOrd="0" destOrd="1" presId="urn:microsoft.com/office/officeart/2005/8/layout/vList3"/>
-    <dgm:cxn modelId="{F648C92E-7030-4982-96B3-DCF159B268B4}" type="presOf" srcId="{3C50D761-F923-45BB-B5C1-49889E8234C1}" destId="{97C398DA-7954-408C-90A0-F60FB23B4791}" srcOrd="0" destOrd="2" presId="urn:microsoft.com/office/officeart/2005/8/layout/vList3"/>
-    <dgm:cxn modelId="{BA00201A-1ECE-4901-9E82-B4D1379F044D}" srcId="{F130E050-96B9-4D33-9244-18FCFFC32391}" destId="{35FFA09B-4A08-4519-9BBB-5CA1CACB727A}" srcOrd="0" destOrd="0" parTransId="{6968FE46-8570-4E78-B926-EEEB3E30D2AF}" sibTransId="{93B5BF86-415F-4417-904B-31A323C1017B}"/>
-    <dgm:cxn modelId="{769E8AC8-D1A7-4740-8156-C8FD41182738}" type="presOf" srcId="{F2C83DC0-47A6-4639-A3EE-9FD067CACB9E}" destId="{9A651DE2-3AA0-4366-BA44-360D639DEADD}" srcOrd="0" destOrd="0" presId="urn:microsoft.com/office/officeart/2005/8/layout/vList3"/>
-    <dgm:cxn modelId="{3FA07428-E22F-4E90-9E94-4D50F27C86B5}" type="presOf" srcId="{AF9D8C24-2E0A-4481-98DC-A6BC53D73E4B}" destId="{97C398DA-7954-408C-90A0-F60FB23B4791}" srcOrd="0" destOrd="0" presId="urn:microsoft.com/office/officeart/2005/8/layout/vList3"/>
-    <dgm:cxn modelId="{FA5934C0-0BB2-4A2F-8A7C-480DBD599E10}" srcId="{F2C83DC0-47A6-4639-A3EE-9FD067CACB9E}" destId="{AF9D8C24-2E0A-4481-98DC-A6BC53D73E4B}" srcOrd="0" destOrd="0" parTransId="{107A29CC-26A7-4AAD-96FE-864F28450EDF}" sibTransId="{B95132BA-0F9E-4C64-BA73-EB1F72378BED}"/>
-    <dgm:cxn modelId="{9635D114-2A2B-4243-AC50-045E160FDF4F}" type="presOf" srcId="{35FFA09B-4A08-4519-9BBB-5CA1CACB727A}" destId="{97C398DA-7954-408C-90A0-F60FB23B4791}" srcOrd="0" destOrd="4" presId="urn:microsoft.com/office/officeart/2005/8/layout/vList3"/>
-    <dgm:cxn modelId="{C47EF251-8623-40DE-8118-B57CD24765AC}" type="presOf" srcId="{F130E050-96B9-4D33-9244-18FCFFC32391}" destId="{97C398DA-7954-408C-90A0-F60FB23B4791}" srcOrd="0" destOrd="3" presId="urn:microsoft.com/office/officeart/2005/8/layout/vList3"/>
-    <dgm:cxn modelId="{33CBBD0F-E3D7-4E5D-B516-F754F844AAB9}" type="presParOf" srcId="{9A651DE2-3AA0-4366-BA44-360D639DEADD}" destId="{476779F2-93A2-49F4-B084-91F800E6F25F}" srcOrd="0" destOrd="0" presId="urn:microsoft.com/office/officeart/2005/8/layout/vList3"/>
-    <dgm:cxn modelId="{A254667D-5098-40EA-BB27-B846197CBE54}" type="presParOf" srcId="{476779F2-93A2-49F4-B084-91F800E6F25F}" destId="{FFEBE456-55C1-4165-9461-98E8007634F3}" srcOrd="0" destOrd="0" presId="urn:microsoft.com/office/officeart/2005/8/layout/vList3"/>
-    <dgm:cxn modelId="{9B5EC033-9394-42C6-9945-6B56946E3125}" type="presParOf" srcId="{476779F2-93A2-49F4-B084-91F800E6F25F}" destId="{97C398DA-7954-408C-90A0-F60FB23B4791}" srcOrd="1" destOrd="0" presId="urn:microsoft.com/office/officeart/2005/8/layout/vList3"/>
+    <dgm:cxn modelId="{5712CEB7-35DE-429A-A90F-13C80D4DC439}" srcId="{8AD2D73E-5E4C-4899-A460-151FC3399213}" destId="{6D2CE709-5F97-4D8C-8267-3D61E708F32B}" srcOrd="0" destOrd="0" parTransId="{23F330EF-5A60-4BAA-95AB-0AC0337FFF0C}" sibTransId="{7E17C5C4-4926-4A7A-AA11-70BD37EC26C9}"/>
+    <dgm:cxn modelId="{7AD392A1-B052-4B57-B9C5-112E51C48385}" type="presOf" srcId="{8AD2D73E-5E4C-4899-A460-151FC3399213}" destId="{669E5092-B442-4779-81F9-4ED70126F54C}" srcOrd="0" destOrd="0" presId="urn:microsoft.com/office/officeart/2005/8/layout/cycle2"/>
+    <dgm:cxn modelId="{B5E28043-764B-426D-8529-FFDF4A9A691E}" type="presOf" srcId="{A8BB0939-D2DD-402F-897F-679A48F660F5}" destId="{15DCE0AA-BD8A-4DC7-B9B9-5D14A2CDFCB6}" srcOrd="0" destOrd="2" presId="urn:microsoft.com/office/officeart/2005/8/layout/cycle2"/>
+    <dgm:cxn modelId="{03F66A3E-9B89-4CFC-BEE5-DA3F955C8A99}" type="presOf" srcId="{F16BC775-C24E-46EB-948D-1BECC66A38B5}" destId="{15DCE0AA-BD8A-4DC7-B9B9-5D14A2CDFCB6}" srcOrd="0" destOrd="1" presId="urn:microsoft.com/office/officeart/2005/8/layout/cycle2"/>
+    <dgm:cxn modelId="{4E053F08-A17D-4C55-864F-80D775344F9F}" type="presOf" srcId="{B817EB37-D7AA-42C4-8B34-FB486A077934}" destId="{15DCE0AA-BD8A-4DC7-B9B9-5D14A2CDFCB6}" srcOrd="0" destOrd="5" presId="urn:microsoft.com/office/officeart/2005/8/layout/cycle2"/>
+    <dgm:cxn modelId="{687238B5-D805-4619-821B-E553697D49ED}" srcId="{B7B5064A-F417-4E90-AAB9-B2C4A926C868}" destId="{25E82A55-80A7-4A19-8ED4-09B099F88E2F}" srcOrd="0" destOrd="0" parTransId="{48AFEF60-8E4C-4F02-A948-D61188052B29}" sibTransId="{882727F4-9984-4630-8D81-4A1F95C5CBD2}"/>
+    <dgm:cxn modelId="{1694483F-A863-4A47-98BE-C1088F959B0C}" srcId="{6D2CE709-5F97-4D8C-8267-3D61E708F32B}" destId="{F16BC775-C24E-46EB-948D-1BECC66A38B5}" srcOrd="0" destOrd="0" parTransId="{AE265ED9-C56D-4D2F-80DD-D630D293ABE8}" sibTransId="{7ADFC1F1-EAA6-4E5D-990B-A24394EF0EFC}"/>
+    <dgm:cxn modelId="{6E42F687-A42D-4A2F-9AFF-B8BDA00D25D6}" type="presOf" srcId="{5156C70D-760C-4169-A988-C13A210D9A1D}" destId="{15DCE0AA-BD8A-4DC7-B9B9-5D14A2CDFCB6}" srcOrd="0" destOrd="6" presId="urn:microsoft.com/office/officeart/2005/8/layout/cycle2"/>
+    <dgm:cxn modelId="{A2796C70-C2E4-40EA-B813-7DE1A3569481}" srcId="{6D2CE709-5F97-4D8C-8267-3D61E708F32B}" destId="{B7B5064A-F417-4E90-AAB9-B2C4A926C868}" srcOrd="2" destOrd="0" parTransId="{B26BBD4D-2F43-4C76-A0E8-786AF074F61D}" sibTransId="{5D77F476-0CE9-4239-A8BE-34A0085C7F90}"/>
+    <dgm:cxn modelId="{5BA92067-7639-4EEF-A19E-B18B50E68164}" type="presOf" srcId="{B7B5064A-F417-4E90-AAB9-B2C4A926C868}" destId="{15DCE0AA-BD8A-4DC7-B9B9-5D14A2CDFCB6}" srcOrd="0" destOrd="3" presId="urn:microsoft.com/office/officeart/2005/8/layout/cycle2"/>
+    <dgm:cxn modelId="{02465BEA-62EB-4286-A171-935055B122CE}" srcId="{6D2CE709-5F97-4D8C-8267-3D61E708F32B}" destId="{A8BB0939-D2DD-402F-897F-679A48F660F5}" srcOrd="1" destOrd="0" parTransId="{DE7025C9-E3A9-4E27-871E-07217D4A97C4}" sibTransId="{D788985A-773B-45A3-8C6F-2FDF8BDE954C}"/>
+    <dgm:cxn modelId="{28AE3D8A-2782-4B9B-8D6E-5A3F49B46D5D}" type="presOf" srcId="{25E82A55-80A7-4A19-8ED4-09B099F88E2F}" destId="{15DCE0AA-BD8A-4DC7-B9B9-5D14A2CDFCB6}" srcOrd="0" destOrd="4" presId="urn:microsoft.com/office/officeart/2005/8/layout/cycle2"/>
+    <dgm:cxn modelId="{CFBF748C-C1A1-4DA1-A5AF-DC431F39C0F7}" srcId="{6D2CE709-5F97-4D8C-8267-3D61E708F32B}" destId="{B817EB37-D7AA-42C4-8B34-FB486A077934}" srcOrd="3" destOrd="0" parTransId="{D9919628-C24E-43C3-854B-076C7EB45ADF}" sibTransId="{7407101E-7615-4EB4-B0D4-C40C89A3CC3D}"/>
+    <dgm:cxn modelId="{4D97C698-9355-4EB2-BF00-E21028959F9E}" type="presOf" srcId="{6D2CE709-5F97-4D8C-8267-3D61E708F32B}" destId="{15DCE0AA-BD8A-4DC7-B9B9-5D14A2CDFCB6}" srcOrd="0" destOrd="0" presId="urn:microsoft.com/office/officeart/2005/8/layout/cycle2"/>
+    <dgm:cxn modelId="{13566931-EBE8-463E-A3DC-54916D6E5BDB}" srcId="{B817EB37-D7AA-42C4-8B34-FB486A077934}" destId="{5156C70D-760C-4169-A988-C13A210D9A1D}" srcOrd="0" destOrd="0" parTransId="{314E4495-5ECD-41F9-A913-0280BADD0ECB}" sibTransId="{0A8672E4-18DE-45B5-8986-0D34E65588CE}"/>
+    <dgm:cxn modelId="{E541B2B8-0EE1-47E0-8C40-E8EC27F2670C}" type="presParOf" srcId="{669E5092-B442-4779-81F9-4ED70126F54C}" destId="{15DCE0AA-BD8A-4DC7-B9B9-5D14A2CDFCB6}" srcOrd="0" destOrd="0" presId="urn:microsoft.com/office/officeart/2005/8/layout/cycle2"/>
   </dgm:cxnLst>
   <dgm:bg/>
   <dgm:whole/>
@@ -14533,7 +15437,7 @@
 </dgm:dataModel>
 </file>
 
-<file path=ppt/diagrams/data7.xml><?xml version="1.0" encoding="utf-8"?>
+<file path=ppt/diagrams/data8.xml><?xml version="1.0" encoding="utf-8"?>
 <dgm:dataModel xmlns:dgm="http://schemas.openxmlformats.org/drawingml/2006/diagram" xmlns:a="http://schemas.openxmlformats.org/drawingml/2006/main">
   <dgm:ptLst>
     <dgm:pt modelId="{EF762BE8-DAB1-45C1-8479-72141ADC0D8A}" type="doc">
@@ -14555,10 +15459,9 @@
         <a:lstStyle/>
         <a:p>
           <a:r>
-            <a:rPr lang="de-DE" dirty="0" smtClean="0"/>
+            <a:rPr lang="de-DE" dirty="0"/>
             <a:t>SQL*Plus „plus“</a:t>
           </a:r>
-          <a:endParaRPr lang="de-DE" dirty="0"/>
         </a:p>
       </dgm:t>
     </dgm:pt>
@@ -14707,10 +15610,9 @@
         <a:lstStyle/>
         <a:p>
           <a:r>
-            <a:rPr lang="de-DE" dirty="0" smtClean="0"/>
+            <a:rPr lang="de-DE" dirty="0"/>
             <a:t>Fluss-steuerung</a:t>
           </a:r>
-          <a:endParaRPr lang="de-DE" dirty="0"/>
         </a:p>
       </dgm:t>
     </dgm:pt>
@@ -14748,13 +15650,6 @@
         </dgm:presLayoutVars>
       </dgm:prSet>
       <dgm:spPr/>
-      <dgm:t>
-        <a:bodyPr/>
-        <a:lstStyle/>
-        <a:p>
-          <a:endParaRPr lang="de-DE"/>
-        </a:p>
-      </dgm:t>
     </dgm:pt>
     <dgm:pt modelId="{D49FDB50-3903-4137-B591-563957A669E0}" type="pres">
       <dgm:prSet presAssocID="{2EE08004-50D5-4AD5-AFD8-AF41F1C20ABC}" presName="hierRoot1" presStyleCnt="0">
@@ -14775,24 +15670,10 @@
         </dgm:presLayoutVars>
       </dgm:prSet>
       <dgm:spPr/>
-      <dgm:t>
-        <a:bodyPr/>
-        <a:lstStyle/>
-        <a:p>
-          <a:endParaRPr lang="de-DE"/>
-        </a:p>
-      </dgm:t>
     </dgm:pt>
     <dgm:pt modelId="{B9D2ECC8-552E-40A1-8B99-AA2BA7A9ABAF}" type="pres">
       <dgm:prSet presAssocID="{2EE08004-50D5-4AD5-AFD8-AF41F1C20ABC}" presName="rootConnector1" presStyleLbl="node1" presStyleIdx="0" presStyleCnt="0"/>
       <dgm:spPr/>
-      <dgm:t>
-        <a:bodyPr/>
-        <a:lstStyle/>
-        <a:p>
-          <a:endParaRPr lang="de-DE"/>
-        </a:p>
-      </dgm:t>
     </dgm:pt>
     <dgm:pt modelId="{D52D998C-9B5B-4A2F-B181-0945DCD7CE94}" type="pres">
       <dgm:prSet presAssocID="{2EE08004-50D5-4AD5-AFD8-AF41F1C20ABC}" presName="hierChild2" presStyleCnt="0"/>
@@ -14821,24 +15702,10 @@
         </dgm:presLayoutVars>
       </dgm:prSet>
       <dgm:spPr/>
-      <dgm:t>
-        <a:bodyPr/>
-        <a:lstStyle/>
-        <a:p>
-          <a:endParaRPr lang="de-DE"/>
-        </a:p>
-      </dgm:t>
     </dgm:pt>
     <dgm:pt modelId="{ED91D5B9-F8DF-4787-8D20-2D7102078CF8}" type="pres">
       <dgm:prSet presAssocID="{899823DA-CB96-4929-9A9F-C2E2E841337E}" presName="rootConnector1" presStyleLbl="node1" presStyleIdx="0" presStyleCnt="0"/>
       <dgm:spPr/>
-      <dgm:t>
-        <a:bodyPr/>
-        <a:lstStyle/>
-        <a:p>
-          <a:endParaRPr lang="de-DE"/>
-        </a:p>
-      </dgm:t>
     </dgm:pt>
     <dgm:pt modelId="{EE3C0AF3-A7DD-4604-A802-81FB4BED45C1}" type="pres">
       <dgm:prSet presAssocID="{899823DA-CB96-4929-9A9F-C2E2E841337E}" presName="hierChild2" presStyleCnt="0"/>
@@ -14867,24 +15734,10 @@
         </dgm:presLayoutVars>
       </dgm:prSet>
       <dgm:spPr/>
-      <dgm:t>
-        <a:bodyPr/>
-        <a:lstStyle/>
-        <a:p>
-          <a:endParaRPr lang="de-DE"/>
-        </a:p>
-      </dgm:t>
     </dgm:pt>
     <dgm:pt modelId="{A52093E5-88CD-4DFF-B67B-B2F7116823E9}" type="pres">
       <dgm:prSet presAssocID="{08CF3908-7C13-4F45-AF77-F8F0D25F0786}" presName="rootConnector1" presStyleLbl="node1" presStyleIdx="0" presStyleCnt="0"/>
       <dgm:spPr/>
-      <dgm:t>
-        <a:bodyPr/>
-        <a:lstStyle/>
-        <a:p>
-          <a:endParaRPr lang="de-DE"/>
-        </a:p>
-      </dgm:t>
     </dgm:pt>
     <dgm:pt modelId="{9C137ABB-B3DD-4E08-A914-55D57DEEDC3E}" type="pres">
       <dgm:prSet presAssocID="{08CF3908-7C13-4F45-AF77-F8F0D25F0786}" presName="hierChild2" presStyleCnt="0"/>
@@ -14893,13 +15746,6 @@
     <dgm:pt modelId="{C0D1D949-C56E-4366-A229-45A8DDC10DE7}" type="pres">
       <dgm:prSet presAssocID="{995C5BF1-64C9-48C1-96FB-49C315B312AA}" presName="Name37" presStyleLbl="parChTrans1D2" presStyleIdx="0" presStyleCnt="2"/>
       <dgm:spPr/>
-      <dgm:t>
-        <a:bodyPr/>
-        <a:lstStyle/>
-        <a:p>
-          <a:endParaRPr lang="de-DE"/>
-        </a:p>
-      </dgm:t>
     </dgm:pt>
     <dgm:pt modelId="{24847E3F-1A49-42C5-A3B5-2A38F142F1F7}" type="pres">
       <dgm:prSet presAssocID="{F9A507AA-E391-4B3D-B807-FC9D48526AE3}" presName="hierRoot2" presStyleCnt="0">
@@ -14920,24 +15766,10 @@
         </dgm:presLayoutVars>
       </dgm:prSet>
       <dgm:spPr/>
-      <dgm:t>
-        <a:bodyPr/>
-        <a:lstStyle/>
-        <a:p>
-          <a:endParaRPr lang="de-DE"/>
-        </a:p>
-      </dgm:t>
     </dgm:pt>
     <dgm:pt modelId="{47F008CD-A6E5-4E24-A60C-7185E2E7024C}" type="pres">
       <dgm:prSet presAssocID="{F9A507AA-E391-4B3D-B807-FC9D48526AE3}" presName="rootConnector" presStyleLbl="node2" presStyleIdx="0" presStyleCnt="2"/>
       <dgm:spPr/>
-      <dgm:t>
-        <a:bodyPr/>
-        <a:lstStyle/>
-        <a:p>
-          <a:endParaRPr lang="de-DE"/>
-        </a:p>
-      </dgm:t>
     </dgm:pt>
     <dgm:pt modelId="{B12F9C65-1669-43FF-B819-5695F2656FF9}" type="pres">
       <dgm:prSet presAssocID="{F9A507AA-E391-4B3D-B807-FC9D48526AE3}" presName="hierChild4" presStyleCnt="0"/>
@@ -14950,13 +15782,6 @@
     <dgm:pt modelId="{C994E3AD-974F-4428-BF9D-66D7DF65D3FD}" type="pres">
       <dgm:prSet presAssocID="{23811E06-B9E9-44F2-A04D-84AAE6FB6680}" presName="Name37" presStyleLbl="parChTrans1D2" presStyleIdx="1" presStyleCnt="2"/>
       <dgm:spPr/>
-      <dgm:t>
-        <a:bodyPr/>
-        <a:lstStyle/>
-        <a:p>
-          <a:endParaRPr lang="de-DE"/>
-        </a:p>
-      </dgm:t>
     </dgm:pt>
     <dgm:pt modelId="{28B36B9F-0293-4240-A076-1A4BA38AF2D9}" type="pres">
       <dgm:prSet presAssocID="{6DB5FEC2-21BB-47CF-8391-6876294C58ED}" presName="hierRoot2" presStyleCnt="0">
@@ -14977,24 +15802,10 @@
         </dgm:presLayoutVars>
       </dgm:prSet>
       <dgm:spPr/>
-      <dgm:t>
-        <a:bodyPr/>
-        <a:lstStyle/>
-        <a:p>
-          <a:endParaRPr lang="de-DE"/>
-        </a:p>
-      </dgm:t>
     </dgm:pt>
     <dgm:pt modelId="{11963987-49FE-4625-B90E-4285CA557F9D}" type="pres">
       <dgm:prSet presAssocID="{6DB5FEC2-21BB-47CF-8391-6876294C58ED}" presName="rootConnector" presStyleLbl="node2" presStyleIdx="1" presStyleCnt="2"/>
       <dgm:spPr/>
-      <dgm:t>
-        <a:bodyPr/>
-        <a:lstStyle/>
-        <a:p>
-          <a:endParaRPr lang="de-DE"/>
-        </a:p>
-      </dgm:t>
     </dgm:pt>
     <dgm:pt modelId="{8B814658-9725-4A89-9791-1B875B6B6E3C}" type="pres">
       <dgm:prSet presAssocID="{6DB5FEC2-21BB-47CF-8391-6876294C58ED}" presName="hierChild4" presStyleCnt="0"/>
@@ -15071,7 +15882,7 @@
 </dgm:dataModel>
 </file>
 
-<file path=ppt/diagrams/data8.xml><?xml version="1.0" encoding="utf-8"?>
+<file path=ppt/diagrams/data9.xml><?xml version="1.0" encoding="utf-8"?>
 <dgm:dataModel xmlns:dgm="http://schemas.openxmlformats.org/drawingml/2006/diagram" xmlns:a="http://schemas.openxmlformats.org/drawingml/2006/main">
   <dgm:ptLst>
     <dgm:pt modelId="{7E247A59-008E-419A-A44E-29EE95F9DC78}" type="doc">
@@ -15101,7 +15912,7 @@
             <a:t> </a:t>
           </a:r>
           <a:r>
-            <a:rPr lang="de-DE" dirty="0" err="1" smtClean="0"/>
+            <a:rPr lang="de-DE" dirty="0" err="1"/>
             <a:t>Readme</a:t>
           </a:r>
           <a:endParaRPr lang="de-DE" dirty="0"/>
@@ -15534,13 +16345,6 @@
         </dgm:presLayoutVars>
       </dgm:prSet>
       <dgm:spPr/>
-      <dgm:t>
-        <a:bodyPr/>
-        <a:lstStyle/>
-        <a:p>
-          <a:endParaRPr lang="de-DE"/>
-        </a:p>
-      </dgm:t>
     </dgm:pt>
     <dgm:pt modelId="{6EC9B571-2AAD-4AC1-B5C9-64DF398C0AEA}" type="pres">
       <dgm:prSet presAssocID="{C3E0E1EE-5798-473D-907B-B686B920B505}" presName="parentText" presStyleLbl="node1" presStyleIdx="0" presStyleCnt="4">
@@ -15550,13 +16354,6 @@
         </dgm:presLayoutVars>
       </dgm:prSet>
       <dgm:spPr/>
-      <dgm:t>
-        <a:bodyPr/>
-        <a:lstStyle/>
-        <a:p>
-          <a:endParaRPr lang="de-DE"/>
-        </a:p>
-      </dgm:t>
     </dgm:pt>
     <dgm:pt modelId="{46ECFA6A-E0E9-41F6-BC27-A0D3A41B681A}" type="pres">
       <dgm:prSet presAssocID="{C3E0E1EE-5798-473D-907B-B686B920B505}" presName="childText" presStyleLbl="revTx" presStyleIdx="0" presStyleCnt="4">
@@ -15565,13 +16362,6 @@
         </dgm:presLayoutVars>
       </dgm:prSet>
       <dgm:spPr/>
-      <dgm:t>
-        <a:bodyPr/>
-        <a:lstStyle/>
-        <a:p>
-          <a:endParaRPr lang="de-DE"/>
-        </a:p>
-      </dgm:t>
     </dgm:pt>
     <dgm:pt modelId="{10BCF072-5126-4E7E-87FE-49252D1F9F0B}" type="pres">
       <dgm:prSet presAssocID="{BBBB4A4D-E8D7-444A-A9B5-6D122C54A65E}" presName="parentText" presStyleLbl="node1" presStyleIdx="1" presStyleCnt="4">
@@ -15581,13 +16371,6 @@
         </dgm:presLayoutVars>
       </dgm:prSet>
       <dgm:spPr/>
-      <dgm:t>
-        <a:bodyPr/>
-        <a:lstStyle/>
-        <a:p>
-          <a:endParaRPr lang="de-DE"/>
-        </a:p>
-      </dgm:t>
     </dgm:pt>
     <dgm:pt modelId="{870592BB-C499-444A-8366-AE0A29609B7B}" type="pres">
       <dgm:prSet presAssocID="{BBBB4A4D-E8D7-444A-A9B5-6D122C54A65E}" presName="childText" presStyleLbl="revTx" presStyleIdx="1" presStyleCnt="4">
@@ -15596,13 +16379,6 @@
         </dgm:presLayoutVars>
       </dgm:prSet>
       <dgm:spPr/>
-      <dgm:t>
-        <a:bodyPr/>
-        <a:lstStyle/>
-        <a:p>
-          <a:endParaRPr lang="de-DE"/>
-        </a:p>
-      </dgm:t>
     </dgm:pt>
     <dgm:pt modelId="{47C85901-5F67-4C2A-BBCD-48BC78EA00D9}" type="pres">
       <dgm:prSet presAssocID="{44BD833A-8D5B-4CFE-A99F-067717C09B18}" presName="parentText" presStyleLbl="node1" presStyleIdx="2" presStyleCnt="4">
@@ -15612,13 +16388,6 @@
         </dgm:presLayoutVars>
       </dgm:prSet>
       <dgm:spPr/>
-      <dgm:t>
-        <a:bodyPr/>
-        <a:lstStyle/>
-        <a:p>
-          <a:endParaRPr lang="de-DE"/>
-        </a:p>
-      </dgm:t>
     </dgm:pt>
     <dgm:pt modelId="{D28AA118-9CC0-4C0B-8DDA-7F25EA87D375}" type="pres">
       <dgm:prSet presAssocID="{44BD833A-8D5B-4CFE-A99F-067717C09B18}" presName="childText" presStyleLbl="revTx" presStyleIdx="2" presStyleCnt="4">
@@ -15627,13 +16396,6 @@
         </dgm:presLayoutVars>
       </dgm:prSet>
       <dgm:spPr/>
-      <dgm:t>
-        <a:bodyPr/>
-        <a:lstStyle/>
-        <a:p>
-          <a:endParaRPr lang="de-DE"/>
-        </a:p>
-      </dgm:t>
     </dgm:pt>
     <dgm:pt modelId="{760C88F2-6D17-466D-9B38-9219D2168D01}" type="pres">
       <dgm:prSet presAssocID="{F855C7E7-A51F-49B6-A2B3-7E6AC3F8F76C}" presName="parentText" presStyleLbl="node1" presStyleIdx="3" presStyleCnt="4">
@@ -15643,13 +16405,6 @@
         </dgm:presLayoutVars>
       </dgm:prSet>
       <dgm:spPr/>
-      <dgm:t>
-        <a:bodyPr/>
-        <a:lstStyle/>
-        <a:p>
-          <a:endParaRPr lang="de-DE"/>
-        </a:p>
-      </dgm:t>
     </dgm:pt>
     <dgm:pt modelId="{230448D9-3172-485A-8975-56C6CDBDF809}" type="pres">
       <dgm:prSet presAssocID="{F855C7E7-A51F-49B6-A2B3-7E6AC3F8F76C}" presName="childText" presStyleLbl="revTx" presStyleIdx="3" presStyleCnt="4">
@@ -15658,41 +16413,34 @@
         </dgm:presLayoutVars>
       </dgm:prSet>
       <dgm:spPr/>
-      <dgm:t>
-        <a:bodyPr/>
-        <a:lstStyle/>
-        <a:p>
-          <a:endParaRPr lang="de-DE"/>
-        </a:p>
-      </dgm:t>
     </dgm:pt>
   </dgm:ptLst>
   <dgm:cxnLst>
+    <dgm:cxn modelId="{C7FDC6DC-7E20-4ABF-92A3-EF504419C9EB}" type="presOf" srcId="{F0ADC228-6EAB-404D-88E2-2E74C7CE12F2}" destId="{46ECFA6A-E0E9-41F6-BC27-A0D3A41B681A}" srcOrd="0" destOrd="0" presId="urn:microsoft.com/office/officeart/2005/8/layout/vList2"/>
+    <dgm:cxn modelId="{0542BBC6-C412-4CDA-A4A2-BC05D4BA4450}" srcId="{7E247A59-008E-419A-A44E-29EE95F9DC78}" destId="{BBBB4A4D-E8D7-444A-A9B5-6D122C54A65E}" srcOrd="1" destOrd="0" parTransId="{1A86641A-4EF6-4B41-8205-0F2137F2531C}" sibTransId="{560EE5C0-DAC7-4E66-AE24-C14B9707E9C4}"/>
+    <dgm:cxn modelId="{1879BC75-FC1D-4B77-AE4E-B4EB64CC4A6F}" srcId="{0AD89C1C-8DAA-4D7F-9C2E-C361505B697B}" destId="{7A5A026D-84E7-4E34-934C-BBB301DBA672}" srcOrd="1" destOrd="0" parTransId="{A1EEBAEA-1B2E-432B-9D29-7757616CE222}" sibTransId="{974D8936-B1AD-4C46-A562-E695CC00DF71}"/>
+    <dgm:cxn modelId="{09A4A25D-24A1-4577-8B4A-56335F6CF89A}" srcId="{BBBB4A4D-E8D7-444A-A9B5-6D122C54A65E}" destId="{9659240A-A016-4A49-941B-466FEC82D263}" srcOrd="0" destOrd="0" parTransId="{BCE1ECCA-C6E9-4866-B9D7-B07C6E775CD3}" sibTransId="{B621AD7F-A0E9-4957-BD99-83CBED95C76B}"/>
+    <dgm:cxn modelId="{95336632-16F8-4B0D-B15F-71FD5BF53727}" type="presOf" srcId="{0AD89C1C-8DAA-4D7F-9C2E-C361505B697B}" destId="{230448D9-3172-485A-8975-56C6CDBDF809}" srcOrd="0" destOrd="0" presId="urn:microsoft.com/office/officeart/2005/8/layout/vList2"/>
+    <dgm:cxn modelId="{6ED4F8B1-3704-45E8-8A2B-F79B39200A3B}" type="presOf" srcId="{05AD67F5-8C1F-4898-B985-0818DC6737B6}" destId="{D28AA118-9CC0-4C0B-8DDA-7F25EA87D375}" srcOrd="0" destOrd="0" presId="urn:microsoft.com/office/officeart/2005/8/layout/vList2"/>
+    <dgm:cxn modelId="{4E52D671-00C9-40FB-B3CC-5AA1DC9A4071}" type="presOf" srcId="{7A5A026D-84E7-4E34-934C-BBB301DBA672}" destId="{230448D9-3172-485A-8975-56C6CDBDF809}" srcOrd="0" destOrd="2" presId="urn:microsoft.com/office/officeart/2005/8/layout/vList2"/>
+    <dgm:cxn modelId="{000200AC-7506-4383-82D5-783EB8DD2D59}" type="presOf" srcId="{D048F635-AA9E-452C-A576-CF759C7AD44F}" destId="{870592BB-C499-444A-8366-AE0A29609B7B}" srcOrd="0" destOrd="1" presId="urn:microsoft.com/office/officeart/2005/8/layout/vList2"/>
+    <dgm:cxn modelId="{34ECB556-8120-4CC9-9B69-A8305AF92A4F}" srcId="{0AD89C1C-8DAA-4D7F-9C2E-C361505B697B}" destId="{523FD5ED-FB2C-4AA6-BDC2-4BE637BAF059}" srcOrd="0" destOrd="0" parTransId="{6E9FF694-0B42-43A8-8D80-EADE94C87217}" sibTransId="{579A1E41-D3B7-4E0E-BEFA-0FAC15ECD128}"/>
+    <dgm:cxn modelId="{DD0DC879-52E8-4036-9A37-082173C6671F}" srcId="{7E247A59-008E-419A-A44E-29EE95F9DC78}" destId="{F855C7E7-A51F-49B6-A2B3-7E6AC3F8F76C}" srcOrd="3" destOrd="0" parTransId="{1F90EA7A-AB74-4924-862F-B10616F1E058}" sibTransId="{553D0321-A66E-4BAF-B1F4-3BBF5841ABDD}"/>
+    <dgm:cxn modelId="{1F8AF835-6D4F-4AAA-91E1-240C5D11DDB2}" type="presOf" srcId="{F855C7E7-A51F-49B6-A2B3-7E6AC3F8F76C}" destId="{760C88F2-6D17-466D-9B38-9219D2168D01}" srcOrd="0" destOrd="0" presId="urn:microsoft.com/office/officeart/2005/8/layout/vList2"/>
+    <dgm:cxn modelId="{FA4CE600-E846-49F8-824E-CBF264DA2CF9}" type="presOf" srcId="{BBBB4A4D-E8D7-444A-A9B5-6D122C54A65E}" destId="{10BCF072-5126-4E7E-87FE-49252D1F9F0B}" srcOrd="0" destOrd="0" presId="urn:microsoft.com/office/officeart/2005/8/layout/vList2"/>
+    <dgm:cxn modelId="{3A8F517F-DAE0-4E05-8441-AD38D754B666}" srcId="{7E247A59-008E-419A-A44E-29EE95F9DC78}" destId="{C3E0E1EE-5798-473D-907B-B686B920B505}" srcOrd="0" destOrd="0" parTransId="{4F628074-E509-4007-BDE7-4F8BC50044BE}" sibTransId="{3976CA15-F719-4642-BCA5-42D3630C36E7}"/>
+    <dgm:cxn modelId="{D21EF845-EDE1-4A2F-96F9-118F7C468437}" type="presOf" srcId="{523FD5ED-FB2C-4AA6-BDC2-4BE637BAF059}" destId="{230448D9-3172-485A-8975-56C6CDBDF809}" srcOrd="0" destOrd="1" presId="urn:microsoft.com/office/officeart/2005/8/layout/vList2"/>
+    <dgm:cxn modelId="{EC81A86E-CE8E-4F66-9EC8-A7DEB0D77505}" type="presOf" srcId="{44BD833A-8D5B-4CFE-A99F-067717C09B18}" destId="{47C85901-5F67-4C2A-BBCD-48BC78EA00D9}" srcOrd="0" destOrd="0" presId="urn:microsoft.com/office/officeart/2005/8/layout/vList2"/>
+    <dgm:cxn modelId="{66483A7F-BC03-41C6-A8DD-9A3685E42BC8}" srcId="{0AD89C1C-8DAA-4D7F-9C2E-C361505B697B}" destId="{723671E7-B5F9-4453-AE27-B932ABFD0B47}" srcOrd="2" destOrd="0" parTransId="{EED805C9-CF13-4631-8358-90DD9E044A6D}" sibTransId="{D1E63EAE-1F88-4E65-A566-50D784DF517A}"/>
+    <dgm:cxn modelId="{3A67130B-0006-44A0-8967-10556F95FB1C}" type="presOf" srcId="{7E247A59-008E-419A-A44E-29EE95F9DC78}" destId="{7C043A39-CE24-4EB9-9DD1-ADEA51ADBF35}" srcOrd="0" destOrd="0" presId="urn:microsoft.com/office/officeart/2005/8/layout/vList2"/>
     <dgm:cxn modelId="{86310F84-7646-4282-84AC-D71A56532A20}" srcId="{F855C7E7-A51F-49B6-A2B3-7E6AC3F8F76C}" destId="{0AD89C1C-8DAA-4D7F-9C2E-C361505B697B}" srcOrd="0" destOrd="0" parTransId="{8ECBAABC-A718-41C3-A5DD-8E1288F4DC12}" sibTransId="{D608F9E3-09FC-433D-9ED4-D2D3038F3449}"/>
-    <dgm:cxn modelId="{0542BBC6-C412-4CDA-A4A2-BC05D4BA4450}" srcId="{7E247A59-008E-419A-A44E-29EE95F9DC78}" destId="{BBBB4A4D-E8D7-444A-A9B5-6D122C54A65E}" srcOrd="1" destOrd="0" parTransId="{1A86641A-4EF6-4B41-8205-0F2137F2531C}" sibTransId="{560EE5C0-DAC7-4E66-AE24-C14B9707E9C4}"/>
+    <dgm:cxn modelId="{842249C9-E00E-4206-9065-B075E6F60E16}" srcId="{BBBB4A4D-E8D7-444A-A9B5-6D122C54A65E}" destId="{D048F635-AA9E-452C-A576-CF759C7AD44F}" srcOrd="1" destOrd="0" parTransId="{FA3190EF-742F-42A1-B8A5-847499710FB8}" sibTransId="{BA52D02F-EEE5-4B69-9D35-9AE81EC1085A}"/>
+    <dgm:cxn modelId="{C58A3DCF-37A3-4E22-9DC1-50D93D3F8684}" srcId="{C3E0E1EE-5798-473D-907B-B686B920B505}" destId="{F0ADC228-6EAB-404D-88E2-2E74C7CE12F2}" srcOrd="0" destOrd="0" parTransId="{E4B1AD14-F139-484F-A5EB-806CAD369A5C}" sibTransId="{9B840F1F-3CE9-470F-B807-AE1151F5B992}"/>
     <dgm:cxn modelId="{BDF345FD-8614-43C5-86F4-FD0F1935CC52}" srcId="{7E247A59-008E-419A-A44E-29EE95F9DC78}" destId="{44BD833A-8D5B-4CFE-A99F-067717C09B18}" srcOrd="2" destOrd="0" parTransId="{3DE2C3E1-638D-434D-8729-8A027C093A4E}" sibTransId="{17A85EC2-3614-40C8-AB16-15965733ACF3}"/>
     <dgm:cxn modelId="{F4E421A6-3907-4114-ABBD-64E6382B8D22}" type="presOf" srcId="{9659240A-A016-4A49-941B-466FEC82D263}" destId="{870592BB-C499-444A-8366-AE0A29609B7B}" srcOrd="0" destOrd="0" presId="urn:microsoft.com/office/officeart/2005/8/layout/vList2"/>
-    <dgm:cxn modelId="{3A67130B-0006-44A0-8967-10556F95FB1C}" type="presOf" srcId="{7E247A59-008E-419A-A44E-29EE95F9DC78}" destId="{7C043A39-CE24-4EB9-9DD1-ADEA51ADBF35}" srcOrd="0" destOrd="0" presId="urn:microsoft.com/office/officeart/2005/8/layout/vList2"/>
-    <dgm:cxn modelId="{C58A3DCF-37A3-4E22-9DC1-50D93D3F8684}" srcId="{C3E0E1EE-5798-473D-907B-B686B920B505}" destId="{F0ADC228-6EAB-404D-88E2-2E74C7CE12F2}" srcOrd="0" destOrd="0" parTransId="{E4B1AD14-F139-484F-A5EB-806CAD369A5C}" sibTransId="{9B840F1F-3CE9-470F-B807-AE1151F5B992}"/>
-    <dgm:cxn modelId="{000200AC-7506-4383-82D5-783EB8DD2D59}" type="presOf" srcId="{D048F635-AA9E-452C-A576-CF759C7AD44F}" destId="{870592BB-C499-444A-8366-AE0A29609B7B}" srcOrd="0" destOrd="1" presId="urn:microsoft.com/office/officeart/2005/8/layout/vList2"/>
-    <dgm:cxn modelId="{09A4A25D-24A1-4577-8B4A-56335F6CF89A}" srcId="{BBBB4A4D-E8D7-444A-A9B5-6D122C54A65E}" destId="{9659240A-A016-4A49-941B-466FEC82D263}" srcOrd="0" destOrd="0" parTransId="{BCE1ECCA-C6E9-4866-B9D7-B07C6E775CD3}" sibTransId="{B621AD7F-A0E9-4957-BD99-83CBED95C76B}"/>
-    <dgm:cxn modelId="{C7FDC6DC-7E20-4ABF-92A3-EF504419C9EB}" type="presOf" srcId="{F0ADC228-6EAB-404D-88E2-2E74C7CE12F2}" destId="{46ECFA6A-E0E9-41F6-BC27-A0D3A41B681A}" srcOrd="0" destOrd="0" presId="urn:microsoft.com/office/officeart/2005/8/layout/vList2"/>
-    <dgm:cxn modelId="{95336632-16F8-4B0D-B15F-71FD5BF53727}" type="presOf" srcId="{0AD89C1C-8DAA-4D7F-9C2E-C361505B697B}" destId="{230448D9-3172-485A-8975-56C6CDBDF809}" srcOrd="0" destOrd="0" presId="urn:microsoft.com/office/officeart/2005/8/layout/vList2"/>
     <dgm:cxn modelId="{51495F89-F0C5-427C-A3F0-E45CE497D687}" type="presOf" srcId="{C3E0E1EE-5798-473D-907B-B686B920B505}" destId="{6EC9B571-2AAD-4AC1-B5C9-64DF398C0AEA}" srcOrd="0" destOrd="0" presId="urn:microsoft.com/office/officeart/2005/8/layout/vList2"/>
-    <dgm:cxn modelId="{DD0DC879-52E8-4036-9A37-082173C6671F}" srcId="{7E247A59-008E-419A-A44E-29EE95F9DC78}" destId="{F855C7E7-A51F-49B6-A2B3-7E6AC3F8F76C}" srcOrd="3" destOrd="0" parTransId="{1F90EA7A-AB74-4924-862F-B10616F1E058}" sibTransId="{553D0321-A66E-4BAF-B1F4-3BBF5841ABDD}"/>
-    <dgm:cxn modelId="{3A8F517F-DAE0-4E05-8441-AD38D754B666}" srcId="{7E247A59-008E-419A-A44E-29EE95F9DC78}" destId="{C3E0E1EE-5798-473D-907B-B686B920B505}" srcOrd="0" destOrd="0" parTransId="{4F628074-E509-4007-BDE7-4F8BC50044BE}" sibTransId="{3976CA15-F719-4642-BCA5-42D3630C36E7}"/>
     <dgm:cxn modelId="{3F8BD614-8008-498A-9013-F418D63823FA}" type="presOf" srcId="{723671E7-B5F9-4453-AE27-B932ABFD0B47}" destId="{230448D9-3172-485A-8975-56C6CDBDF809}" srcOrd="0" destOrd="3" presId="urn:microsoft.com/office/officeart/2005/8/layout/vList2"/>
     <dgm:cxn modelId="{6857FE22-3D7F-4706-9A80-430AB8407190}" srcId="{44BD833A-8D5B-4CFE-A99F-067717C09B18}" destId="{05AD67F5-8C1F-4898-B985-0818DC6737B6}" srcOrd="0" destOrd="0" parTransId="{A8467390-8F5A-4241-B77C-1760C44E4BAC}" sibTransId="{E5FF884C-485C-4746-8876-203557FC7612}"/>
-    <dgm:cxn modelId="{1F8AF835-6D4F-4AAA-91E1-240C5D11DDB2}" type="presOf" srcId="{F855C7E7-A51F-49B6-A2B3-7E6AC3F8F76C}" destId="{760C88F2-6D17-466D-9B38-9219D2168D01}" srcOrd="0" destOrd="0" presId="urn:microsoft.com/office/officeart/2005/8/layout/vList2"/>
-    <dgm:cxn modelId="{1879BC75-FC1D-4B77-AE4E-B4EB64CC4A6F}" srcId="{0AD89C1C-8DAA-4D7F-9C2E-C361505B697B}" destId="{7A5A026D-84E7-4E34-934C-BBB301DBA672}" srcOrd="1" destOrd="0" parTransId="{A1EEBAEA-1B2E-432B-9D29-7757616CE222}" sibTransId="{974D8936-B1AD-4C46-A562-E695CC00DF71}"/>
-    <dgm:cxn modelId="{D21EF845-EDE1-4A2F-96F9-118F7C468437}" type="presOf" srcId="{523FD5ED-FB2C-4AA6-BDC2-4BE637BAF059}" destId="{230448D9-3172-485A-8975-56C6CDBDF809}" srcOrd="0" destOrd="1" presId="urn:microsoft.com/office/officeart/2005/8/layout/vList2"/>
-    <dgm:cxn modelId="{4E52D671-00C9-40FB-B3CC-5AA1DC9A4071}" type="presOf" srcId="{7A5A026D-84E7-4E34-934C-BBB301DBA672}" destId="{230448D9-3172-485A-8975-56C6CDBDF809}" srcOrd="0" destOrd="2" presId="urn:microsoft.com/office/officeart/2005/8/layout/vList2"/>
-    <dgm:cxn modelId="{6ED4F8B1-3704-45E8-8A2B-F79B39200A3B}" type="presOf" srcId="{05AD67F5-8C1F-4898-B985-0818DC6737B6}" destId="{D28AA118-9CC0-4C0B-8DDA-7F25EA87D375}" srcOrd="0" destOrd="0" presId="urn:microsoft.com/office/officeart/2005/8/layout/vList2"/>
-    <dgm:cxn modelId="{EC81A86E-CE8E-4F66-9EC8-A7DEB0D77505}" type="presOf" srcId="{44BD833A-8D5B-4CFE-A99F-067717C09B18}" destId="{47C85901-5F67-4C2A-BBCD-48BC78EA00D9}" srcOrd="0" destOrd="0" presId="urn:microsoft.com/office/officeart/2005/8/layout/vList2"/>
-    <dgm:cxn modelId="{34ECB556-8120-4CC9-9B69-A8305AF92A4F}" srcId="{0AD89C1C-8DAA-4D7F-9C2E-C361505B697B}" destId="{523FD5ED-FB2C-4AA6-BDC2-4BE637BAF059}" srcOrd="0" destOrd="0" parTransId="{6E9FF694-0B42-43A8-8D80-EADE94C87217}" sibTransId="{579A1E41-D3B7-4E0E-BEFA-0FAC15ECD128}"/>
-    <dgm:cxn modelId="{FA4CE600-E846-49F8-824E-CBF264DA2CF9}" type="presOf" srcId="{BBBB4A4D-E8D7-444A-A9B5-6D122C54A65E}" destId="{10BCF072-5126-4E7E-87FE-49252D1F9F0B}" srcOrd="0" destOrd="0" presId="urn:microsoft.com/office/officeart/2005/8/layout/vList2"/>
-    <dgm:cxn modelId="{842249C9-E00E-4206-9065-B075E6F60E16}" srcId="{BBBB4A4D-E8D7-444A-A9B5-6D122C54A65E}" destId="{D048F635-AA9E-452C-A576-CF759C7AD44F}" srcOrd="1" destOrd="0" parTransId="{FA3190EF-742F-42A1-B8A5-847499710FB8}" sibTransId="{BA52D02F-EEE5-4B69-9D35-9AE81EC1085A}"/>
-    <dgm:cxn modelId="{66483A7F-BC03-41C6-A8DD-9A3685E42BC8}" srcId="{0AD89C1C-8DAA-4D7F-9C2E-C361505B697B}" destId="{723671E7-B5F9-4453-AE27-B932ABFD0B47}" srcOrd="2" destOrd="0" parTransId="{EED805C9-CF13-4631-8358-90DD9E044A6D}" sibTransId="{D1E63EAE-1F88-4E65-A566-50D784DF517A}"/>
     <dgm:cxn modelId="{1608781F-A093-4037-871A-437F37C3CF49}" type="presParOf" srcId="{7C043A39-CE24-4EB9-9DD1-ADEA51ADBF35}" destId="{6EC9B571-2AAD-4AC1-B5C9-64DF398C0AEA}" srcOrd="0" destOrd="0" presId="urn:microsoft.com/office/officeart/2005/8/layout/vList2"/>
     <dgm:cxn modelId="{2112706A-A43F-4883-A48C-8BC676E5CD2F}" type="presParOf" srcId="{7C043A39-CE24-4EB9-9DD1-ADEA51ADBF35}" destId="{46ECFA6A-E0E9-41F6-BC27-A0D3A41B681A}" srcOrd="1" destOrd="0" presId="urn:microsoft.com/office/officeart/2005/8/layout/vList2"/>
     <dgm:cxn modelId="{B2D942F5-17F9-480C-B9EA-2B0334CEC6C8}" type="presParOf" srcId="{7C043A39-CE24-4EB9-9DD1-ADEA51ADBF35}" destId="{10BCF072-5126-4E7E-87FE-49252D1F9F0B}" srcOrd="2" destOrd="0" presId="urn:microsoft.com/office/officeart/2005/8/layout/vList2"/>
@@ -15706,106 +16454,7 @@
   <dgm:whole/>
   <dgm:extLst>
     <a:ext uri="http://schemas.microsoft.com/office/drawing/2008/diagram">
-      <dsp:dataModelExt xmlns:dsp="http://schemas.microsoft.com/office/drawing/2008/diagram" relId="rId7" minVer="http://schemas.openxmlformats.org/drawingml/2006/diagram"/>
-    </a:ext>
-  </dgm:extLst>
-</dgm:dataModel>
-</file>
-
-<file path=ppt/diagrams/data9.xml><?xml version="1.0" encoding="utf-8"?>
-<dgm:dataModel xmlns:dgm="http://schemas.openxmlformats.org/drawingml/2006/diagram" xmlns:a="http://schemas.openxmlformats.org/drawingml/2006/main">
-  <dgm:ptLst>
-    <dgm:pt modelId="{7E247A59-008E-419A-A44E-29EE95F9DC78}" type="doc">
-      <dgm:prSet loTypeId="urn:microsoft.com/office/officeart/2005/8/layout/vList2" loCatId="list" qsTypeId="urn:microsoft.com/office/officeart/2005/8/quickstyle/simple1" qsCatId="simple" csTypeId="urn:microsoft.com/office/officeart/2005/8/colors/accent1_2" csCatId="accent1" phldr="1"/>
-      <dgm:spPr/>
-      <dgm:t>
-        <a:bodyPr/>
-        <a:lstStyle/>
-        <a:p>
-          <a:endParaRPr lang="de-DE"/>
-        </a:p>
-      </dgm:t>
-    </dgm:pt>
-    <dgm:pt modelId="{C3E0E1EE-5798-473D-907B-B686B920B505}">
-      <dgm:prSet/>
-      <dgm:spPr/>
-      <dgm:t>
-        <a:bodyPr/>
-        <a:lstStyle/>
-        <a:p>
-          <a:r>
-            <a:rPr lang="de-DE" dirty="0"/>
-            <a:t>DEMO</a:t>
-          </a:r>
-        </a:p>
-      </dgm:t>
-    </dgm:pt>
-    <dgm:pt modelId="{4F628074-E509-4007-BDE7-4F8BC50044BE}" type="parTrans" cxnId="{3A8F517F-DAE0-4E05-8441-AD38D754B666}">
-      <dgm:prSet/>
-      <dgm:spPr/>
-      <dgm:t>
-        <a:bodyPr/>
-        <a:lstStyle/>
-        <a:p>
-          <a:endParaRPr lang="de-DE"/>
-        </a:p>
-      </dgm:t>
-    </dgm:pt>
-    <dgm:pt modelId="{3976CA15-F719-4642-BCA5-42D3630C36E7}" type="sibTrans" cxnId="{3A8F517F-DAE0-4E05-8441-AD38D754B666}">
-      <dgm:prSet/>
-      <dgm:spPr/>
-      <dgm:t>
-        <a:bodyPr/>
-        <a:lstStyle/>
-        <a:p>
-          <a:endParaRPr lang="de-DE"/>
-        </a:p>
-      </dgm:t>
-    </dgm:pt>
-    <dgm:pt modelId="{7C043A39-CE24-4EB9-9DD1-ADEA51ADBF35}" type="pres">
-      <dgm:prSet presAssocID="{7E247A59-008E-419A-A44E-29EE95F9DC78}" presName="linear" presStyleCnt="0">
-        <dgm:presLayoutVars>
-          <dgm:animLvl val="lvl"/>
-          <dgm:resizeHandles val="exact"/>
-        </dgm:presLayoutVars>
-      </dgm:prSet>
-      <dgm:spPr/>
-      <dgm:t>
-        <a:bodyPr/>
-        <a:lstStyle/>
-        <a:p>
-          <a:endParaRPr lang="de-DE"/>
-        </a:p>
-      </dgm:t>
-    </dgm:pt>
-    <dgm:pt modelId="{6EC9B571-2AAD-4AC1-B5C9-64DF398C0AEA}" type="pres">
-      <dgm:prSet presAssocID="{C3E0E1EE-5798-473D-907B-B686B920B505}" presName="parentText" presStyleLbl="node1" presStyleIdx="0" presStyleCnt="1">
-        <dgm:presLayoutVars>
-          <dgm:chMax val="0"/>
-          <dgm:bulletEnabled val="1"/>
-        </dgm:presLayoutVars>
-      </dgm:prSet>
-      <dgm:spPr/>
-      <dgm:t>
-        <a:bodyPr/>
-        <a:lstStyle/>
-        <a:p>
-          <a:endParaRPr lang="de-DE"/>
-        </a:p>
-      </dgm:t>
-    </dgm:pt>
-  </dgm:ptLst>
-  <dgm:cxnLst>
-    <dgm:cxn modelId="{3A67130B-0006-44A0-8967-10556F95FB1C}" type="presOf" srcId="{7E247A59-008E-419A-A44E-29EE95F9DC78}" destId="{7C043A39-CE24-4EB9-9DD1-ADEA51ADBF35}" srcOrd="0" destOrd="0" presId="urn:microsoft.com/office/officeart/2005/8/layout/vList2"/>
-    <dgm:cxn modelId="{51495F89-F0C5-427C-A3F0-E45CE497D687}" type="presOf" srcId="{C3E0E1EE-5798-473D-907B-B686B920B505}" destId="{6EC9B571-2AAD-4AC1-B5C9-64DF398C0AEA}" srcOrd="0" destOrd="0" presId="urn:microsoft.com/office/officeart/2005/8/layout/vList2"/>
-    <dgm:cxn modelId="{3A8F517F-DAE0-4E05-8441-AD38D754B666}" srcId="{7E247A59-008E-419A-A44E-29EE95F9DC78}" destId="{C3E0E1EE-5798-473D-907B-B686B920B505}" srcOrd="0" destOrd="0" parTransId="{4F628074-E509-4007-BDE7-4F8BC50044BE}" sibTransId="{3976CA15-F719-4642-BCA5-42D3630C36E7}"/>
-    <dgm:cxn modelId="{1608781F-A093-4037-871A-437F37C3CF49}" type="presParOf" srcId="{7C043A39-CE24-4EB9-9DD1-ADEA51ADBF35}" destId="{6EC9B571-2AAD-4AC1-B5C9-64DF398C0AEA}" srcOrd="0" destOrd="0" presId="urn:microsoft.com/office/officeart/2005/8/layout/vList2"/>
-  </dgm:cxnLst>
-  <dgm:bg/>
-  <dgm:whole/>
-  <dgm:extLst>
-    <a:ext uri="http://schemas.microsoft.com/office/drawing/2008/diagram">
-      <dsp:dataModelExt xmlns:dsp="http://schemas.microsoft.com/office/drawing/2008/diagram" relId="rId7" minVer="http://schemas.openxmlformats.org/drawingml/2006/diagram"/>
+      <dsp:dataModelExt xmlns:dsp="http://schemas.microsoft.com/office/drawing/2008/diagram" relId="rId8" minVer="http://schemas.openxmlformats.org/drawingml/2006/diagram"/>
     </a:ext>
   </dgm:extLst>
 </dgm:dataModel>
@@ -15886,7 +16535,7 @@
             <a:spcAft>
               <a:spcPct val="15000"/>
             </a:spcAft>
-            <a:buChar char="••"/>
+            <a:buChar char="•"/>
           </a:pPr>
           <a:r>
             <a:rPr lang="de-DE" sz="2500" kern="1200" dirty="0"/>
@@ -15969,7 +16618,7 @@
         </a:bodyPr>
         <a:lstStyle/>
         <a:p>
-          <a:pPr lvl="0" algn="ctr" defTabSz="2044700" rtl="0">
+          <a:pPr marL="0" lvl="0" indent="0" algn="ctr" defTabSz="2044700" rtl="0">
             <a:lnSpc>
               <a:spcPct val="90000"/>
             </a:lnSpc>
@@ -15979,6 +16628,7 @@
             <a:spcAft>
               <a:spcPct val="35000"/>
             </a:spcAft>
+            <a:buNone/>
           </a:pPr>
           <a:r>
             <a:rPr lang="de-DE" sz="4600" kern="1200" dirty="0"/>
@@ -16058,7 +16708,7 @@
             <a:spcAft>
               <a:spcPct val="15000"/>
             </a:spcAft>
-            <a:buChar char="••"/>
+            <a:buChar char="•"/>
           </a:pPr>
           <a:r>
             <a:rPr lang="de-DE" sz="2500" kern="1200" dirty="0"/>
@@ -16076,7 +16726,7 @@
             <a:spcAft>
               <a:spcPct val="15000"/>
             </a:spcAft>
-            <a:buChar char="••"/>
+            <a:buChar char="•"/>
           </a:pPr>
           <a:r>
             <a:rPr lang="de-DE" sz="2500" kern="1200" dirty="0"/>
@@ -16144,7 +16794,7 @@
         </a:bodyPr>
         <a:lstStyle/>
         <a:p>
-          <a:pPr lvl="0" algn="ctr" defTabSz="2044700">
+          <a:pPr marL="0" lvl="0" indent="0" algn="ctr" defTabSz="2044700">
             <a:lnSpc>
               <a:spcPct val="90000"/>
             </a:lnSpc>
@@ -16154,6 +16804,7 @@
             <a:spcAft>
               <a:spcPct val="35000"/>
             </a:spcAft>
+            <a:buNone/>
           </a:pPr>
           <a:r>
             <a:rPr lang="de-DE" sz="4600" kern="1200"/>
@@ -16233,7 +16884,7 @@
             <a:spcAft>
               <a:spcPct val="15000"/>
             </a:spcAft>
-            <a:buChar char="••"/>
+            <a:buChar char="•"/>
           </a:pPr>
           <a:r>
             <a:rPr lang="de-DE" sz="2500" kern="1200" dirty="0"/>
@@ -16308,7 +16959,7 @@
         </a:bodyPr>
         <a:lstStyle/>
         <a:p>
-          <a:pPr lvl="0" algn="ctr" defTabSz="2044700" rtl="0">
+          <a:pPr marL="0" lvl="0" indent="0" algn="ctr" defTabSz="2044700" rtl="0">
             <a:lnSpc>
               <a:spcPct val="90000"/>
             </a:lnSpc>
@@ -16318,6 +16969,7 @@
             <a:spcAft>
               <a:spcPct val="35000"/>
             </a:spcAft>
+            <a:buNone/>
           </a:pPr>
           <a:r>
             <a:rPr lang="de-DE" sz="4600" kern="1200" dirty="0"/>
@@ -16397,7 +17049,7 @@
         </a:bodyPr>
         <a:lstStyle/>
         <a:p>
-          <a:pPr lvl="0" algn="l" defTabSz="2889250">
+          <a:pPr marL="0" lvl="0" indent="0" algn="l" defTabSz="2889250">
             <a:lnSpc>
               <a:spcPct val="90000"/>
             </a:lnSpc>
@@ -16407,6 +17059,7 @@
             <a:spcAft>
               <a:spcPct val="35000"/>
             </a:spcAft>
+            <a:buNone/>
           </a:pPr>
           <a:r>
             <a:rPr lang="de-DE" sz="6500" kern="1200" dirty="0"/>
@@ -16486,7 +17139,7 @@
         </a:bodyPr>
         <a:lstStyle/>
         <a:p>
-          <a:pPr lvl="0" algn="l" defTabSz="2889250">
+          <a:pPr marL="0" lvl="0" indent="0" algn="l" defTabSz="2889250">
             <a:lnSpc>
               <a:spcPct val="90000"/>
             </a:lnSpc>
@@ -16496,6 +17149,7 @@
             <a:spcAft>
               <a:spcPct val="35000"/>
             </a:spcAft>
+            <a:buNone/>
           </a:pPr>
           <a:r>
             <a:rPr lang="de-DE" sz="6500" kern="1200" dirty="0"/>
@@ -16513,6 +17167,96 @@
 </file>
 
 <file path=ppt/diagrams/drawing12.xml><?xml version="1.0" encoding="utf-8"?>
+<dsp:drawing xmlns:dgm="http://schemas.openxmlformats.org/drawingml/2006/diagram" xmlns:dsp="http://schemas.microsoft.com/office/drawing/2008/diagram" xmlns:a="http://schemas.openxmlformats.org/drawingml/2006/main">
+  <dsp:spTree>
+    <dsp:nvGrpSpPr>
+      <dsp:cNvPr id="0" name=""/>
+      <dsp:cNvGrpSpPr/>
+    </dsp:nvGrpSpPr>
+    <dsp:grpSpPr/>
+    <dsp:sp modelId="{6EC9B571-2AAD-4AC1-B5C9-64DF398C0AEA}">
+      <dsp:nvSpPr>
+        <dsp:cNvPr id="0" name=""/>
+        <dsp:cNvSpPr/>
+      </dsp:nvSpPr>
+      <dsp:spPr>
+        <a:xfrm>
+          <a:off x="0" y="1530299"/>
+          <a:ext cx="10515600" cy="1559025"/>
+        </a:xfrm>
+        <a:prstGeom prst="roundRect">
+          <a:avLst/>
+        </a:prstGeom>
+        <a:solidFill>
+          <a:schemeClr val="accent1">
+            <a:hueOff val="0"/>
+            <a:satOff val="0"/>
+            <a:lumOff val="0"/>
+            <a:alphaOff val="0"/>
+          </a:schemeClr>
+        </a:solidFill>
+        <a:ln w="12700" cap="flat" cmpd="sng" algn="ctr">
+          <a:solidFill>
+            <a:schemeClr val="lt1">
+              <a:hueOff val="0"/>
+              <a:satOff val="0"/>
+              <a:lumOff val="0"/>
+              <a:alphaOff val="0"/>
+            </a:schemeClr>
+          </a:solidFill>
+          <a:prstDash val="solid"/>
+          <a:miter lim="800000"/>
+        </a:ln>
+        <a:effectLst/>
+      </dsp:spPr>
+      <dsp:style>
+        <a:lnRef idx="2">
+          <a:scrgbClr r="0" g="0" b="0"/>
+        </a:lnRef>
+        <a:fillRef idx="1">
+          <a:scrgbClr r="0" g="0" b="0"/>
+        </a:fillRef>
+        <a:effectRef idx="0">
+          <a:scrgbClr r="0" g="0" b="0"/>
+        </a:effectRef>
+        <a:fontRef idx="minor">
+          <a:schemeClr val="lt1"/>
+        </a:fontRef>
+      </dsp:style>
+      <dsp:txBody>
+        <a:bodyPr spcFirstLastPara="0" vert="horz" wrap="square" lIns="247650" tIns="247650" rIns="247650" bIns="247650" numCol="1" spcCol="1270" anchor="ctr" anchorCtr="0">
+          <a:noAutofit/>
+        </a:bodyPr>
+        <a:lstStyle/>
+        <a:p>
+          <a:pPr marL="0" lvl="0" indent="0" algn="l" defTabSz="2889250">
+            <a:lnSpc>
+              <a:spcPct val="90000"/>
+            </a:lnSpc>
+            <a:spcBef>
+              <a:spcPct val="0"/>
+            </a:spcBef>
+            <a:spcAft>
+              <a:spcPct val="35000"/>
+            </a:spcAft>
+            <a:buNone/>
+          </a:pPr>
+          <a:r>
+            <a:rPr lang="de-DE" sz="6500" kern="1200" dirty="0"/>
+            <a:t>DEMO</a:t>
+          </a:r>
+        </a:p>
+      </dsp:txBody>
+      <dsp:txXfrm>
+        <a:off x="76105" y="1606404"/>
+        <a:ext cx="10363390" cy="1406815"/>
+      </dsp:txXfrm>
+    </dsp:sp>
+  </dsp:spTree>
+</dsp:drawing>
+</file>
+
+<file path=ppt/diagrams/drawing13.xml><?xml version="1.0" encoding="utf-8"?>
 <dsp:drawing xmlns:dgm="http://schemas.openxmlformats.org/drawingml/2006/diagram" xmlns:dsp="http://schemas.microsoft.com/office/drawing/2008/diagram" xmlns:a="http://schemas.openxmlformats.org/drawingml/2006/main">
   <dsp:spTree>
     <dsp:nvGrpSpPr>
@@ -16575,7 +17319,7 @@
         </a:bodyPr>
         <a:lstStyle/>
         <a:p>
-          <a:pPr lvl="0" algn="l" defTabSz="2889250">
+          <a:pPr marL="0" lvl="0" indent="0" algn="l" defTabSz="2889250">
             <a:lnSpc>
               <a:spcPct val="90000"/>
             </a:lnSpc>
@@ -16585,6 +17329,7 @@
             <a:spcAft>
               <a:spcPct val="35000"/>
             </a:spcAft>
+            <a:buNone/>
           </a:pPr>
           <a:r>
             <a:rPr lang="de-DE" sz="6500" kern="1200" dirty="0"/>
@@ -16644,7 +17389,7 @@
             <a:spcAft>
               <a:spcPct val="20000"/>
             </a:spcAft>
-            <a:buChar char="••"/>
+            <a:buChar char="•"/>
           </a:pPr>
           <a:r>
             <a:rPr lang="de-DE" sz="5100" kern="1200" dirty="0"/>
@@ -16655,95 +17400,6 @@
       <dsp:txXfrm>
         <a:off x="0" y="2551125"/>
         <a:ext cx="10515600" cy="1076400"/>
-      </dsp:txXfrm>
-    </dsp:sp>
-  </dsp:spTree>
-</dsp:drawing>
-</file>
-
-<file path=ppt/diagrams/drawing13.xml><?xml version="1.0" encoding="utf-8"?>
-<dsp:drawing xmlns:dgm="http://schemas.openxmlformats.org/drawingml/2006/diagram" xmlns:dsp="http://schemas.microsoft.com/office/drawing/2008/diagram" xmlns:a="http://schemas.openxmlformats.org/drawingml/2006/main">
-  <dsp:spTree>
-    <dsp:nvGrpSpPr>
-      <dsp:cNvPr id="0" name=""/>
-      <dsp:cNvGrpSpPr/>
-    </dsp:nvGrpSpPr>
-    <dsp:grpSpPr/>
-    <dsp:sp modelId="{6EC9B571-2AAD-4AC1-B5C9-64DF398C0AEA}">
-      <dsp:nvSpPr>
-        <dsp:cNvPr id="0" name=""/>
-        <dsp:cNvSpPr/>
-      </dsp:nvSpPr>
-      <dsp:spPr>
-        <a:xfrm>
-          <a:off x="0" y="1530299"/>
-          <a:ext cx="10515600" cy="1559025"/>
-        </a:xfrm>
-        <a:prstGeom prst="roundRect">
-          <a:avLst/>
-        </a:prstGeom>
-        <a:solidFill>
-          <a:schemeClr val="accent1">
-            <a:hueOff val="0"/>
-            <a:satOff val="0"/>
-            <a:lumOff val="0"/>
-            <a:alphaOff val="0"/>
-          </a:schemeClr>
-        </a:solidFill>
-        <a:ln w="12700" cap="flat" cmpd="sng" algn="ctr">
-          <a:solidFill>
-            <a:schemeClr val="lt1">
-              <a:hueOff val="0"/>
-              <a:satOff val="0"/>
-              <a:lumOff val="0"/>
-              <a:alphaOff val="0"/>
-            </a:schemeClr>
-          </a:solidFill>
-          <a:prstDash val="solid"/>
-          <a:miter lim="800000"/>
-        </a:ln>
-        <a:effectLst/>
-      </dsp:spPr>
-      <dsp:style>
-        <a:lnRef idx="2">
-          <a:scrgbClr r="0" g="0" b="0"/>
-        </a:lnRef>
-        <a:fillRef idx="1">
-          <a:scrgbClr r="0" g="0" b="0"/>
-        </a:fillRef>
-        <a:effectRef idx="0">
-          <a:scrgbClr r="0" g="0" b="0"/>
-        </a:effectRef>
-        <a:fontRef idx="minor">
-          <a:schemeClr val="lt1"/>
-        </a:fontRef>
-      </dsp:style>
-      <dsp:txBody>
-        <a:bodyPr spcFirstLastPara="0" vert="horz" wrap="square" lIns="247650" tIns="247650" rIns="247650" bIns="247650" numCol="1" spcCol="1270" anchor="ctr" anchorCtr="0">
-          <a:noAutofit/>
-        </a:bodyPr>
-        <a:lstStyle/>
-        <a:p>
-          <a:pPr lvl="0" algn="l" defTabSz="2889250">
-            <a:lnSpc>
-              <a:spcPct val="90000"/>
-            </a:lnSpc>
-            <a:spcBef>
-              <a:spcPct val="0"/>
-            </a:spcBef>
-            <a:spcAft>
-              <a:spcPct val="35000"/>
-            </a:spcAft>
-          </a:pPr>
-          <a:r>
-            <a:rPr lang="de-DE" sz="6500" kern="1200" dirty="0"/>
-            <a:t>DEMO</a:t>
-          </a:r>
-        </a:p>
-      </dsp:txBody>
-      <dsp:txXfrm>
-        <a:off x="76105" y="1606404"/>
-        <a:ext cx="10363390" cy="1406815"/>
       </dsp:txXfrm>
     </dsp:sp>
   </dsp:spTree>
@@ -16813,7 +17469,7 @@
         </a:bodyPr>
         <a:lstStyle/>
         <a:p>
-          <a:pPr lvl="0" algn="l" defTabSz="2889250">
+          <a:pPr marL="0" lvl="0" indent="0" algn="l" defTabSz="2889250">
             <a:lnSpc>
               <a:spcPct val="90000"/>
             </a:lnSpc>
@@ -16823,6 +17479,7 @@
             <a:spcAft>
               <a:spcPct val="35000"/>
             </a:spcAft>
+            <a:buNone/>
           </a:pPr>
           <a:r>
             <a:rPr lang="de-DE" sz="6500" kern="1200" dirty="0"/>
@@ -16840,6 +17497,96 @@
 </file>
 
 <file path=ppt/diagrams/drawing15.xml><?xml version="1.0" encoding="utf-8"?>
+<dsp:drawing xmlns:dgm="http://schemas.openxmlformats.org/drawingml/2006/diagram" xmlns:dsp="http://schemas.microsoft.com/office/drawing/2008/diagram" xmlns:a="http://schemas.openxmlformats.org/drawingml/2006/main">
+  <dsp:spTree>
+    <dsp:nvGrpSpPr>
+      <dsp:cNvPr id="0" name=""/>
+      <dsp:cNvGrpSpPr/>
+    </dsp:nvGrpSpPr>
+    <dsp:grpSpPr/>
+    <dsp:sp modelId="{6EC9B571-2AAD-4AC1-B5C9-64DF398C0AEA}">
+      <dsp:nvSpPr>
+        <dsp:cNvPr id="0" name=""/>
+        <dsp:cNvSpPr/>
+      </dsp:nvSpPr>
+      <dsp:spPr>
+        <a:xfrm>
+          <a:off x="0" y="1530299"/>
+          <a:ext cx="10515600" cy="1559025"/>
+        </a:xfrm>
+        <a:prstGeom prst="roundRect">
+          <a:avLst/>
+        </a:prstGeom>
+        <a:solidFill>
+          <a:schemeClr val="accent1">
+            <a:hueOff val="0"/>
+            <a:satOff val="0"/>
+            <a:lumOff val="0"/>
+            <a:alphaOff val="0"/>
+          </a:schemeClr>
+        </a:solidFill>
+        <a:ln w="12700" cap="flat" cmpd="sng" algn="ctr">
+          <a:solidFill>
+            <a:schemeClr val="lt1">
+              <a:hueOff val="0"/>
+              <a:satOff val="0"/>
+              <a:lumOff val="0"/>
+              <a:alphaOff val="0"/>
+            </a:schemeClr>
+          </a:solidFill>
+          <a:prstDash val="solid"/>
+          <a:miter lim="800000"/>
+        </a:ln>
+        <a:effectLst/>
+      </dsp:spPr>
+      <dsp:style>
+        <a:lnRef idx="2">
+          <a:scrgbClr r="0" g="0" b="0"/>
+        </a:lnRef>
+        <a:fillRef idx="1">
+          <a:scrgbClr r="0" g="0" b="0"/>
+        </a:fillRef>
+        <a:effectRef idx="0">
+          <a:scrgbClr r="0" g="0" b="0"/>
+        </a:effectRef>
+        <a:fontRef idx="minor">
+          <a:schemeClr val="lt1"/>
+        </a:fontRef>
+      </dsp:style>
+      <dsp:txBody>
+        <a:bodyPr spcFirstLastPara="0" vert="horz" wrap="square" lIns="247650" tIns="247650" rIns="247650" bIns="247650" numCol="1" spcCol="1270" anchor="ctr" anchorCtr="0">
+          <a:noAutofit/>
+        </a:bodyPr>
+        <a:lstStyle/>
+        <a:p>
+          <a:pPr marL="0" lvl="0" indent="0" algn="l" defTabSz="2889250">
+            <a:lnSpc>
+              <a:spcPct val="90000"/>
+            </a:lnSpc>
+            <a:spcBef>
+              <a:spcPct val="0"/>
+            </a:spcBef>
+            <a:spcAft>
+              <a:spcPct val="35000"/>
+            </a:spcAft>
+            <a:buNone/>
+          </a:pPr>
+          <a:r>
+            <a:rPr lang="de-DE" sz="6500" kern="1200" dirty="0"/>
+            <a:t>DEMO</a:t>
+          </a:r>
+        </a:p>
+      </dsp:txBody>
+      <dsp:txXfrm>
+        <a:off x="76105" y="1606404"/>
+        <a:ext cx="10363390" cy="1406815"/>
+      </dsp:txXfrm>
+    </dsp:sp>
+  </dsp:spTree>
+</dsp:drawing>
+</file>
+
+<file path=ppt/diagrams/drawing16.xml><?xml version="1.0" encoding="utf-8"?>
 <dsp:drawing xmlns:dgm="http://schemas.openxmlformats.org/drawingml/2006/diagram" xmlns:dsp="http://schemas.microsoft.com/office/drawing/2008/diagram" xmlns:a="http://schemas.openxmlformats.org/drawingml/2006/main">
   <dsp:spTree>
     <dsp:nvGrpSpPr>
@@ -16997,7 +17744,7 @@
         </a:bodyPr>
         <a:lstStyle/>
         <a:p>
-          <a:pPr lvl="0" algn="ctr" defTabSz="1377950">
+          <a:pPr marL="0" lvl="0" indent="0" algn="ctr" defTabSz="1377950">
             <a:lnSpc>
               <a:spcPct val="90000"/>
             </a:lnSpc>
@@ -17007,6 +17754,7 @@
             <a:spcAft>
               <a:spcPct val="35000"/>
             </a:spcAft>
+            <a:buNone/>
           </a:pPr>
           <a:r>
             <a:rPr lang="de-DE" sz="3100" kern="1200" dirty="0"/>
@@ -17095,7 +17843,7 @@
         </a:bodyPr>
         <a:lstStyle/>
         <a:p>
-          <a:pPr lvl="0" algn="ctr" defTabSz="889000">
+          <a:pPr marL="0" lvl="0" indent="0" algn="ctr" defTabSz="889000">
             <a:lnSpc>
               <a:spcPct val="90000"/>
             </a:lnSpc>
@@ -17105,6 +17853,7 @@
             <a:spcAft>
               <a:spcPct val="35000"/>
             </a:spcAft>
+            <a:buNone/>
           </a:pPr>
           <a:r>
             <a:rPr lang="de-DE" sz="2000" kern="1200" dirty="0"/>
@@ -17193,7 +17942,7 @@
         </a:bodyPr>
         <a:lstStyle/>
         <a:p>
-          <a:pPr lvl="0" algn="ctr" defTabSz="889000">
+          <a:pPr marL="0" lvl="0" indent="0" algn="ctr" defTabSz="889000">
             <a:lnSpc>
               <a:spcPct val="90000"/>
             </a:lnSpc>
@@ -17203,6 +17952,7 @@
             <a:spcAft>
               <a:spcPct val="35000"/>
             </a:spcAft>
+            <a:buNone/>
           </a:pPr>
           <a:r>
             <a:rPr lang="de-DE" sz="2000" kern="1200" dirty="0" err="1"/>
@@ -17295,7 +18045,7 @@
         </a:bodyPr>
         <a:lstStyle/>
         <a:p>
-          <a:pPr lvl="0" algn="ctr" defTabSz="889000">
+          <a:pPr marL="0" lvl="0" indent="0" algn="ctr" defTabSz="889000">
             <a:lnSpc>
               <a:spcPct val="90000"/>
             </a:lnSpc>
@@ -17305,6 +18055,7 @@
             <a:spcAft>
               <a:spcPct val="35000"/>
             </a:spcAft>
+            <a:buNone/>
           </a:pPr>
           <a:r>
             <a:rPr lang="de-DE" sz="2000" kern="1200"/>
@@ -17385,13 +18136,13 @@
       </dsp:nvSpPr>
       <dsp:spPr>
         <a:xfrm>
-          <a:off x="0" y="456673"/>
-          <a:ext cx="1150790" cy="1150790"/>
+          <a:off x="276348" y="727239"/>
+          <a:ext cx="614386" cy="612905"/>
         </a:xfrm>
-        <a:prstGeom prst="ellipse">
+        <a:prstGeom prst="rect">
           <a:avLst/>
         </a:prstGeom>
-        <a:blipFill dpi="0" rotWithShape="1">
+        <a:blipFill>
           <a:blip xmlns:r="http://schemas.openxmlformats.org/officeDocument/2006/relationships" r:embed="rId1">
             <a:extLst>
               <a:ext uri="{28A0092B-C50C-407E-A947-70E740481C1C}">
@@ -17401,7 +18152,7 @@
           </a:blip>
           <a:srcRect/>
           <a:stretch>
-            <a:fillRect l="914" t="20564" r="914" b="20564"/>
+            <a:fillRect/>
           </a:stretch>
         </a:blipFill>
         <a:ln w="12700" cap="flat" cmpd="sng" algn="ctr">
@@ -17440,8 +18191,8 @@
       </dsp:nvSpPr>
       <dsp:spPr>
         <a:xfrm>
-          <a:off x="1150790" y="453796"/>
-          <a:ext cx="1726185" cy="1150790"/>
+          <a:off x="922694" y="418374"/>
+          <a:ext cx="1836768" cy="1224512"/>
         </a:xfrm>
         <a:prstGeom prst="rect">
           <a:avLst/>
@@ -17465,12 +18216,12 @@
         <a:fontRef idx="minor"/>
       </dsp:style>
       <dsp:txBody>
-        <a:bodyPr spcFirstLastPara="0" vert="horz" wrap="square" lIns="64770" tIns="64770" rIns="64770" bIns="64770" numCol="1" spcCol="1270" anchor="ctr" anchorCtr="0">
+        <a:bodyPr spcFirstLastPara="0" vert="horz" wrap="square" lIns="68580" tIns="68580" rIns="68580" bIns="68580" numCol="1" spcCol="1270" anchor="ctr" anchorCtr="0">
           <a:noAutofit/>
         </a:bodyPr>
         <a:lstStyle/>
         <a:p>
-          <a:pPr lvl="0" algn="l" defTabSz="755650">
+          <a:pPr marL="0" lvl="0" indent="0" algn="l" defTabSz="800100">
             <a:lnSpc>
               <a:spcPct val="90000"/>
             </a:lnSpc>
@@ -17480,21 +18231,22 @@
             <a:spcAft>
               <a:spcPct val="35000"/>
             </a:spcAft>
+            <a:buNone/>
           </a:pPr>
           <a:r>
-            <a:rPr lang="de-DE" sz="1700" kern="1200" dirty="0"/>
+            <a:rPr lang="de-DE" sz="1800" kern="1200" dirty="0"/>
             <a:t>@</a:t>
           </a:r>
           <a:r>
-            <a:rPr lang="de-DE" sz="1700" kern="1200" dirty="0" err="1"/>
+            <a:rPr lang="de-DE" sz="1800" kern="1200" dirty="0" err="1"/>
             <a:t>RobbieDatabee</a:t>
           </a:r>
-          <a:endParaRPr lang="de-DE" sz="1700" kern="1200" dirty="0"/>
+          <a:endParaRPr lang="de-DE" sz="1800" kern="1200" dirty="0"/>
         </a:p>
       </dsp:txBody>
       <dsp:txXfrm>
-        <a:off x="1150790" y="453796"/>
-        <a:ext cx="1726185" cy="1150790"/>
+        <a:off x="922694" y="418374"/>
+        <a:ext cx="1836768" cy="1224512"/>
       </dsp:txXfrm>
     </dsp:sp>
     <dsp:sp modelId="{94E7FD82-9311-4F29-8E71-FE0B28E22F1E}">
@@ -17504,13 +18256,13 @@
       </dsp:nvSpPr>
       <dsp:spPr>
         <a:xfrm>
-          <a:off x="3164672" y="456673"/>
-          <a:ext cx="1150790" cy="1150790"/>
+          <a:off x="3065592" y="727239"/>
+          <a:ext cx="612905" cy="612905"/>
         </a:xfrm>
-        <a:prstGeom prst="ellipse">
+        <a:prstGeom prst="rect">
           <a:avLst/>
         </a:prstGeom>
-        <a:blipFill dpi="0" rotWithShape="1">
+        <a:blipFill>
           <a:blip xmlns:r="http://schemas.openxmlformats.org/officeDocument/2006/relationships" r:embed="rId2">
             <a:extLst>
               <a:ext uri="{28A0092B-C50C-407E-A947-70E740481C1C}">
@@ -17520,7 +18272,7 @@
           </a:blip>
           <a:srcRect/>
           <a:stretch>
-            <a:fillRect l="-3155" t="14564" r="-3155" b="14564"/>
+            <a:fillRect l="-1000" r="-1000"/>
           </a:stretch>
         </a:blipFill>
         <a:ln w="12700" cap="flat" cmpd="sng" algn="ctr">
@@ -17559,8 +18311,8 @@
       </dsp:nvSpPr>
       <dsp:spPr>
         <a:xfrm>
-          <a:off x="4315462" y="453796"/>
-          <a:ext cx="1726185" cy="1150790"/>
+          <a:off x="3744409" y="418374"/>
+          <a:ext cx="2002427" cy="1224512"/>
         </a:xfrm>
         <a:prstGeom prst="rect">
           <a:avLst/>
@@ -17584,12 +18336,12 @@
         <a:fontRef idx="minor"/>
       </dsp:style>
       <dsp:txBody>
-        <a:bodyPr spcFirstLastPara="0" vert="horz" wrap="square" lIns="64770" tIns="64770" rIns="64770" bIns="64770" numCol="1" spcCol="1270" anchor="ctr" anchorCtr="0">
+        <a:bodyPr spcFirstLastPara="0" vert="horz" wrap="square" lIns="68580" tIns="68580" rIns="68580" bIns="68580" numCol="1" spcCol="1270" anchor="ctr" anchorCtr="0">
           <a:noAutofit/>
         </a:bodyPr>
         <a:lstStyle/>
         <a:p>
-          <a:pPr lvl="0" algn="l" defTabSz="755650">
+          <a:pPr marL="0" lvl="0" indent="0" algn="l" defTabSz="800100">
             <a:lnSpc>
               <a:spcPct val="90000"/>
             </a:lnSpc>
@@ -17599,16 +18351,17 @@
             <a:spcAft>
               <a:spcPct val="35000"/>
             </a:spcAft>
+            <a:buNone/>
           </a:pPr>
           <a:r>
-            <a:rPr lang="de-DE" sz="1700" kern="1200" dirty="0"/>
-            <a:t>www.its-people.de/blog	</a:t>
+            <a:rPr lang="de-DE" sz="1800" kern="1200" dirty="0"/>
+            <a:t>blog.its-people.de</a:t>
           </a:r>
         </a:p>
       </dsp:txBody>
       <dsp:txXfrm>
-        <a:off x="4315462" y="453796"/>
-        <a:ext cx="1726185" cy="1150790"/>
+        <a:off x="3744409" y="418374"/>
+        <a:ext cx="2002427" cy="1224512"/>
       </dsp:txXfrm>
     </dsp:sp>
     <dsp:sp modelId="{CBF2CE8D-CFB6-43A9-BCEC-5DE04AF7231C}">
@@ -17618,13 +18371,13 @@
       </dsp:nvSpPr>
       <dsp:spPr>
         <a:xfrm>
-          <a:off x="6329345" y="456673"/>
-          <a:ext cx="1150790" cy="1150790"/>
+          <a:off x="6210027" y="720081"/>
+          <a:ext cx="593129" cy="593129"/>
         </a:xfrm>
-        <a:prstGeom prst="ellipse">
+        <a:prstGeom prst="rect">
           <a:avLst/>
         </a:prstGeom>
-        <a:blipFill dpi="0" rotWithShape="1">
+        <a:blipFill>
           <a:blip xmlns:r="http://schemas.openxmlformats.org/officeDocument/2006/relationships" r:embed="rId3">
             <a:extLst>
               <a:ext uri="{28A0092B-C50C-407E-A947-70E740481C1C}">
@@ -17634,7 +18387,7 @@
           </a:blip>
           <a:srcRect/>
           <a:stretch>
-            <a:fillRect l="-3155" t="16926" r="-3155" b="16926"/>
+            <a:fillRect l="-1000" r="-1000"/>
           </a:stretch>
         </a:blipFill>
         <a:ln w="12700" cap="flat" cmpd="sng" algn="ctr">
@@ -17673,8 +18426,8 @@
       </dsp:nvSpPr>
       <dsp:spPr>
         <a:xfrm>
-          <a:off x="7480135" y="453796"/>
-          <a:ext cx="1726185" cy="1150790"/>
+          <a:off x="6871389" y="418374"/>
+          <a:ext cx="2331686" cy="1224512"/>
         </a:xfrm>
         <a:prstGeom prst="rect">
           <a:avLst/>
@@ -17698,12 +18451,12 @@
         <a:fontRef idx="minor"/>
       </dsp:style>
       <dsp:txBody>
-        <a:bodyPr spcFirstLastPara="0" vert="horz" wrap="square" lIns="64770" tIns="64770" rIns="64770" bIns="64770" numCol="1" spcCol="1270" anchor="ctr" anchorCtr="0">
+        <a:bodyPr spcFirstLastPara="0" vert="horz" wrap="square" lIns="68580" tIns="68580" rIns="68580" bIns="68580" numCol="1" spcCol="1270" anchor="ctr" anchorCtr="0">
           <a:noAutofit/>
         </a:bodyPr>
         <a:lstStyle/>
         <a:p>
-          <a:pPr lvl="0" algn="l" defTabSz="755650">
+          <a:pPr marL="0" lvl="0" indent="0" algn="l" defTabSz="800100">
             <a:lnSpc>
               <a:spcPct val="90000"/>
             </a:lnSpc>
@@ -17713,27 +18466,24 @@
             <a:spcAft>
               <a:spcPct val="35000"/>
             </a:spcAft>
+            <a:buNone/>
           </a:pPr>
           <a:r>
-            <a:rPr lang="de-DE" sz="1700" kern="1200" dirty="0" err="1"/>
+            <a:rPr lang="de-DE" sz="1800" kern="1200" dirty="0" err="1"/>
             <a:t>Robert.Marz</a:t>
           </a:r>
-          <a:r>
-            <a:rPr lang="de-DE" sz="1700" kern="1200" dirty="0"/>
-            <a:t/>
-          </a:r>
           <a:br>
-            <a:rPr lang="de-DE" sz="1700" kern="1200" dirty="0"/>
+            <a:rPr lang="de-DE" sz="1800" kern="1200" dirty="0"/>
           </a:br>
           <a:r>
-            <a:rPr lang="de-DE" sz="1700" kern="1200" dirty="0"/>
+            <a:rPr lang="de-DE" sz="1800" kern="1200" dirty="0"/>
             <a:t>@its-people.de</a:t>
           </a:r>
         </a:p>
       </dsp:txBody>
       <dsp:txXfrm>
-        <a:off x="7480135" y="453796"/>
-        <a:ext cx="1726185" cy="1150790"/>
+        <a:off x="6871389" y="418374"/>
+        <a:ext cx="2331686" cy="1224512"/>
       </dsp:txXfrm>
     </dsp:sp>
   </dsp:spTree>
@@ -17815,7 +18565,7 @@
             <a:spcAft>
               <a:spcPct val="15000"/>
             </a:spcAft>
-            <a:buChar char="••"/>
+            <a:buChar char="•"/>
           </a:pPr>
           <a:r>
             <a:rPr lang="de-DE" sz="2500" kern="1200" dirty="0">
@@ -17926,7 +18676,7 @@
         </a:bodyPr>
         <a:lstStyle/>
         <a:p>
-          <a:pPr lvl="0" algn="ctr" defTabSz="2044700" rtl="0">
+          <a:pPr marL="0" lvl="0" indent="0" algn="ctr" defTabSz="2044700" rtl="0">
             <a:lnSpc>
               <a:spcPct val="90000"/>
             </a:lnSpc>
@@ -17936,6 +18686,7 @@
             <a:spcAft>
               <a:spcPct val="35000"/>
             </a:spcAft>
+            <a:buNone/>
           </a:pPr>
           <a:r>
             <a:rPr lang="de-DE" sz="4600" kern="1200" dirty="0"/>
@@ -18015,7 +18766,7 @@
             <a:spcAft>
               <a:spcPct val="15000"/>
             </a:spcAft>
-            <a:buChar char="••"/>
+            <a:buChar char="•"/>
           </a:pPr>
           <a:r>
             <a:rPr lang="de-DE" sz="2500" kern="1200" dirty="0"/>
@@ -18033,7 +18784,7 @@
             <a:spcAft>
               <a:spcPct val="15000"/>
             </a:spcAft>
-            <a:buChar char="••"/>
+            <a:buChar char="•"/>
           </a:pPr>
           <a:r>
             <a:rPr lang="de-DE" sz="2500" kern="1200" dirty="0">
@@ -18113,7 +18864,7 @@
         </a:bodyPr>
         <a:lstStyle/>
         <a:p>
-          <a:pPr lvl="0" algn="ctr" defTabSz="2044700">
+          <a:pPr marL="0" lvl="0" indent="0" algn="ctr" defTabSz="2044700">
             <a:lnSpc>
               <a:spcPct val="90000"/>
             </a:lnSpc>
@@ -18123,6 +18874,7 @@
             <a:spcAft>
               <a:spcPct val="35000"/>
             </a:spcAft>
+            <a:buNone/>
           </a:pPr>
           <a:r>
             <a:rPr lang="de-DE" sz="4600" kern="1200"/>
@@ -18202,7 +18954,7 @@
             <a:spcAft>
               <a:spcPct val="15000"/>
             </a:spcAft>
-            <a:buChar char="••"/>
+            <a:buChar char="•"/>
           </a:pPr>
           <a:r>
             <a:rPr lang="de-DE" sz="2500" kern="1200" dirty="0">
@@ -18286,7 +19038,7 @@
         </a:bodyPr>
         <a:lstStyle/>
         <a:p>
-          <a:pPr lvl="0" algn="ctr" defTabSz="2044700" rtl="0">
+          <a:pPr marL="0" lvl="0" indent="0" algn="ctr" defTabSz="2044700" rtl="0">
             <a:lnSpc>
               <a:spcPct val="90000"/>
             </a:lnSpc>
@@ -18296,6 +19048,7 @@
             <a:spcAft>
               <a:spcPct val="35000"/>
             </a:spcAft>
+            <a:buNone/>
           </a:pPr>
           <a:r>
             <a:rPr lang="de-DE" sz="4600" kern="1200" dirty="0"/>
@@ -18313,6 +19066,375 @@
 </file>
 
 <file path=ppt/diagrams/drawing4.xml><?xml version="1.0" encoding="utf-8"?>
+<dsp:drawing xmlns:dgm="http://schemas.openxmlformats.org/drawingml/2006/diagram" xmlns:dsp="http://schemas.microsoft.com/office/drawing/2008/diagram" xmlns:a="http://schemas.openxmlformats.org/drawingml/2006/main">
+  <dsp:spTree>
+    <dsp:nvGrpSpPr>
+      <dsp:cNvPr id="0" name=""/>
+      <dsp:cNvGrpSpPr/>
+    </dsp:nvGrpSpPr>
+    <dsp:grpSpPr/>
+    <dsp:sp modelId="{5806C7C0-FCA0-477E-B56D-7444B67D22CB}">
+      <dsp:nvSpPr>
+        <dsp:cNvPr id="0" name=""/>
+        <dsp:cNvSpPr/>
+      </dsp:nvSpPr>
+      <dsp:spPr>
+        <a:xfrm>
+          <a:off x="276348" y="727239"/>
+          <a:ext cx="614386" cy="612905"/>
+        </a:xfrm>
+        <a:prstGeom prst="rect">
+          <a:avLst/>
+        </a:prstGeom>
+        <a:blipFill>
+          <a:blip xmlns:r="http://schemas.openxmlformats.org/officeDocument/2006/relationships" r:embed="rId1">
+            <a:extLst>
+              <a:ext uri="{28A0092B-C50C-407E-A947-70E740481C1C}">
+                <a14:useLocalDpi xmlns:a14="http://schemas.microsoft.com/office/drawing/2010/main" val="0"/>
+              </a:ext>
+            </a:extLst>
+          </a:blip>
+          <a:srcRect/>
+          <a:stretch>
+            <a:fillRect/>
+          </a:stretch>
+        </a:blipFill>
+        <a:ln w="12700" cap="flat" cmpd="sng" algn="ctr">
+          <a:solidFill>
+            <a:schemeClr val="lt1">
+              <a:hueOff val="0"/>
+              <a:satOff val="0"/>
+              <a:lumOff val="0"/>
+              <a:alphaOff val="0"/>
+            </a:schemeClr>
+          </a:solidFill>
+          <a:prstDash val="solid"/>
+          <a:miter lim="800000"/>
+        </a:ln>
+        <a:effectLst/>
+      </dsp:spPr>
+      <dsp:style>
+        <a:lnRef idx="2">
+          <a:scrgbClr r="0" g="0" b="0"/>
+        </a:lnRef>
+        <a:fillRef idx="1">
+          <a:scrgbClr r="0" g="0" b="0"/>
+        </a:fillRef>
+        <a:effectRef idx="0">
+          <a:scrgbClr r="0" g="0" b="0"/>
+        </a:effectRef>
+        <a:fontRef idx="minor">
+          <a:schemeClr val="lt1"/>
+        </a:fontRef>
+      </dsp:style>
+    </dsp:sp>
+    <dsp:sp modelId="{CA9E9B4E-52E5-47F9-94AC-66CAA402F9F8}">
+      <dsp:nvSpPr>
+        <dsp:cNvPr id="0" name=""/>
+        <dsp:cNvSpPr/>
+      </dsp:nvSpPr>
+      <dsp:spPr>
+        <a:xfrm>
+          <a:off x="922694" y="432051"/>
+          <a:ext cx="1836768" cy="1224512"/>
+        </a:xfrm>
+        <a:prstGeom prst="rect">
+          <a:avLst/>
+        </a:prstGeom>
+        <a:noFill/>
+        <a:ln>
+          <a:noFill/>
+        </a:ln>
+        <a:effectLst/>
+      </dsp:spPr>
+      <dsp:style>
+        <a:lnRef idx="0">
+          <a:scrgbClr r="0" g="0" b="0"/>
+        </a:lnRef>
+        <a:fillRef idx="0">
+          <a:scrgbClr r="0" g="0" b="0"/>
+        </a:fillRef>
+        <a:effectRef idx="0">
+          <a:scrgbClr r="0" g="0" b="0"/>
+        </a:effectRef>
+        <a:fontRef idx="minor"/>
+      </dsp:style>
+      <dsp:txBody>
+        <a:bodyPr spcFirstLastPara="0" vert="horz" wrap="square" lIns="68580" tIns="68580" rIns="68580" bIns="68580" numCol="1" spcCol="1270" anchor="ctr" anchorCtr="0">
+          <a:noAutofit/>
+        </a:bodyPr>
+        <a:lstStyle/>
+        <a:p>
+          <a:pPr marL="0" lvl="0" indent="0" algn="l" defTabSz="800100">
+            <a:lnSpc>
+              <a:spcPct val="90000"/>
+            </a:lnSpc>
+            <a:spcBef>
+              <a:spcPct val="0"/>
+            </a:spcBef>
+            <a:spcAft>
+              <a:spcPct val="35000"/>
+            </a:spcAft>
+            <a:buNone/>
+          </a:pPr>
+          <a:r>
+            <a:rPr lang="de-DE" sz="1800" kern="1200" dirty="0"/>
+            <a:t>@</a:t>
+          </a:r>
+          <a:r>
+            <a:rPr lang="de-DE" sz="1800" kern="1200" dirty="0" err="1"/>
+            <a:t>oraesque</a:t>
+          </a:r>
+          <a:endParaRPr lang="de-DE" sz="1800" kern="1200" dirty="0"/>
+        </a:p>
+      </dsp:txBody>
+      <dsp:txXfrm>
+        <a:off x="922694" y="432051"/>
+        <a:ext cx="1836768" cy="1224512"/>
+      </dsp:txXfrm>
+    </dsp:sp>
+    <dsp:sp modelId="{94E7FD82-9311-4F29-8E71-FE0B28E22F1E}">
+      <dsp:nvSpPr>
+        <dsp:cNvPr id="0" name=""/>
+        <dsp:cNvSpPr/>
+      </dsp:nvSpPr>
+      <dsp:spPr>
+        <a:xfrm>
+          <a:off x="3065592" y="727239"/>
+          <a:ext cx="612905" cy="612905"/>
+        </a:xfrm>
+        <a:prstGeom prst="rect">
+          <a:avLst/>
+        </a:prstGeom>
+        <a:blipFill>
+          <a:blip xmlns:r="http://schemas.openxmlformats.org/officeDocument/2006/relationships" r:embed="rId2">
+            <a:extLst>
+              <a:ext uri="{28A0092B-C50C-407E-A947-70E740481C1C}">
+                <a14:useLocalDpi xmlns:a14="http://schemas.microsoft.com/office/drawing/2010/main" val="0"/>
+              </a:ext>
+            </a:extLst>
+          </a:blip>
+          <a:srcRect/>
+          <a:stretch>
+            <a:fillRect l="-1000" r="-1000"/>
+          </a:stretch>
+        </a:blipFill>
+        <a:ln w="12700" cap="flat" cmpd="sng" algn="ctr">
+          <a:solidFill>
+            <a:schemeClr val="lt1">
+              <a:hueOff val="0"/>
+              <a:satOff val="0"/>
+              <a:lumOff val="0"/>
+              <a:alphaOff val="0"/>
+            </a:schemeClr>
+          </a:solidFill>
+          <a:prstDash val="solid"/>
+          <a:miter lim="800000"/>
+        </a:ln>
+        <a:effectLst/>
+      </dsp:spPr>
+      <dsp:style>
+        <a:lnRef idx="2">
+          <a:scrgbClr r="0" g="0" b="0"/>
+        </a:lnRef>
+        <a:fillRef idx="1">
+          <a:scrgbClr r="0" g="0" b="0"/>
+        </a:fillRef>
+        <a:effectRef idx="0">
+          <a:scrgbClr r="0" g="0" b="0"/>
+        </a:effectRef>
+        <a:fontRef idx="minor">
+          <a:schemeClr val="lt1"/>
+        </a:fontRef>
+      </dsp:style>
+    </dsp:sp>
+    <dsp:sp modelId="{1DA57DB4-403B-44F5-BF39-2900B1ECFD47}">
+      <dsp:nvSpPr>
+        <dsp:cNvPr id="0" name=""/>
+        <dsp:cNvSpPr/>
+      </dsp:nvSpPr>
+      <dsp:spPr>
+        <a:xfrm>
+          <a:off x="3744409" y="432051"/>
+          <a:ext cx="2002427" cy="1224512"/>
+        </a:xfrm>
+        <a:prstGeom prst="rect">
+          <a:avLst/>
+        </a:prstGeom>
+        <a:noFill/>
+        <a:ln>
+          <a:noFill/>
+        </a:ln>
+        <a:effectLst/>
+      </dsp:spPr>
+      <dsp:style>
+        <a:lnRef idx="0">
+          <a:scrgbClr r="0" g="0" b="0"/>
+        </a:lnRef>
+        <a:fillRef idx="0">
+          <a:scrgbClr r="0" g="0" b="0"/>
+        </a:fillRef>
+        <a:effectRef idx="0">
+          <a:scrgbClr r="0" g="0" b="0"/>
+        </a:effectRef>
+        <a:fontRef idx="minor"/>
+      </dsp:style>
+      <dsp:txBody>
+        <a:bodyPr spcFirstLastPara="0" vert="horz" wrap="square" lIns="68580" tIns="68580" rIns="68580" bIns="68580" numCol="1" spcCol="1270" anchor="ctr" anchorCtr="0">
+          <a:noAutofit/>
+        </a:bodyPr>
+        <a:lstStyle/>
+        <a:p>
+          <a:pPr marL="0" lvl="0" indent="0" algn="l" defTabSz="800100">
+            <a:lnSpc>
+              <a:spcPct val="90000"/>
+            </a:lnSpc>
+            <a:spcBef>
+              <a:spcPct val="0"/>
+            </a:spcBef>
+            <a:spcAft>
+              <a:spcPct val="35000"/>
+            </a:spcAft>
+            <a:buNone/>
+          </a:pPr>
+          <a:r>
+            <a:rPr lang="de-DE" sz="1800" kern="1200" dirty="0"/>
+            <a:t>blog.its-people.de</a:t>
+          </a:r>
+        </a:p>
+      </dsp:txBody>
+      <dsp:txXfrm>
+        <a:off x="3744409" y="432051"/>
+        <a:ext cx="2002427" cy="1224512"/>
+      </dsp:txXfrm>
+    </dsp:sp>
+    <dsp:sp modelId="{CBF2CE8D-CFB6-43A9-BCEC-5DE04AF7231C}">
+      <dsp:nvSpPr>
+        <dsp:cNvPr id="0" name=""/>
+        <dsp:cNvSpPr/>
+      </dsp:nvSpPr>
+      <dsp:spPr>
+        <a:xfrm>
+          <a:off x="6210027" y="720081"/>
+          <a:ext cx="593129" cy="593129"/>
+        </a:xfrm>
+        <a:prstGeom prst="rect">
+          <a:avLst/>
+        </a:prstGeom>
+        <a:blipFill>
+          <a:blip xmlns:r="http://schemas.openxmlformats.org/officeDocument/2006/relationships" r:embed="rId3">
+            <a:extLst>
+              <a:ext uri="{28A0092B-C50C-407E-A947-70E740481C1C}">
+                <a14:useLocalDpi xmlns:a14="http://schemas.microsoft.com/office/drawing/2010/main" val="0"/>
+              </a:ext>
+            </a:extLst>
+          </a:blip>
+          <a:srcRect/>
+          <a:stretch>
+            <a:fillRect l="-1000" r="-1000"/>
+          </a:stretch>
+        </a:blipFill>
+        <a:ln w="12700" cap="flat" cmpd="sng" algn="ctr">
+          <a:solidFill>
+            <a:schemeClr val="lt1">
+              <a:hueOff val="0"/>
+              <a:satOff val="0"/>
+              <a:lumOff val="0"/>
+              <a:alphaOff val="0"/>
+            </a:schemeClr>
+          </a:solidFill>
+          <a:prstDash val="solid"/>
+          <a:miter lim="800000"/>
+        </a:ln>
+        <a:effectLst/>
+      </dsp:spPr>
+      <dsp:style>
+        <a:lnRef idx="2">
+          <a:scrgbClr r="0" g="0" b="0"/>
+        </a:lnRef>
+        <a:fillRef idx="1">
+          <a:scrgbClr r="0" g="0" b="0"/>
+        </a:fillRef>
+        <a:effectRef idx="0">
+          <a:scrgbClr r="0" g="0" b="0"/>
+        </a:effectRef>
+        <a:fontRef idx="minor">
+          <a:schemeClr val="lt1"/>
+        </a:fontRef>
+      </dsp:style>
+    </dsp:sp>
+    <dsp:sp modelId="{5D711149-18B6-4F73-AF48-E0E619A37466}">
+      <dsp:nvSpPr>
+        <dsp:cNvPr id="0" name=""/>
+        <dsp:cNvSpPr/>
+      </dsp:nvSpPr>
+      <dsp:spPr>
+        <a:xfrm>
+          <a:off x="6871389" y="418374"/>
+          <a:ext cx="2331686" cy="1224512"/>
+        </a:xfrm>
+        <a:prstGeom prst="rect">
+          <a:avLst/>
+        </a:prstGeom>
+        <a:noFill/>
+        <a:ln>
+          <a:noFill/>
+        </a:ln>
+        <a:effectLst/>
+      </dsp:spPr>
+      <dsp:style>
+        <a:lnRef idx="0">
+          <a:scrgbClr r="0" g="0" b="0"/>
+        </a:lnRef>
+        <a:fillRef idx="0">
+          <a:scrgbClr r="0" g="0" b="0"/>
+        </a:fillRef>
+        <a:effectRef idx="0">
+          <a:scrgbClr r="0" g="0" b="0"/>
+        </a:effectRef>
+        <a:fontRef idx="minor"/>
+      </dsp:style>
+      <dsp:txBody>
+        <a:bodyPr spcFirstLastPara="0" vert="horz" wrap="square" lIns="68580" tIns="68580" rIns="68580" bIns="68580" numCol="1" spcCol="1270" anchor="ctr" anchorCtr="0">
+          <a:noAutofit/>
+        </a:bodyPr>
+        <a:lstStyle/>
+        <a:p>
+          <a:pPr marL="0" lvl="0" indent="0" algn="l" defTabSz="800100">
+            <a:lnSpc>
+              <a:spcPct val="90000"/>
+            </a:lnSpc>
+            <a:spcBef>
+              <a:spcPct val="0"/>
+            </a:spcBef>
+            <a:spcAft>
+              <a:spcPct val="35000"/>
+            </a:spcAft>
+            <a:buNone/>
+          </a:pPr>
+          <a:r>
+            <a:rPr lang="de-DE" sz="1800" kern="1200" dirty="0" err="1"/>
+            <a:t>Sabine.Heimsath</a:t>
+          </a:r>
+          <a:br>
+            <a:rPr lang="de-DE" sz="1800" kern="1200" dirty="0"/>
+          </a:br>
+          <a:r>
+            <a:rPr lang="de-DE" sz="1800" kern="1200" dirty="0"/>
+            <a:t>@its-people.de</a:t>
+          </a:r>
+        </a:p>
+      </dsp:txBody>
+      <dsp:txXfrm>
+        <a:off x="6871389" y="418374"/>
+        <a:ext cx="2331686" cy="1224512"/>
+      </dsp:txXfrm>
+    </dsp:sp>
+  </dsp:spTree>
+</dsp:drawing>
+</file>
+
+<file path=ppt/diagrams/drawing5.xml><?xml version="1.0" encoding="utf-8"?>
 <dsp:drawing xmlns:dgm="http://schemas.openxmlformats.org/drawingml/2006/diagram" xmlns:dsp="http://schemas.microsoft.com/office/drawing/2008/diagram" xmlns:a="http://schemas.openxmlformats.org/drawingml/2006/main">
   <dsp:spTree>
     <dsp:nvGrpSpPr>
@@ -18377,7 +19499,7 @@
         </a:bodyPr>
         <a:lstStyle/>
         <a:p>
-          <a:pPr lvl="0" algn="l" defTabSz="1733550">
+          <a:pPr marL="0" lvl="0" indent="0" algn="l" defTabSz="1733550">
             <a:lnSpc>
               <a:spcPct val="90000"/>
             </a:lnSpc>
@@ -18387,6 +19509,7 @@
             <a:spcAft>
               <a:spcPct val="35000"/>
             </a:spcAft>
+            <a:buNone/>
           </a:pPr>
           <a:r>
             <a:rPr lang="de-DE" sz="3900" kern="1200" dirty="0"/>
@@ -18404,7 +19527,7 @@
             <a:spcAft>
               <a:spcPct val="15000"/>
             </a:spcAft>
-            <a:buChar char="••"/>
+            <a:buChar char="•"/>
           </a:pPr>
           <a:r>
             <a:rPr lang="de-DE" sz="3000" kern="1200" dirty="0"/>
@@ -18422,7 +19545,7 @@
             <a:spcAft>
               <a:spcPct val="15000"/>
             </a:spcAft>
-            <a:buChar char="••"/>
+            <a:buChar char="•"/>
           </a:pPr>
           <a:r>
             <a:rPr lang="de-DE" sz="3000" kern="1200" dirty="0"/>
@@ -18541,7 +19664,7 @@
         </a:bodyPr>
         <a:lstStyle/>
         <a:p>
-          <a:pPr lvl="0" algn="l" defTabSz="1733550">
+          <a:pPr marL="0" lvl="0" indent="0" algn="l" defTabSz="1733550">
             <a:lnSpc>
               <a:spcPct val="90000"/>
             </a:lnSpc>
@@ -18551,6 +19674,7 @@
             <a:spcAft>
               <a:spcPct val="35000"/>
             </a:spcAft>
+            <a:buNone/>
           </a:pPr>
           <a:r>
             <a:rPr lang="de-DE" sz="3900" kern="1200" dirty="0"/>
@@ -18568,7 +19692,7 @@
             <a:spcAft>
               <a:spcPct val="15000"/>
             </a:spcAft>
-            <a:buChar char="••"/>
+            <a:buChar char="•"/>
           </a:pPr>
           <a:r>
             <a:rPr lang="de-DE" sz="3000" kern="1200" dirty="0"/>
@@ -18586,7 +19710,7 @@
             <a:spcAft>
               <a:spcPct val="15000"/>
             </a:spcAft>
-            <a:buChar char="••"/>
+            <a:buChar char="•"/>
           </a:pPr>
           <a:r>
             <a:rPr lang="de-DE" sz="3000" kern="1200"/>
@@ -18652,7 +19776,7 @@
 </dsp:drawing>
 </file>
 
-<file path=ppt/diagrams/drawing5.xml><?xml version="1.0" encoding="utf-8"?>
+<file path=ppt/diagrams/drawing6.xml><?xml version="1.0" encoding="utf-8"?>
 <dsp:drawing xmlns:dgm="http://schemas.openxmlformats.org/drawingml/2006/diagram" xmlns:dsp="http://schemas.microsoft.com/office/drawing/2008/diagram" xmlns:a="http://schemas.openxmlformats.org/drawingml/2006/main">
   <dsp:spTree>
     <dsp:nvGrpSpPr>
@@ -18715,7 +19839,7 @@
         </a:bodyPr>
         <a:lstStyle/>
         <a:p>
-          <a:pPr lvl="0" algn="ctr" defTabSz="1422400">
+          <a:pPr marL="0" lvl="0" indent="0" algn="ctr" defTabSz="1422400">
             <a:lnSpc>
               <a:spcPct val="90000"/>
             </a:lnSpc>
@@ -18725,9 +19849,10 @@
             <a:spcAft>
               <a:spcPct val="35000"/>
             </a:spcAft>
+            <a:buNone/>
           </a:pPr>
           <a:r>
-            <a:rPr lang="en-US" sz="3200" kern="1200" dirty="0" smtClean="0"/>
+            <a:rPr lang="en-US" sz="3200" kern="1200" dirty="0"/>
             <a:t>Oracle SQL Developer Command Line</a:t>
           </a:r>
           <a:endParaRPr lang="de-DE" sz="3200" kern="1200" dirty="0"/>
@@ -18743,7 +19868,7 @@
             <a:spcAft>
               <a:spcPct val="15000"/>
             </a:spcAft>
-            <a:buChar char="••"/>
+            <a:buChar char="•"/>
           </a:pPr>
           <a:r>
             <a:rPr lang="de-DE" sz="2900" kern="1200" dirty="0"/>
@@ -18761,7 +19886,7 @@
             <a:spcAft>
               <a:spcPct val="15000"/>
             </a:spcAft>
-            <a:buChar char="••"/>
+            <a:buChar char="•"/>
           </a:pPr>
           <a:r>
             <a:rPr lang="de-DE" sz="2900" kern="1200" dirty="0"/>
@@ -18779,10 +19904,10 @@
             <a:spcAft>
               <a:spcPct val="15000"/>
             </a:spcAft>
-            <a:buChar char="••"/>
+            <a:buChar char="•"/>
           </a:pPr>
           <a:r>
-            <a:rPr lang="de-DE" sz="2900" kern="1200"/>
+            <a:rPr lang="de-DE" sz="2900" kern="1200" dirty="0"/>
             <a:t>Produktionsrelease seit September</a:t>
           </a:r>
         </a:p>
@@ -18797,10 +19922,10 @@
             <a:spcAft>
               <a:spcPct val="15000"/>
             </a:spcAft>
-            <a:buChar char="••"/>
+            <a:buChar char="•"/>
           </a:pPr>
           <a:r>
-            <a:rPr lang="de-DE" sz="2900" kern="1200"/>
+            <a:rPr lang="de-DE" sz="2900" kern="1200" dirty="0"/>
             <a:t>In zukünftigen DB-Releases enthalten</a:t>
           </a:r>
         </a:p>
@@ -18814,7 +19939,7 @@
 </dsp:drawing>
 </file>
 
-<file path=ppt/diagrams/drawing6.xml><?xml version="1.0" encoding="utf-8"?>
+<file path=ppt/diagrams/drawing7.xml><?xml version="1.0" encoding="utf-8"?>
 <dsp:drawing xmlns:dgm="http://schemas.openxmlformats.org/drawingml/2006/diagram" xmlns:dsp="http://schemas.microsoft.com/office/drawing/2008/diagram" xmlns:a="http://schemas.openxmlformats.org/drawingml/2006/main">
   <dsp:spTree>
     <dsp:nvGrpSpPr>
@@ -18822,17 +19947,17 @@
       <dsp:cNvGrpSpPr/>
     </dsp:nvGrpSpPr>
     <dsp:grpSpPr/>
-    <dsp:sp modelId="{97C398DA-7954-408C-90A0-F60FB23B4791}">
+    <dsp:sp modelId="{15DCE0AA-BD8A-4DC7-B9B9-5D14A2CDFCB6}">
       <dsp:nvSpPr>
         <dsp:cNvPr id="0" name=""/>
         <dsp:cNvSpPr/>
       </dsp:nvSpPr>
       <dsp:spPr>
-        <a:xfrm rot="10800000">
-          <a:off x="2642044" y="414305"/>
-          <a:ext cx="6992874" cy="3522726"/>
+        <a:xfrm>
+          <a:off x="5295205" y="1768"/>
+          <a:ext cx="5580619" cy="5580619"/>
         </a:xfrm>
-        <a:prstGeom prst="homePlate">
+        <a:prstGeom prst="ellipse">
           <a:avLst/>
         </a:prstGeom>
         <a:solidFill>
@@ -18872,12 +19997,12 @@
         </a:fontRef>
       </dsp:style>
       <dsp:txBody>
-        <a:bodyPr spcFirstLastPara="0" vert="horz" wrap="square" lIns="1553424" tIns="152400" rIns="284480" bIns="152400" numCol="1" spcCol="1270" anchor="t" anchorCtr="0">
+        <a:bodyPr spcFirstLastPara="0" vert="horz" wrap="square" lIns="40640" tIns="40640" rIns="40640" bIns="40640" numCol="1" spcCol="1270" anchor="ctr" anchorCtr="0">
           <a:noAutofit/>
         </a:bodyPr>
         <a:lstStyle/>
         <a:p>
-          <a:pPr lvl="0" algn="l" defTabSz="1778000">
+          <a:pPr marL="0" lvl="0" indent="0" algn="ctr" defTabSz="1422400">
             <a:lnSpc>
               <a:spcPct val="90000"/>
             </a:lnSpc>
@@ -18887,14 +20012,16 @@
             <a:spcAft>
               <a:spcPct val="35000"/>
             </a:spcAft>
+            <a:buNone/>
           </a:pPr>
           <a:r>
-            <a:rPr lang="de-DE" sz="4000" kern="1200"/>
-            <a:t>sqlplus</a:t>
+            <a:rPr lang="de-DE" sz="3200" b="1" kern="1200" dirty="0"/>
+            <a:t>SQL*Plus</a:t>
           </a:r>
+          <a:endParaRPr lang="de-DE" sz="3200" b="1" kern="1200" dirty="0"/>
         </a:p>
         <a:p>
-          <a:pPr marL="285750" lvl="1" indent="-285750" algn="l" defTabSz="1377950">
+          <a:pPr marL="228600" lvl="1" indent="-228600" algn="l" defTabSz="1066800">
             <a:lnSpc>
               <a:spcPct val="90000"/>
             </a:lnSpc>
@@ -18904,15 +20031,19 @@
             <a:spcAft>
               <a:spcPct val="15000"/>
             </a:spcAft>
-            <a:buChar char="••"/>
+            <a:buChar char="•"/>
           </a:pPr>
           <a:r>
-            <a:rPr lang="de-DE" sz="3100" kern="1200" dirty="0"/>
+            <a:rPr lang="de-DE" sz="2400" kern="1200" dirty="0"/>
+            <a:t> </a:t>
+          </a:r>
+          <a:r>
+            <a:rPr lang="de-DE" sz="2900" kern="1200" dirty="0"/>
             <a:t>Seit Jahrzehnten „stabil“</a:t>
           </a:r>
         </a:p>
         <a:p>
-          <a:pPr marL="285750" lvl="1" indent="-285750" algn="l" defTabSz="1377950">
+          <a:pPr marL="285750" lvl="1" indent="-285750" algn="l" defTabSz="1289050">
             <a:lnSpc>
               <a:spcPct val="90000"/>
             </a:lnSpc>
@@ -18922,20 +20053,22 @@
             <a:spcAft>
               <a:spcPct val="15000"/>
             </a:spcAft>
-            <a:buChar char="••"/>
+            <a:buChar char="•"/>
           </a:pPr>
           <a:r>
-            <a:rPr lang="de-DE" sz="3100" kern="1200" dirty="0"/>
-            <a:t>SQL </a:t>
+            <a:rPr lang="de-DE" sz="2900" kern="1200" dirty="0"/>
+            <a:t> Sequentielles </a:t>
           </a:r>
+          <a:br>
+            <a:rPr lang="de-DE" sz="2900" kern="1200" dirty="0"/>
+          </a:br>
           <a:r>
-            <a:rPr lang="de-DE" sz="3100" kern="1200" dirty="0" err="1"/>
-            <a:t>statements</a:t>
+            <a:rPr lang="de-DE" sz="2900" kern="1200" dirty="0"/>
+            <a:t> SQL + PL/SQL</a:t>
           </a:r>
-          <a:endParaRPr lang="de-DE" sz="3100" kern="1200" dirty="0"/>
         </a:p>
         <a:p>
-          <a:pPr marL="285750" lvl="1" indent="-285750" algn="l" defTabSz="1377950">
+          <a:pPr marL="285750" lvl="1" indent="-285750" algn="l" defTabSz="1289050">
             <a:lnSpc>
               <a:spcPct val="90000"/>
             </a:lnSpc>
@@ -18945,15 +20078,15 @@
             <a:spcAft>
               <a:spcPct val="15000"/>
             </a:spcAft>
-            <a:buChar char="••"/>
+            <a:buChar char="•"/>
           </a:pPr>
           <a:r>
-            <a:rPr lang="de-DE" sz="3100" kern="1200" dirty="0"/>
-            <a:t>Wenig dynamisch:</a:t>
+            <a:rPr lang="de-DE" sz="2900" kern="1200" dirty="0"/>
+            <a:t> Kaum dynamisch:</a:t>
           </a:r>
         </a:p>
         <a:p>
-          <a:pPr marL="571500" lvl="2" indent="-285750" algn="l" defTabSz="1377950">
+          <a:pPr marL="571500" lvl="2" indent="-285750" algn="l" defTabSz="1289050">
             <a:lnSpc>
               <a:spcPct val="90000"/>
             </a:lnSpc>
@@ -18963,77 +20096,60 @@
             <a:spcAft>
               <a:spcPct val="15000"/>
             </a:spcAft>
-            <a:buChar char="••"/>
+            <a:buChar char="•"/>
           </a:pPr>
           <a:r>
-            <a:rPr lang="de-DE" sz="3100" kern="1200" dirty="0"/>
-            <a:t>„DEFINE“</a:t>
+            <a:rPr lang="de-DE" sz="2900" kern="1200" dirty="0"/>
+            <a:t> „DEFINE“</a:t>
+          </a:r>
+        </a:p>
+        <a:p>
+          <a:pPr marL="285750" lvl="1" indent="-285750" algn="l" defTabSz="1289050">
+            <a:lnSpc>
+              <a:spcPct val="90000"/>
+            </a:lnSpc>
+            <a:spcBef>
+              <a:spcPct val="0"/>
+            </a:spcBef>
+            <a:spcAft>
+              <a:spcPct val="15000"/>
+            </a:spcAft>
+            <a:buChar char="•"/>
+          </a:pPr>
+          <a:r>
+            <a:rPr lang="de-DE" sz="2900" kern="1200" dirty="0"/>
+            <a:t> Fehlerbehandlung</a:t>
+          </a:r>
+        </a:p>
+        <a:p>
+          <a:pPr marL="571500" lvl="2" indent="-285750" algn="l" defTabSz="1289050">
+            <a:lnSpc>
+              <a:spcPct val="90000"/>
+            </a:lnSpc>
+            <a:spcBef>
+              <a:spcPct val="0"/>
+            </a:spcBef>
+            <a:spcAft>
+              <a:spcPct val="15000"/>
+            </a:spcAft>
+            <a:buChar char="•"/>
+          </a:pPr>
+          <a:r>
+            <a:rPr lang="de-DE" sz="2900" kern="1200" dirty="0"/>
+            <a:t> Whenever sqlerror</a:t>
           </a:r>
         </a:p>
       </dsp:txBody>
-      <dsp:txXfrm rot="10800000">
-        <a:off x="3522725" y="414305"/>
-        <a:ext cx="6112193" cy="3522726"/>
+      <dsp:txXfrm>
+        <a:off x="6112468" y="819031"/>
+        <a:ext cx="3946093" cy="3946093"/>
       </dsp:txXfrm>
-    </dsp:sp>
-    <dsp:sp modelId="{FFEBE456-55C1-4165-9461-98E8007634F3}">
-      <dsp:nvSpPr>
-        <dsp:cNvPr id="0" name=""/>
-        <dsp:cNvSpPr/>
-      </dsp:nvSpPr>
-      <dsp:spPr>
-        <a:xfrm>
-          <a:off x="865322" y="307232"/>
-          <a:ext cx="3522726" cy="3592863"/>
-        </a:xfrm>
-        <a:prstGeom prst="rect">
-          <a:avLst/>
-        </a:prstGeom>
-        <a:blipFill>
-          <a:blip xmlns:r="http://schemas.openxmlformats.org/officeDocument/2006/relationships" r:embed="rId1">
-            <a:extLst>
-              <a:ext uri="{28A0092B-C50C-407E-A947-70E740481C1C}">
-                <a14:useLocalDpi xmlns:a14="http://schemas.microsoft.com/office/drawing/2010/main" val="0"/>
-              </a:ext>
-            </a:extLst>
-          </a:blip>
-          <a:srcRect/>
-          <a:stretch>
-            <a:fillRect/>
-          </a:stretch>
-        </a:blipFill>
-        <a:ln w="12700" cap="flat" cmpd="sng" algn="ctr">
-          <a:solidFill>
-            <a:schemeClr val="lt1">
-              <a:hueOff val="0"/>
-              <a:satOff val="0"/>
-              <a:lumOff val="0"/>
-              <a:alphaOff val="0"/>
-            </a:schemeClr>
-          </a:solidFill>
-          <a:prstDash val="solid"/>
-          <a:miter lim="800000"/>
-        </a:ln>
-        <a:effectLst/>
-      </dsp:spPr>
-      <dsp:style>
-        <a:lnRef idx="2">
-          <a:scrgbClr r="0" g="0" b="0"/>
-        </a:lnRef>
-        <a:fillRef idx="1">
-          <a:scrgbClr r="0" g="0" b="0"/>
-        </a:fillRef>
-        <a:effectRef idx="0">
-          <a:scrgbClr r="0" g="0" b="0"/>
-        </a:effectRef>
-        <a:fontRef idx="minor"/>
-      </dsp:style>
     </dsp:sp>
   </dsp:spTree>
 </dsp:drawing>
 </file>
 
-<file path=ppt/diagrams/drawing7.xml><?xml version="1.0" encoding="utf-8"?>
+<file path=ppt/diagrams/drawing8.xml><?xml version="1.0" encoding="utf-8"?>
 <dsp:drawing xmlns:dgm="http://schemas.openxmlformats.org/drawingml/2006/diagram" xmlns:dsp="http://schemas.microsoft.com/office/drawing/2008/diagram" xmlns:a="http://schemas.openxmlformats.org/drawingml/2006/main">
   <dsp:spTree>
     <dsp:nvGrpSpPr>
@@ -19220,7 +20336,7 @@
         </a:bodyPr>
         <a:lstStyle/>
         <a:p>
-          <a:pPr lvl="0" algn="ctr" defTabSz="1555750">
+          <a:pPr marL="0" lvl="0" indent="0" algn="ctr" defTabSz="1555750">
             <a:lnSpc>
               <a:spcPct val="90000"/>
             </a:lnSpc>
@@ -19230,12 +20346,12 @@
             <a:spcAft>
               <a:spcPct val="35000"/>
             </a:spcAft>
+            <a:buNone/>
           </a:pPr>
           <a:r>
-            <a:rPr lang="de-DE" sz="3500" kern="1200" dirty="0" smtClean="0"/>
+            <a:rPr lang="de-DE" sz="3500" kern="1200" dirty="0"/>
             <a:t>SQL*Plus „plus“</a:t>
           </a:r>
-          <a:endParaRPr lang="de-DE" sz="3500" kern="1200" dirty="0"/>
         </a:p>
       </dsp:txBody>
       <dsp:txXfrm>
@@ -19298,7 +20414,7 @@
         </a:bodyPr>
         <a:lstStyle/>
         <a:p>
-          <a:pPr lvl="0" algn="ctr" defTabSz="1555750">
+          <a:pPr marL="0" lvl="0" indent="0" algn="ctr" defTabSz="1555750">
             <a:lnSpc>
               <a:spcPct val="90000"/>
             </a:lnSpc>
@@ -19308,6 +20424,7 @@
             <a:spcAft>
               <a:spcPct val="35000"/>
             </a:spcAft>
+            <a:buNone/>
           </a:pPr>
           <a:r>
             <a:rPr lang="de-DE" sz="3500" kern="1200" dirty="0"/>
@@ -19382,7 +20499,7 @@
         </a:bodyPr>
         <a:lstStyle/>
         <a:p>
-          <a:pPr lvl="0" algn="ctr" defTabSz="1555750">
+          <a:pPr marL="0" lvl="0" indent="0" algn="ctr" defTabSz="1555750">
             <a:lnSpc>
               <a:spcPct val="90000"/>
             </a:lnSpc>
@@ -19392,6 +20509,7 @@
             <a:spcAft>
               <a:spcPct val="35000"/>
             </a:spcAft>
+            <a:buNone/>
           </a:pPr>
           <a:r>
             <a:rPr lang="de-DE" sz="3500" kern="1200" dirty="0"/>
@@ -19459,7 +20577,7 @@
         </a:bodyPr>
         <a:lstStyle/>
         <a:p>
-          <a:pPr lvl="0" algn="ctr" defTabSz="1555750">
+          <a:pPr marL="0" lvl="0" indent="0" algn="ctr" defTabSz="1555750">
             <a:lnSpc>
               <a:spcPct val="90000"/>
             </a:lnSpc>
@@ -19469,6 +20587,7 @@
             <a:spcAft>
               <a:spcPct val="35000"/>
             </a:spcAft>
+            <a:buNone/>
           </a:pPr>
           <a:r>
             <a:rPr lang="de-DE" sz="3500" kern="1200" dirty="0"/>
@@ -19536,7 +20655,7 @@
         </a:bodyPr>
         <a:lstStyle/>
         <a:p>
-          <a:pPr lvl="0" algn="ctr" defTabSz="1555750">
+          <a:pPr marL="0" lvl="0" indent="0" algn="ctr" defTabSz="1555750">
             <a:lnSpc>
               <a:spcPct val="90000"/>
             </a:lnSpc>
@@ -19546,12 +20665,12 @@
             <a:spcAft>
               <a:spcPct val="35000"/>
             </a:spcAft>
+            <a:buNone/>
           </a:pPr>
           <a:r>
-            <a:rPr lang="de-DE" sz="3500" kern="1200" dirty="0" smtClean="0"/>
+            <a:rPr lang="de-DE" sz="3500" kern="1200" dirty="0"/>
             <a:t>Fluss-steuerung</a:t>
           </a:r>
-          <a:endParaRPr lang="de-DE" sz="3500" kern="1200" dirty="0"/>
         </a:p>
       </dsp:txBody>
       <dsp:txXfrm>
@@ -19563,7 +20682,7 @@
 </dsp:drawing>
 </file>
 
-<file path=ppt/diagrams/drawing8.xml><?xml version="1.0" encoding="utf-8"?>
+<file path=ppt/diagrams/drawing9.xml><?xml version="1.0" encoding="utf-8"?>
 <dsp:drawing xmlns:dgm="http://schemas.openxmlformats.org/drawingml/2006/diagram" xmlns:dsp="http://schemas.microsoft.com/office/drawing/2008/diagram" xmlns:a="http://schemas.openxmlformats.org/drawingml/2006/main">
   <dsp:spTree>
     <dsp:nvGrpSpPr>
@@ -19578,8 +20697,8 @@
       </dsp:nvSpPr>
       <dsp:spPr>
         <a:xfrm>
-          <a:off x="0" y="2122"/>
-          <a:ext cx="10515600" cy="527670"/>
+          <a:off x="0" y="47246"/>
+          <a:ext cx="6121895" cy="503685"/>
         </a:xfrm>
         <a:prstGeom prst="roundRect">
           <a:avLst/>
@@ -19621,12 +20740,12 @@
         </a:fontRef>
       </dsp:style>
       <dsp:txBody>
-        <a:bodyPr spcFirstLastPara="0" vert="horz" wrap="square" lIns="83820" tIns="83820" rIns="83820" bIns="83820" numCol="1" spcCol="1270" anchor="ctr" anchorCtr="0">
+        <a:bodyPr spcFirstLastPara="0" vert="horz" wrap="square" lIns="80010" tIns="80010" rIns="80010" bIns="80010" numCol="1" spcCol="1270" anchor="ctr" anchorCtr="0">
           <a:noAutofit/>
         </a:bodyPr>
         <a:lstStyle/>
         <a:p>
-          <a:pPr lvl="0" algn="l" defTabSz="977900">
+          <a:pPr marL="0" lvl="0" indent="0" algn="l" defTabSz="933450">
             <a:lnSpc>
               <a:spcPct val="90000"/>
             </a:lnSpc>
@@ -19636,25 +20755,26 @@
             <a:spcAft>
               <a:spcPct val="35000"/>
             </a:spcAft>
+            <a:buNone/>
           </a:pPr>
           <a:r>
-            <a:rPr lang="de-DE" sz="2200" kern="1200" dirty="0" err="1"/>
+            <a:rPr lang="de-DE" sz="2100" kern="1200" dirty="0" err="1"/>
             <a:t>GitHub</a:t>
           </a:r>
           <a:r>
-            <a:rPr lang="de-DE" sz="2200" kern="1200" dirty="0"/>
+            <a:rPr lang="de-DE" sz="2100" kern="1200" dirty="0"/>
             <a:t> </a:t>
           </a:r>
           <a:r>
-            <a:rPr lang="de-DE" sz="2200" kern="1200" dirty="0" err="1" smtClean="0"/>
+            <a:rPr lang="de-DE" sz="2100" kern="1200" dirty="0" err="1"/>
             <a:t>Readme</a:t>
           </a:r>
-          <a:endParaRPr lang="de-DE" sz="2200" kern="1200" dirty="0"/>
+          <a:endParaRPr lang="de-DE" sz="2100" kern="1200" dirty="0"/>
         </a:p>
       </dsp:txBody>
       <dsp:txXfrm>
-        <a:off x="25759" y="27881"/>
-        <a:ext cx="10464082" cy="476152"/>
+        <a:off x="24588" y="71834"/>
+        <a:ext cx="6072719" cy="454509"/>
       </dsp:txXfrm>
     </dsp:sp>
     <dsp:sp modelId="{46ECFA6A-E0E9-41F6-BC27-A0D3A41B681A}">
@@ -19664,8 +20784,8 @@
       </dsp:nvSpPr>
       <dsp:spPr>
         <a:xfrm>
-          <a:off x="0" y="529792"/>
-          <a:ext cx="10515600" cy="364320"/>
+          <a:off x="0" y="550931"/>
+          <a:ext cx="6121895" cy="499904"/>
         </a:xfrm>
         <a:prstGeom prst="rect">
           <a:avLst/>
@@ -19689,12 +20809,12 @@
         <a:fontRef idx="minor"/>
       </dsp:style>
       <dsp:txBody>
-        <a:bodyPr spcFirstLastPara="0" vert="horz" wrap="square" lIns="333870" tIns="27940" rIns="156464" bIns="27940" numCol="1" spcCol="1270" anchor="t" anchorCtr="0">
+        <a:bodyPr spcFirstLastPara="0" vert="horz" wrap="square" lIns="194370" tIns="26670" rIns="149352" bIns="26670" numCol="1" spcCol="1270" anchor="t" anchorCtr="0">
           <a:noAutofit/>
         </a:bodyPr>
         <a:lstStyle/>
         <a:p>
-          <a:pPr marL="171450" lvl="1" indent="-171450" algn="l" defTabSz="755650">
+          <a:pPr marL="171450" lvl="1" indent="-171450" algn="l" defTabSz="711200">
             <a:lnSpc>
               <a:spcPct val="90000"/>
             </a:lnSpc>
@@ -19704,17 +20824,17 @@
             <a:spcAft>
               <a:spcPct val="20000"/>
             </a:spcAft>
-            <a:buChar char="••"/>
+            <a:buChar char="•"/>
           </a:pPr>
           <a:r>
-            <a:rPr lang="de-DE" sz="1700" kern="1200" dirty="0"/>
+            <a:rPr lang="de-DE" sz="1600" kern="1200" dirty="0"/>
             <a:t>https://github.com/oracle/oracle-db-tools/blob/master/sqlcl/README.md</a:t>
           </a:r>
         </a:p>
       </dsp:txBody>
       <dsp:txXfrm>
-        <a:off x="0" y="529792"/>
-        <a:ext cx="10515600" cy="364320"/>
+        <a:off x="0" y="550931"/>
+        <a:ext cx="6121895" cy="499904"/>
       </dsp:txXfrm>
     </dsp:sp>
     <dsp:sp modelId="{10BCF072-5126-4E7E-87FE-49252D1F9F0B}">
@@ -19724,8 +20844,8 @@
       </dsp:nvSpPr>
       <dsp:spPr>
         <a:xfrm>
-          <a:off x="0" y="894112"/>
-          <a:ext cx="10515600" cy="527670"/>
+          <a:off x="0" y="1050836"/>
+          <a:ext cx="6121895" cy="503685"/>
         </a:xfrm>
         <a:prstGeom prst="roundRect">
           <a:avLst/>
@@ -19767,12 +20887,12 @@
         </a:fontRef>
       </dsp:style>
       <dsp:txBody>
-        <a:bodyPr spcFirstLastPara="0" vert="horz" wrap="square" lIns="83820" tIns="83820" rIns="83820" bIns="83820" numCol="1" spcCol="1270" anchor="ctr" anchorCtr="0">
+        <a:bodyPr spcFirstLastPara="0" vert="horz" wrap="square" lIns="80010" tIns="80010" rIns="80010" bIns="80010" numCol="1" spcCol="1270" anchor="ctr" anchorCtr="0">
           <a:noAutofit/>
         </a:bodyPr>
         <a:lstStyle/>
         <a:p>
-          <a:pPr lvl="0" algn="l" defTabSz="977900">
+          <a:pPr marL="0" lvl="0" indent="0" algn="l" defTabSz="933450">
             <a:lnSpc>
               <a:spcPct val="90000"/>
             </a:lnSpc>
@@ -19782,16 +20902,17 @@
             <a:spcAft>
               <a:spcPct val="35000"/>
             </a:spcAft>
+            <a:buNone/>
           </a:pPr>
           <a:r>
-            <a:rPr lang="de-DE" sz="2200" kern="1200"/>
+            <a:rPr lang="de-DE" sz="2100" kern="1200"/>
             <a:t>sqlcl</a:t>
           </a:r>
         </a:p>
       </dsp:txBody>
       <dsp:txXfrm>
-        <a:off x="25759" y="919871"/>
-        <a:ext cx="10464082" cy="476152"/>
+        <a:off x="24588" y="1075424"/>
+        <a:ext cx="6072719" cy="454509"/>
       </dsp:txXfrm>
     </dsp:sp>
     <dsp:sp modelId="{870592BB-C499-444A-8366-AE0A29609B7B}">
@@ -19801,8 +20922,8 @@
       </dsp:nvSpPr>
       <dsp:spPr>
         <a:xfrm>
-          <a:off x="0" y="1421782"/>
-          <a:ext cx="10515600" cy="592020"/>
+          <a:off x="0" y="1554521"/>
+          <a:ext cx="6121895" cy="554242"/>
         </a:xfrm>
         <a:prstGeom prst="rect">
           <a:avLst/>
@@ -19826,12 +20947,12 @@
         <a:fontRef idx="minor"/>
       </dsp:style>
       <dsp:txBody>
-        <a:bodyPr spcFirstLastPara="0" vert="horz" wrap="square" lIns="333870" tIns="27940" rIns="156464" bIns="27940" numCol="1" spcCol="1270" anchor="t" anchorCtr="0">
+        <a:bodyPr spcFirstLastPara="0" vert="horz" wrap="square" lIns="194370" tIns="26670" rIns="149352" bIns="26670" numCol="1" spcCol="1270" anchor="t" anchorCtr="0">
           <a:noAutofit/>
         </a:bodyPr>
         <a:lstStyle/>
         <a:p>
-          <a:pPr marL="171450" lvl="1" indent="-171450" algn="l" defTabSz="755650">
+          <a:pPr marL="171450" lvl="1" indent="-171450" algn="l" defTabSz="711200">
             <a:lnSpc>
               <a:spcPct val="90000"/>
             </a:lnSpc>
@@ -19841,15 +20962,15 @@
             <a:spcAft>
               <a:spcPct val="20000"/>
             </a:spcAft>
-            <a:buChar char="••"/>
+            <a:buChar char="•"/>
           </a:pPr>
           <a:r>
-            <a:rPr lang="de-DE" sz="1700" kern="1200"/>
+            <a:rPr lang="de-DE" sz="1600" kern="1200"/>
             <a:t>sqlcl.setStmt(&lt;string&gt;)</a:t>
           </a:r>
         </a:p>
         <a:p>
-          <a:pPr marL="171450" lvl="1" indent="-171450" algn="l" defTabSz="755650">
+          <a:pPr marL="171450" lvl="1" indent="-171450" algn="l" defTabSz="711200">
             <a:lnSpc>
               <a:spcPct val="90000"/>
             </a:lnSpc>
@@ -19859,17 +20980,17 @@
             <a:spcAft>
               <a:spcPct val="20000"/>
             </a:spcAft>
-            <a:buChar char="••"/>
+            <a:buChar char="•"/>
           </a:pPr>
           <a:r>
-            <a:rPr lang="de-DE" sz="1700" kern="1200"/>
+            <a:rPr lang="de-DE" sz="1600" kern="1200"/>
             <a:t>sqlcl.run()</a:t>
           </a:r>
         </a:p>
       </dsp:txBody>
       <dsp:txXfrm>
-        <a:off x="0" y="1421782"/>
-        <a:ext cx="10515600" cy="592020"/>
+        <a:off x="0" y="1554521"/>
+        <a:ext cx="6121895" cy="554242"/>
       </dsp:txXfrm>
     </dsp:sp>
     <dsp:sp modelId="{47C85901-5F67-4C2A-BBCD-48BC78EA00D9}">
@@ -19879,8 +21000,8 @@
       </dsp:nvSpPr>
       <dsp:spPr>
         <a:xfrm>
-          <a:off x="0" y="2013802"/>
-          <a:ext cx="10515600" cy="527670"/>
+          <a:off x="0" y="2108763"/>
+          <a:ext cx="6121895" cy="503685"/>
         </a:xfrm>
         <a:prstGeom prst="roundRect">
           <a:avLst/>
@@ -19922,12 +21043,12 @@
         </a:fontRef>
       </dsp:style>
       <dsp:txBody>
-        <a:bodyPr spcFirstLastPara="0" vert="horz" wrap="square" lIns="83820" tIns="83820" rIns="83820" bIns="83820" numCol="1" spcCol="1270" anchor="ctr" anchorCtr="0">
+        <a:bodyPr spcFirstLastPara="0" vert="horz" wrap="square" lIns="80010" tIns="80010" rIns="80010" bIns="80010" numCol="1" spcCol="1270" anchor="ctr" anchorCtr="0">
           <a:noAutofit/>
         </a:bodyPr>
         <a:lstStyle/>
         <a:p>
-          <a:pPr lvl="0" algn="l" defTabSz="977900">
+          <a:pPr marL="0" lvl="0" indent="0" algn="l" defTabSz="933450">
             <a:lnSpc>
               <a:spcPct val="90000"/>
             </a:lnSpc>
@@ -19937,16 +21058,17 @@
             <a:spcAft>
               <a:spcPct val="35000"/>
             </a:spcAft>
+            <a:buNone/>
           </a:pPr>
           <a:r>
-            <a:rPr lang="de-DE" sz="2200" kern="1200"/>
+            <a:rPr lang="de-DE" sz="2100" kern="1200"/>
             <a:t>ctx</a:t>
           </a:r>
         </a:p>
       </dsp:txBody>
       <dsp:txXfrm>
-        <a:off x="25759" y="2039561"/>
-        <a:ext cx="10464082" cy="476152"/>
+        <a:off x="24588" y="2133351"/>
+        <a:ext cx="6072719" cy="454509"/>
       </dsp:txXfrm>
     </dsp:sp>
     <dsp:sp modelId="{D28AA118-9CC0-4C0B-8DDA-7F25EA87D375}">
@@ -19956,8 +21078,8 @@
       </dsp:nvSpPr>
       <dsp:spPr>
         <a:xfrm>
-          <a:off x="0" y="2541472"/>
-          <a:ext cx="10515600" cy="364320"/>
+          <a:off x="0" y="2612448"/>
+          <a:ext cx="6121895" cy="347760"/>
         </a:xfrm>
         <a:prstGeom prst="rect">
           <a:avLst/>
@@ -19981,12 +21103,12 @@
         <a:fontRef idx="minor"/>
       </dsp:style>
       <dsp:txBody>
-        <a:bodyPr spcFirstLastPara="0" vert="horz" wrap="square" lIns="333870" tIns="27940" rIns="156464" bIns="27940" numCol="1" spcCol="1270" anchor="t" anchorCtr="0">
+        <a:bodyPr spcFirstLastPara="0" vert="horz" wrap="square" lIns="194370" tIns="26670" rIns="149352" bIns="26670" numCol="1" spcCol="1270" anchor="t" anchorCtr="0">
           <a:noAutofit/>
         </a:bodyPr>
         <a:lstStyle/>
         <a:p>
-          <a:pPr marL="171450" lvl="1" indent="-171450" algn="l" defTabSz="755650">
+          <a:pPr marL="171450" lvl="1" indent="-171450" algn="l" defTabSz="711200">
             <a:lnSpc>
               <a:spcPct val="90000"/>
             </a:lnSpc>
@@ -19996,17 +21118,17 @@
             <a:spcAft>
               <a:spcPct val="20000"/>
             </a:spcAft>
-            <a:buChar char="••"/>
+            <a:buChar char="•"/>
           </a:pPr>
           <a:r>
-            <a:rPr lang="de-DE" sz="1700" kern="1200"/>
+            <a:rPr lang="de-DE" sz="1600" kern="1200"/>
             <a:t>ctx.write(&lt;string&gt;)</a:t>
           </a:r>
         </a:p>
       </dsp:txBody>
       <dsp:txXfrm>
-        <a:off x="0" y="2541472"/>
-        <a:ext cx="10515600" cy="364320"/>
+        <a:off x="0" y="2612448"/>
+        <a:ext cx="6121895" cy="347760"/>
       </dsp:txXfrm>
     </dsp:sp>
     <dsp:sp modelId="{760C88F2-6D17-466D-9B38-9219D2168D01}">
@@ -20016,8 +21138,8 @@
       </dsp:nvSpPr>
       <dsp:spPr>
         <a:xfrm>
-          <a:off x="0" y="2905792"/>
-          <a:ext cx="10515600" cy="527670"/>
+          <a:off x="0" y="2960208"/>
+          <a:ext cx="6121895" cy="503685"/>
         </a:xfrm>
         <a:prstGeom prst="roundRect">
           <a:avLst/>
@@ -20059,12 +21181,12 @@
         </a:fontRef>
       </dsp:style>
       <dsp:txBody>
-        <a:bodyPr spcFirstLastPara="0" vert="horz" wrap="square" lIns="83820" tIns="83820" rIns="83820" bIns="83820" numCol="1" spcCol="1270" anchor="ctr" anchorCtr="0">
+        <a:bodyPr spcFirstLastPara="0" vert="horz" wrap="square" lIns="80010" tIns="80010" rIns="80010" bIns="80010" numCol="1" spcCol="1270" anchor="ctr" anchorCtr="0">
           <a:noAutofit/>
         </a:bodyPr>
         <a:lstStyle/>
         <a:p>
-          <a:pPr lvl="0" algn="l" defTabSz="977900">
+          <a:pPr marL="0" lvl="0" indent="0" algn="l" defTabSz="933450">
             <a:lnSpc>
               <a:spcPct val="90000"/>
             </a:lnSpc>
@@ -20074,16 +21196,17 @@
             <a:spcAft>
               <a:spcPct val="35000"/>
             </a:spcAft>
+            <a:buNone/>
           </a:pPr>
           <a:r>
-            <a:rPr lang="de-DE" sz="2200" kern="1200"/>
+            <a:rPr lang="de-DE" sz="2100" kern="1200"/>
             <a:t>Util</a:t>
           </a:r>
         </a:p>
       </dsp:txBody>
       <dsp:txXfrm>
-        <a:off x="25759" y="2931551"/>
-        <a:ext cx="10464082" cy="476152"/>
+        <a:off x="24588" y="2984796"/>
+        <a:ext cx="6072719" cy="454509"/>
       </dsp:txXfrm>
     </dsp:sp>
     <dsp:sp modelId="{230448D9-3172-485A-8975-56C6CDBDF809}">
@@ -20093,8 +21216,8 @@
       </dsp:nvSpPr>
       <dsp:spPr>
         <a:xfrm>
-          <a:off x="0" y="3433462"/>
-          <a:ext cx="10515600" cy="1184040"/>
+          <a:off x="0" y="3463893"/>
+          <a:ext cx="6121895" cy="1108485"/>
         </a:xfrm>
         <a:prstGeom prst="rect">
           <a:avLst/>
@@ -20118,12 +21241,12 @@
         <a:fontRef idx="minor"/>
       </dsp:style>
       <dsp:txBody>
-        <a:bodyPr spcFirstLastPara="0" vert="horz" wrap="square" lIns="333870" tIns="27940" rIns="156464" bIns="27940" numCol="1" spcCol="1270" anchor="t" anchorCtr="0">
+        <a:bodyPr spcFirstLastPara="0" vert="horz" wrap="square" lIns="194370" tIns="26670" rIns="149352" bIns="26670" numCol="1" spcCol="1270" anchor="t" anchorCtr="0">
           <a:noAutofit/>
         </a:bodyPr>
         <a:lstStyle/>
         <a:p>
-          <a:pPr marL="171450" lvl="1" indent="-171450" algn="l" defTabSz="755650">
+          <a:pPr marL="171450" lvl="1" indent="-171450" algn="l" defTabSz="711200">
             <a:lnSpc>
               <a:spcPct val="90000"/>
             </a:lnSpc>
@@ -20133,15 +21256,15 @@
             <a:spcAft>
               <a:spcPct val="20000"/>
             </a:spcAft>
-            <a:buChar char="••"/>
+            <a:buChar char="•"/>
           </a:pPr>
           <a:r>
-            <a:rPr lang="de-DE" sz="1700" kern="1200"/>
+            <a:rPr lang="de-DE" sz="1600" kern="1200"/>
             <a:t>execute(&lt;string&gt;,binds)</a:t>
           </a:r>
         </a:p>
         <a:p>
-          <a:pPr marL="342900" lvl="2" indent="-171450" algn="l" defTabSz="755650">
+          <a:pPr marL="342900" lvl="2" indent="-171450" algn="l" defTabSz="711200">
             <a:lnSpc>
               <a:spcPct val="90000"/>
             </a:lnSpc>
@@ -20151,15 +21274,15 @@
             <a:spcAft>
               <a:spcPct val="20000"/>
             </a:spcAft>
-            <a:buChar char="••"/>
+            <a:buChar char="•"/>
           </a:pPr>
           <a:r>
-            <a:rPr lang="de-DE" sz="1700" kern="1200"/>
+            <a:rPr lang="de-DE" sz="1600" kern="1200"/>
             <a:t>executeReturnOneCol(&lt;string&gt;,binds)</a:t>
           </a:r>
         </a:p>
         <a:p>
-          <a:pPr marL="342900" lvl="2" indent="-171450" algn="l" defTabSz="755650">
+          <a:pPr marL="342900" lvl="2" indent="-171450" algn="l" defTabSz="711200">
             <a:lnSpc>
               <a:spcPct val="90000"/>
             </a:lnSpc>
@@ -20169,15 +21292,15 @@
             <a:spcAft>
               <a:spcPct val="20000"/>
             </a:spcAft>
-            <a:buChar char="••"/>
+            <a:buChar char="•"/>
           </a:pPr>
           <a:r>
-            <a:rPr lang="de-DE" sz="1700" kern="1200"/>
+            <a:rPr lang="de-DE" sz="1600" kern="1200"/>
             <a:t>executeReturnListofLists(&lt;string&gt;,binds)</a:t>
           </a:r>
         </a:p>
         <a:p>
-          <a:pPr marL="342900" lvl="2" indent="-171450" algn="l" defTabSz="755650">
+          <a:pPr marL="342900" lvl="2" indent="-171450" algn="l" defTabSz="711200">
             <a:lnSpc>
               <a:spcPct val="90000"/>
             </a:lnSpc>
@@ -20187,106 +21310,17 @@
             <a:spcAft>
               <a:spcPct val="20000"/>
             </a:spcAft>
-            <a:buChar char="••"/>
+            <a:buChar char="•"/>
           </a:pPr>
           <a:r>
-            <a:rPr lang="de-DE" sz="1700" kern="1200"/>
+            <a:rPr lang="de-DE" sz="1600" kern="1200"/>
             <a:t>executeReturnList(&lt;string&gt;,binds)</a:t>
           </a:r>
         </a:p>
       </dsp:txBody>
       <dsp:txXfrm>
-        <a:off x="0" y="3433462"/>
-        <a:ext cx="10515600" cy="1184040"/>
-      </dsp:txXfrm>
-    </dsp:sp>
-  </dsp:spTree>
-</dsp:drawing>
-</file>
-
-<file path=ppt/diagrams/drawing9.xml><?xml version="1.0" encoding="utf-8"?>
-<dsp:drawing xmlns:dgm="http://schemas.openxmlformats.org/drawingml/2006/diagram" xmlns:dsp="http://schemas.microsoft.com/office/drawing/2008/diagram" xmlns:a="http://schemas.openxmlformats.org/drawingml/2006/main">
-  <dsp:spTree>
-    <dsp:nvGrpSpPr>
-      <dsp:cNvPr id="0" name=""/>
-      <dsp:cNvGrpSpPr/>
-    </dsp:nvGrpSpPr>
-    <dsp:grpSpPr/>
-    <dsp:sp modelId="{6EC9B571-2AAD-4AC1-B5C9-64DF398C0AEA}">
-      <dsp:nvSpPr>
-        <dsp:cNvPr id="0" name=""/>
-        <dsp:cNvSpPr/>
-      </dsp:nvSpPr>
-      <dsp:spPr>
-        <a:xfrm>
-          <a:off x="0" y="1530299"/>
-          <a:ext cx="10515600" cy="1559025"/>
-        </a:xfrm>
-        <a:prstGeom prst="roundRect">
-          <a:avLst/>
-        </a:prstGeom>
-        <a:solidFill>
-          <a:schemeClr val="accent1">
-            <a:hueOff val="0"/>
-            <a:satOff val="0"/>
-            <a:lumOff val="0"/>
-            <a:alphaOff val="0"/>
-          </a:schemeClr>
-        </a:solidFill>
-        <a:ln w="12700" cap="flat" cmpd="sng" algn="ctr">
-          <a:solidFill>
-            <a:schemeClr val="lt1">
-              <a:hueOff val="0"/>
-              <a:satOff val="0"/>
-              <a:lumOff val="0"/>
-              <a:alphaOff val="0"/>
-            </a:schemeClr>
-          </a:solidFill>
-          <a:prstDash val="solid"/>
-          <a:miter lim="800000"/>
-        </a:ln>
-        <a:effectLst/>
-      </dsp:spPr>
-      <dsp:style>
-        <a:lnRef idx="2">
-          <a:scrgbClr r="0" g="0" b="0"/>
-        </a:lnRef>
-        <a:fillRef idx="1">
-          <a:scrgbClr r="0" g="0" b="0"/>
-        </a:fillRef>
-        <a:effectRef idx="0">
-          <a:scrgbClr r="0" g="0" b="0"/>
-        </a:effectRef>
-        <a:fontRef idx="minor">
-          <a:schemeClr val="lt1"/>
-        </a:fontRef>
-      </dsp:style>
-      <dsp:txBody>
-        <a:bodyPr spcFirstLastPara="0" vert="horz" wrap="square" lIns="247650" tIns="247650" rIns="247650" bIns="247650" numCol="1" spcCol="1270" anchor="ctr" anchorCtr="0">
-          <a:noAutofit/>
-        </a:bodyPr>
-        <a:lstStyle/>
-        <a:p>
-          <a:pPr lvl="0" algn="l" defTabSz="2889250">
-            <a:lnSpc>
-              <a:spcPct val="90000"/>
-            </a:lnSpc>
-            <a:spcBef>
-              <a:spcPct val="0"/>
-            </a:spcBef>
-            <a:spcAft>
-              <a:spcPct val="35000"/>
-            </a:spcAft>
-          </a:pPr>
-          <a:r>
-            <a:rPr lang="de-DE" sz="6500" kern="1200" dirty="0"/>
-            <a:t>DEMO</a:t>
-          </a:r>
-        </a:p>
-      </dsp:txBody>
-      <dsp:txXfrm>
-        <a:off x="76105" y="1606404"/>
-        <a:ext cx="10363390" cy="1406815"/>
+        <a:off x="0" y="3463893"/>
+        <a:ext cx="6121895" cy="1108485"/>
       </dsp:txXfrm>
     </dsp:sp>
   </dsp:spTree>
@@ -21362,6 +22396,173 @@
 </file>
 
 <file path=ppt/diagrams/layout15.xml><?xml version="1.0" encoding="utf-8"?>
+<dgm:layoutDef xmlns:dgm="http://schemas.openxmlformats.org/drawingml/2006/diagram" xmlns:a="http://schemas.openxmlformats.org/drawingml/2006/main" uniqueId="urn:microsoft.com/office/officeart/2005/8/layout/vList2">
+  <dgm:title val=""/>
+  <dgm:desc val=""/>
+  <dgm:catLst>
+    <dgm:cat type="list" pri="3000"/>
+    <dgm:cat type="convert" pri="1000"/>
+  </dgm:catLst>
+  <dgm:sampData>
+    <dgm:dataModel>
+      <dgm:ptLst>
+        <dgm:pt modelId="0" type="doc"/>
+        <dgm:pt modelId="1">
+          <dgm:prSet phldr="1"/>
+        </dgm:pt>
+        <dgm:pt modelId="11">
+          <dgm:prSet phldr="1"/>
+        </dgm:pt>
+        <dgm:pt modelId="2">
+          <dgm:prSet phldr="1"/>
+        </dgm:pt>
+        <dgm:pt modelId="21">
+          <dgm:prSet phldr="1"/>
+        </dgm:pt>
+      </dgm:ptLst>
+      <dgm:cxnLst>
+        <dgm:cxn modelId="4" srcId="0" destId="1" srcOrd="0" destOrd="0"/>
+        <dgm:cxn modelId="5" srcId="0" destId="2" srcOrd="1" destOrd="0"/>
+        <dgm:cxn modelId="12" srcId="1" destId="11" srcOrd="0" destOrd="0"/>
+        <dgm:cxn modelId="23" srcId="2" destId="21" srcOrd="0" destOrd="0"/>
+      </dgm:cxnLst>
+      <dgm:bg/>
+      <dgm:whole/>
+    </dgm:dataModel>
+  </dgm:sampData>
+  <dgm:styleData>
+    <dgm:dataModel>
+      <dgm:ptLst>
+        <dgm:pt modelId="0" type="doc"/>
+        <dgm:pt modelId="1"/>
+        <dgm:pt modelId="2"/>
+      </dgm:ptLst>
+      <dgm:cxnLst>
+        <dgm:cxn modelId="3" srcId="0" destId="1" srcOrd="0" destOrd="0"/>
+        <dgm:cxn modelId="4" srcId="0" destId="2" srcOrd="1" destOrd="0"/>
+      </dgm:cxnLst>
+      <dgm:bg/>
+      <dgm:whole/>
+    </dgm:dataModel>
+  </dgm:styleData>
+  <dgm:clrData>
+    <dgm:dataModel>
+      <dgm:ptLst>
+        <dgm:pt modelId="0" type="doc"/>
+        <dgm:pt modelId="1"/>
+        <dgm:pt modelId="2"/>
+        <dgm:pt modelId="3"/>
+        <dgm:pt modelId="4"/>
+      </dgm:ptLst>
+      <dgm:cxnLst>
+        <dgm:cxn modelId="5" srcId="0" destId="1" srcOrd="0" destOrd="0"/>
+        <dgm:cxn modelId="6" srcId="0" destId="2" srcOrd="1" destOrd="0"/>
+        <dgm:cxn modelId="7" srcId="0" destId="3" srcOrd="2" destOrd="0"/>
+        <dgm:cxn modelId="8" srcId="0" destId="4" srcOrd="3" destOrd="0"/>
+      </dgm:cxnLst>
+      <dgm:bg/>
+      <dgm:whole/>
+    </dgm:dataModel>
+  </dgm:clrData>
+  <dgm:layoutNode name="linear">
+    <dgm:varLst>
+      <dgm:animLvl val="lvl"/>
+      <dgm:resizeHandles val="exact"/>
+    </dgm:varLst>
+    <dgm:alg type="lin">
+      <dgm:param type="linDir" val="fromT"/>
+      <dgm:param type="vertAlign" val="mid"/>
+    </dgm:alg>
+    <dgm:shape xmlns:r="http://schemas.openxmlformats.org/officeDocument/2006/relationships" r:blip="">
+      <dgm:adjLst/>
+    </dgm:shape>
+    <dgm:presOf/>
+    <dgm:constrLst>
+      <dgm:constr type="w" for="ch" forName="parentText" refType="w"/>
+      <dgm:constr type="h" for="ch" forName="parentText" refType="primFontSz" refFor="ch" refForName="parentText" fact="0.52"/>
+      <dgm:constr type="w" for="ch" forName="childText" refType="w"/>
+      <dgm:constr type="h" for="ch" forName="childText" refType="primFontSz" refFor="ch" refForName="parentText" fact="0.46"/>
+      <dgm:constr type="h" for="ch" forName="parentText" op="equ"/>
+      <dgm:constr type="primFontSz" for="ch" forName="parentText" op="equ" val="65"/>
+      <dgm:constr type="primFontSz" for="ch" forName="childText" refType="primFontSz" refFor="ch" refForName="parentText" op="equ"/>
+      <dgm:constr type="h" for="ch" forName="spacer" refType="primFontSz" refFor="ch" refForName="parentText" fact="0.08"/>
+    </dgm:constrLst>
+    <dgm:ruleLst>
+      <dgm:rule type="primFontSz" for="ch" forName="parentText" val="5" fact="NaN" max="NaN"/>
+    </dgm:ruleLst>
+    <dgm:forEach name="Name0" axis="ch" ptType="node">
+      <dgm:layoutNode name="parentText" styleLbl="node1">
+        <dgm:varLst>
+          <dgm:chMax val="0"/>
+          <dgm:bulletEnabled val="1"/>
+        </dgm:varLst>
+        <dgm:alg type="tx">
+          <dgm:param type="parTxLTRAlign" val="l"/>
+          <dgm:param type="parTxRTLAlign" val="r"/>
+        </dgm:alg>
+        <dgm:shape xmlns:r="http://schemas.openxmlformats.org/officeDocument/2006/relationships" type="roundRect" r:blip="">
+          <dgm:adjLst/>
+        </dgm:shape>
+        <dgm:presOf axis="self"/>
+        <dgm:constrLst>
+          <dgm:constr type="tMarg" refType="primFontSz" fact="0.3"/>
+          <dgm:constr type="bMarg" refType="primFontSz" fact="0.3"/>
+          <dgm:constr type="lMarg" refType="primFontSz" fact="0.3"/>
+          <dgm:constr type="rMarg" refType="primFontSz" fact="0.3"/>
+        </dgm:constrLst>
+        <dgm:ruleLst>
+          <dgm:rule type="h" val="INF" fact="NaN" max="NaN"/>
+        </dgm:ruleLst>
+      </dgm:layoutNode>
+      <dgm:choose name="Name1">
+        <dgm:if name="Name2" axis="ch" ptType="node" func="cnt" op="gte" val="1">
+          <dgm:layoutNode name="childText" styleLbl="revTx">
+            <dgm:varLst>
+              <dgm:bulletEnabled val="1"/>
+            </dgm:varLst>
+            <dgm:alg type="tx">
+              <dgm:param type="stBulletLvl" val="1"/>
+              <dgm:param type="lnSpAfChP" val="20"/>
+            </dgm:alg>
+            <dgm:shape xmlns:r="http://schemas.openxmlformats.org/officeDocument/2006/relationships" type="rect" r:blip="">
+              <dgm:adjLst/>
+            </dgm:shape>
+            <dgm:presOf axis="des" ptType="node"/>
+            <dgm:constrLst>
+              <dgm:constr type="tMarg" refType="primFontSz" fact="0.1"/>
+              <dgm:constr type="bMarg" refType="primFontSz" fact="0.1"/>
+              <dgm:constr type="lMarg" refType="w" fact="0.09"/>
+            </dgm:constrLst>
+            <dgm:ruleLst>
+              <dgm:rule type="h" val="INF" fact="NaN" max="NaN"/>
+            </dgm:ruleLst>
+          </dgm:layoutNode>
+        </dgm:if>
+        <dgm:else name="Name3">
+          <dgm:choose name="Name4">
+            <dgm:if name="Name5" axis="par ch" ptType="doc node" func="cnt" op="gte" val="2">
+              <dgm:forEach name="Name6" axis="followSib" ptType="sibTrans" cnt="1">
+                <dgm:layoutNode name="spacer">
+                  <dgm:alg type="sp"/>
+                  <dgm:shape xmlns:r="http://schemas.openxmlformats.org/officeDocument/2006/relationships" r:blip="">
+                    <dgm:adjLst/>
+                  </dgm:shape>
+                  <dgm:presOf/>
+                  <dgm:constrLst/>
+                  <dgm:ruleLst/>
+                </dgm:layoutNode>
+              </dgm:forEach>
+            </dgm:if>
+            <dgm:else name="Name7"/>
+          </dgm:choose>
+        </dgm:else>
+      </dgm:choose>
+    </dgm:forEach>
+  </dgm:layoutNode>
+</dgm:layoutDef>
+</file>
+
+<file path=ppt/diagrams/layout16.xml><?xml version="1.0" encoding="utf-8"?>
 <dgm:layoutDef xmlns:dgm="http://schemas.openxmlformats.org/drawingml/2006/diagram" xmlns:a="http://schemas.openxmlformats.org/drawingml/2006/main" uniqueId="urn:microsoft.com/office/officeart/2005/8/layout/funnel1">
   <dgm:title val=""/>
   <dgm:desc val=""/>
@@ -22474,6 +23675,567 @@
 </file>
 
 <file path=ppt/diagrams/layout4.xml><?xml version="1.0" encoding="utf-8"?>
+<dgm:layoutDef xmlns:dgm="http://schemas.openxmlformats.org/drawingml/2006/diagram" xmlns:a="http://schemas.openxmlformats.org/drawingml/2006/main" uniqueId="urn:microsoft.com/office/officeart/2009/layout/CirclePictureHierarchy">
+  <dgm:title val=""/>
+  <dgm:desc val=""/>
+  <dgm:catLst>
+    <dgm:cat type="hierarchy" pri="1750"/>
+    <dgm:cat type="picture" pri="23000"/>
+    <dgm:cat type="pictureconvert" pri="23000"/>
+  </dgm:catLst>
+  <dgm:sampData>
+    <dgm:dataModel>
+      <dgm:ptLst>
+        <dgm:pt modelId="0" type="doc"/>
+        <dgm:pt modelId="1">
+          <dgm:prSet phldr="1"/>
+        </dgm:pt>
+        <dgm:pt modelId="2">
+          <dgm:prSet phldr="1"/>
+        </dgm:pt>
+        <dgm:pt modelId="21">
+          <dgm:prSet phldr="1"/>
+        </dgm:pt>
+        <dgm:pt modelId="22">
+          <dgm:prSet phldr="1"/>
+        </dgm:pt>
+        <dgm:pt modelId="3">
+          <dgm:prSet phldr="1"/>
+        </dgm:pt>
+        <dgm:pt modelId="31">
+          <dgm:prSet phldr="1"/>
+        </dgm:pt>
+      </dgm:ptLst>
+      <dgm:cxnLst>
+        <dgm:cxn modelId="4" srcId="0" destId="1" srcOrd="0" destOrd="0"/>
+        <dgm:cxn modelId="5" srcId="1" destId="2" srcOrd="0" destOrd="0"/>
+        <dgm:cxn modelId="6" srcId="1" destId="3" srcOrd="1" destOrd="0"/>
+        <dgm:cxn modelId="23" srcId="2" destId="21" srcOrd="0" destOrd="0"/>
+        <dgm:cxn modelId="24" srcId="2" destId="22" srcOrd="1" destOrd="0"/>
+        <dgm:cxn modelId="33" srcId="3" destId="31" srcOrd="0" destOrd="0"/>
+      </dgm:cxnLst>
+      <dgm:bg/>
+      <dgm:whole/>
+    </dgm:dataModel>
+  </dgm:sampData>
+  <dgm:styleData>
+    <dgm:dataModel>
+      <dgm:ptLst>
+        <dgm:pt modelId="0" type="doc"/>
+        <dgm:pt modelId="1"/>
+        <dgm:pt modelId="11"/>
+        <dgm:pt modelId="12"/>
+      </dgm:ptLst>
+      <dgm:cxnLst>
+        <dgm:cxn modelId="2" srcId="0" destId="1" srcOrd="0" destOrd="0"/>
+        <dgm:cxn modelId="13" srcId="1" destId="11" srcOrd="0" destOrd="0"/>
+        <dgm:cxn modelId="14" srcId="1" destId="12" srcOrd="1" destOrd="0"/>
+      </dgm:cxnLst>
+      <dgm:bg/>
+      <dgm:whole/>
+    </dgm:dataModel>
+  </dgm:styleData>
+  <dgm:clrData>
+    <dgm:dataModel>
+      <dgm:ptLst>
+        <dgm:pt modelId="0" type="doc"/>
+        <dgm:pt modelId="1"/>
+        <dgm:pt modelId="2"/>
+        <dgm:pt modelId="21"/>
+        <dgm:pt modelId="211"/>
+        <dgm:pt modelId="3"/>
+        <dgm:pt modelId="31"/>
+        <dgm:pt modelId="311"/>
+      </dgm:ptLst>
+      <dgm:cxnLst>
+        <dgm:cxn modelId="4" srcId="0" destId="1" srcOrd="0" destOrd="0"/>
+        <dgm:cxn modelId="5" srcId="1" destId="2" srcOrd="0" destOrd="0"/>
+        <dgm:cxn modelId="6" srcId="1" destId="3" srcOrd="1" destOrd="0"/>
+        <dgm:cxn modelId="23" srcId="2" destId="21" srcOrd="0" destOrd="0"/>
+        <dgm:cxn modelId="24" srcId="21" destId="211" srcOrd="0" destOrd="0"/>
+        <dgm:cxn modelId="33" srcId="3" destId="31" srcOrd="0" destOrd="0"/>
+        <dgm:cxn modelId="34" srcId="31" destId="311" srcOrd="0" destOrd="0"/>
+      </dgm:cxnLst>
+      <dgm:bg/>
+      <dgm:whole/>
+    </dgm:dataModel>
+  </dgm:clrData>
+  <dgm:layoutNode name="hierChild1">
+    <dgm:varLst>
+      <dgm:chPref val="1"/>
+      <dgm:dir/>
+      <dgm:animOne val="branch"/>
+      <dgm:animLvl val="lvl"/>
+      <dgm:resizeHandles/>
+    </dgm:varLst>
+    <dgm:choose name="Name0">
+      <dgm:if name="Name1" func="var" arg="dir" op="equ" val="norm">
+        <dgm:alg type="hierChild">
+          <dgm:param type="linDir" val="fromL"/>
+        </dgm:alg>
+      </dgm:if>
+      <dgm:else name="Name2">
+        <dgm:alg type="hierChild">
+          <dgm:param type="linDir" val="fromR"/>
+        </dgm:alg>
+      </dgm:else>
+    </dgm:choose>
+    <dgm:shape xmlns:r="http://schemas.openxmlformats.org/officeDocument/2006/relationships" r:blip="">
+      <dgm:adjLst/>
+    </dgm:shape>
+    <dgm:presOf/>
+    <dgm:constrLst>
+      <dgm:constr type="primFontSz" for="des" ptType="node" op="equ" val="65"/>
+      <dgm:constr type="w" for="des" forName="composite" refType="w"/>
+      <dgm:constr type="h" for="des" forName="composite" refType="w" refFor="des" refForName="composite" fact="0.5"/>
+      <dgm:constr type="w" for="des" forName="composite2" refType="w" refFor="des" refForName="composite"/>
+      <dgm:constr type="h" for="des" forName="composite2" refType="h" refFor="des" refForName="composite"/>
+      <dgm:constr type="w" for="des" forName="composite3" refType="w" refFor="des" refForName="composite"/>
+      <dgm:constr type="h" for="des" forName="composite3" refType="h" refFor="des" refForName="composite"/>
+      <dgm:constr type="w" for="des" forName="composite4" refType="w" refFor="des" refForName="composite"/>
+      <dgm:constr type="h" for="des" forName="composite4" refType="h" refFor="des" refForName="composite"/>
+      <dgm:constr type="w" for="des" forName="composite5" refType="w" refFor="des" refForName="composite"/>
+      <dgm:constr type="h" for="des" forName="composite5" refType="h" refFor="des" refForName="composite"/>
+      <dgm:constr type="sibSp" refType="w" refFor="des" refForName="composite" fact="0.1"/>
+      <dgm:constr type="sibSp" for="des" forName="hierChild2" refType="sibSp"/>
+      <dgm:constr type="sibSp" for="des" forName="hierChild3" refType="sibSp"/>
+      <dgm:constr type="sibSp" for="des" forName="hierChild4" refType="sibSp"/>
+      <dgm:constr type="sibSp" for="des" forName="hierChild5" refType="sibSp"/>
+      <dgm:constr type="sibSp" for="des" forName="hierChild6" refType="sibSp"/>
+      <dgm:constr type="sp" for="des" forName="hierRoot1" refType="h" refFor="des" refForName="composite" fact="0.25"/>
+      <dgm:constr type="sp" for="des" forName="hierRoot2" refType="sp" refFor="des" refForName="hierRoot1"/>
+      <dgm:constr type="sp" for="des" forName="hierRoot3" refType="sp" refFor="des" refForName="hierRoot1"/>
+      <dgm:constr type="sp" for="des" forName="hierRoot4" refType="sp" refFor="des" refForName="hierRoot1"/>
+      <dgm:constr type="sp" for="des" forName="hierRoot5" refType="sp" refFor="des" refForName="hierRoot1"/>
+    </dgm:constrLst>
+    <dgm:ruleLst/>
+    <dgm:forEach name="Name3" axis="ch">
+      <dgm:forEach name="Name4" axis="self" ptType="node">
+        <dgm:layoutNode name="hierRoot1">
+          <dgm:alg type="hierRoot"/>
+          <dgm:shape xmlns:r="http://schemas.openxmlformats.org/officeDocument/2006/relationships" r:blip="">
+            <dgm:adjLst/>
+          </dgm:shape>
+          <dgm:presOf/>
+          <dgm:constrLst>
+            <dgm:constr type="bendDist" for="des" ptType="parTrans" refType="sp" fact="0.5"/>
+          </dgm:constrLst>
+          <dgm:ruleLst/>
+          <dgm:layoutNode name="composite">
+            <dgm:alg type="composite"/>
+            <dgm:shape xmlns:r="http://schemas.openxmlformats.org/officeDocument/2006/relationships" r:blip="">
+              <dgm:adjLst/>
+            </dgm:shape>
+            <dgm:presOf/>
+            <dgm:constrLst>
+              <dgm:constr type="h" for="ch" forName="image" refType="h" fact="0.8"/>
+              <dgm:constr type="w" for="ch" forName="image" refType="h" refFor="ch" refForName="image"/>
+              <dgm:constr type="t" for="ch" forName="image" refType="h" fact="0.1"/>
+              <dgm:constr type="l" for="ch" forName="image"/>
+              <dgm:constr type="w" for="ch" forName="text" refType="w" fact="0.6"/>
+              <dgm:constr type="h" for="ch" forName="text" refType="h" fact="0.8"/>
+              <dgm:constr type="t" for="ch" forName="text" refType="w" fact="0.04"/>
+              <dgm:constr type="l" for="ch" forName="text" refType="w" fact="0.4"/>
+            </dgm:constrLst>
+            <dgm:ruleLst/>
+            <dgm:layoutNode name="image" styleLbl="node0">
+              <dgm:alg type="sp"/>
+              <dgm:shape xmlns:r="http://schemas.openxmlformats.org/officeDocument/2006/relationships" type="ellipse" r:blip="" blipPhldr="1">
+                <dgm:adjLst/>
+              </dgm:shape>
+              <dgm:presOf/>
+              <dgm:constrLst/>
+              <dgm:ruleLst/>
+            </dgm:layoutNode>
+            <dgm:layoutNode name="text" styleLbl="revTx">
+              <dgm:varLst>
+                <dgm:chPref val="3"/>
+              </dgm:varLst>
+              <dgm:alg type="tx">
+                <dgm:param type="parTxLTRAlign" val="l"/>
+                <dgm:param type="parTxRTLAlign" val="r"/>
+              </dgm:alg>
+              <dgm:shape xmlns:r="http://schemas.openxmlformats.org/officeDocument/2006/relationships" type="rect" r:blip="">
+                <dgm:adjLst/>
+              </dgm:shape>
+              <dgm:presOf axis="self"/>
+              <dgm:constrLst>
+                <dgm:constr type="tMarg" refType="primFontSz" fact="0.3"/>
+                <dgm:constr type="bMarg" refType="primFontSz" fact="0.3"/>
+                <dgm:constr type="lMarg" refType="primFontSz" fact="0.3"/>
+                <dgm:constr type="rMarg" refType="primFontSz" fact="0.3"/>
+              </dgm:constrLst>
+              <dgm:ruleLst>
+                <dgm:rule type="primFontSz" val="5" fact="NaN" max="NaN"/>
+              </dgm:ruleLst>
+            </dgm:layoutNode>
+          </dgm:layoutNode>
+          <dgm:layoutNode name="hierChild2">
+            <dgm:choose name="Name5">
+              <dgm:if name="Name6" func="var" arg="dir" op="equ" val="norm">
+                <dgm:alg type="hierChild">
+                  <dgm:param type="linDir" val="fromL"/>
+                </dgm:alg>
+              </dgm:if>
+              <dgm:else name="Name7">
+                <dgm:alg type="hierChild">
+                  <dgm:param type="linDir" val="fromR"/>
+                </dgm:alg>
+              </dgm:else>
+            </dgm:choose>
+            <dgm:shape xmlns:r="http://schemas.openxmlformats.org/officeDocument/2006/relationships" r:blip="">
+              <dgm:adjLst/>
+            </dgm:shape>
+            <dgm:presOf/>
+            <dgm:constrLst/>
+            <dgm:ruleLst/>
+            <dgm:forEach name="Name8" axis="ch">
+              <dgm:forEach name="Name9" axis="self" ptType="parTrans" cnt="1">
+                <dgm:layoutNode name="Name10">
+                  <dgm:alg type="conn">
+                    <dgm:param type="dim" val="1D"/>
+                    <dgm:param type="endSty" val="noArr"/>
+                    <dgm:param type="connRout" val="bend"/>
+                    <dgm:param type="bendPt" val="end"/>
+                    <dgm:param type="begPts" val="bCtr"/>
+                    <dgm:param type="endPts" val="tCtr"/>
+                    <dgm:param type="srcNode" val="image"/>
+                    <dgm:param type="dstNode" val="image2"/>
+                  </dgm:alg>
+                  <dgm:shape xmlns:r="http://schemas.openxmlformats.org/officeDocument/2006/relationships" type="conn" r:blip="" zOrderOff="-999">
+                    <dgm:adjLst/>
+                  </dgm:shape>
+                  <dgm:presOf axis="self"/>
+                  <dgm:constrLst>
+                    <dgm:constr type="begPad"/>
+                    <dgm:constr type="endPad"/>
+                  </dgm:constrLst>
+                  <dgm:ruleLst/>
+                </dgm:layoutNode>
+              </dgm:forEach>
+              <dgm:forEach name="Name11" axis="self" ptType="node">
+                <dgm:layoutNode name="hierRoot2">
+                  <dgm:alg type="hierRoot"/>
+                  <dgm:shape xmlns:r="http://schemas.openxmlformats.org/officeDocument/2006/relationships" r:blip="">
+                    <dgm:adjLst/>
+                  </dgm:shape>
+                  <dgm:presOf/>
+                  <dgm:constrLst>
+                    <dgm:constr type="bendDist" for="des" ptType="parTrans" refType="sp" fact="0.5"/>
+                  </dgm:constrLst>
+                  <dgm:ruleLst/>
+                  <dgm:layoutNode name="composite2">
+                    <dgm:alg type="composite"/>
+                    <dgm:shape xmlns:r="http://schemas.openxmlformats.org/officeDocument/2006/relationships" r:blip="">
+                      <dgm:adjLst/>
+                    </dgm:shape>
+                    <dgm:presOf/>
+                    <dgm:constrLst>
+                      <dgm:constr type="h" for="ch" forName="image2" refType="h" fact="0.8"/>
+                      <dgm:constr type="w" for="ch" forName="image2" refType="h" refFor="ch" refForName="image2"/>
+                      <dgm:constr type="t" for="ch" forName="image2" refType="h" fact="0.1"/>
+                      <dgm:constr type="l" for="ch" forName="image2"/>
+                      <dgm:constr type="w" for="ch" forName="text2" refType="w" fact="0.6"/>
+                      <dgm:constr type="h" for="ch" forName="text2" refType="h" fact="0.8"/>
+                      <dgm:constr type="t" for="ch" forName="text2" refType="w" fact="0.04"/>
+                      <dgm:constr type="l" for="ch" forName="text2" refType="w" fact="0.4"/>
+                    </dgm:constrLst>
+                    <dgm:ruleLst/>
+                    <dgm:layoutNode name="image2">
+                      <dgm:alg type="sp"/>
+                      <dgm:shape xmlns:r="http://schemas.openxmlformats.org/officeDocument/2006/relationships" type="ellipse" r:blip="" blipPhldr="1">
+                        <dgm:adjLst/>
+                      </dgm:shape>
+                      <dgm:presOf/>
+                      <dgm:constrLst/>
+                      <dgm:ruleLst/>
+                    </dgm:layoutNode>
+                    <dgm:layoutNode name="text2" styleLbl="revTx">
+                      <dgm:varLst>
+                        <dgm:chPref val="3"/>
+                      </dgm:varLst>
+                      <dgm:alg type="tx">
+                        <dgm:param type="parTxLTRAlign" val="l"/>
+                        <dgm:param type="parTxRTLAlign" val="r"/>
+                      </dgm:alg>
+                      <dgm:shape xmlns:r="http://schemas.openxmlformats.org/officeDocument/2006/relationships" type="rect" r:blip="">
+                        <dgm:adjLst/>
+                      </dgm:shape>
+                      <dgm:presOf axis="self"/>
+                      <dgm:constrLst>
+                        <dgm:constr type="tMarg" refType="primFontSz" fact="0.3"/>
+                        <dgm:constr type="bMarg" refType="primFontSz" fact="0.3"/>
+                        <dgm:constr type="lMarg" refType="primFontSz" fact="0.3"/>
+                        <dgm:constr type="rMarg" refType="primFontSz" fact="0.3"/>
+                      </dgm:constrLst>
+                      <dgm:ruleLst>
+                        <dgm:rule type="primFontSz" val="5" fact="NaN" max="NaN"/>
+                      </dgm:ruleLst>
+                    </dgm:layoutNode>
+                  </dgm:layoutNode>
+                  <dgm:layoutNode name="hierChild3">
+                    <dgm:choose name="Name12">
+                      <dgm:if name="Name13" func="var" arg="dir" op="equ" val="norm">
+                        <dgm:alg type="hierChild">
+                          <dgm:param type="linDir" val="fromL"/>
+                        </dgm:alg>
+                      </dgm:if>
+                      <dgm:else name="Name14">
+                        <dgm:alg type="hierChild">
+                          <dgm:param type="linDir" val="fromR"/>
+                        </dgm:alg>
+                      </dgm:else>
+                    </dgm:choose>
+                    <dgm:shape xmlns:r="http://schemas.openxmlformats.org/officeDocument/2006/relationships" r:blip="">
+                      <dgm:adjLst/>
+                    </dgm:shape>
+                    <dgm:presOf/>
+                    <dgm:constrLst/>
+                    <dgm:ruleLst/>
+                    <dgm:forEach name="Name15" axis="ch">
+                      <dgm:forEach name="Name16" axis="self" ptType="parTrans" cnt="1">
+                        <dgm:layoutNode name="Name17">
+                          <dgm:alg type="conn">
+                            <dgm:param type="dim" val="1D"/>
+                            <dgm:param type="endSty" val="noArr"/>
+                            <dgm:param type="connRout" val="bend"/>
+                            <dgm:param type="bendPt" val="end"/>
+                            <dgm:param type="begPts" val="bCtr"/>
+                            <dgm:param type="endPts" val="tCtr"/>
+                            <dgm:param type="srcNode" val="image2"/>
+                            <dgm:param type="dstNode" val="image3"/>
+                          </dgm:alg>
+                          <dgm:shape xmlns:r="http://schemas.openxmlformats.org/officeDocument/2006/relationships" type="conn" r:blip="" zOrderOff="-999">
+                            <dgm:adjLst/>
+                          </dgm:shape>
+                          <dgm:presOf axis="self"/>
+                          <dgm:constrLst>
+                            <dgm:constr type="begPad"/>
+                            <dgm:constr type="endPad"/>
+                          </dgm:constrLst>
+                          <dgm:ruleLst/>
+                        </dgm:layoutNode>
+                      </dgm:forEach>
+                      <dgm:forEach name="Name18" axis="self" ptType="node">
+                        <dgm:layoutNode name="hierRoot3">
+                          <dgm:alg type="hierRoot"/>
+                          <dgm:shape xmlns:r="http://schemas.openxmlformats.org/officeDocument/2006/relationships" r:blip="">
+                            <dgm:adjLst/>
+                          </dgm:shape>
+                          <dgm:presOf/>
+                          <dgm:constrLst>
+                            <dgm:constr type="bendDist" for="des" ptType="parTrans" refType="sp" fact="0.5"/>
+                          </dgm:constrLst>
+                          <dgm:ruleLst/>
+                          <dgm:layoutNode name="composite3">
+                            <dgm:alg type="composite"/>
+                            <dgm:shape xmlns:r="http://schemas.openxmlformats.org/officeDocument/2006/relationships" r:blip="">
+                              <dgm:adjLst/>
+                            </dgm:shape>
+                            <dgm:presOf/>
+                            <dgm:constrLst>
+                              <dgm:constr type="h" for="ch" forName="image3" refType="h" fact="0.8"/>
+                              <dgm:constr type="w" for="ch" forName="image3" refType="h" refFor="ch" refForName="image3"/>
+                              <dgm:constr type="t" for="ch" forName="image3" refType="h" fact="0.1"/>
+                              <dgm:constr type="l" for="ch" forName="image3"/>
+                              <dgm:constr type="w" for="ch" forName="text3" refType="w" fact="0.6"/>
+                              <dgm:constr type="h" for="ch" forName="text3" refType="h" fact="0.8"/>
+                              <dgm:constr type="t" for="ch" forName="text3" refType="w" fact="0.04"/>
+                              <dgm:constr type="l" for="ch" forName="text3" refType="w" fact="0.4"/>
+                            </dgm:constrLst>
+                            <dgm:ruleLst/>
+                            <dgm:layoutNode name="image3">
+                              <dgm:alg type="sp"/>
+                              <dgm:shape xmlns:r="http://schemas.openxmlformats.org/officeDocument/2006/relationships" type="ellipse" r:blip="" blipPhldr="1">
+                                <dgm:adjLst/>
+                              </dgm:shape>
+                              <dgm:presOf/>
+                              <dgm:constrLst/>
+                              <dgm:ruleLst/>
+                            </dgm:layoutNode>
+                            <dgm:layoutNode name="text3" styleLbl="revTx">
+                              <dgm:varLst>
+                                <dgm:chPref val="3"/>
+                              </dgm:varLst>
+                              <dgm:alg type="tx">
+                                <dgm:param type="parTxLTRAlign" val="l"/>
+                                <dgm:param type="parTxRTLAlign" val="r"/>
+                              </dgm:alg>
+                              <dgm:shape xmlns:r="http://schemas.openxmlformats.org/officeDocument/2006/relationships" type="rect" r:blip="">
+                                <dgm:adjLst/>
+                              </dgm:shape>
+                              <dgm:presOf axis="self"/>
+                              <dgm:constrLst>
+                                <dgm:constr type="tMarg" refType="primFontSz" fact="0.3"/>
+                                <dgm:constr type="bMarg" refType="primFontSz" fact="0.3"/>
+                                <dgm:constr type="lMarg" refType="primFontSz" fact="0.3"/>
+                                <dgm:constr type="rMarg" refType="primFontSz" fact="0.3"/>
+                              </dgm:constrLst>
+                              <dgm:ruleLst>
+                                <dgm:rule type="primFontSz" val="5" fact="NaN" max="NaN"/>
+                              </dgm:ruleLst>
+                            </dgm:layoutNode>
+                          </dgm:layoutNode>
+                          <dgm:layoutNode name="hierChild4">
+                            <dgm:choose name="Name19">
+                              <dgm:if name="Name20" func="var" arg="dir" op="equ" val="norm">
+                                <dgm:alg type="hierChild">
+                                  <dgm:param type="linDir" val="fromL"/>
+                                </dgm:alg>
+                              </dgm:if>
+                              <dgm:else name="Name21">
+                                <dgm:alg type="hierChild">
+                                  <dgm:param type="linDir" val="fromR"/>
+                                </dgm:alg>
+                              </dgm:else>
+                            </dgm:choose>
+                            <dgm:shape xmlns:r="http://schemas.openxmlformats.org/officeDocument/2006/relationships" r:blip="">
+                              <dgm:adjLst/>
+                            </dgm:shape>
+                            <dgm:presOf/>
+                            <dgm:constrLst/>
+                            <dgm:ruleLst/>
+                            <dgm:forEach name="repeat" axis="ch">
+                              <dgm:forEach name="Name22" axis="self" ptType="parTrans" cnt="1">
+                                <dgm:layoutNode name="Name23">
+                                  <dgm:choose name="Name24">
+                                    <dgm:if name="Name25" axis="self" func="depth" op="lte" val="4">
+                                      <dgm:alg type="conn">
+                                        <dgm:param type="dim" val="1D"/>
+                                        <dgm:param type="endSty" val="noArr"/>
+                                        <dgm:param type="connRout" val="bend"/>
+                                        <dgm:param type="bendPt" val="end"/>
+                                        <dgm:param type="begPts" val="bCtr"/>
+                                        <dgm:param type="endPts" val="tCtr"/>
+                                        <dgm:param type="srcNode" val="image3"/>
+                                        <dgm:param type="dstNode" val="image4"/>
+                                      </dgm:alg>
+                                    </dgm:if>
+                                    <dgm:else name="Name26">
+                                      <dgm:alg type="conn">
+                                        <dgm:param type="dim" val="1D"/>
+                                        <dgm:param type="endSty" val="noArr"/>
+                                        <dgm:param type="connRout" val="bend"/>
+                                        <dgm:param type="bendPt" val="end"/>
+                                        <dgm:param type="begPts" val="bCtr"/>
+                                        <dgm:param type="endPts" val="tCtr"/>
+                                        <dgm:param type="srcNode" val="image4"/>
+                                        <dgm:param type="dstNode" val="image4"/>
+                                      </dgm:alg>
+                                    </dgm:else>
+                                  </dgm:choose>
+                                  <dgm:shape xmlns:r="http://schemas.openxmlformats.org/officeDocument/2006/relationships" type="conn" r:blip="" zOrderOff="-999">
+                                    <dgm:adjLst/>
+                                  </dgm:shape>
+                                  <dgm:presOf axis="self"/>
+                                  <dgm:constrLst>
+                                    <dgm:constr type="begPad"/>
+                                    <dgm:constr type="endPad"/>
+                                  </dgm:constrLst>
+                                  <dgm:ruleLst/>
+                                </dgm:layoutNode>
+                              </dgm:forEach>
+                              <dgm:forEach name="Name27" axis="self" ptType="node">
+                                <dgm:layoutNode name="hierRoot4">
+                                  <dgm:alg type="hierRoot"/>
+                                  <dgm:shape xmlns:r="http://schemas.openxmlformats.org/officeDocument/2006/relationships" r:blip="">
+                                    <dgm:adjLst/>
+                                  </dgm:shape>
+                                  <dgm:presOf/>
+                                  <dgm:constrLst>
+                                    <dgm:constr type="bendDist" for="des" ptType="parTrans" refType="sp" fact="0.5"/>
+                                  </dgm:constrLst>
+                                  <dgm:ruleLst/>
+                                  <dgm:layoutNode name="composite4">
+                                    <dgm:alg type="composite"/>
+                                    <dgm:shape xmlns:r="http://schemas.openxmlformats.org/officeDocument/2006/relationships" r:blip="">
+                                      <dgm:adjLst/>
+                                    </dgm:shape>
+                                    <dgm:presOf/>
+                                    <dgm:constrLst>
+                                      <dgm:constr type="h" for="ch" forName="image4" refType="h" fact="0.8"/>
+                                      <dgm:constr type="w" for="ch" forName="image4" refType="h" refFor="ch" refForName="image4"/>
+                                      <dgm:constr type="t" for="ch" forName="image4" refType="h" fact="0.1"/>
+                                      <dgm:constr type="l" for="ch" forName="image4"/>
+                                      <dgm:constr type="w" for="ch" forName="text4" refType="w" fact="0.6"/>
+                                      <dgm:constr type="h" for="ch" forName="text4" refType="h" fact="0.8"/>
+                                      <dgm:constr type="t" for="ch" forName="text4" refType="w" fact="0.04"/>
+                                      <dgm:constr type="l" for="ch" forName="text4" refType="w" fact="0.4"/>
+                                    </dgm:constrLst>
+                                    <dgm:ruleLst/>
+                                    <dgm:layoutNode name="image4">
+                                      <dgm:alg type="sp"/>
+                                      <dgm:shape xmlns:r="http://schemas.openxmlformats.org/officeDocument/2006/relationships" type="ellipse" r:blip="" blipPhldr="1">
+                                        <dgm:adjLst/>
+                                      </dgm:shape>
+                                      <dgm:presOf/>
+                                      <dgm:constrLst/>
+                                      <dgm:ruleLst/>
+                                    </dgm:layoutNode>
+                                    <dgm:layoutNode name="text4" styleLbl="revTx">
+                                      <dgm:varLst>
+                                        <dgm:chPref val="3"/>
+                                      </dgm:varLst>
+                                      <dgm:alg type="tx">
+                                        <dgm:param type="parTxLTRAlign" val="l"/>
+                                        <dgm:param type="parTxRTLAlign" val="r"/>
+                                      </dgm:alg>
+                                      <dgm:shape xmlns:r="http://schemas.openxmlformats.org/officeDocument/2006/relationships" type="rect" r:blip="">
+                                        <dgm:adjLst/>
+                                      </dgm:shape>
+                                      <dgm:presOf axis="self"/>
+                                      <dgm:constrLst>
+                                        <dgm:constr type="tMarg" refType="primFontSz" fact="0.3"/>
+                                        <dgm:constr type="bMarg" refType="primFontSz" fact="0.3"/>
+                                        <dgm:constr type="lMarg" refType="primFontSz" fact="0.3"/>
+                                        <dgm:constr type="rMarg" refType="primFontSz" fact="0.3"/>
+                                      </dgm:constrLst>
+                                      <dgm:ruleLst>
+                                        <dgm:rule type="primFontSz" val="5" fact="NaN" max="NaN"/>
+                                      </dgm:ruleLst>
+                                    </dgm:layoutNode>
+                                  </dgm:layoutNode>
+                                  <dgm:layoutNode name="hierChild5">
+                                    <dgm:choose name="Name28">
+                                      <dgm:if name="Name29" func="var" arg="dir" op="equ" val="norm">
+                                        <dgm:alg type="hierChild">
+                                          <dgm:param type="linDir" val="fromL"/>
+                                        </dgm:alg>
+                                      </dgm:if>
+                                      <dgm:else name="Name30">
+                                        <dgm:alg type="hierChild">
+                                          <dgm:param type="linDir" val="fromR"/>
+                                        </dgm:alg>
+                                      </dgm:else>
+                                    </dgm:choose>
+                                    <dgm:shape xmlns:r="http://schemas.openxmlformats.org/officeDocument/2006/relationships" r:blip="">
+                                      <dgm:adjLst/>
+                                    </dgm:shape>
+                                    <dgm:presOf/>
+                                    <dgm:constrLst/>
+                                    <dgm:ruleLst/>
+                                    <dgm:forEach name="Name31" ref="repeat"/>
+                                  </dgm:layoutNode>
+                                </dgm:layoutNode>
+                              </dgm:forEach>
+                            </dgm:forEach>
+                          </dgm:layoutNode>
+                        </dgm:layoutNode>
+                      </dgm:forEach>
+                    </dgm:forEach>
+                  </dgm:layoutNode>
+                </dgm:layoutNode>
+              </dgm:forEach>
+            </dgm:forEach>
+          </dgm:layoutNode>
+        </dgm:layoutNode>
+      </dgm:forEach>
+    </dgm:forEach>
+  </dgm:layoutNode>
+</dgm:layoutDef>
+</file>
+
+<file path=ppt/diagrams/layout5.xml><?xml version="1.0" encoding="utf-8"?>
 <dgm:layoutDef xmlns:dgm="http://schemas.openxmlformats.org/drawingml/2006/diagram" xmlns:a="http://schemas.openxmlformats.org/drawingml/2006/main" uniqueId="urn:microsoft.com/office/officeart/2005/8/layout/vList4">
   <dgm:title val=""/>
   <dgm:desc val=""/>
@@ -22680,7 +24442,7 @@
 </dgm:layoutDef>
 </file>
 
-<file path=ppt/diagrams/layout5.xml><?xml version="1.0" encoding="utf-8"?>
+<file path=ppt/diagrams/layout6.xml><?xml version="1.0" encoding="utf-8"?>
 <dgm:layoutDef xmlns:dgm="http://schemas.openxmlformats.org/drawingml/2006/diagram" xmlns:a="http://schemas.openxmlformats.org/drawingml/2006/main" uniqueId="urn:microsoft.com/office/officeart/2005/8/layout/cycle2">
   <dgm:title val=""/>
   <dgm:desc val=""/>
@@ -22891,19 +24653,41 @@
 </dgm:layoutDef>
 </file>
 
-<file path=ppt/diagrams/layout6.xml><?xml version="1.0" encoding="utf-8"?>
-<dgm:layoutDef xmlns:dgm="http://schemas.openxmlformats.org/drawingml/2006/diagram" xmlns:a="http://schemas.openxmlformats.org/drawingml/2006/main" uniqueId="urn:microsoft.com/office/officeart/2005/8/layout/vList3">
+<file path=ppt/diagrams/layout7.xml><?xml version="1.0" encoding="utf-8"?>
+<dgm:layoutDef xmlns:dgm="http://schemas.openxmlformats.org/drawingml/2006/diagram" xmlns:a="http://schemas.openxmlformats.org/drawingml/2006/main" uniqueId="urn:microsoft.com/office/officeart/2005/8/layout/cycle2">
   <dgm:title val=""/>
   <dgm:desc val=""/>
   <dgm:catLst>
-    <dgm:cat type="list" pri="14000"/>
-    <dgm:cat type="convert" pri="3000"/>
-    <dgm:cat type="picture" pri="27000"/>
-    <dgm:cat type="pictureconvert" pri="27000"/>
+    <dgm:cat type="cycle" pri="1000"/>
+    <dgm:cat type="convert" pri="10000"/>
   </dgm:catLst>
-  <dgm:sampData useDef="1">
+  <dgm:sampData>
     <dgm:dataModel>
-      <dgm:ptLst/>
+      <dgm:ptLst>
+        <dgm:pt modelId="0" type="doc"/>
+        <dgm:pt modelId="1">
+          <dgm:prSet phldr="1"/>
+        </dgm:pt>
+        <dgm:pt modelId="2">
+          <dgm:prSet phldr="1"/>
+        </dgm:pt>
+        <dgm:pt modelId="3">
+          <dgm:prSet phldr="1"/>
+        </dgm:pt>
+        <dgm:pt modelId="4">
+          <dgm:prSet phldr="1"/>
+        </dgm:pt>
+        <dgm:pt modelId="5">
+          <dgm:prSet phldr="1"/>
+        </dgm:pt>
+      </dgm:ptLst>
+      <dgm:cxnLst>
+        <dgm:cxn modelId="6" srcId="0" destId="1" srcOrd="0" destOrd="0"/>
+        <dgm:cxn modelId="7" srcId="0" destId="2" srcOrd="1" destOrd="0"/>
+        <dgm:cxn modelId="8" srcId="0" destId="3" srcOrd="2" destOrd="0"/>
+        <dgm:cxn modelId="9" srcId="0" destId="4" srcOrd="3" destOrd="0"/>
+        <dgm:cxn modelId="10" srcId="0" destId="5" srcOrd="4" destOrd="0"/>
+      </dgm:cxnLst>
       <dgm:bg/>
       <dgm:whole/>
     </dgm:dataModel>
@@ -22914,10 +24698,12 @@
         <dgm:pt modelId="0" type="doc"/>
         <dgm:pt modelId="1"/>
         <dgm:pt modelId="2"/>
+        <dgm:pt modelId="3"/>
       </dgm:ptLst>
       <dgm:cxnLst>
-        <dgm:cxn modelId="3" srcId="0" destId="1" srcOrd="0" destOrd="0"/>
-        <dgm:cxn modelId="4" srcId="0" destId="2" srcOrd="1" destOrd="0"/>
+        <dgm:cxn modelId="4" srcId="0" destId="1" srcOrd="0" destOrd="0"/>
+        <dgm:cxn modelId="5" srcId="0" destId="2" srcOrd="1" destOrd="0"/>
+        <dgm:cxn modelId="6" srcId="0" destId="3" srcOrd="2" destOrd="0"/>
       </dgm:cxnLst>
       <dgm:bg/>
       <dgm:whole/>
@@ -22931,130 +24717,154 @@
         <dgm:pt modelId="2"/>
         <dgm:pt modelId="3"/>
         <dgm:pt modelId="4"/>
+        <dgm:pt modelId="5"/>
+        <dgm:pt modelId="6"/>
       </dgm:ptLst>
       <dgm:cxnLst>
-        <dgm:cxn modelId="5" srcId="0" destId="1" srcOrd="0" destOrd="0"/>
-        <dgm:cxn modelId="6" srcId="0" destId="2" srcOrd="1" destOrd="0"/>
-        <dgm:cxn modelId="7" srcId="0" destId="3" srcOrd="2" destOrd="0"/>
-        <dgm:cxn modelId="8" srcId="0" destId="4" srcOrd="3" destOrd="0"/>
+        <dgm:cxn modelId="7" srcId="0" destId="1" srcOrd="0" destOrd="0"/>
+        <dgm:cxn modelId="8" srcId="0" destId="2" srcOrd="1" destOrd="0"/>
+        <dgm:cxn modelId="9" srcId="0" destId="3" srcOrd="2" destOrd="0"/>
+        <dgm:cxn modelId="10" srcId="0" destId="4" srcOrd="3" destOrd="0"/>
+        <dgm:cxn modelId="11" srcId="0" destId="5" srcOrd="4" destOrd="0"/>
+        <dgm:cxn modelId="12" srcId="0" destId="6" srcOrd="5" destOrd="0"/>
       </dgm:cxnLst>
       <dgm:bg/>
       <dgm:whole/>
     </dgm:dataModel>
   </dgm:clrData>
-  <dgm:layoutNode name="linearFlow">
+  <dgm:layoutNode name="cycle">
     <dgm:varLst>
       <dgm:dir/>
       <dgm:resizeHandles val="exact"/>
     </dgm:varLst>
-    <dgm:alg type="lin">
-      <dgm:param type="linDir" val="fromT"/>
-      <dgm:param type="vertAlign" val="mid"/>
-      <dgm:param type="horzAlign" val="ctr"/>
-    </dgm:alg>
+    <dgm:choose name="Name0">
+      <dgm:if name="Name1" func="var" arg="dir" op="equ" val="norm">
+        <dgm:choose name="Name2">
+          <dgm:if name="Name3" axis="ch" ptType="node" func="cnt" op="gt" val="2">
+            <dgm:alg type="cycle">
+              <dgm:param type="stAng" val="0"/>
+              <dgm:param type="spanAng" val="360"/>
+            </dgm:alg>
+          </dgm:if>
+          <dgm:else name="Name4">
+            <dgm:alg type="cycle">
+              <dgm:param type="stAng" val="-90"/>
+              <dgm:param type="spanAng" val="360"/>
+            </dgm:alg>
+          </dgm:else>
+        </dgm:choose>
+      </dgm:if>
+      <dgm:else name="Name5">
+        <dgm:choose name="Name6">
+          <dgm:if name="Name7" axis="ch" ptType="node" func="cnt" op="gt" val="2">
+            <dgm:alg type="cycle">
+              <dgm:param type="stAng" val="0"/>
+              <dgm:param type="spanAng" val="-360"/>
+            </dgm:alg>
+          </dgm:if>
+          <dgm:else name="Name8">
+            <dgm:alg type="cycle">
+              <dgm:param type="stAng" val="90"/>
+              <dgm:param type="spanAng" val="-360"/>
+            </dgm:alg>
+          </dgm:else>
+        </dgm:choose>
+      </dgm:else>
+    </dgm:choose>
     <dgm:shape xmlns:r="http://schemas.openxmlformats.org/officeDocument/2006/relationships" r:blip="">
       <dgm:adjLst/>
     </dgm:shape>
     <dgm:presOf/>
     <dgm:constrLst>
-      <dgm:constr type="w" for="ch" forName="composite" refType="w"/>
-      <dgm:constr type="h" for="ch" forName="composite" refType="h"/>
-      <dgm:constr type="h" for="ch" forName="spacing" refType="h" refFor="ch" refForName="composite" fact="0.25"/>
-      <dgm:constr type="h" for="ch" forName="spacing" refType="w" op="lte" fact="0.1"/>
-      <dgm:constr type="primFontSz" for="des" ptType="node" op="equ" val="65"/>
+      <dgm:constr type="w" for="ch" ptType="node" refType="w"/>
+      <dgm:constr type="w" for="ch" ptType="sibTrans" refType="w" refFor="ch" refPtType="node" op="equ" fact="0.25"/>
+      <dgm:constr type="sibSp" refType="w" refFor="ch" refPtType="node" fact="0.5"/>
+      <dgm:constr type="primFontSz" for="ch" ptType="node" op="equ" val="65"/>
+      <dgm:constr type="primFontSz" for="des" forName="connectorText" op="equ" val="55"/>
+      <dgm:constr type="primFontSz" for="des" forName="connectorText" refType="primFontSz" refFor="ch" refPtType="node" op="lte" fact="0.8"/>
     </dgm:constrLst>
     <dgm:ruleLst/>
-    <dgm:forEach name="Name0" axis="ch" ptType="node">
-      <dgm:layoutNode name="composite">
-        <dgm:alg type="composite"/>
-        <dgm:shape xmlns:r="http://schemas.openxmlformats.org/officeDocument/2006/relationships" r:blip="">
+    <dgm:forEach name="nodesForEach" axis="ch" ptType="node">
+      <dgm:layoutNode name="node">
+        <dgm:varLst>
+          <dgm:bulletEnabled val="1"/>
+        </dgm:varLst>
+        <dgm:alg type="tx">
+          <dgm:param type="txAnchorVertCh" val="mid"/>
+        </dgm:alg>
+        <dgm:shape xmlns:r="http://schemas.openxmlformats.org/officeDocument/2006/relationships" type="ellipse" r:blip="">
           <dgm:adjLst/>
         </dgm:shape>
-        <dgm:presOf/>
-        <dgm:choose name="Name1">
-          <dgm:if name="Name2" func="var" arg="dir" op="equ" val="norm">
-            <dgm:constrLst>
-              <dgm:constr type="w" for="ch" forName="imgShp" refType="w" fact="0.335"/>
-              <dgm:constr type="h" for="ch" forName="imgShp" refType="w" refFor="ch" refForName="imgShp" op="equ"/>
-              <dgm:constr type="h" for="ch" forName="imgShp" refType="h" op="lte"/>
-              <dgm:constr type="ctrY" for="ch" forName="imgShp" refType="h" fact="0.5"/>
-              <dgm:constr type="l" for="ch" forName="imgShp"/>
-              <dgm:constr type="w" for="ch" forName="txShp" refType="w" op="equ" fact="0.665"/>
-              <dgm:constr type="h" for="ch" forName="txShp" refType="h" refFor="ch" refForName="imgShp" op="equ"/>
-              <dgm:constr type="ctrY" for="ch" forName="txShp" refType="h" fact="0.5"/>
-              <dgm:constr type="l" for="ch" forName="txShp" refType="w" refFor="ch" refForName="imgShp" fact="0.5"/>
-              <dgm:constr type="lMarg" for="ch" forName="txShp" refType="w" refFor="ch" refForName="imgShp" fact="1.25"/>
-            </dgm:constrLst>
-          </dgm:if>
-          <dgm:else name="Name3">
-            <dgm:constrLst>
-              <dgm:constr type="w" for="ch" forName="imgShp" refType="w" fact="0.335"/>
-              <dgm:constr type="h" for="ch" forName="imgShp" refType="w" refFor="ch" refForName="imgShp" op="equ"/>
-              <dgm:constr type="h" for="ch" forName="imgShp" refType="h" op="lte"/>
-              <dgm:constr type="ctrY" for="ch" forName="imgShp" refType="h" fact="0.5"/>
-              <dgm:constr type="r" for="ch" forName="imgShp" refType="w"/>
-              <dgm:constr type="w" for="ch" forName="txShp" refType="w" op="equ" fact="0.665"/>
-              <dgm:constr type="h" for="ch" forName="txShp" refType="h" refFor="ch" refForName="imgShp" op="equ"/>
-              <dgm:constr type="ctrY" for="ch" forName="txShp" refType="h" fact="0.5"/>
-              <dgm:constr type="r" for="ch" forName="txShp" refType="ctrX" refFor="ch" refForName="imgShp"/>
-              <dgm:constr type="rMarg" for="ch" forName="txShp" refType="w" refFor="ch" refForName="imgShp" fact="1.25"/>
-            </dgm:constrLst>
-          </dgm:else>
-        </dgm:choose>
-        <dgm:ruleLst/>
-        <dgm:layoutNode name="imgShp" styleLbl="fgImgPlace1">
-          <dgm:alg type="sp"/>
-          <dgm:shape xmlns:r="http://schemas.openxmlformats.org/officeDocument/2006/relationships" type="ellipse" r:blip="" blipPhldr="1">
-            <dgm:adjLst/>
-          </dgm:shape>
-          <dgm:presOf/>
-          <dgm:constrLst/>
-          <dgm:ruleLst/>
-        </dgm:layoutNode>
-        <dgm:layoutNode name="txShp">
-          <dgm:varLst>
-            <dgm:bulletEnabled val="1"/>
-          </dgm:varLst>
-          <dgm:alg type="tx"/>
-          <dgm:choose name="Name4">
-            <dgm:if name="Name5" func="var" arg="dir" op="equ" val="norm">
-              <dgm:shape xmlns:r="http://schemas.openxmlformats.org/officeDocument/2006/relationships" rot="180" type="homePlate" r:blip="" zOrderOff="-1">
+        <dgm:presOf axis="desOrSelf" ptType="node"/>
+        <dgm:constrLst>
+          <dgm:constr type="h" refType="w"/>
+          <dgm:constr type="lMarg" refType="primFontSz" fact="0.1"/>
+          <dgm:constr type="rMarg" refType="primFontSz" fact="0.1"/>
+          <dgm:constr type="tMarg" refType="primFontSz" fact="0.1"/>
+          <dgm:constr type="bMarg" refType="primFontSz" fact="0.1"/>
+        </dgm:constrLst>
+        <dgm:ruleLst>
+          <dgm:rule type="primFontSz" val="5" fact="NaN" max="NaN"/>
+        </dgm:ruleLst>
+      </dgm:layoutNode>
+      <dgm:choose name="Name9">
+        <dgm:if name="Name10" axis="par ch" ptType="doc node" func="cnt" op="gt" val="1">
+          <dgm:forEach name="sibTransForEach" axis="followSib" ptType="sibTrans" hideLastTrans="0" cnt="1">
+            <dgm:layoutNode name="sibTrans">
+              <dgm:choose name="Name11">
+                <dgm:if name="Name12" axis="par ch" ptType="doc node" func="cnt" op="lt" val="3">
+                  <dgm:alg type="conn">
+                    <dgm:param type="begPts" val="radial"/>
+                    <dgm:param type="endPts" val="radial"/>
+                  </dgm:alg>
+                </dgm:if>
+                <dgm:else name="Name13">
+                  <dgm:alg type="conn">
+                    <dgm:param type="begPts" val="auto"/>
+                    <dgm:param type="endPts" val="auto"/>
+                  </dgm:alg>
+                </dgm:else>
+              </dgm:choose>
+              <dgm:shape xmlns:r="http://schemas.openxmlformats.org/officeDocument/2006/relationships" type="conn" r:blip="">
                 <dgm:adjLst/>
               </dgm:shape>
-            </dgm:if>
-            <dgm:else name="Name6">
-              <dgm:shape xmlns:r="http://schemas.openxmlformats.org/officeDocument/2006/relationships" type="homePlate" r:blip="" zOrderOff="-1">
-                <dgm:adjLst/>
-              </dgm:shape>
-            </dgm:else>
-          </dgm:choose>
-          <dgm:presOf axis="desOrSelf" ptType="node"/>
-          <dgm:constrLst>
-            <dgm:constr type="tMarg" refType="primFontSz" fact="0.3"/>
-            <dgm:constr type="bMarg" refType="primFontSz" fact="0.3"/>
-          </dgm:constrLst>
-          <dgm:ruleLst>
-            <dgm:rule type="primFontSz" val="5" fact="NaN" max="NaN"/>
-          </dgm:ruleLst>
-        </dgm:layoutNode>
-      </dgm:layoutNode>
-      <dgm:forEach name="Name7" axis="followSib" ptType="sibTrans" cnt="1">
-        <dgm:layoutNode name="spacing">
-          <dgm:alg type="sp"/>
-          <dgm:shape xmlns:r="http://schemas.openxmlformats.org/officeDocument/2006/relationships" r:blip="">
-            <dgm:adjLst/>
-          </dgm:shape>
-          <dgm:presOf axis="self"/>
-          <dgm:constrLst/>
-          <dgm:ruleLst/>
-        </dgm:layoutNode>
-      </dgm:forEach>
+              <dgm:presOf axis="self"/>
+              <dgm:constrLst>
+                <dgm:constr type="h" refType="w" fact="1.35"/>
+                <dgm:constr type="connDist"/>
+                <dgm:constr type="w" for="ch" refType="connDist" fact="0.45"/>
+                <dgm:constr type="h" for="ch" refType="h"/>
+              </dgm:constrLst>
+              <dgm:ruleLst/>
+              <dgm:layoutNode name="connectorText">
+                <dgm:alg type="tx">
+                  <dgm:param type="autoTxRot" val="grav"/>
+                </dgm:alg>
+                <dgm:shape xmlns:r="http://schemas.openxmlformats.org/officeDocument/2006/relationships" type="conn" r:blip="" hideGeom="1">
+                  <dgm:adjLst/>
+                </dgm:shape>
+                <dgm:presOf axis="self"/>
+                <dgm:constrLst>
+                  <dgm:constr type="lMarg"/>
+                  <dgm:constr type="rMarg"/>
+                  <dgm:constr type="tMarg"/>
+                  <dgm:constr type="bMarg"/>
+                </dgm:constrLst>
+                <dgm:ruleLst>
+                  <dgm:rule type="primFontSz" val="5" fact="NaN" max="NaN"/>
+                </dgm:ruleLst>
+              </dgm:layoutNode>
+            </dgm:layoutNode>
+          </dgm:forEach>
+        </dgm:if>
+        <dgm:else name="Name14"/>
+      </dgm:choose>
     </dgm:forEach>
   </dgm:layoutNode>
 </dgm:layoutDef>
 </file>
 
-<file path=ppt/diagrams/layout7.xml><?xml version="1.0" encoding="utf-8"?>
+<file path=ppt/diagrams/layout8.xml><?xml version="1.0" encoding="utf-8"?>
 <dgm:layoutDef xmlns:dgm="http://schemas.openxmlformats.org/drawingml/2006/diagram" xmlns:a="http://schemas.openxmlformats.org/drawingml/2006/main" uniqueId="urn:microsoft.com/office/officeart/2005/8/layout/orgChart1">
   <dgm:title val=""/>
   <dgm:desc val=""/>
@@ -24200,173 +26010,6 @@
 </dgm:layoutDef>
 </file>
 
-<file path=ppt/diagrams/layout8.xml><?xml version="1.0" encoding="utf-8"?>
-<dgm:layoutDef xmlns:dgm="http://schemas.openxmlformats.org/drawingml/2006/diagram" xmlns:a="http://schemas.openxmlformats.org/drawingml/2006/main" uniqueId="urn:microsoft.com/office/officeart/2005/8/layout/vList2">
-  <dgm:title val=""/>
-  <dgm:desc val=""/>
-  <dgm:catLst>
-    <dgm:cat type="list" pri="3000"/>
-    <dgm:cat type="convert" pri="1000"/>
-  </dgm:catLst>
-  <dgm:sampData>
-    <dgm:dataModel>
-      <dgm:ptLst>
-        <dgm:pt modelId="0" type="doc"/>
-        <dgm:pt modelId="1">
-          <dgm:prSet phldr="1"/>
-        </dgm:pt>
-        <dgm:pt modelId="11">
-          <dgm:prSet phldr="1"/>
-        </dgm:pt>
-        <dgm:pt modelId="2">
-          <dgm:prSet phldr="1"/>
-        </dgm:pt>
-        <dgm:pt modelId="21">
-          <dgm:prSet phldr="1"/>
-        </dgm:pt>
-      </dgm:ptLst>
-      <dgm:cxnLst>
-        <dgm:cxn modelId="4" srcId="0" destId="1" srcOrd="0" destOrd="0"/>
-        <dgm:cxn modelId="5" srcId="0" destId="2" srcOrd="1" destOrd="0"/>
-        <dgm:cxn modelId="12" srcId="1" destId="11" srcOrd="0" destOrd="0"/>
-        <dgm:cxn modelId="23" srcId="2" destId="21" srcOrd="0" destOrd="0"/>
-      </dgm:cxnLst>
-      <dgm:bg/>
-      <dgm:whole/>
-    </dgm:dataModel>
-  </dgm:sampData>
-  <dgm:styleData>
-    <dgm:dataModel>
-      <dgm:ptLst>
-        <dgm:pt modelId="0" type="doc"/>
-        <dgm:pt modelId="1"/>
-        <dgm:pt modelId="2"/>
-      </dgm:ptLst>
-      <dgm:cxnLst>
-        <dgm:cxn modelId="3" srcId="0" destId="1" srcOrd="0" destOrd="0"/>
-        <dgm:cxn modelId="4" srcId="0" destId="2" srcOrd="1" destOrd="0"/>
-      </dgm:cxnLst>
-      <dgm:bg/>
-      <dgm:whole/>
-    </dgm:dataModel>
-  </dgm:styleData>
-  <dgm:clrData>
-    <dgm:dataModel>
-      <dgm:ptLst>
-        <dgm:pt modelId="0" type="doc"/>
-        <dgm:pt modelId="1"/>
-        <dgm:pt modelId="2"/>
-        <dgm:pt modelId="3"/>
-        <dgm:pt modelId="4"/>
-      </dgm:ptLst>
-      <dgm:cxnLst>
-        <dgm:cxn modelId="5" srcId="0" destId="1" srcOrd="0" destOrd="0"/>
-        <dgm:cxn modelId="6" srcId="0" destId="2" srcOrd="1" destOrd="0"/>
-        <dgm:cxn modelId="7" srcId="0" destId="3" srcOrd="2" destOrd="0"/>
-        <dgm:cxn modelId="8" srcId="0" destId="4" srcOrd="3" destOrd="0"/>
-      </dgm:cxnLst>
-      <dgm:bg/>
-      <dgm:whole/>
-    </dgm:dataModel>
-  </dgm:clrData>
-  <dgm:layoutNode name="linear">
-    <dgm:varLst>
-      <dgm:animLvl val="lvl"/>
-      <dgm:resizeHandles val="exact"/>
-    </dgm:varLst>
-    <dgm:alg type="lin">
-      <dgm:param type="linDir" val="fromT"/>
-      <dgm:param type="vertAlign" val="mid"/>
-    </dgm:alg>
-    <dgm:shape xmlns:r="http://schemas.openxmlformats.org/officeDocument/2006/relationships" r:blip="">
-      <dgm:adjLst/>
-    </dgm:shape>
-    <dgm:presOf/>
-    <dgm:constrLst>
-      <dgm:constr type="w" for="ch" forName="parentText" refType="w"/>
-      <dgm:constr type="h" for="ch" forName="parentText" refType="primFontSz" refFor="ch" refForName="parentText" fact="0.52"/>
-      <dgm:constr type="w" for="ch" forName="childText" refType="w"/>
-      <dgm:constr type="h" for="ch" forName="childText" refType="primFontSz" refFor="ch" refForName="parentText" fact="0.46"/>
-      <dgm:constr type="h" for="ch" forName="parentText" op="equ"/>
-      <dgm:constr type="primFontSz" for="ch" forName="parentText" op="equ" val="65"/>
-      <dgm:constr type="primFontSz" for="ch" forName="childText" refType="primFontSz" refFor="ch" refForName="parentText" op="equ"/>
-      <dgm:constr type="h" for="ch" forName="spacer" refType="primFontSz" refFor="ch" refForName="parentText" fact="0.08"/>
-    </dgm:constrLst>
-    <dgm:ruleLst>
-      <dgm:rule type="primFontSz" for="ch" forName="parentText" val="5" fact="NaN" max="NaN"/>
-    </dgm:ruleLst>
-    <dgm:forEach name="Name0" axis="ch" ptType="node">
-      <dgm:layoutNode name="parentText" styleLbl="node1">
-        <dgm:varLst>
-          <dgm:chMax val="0"/>
-          <dgm:bulletEnabled val="1"/>
-        </dgm:varLst>
-        <dgm:alg type="tx">
-          <dgm:param type="parTxLTRAlign" val="l"/>
-          <dgm:param type="parTxRTLAlign" val="r"/>
-        </dgm:alg>
-        <dgm:shape xmlns:r="http://schemas.openxmlformats.org/officeDocument/2006/relationships" type="roundRect" r:blip="">
-          <dgm:adjLst/>
-        </dgm:shape>
-        <dgm:presOf axis="self"/>
-        <dgm:constrLst>
-          <dgm:constr type="tMarg" refType="primFontSz" fact="0.3"/>
-          <dgm:constr type="bMarg" refType="primFontSz" fact="0.3"/>
-          <dgm:constr type="lMarg" refType="primFontSz" fact="0.3"/>
-          <dgm:constr type="rMarg" refType="primFontSz" fact="0.3"/>
-        </dgm:constrLst>
-        <dgm:ruleLst>
-          <dgm:rule type="h" val="INF" fact="NaN" max="NaN"/>
-        </dgm:ruleLst>
-      </dgm:layoutNode>
-      <dgm:choose name="Name1">
-        <dgm:if name="Name2" axis="ch" ptType="node" func="cnt" op="gte" val="1">
-          <dgm:layoutNode name="childText" styleLbl="revTx">
-            <dgm:varLst>
-              <dgm:bulletEnabled val="1"/>
-            </dgm:varLst>
-            <dgm:alg type="tx">
-              <dgm:param type="stBulletLvl" val="1"/>
-              <dgm:param type="lnSpAfChP" val="20"/>
-            </dgm:alg>
-            <dgm:shape xmlns:r="http://schemas.openxmlformats.org/officeDocument/2006/relationships" type="rect" r:blip="">
-              <dgm:adjLst/>
-            </dgm:shape>
-            <dgm:presOf axis="des" ptType="node"/>
-            <dgm:constrLst>
-              <dgm:constr type="tMarg" refType="primFontSz" fact="0.1"/>
-              <dgm:constr type="bMarg" refType="primFontSz" fact="0.1"/>
-              <dgm:constr type="lMarg" refType="w" fact="0.09"/>
-            </dgm:constrLst>
-            <dgm:ruleLst>
-              <dgm:rule type="h" val="INF" fact="NaN" max="NaN"/>
-            </dgm:ruleLst>
-          </dgm:layoutNode>
-        </dgm:if>
-        <dgm:else name="Name3">
-          <dgm:choose name="Name4">
-            <dgm:if name="Name5" axis="par ch" ptType="doc node" func="cnt" op="gte" val="2">
-              <dgm:forEach name="Name6" axis="followSib" ptType="sibTrans" cnt="1">
-                <dgm:layoutNode name="spacer">
-                  <dgm:alg type="sp"/>
-                  <dgm:shape xmlns:r="http://schemas.openxmlformats.org/officeDocument/2006/relationships" r:blip="">
-                    <dgm:adjLst/>
-                  </dgm:shape>
-                  <dgm:presOf/>
-                  <dgm:constrLst/>
-                  <dgm:ruleLst/>
-                </dgm:layoutNode>
-              </dgm:forEach>
-            </dgm:if>
-            <dgm:else name="Name7"/>
-          </dgm:choose>
-        </dgm:else>
-      </dgm:choose>
-    </dgm:forEach>
-  </dgm:layoutNode>
-</dgm:layoutDef>
-</file>
-
 <file path=ppt/diagrams/layout9.xml><?xml version="1.0" encoding="utf-8"?>
 <dgm:layoutDef xmlns:dgm="http://schemas.openxmlformats.org/drawingml/2006/diagram" xmlns:a="http://schemas.openxmlformats.org/drawingml/2006/main" uniqueId="urn:microsoft.com/office/officeart/2005/8/layout/vList2">
   <dgm:title val=""/>
@@ -30739,6 +32382,1040 @@
 </file>
 
 <file path=ppt/diagrams/quickStyle15.xml><?xml version="1.0" encoding="utf-8"?>
+<dgm:styleDef xmlns:dgm="http://schemas.openxmlformats.org/drawingml/2006/diagram" xmlns:a="http://schemas.openxmlformats.org/drawingml/2006/main" uniqueId="urn:microsoft.com/office/officeart/2005/8/quickstyle/simple1">
+  <dgm:title val=""/>
+  <dgm:desc val=""/>
+  <dgm:catLst>
+    <dgm:cat type="simple" pri="10100"/>
+  </dgm:catLst>
+  <dgm:scene3d>
+    <a:camera prst="orthographicFront"/>
+    <a:lightRig rig="threePt" dir="t"/>
+  </dgm:scene3d>
+  <dgm:styleLbl name="node0">
+    <dgm:scene3d>
+      <a:camera prst="orthographicFront"/>
+      <a:lightRig rig="threePt" dir="t"/>
+    </dgm:scene3d>
+    <dgm:sp3d/>
+    <dgm:txPr/>
+    <dgm:style>
+      <a:lnRef idx="2">
+        <a:scrgbClr r="0" g="0" b="0"/>
+      </a:lnRef>
+      <a:fillRef idx="1">
+        <a:scrgbClr r="0" g="0" b="0"/>
+      </a:fillRef>
+      <a:effectRef idx="0">
+        <a:scrgbClr r="0" g="0" b="0"/>
+      </a:effectRef>
+      <a:fontRef idx="minor">
+        <a:schemeClr val="lt1"/>
+      </a:fontRef>
+    </dgm:style>
+  </dgm:styleLbl>
+  <dgm:styleLbl name="lnNode1">
+    <dgm:scene3d>
+      <a:camera prst="orthographicFront"/>
+      <a:lightRig rig="threePt" dir="t"/>
+    </dgm:scene3d>
+    <dgm:sp3d/>
+    <dgm:txPr/>
+    <dgm:style>
+      <a:lnRef idx="2">
+        <a:scrgbClr r="0" g="0" b="0"/>
+      </a:lnRef>
+      <a:fillRef idx="1">
+        <a:scrgbClr r="0" g="0" b="0"/>
+      </a:fillRef>
+      <a:effectRef idx="0">
+        <a:scrgbClr r="0" g="0" b="0"/>
+      </a:effectRef>
+      <a:fontRef idx="minor">
+        <a:schemeClr val="lt1"/>
+      </a:fontRef>
+    </dgm:style>
+  </dgm:styleLbl>
+  <dgm:styleLbl name="vennNode1">
+    <dgm:scene3d>
+      <a:camera prst="orthographicFront"/>
+      <a:lightRig rig="threePt" dir="t"/>
+    </dgm:scene3d>
+    <dgm:sp3d/>
+    <dgm:txPr/>
+    <dgm:style>
+      <a:lnRef idx="2">
+        <a:scrgbClr r="0" g="0" b="0"/>
+      </a:lnRef>
+      <a:fillRef idx="1">
+        <a:scrgbClr r="0" g="0" b="0"/>
+      </a:fillRef>
+      <a:effectRef idx="0">
+        <a:scrgbClr r="0" g="0" b="0"/>
+      </a:effectRef>
+      <a:fontRef idx="minor">
+        <a:schemeClr val="tx1"/>
+      </a:fontRef>
+    </dgm:style>
+  </dgm:styleLbl>
+  <dgm:styleLbl name="alignNode1">
+    <dgm:scene3d>
+      <a:camera prst="orthographicFront"/>
+      <a:lightRig rig="threePt" dir="t"/>
+    </dgm:scene3d>
+    <dgm:sp3d/>
+    <dgm:txPr/>
+    <dgm:style>
+      <a:lnRef idx="2">
+        <a:scrgbClr r="0" g="0" b="0"/>
+      </a:lnRef>
+      <a:fillRef idx="1">
+        <a:scrgbClr r="0" g="0" b="0"/>
+      </a:fillRef>
+      <a:effectRef idx="0">
+        <a:scrgbClr r="0" g="0" b="0"/>
+      </a:effectRef>
+      <a:fontRef idx="minor">
+        <a:schemeClr val="lt1"/>
+      </a:fontRef>
+    </dgm:style>
+  </dgm:styleLbl>
+  <dgm:styleLbl name="node1">
+    <dgm:scene3d>
+      <a:camera prst="orthographicFront"/>
+      <a:lightRig rig="threePt" dir="t"/>
+    </dgm:scene3d>
+    <dgm:sp3d/>
+    <dgm:txPr/>
+    <dgm:style>
+      <a:lnRef idx="2">
+        <a:scrgbClr r="0" g="0" b="0"/>
+      </a:lnRef>
+      <a:fillRef idx="1">
+        <a:scrgbClr r="0" g="0" b="0"/>
+      </a:fillRef>
+      <a:effectRef idx="0">
+        <a:scrgbClr r="0" g="0" b="0"/>
+      </a:effectRef>
+      <a:fontRef idx="minor">
+        <a:schemeClr val="lt1"/>
+      </a:fontRef>
+    </dgm:style>
+  </dgm:styleLbl>
+  <dgm:styleLbl name="node2">
+    <dgm:scene3d>
+      <a:camera prst="orthographicFront"/>
+      <a:lightRig rig="threePt" dir="t"/>
+    </dgm:scene3d>
+    <dgm:sp3d/>
+    <dgm:txPr/>
+    <dgm:style>
+      <a:lnRef idx="2">
+        <a:scrgbClr r="0" g="0" b="0"/>
+      </a:lnRef>
+      <a:fillRef idx="1">
+        <a:scrgbClr r="0" g="0" b="0"/>
+      </a:fillRef>
+      <a:effectRef idx="0">
+        <a:scrgbClr r="0" g="0" b="0"/>
+      </a:effectRef>
+      <a:fontRef idx="minor">
+        <a:schemeClr val="lt1"/>
+      </a:fontRef>
+    </dgm:style>
+  </dgm:styleLbl>
+  <dgm:styleLbl name="node3">
+    <dgm:scene3d>
+      <a:camera prst="orthographicFront"/>
+      <a:lightRig rig="threePt" dir="t"/>
+    </dgm:scene3d>
+    <dgm:sp3d/>
+    <dgm:txPr/>
+    <dgm:style>
+      <a:lnRef idx="2">
+        <a:scrgbClr r="0" g="0" b="0"/>
+      </a:lnRef>
+      <a:fillRef idx="1">
+        <a:scrgbClr r="0" g="0" b="0"/>
+      </a:fillRef>
+      <a:effectRef idx="0">
+        <a:scrgbClr r="0" g="0" b="0"/>
+      </a:effectRef>
+      <a:fontRef idx="minor">
+        <a:schemeClr val="lt1"/>
+      </a:fontRef>
+    </dgm:style>
+  </dgm:styleLbl>
+  <dgm:styleLbl name="node4">
+    <dgm:scene3d>
+      <a:camera prst="orthographicFront"/>
+      <a:lightRig rig="threePt" dir="t"/>
+    </dgm:scene3d>
+    <dgm:sp3d/>
+    <dgm:txPr/>
+    <dgm:style>
+      <a:lnRef idx="2">
+        <a:scrgbClr r="0" g="0" b="0"/>
+      </a:lnRef>
+      <a:fillRef idx="1">
+        <a:scrgbClr r="0" g="0" b="0"/>
+      </a:fillRef>
+      <a:effectRef idx="0">
+        <a:scrgbClr r="0" g="0" b="0"/>
+      </a:effectRef>
+      <a:fontRef idx="minor">
+        <a:schemeClr val="lt1"/>
+      </a:fontRef>
+    </dgm:style>
+  </dgm:styleLbl>
+  <dgm:styleLbl name="fgImgPlace1">
+    <dgm:scene3d>
+      <a:camera prst="orthographicFront"/>
+      <a:lightRig rig="threePt" dir="t"/>
+    </dgm:scene3d>
+    <dgm:sp3d/>
+    <dgm:txPr/>
+    <dgm:style>
+      <a:lnRef idx="2">
+        <a:scrgbClr r="0" g="0" b="0"/>
+      </a:lnRef>
+      <a:fillRef idx="1">
+        <a:scrgbClr r="0" g="0" b="0"/>
+      </a:fillRef>
+      <a:effectRef idx="0">
+        <a:scrgbClr r="0" g="0" b="0"/>
+      </a:effectRef>
+      <a:fontRef idx="minor"/>
+    </dgm:style>
+  </dgm:styleLbl>
+  <dgm:styleLbl name="alignImgPlace1">
+    <dgm:scene3d>
+      <a:camera prst="orthographicFront"/>
+      <a:lightRig rig="threePt" dir="t"/>
+    </dgm:scene3d>
+    <dgm:sp3d/>
+    <dgm:txPr/>
+    <dgm:style>
+      <a:lnRef idx="2">
+        <a:scrgbClr r="0" g="0" b="0"/>
+      </a:lnRef>
+      <a:fillRef idx="1">
+        <a:scrgbClr r="0" g="0" b="0"/>
+      </a:fillRef>
+      <a:effectRef idx="0">
+        <a:scrgbClr r="0" g="0" b="0"/>
+      </a:effectRef>
+      <a:fontRef idx="minor"/>
+    </dgm:style>
+  </dgm:styleLbl>
+  <dgm:styleLbl name="bgImgPlace1">
+    <dgm:scene3d>
+      <a:camera prst="orthographicFront"/>
+      <a:lightRig rig="threePt" dir="t"/>
+    </dgm:scene3d>
+    <dgm:sp3d/>
+    <dgm:txPr/>
+    <dgm:style>
+      <a:lnRef idx="2">
+        <a:scrgbClr r="0" g="0" b="0"/>
+      </a:lnRef>
+      <a:fillRef idx="1">
+        <a:scrgbClr r="0" g="0" b="0"/>
+      </a:fillRef>
+      <a:effectRef idx="0">
+        <a:scrgbClr r="0" g="0" b="0"/>
+      </a:effectRef>
+      <a:fontRef idx="minor"/>
+    </dgm:style>
+  </dgm:styleLbl>
+  <dgm:styleLbl name="sibTrans2D1">
+    <dgm:scene3d>
+      <a:camera prst="orthographicFront"/>
+      <a:lightRig rig="threePt" dir="t"/>
+    </dgm:scene3d>
+    <dgm:sp3d/>
+    <dgm:txPr/>
+    <dgm:style>
+      <a:lnRef idx="0">
+        <a:scrgbClr r="0" g="0" b="0"/>
+      </a:lnRef>
+      <a:fillRef idx="1">
+        <a:scrgbClr r="0" g="0" b="0"/>
+      </a:fillRef>
+      <a:effectRef idx="0">
+        <a:scrgbClr r="0" g="0" b="0"/>
+      </a:effectRef>
+      <a:fontRef idx="minor">
+        <a:schemeClr val="lt1"/>
+      </a:fontRef>
+    </dgm:style>
+  </dgm:styleLbl>
+  <dgm:styleLbl name="fgSibTrans2D1">
+    <dgm:scene3d>
+      <a:camera prst="orthographicFront"/>
+      <a:lightRig rig="threePt" dir="t"/>
+    </dgm:scene3d>
+    <dgm:sp3d/>
+    <dgm:txPr/>
+    <dgm:style>
+      <a:lnRef idx="0">
+        <a:scrgbClr r="0" g="0" b="0"/>
+      </a:lnRef>
+      <a:fillRef idx="1">
+        <a:scrgbClr r="0" g="0" b="0"/>
+      </a:fillRef>
+      <a:effectRef idx="0">
+        <a:scrgbClr r="0" g="0" b="0"/>
+      </a:effectRef>
+      <a:fontRef idx="minor">
+        <a:schemeClr val="lt1"/>
+      </a:fontRef>
+    </dgm:style>
+  </dgm:styleLbl>
+  <dgm:styleLbl name="bgSibTrans2D1">
+    <dgm:scene3d>
+      <a:camera prst="orthographicFront"/>
+      <a:lightRig rig="threePt" dir="t"/>
+    </dgm:scene3d>
+    <dgm:sp3d/>
+    <dgm:txPr/>
+    <dgm:style>
+      <a:lnRef idx="0">
+        <a:scrgbClr r="0" g="0" b="0"/>
+      </a:lnRef>
+      <a:fillRef idx="1">
+        <a:scrgbClr r="0" g="0" b="0"/>
+      </a:fillRef>
+      <a:effectRef idx="0">
+        <a:scrgbClr r="0" g="0" b="0"/>
+      </a:effectRef>
+      <a:fontRef idx="minor">
+        <a:schemeClr val="lt1"/>
+      </a:fontRef>
+    </dgm:style>
+  </dgm:styleLbl>
+  <dgm:styleLbl name="sibTrans1D1">
+    <dgm:scene3d>
+      <a:camera prst="orthographicFront"/>
+      <a:lightRig rig="threePt" dir="t"/>
+    </dgm:scene3d>
+    <dgm:sp3d/>
+    <dgm:txPr/>
+    <dgm:style>
+      <a:lnRef idx="1">
+        <a:scrgbClr r="0" g="0" b="0"/>
+      </a:lnRef>
+      <a:fillRef idx="0">
+        <a:scrgbClr r="0" g="0" b="0"/>
+      </a:fillRef>
+      <a:effectRef idx="0">
+        <a:scrgbClr r="0" g="0" b="0"/>
+      </a:effectRef>
+      <a:fontRef idx="minor"/>
+    </dgm:style>
+  </dgm:styleLbl>
+  <dgm:styleLbl name="callout">
+    <dgm:scene3d>
+      <a:camera prst="orthographicFront"/>
+      <a:lightRig rig="threePt" dir="t"/>
+    </dgm:scene3d>
+    <dgm:sp3d/>
+    <dgm:txPr/>
+    <dgm:style>
+      <a:lnRef idx="2">
+        <a:scrgbClr r="0" g="0" b="0"/>
+      </a:lnRef>
+      <a:fillRef idx="1">
+        <a:scrgbClr r="0" g="0" b="0"/>
+      </a:fillRef>
+      <a:effectRef idx="0">
+        <a:scrgbClr r="0" g="0" b="0"/>
+      </a:effectRef>
+      <a:fontRef idx="minor"/>
+    </dgm:style>
+  </dgm:styleLbl>
+  <dgm:styleLbl name="asst0">
+    <dgm:scene3d>
+      <a:camera prst="orthographicFront"/>
+      <a:lightRig rig="threePt" dir="t"/>
+    </dgm:scene3d>
+    <dgm:sp3d/>
+    <dgm:txPr/>
+    <dgm:style>
+      <a:lnRef idx="2">
+        <a:scrgbClr r="0" g="0" b="0"/>
+      </a:lnRef>
+      <a:fillRef idx="1">
+        <a:scrgbClr r="0" g="0" b="0"/>
+      </a:fillRef>
+      <a:effectRef idx="0">
+        <a:scrgbClr r="0" g="0" b="0"/>
+      </a:effectRef>
+      <a:fontRef idx="minor">
+        <a:schemeClr val="lt1"/>
+      </a:fontRef>
+    </dgm:style>
+  </dgm:styleLbl>
+  <dgm:styleLbl name="asst1">
+    <dgm:scene3d>
+      <a:camera prst="orthographicFront"/>
+      <a:lightRig rig="threePt" dir="t"/>
+    </dgm:scene3d>
+    <dgm:sp3d/>
+    <dgm:txPr/>
+    <dgm:style>
+      <a:lnRef idx="2">
+        <a:scrgbClr r="0" g="0" b="0"/>
+      </a:lnRef>
+      <a:fillRef idx="1">
+        <a:scrgbClr r="0" g="0" b="0"/>
+      </a:fillRef>
+      <a:effectRef idx="0">
+        <a:scrgbClr r="0" g="0" b="0"/>
+      </a:effectRef>
+      <a:fontRef idx="minor">
+        <a:schemeClr val="lt1"/>
+      </a:fontRef>
+    </dgm:style>
+  </dgm:styleLbl>
+  <dgm:styleLbl name="asst2">
+    <dgm:scene3d>
+      <a:camera prst="orthographicFront"/>
+      <a:lightRig rig="threePt" dir="t"/>
+    </dgm:scene3d>
+    <dgm:sp3d/>
+    <dgm:txPr/>
+    <dgm:style>
+      <a:lnRef idx="2">
+        <a:scrgbClr r="0" g="0" b="0"/>
+      </a:lnRef>
+      <a:fillRef idx="1">
+        <a:scrgbClr r="0" g="0" b="0"/>
+      </a:fillRef>
+      <a:effectRef idx="0">
+        <a:scrgbClr r="0" g="0" b="0"/>
+      </a:effectRef>
+      <a:fontRef idx="minor">
+        <a:schemeClr val="lt1"/>
+      </a:fontRef>
+    </dgm:style>
+  </dgm:styleLbl>
+  <dgm:styleLbl name="asst3">
+    <dgm:scene3d>
+      <a:camera prst="orthographicFront"/>
+      <a:lightRig rig="threePt" dir="t"/>
+    </dgm:scene3d>
+    <dgm:sp3d/>
+    <dgm:txPr/>
+    <dgm:style>
+      <a:lnRef idx="2">
+        <a:scrgbClr r="0" g="0" b="0"/>
+      </a:lnRef>
+      <a:fillRef idx="1">
+        <a:scrgbClr r="0" g="0" b="0"/>
+      </a:fillRef>
+      <a:effectRef idx="0">
+        <a:scrgbClr r="0" g="0" b="0"/>
+      </a:effectRef>
+      <a:fontRef idx="minor">
+        <a:schemeClr val="lt1"/>
+      </a:fontRef>
+    </dgm:style>
+  </dgm:styleLbl>
+  <dgm:styleLbl name="asst4">
+    <dgm:scene3d>
+      <a:camera prst="orthographicFront"/>
+      <a:lightRig rig="threePt" dir="t"/>
+    </dgm:scene3d>
+    <dgm:sp3d/>
+    <dgm:txPr/>
+    <dgm:style>
+      <a:lnRef idx="2">
+        <a:scrgbClr r="0" g="0" b="0"/>
+      </a:lnRef>
+      <a:fillRef idx="1">
+        <a:scrgbClr r="0" g="0" b="0"/>
+      </a:fillRef>
+      <a:effectRef idx="0">
+        <a:scrgbClr r="0" g="0" b="0"/>
+      </a:effectRef>
+      <a:fontRef idx="minor">
+        <a:schemeClr val="lt1"/>
+      </a:fontRef>
+    </dgm:style>
+  </dgm:styleLbl>
+  <dgm:styleLbl name="parChTrans2D1">
+    <dgm:scene3d>
+      <a:camera prst="orthographicFront"/>
+      <a:lightRig rig="threePt" dir="t"/>
+    </dgm:scene3d>
+    <dgm:sp3d/>
+    <dgm:txPr/>
+    <dgm:style>
+      <a:lnRef idx="2">
+        <a:scrgbClr r="0" g="0" b="0"/>
+      </a:lnRef>
+      <a:fillRef idx="1">
+        <a:scrgbClr r="0" g="0" b="0"/>
+      </a:fillRef>
+      <a:effectRef idx="0">
+        <a:scrgbClr r="0" g="0" b="0"/>
+      </a:effectRef>
+      <a:fontRef idx="minor">
+        <a:schemeClr val="lt1"/>
+      </a:fontRef>
+    </dgm:style>
+  </dgm:styleLbl>
+  <dgm:styleLbl name="parChTrans2D2">
+    <dgm:scene3d>
+      <a:camera prst="orthographicFront"/>
+      <a:lightRig rig="threePt" dir="t"/>
+    </dgm:scene3d>
+    <dgm:sp3d/>
+    <dgm:txPr/>
+    <dgm:style>
+      <a:lnRef idx="2">
+        <a:scrgbClr r="0" g="0" b="0"/>
+      </a:lnRef>
+      <a:fillRef idx="1">
+        <a:scrgbClr r="0" g="0" b="0"/>
+      </a:fillRef>
+      <a:effectRef idx="0">
+        <a:scrgbClr r="0" g="0" b="0"/>
+      </a:effectRef>
+      <a:fontRef idx="minor">
+        <a:schemeClr val="lt1"/>
+      </a:fontRef>
+    </dgm:style>
+  </dgm:styleLbl>
+  <dgm:styleLbl name="parChTrans2D3">
+    <dgm:scene3d>
+      <a:camera prst="orthographicFront"/>
+      <a:lightRig rig="threePt" dir="t"/>
+    </dgm:scene3d>
+    <dgm:sp3d/>
+    <dgm:txPr/>
+    <dgm:style>
+      <a:lnRef idx="2">
+        <a:scrgbClr r="0" g="0" b="0"/>
+      </a:lnRef>
+      <a:fillRef idx="1">
+        <a:scrgbClr r="0" g="0" b="0"/>
+      </a:fillRef>
+      <a:effectRef idx="0">
+        <a:scrgbClr r="0" g="0" b="0"/>
+      </a:effectRef>
+      <a:fontRef idx="minor">
+        <a:schemeClr val="lt1"/>
+      </a:fontRef>
+    </dgm:style>
+  </dgm:styleLbl>
+  <dgm:styleLbl name="parChTrans2D4">
+    <dgm:scene3d>
+      <a:camera prst="orthographicFront"/>
+      <a:lightRig rig="threePt" dir="t"/>
+    </dgm:scene3d>
+    <dgm:sp3d/>
+    <dgm:txPr/>
+    <dgm:style>
+      <a:lnRef idx="2">
+        <a:scrgbClr r="0" g="0" b="0"/>
+      </a:lnRef>
+      <a:fillRef idx="1">
+        <a:scrgbClr r="0" g="0" b="0"/>
+      </a:fillRef>
+      <a:effectRef idx="0">
+        <a:scrgbClr r="0" g="0" b="0"/>
+      </a:effectRef>
+      <a:fontRef idx="minor">
+        <a:schemeClr val="lt1"/>
+      </a:fontRef>
+    </dgm:style>
+  </dgm:styleLbl>
+  <dgm:styleLbl name="parChTrans1D1">
+    <dgm:scene3d>
+      <a:camera prst="orthographicFront"/>
+      <a:lightRig rig="threePt" dir="t"/>
+    </dgm:scene3d>
+    <dgm:sp3d/>
+    <dgm:txPr/>
+    <dgm:style>
+      <a:lnRef idx="2">
+        <a:scrgbClr r="0" g="0" b="0"/>
+      </a:lnRef>
+      <a:fillRef idx="0">
+        <a:scrgbClr r="0" g="0" b="0"/>
+      </a:fillRef>
+      <a:effectRef idx="0">
+        <a:scrgbClr r="0" g="0" b="0"/>
+      </a:effectRef>
+      <a:fontRef idx="minor"/>
+    </dgm:style>
+  </dgm:styleLbl>
+  <dgm:styleLbl name="parChTrans1D2">
+    <dgm:scene3d>
+      <a:camera prst="orthographicFront"/>
+      <a:lightRig rig="threePt" dir="t"/>
+    </dgm:scene3d>
+    <dgm:sp3d/>
+    <dgm:txPr/>
+    <dgm:style>
+      <a:lnRef idx="2">
+        <a:scrgbClr r="0" g="0" b="0"/>
+      </a:lnRef>
+      <a:fillRef idx="0">
+        <a:scrgbClr r="0" g="0" b="0"/>
+      </a:fillRef>
+      <a:effectRef idx="0">
+        <a:scrgbClr r="0" g="0" b="0"/>
+      </a:effectRef>
+      <a:fontRef idx="minor"/>
+    </dgm:style>
+  </dgm:styleLbl>
+  <dgm:styleLbl name="parChTrans1D3">
+    <dgm:scene3d>
+      <a:camera prst="orthographicFront"/>
+      <a:lightRig rig="threePt" dir="t"/>
+    </dgm:scene3d>
+    <dgm:sp3d/>
+    <dgm:txPr/>
+    <dgm:style>
+      <a:lnRef idx="2">
+        <a:scrgbClr r="0" g="0" b="0"/>
+      </a:lnRef>
+      <a:fillRef idx="0">
+        <a:scrgbClr r="0" g="0" b="0"/>
+      </a:fillRef>
+      <a:effectRef idx="0">
+        <a:scrgbClr r="0" g="0" b="0"/>
+      </a:effectRef>
+      <a:fontRef idx="minor"/>
+    </dgm:style>
+  </dgm:styleLbl>
+  <dgm:styleLbl name="parChTrans1D4">
+    <dgm:scene3d>
+      <a:camera prst="orthographicFront"/>
+      <a:lightRig rig="threePt" dir="t"/>
+    </dgm:scene3d>
+    <dgm:sp3d/>
+    <dgm:txPr/>
+    <dgm:style>
+      <a:lnRef idx="2">
+        <a:scrgbClr r="0" g="0" b="0"/>
+      </a:lnRef>
+      <a:fillRef idx="0">
+        <a:scrgbClr r="0" g="0" b="0"/>
+      </a:fillRef>
+      <a:effectRef idx="0">
+        <a:scrgbClr r="0" g="0" b="0"/>
+      </a:effectRef>
+      <a:fontRef idx="minor"/>
+    </dgm:style>
+  </dgm:styleLbl>
+  <dgm:styleLbl name="fgAcc1">
+    <dgm:scene3d>
+      <a:camera prst="orthographicFront"/>
+      <a:lightRig rig="threePt" dir="t"/>
+    </dgm:scene3d>
+    <dgm:sp3d/>
+    <dgm:txPr/>
+    <dgm:style>
+      <a:lnRef idx="2">
+        <a:scrgbClr r="0" g="0" b="0"/>
+      </a:lnRef>
+      <a:fillRef idx="1">
+        <a:scrgbClr r="0" g="0" b="0"/>
+      </a:fillRef>
+      <a:effectRef idx="0">
+        <a:scrgbClr r="0" g="0" b="0"/>
+      </a:effectRef>
+      <a:fontRef idx="minor"/>
+    </dgm:style>
+  </dgm:styleLbl>
+  <dgm:styleLbl name="conFgAcc1">
+    <dgm:scene3d>
+      <a:camera prst="orthographicFront"/>
+      <a:lightRig rig="threePt" dir="t"/>
+    </dgm:scene3d>
+    <dgm:sp3d/>
+    <dgm:txPr/>
+    <dgm:style>
+      <a:lnRef idx="2">
+        <a:scrgbClr r="0" g="0" b="0"/>
+      </a:lnRef>
+      <a:fillRef idx="1">
+        <a:scrgbClr r="0" g="0" b="0"/>
+      </a:fillRef>
+      <a:effectRef idx="0">
+        <a:scrgbClr r="0" g="0" b="0"/>
+      </a:effectRef>
+      <a:fontRef idx="minor"/>
+    </dgm:style>
+  </dgm:styleLbl>
+  <dgm:styleLbl name="alignAcc1">
+    <dgm:scene3d>
+      <a:camera prst="orthographicFront"/>
+      <a:lightRig rig="threePt" dir="t"/>
+    </dgm:scene3d>
+    <dgm:sp3d/>
+    <dgm:txPr/>
+    <dgm:style>
+      <a:lnRef idx="2">
+        <a:scrgbClr r="0" g="0" b="0"/>
+      </a:lnRef>
+      <a:fillRef idx="1">
+        <a:scrgbClr r="0" g="0" b="0"/>
+      </a:fillRef>
+      <a:effectRef idx="0">
+        <a:scrgbClr r="0" g="0" b="0"/>
+      </a:effectRef>
+      <a:fontRef idx="minor"/>
+    </dgm:style>
+  </dgm:styleLbl>
+  <dgm:styleLbl name="trAlignAcc1">
+    <dgm:scene3d>
+      <a:camera prst="orthographicFront"/>
+      <a:lightRig rig="threePt" dir="t"/>
+    </dgm:scene3d>
+    <dgm:sp3d/>
+    <dgm:txPr/>
+    <dgm:style>
+      <a:lnRef idx="1">
+        <a:scrgbClr r="0" g="0" b="0"/>
+      </a:lnRef>
+      <a:fillRef idx="1">
+        <a:scrgbClr r="0" g="0" b="0"/>
+      </a:fillRef>
+      <a:effectRef idx="0">
+        <a:scrgbClr r="0" g="0" b="0"/>
+      </a:effectRef>
+      <a:fontRef idx="minor"/>
+    </dgm:style>
+  </dgm:styleLbl>
+  <dgm:styleLbl name="bgAcc1">
+    <dgm:scene3d>
+      <a:camera prst="orthographicFront"/>
+      <a:lightRig rig="threePt" dir="t"/>
+    </dgm:scene3d>
+    <dgm:sp3d/>
+    <dgm:txPr/>
+    <dgm:style>
+      <a:lnRef idx="2">
+        <a:scrgbClr r="0" g="0" b="0"/>
+      </a:lnRef>
+      <a:fillRef idx="1">
+        <a:scrgbClr r="0" g="0" b="0"/>
+      </a:fillRef>
+      <a:effectRef idx="0">
+        <a:scrgbClr r="0" g="0" b="0"/>
+      </a:effectRef>
+      <a:fontRef idx="minor"/>
+    </dgm:style>
+  </dgm:styleLbl>
+  <dgm:styleLbl name="solidFgAcc1">
+    <dgm:scene3d>
+      <a:camera prst="orthographicFront"/>
+      <a:lightRig rig="threePt" dir="t"/>
+    </dgm:scene3d>
+    <dgm:sp3d/>
+    <dgm:txPr/>
+    <dgm:style>
+      <a:lnRef idx="2">
+        <a:scrgbClr r="0" g="0" b="0"/>
+      </a:lnRef>
+      <a:fillRef idx="1">
+        <a:scrgbClr r="0" g="0" b="0"/>
+      </a:fillRef>
+      <a:effectRef idx="0">
+        <a:scrgbClr r="0" g="0" b="0"/>
+      </a:effectRef>
+      <a:fontRef idx="minor"/>
+    </dgm:style>
+  </dgm:styleLbl>
+  <dgm:styleLbl name="solidAlignAcc1">
+    <dgm:scene3d>
+      <a:camera prst="orthographicFront"/>
+      <a:lightRig rig="threePt" dir="t"/>
+    </dgm:scene3d>
+    <dgm:sp3d/>
+    <dgm:txPr/>
+    <dgm:style>
+      <a:lnRef idx="2">
+        <a:scrgbClr r="0" g="0" b="0"/>
+      </a:lnRef>
+      <a:fillRef idx="1">
+        <a:scrgbClr r="0" g="0" b="0"/>
+      </a:fillRef>
+      <a:effectRef idx="0">
+        <a:scrgbClr r="0" g="0" b="0"/>
+      </a:effectRef>
+      <a:fontRef idx="minor"/>
+    </dgm:style>
+  </dgm:styleLbl>
+  <dgm:styleLbl name="solidBgAcc1">
+    <dgm:scene3d>
+      <a:camera prst="orthographicFront"/>
+      <a:lightRig rig="threePt" dir="t"/>
+    </dgm:scene3d>
+    <dgm:sp3d/>
+    <dgm:txPr/>
+    <dgm:style>
+      <a:lnRef idx="2">
+        <a:scrgbClr r="0" g="0" b="0"/>
+      </a:lnRef>
+      <a:fillRef idx="1">
+        <a:scrgbClr r="0" g="0" b="0"/>
+      </a:fillRef>
+      <a:effectRef idx="0">
+        <a:scrgbClr r="0" g="0" b="0"/>
+      </a:effectRef>
+      <a:fontRef idx="minor"/>
+    </dgm:style>
+  </dgm:styleLbl>
+  <dgm:styleLbl name="fgAccFollowNode1">
+    <dgm:scene3d>
+      <a:camera prst="orthographicFront"/>
+      <a:lightRig rig="threePt" dir="t"/>
+    </dgm:scene3d>
+    <dgm:sp3d/>
+    <dgm:txPr/>
+    <dgm:style>
+      <a:lnRef idx="2">
+        <a:scrgbClr r="0" g="0" b="0"/>
+      </a:lnRef>
+      <a:fillRef idx="1">
+        <a:scrgbClr r="0" g="0" b="0"/>
+      </a:fillRef>
+      <a:effectRef idx="0">
+        <a:scrgbClr r="0" g="0" b="0"/>
+      </a:effectRef>
+      <a:fontRef idx="minor"/>
+    </dgm:style>
+  </dgm:styleLbl>
+  <dgm:styleLbl name="alignAccFollowNode1">
+    <dgm:scene3d>
+      <a:camera prst="orthographicFront"/>
+      <a:lightRig rig="threePt" dir="t"/>
+    </dgm:scene3d>
+    <dgm:sp3d/>
+    <dgm:txPr/>
+    <dgm:style>
+      <a:lnRef idx="2">
+        <a:scrgbClr r="0" g="0" b="0"/>
+      </a:lnRef>
+      <a:fillRef idx="1">
+        <a:scrgbClr r="0" g="0" b="0"/>
+      </a:fillRef>
+      <a:effectRef idx="0">
+        <a:scrgbClr r="0" g="0" b="0"/>
+      </a:effectRef>
+      <a:fontRef idx="minor"/>
+    </dgm:style>
+  </dgm:styleLbl>
+  <dgm:styleLbl name="bgAccFollowNode1">
+    <dgm:scene3d>
+      <a:camera prst="orthographicFront"/>
+      <a:lightRig rig="threePt" dir="t"/>
+    </dgm:scene3d>
+    <dgm:sp3d/>
+    <dgm:txPr/>
+    <dgm:style>
+      <a:lnRef idx="2">
+        <a:scrgbClr r="0" g="0" b="0"/>
+      </a:lnRef>
+      <a:fillRef idx="1">
+        <a:scrgbClr r="0" g="0" b="0"/>
+      </a:fillRef>
+      <a:effectRef idx="0">
+        <a:scrgbClr r="0" g="0" b="0"/>
+      </a:effectRef>
+      <a:fontRef idx="minor"/>
+    </dgm:style>
+  </dgm:styleLbl>
+  <dgm:styleLbl name="fgAcc0">
+    <dgm:scene3d>
+      <a:camera prst="orthographicFront"/>
+      <a:lightRig rig="threePt" dir="t"/>
+    </dgm:scene3d>
+    <dgm:sp3d/>
+    <dgm:txPr/>
+    <dgm:style>
+      <a:lnRef idx="2">
+        <a:scrgbClr r="0" g="0" b="0"/>
+      </a:lnRef>
+      <a:fillRef idx="1">
+        <a:scrgbClr r="0" g="0" b="0"/>
+      </a:fillRef>
+      <a:effectRef idx="0">
+        <a:scrgbClr r="0" g="0" b="0"/>
+      </a:effectRef>
+      <a:fontRef idx="minor"/>
+    </dgm:style>
+  </dgm:styleLbl>
+  <dgm:styleLbl name="fgAcc2">
+    <dgm:scene3d>
+      <a:camera prst="orthographicFront"/>
+      <a:lightRig rig="threePt" dir="t"/>
+    </dgm:scene3d>
+    <dgm:sp3d/>
+    <dgm:txPr/>
+    <dgm:style>
+      <a:lnRef idx="2">
+        <a:scrgbClr r="0" g="0" b="0"/>
+      </a:lnRef>
+      <a:fillRef idx="1">
+        <a:scrgbClr r="0" g="0" b="0"/>
+      </a:fillRef>
+      <a:effectRef idx="0">
+        <a:scrgbClr r="0" g="0" b="0"/>
+      </a:effectRef>
+      <a:fontRef idx="minor"/>
+    </dgm:style>
+  </dgm:styleLbl>
+  <dgm:styleLbl name="fgAcc3">
+    <dgm:scene3d>
+      <a:camera prst="orthographicFront"/>
+      <a:lightRig rig="threePt" dir="t"/>
+    </dgm:scene3d>
+    <dgm:sp3d/>
+    <dgm:txPr/>
+    <dgm:style>
+      <a:lnRef idx="2">
+        <a:scrgbClr r="0" g="0" b="0"/>
+      </a:lnRef>
+      <a:fillRef idx="1">
+        <a:scrgbClr r="0" g="0" b="0"/>
+      </a:fillRef>
+      <a:effectRef idx="0">
+        <a:scrgbClr r="0" g="0" b="0"/>
+      </a:effectRef>
+      <a:fontRef idx="minor"/>
+    </dgm:style>
+  </dgm:styleLbl>
+  <dgm:styleLbl name="fgAcc4">
+    <dgm:scene3d>
+      <a:camera prst="orthographicFront"/>
+      <a:lightRig rig="threePt" dir="t"/>
+    </dgm:scene3d>
+    <dgm:sp3d/>
+    <dgm:txPr/>
+    <dgm:style>
+      <a:lnRef idx="2">
+        <a:scrgbClr r="0" g="0" b="0"/>
+      </a:lnRef>
+      <a:fillRef idx="1">
+        <a:scrgbClr r="0" g="0" b="0"/>
+      </a:fillRef>
+      <a:effectRef idx="0">
+        <a:scrgbClr r="0" g="0" b="0"/>
+      </a:effectRef>
+      <a:fontRef idx="minor"/>
+    </dgm:style>
+  </dgm:styleLbl>
+  <dgm:styleLbl name="bgShp">
+    <dgm:scene3d>
+      <a:camera prst="orthographicFront"/>
+      <a:lightRig rig="threePt" dir="t"/>
+    </dgm:scene3d>
+    <dgm:sp3d/>
+    <dgm:txPr/>
+    <dgm:style>
+      <a:lnRef idx="0">
+        <a:scrgbClr r="0" g="0" b="0"/>
+      </a:lnRef>
+      <a:fillRef idx="1">
+        <a:scrgbClr r="0" g="0" b="0"/>
+      </a:fillRef>
+      <a:effectRef idx="0">
+        <a:scrgbClr r="0" g="0" b="0"/>
+      </a:effectRef>
+      <a:fontRef idx="minor"/>
+    </dgm:style>
+  </dgm:styleLbl>
+  <dgm:styleLbl name="dkBgShp">
+    <dgm:scene3d>
+      <a:camera prst="orthographicFront"/>
+      <a:lightRig rig="threePt" dir="t"/>
+    </dgm:scene3d>
+    <dgm:sp3d/>
+    <dgm:txPr/>
+    <dgm:style>
+      <a:lnRef idx="0">
+        <a:scrgbClr r="0" g="0" b="0"/>
+      </a:lnRef>
+      <a:fillRef idx="1">
+        <a:scrgbClr r="0" g="0" b="0"/>
+      </a:fillRef>
+      <a:effectRef idx="0">
+        <a:scrgbClr r="0" g="0" b="0"/>
+      </a:effectRef>
+      <a:fontRef idx="minor"/>
+    </dgm:style>
+  </dgm:styleLbl>
+  <dgm:styleLbl name="trBgShp">
+    <dgm:scene3d>
+      <a:camera prst="orthographicFront"/>
+      <a:lightRig rig="threePt" dir="t"/>
+    </dgm:scene3d>
+    <dgm:sp3d/>
+    <dgm:txPr/>
+    <dgm:style>
+      <a:lnRef idx="0">
+        <a:scrgbClr r="0" g="0" b="0"/>
+      </a:lnRef>
+      <a:fillRef idx="1">
+        <a:scrgbClr r="0" g="0" b="0"/>
+      </a:fillRef>
+      <a:effectRef idx="0">
+        <a:scrgbClr r="0" g="0" b="0"/>
+      </a:effectRef>
+      <a:fontRef idx="minor"/>
+    </dgm:style>
+  </dgm:styleLbl>
+  <dgm:styleLbl name="fgShp">
+    <dgm:scene3d>
+      <a:camera prst="orthographicFront"/>
+      <a:lightRig rig="threePt" dir="t"/>
+    </dgm:scene3d>
+    <dgm:sp3d/>
+    <dgm:txPr/>
+    <dgm:style>
+      <a:lnRef idx="2">
+        <a:scrgbClr r="0" g="0" b="0"/>
+      </a:lnRef>
+      <a:fillRef idx="1">
+        <a:scrgbClr r="0" g="0" b="0"/>
+      </a:fillRef>
+      <a:effectRef idx="0">
+        <a:scrgbClr r="0" g="0" b="0"/>
+      </a:effectRef>
+      <a:fontRef idx="minor"/>
+    </dgm:style>
+  </dgm:styleLbl>
+  <dgm:styleLbl name="revTx">
+    <dgm:scene3d>
+      <a:camera prst="orthographicFront"/>
+      <a:lightRig rig="threePt" dir="t"/>
+    </dgm:scene3d>
+    <dgm:sp3d/>
+    <dgm:txPr/>
+    <dgm:style>
+      <a:lnRef idx="0">
+        <a:scrgbClr r="0" g="0" b="0"/>
+      </a:lnRef>
+      <a:fillRef idx="0">
+        <a:scrgbClr r="0" g="0" b="0"/>
+      </a:fillRef>
+      <a:effectRef idx="0">
+        <a:scrgbClr r="0" g="0" b="0"/>
+      </a:effectRef>
+      <a:fontRef idx="minor"/>
+    </dgm:style>
+  </dgm:styleLbl>
+</dgm:styleDef>
+</file>
+
+<file path=ppt/diagrams/quickStyle16.xml><?xml version="1.0" encoding="utf-8"?>
 <dgm:styleDef xmlns:dgm="http://schemas.openxmlformats.org/drawingml/2006/diagram" xmlns:a="http://schemas.openxmlformats.org/drawingml/2006/main" uniqueId="urn:microsoft.com/office/officeart/2005/8/quickstyle/simple4">
   <dgm:title val=""/>
   <dgm:desc val=""/>
@@ -40126,7 +42803,7 @@
           <a:p>
             <a:fld id="{8CD97B82-2942-4A52-B976-0406CE6ADF79}" type="datetimeFigureOut">
               <a:rPr lang="de-DE" smtClean="0"/>
-              <a:t>03.11.2016</a:t>
+              <a:t>06.11.2016</a:t>
             </a:fld>
             <a:endParaRPr lang="de-DE"/>
           </a:p>
@@ -40526,6 +43203,21 @@
           <a:bodyPr/>
           <a:lstStyle/>
           <a:p>
+            <a:r>
+              <a:rPr lang="de-DE" dirty="0"/>
+              <a:t>Kein Oracle Client nötig – braucht nur Java.</a:t>
+            </a:r>
+            <a:br>
+              <a:rPr lang="de-DE" dirty="0"/>
+            </a:br>
+            <a:r>
+              <a:rPr lang="de-DE" dirty="0"/>
+              <a:t>Wenn Oracle</a:t>
+            </a:r>
+            <a:r>
+              <a:rPr lang="de-DE" baseline="0" dirty="0"/>
+              <a:t> Installation vorhanden, läuft es mit dem Java aus dem Oracle Home (11g oder 12c)</a:t>
+            </a:r>
             <a:endParaRPr lang="de-DE" dirty="0"/>
           </a:p>
         </p:txBody>
@@ -40556,7 +43248,7 @@
     </p:spTree>
     <p:extLst>
       <p:ext uri="{BB962C8B-B14F-4D97-AF65-F5344CB8AC3E}">
-        <p14:creationId xmlns:p14="http://schemas.microsoft.com/office/powerpoint/2010/main" val="1305306263"/>
+        <p14:creationId xmlns:p14="http://schemas.microsoft.com/office/powerpoint/2010/main" val="1405152913"/>
       </p:ext>
     </p:extLst>
   </p:cSld>
@@ -40610,19 +43302,6 @@
           <a:bodyPr/>
           <a:lstStyle/>
           <a:p>
-            <a:r>
-              <a:rPr lang="de-DE" dirty="0"/>
-              <a:t>http://</a:t>
-            </a:r>
-            <a:r>
-              <a:rPr lang="de-DE" dirty="0" smtClean="0"/>
-              <a:t>krisrice.blogspot.de/2015/10/sqlcl-oct-13th-edition.html</a:t>
-            </a:r>
-          </a:p>
-          <a:p>
-            <a:endParaRPr lang="de-DE" dirty="0" smtClean="0"/>
-          </a:p>
-          <a:p>
             <a:endParaRPr lang="de-DE" dirty="0"/>
           </a:p>
         </p:txBody>
@@ -40653,7 +43332,7 @@
     </p:spTree>
     <p:extLst>
       <p:ext uri="{BB962C8B-B14F-4D97-AF65-F5344CB8AC3E}">
-        <p14:creationId xmlns:p14="http://schemas.microsoft.com/office/powerpoint/2010/main" val="3357379480"/>
+        <p14:creationId xmlns:p14="http://schemas.microsoft.com/office/powerpoint/2010/main" val="1305306263"/>
       </p:ext>
     </p:extLst>
   </p:cSld>
@@ -40709,11 +43388,123 @@
           <a:p>
             <a:r>
               <a:rPr lang="de-DE" dirty="0"/>
+              <a:t>http://krisrice.blogspot.de/2015/10/sqlcl-oct-13th-edition.html</a:t>
+            </a:r>
+          </a:p>
+          <a:p>
+            <a:endParaRPr lang="de-DE" dirty="0"/>
+          </a:p>
+          <a:p>
+            <a:endParaRPr lang="de-DE" dirty="0"/>
+          </a:p>
+        </p:txBody>
+      </p:sp>
+      <p:sp>
+        <p:nvSpPr>
+          <p:cNvPr id="4" name="Foliennummernplatzhalter 3"/>
+          <p:cNvSpPr>
+            <a:spLocks noGrp="1"/>
+          </p:cNvSpPr>
+          <p:nvPr>
+            <p:ph type="sldNum" sz="quarter" idx="10"/>
+          </p:nvPr>
+        </p:nvSpPr>
+        <p:spPr/>
+        <p:txBody>
+          <a:bodyPr/>
+          <a:lstStyle/>
+          <a:p>
+            <a:fld id="{5A008491-D299-4ADE-9791-FADD8A5FA6CD}" type="slidenum">
+              <a:rPr lang="de-DE" smtClean="0"/>
+              <a:t>8</a:t>
+            </a:fld>
+            <a:endParaRPr lang="de-DE"/>
+          </a:p>
+        </p:txBody>
+      </p:sp>
+    </p:spTree>
+    <p:extLst>
+      <p:ext uri="{BB962C8B-B14F-4D97-AF65-F5344CB8AC3E}">
+        <p14:creationId xmlns:p14="http://schemas.microsoft.com/office/powerpoint/2010/main" val="3357379480"/>
+      </p:ext>
+    </p:extLst>
+  </p:cSld>
+  <p:clrMapOvr>
+    <a:masterClrMapping/>
+  </p:clrMapOvr>
+</p:notes>
+</file>
+
+<file path=ppt/notesSlides/notesSlide5.xml><?xml version="1.0" encoding="utf-8"?>
+<p:notes xmlns:a="http://schemas.openxmlformats.org/drawingml/2006/main" xmlns:r="http://schemas.openxmlformats.org/officeDocument/2006/relationships" xmlns:p="http://schemas.openxmlformats.org/presentationml/2006/main">
+  <p:cSld>
+    <p:spTree>
+      <p:nvGrpSpPr>
+        <p:cNvPr id="1" name=""/>
+        <p:cNvGrpSpPr/>
+        <p:nvPr/>
+      </p:nvGrpSpPr>
+      <p:grpSpPr>
+        <a:xfrm>
+          <a:off x="0" y="0"/>
+          <a:ext cx="0" cy="0"/>
+          <a:chOff x="0" y="0"/>
+          <a:chExt cx="0" cy="0"/>
+        </a:xfrm>
+      </p:grpSpPr>
+      <p:sp>
+        <p:nvSpPr>
+          <p:cNvPr id="2" name="Folienbildplatzhalter 1"/>
+          <p:cNvSpPr>
+            <a:spLocks noGrp="1" noRot="1" noChangeAspect="1"/>
+          </p:cNvSpPr>
+          <p:nvPr>
+            <p:ph type="sldImg"/>
+          </p:nvPr>
+        </p:nvSpPr>
+        <p:spPr/>
+      </p:sp>
+      <p:sp>
+        <p:nvSpPr>
+          <p:cNvPr id="3" name="Notizenplatzhalter 2"/>
+          <p:cNvSpPr>
+            <a:spLocks noGrp="1"/>
+          </p:cNvSpPr>
+          <p:nvPr>
+            <p:ph type="body" idx="1"/>
+          </p:nvPr>
+        </p:nvSpPr>
+        <p:spPr/>
+        <p:txBody>
+          <a:bodyPr/>
+          <a:lstStyle/>
+          <a:p>
+            <a:r>
+              <a:rPr lang="de-DE" dirty="0"/>
+              <a:t>Die Doku für das Scripting beschränkt sich noch auf das</a:t>
+            </a:r>
+            <a:r>
+              <a:rPr lang="de-DE" baseline="0" dirty="0"/>
+              <a:t> Readme.md in dem </a:t>
+            </a:r>
+            <a:r>
+              <a:rPr lang="de-DE" baseline="0" dirty="0" err="1"/>
+              <a:t>GitHub</a:t>
+            </a:r>
+            <a:r>
+              <a:rPr lang="de-DE" baseline="0" dirty="0"/>
+              <a:t>-Demo-Repository.</a:t>
+            </a:r>
+            <a:endParaRPr lang="de-DE" dirty="0"/>
+          </a:p>
+          <a:p>
+            <a:r>
+              <a:rPr lang="de-DE" dirty="0"/>
               <a:t>Execute entspricht</a:t>
             </a:r>
             <a:r>
               <a:rPr lang="de-DE" baseline="0" dirty="0"/>
-              <a:t> </a:t>
+              <a:t> PL/SQL „</a:t>
             </a:r>
             <a:r>
               <a:rPr lang="de-DE" baseline="0" dirty="0" err="1"/>
@@ -40721,7 +43512,7 @@
             </a:r>
             <a:r>
               <a:rPr lang="de-DE" baseline="0" dirty="0"/>
-              <a:t> immediate, also ohne </a:t>
+              <a:t> immediate“, also ohne abschließendes </a:t>
             </a:r>
             <a:r>
               <a:rPr lang="de-DE" baseline="0" dirty="0" err="1"/>
@@ -40752,7 +43543,7 @@
           <a:p>
             <a:fld id="{5A008491-D299-4ADE-9791-FADD8A5FA6CD}" type="slidenum">
               <a:rPr lang="de-DE" smtClean="0"/>
-              <a:t>8</a:t>
+              <a:t>9</a:t>
             </a:fld>
             <a:endParaRPr lang="de-DE"/>
           </a:p>
@@ -40771,7 +43562,7 @@
 </p:notes>
 </file>
 
-<file path=ppt/notesSlides/notesSlide5.xml><?xml version="1.0" encoding="utf-8"?>
+<file path=ppt/notesSlides/notesSlide6.xml><?xml version="1.0" encoding="utf-8"?>
 <p:notes xmlns:a="http://schemas.openxmlformats.org/drawingml/2006/main" xmlns:r="http://schemas.openxmlformats.org/officeDocument/2006/relationships" xmlns:p="http://schemas.openxmlformats.org/presentationml/2006/main">
   <p:cSld>
     <p:spTree>
@@ -40967,7 +43758,7 @@
           <a:p>
             <a:fld id="{5A008491-D299-4ADE-9791-FADD8A5FA6CD}" type="slidenum">
               <a:rPr lang="de-DE" smtClean="0"/>
-              <a:t>9</a:t>
+              <a:t>10</a:t>
             </a:fld>
             <a:endParaRPr lang="de-DE"/>
           </a:p>
@@ -40986,7 +43777,7 @@
 </p:notes>
 </file>
 
-<file path=ppt/notesSlides/notesSlide6.xml><?xml version="1.0" encoding="utf-8"?>
+<file path=ppt/notesSlides/notesSlide7.xml><?xml version="1.0" encoding="utf-8"?>
 <p:notes xmlns:a="http://schemas.openxmlformats.org/drawingml/2006/main" xmlns:r="http://schemas.openxmlformats.org/officeDocument/2006/relationships" xmlns:p="http://schemas.openxmlformats.org/presentationml/2006/main">
   <p:cSld>
     <p:spTree>
@@ -41087,7 +43878,7 @@
           <a:p>
             <a:fld id="{5A008491-D299-4ADE-9791-FADD8A5FA6CD}" type="slidenum">
               <a:rPr lang="de-DE" smtClean="0"/>
-              <a:t>10</a:t>
+              <a:t>11</a:t>
             </a:fld>
             <a:endParaRPr lang="de-DE"/>
           </a:p>
@@ -41106,7 +43897,7 @@
 </p:notes>
 </file>
 
-<file path=ppt/notesSlides/notesSlide7.xml><?xml version="1.0" encoding="utf-8"?>
+<file path=ppt/notesSlides/notesSlide8.xml><?xml version="1.0" encoding="utf-8"?>
 <p:notes xmlns:a="http://schemas.openxmlformats.org/drawingml/2006/main" xmlns:r="http://schemas.openxmlformats.org/officeDocument/2006/relationships" xmlns:p="http://schemas.openxmlformats.org/presentationml/2006/main">
   <p:cSld>
     <p:spTree>
@@ -41171,7 +43962,7 @@
           <a:p>
             <a:fld id="{5A008491-D299-4ADE-9791-FADD8A5FA6CD}" type="slidenum">
               <a:rPr lang="de-DE" smtClean="0"/>
-              <a:t>15</a:t>
+              <a:t>16</a:t>
             </a:fld>
             <a:endParaRPr lang="de-DE"/>
           </a:p>
@@ -45657,15 +48448,6 @@
               </a:rPr>
               <a:t>SQLcl</a:t>
             </a:r>
-            <a:r>
-              <a:rPr lang="de-DE" sz="2925" b="1" dirty="0">
-                <a:solidFill>
-                  <a:srgbClr val="434E4F"/>
-                </a:solidFill>
-                <a:latin typeface="Calibri" panose="020F0502020204030204" pitchFamily="34" charset="0"/>
-              </a:rPr>
-              <a:t/>
-            </a:r>
             <a:br>
               <a:rPr lang="de-DE" sz="2925" b="1" dirty="0">
                 <a:solidFill>
@@ -45720,15 +48502,6 @@
                 <a:latin typeface="Calibri" panose="020F0502020204030204" pitchFamily="34" charset="0"/>
               </a:rPr>
             </a:br>
-            <a:r>
-              <a:rPr lang="de-DE" sz="1625" dirty="0">
-                <a:solidFill>
-                  <a:srgbClr val="434E4F"/>
-                </a:solidFill>
-                <a:latin typeface="Calibri" panose="020F0502020204030204" pitchFamily="34" charset="0"/>
-              </a:rPr>
-              <a:t/>
-            </a:r>
             <a:br>
               <a:rPr lang="de-DE" sz="1625" dirty="0">
                 <a:solidFill>
@@ -45807,17 +48580,125 @@
   <p:clrMapOvr>
     <a:masterClrMapping/>
   </p:clrMapOvr>
-  <p:timing>
-    <p:tnLst>
-      <p:par>
-        <p:cTn id="1" dur="indefinite" restart="never" nodeType="tmRoot"/>
-      </p:par>
-    </p:tnLst>
-  </p:timing>
 </p:sld>
 </file>
 
 <file path=ppt/slides/slide10.xml><?xml version="1.0" encoding="utf-8"?>
+<p:sld xmlns:a="http://schemas.openxmlformats.org/drawingml/2006/main" xmlns:r="http://schemas.openxmlformats.org/officeDocument/2006/relationships" xmlns:p="http://schemas.openxmlformats.org/presentationml/2006/main">
+  <p:cSld>
+    <p:spTree>
+      <p:nvGrpSpPr>
+        <p:cNvPr id="1" name=""/>
+        <p:cNvGrpSpPr/>
+        <p:nvPr/>
+      </p:nvGrpSpPr>
+      <p:grpSpPr>
+        <a:xfrm>
+          <a:off x="0" y="0"/>
+          <a:ext cx="0" cy="0"/>
+          <a:chOff x="0" y="0"/>
+          <a:chExt cx="0" cy="0"/>
+        </a:xfrm>
+      </p:grpSpPr>
+      <p:sp>
+        <p:nvSpPr>
+          <p:cNvPr id="2" name="Titel 1"/>
+          <p:cNvSpPr>
+            <a:spLocks noGrp="1"/>
+          </p:cNvSpPr>
+          <p:nvPr>
+            <p:ph type="title" idx="4294967295"/>
+          </p:nvPr>
+        </p:nvSpPr>
+        <p:spPr>
+          <a:xfrm>
+            <a:off x="838200" y="365125"/>
+            <a:ext cx="10515600" cy="1325563"/>
+          </a:xfrm>
+        </p:spPr>
+        <p:txBody>
+          <a:bodyPr/>
+          <a:lstStyle/>
+          <a:p>
+            <a:r>
+              <a:rPr lang="de-DE" dirty="0" err="1"/>
+              <a:t>SQLcl</a:t>
+            </a:r>
+            <a:r>
+              <a:rPr lang="de-DE" dirty="0"/>
+              <a:t> – Aufwärmen</a:t>
+            </a:r>
+          </a:p>
+        </p:txBody>
+      </p:sp>
+      <p:graphicFrame>
+        <p:nvGraphicFramePr>
+          <p:cNvPr id="4" name="Inhaltsplatzhalter 3"/>
+          <p:cNvGraphicFramePr>
+            <a:graphicFrameLocks noGrp="1"/>
+          </p:cNvGraphicFramePr>
+          <p:nvPr>
+            <p:ph idx="4294967295"/>
+            <p:extLst>
+              <p:ext uri="{D42A27DB-BD31-4B8C-83A1-F6EECF244321}">
+                <p14:modId xmlns:p14="http://schemas.microsoft.com/office/powerpoint/2010/main" val="953099633"/>
+              </p:ext>
+            </p:extLst>
+          </p:nvPr>
+        </p:nvGraphicFramePr>
+        <p:xfrm>
+          <a:off x="838200" y="1557338"/>
+          <a:ext cx="10515600" cy="4619625"/>
+        </p:xfrm>
+        <a:graphic>
+          <a:graphicData uri="http://schemas.openxmlformats.org/drawingml/2006/diagram">
+            <dgm:relIds xmlns:dgm="http://schemas.openxmlformats.org/drawingml/2006/diagram" xmlns:r="http://schemas.openxmlformats.org/officeDocument/2006/relationships" r:dm="rId3" r:lo="rId4" r:qs="rId5" r:cs="rId6"/>
+          </a:graphicData>
+        </a:graphic>
+      </p:graphicFrame>
+      <p:sp>
+        <p:nvSpPr>
+          <p:cNvPr id="5" name="Textfeld 4"/>
+          <p:cNvSpPr txBox="1"/>
+          <p:nvPr/>
+        </p:nvSpPr>
+        <p:spPr>
+          <a:xfrm>
+            <a:off x="11496600" y="6582544"/>
+            <a:ext cx="1008112" cy="230832"/>
+          </a:xfrm>
+          <a:prstGeom prst="rect">
+            <a:avLst/>
+          </a:prstGeom>
+          <a:noFill/>
+        </p:spPr>
+        <p:txBody>
+          <a:bodyPr wrap="square" rtlCol="0">
+            <a:spAutoFit/>
+          </a:bodyPr>
+          <a:lstStyle/>
+          <a:p>
+            <a:r>
+              <a:rPr lang="de-DE" sz="900" dirty="0"/>
+              <a:t>SH 2“</a:t>
+            </a:r>
+          </a:p>
+        </p:txBody>
+      </p:sp>
+    </p:spTree>
+    <p:extLst>
+      <p:ext uri="{BB962C8B-B14F-4D97-AF65-F5344CB8AC3E}">
+        <p14:creationId xmlns:p14="http://schemas.microsoft.com/office/powerpoint/2010/main" val="1808982974"/>
+      </p:ext>
+    </p:extLst>
+  </p:cSld>
+  <p:clrMapOvr>
+    <a:masterClrMapping/>
+  </p:clrMapOvr>
+</p:sld>
+</file>
+
+<file path=ppt/slides/slide11.xml><?xml version="1.0" encoding="utf-8"?>
 <p:sld xmlns:a="http://schemas.openxmlformats.org/drawingml/2006/main" xmlns:r="http://schemas.openxmlformats.org/officeDocument/2006/relationships" xmlns:p="http://schemas.openxmlformats.org/presentationml/2006/main">
   <p:cSld>
     <p:spTree>
@@ -45932,7 +48813,7 @@
 </p:sld>
 </file>
 
-<file path=ppt/slides/slide11.xml><?xml version="1.0" encoding="utf-8"?>
+<file path=ppt/slides/slide12.xml><?xml version="1.0" encoding="utf-8"?>
 <p:sld xmlns:a="http://schemas.openxmlformats.org/drawingml/2006/main" xmlns:r="http://schemas.openxmlformats.org/officeDocument/2006/relationships" xmlns:p="http://schemas.openxmlformats.org/presentationml/2006/main">
   <p:cSld>
     <p:spTree>
@@ -46055,7 +48936,7 @@
 </p:sld>
 </file>
 
-<file path=ppt/slides/slide12.xml><?xml version="1.0" encoding="utf-8"?>
+<file path=ppt/slides/slide13.xml><?xml version="1.0" encoding="utf-8"?>
 <p:sld xmlns:a="http://schemas.openxmlformats.org/drawingml/2006/main" xmlns:r="http://schemas.openxmlformats.org/officeDocument/2006/relationships" xmlns:p="http://schemas.openxmlformats.org/presentationml/2006/main">
   <p:cSld>
     <p:spTree>
@@ -46170,7 +49051,7 @@
 </p:sld>
 </file>
 
-<file path=ppt/slides/slide13.xml><?xml version="1.0" encoding="utf-8"?>
+<file path=ppt/slides/slide14.xml><?xml version="1.0" encoding="utf-8"?>
 <p:sld xmlns:a="http://schemas.openxmlformats.org/drawingml/2006/main" xmlns:r="http://schemas.openxmlformats.org/officeDocument/2006/relationships" xmlns:p="http://schemas.openxmlformats.org/presentationml/2006/main">
   <p:cSld>
     <p:spTree>
@@ -46285,7 +49166,7 @@
 </p:sld>
 </file>
 
-<file path=ppt/slides/slide14.xml><?xml version="1.0" encoding="utf-8"?>
+<file path=ppt/slides/slide15.xml><?xml version="1.0" encoding="utf-8"?>
 <p:sld xmlns:a="http://schemas.openxmlformats.org/drawingml/2006/main" xmlns:r="http://schemas.openxmlformats.org/officeDocument/2006/relationships" xmlns:p="http://schemas.openxmlformats.org/presentationml/2006/main">
   <p:cSld>
     <p:spTree>
@@ -46397,17 +49278,10 @@
   <p:clrMapOvr>
     <a:masterClrMapping/>
   </p:clrMapOvr>
-  <p:timing>
-    <p:tnLst>
-      <p:par>
-        <p:cTn id="1" dur="indefinite" restart="never" nodeType="tmRoot"/>
-      </p:par>
-    </p:tnLst>
-  </p:timing>
 </p:sld>
 </file>
 
-<file path=ppt/slides/slide15.xml><?xml version="1.0" encoding="utf-8"?>
+<file path=ppt/slides/slide16.xml><?xml version="1.0" encoding="utf-8"?>
 <p:sld xmlns:a="http://schemas.openxmlformats.org/drawingml/2006/main" xmlns:r="http://schemas.openxmlformats.org/officeDocument/2006/relationships" xmlns:p="http://schemas.openxmlformats.org/presentationml/2006/main">
   <p:cSld>
     <p:spTree>
@@ -46811,7 +49685,7 @@
           <a:p>
             <a:pPr algn="ctr"/>
             <a:r>
-              <a:rPr lang="de-DE" sz="2400" dirty="0" smtClean="0">
+              <a:rPr lang="de-DE" sz="2400" dirty="0">
                 <a:solidFill>
                   <a:schemeClr val="tx1"/>
                 </a:solidFill>
@@ -46819,14 +49693,14 @@
               <a:t>The </a:t>
             </a:r>
             <a:r>
-              <a:rPr lang="de-DE" sz="2400" dirty="0" err="1" smtClean="0">
+              <a:rPr lang="de-DE" sz="2400" dirty="0" err="1">
                 <a:solidFill>
                   <a:schemeClr val="tx1"/>
                 </a:solidFill>
               </a:rPr>
               <a:t>Javascript</a:t>
             </a:r>
-            <a:endParaRPr lang="de-DE" sz="2400" dirty="0" smtClean="0">
+            <a:endParaRPr lang="de-DE" sz="2400" dirty="0">
               <a:solidFill>
                 <a:schemeClr val="tx1"/>
               </a:solidFill>
@@ -46835,7 +49709,7 @@
           <a:p>
             <a:pPr algn="ctr"/>
             <a:r>
-              <a:rPr lang="de-DE" sz="2400" dirty="0" smtClean="0">
+              <a:rPr lang="de-DE" sz="2400" dirty="0">
                 <a:solidFill>
                   <a:schemeClr val="tx1"/>
                 </a:solidFill>
@@ -46856,17 +49730,10 @@
   <p:clrMapOvr>
     <a:masterClrMapping/>
   </p:clrMapOvr>
-  <p:timing>
-    <p:tnLst>
-      <p:par>
-        <p:cTn id="1" dur="indefinite" restart="never" nodeType="tmRoot"/>
-      </p:par>
-    </p:tnLst>
-  </p:timing>
 </p:sld>
 </file>
 
-<file path=ppt/slides/slide16.xml><?xml version="1.0" encoding="utf-8"?>
+<file path=ppt/slides/slide17.xml><?xml version="1.0" encoding="utf-8"?>
 <p:sld xmlns:a="http://schemas.openxmlformats.org/drawingml/2006/main" xmlns:r="http://schemas.openxmlformats.org/officeDocument/2006/relationships" xmlns:p="http://schemas.openxmlformats.org/presentationml/2006/main">
   <p:cSld>
     <p:spTree>
@@ -47022,17 +49889,10 @@
   <p:clrMapOvr>
     <a:masterClrMapping/>
   </p:clrMapOvr>
-  <p:timing>
-    <p:tnLst>
-      <p:par>
-        <p:cTn id="1" dur="indefinite" restart="never" nodeType="tmRoot"/>
-      </p:par>
-    </p:tnLst>
-  </p:timing>
 </p:sld>
 </file>
 
-<file path=ppt/slides/slide17.xml><?xml version="1.0" encoding="utf-8"?>
+<file path=ppt/slides/slide18.xml><?xml version="1.0" encoding="utf-8"?>
 <p:sld xmlns:a="http://schemas.openxmlformats.org/drawingml/2006/main" xmlns:r="http://schemas.openxmlformats.org/officeDocument/2006/relationships" xmlns:p="http://schemas.openxmlformats.org/presentationml/2006/main">
   <p:cSld>
     <p:spTree>
@@ -47181,7 +50041,7 @@
 </p:sld>
 </file>
 
-<file path=ppt/slides/slide18.xml><?xml version="1.0" encoding="utf-8"?>
+<file path=ppt/slides/slide19.xml><?xml version="1.0" encoding="utf-8"?>
 <p:sld xmlns:a="http://schemas.openxmlformats.org/drawingml/2006/main" xmlns:r="http://schemas.openxmlformats.org/officeDocument/2006/relationships" xmlns:p="http://schemas.openxmlformats.org/presentationml/2006/main">
   <p:cSld>
     <p:spTree>
@@ -47208,8 +50068,8 @@
         </p:nvSpPr>
         <p:spPr bwMode="auto">
           <a:xfrm>
-            <a:off x="1159842" y="1916833"/>
-            <a:ext cx="9889159" cy="1015663"/>
+            <a:off x="1159842" y="404664"/>
+            <a:ext cx="9889159" cy="2677656"/>
           </a:xfrm>
           <a:prstGeom prst="rect">
             <a:avLst/>
@@ -47360,117 +50220,116 @@
               </a:spcAft>
             </a:pPr>
             <a:r>
-              <a:rPr lang="en-US" sz="2000" b="1" dirty="0" err="1">
+              <a:rPr lang="en-US" sz="4800" b="1" dirty="0" err="1">
                 <a:solidFill>
                   <a:srgbClr val="434E4F"/>
                 </a:solidFill>
-                <a:latin typeface="Eurostile" panose="020B0504020202050204" pitchFamily="34" charset="0"/>
+                <a:latin typeface="+mn-lt"/>
               </a:rPr>
               <a:t>Herzlichen</a:t>
             </a:r>
             <a:r>
-              <a:rPr lang="en-US" sz="2000" b="1" dirty="0">
+              <a:rPr lang="en-US" sz="4800" b="1" dirty="0">
                 <a:solidFill>
                   <a:srgbClr val="434E4F"/>
                 </a:solidFill>
-                <a:latin typeface="Eurostile" panose="020B0504020202050204" pitchFamily="34" charset="0"/>
+                <a:latin typeface="+mn-lt"/>
               </a:rPr>
               <a:t> Dank </a:t>
             </a:r>
             <a:r>
-              <a:rPr lang="en-US" sz="2000" b="1" dirty="0" err="1">
+              <a:rPr lang="en-US" sz="4800" b="1" dirty="0" err="1">
                 <a:solidFill>
                   <a:srgbClr val="434E4F"/>
                 </a:solidFill>
-                <a:latin typeface="Eurostile" panose="020B0504020202050204" pitchFamily="34" charset="0"/>
+                <a:latin typeface="+mn-lt"/>
               </a:rPr>
               <a:t>für</a:t>
             </a:r>
             <a:r>
-              <a:rPr lang="en-US" sz="2000" b="1" dirty="0">
+              <a:rPr lang="en-US" sz="4800" b="1" dirty="0">
                 <a:solidFill>
                   <a:srgbClr val="434E4F"/>
                 </a:solidFill>
-                <a:latin typeface="Eurostile" panose="020B0504020202050204" pitchFamily="34" charset="0"/>
+                <a:latin typeface="+mn-lt"/>
               </a:rPr>
               <a:t> </a:t>
             </a:r>
             <a:r>
-              <a:rPr lang="en-US" sz="2000" b="1" dirty="0" err="1">
+              <a:rPr lang="en-US" sz="4800" b="1" dirty="0" err="1">
                 <a:solidFill>
                   <a:srgbClr val="434E4F"/>
                 </a:solidFill>
-                <a:latin typeface="Eurostile" panose="020B0504020202050204" pitchFamily="34" charset="0"/>
+                <a:latin typeface="+mn-lt"/>
               </a:rPr>
               <a:t>Ihre</a:t>
             </a:r>
             <a:r>
-              <a:rPr lang="en-US" sz="2000" b="1" dirty="0">
+              <a:rPr lang="en-US" sz="4800" b="1" dirty="0">
                 <a:solidFill>
                   <a:srgbClr val="434E4F"/>
                 </a:solidFill>
-                <a:latin typeface="Eurostile" panose="020B0504020202050204" pitchFamily="34" charset="0"/>
+                <a:latin typeface="+mn-lt"/>
               </a:rPr>
               <a:t> </a:t>
             </a:r>
             <a:r>
-              <a:rPr lang="en-US" sz="2000" b="1" dirty="0" err="1">
+              <a:rPr lang="en-US" sz="4800" b="1" dirty="0" err="1">
                 <a:solidFill>
                   <a:srgbClr val="434E4F"/>
                 </a:solidFill>
-                <a:latin typeface="Eurostile" panose="020B0504020202050204" pitchFamily="34" charset="0"/>
+                <a:latin typeface="+mn-lt"/>
               </a:rPr>
               <a:t>Aufmerksamkeit</a:t>
             </a:r>
             <a:r>
-              <a:rPr lang="en-US" sz="2000" b="1" dirty="0">
+              <a:rPr lang="en-US" sz="4800" b="1" dirty="0">
                 <a:solidFill>
                   <a:srgbClr val="434E4F"/>
                 </a:solidFill>
-                <a:latin typeface="Eurostile" panose="020B0504020202050204" pitchFamily="34" charset="0"/>
+                <a:latin typeface="+mn-lt"/>
               </a:rPr>
               <a:t> !</a:t>
             </a:r>
-          </a:p>
-          <a:p>
-            <a:pPr algn="ctr" defTabSz="371475" eaLnBrk="1" fontAlgn="base" hangingPunct="1">
-              <a:spcBef>
-                <a:spcPct val="0"/>
-              </a:spcBef>
-              <a:spcAft>
-                <a:spcPct val="0"/>
-              </a:spcAft>
-            </a:pPr>
-            <a:endParaRPr lang="en-US" sz="2000" b="1" dirty="0">
-              <a:solidFill>
-                <a:srgbClr val="434E4F"/>
-              </a:solidFill>
-              <a:latin typeface="Eurostile" panose="020B0504020202050204" pitchFamily="34" charset="0"/>
-            </a:endParaRPr>
-          </a:p>
-          <a:p>
-            <a:pPr algn="ctr" defTabSz="371475" eaLnBrk="1" fontAlgn="base" hangingPunct="1">
-              <a:spcBef>
-                <a:spcPct val="0"/>
-              </a:spcBef>
-              <a:spcAft>
-                <a:spcPct val="0"/>
-              </a:spcAft>
-            </a:pPr>
-            <a:r>
-              <a:rPr lang="en-US" sz="2000" b="1" dirty="0">
+            <a:br>
+              <a:rPr lang="en-US" sz="4800" b="1" dirty="0">
                 <a:solidFill>
                   <a:srgbClr val="434E4F"/>
                 </a:solidFill>
-                <a:latin typeface="Eurostile" panose="020B0504020202050204" pitchFamily="34" charset="0"/>
+                <a:latin typeface="+mn-lt"/>
               </a:rPr>
-              <a:t>Questions ?</a:t>
+            </a:br>
+            <a:br>
+              <a:rPr lang="en-US" b="1" dirty="0">
+                <a:solidFill>
+                  <a:srgbClr val="434E4F"/>
+                </a:solidFill>
+                <a:latin typeface="+mn-lt"/>
+              </a:rPr>
+            </a:br>
+            <a:r>
+              <a:rPr lang="en-US" sz="4800" b="1" dirty="0" err="1">
+                <a:solidFill>
+                  <a:srgbClr val="434E4F"/>
+                </a:solidFill>
+                <a:latin typeface="+mn-lt"/>
+              </a:rPr>
+              <a:t>Fragen</a:t>
             </a:r>
-            <a:endParaRPr lang="en-US" sz="2000" b="1" dirty="0">
+            <a:r>
+              <a:rPr lang="en-US" sz="4800" b="1" dirty="0">
+                <a:solidFill>
+                  <a:srgbClr val="434E4F"/>
+                </a:solidFill>
+                <a:latin typeface="+mn-lt"/>
+              </a:rPr>
+              <a:t> ?</a:t>
+            </a:r>
+            <a:endParaRPr lang="en-US" sz="4800" b="1" dirty="0">
               <a:solidFill>
                 <a:srgbClr val="595959"/>
               </a:solidFill>
-              <a:latin typeface="Eurostile" panose="020B0504020202050204" pitchFamily="34" charset="0"/>
+              <a:latin typeface="+mn-lt"/>
             </a:endParaRPr>
           </a:p>
         </p:txBody>
@@ -47789,13 +50648,13 @@
           <p:nvPr>
             <p:extLst>
               <p:ext uri="{D42A27DB-BD31-4B8C-83A1-F6EECF244321}">
-                <p14:modId xmlns:p14="http://schemas.microsoft.com/office/powerpoint/2010/main" val="806485678"/>
+                <p14:modId xmlns:p14="http://schemas.microsoft.com/office/powerpoint/2010/main" val="2293822498"/>
               </p:ext>
             </p:extLst>
           </p:nvPr>
         </p:nvGraphicFramePr>
         <p:xfrm>
-          <a:off x="778111" y="4725144"/>
+          <a:off x="839416" y="4581128"/>
           <a:ext cx="9206321" cy="2061261"/>
         </p:xfrm>
         <a:graphic>
@@ -48223,325 +51082,23 @@
       </p:pic>
       <p:graphicFrame>
         <p:nvGraphicFramePr>
-          <p:cNvPr id="4" name="Tabelle 3"/>
-          <p:cNvGraphicFramePr>
-            <a:graphicFrameLocks noGrp="1"/>
-          </p:cNvGraphicFramePr>
+          <p:cNvPr id="7" name="Diagramm 6"/>
+          <p:cNvGraphicFramePr/>
           <p:nvPr>
             <p:extLst>
               <p:ext uri="{D42A27DB-BD31-4B8C-83A1-F6EECF244321}">
-                <p14:modId xmlns:p14="http://schemas.microsoft.com/office/powerpoint/2010/main" val="2690106626"/>
+                <p14:modId xmlns:p14="http://schemas.microsoft.com/office/powerpoint/2010/main" val="3988074296"/>
               </p:ext>
             </p:extLst>
           </p:nvPr>
         </p:nvGraphicFramePr>
         <p:xfrm>
-          <a:off x="1055440" y="5277108"/>
-          <a:ext cx="8617145" cy="822960"/>
+          <a:off x="839416" y="4581128"/>
+          <a:ext cx="9206321" cy="2061261"/>
         </p:xfrm>
         <a:graphic>
-          <a:graphicData uri="http://schemas.openxmlformats.org/drawingml/2006/table">
-            <a:tbl>
-              <a:tblPr firstRow="1" bandRow="1">
-                <a:effectLst>
-                  <a:outerShdw blurRad="50800" dist="38100" dir="2700000" algn="tl" rotWithShape="0">
-                    <a:prstClr val="black">
-                      <a:alpha val="40000"/>
-                    </a:prstClr>
-                  </a:outerShdw>
-                </a:effectLst>
-                <a:tableStyleId>{2D5ABB26-0587-4C30-8999-92F81FD0307C}</a:tableStyleId>
-              </a:tblPr>
-              <a:tblGrid>
-                <a:gridCol w="732134">
-                  <a:extLst>
-                    <a:ext uri="{9D8B030D-6E8A-4147-A177-3AD203B41FA5}">
-                      <a16:colId xmlns:a16="http://schemas.microsoft.com/office/drawing/2014/main" val="42625736"/>
-                    </a:ext>
-                  </a:extLst>
-                </a:gridCol>
-                <a:gridCol w="2140247">
-                  <a:extLst>
-                    <a:ext uri="{9D8B030D-6E8A-4147-A177-3AD203B41FA5}">
-                      <a16:colId xmlns:a16="http://schemas.microsoft.com/office/drawing/2014/main" val="2962418611"/>
-                    </a:ext>
-                  </a:extLst>
-                </a:gridCol>
-                <a:gridCol w="706870">
-                  <a:extLst>
-                    <a:ext uri="{9D8B030D-6E8A-4147-A177-3AD203B41FA5}">
-                      <a16:colId xmlns:a16="http://schemas.microsoft.com/office/drawing/2014/main" val="2024761394"/>
-                    </a:ext>
-                  </a:extLst>
-                </a:gridCol>
-                <a:gridCol w="2165511">
-                  <a:extLst>
-                    <a:ext uri="{9D8B030D-6E8A-4147-A177-3AD203B41FA5}">
-                      <a16:colId xmlns:a16="http://schemas.microsoft.com/office/drawing/2014/main" val="4060576219"/>
-                    </a:ext>
-                  </a:extLst>
-                </a:gridCol>
-                <a:gridCol w="718288">
-                  <a:extLst>
-                    <a:ext uri="{9D8B030D-6E8A-4147-A177-3AD203B41FA5}">
-                      <a16:colId xmlns:a16="http://schemas.microsoft.com/office/drawing/2014/main" val="90103819"/>
-                    </a:ext>
-                  </a:extLst>
-                </a:gridCol>
-                <a:gridCol w="2154095">
-                  <a:extLst>
-                    <a:ext uri="{9D8B030D-6E8A-4147-A177-3AD203B41FA5}">
-                      <a16:colId xmlns:a16="http://schemas.microsoft.com/office/drawing/2014/main" val="788304747"/>
-                    </a:ext>
-                  </a:extLst>
-                </a:gridCol>
-              </a:tblGrid>
-              <a:tr h="370840">
-                <a:tc>
-                  <a:txBody>
-                    <a:bodyPr/>
-                    <a:lstStyle/>
-                    <a:p>
-                      <a:pPr algn="l"/>
-                      <a:r>
-                        <a:rPr lang="de-DE" sz="4800" dirty="0" smtClean="0">
-                          <a:solidFill>
-                            <a:srgbClr val="A5300F"/>
-                          </a:solidFill>
-                          <a:effectLst>
-                            <a:outerShdw blurRad="50800" dist="38100" dir="2700000" algn="tl" rotWithShape="0">
-                              <a:prstClr val="black">
-                                <a:alpha val="40000"/>
-                              </a:prstClr>
-                            </a:outerShdw>
-                          </a:effectLst>
-                          <a:latin typeface="FontAwesome" pitchFamily="2" charset="0"/>
-                        </a:rPr>
-                        <a:t></a:t>
-                      </a:r>
-                      <a:endParaRPr lang="de-DE" sz="4800" i="0" dirty="0">
-                        <a:solidFill>
-                          <a:srgbClr val="A5300F"/>
-                        </a:solidFill>
-                        <a:effectLst>
-                          <a:outerShdw blurRad="50800" dist="38100" dir="2700000" algn="tl" rotWithShape="0">
-                            <a:prstClr val="black">
-                              <a:alpha val="40000"/>
-                            </a:prstClr>
-                          </a:outerShdw>
-                        </a:effectLst>
-                        <a:latin typeface="FontAwesome" pitchFamily="2" charset="0"/>
-                      </a:endParaRPr>
-                    </a:p>
-                  </a:txBody>
-                  <a:tcPr anchor="ctr"/>
-                </a:tc>
-                <a:tc>
-                  <a:txBody>
-                    <a:bodyPr/>
-                    <a:lstStyle/>
-                    <a:p>
-                      <a:pPr marL="0" marR="0" lvl="0" indent="0" algn="l" defTabSz="914400" rtl="0" eaLnBrk="1" fontAlgn="auto" latinLnBrk="0" hangingPunct="1">
-                        <a:lnSpc>
-                          <a:spcPct val="100000"/>
-                        </a:lnSpc>
-                        <a:spcBef>
-                          <a:spcPts val="0"/>
-                        </a:spcBef>
-                        <a:spcAft>
-                          <a:spcPts val="0"/>
-                        </a:spcAft>
-                        <a:buClrTx/>
-                        <a:buSzTx/>
-                        <a:buFontTx/>
-                        <a:buNone/>
-                        <a:tabLst/>
-                        <a:defRPr/>
-                      </a:pPr>
-                      <a:r>
-                        <a:rPr lang="de-DE" dirty="0" smtClean="0"/>
-                        <a:t>@</a:t>
-                      </a:r>
-                      <a:r>
-                        <a:rPr lang="de-DE" dirty="0" err="1" smtClean="0"/>
-                        <a:t>oraesque</a:t>
-                      </a:r>
-                      <a:endParaRPr lang="de-DE" dirty="0" smtClean="0"/>
-                    </a:p>
-                  </a:txBody>
-                  <a:tcPr anchor="ctr"/>
-                </a:tc>
-                <a:tc>
-                  <a:txBody>
-                    <a:bodyPr/>
-                    <a:lstStyle/>
-                    <a:p>
-                      <a:r>
-                        <a:rPr lang="de-DE" sz="4800" kern="1200" dirty="0" smtClean="0">
-                          <a:solidFill>
-                            <a:srgbClr val="A5300F"/>
-                          </a:solidFill>
-                          <a:effectLst>
-                            <a:outerShdw blurRad="50800" dist="38100" dir="2700000" algn="tl" rotWithShape="0">
-                              <a:prstClr val="black">
-                                <a:alpha val="40000"/>
-                              </a:prstClr>
-                            </a:outerShdw>
-                          </a:effectLst>
-                          <a:latin typeface="FontAwesome" pitchFamily="2" charset="0"/>
-                          <a:ea typeface="+mn-ea"/>
-                          <a:cs typeface="+mn-cs"/>
-                        </a:rPr>
-                        <a:t></a:t>
-                      </a:r>
-                      <a:endParaRPr lang="de-DE" sz="4800" kern="1200" dirty="0">
-                        <a:solidFill>
-                          <a:srgbClr val="A5300F"/>
-                        </a:solidFill>
-                        <a:effectLst>
-                          <a:outerShdw blurRad="50800" dist="38100" dir="2700000" algn="tl" rotWithShape="0">
-                            <a:prstClr val="black">
-                              <a:alpha val="40000"/>
-                            </a:prstClr>
-                          </a:outerShdw>
-                        </a:effectLst>
-                        <a:latin typeface="FontAwesome" pitchFamily="2" charset="0"/>
-                        <a:ea typeface="+mn-ea"/>
-                        <a:cs typeface="+mn-cs"/>
-                      </a:endParaRPr>
-                    </a:p>
-                  </a:txBody>
-                  <a:tcPr anchor="ctr"/>
-                </a:tc>
-                <a:tc>
-                  <a:txBody>
-                    <a:bodyPr/>
-                    <a:lstStyle/>
-                    <a:p>
-                      <a:pPr marL="0" marR="0" lvl="0" indent="0" algn="l" defTabSz="914400" rtl="0" eaLnBrk="1" fontAlgn="auto" latinLnBrk="0" hangingPunct="1">
-                        <a:lnSpc>
-                          <a:spcPct val="100000"/>
-                        </a:lnSpc>
-                        <a:spcBef>
-                          <a:spcPts val="0"/>
-                        </a:spcBef>
-                        <a:spcAft>
-                          <a:spcPts val="0"/>
-                        </a:spcAft>
-                        <a:buClrTx/>
-                        <a:buSzTx/>
-                        <a:buFontTx/>
-                        <a:buNone/>
-                        <a:tabLst/>
-                        <a:defRPr/>
-                      </a:pPr>
-                      <a:r>
-                        <a:rPr lang="de-DE" sz="1800" kern="1200" dirty="0" smtClean="0">
-                          <a:solidFill>
-                            <a:schemeClr val="tx1"/>
-                          </a:solidFill>
-                          <a:latin typeface="+mn-lt"/>
-                          <a:ea typeface="+mn-ea"/>
-                          <a:cs typeface="+mn-cs"/>
-                        </a:rPr>
-                        <a:t>blog.its-people.de</a:t>
-                      </a:r>
-                    </a:p>
-                  </a:txBody>
-                  <a:tcPr anchor="ctr"/>
-                </a:tc>
-                <a:tc>
-                  <a:txBody>
-                    <a:bodyPr/>
-                    <a:lstStyle/>
-                    <a:p>
-                      <a:pPr marL="0" algn="l" defTabSz="914400" rtl="0" eaLnBrk="1" latinLnBrk="0" hangingPunct="1"/>
-                      <a:r>
-                        <a:rPr lang="de-DE" sz="4800" kern="1200" dirty="0" smtClean="0">
-                          <a:solidFill>
-                            <a:srgbClr val="A5300F"/>
-                          </a:solidFill>
-                          <a:effectLst>
-                            <a:outerShdw blurRad="50800" dist="38100" dir="2700000" algn="tl" rotWithShape="0">
-                              <a:prstClr val="black">
-                                <a:alpha val="40000"/>
-                              </a:prstClr>
-                            </a:outerShdw>
-                          </a:effectLst>
-                          <a:latin typeface="FontAwesome" pitchFamily="2" charset="0"/>
-                          <a:ea typeface="+mn-ea"/>
-                          <a:cs typeface="+mn-cs"/>
-                        </a:rPr>
-                        <a:t></a:t>
-                      </a:r>
-                      <a:endParaRPr lang="de-DE" sz="4800" kern="1200" dirty="0">
-                        <a:solidFill>
-                          <a:srgbClr val="A5300F"/>
-                        </a:solidFill>
-                        <a:effectLst>
-                          <a:outerShdw blurRad="50800" dist="38100" dir="2700000" algn="tl" rotWithShape="0">
-                            <a:prstClr val="black">
-                              <a:alpha val="40000"/>
-                            </a:prstClr>
-                          </a:outerShdw>
-                        </a:effectLst>
-                        <a:latin typeface="FontAwesome" pitchFamily="2" charset="0"/>
-                        <a:ea typeface="+mn-ea"/>
-                        <a:cs typeface="+mn-cs"/>
-                      </a:endParaRPr>
-                    </a:p>
-                  </a:txBody>
-                  <a:tcPr anchor="ctr"/>
-                </a:tc>
-                <a:tc>
-                  <a:txBody>
-                    <a:bodyPr/>
-                    <a:lstStyle/>
-                    <a:p>
-                      <a:pPr marL="0" marR="0" lvl="0" indent="0" algn="l" defTabSz="914400" rtl="0" eaLnBrk="1" fontAlgn="auto" latinLnBrk="0" hangingPunct="1">
-                        <a:lnSpc>
-                          <a:spcPct val="100000"/>
-                        </a:lnSpc>
-                        <a:spcBef>
-                          <a:spcPts val="0"/>
-                        </a:spcBef>
-                        <a:spcAft>
-                          <a:spcPts val="0"/>
-                        </a:spcAft>
-                        <a:buClrTx/>
-                        <a:buSzTx/>
-                        <a:buFontTx/>
-                        <a:buNone/>
-                        <a:tabLst/>
-                        <a:defRPr/>
-                      </a:pPr>
-                      <a:r>
-                        <a:rPr lang="de-DE" dirty="0" err="1" smtClean="0"/>
-                        <a:t>Sabine.Heimsath</a:t>
-                      </a:r>
-                      <a:r>
-                        <a:rPr lang="de-DE" dirty="0" smtClean="0"/>
-                        <a:t/>
-                      </a:r>
-                      <a:br>
-                        <a:rPr lang="de-DE" dirty="0" smtClean="0"/>
-                      </a:br>
-                      <a:r>
-                        <a:rPr lang="de-DE" dirty="0" smtClean="0"/>
-                        <a:t>@its-people.de</a:t>
-                      </a:r>
-                      <a:endParaRPr lang="de-DE" dirty="0"/>
-                    </a:p>
-                  </a:txBody>
-                  <a:tcPr anchor="ctr"/>
-                </a:tc>
-                <a:extLst>
-                  <a:ext uri="{0D108BD9-81ED-4DB2-BD59-A6C34878D82A}">
-                    <a16:rowId xmlns:a16="http://schemas.microsoft.com/office/drawing/2014/main" val="2710380680"/>
-                  </a:ext>
-                </a:extLst>
-              </a:tr>
-            </a:tbl>
+          <a:graphicData uri="http://schemas.openxmlformats.org/drawingml/2006/diagram">
+            <dgm:relIds xmlns:dgm="http://schemas.openxmlformats.org/drawingml/2006/diagram" xmlns:r="http://schemas.openxmlformats.org/officeDocument/2006/relationships" r:dm="rId9" r:lo="rId10" r:qs="rId11" r:cs="rId12"/>
           </a:graphicData>
         </a:graphic>
       </p:graphicFrame>
@@ -48555,17 +51112,70 @@
   <p:clrMapOvr>
     <a:masterClrMapping/>
   </p:clrMapOvr>
-  <p:timing>
-    <p:tnLst>
-      <p:par>
-        <p:cTn id="1" dur="indefinite" restart="never" nodeType="tmRoot"/>
-      </p:par>
-    </p:tnLst>
-  </p:timing>
 </p:sld>
 </file>
 
 <file path=ppt/slides/slide4.xml><?xml version="1.0" encoding="utf-8"?>
+<p:sld xmlns:a="http://schemas.openxmlformats.org/drawingml/2006/main" xmlns:r="http://schemas.openxmlformats.org/officeDocument/2006/relationships" xmlns:p="http://schemas.openxmlformats.org/presentationml/2006/main">
+  <p:cSld>
+    <p:spTree>
+      <p:nvGrpSpPr>
+        <p:cNvPr id="1" name=""/>
+        <p:cNvGrpSpPr/>
+        <p:nvPr/>
+      </p:nvGrpSpPr>
+      <p:grpSpPr>
+        <a:xfrm>
+          <a:off x="0" y="0"/>
+          <a:ext cx="0" cy="0"/>
+          <a:chOff x="0" y="0"/>
+          <a:chExt cx="0" cy="0"/>
+        </a:xfrm>
+      </p:grpSpPr>
+      <p:pic>
+        <p:nvPicPr>
+          <p:cNvPr id="3" name="Grafik 2"/>
+          <p:cNvPicPr>
+            <a:picLocks noChangeAspect="1"/>
+          </p:cNvPicPr>
+          <p:nvPr/>
+        </p:nvPicPr>
+        <p:blipFill>
+          <a:blip r:embed="rId2" cstate="print">
+            <a:extLst>
+              <a:ext uri="{28A0092B-C50C-407E-A947-70E740481C1C}">
+                <a14:useLocalDpi xmlns:a14="http://schemas.microsoft.com/office/drawing/2010/main" val="0"/>
+              </a:ext>
+            </a:extLst>
+          </a:blip>
+          <a:stretch>
+            <a:fillRect/>
+          </a:stretch>
+        </p:blipFill>
+        <p:spPr>
+          <a:xfrm>
+            <a:off x="3912096" y="1522999"/>
+            <a:ext cx="4367808" cy="1365657"/>
+          </a:xfrm>
+          <a:prstGeom prst="rect">
+            <a:avLst/>
+          </a:prstGeom>
+        </p:spPr>
+      </p:pic>
+    </p:spTree>
+    <p:extLst>
+      <p:ext uri="{BB962C8B-B14F-4D97-AF65-F5344CB8AC3E}">
+        <p14:creationId xmlns:p14="http://schemas.microsoft.com/office/powerpoint/2010/main" val="517076366"/>
+      </p:ext>
+    </p:extLst>
+  </p:cSld>
+  <p:clrMapOvr>
+    <a:masterClrMapping/>
+  </p:clrMapOvr>
+</p:sld>
+</file>
+
+<file path=ppt/slides/slide5.xml><?xml version="1.0" encoding="utf-8"?>
 <p:sld xmlns:a="http://schemas.openxmlformats.org/drawingml/2006/main" xmlns:r="http://schemas.openxmlformats.org/officeDocument/2006/relationships" xmlns:p="http://schemas.openxmlformats.org/presentationml/2006/main">
   <p:cSld>
     <p:spTree>
@@ -48670,17 +51280,10 @@
   <p:clrMapOvr>
     <a:masterClrMapping/>
   </p:clrMapOvr>
-  <p:timing>
-    <p:tnLst>
-      <p:par>
-        <p:cTn id="1" dur="indefinite" restart="never" nodeType="tmRoot"/>
-      </p:par>
-    </p:tnLst>
-  </p:timing>
 </p:sld>
 </file>
 
-<file path=ppt/slides/slide5.xml><?xml version="1.0" encoding="utf-8"?>
+<file path=ppt/slides/slide6.xml><?xml version="1.0" encoding="utf-8"?>
 <p:sld xmlns:a="http://schemas.openxmlformats.org/drawingml/2006/main" xmlns:r="http://schemas.openxmlformats.org/officeDocument/2006/relationships" xmlns:p="http://schemas.openxmlformats.org/presentationml/2006/main">
   <p:cSld>
     <p:spTree>
@@ -48765,7 +51368,7 @@
           <p:nvPr>
             <p:extLst>
               <p:ext uri="{D42A27DB-BD31-4B8C-83A1-F6EECF244321}">
-                <p14:modId xmlns:p14="http://schemas.microsoft.com/office/powerpoint/2010/main" val="3170954918"/>
+                <p14:modId xmlns:p14="http://schemas.microsoft.com/office/powerpoint/2010/main" val="3016748240"/>
               </p:ext>
             </p:extLst>
           </p:nvPr>
@@ -48776,7 +51379,7 @@
         </p:xfrm>
         <a:graphic>
           <a:graphicData uri="http://schemas.openxmlformats.org/drawingml/2006/diagram">
-            <dgm:relIds xmlns:dgm="http://schemas.openxmlformats.org/drawingml/2006/diagram" xmlns:r="http://schemas.openxmlformats.org/officeDocument/2006/relationships" r:dm="rId2" r:lo="rId3" r:qs="rId4" r:cs="rId5"/>
+            <dgm:relIds xmlns:dgm="http://schemas.openxmlformats.org/drawingml/2006/diagram" xmlns:r="http://schemas.openxmlformats.org/officeDocument/2006/relationships" r:dm="rId3" r:lo="rId4" r:qs="rId5" r:cs="rId6"/>
           </a:graphicData>
         </a:graphic>
       </p:graphicFrame>
@@ -48789,7 +51392,7 @@
           <p:nvPr/>
         </p:nvPicPr>
         <p:blipFill>
-          <a:blip r:embed="rId7">
+          <a:blip r:embed="rId8">
             <a:extLst>
               <a:ext uri="{28A0092B-C50C-407E-A947-70E740481C1C}">
                 <a14:useLocalDpi xmlns:a14="http://schemas.microsoft.com/office/drawing/2010/main" val="0"/>
@@ -48831,17 +51434,10 @@
   <p:clrMapOvr>
     <a:masterClrMapping/>
   </p:clrMapOvr>
-  <p:timing>
-    <p:tnLst>
-      <p:par>
-        <p:cTn id="1" dur="indefinite" restart="never" nodeType="tmRoot"/>
-      </p:par>
-    </p:tnLst>
-  </p:timing>
 </p:sld>
 </file>
 
-<file path=ppt/slides/slide6.xml><?xml version="1.0" encoding="utf-8"?>
+<file path=ppt/slides/slide7.xml><?xml version="1.0" encoding="utf-8"?>
 <p:sld xmlns:a="http://schemas.openxmlformats.org/drawingml/2006/main" xmlns:r="http://schemas.openxmlformats.org/officeDocument/2006/relationships" xmlns:p="http://schemas.openxmlformats.org/presentationml/2006/main">
   <p:cSld>
     <p:spTree>
@@ -48893,31 +51489,6 @@
           </a:p>
         </p:txBody>
       </p:sp>
-      <p:graphicFrame>
-        <p:nvGraphicFramePr>
-          <p:cNvPr id="5" name="Inhaltsplatzhalter 4"/>
-          <p:cNvGraphicFramePr>
-            <a:graphicFrameLocks noGrp="1"/>
-          </p:cNvGraphicFramePr>
-          <p:nvPr>
-            <p:ph idx="4294967295"/>
-            <p:extLst>
-              <p:ext uri="{D42A27DB-BD31-4B8C-83A1-F6EECF244321}">
-                <p14:modId xmlns:p14="http://schemas.microsoft.com/office/powerpoint/2010/main" val="1472247250"/>
-              </p:ext>
-            </p:extLst>
-          </p:nvPr>
-        </p:nvGraphicFramePr>
-        <p:xfrm>
-          <a:off x="838200" y="1825625"/>
-          <a:ext cx="10515600" cy="4351338"/>
-        </p:xfrm>
-        <a:graphic>
-          <a:graphicData uri="http://schemas.openxmlformats.org/drawingml/2006/diagram">
-            <dgm:relIds xmlns:dgm="http://schemas.openxmlformats.org/drawingml/2006/diagram" xmlns:r="http://schemas.openxmlformats.org/officeDocument/2006/relationships" r:dm="rId3" r:lo="rId4" r:qs="rId5" r:cs="rId6"/>
-          </a:graphicData>
-        </a:graphic>
-      </p:graphicFrame>
       <p:sp>
         <p:nvSpPr>
           <p:cNvPr id="4" name="Textfeld 3"/>
@@ -48947,6 +51518,58 @@
           </a:p>
         </p:txBody>
       </p:sp>
+      <p:graphicFrame>
+        <p:nvGraphicFramePr>
+          <p:cNvPr id="6" name="Diagramm 5"/>
+          <p:cNvGraphicFramePr/>
+          <p:nvPr>
+            <p:extLst>
+              <p:ext uri="{D42A27DB-BD31-4B8C-83A1-F6EECF244321}">
+                <p14:modId xmlns:p14="http://schemas.microsoft.com/office/powerpoint/2010/main" val="3587658575"/>
+              </p:ext>
+            </p:extLst>
+          </p:nvPr>
+        </p:nvGraphicFramePr>
+        <p:xfrm>
+          <a:off x="263352" y="365125"/>
+          <a:ext cx="11521280" cy="5584156"/>
+        </p:xfrm>
+        <a:graphic>
+          <a:graphicData uri="http://schemas.openxmlformats.org/drawingml/2006/diagram">
+            <dgm:relIds xmlns:dgm="http://schemas.openxmlformats.org/drawingml/2006/diagram" xmlns:r="http://schemas.openxmlformats.org/officeDocument/2006/relationships" r:dm="rId3" r:lo="rId4" r:qs="rId5" r:cs="rId6"/>
+          </a:graphicData>
+        </a:graphic>
+      </p:graphicFrame>
+      <p:pic>
+        <p:nvPicPr>
+          <p:cNvPr id="7" name="Grafik 6"/>
+          <p:cNvPicPr>
+            <a:picLocks noChangeAspect="1"/>
+          </p:cNvPicPr>
+          <p:nvPr/>
+        </p:nvPicPr>
+        <p:blipFill>
+          <a:blip r:embed="rId8">
+            <a:extLst>
+              <a:ext uri="{28A0092B-C50C-407E-A947-70E740481C1C}">
+                <a14:useLocalDpi xmlns:a14="http://schemas.microsoft.com/office/drawing/2010/main" val="0"/>
+              </a:ext>
+            </a:extLst>
+          </a:blip>
+          <a:stretch>
+            <a:fillRect/>
+          </a:stretch>
+        </p:blipFill>
+        <p:spPr>
+          <a:xfrm>
+            <a:off x="838800" y="1771200"/>
+            <a:ext cx="3816000" cy="3900177"/>
+          </a:xfrm>
+          <a:prstGeom prst="rect">
+            <a:avLst/>
+          </a:prstGeom>
+        </p:spPr>
+      </p:pic>
     </p:spTree>
     <p:extLst>
       <p:ext uri="{BB962C8B-B14F-4D97-AF65-F5344CB8AC3E}">
@@ -48957,17 +51580,10 @@
   <p:clrMapOvr>
     <a:masterClrMapping/>
   </p:clrMapOvr>
-  <p:timing>
-    <p:tnLst>
-      <p:par>
-        <p:cTn id="1" dur="indefinite" restart="never" nodeType="tmRoot"/>
-      </p:par>
-    </p:tnLst>
-  </p:timing>
 </p:sld>
 </file>
 
-<file path=ppt/slides/slide7.xml><?xml version="1.0" encoding="utf-8"?>
+<file path=ppt/slides/slide8.xml><?xml version="1.0" encoding="utf-8"?>
 <p:sld xmlns:a="http://schemas.openxmlformats.org/drawingml/2006/main" xmlns:r="http://schemas.openxmlformats.org/officeDocument/2006/relationships" xmlns:p="http://schemas.openxmlformats.org/presentationml/2006/main">
   <p:cSld>
     <p:spTree>
@@ -49104,17 +51720,10 @@
   <p:clrMapOvr>
     <a:masterClrMapping/>
   </p:clrMapOvr>
-  <p:timing>
-    <p:tnLst>
-      <p:par>
-        <p:cTn id="1" dur="indefinite" restart="never" nodeType="tmRoot"/>
-      </p:par>
-    </p:tnLst>
-  </p:timing>
 </p:sld>
 </file>
 
-<file path=ppt/slides/slide8.xml><?xml version="1.0" encoding="utf-8"?>
+<file path=ppt/slides/slide9.xml><?xml version="1.0" encoding="utf-8"?>
 <p:sld xmlns:a="http://schemas.openxmlformats.org/drawingml/2006/main" xmlns:r="http://schemas.openxmlformats.org/officeDocument/2006/relationships" xmlns:p="http://schemas.openxmlformats.org/presentationml/2006/main">
   <p:cSld>
     <p:spTree>
@@ -49131,6 +51740,30 @@
           <a:chExt cx="0" cy="0"/>
         </a:xfrm>
       </p:grpSpPr>
+      <p:pic>
+        <p:nvPicPr>
+          <p:cNvPr id="3" name="Grafik 2"/>
+          <p:cNvPicPr>
+            <a:picLocks noChangeAspect="1"/>
+          </p:cNvPicPr>
+          <p:nvPr/>
+        </p:nvPicPr>
+        <p:blipFill>
+          <a:blip r:embed="rId3"/>
+          <a:stretch>
+            <a:fillRect/>
+          </a:stretch>
+        </p:blipFill>
+        <p:spPr>
+          <a:xfrm>
+            <a:off x="7313530" y="0"/>
+            <a:ext cx="4903150" cy="6858000"/>
+          </a:xfrm>
+          <a:prstGeom prst="rect">
+            <a:avLst/>
+          </a:prstGeom>
+        </p:spPr>
+      </p:pic>
       <p:sp>
         <p:nvSpPr>
           <p:cNvPr id="2" name="Titel 1"/>
@@ -49176,18 +51809,18 @@
             <p:ph idx="4294967295"/>
             <p:extLst>
               <p:ext uri="{D42A27DB-BD31-4B8C-83A1-F6EECF244321}">
-                <p14:modId xmlns:p14="http://schemas.microsoft.com/office/powerpoint/2010/main" val="738447434"/>
+                <p14:modId xmlns:p14="http://schemas.microsoft.com/office/powerpoint/2010/main" val="1117353374"/>
               </p:ext>
             </p:extLst>
           </p:nvPr>
         </p:nvGraphicFramePr>
         <p:xfrm>
           <a:off x="838200" y="1557338"/>
-          <a:ext cx="10515600" cy="4619625"/>
+          <a:ext cx="6121896" cy="4619625"/>
         </p:xfrm>
         <a:graphic>
           <a:graphicData uri="http://schemas.openxmlformats.org/drawingml/2006/diagram">
-            <dgm:relIds xmlns:dgm="http://schemas.openxmlformats.org/drawingml/2006/diagram" xmlns:r="http://schemas.openxmlformats.org/officeDocument/2006/relationships" r:dm="rId3" r:lo="rId4" r:qs="rId5" r:cs="rId6"/>
+            <dgm:relIds xmlns:dgm="http://schemas.openxmlformats.org/drawingml/2006/diagram" xmlns:r="http://schemas.openxmlformats.org/officeDocument/2006/relationships" r:dm="rId4" r:lo="rId5" r:qs="rId6" r:cs="rId7"/>
           </a:graphicData>
         </a:graphic>
       </p:graphicFrame>
@@ -49224,121 +51857,6 @@
     <p:extLst>
       <p:ext uri="{BB962C8B-B14F-4D97-AF65-F5344CB8AC3E}">
         <p14:creationId xmlns:p14="http://schemas.microsoft.com/office/powerpoint/2010/main" val="3922664283"/>
-      </p:ext>
-    </p:extLst>
-  </p:cSld>
-  <p:clrMapOvr>
-    <a:masterClrMapping/>
-  </p:clrMapOvr>
-</p:sld>
-</file>
-
-<file path=ppt/slides/slide9.xml><?xml version="1.0" encoding="utf-8"?>
-<p:sld xmlns:a="http://schemas.openxmlformats.org/drawingml/2006/main" xmlns:r="http://schemas.openxmlformats.org/officeDocument/2006/relationships" xmlns:p="http://schemas.openxmlformats.org/presentationml/2006/main">
-  <p:cSld>
-    <p:spTree>
-      <p:nvGrpSpPr>
-        <p:cNvPr id="1" name=""/>
-        <p:cNvGrpSpPr/>
-        <p:nvPr/>
-      </p:nvGrpSpPr>
-      <p:grpSpPr>
-        <a:xfrm>
-          <a:off x="0" y="0"/>
-          <a:ext cx="0" cy="0"/>
-          <a:chOff x="0" y="0"/>
-          <a:chExt cx="0" cy="0"/>
-        </a:xfrm>
-      </p:grpSpPr>
-      <p:sp>
-        <p:nvSpPr>
-          <p:cNvPr id="2" name="Titel 1"/>
-          <p:cNvSpPr>
-            <a:spLocks noGrp="1"/>
-          </p:cNvSpPr>
-          <p:nvPr>
-            <p:ph type="title" idx="4294967295"/>
-          </p:nvPr>
-        </p:nvSpPr>
-        <p:spPr>
-          <a:xfrm>
-            <a:off x="838200" y="365125"/>
-            <a:ext cx="10515600" cy="1325563"/>
-          </a:xfrm>
-        </p:spPr>
-        <p:txBody>
-          <a:bodyPr/>
-          <a:lstStyle/>
-          <a:p>
-            <a:r>
-              <a:rPr lang="de-DE" dirty="0" err="1"/>
-              <a:t>SQLcl</a:t>
-            </a:r>
-            <a:r>
-              <a:rPr lang="de-DE" dirty="0"/>
-              <a:t> – Aufwärmen</a:t>
-            </a:r>
-          </a:p>
-        </p:txBody>
-      </p:sp>
-      <p:graphicFrame>
-        <p:nvGraphicFramePr>
-          <p:cNvPr id="4" name="Inhaltsplatzhalter 3"/>
-          <p:cNvGraphicFramePr>
-            <a:graphicFrameLocks noGrp="1"/>
-          </p:cNvGraphicFramePr>
-          <p:nvPr>
-            <p:ph idx="4294967295"/>
-            <p:extLst>
-              <p:ext uri="{D42A27DB-BD31-4B8C-83A1-F6EECF244321}">
-                <p14:modId xmlns:p14="http://schemas.microsoft.com/office/powerpoint/2010/main" val="953099633"/>
-              </p:ext>
-            </p:extLst>
-          </p:nvPr>
-        </p:nvGraphicFramePr>
-        <p:xfrm>
-          <a:off x="838200" y="1557338"/>
-          <a:ext cx="10515600" cy="4619625"/>
-        </p:xfrm>
-        <a:graphic>
-          <a:graphicData uri="http://schemas.openxmlformats.org/drawingml/2006/diagram">
-            <dgm:relIds xmlns:dgm="http://schemas.openxmlformats.org/drawingml/2006/diagram" xmlns:r="http://schemas.openxmlformats.org/officeDocument/2006/relationships" r:dm="rId3" r:lo="rId4" r:qs="rId5" r:cs="rId6"/>
-          </a:graphicData>
-        </a:graphic>
-      </p:graphicFrame>
-      <p:sp>
-        <p:nvSpPr>
-          <p:cNvPr id="5" name="Textfeld 4"/>
-          <p:cNvSpPr txBox="1"/>
-          <p:nvPr/>
-        </p:nvSpPr>
-        <p:spPr>
-          <a:xfrm>
-            <a:off x="11496600" y="6582544"/>
-            <a:ext cx="1008112" cy="230832"/>
-          </a:xfrm>
-          <a:prstGeom prst="rect">
-            <a:avLst/>
-          </a:prstGeom>
-          <a:noFill/>
-        </p:spPr>
-        <p:txBody>
-          <a:bodyPr wrap="square" rtlCol="0">
-            <a:spAutoFit/>
-          </a:bodyPr>
-          <a:lstStyle/>
-          <a:p>
-            <a:r>
-              <a:rPr lang="de-DE" sz="900" dirty="0"/>
-              <a:t>SH 2“</a:t>
-            </a:r>
-          </a:p>
-        </p:txBody>
-      </p:sp>
-    </p:spTree>
-    <p:extLst>
-      <p:ext uri="{BB962C8B-B14F-4D97-AF65-F5344CB8AC3E}">
-        <p14:creationId xmlns:p14="http://schemas.microsoft.com/office/powerpoint/2010/main" val="1808982974"/>
       </p:ext>
     </p:extLst>
   </p:cSld>
